--- a/EnergyFile.pptx
+++ b/EnergyFile.pptx
@@ -5,7 +5,7 @@
     <p:sldMasterId id="2147483648" r:id="rId1"/>
   </p:sldMasterIdLst>
   <p:notesMasterIdLst>
-    <p:notesMasterId r:id="rId8"/>
+    <p:notesMasterId r:id="rId9"/>
   </p:notesMasterIdLst>
   <p:sldIdLst>
     <p:sldId id="281" r:id="rId2"/>
@@ -14,6 +14,7 @@
     <p:sldId id="301" r:id="rId5"/>
     <p:sldId id="292" r:id="rId6"/>
     <p:sldId id="303" r:id="rId7"/>
+    <p:sldId id="304" r:id="rId8"/>
   </p:sldIdLst>
   <p:sldSz cx="12192000" cy="6858000"/>
   <p:notesSz cx="6858000" cy="9144000"/>
@@ -112,6 +113,11 @@
       </a:defRPr>
     </a:lvl9pPr>
   </p:defaultTextStyle>
+  <p:extLst>
+    <p:ext uri="{EFAFB233-063F-42B5-8137-9DF3F51BA10A}">
+      <p15:sldGuideLst xmlns:p15="http://schemas.microsoft.com/office/powerpoint/2012/main"/>
+    </p:ext>
+  </p:extLst>
 </p:presentation>
 </file>
 
@@ -125,20 +131,6 @@
     </p:extLst>
   </p:cmAuthor>
 </p:cmAuthorLst>
-</file>
-
-<file path=ppt/comments/comment1.xml><?xml version="1.0" encoding="utf-8"?>
-<p:cmLst xmlns:a="http://schemas.openxmlformats.org/drawingml/2006/main" xmlns:r="http://schemas.openxmlformats.org/officeDocument/2006/relationships" xmlns:p="http://schemas.openxmlformats.org/presentationml/2006/main">
-  <p:cm authorId="1" dt="2021-04-15T11:40:12.725" idx="1">
-    <p:pos x="10" y="10"/>
-    <p:text/>
-    <p:extLst>
-      <p:ext uri="{C676402C-5697-4E1C-873F-D02D1690AC5C}">
-        <p15:threadingInfo xmlns:p15="http://schemas.microsoft.com/office/powerpoint/2012/main" timeZoneBias="240"/>
-      </p:ext>
-    </p:extLst>
-  </p:cm>
-</p:cmLst>
 </file>
 
 <file path=ppt/notesMasters/notesMaster1.xml><?xml version="1.0" encoding="utf-8"?>
@@ -223,7 +215,7 @@
           <a:p>
             <a:fld id="{E0D357E1-BBCA-7E4B-882A-08C6CB0DA45B}" type="datetimeFigureOut">
               <a:rPr lang="en-US" smtClean="0"/>
-              <a:t>4/16/21</a:t>
+              <a:t>4/20/21</a:t>
             </a:fld>
             <a:endParaRPr lang="en-US"/>
           </a:p>
@@ -534,254 +526,10 @@
           <a:bodyPr/>
           <a:lstStyle/>
           <a:p>
-            <a:pPr marL="228600" marR="0" lvl="0" indent="-228600" algn="l" defTabSz="914400" rtl="0" eaLnBrk="1" fontAlgn="auto" latinLnBrk="0" hangingPunct="1">
-              <a:lnSpc>
-                <a:spcPct val="100000"/>
-              </a:lnSpc>
-              <a:spcBef>
-                <a:spcPts val="0"/>
-              </a:spcBef>
-              <a:spcAft>
-                <a:spcPts val="0"/>
-              </a:spcAft>
-              <a:buClrTx/>
-              <a:buSzTx/>
-              <a:buFontTx/>
-              <a:buAutoNum type="arabicPeriod"/>
-              <a:tabLst/>
-              <a:defRPr/>
-            </a:pPr>
             <a:r>
               <a:rPr lang="en-US" dirty="0"/>
-              <a:t>X-CMC to X-DIM-A: two phenyl ring are very far in transition state, they arise to form a C—C bond on top of a copper, their pai interaction with copper surface is drastically decreased; CMC-DIM, two phenyl ring always stay close to surface and to each other, their pai-system are ready to built.</a:t>
+              <a:t>Lack of some states figures (in diagram)</a:t>
             </a:r>
-          </a:p>
-          <a:p>
-            <a:pPr marL="228600" marR="0" lvl="0" indent="-228600" algn="l" defTabSz="914400" rtl="0" eaLnBrk="1" fontAlgn="auto" latinLnBrk="0" hangingPunct="1">
-              <a:lnSpc>
-                <a:spcPct val="100000"/>
-              </a:lnSpc>
-              <a:spcBef>
-                <a:spcPts val="0"/>
-              </a:spcBef>
-              <a:spcAft>
-                <a:spcPts val="0"/>
-              </a:spcAft>
-              <a:buClrTx/>
-              <a:buSzTx/>
-              <a:buFontTx/>
-              <a:buAutoNum type="arabicPeriod"/>
-              <a:tabLst/>
-              <a:defRPr/>
-            </a:pPr>
-            <a:r>
-              <a:rPr lang="en-US" dirty="0"/>
-              <a:t>X-DIM-A: the biphenyl are not planar, it distort the pai-system and decrease its interaction with surface</a:t>
-            </a:r>
-          </a:p>
-          <a:p>
-            <a:pPr marL="228600" marR="0" lvl="0" indent="-228600" algn="l" defTabSz="914400" rtl="0" eaLnBrk="1" fontAlgn="auto" latinLnBrk="0" hangingPunct="1">
-              <a:lnSpc>
-                <a:spcPct val="100000"/>
-              </a:lnSpc>
-              <a:spcBef>
-                <a:spcPts val="0"/>
-              </a:spcBef>
-              <a:spcAft>
-                <a:spcPts val="0"/>
-              </a:spcAft>
-              <a:buClrTx/>
-              <a:buSzTx/>
-              <a:buFontTx/>
-              <a:buAutoNum type="arabicPeriod"/>
-              <a:tabLst/>
-              <a:defRPr/>
-            </a:pPr>
-            <a:endParaRPr lang="en-US" dirty="0"/>
-          </a:p>
-          <a:p>
-            <a:pPr marL="228600" marR="0" lvl="0" indent="-228600" algn="l" defTabSz="914400" rtl="0" eaLnBrk="1" fontAlgn="auto" latinLnBrk="0" hangingPunct="1">
-              <a:lnSpc>
-                <a:spcPct val="100000"/>
-              </a:lnSpc>
-              <a:spcBef>
-                <a:spcPts val="0"/>
-              </a:spcBef>
-              <a:spcAft>
-                <a:spcPts val="0"/>
-              </a:spcAft>
-              <a:buClrTx/>
-              <a:buSzTx/>
-              <a:buFontTx/>
-              <a:buAutoNum type="arabicPeriod"/>
-              <a:tabLst/>
-              <a:defRPr/>
-            </a:pPr>
-            <a:r>
-              <a:rPr lang="en-US" dirty="0"/>
-              <a:t>X-CMC: red C—C 3.89, C—Cu 1.94 C—Sur 2.27</a:t>
-            </a:r>
-          </a:p>
-          <a:p>
-            <a:pPr marL="228600" marR="0" lvl="0" indent="-228600" algn="l" defTabSz="914400" rtl="0" eaLnBrk="1" fontAlgn="auto" latinLnBrk="0" hangingPunct="1">
-              <a:lnSpc>
-                <a:spcPct val="100000"/>
-              </a:lnSpc>
-              <a:spcBef>
-                <a:spcPts val="0"/>
-              </a:spcBef>
-              <a:spcAft>
-                <a:spcPts val="0"/>
-              </a:spcAft>
-              <a:buClrTx/>
-              <a:buSzTx/>
-              <a:buFontTx/>
-              <a:buAutoNum type="arabicPeriod"/>
-              <a:tabLst/>
-              <a:defRPr/>
-            </a:pPr>
-            <a:r>
-              <a:rPr lang="en-US" dirty="0"/>
-              <a:t>Black C—C 3.10 C—Cu 2.05</a:t>
-            </a:r>
-          </a:p>
-          <a:p>
-            <a:pPr marL="228600" marR="0" lvl="0" indent="-228600" algn="l" defTabSz="914400" rtl="0" eaLnBrk="1" fontAlgn="auto" latinLnBrk="0" hangingPunct="1">
-              <a:lnSpc>
-                <a:spcPct val="100000"/>
-              </a:lnSpc>
-              <a:spcBef>
-                <a:spcPts val="0"/>
-              </a:spcBef>
-              <a:spcAft>
-                <a:spcPts val="0"/>
-              </a:spcAft>
-              <a:buClrTx/>
-              <a:buSzTx/>
-              <a:buFontTx/>
-              <a:buAutoNum type="arabicPeriod"/>
-              <a:tabLst/>
-              <a:defRPr/>
-            </a:pPr>
-            <a:endParaRPr lang="en-US" dirty="0"/>
-          </a:p>
-          <a:p>
-            <a:pPr marL="228600" marR="0" lvl="0" indent="-228600" algn="l" defTabSz="914400" rtl="0" eaLnBrk="1" fontAlgn="auto" latinLnBrk="0" hangingPunct="1">
-              <a:lnSpc>
-                <a:spcPct val="100000"/>
-              </a:lnSpc>
-              <a:spcBef>
-                <a:spcPts val="0"/>
-              </a:spcBef>
-              <a:spcAft>
-                <a:spcPts val="0"/>
-              </a:spcAft>
-              <a:buClrTx/>
-              <a:buSzTx/>
-              <a:buFontTx/>
-              <a:buAutoNum type="arabicPeriod"/>
-              <a:tabLst/>
-              <a:defRPr/>
-            </a:pPr>
-            <a:r>
-              <a:rPr lang="en-US" dirty="0"/>
-              <a:t>X-CMC(Transition state): red line, two phenyl ring is very high on surface, almost parallel. C—C 2.53, C—Cu 1.89 C—Sur 3.42</a:t>
-            </a:r>
-          </a:p>
-          <a:p>
-            <a:pPr marL="228600" marR="0" lvl="0" indent="-228600" algn="l" defTabSz="914400" rtl="0" eaLnBrk="1" fontAlgn="auto" latinLnBrk="0" hangingPunct="1">
-              <a:lnSpc>
-                <a:spcPct val="100000"/>
-              </a:lnSpc>
-              <a:spcBef>
-                <a:spcPts val="0"/>
-              </a:spcBef>
-              <a:spcAft>
-                <a:spcPts val="0"/>
-              </a:spcAft>
-              <a:buClrTx/>
-              <a:buSzTx/>
-              <a:buFontTx/>
-              <a:buAutoNum type="arabicPeriod"/>
-              <a:tabLst/>
-              <a:defRPr/>
-            </a:pPr>
-            <a:r>
-              <a:rPr lang="en-US" dirty="0"/>
-              <a:t>Black line: still tilt, interact with lifted copper C—C 2.28 C--Cu 2.02</a:t>
-            </a:r>
-          </a:p>
-          <a:p>
-            <a:pPr marL="228600" marR="0" lvl="0" indent="-228600" algn="l" defTabSz="914400" rtl="0" eaLnBrk="1" fontAlgn="auto" latinLnBrk="0" hangingPunct="1">
-              <a:lnSpc>
-                <a:spcPct val="100000"/>
-              </a:lnSpc>
-              <a:spcBef>
-                <a:spcPts val="0"/>
-              </a:spcBef>
-              <a:spcAft>
-                <a:spcPts val="0"/>
-              </a:spcAft>
-              <a:buClrTx/>
-              <a:buSzTx/>
-              <a:buFontTx/>
-              <a:buAutoNum type="arabicPeriod"/>
-              <a:tabLst/>
-              <a:defRPr/>
-            </a:pPr>
-            <a:endParaRPr lang="en-US" dirty="0"/>
-          </a:p>
-          <a:p>
-            <a:pPr marL="228600" marR="0" lvl="0" indent="-228600" algn="l" defTabSz="914400" rtl="0" eaLnBrk="1" fontAlgn="auto" latinLnBrk="0" hangingPunct="1">
-              <a:lnSpc>
-                <a:spcPct val="100000"/>
-              </a:lnSpc>
-              <a:spcBef>
-                <a:spcPts val="0"/>
-              </a:spcBef>
-              <a:spcAft>
-                <a:spcPts val="0"/>
-              </a:spcAft>
-              <a:buClrTx/>
-              <a:buSzTx/>
-              <a:buFontTx/>
-              <a:buAutoNum type="arabicPeriod"/>
-              <a:tabLst/>
-              <a:defRPr/>
-            </a:pPr>
-            <a:r>
-              <a:rPr lang="en-US" dirty="0"/>
-              <a:t>Final red C—C 1.50 C—Cu 2.17 C—Sur 3.58</a:t>
-            </a:r>
-          </a:p>
-          <a:p>
-            <a:pPr marL="228600" marR="0" lvl="0" indent="-228600" algn="l" defTabSz="914400" rtl="0" eaLnBrk="1" fontAlgn="auto" latinLnBrk="0" hangingPunct="1">
-              <a:lnSpc>
-                <a:spcPct val="100000"/>
-              </a:lnSpc>
-              <a:spcBef>
-                <a:spcPts val="0"/>
-              </a:spcBef>
-              <a:spcAft>
-                <a:spcPts val="0"/>
-              </a:spcAft>
-              <a:buClrTx/>
-              <a:buSzTx/>
-              <a:buFontTx/>
-              <a:buAutoNum type="arabicPeriod"/>
-              <a:tabLst/>
-              <a:defRPr/>
-            </a:pPr>
-            <a:r>
-              <a:rPr lang="en-US" dirty="0"/>
-              <a:t>Black C—C 1.49 C—Cu 3.21</a:t>
-            </a:r>
-          </a:p>
-          <a:p>
-            <a:pPr marL="228600" indent="-228600">
-              <a:buAutoNum type="arabicPeriod"/>
-            </a:pPr>
-            <a:endParaRPr lang="en-US" dirty="0"/>
           </a:p>
         </p:txBody>
       </p:sp>
@@ -800,9 +548,9 @@
           <a:bodyPr/>
           <a:lstStyle/>
           <a:p>
-            <a:fld id="{25211B34-18CC-D744-9E8C-A2A3BCB534CD}" type="slidenum">
+            <a:fld id="{4E02406E-51B6-6C4F-B6FA-25E5FA24AA93}" type="slidenum">
               <a:rPr lang="en-US" smtClean="0"/>
-              <a:t>3</a:t>
+              <a:t>2</a:t>
             </a:fld>
             <a:endParaRPr lang="en-US"/>
           </a:p>
@@ -811,7 +559,7 @@
     </p:spTree>
     <p:extLst>
       <p:ext uri="{BB962C8B-B14F-4D97-AF65-F5344CB8AC3E}">
-        <p14:creationId xmlns:p14="http://schemas.microsoft.com/office/powerpoint/2010/main" val="2719302773"/>
+        <p14:creationId xmlns:p14="http://schemas.microsoft.com/office/powerpoint/2010/main" val="1563432993"/>
       </p:ext>
     </p:extLst>
   </p:cSld>
@@ -865,6 +613,253 @@
           <a:bodyPr/>
           <a:lstStyle/>
           <a:p>
+            <a:pPr marL="228600" marR="0" lvl="0" indent="-228600" algn="l" defTabSz="914400" rtl="0" eaLnBrk="1" fontAlgn="auto" latinLnBrk="0" hangingPunct="1">
+              <a:lnSpc>
+                <a:spcPct val="100000"/>
+              </a:lnSpc>
+              <a:spcBef>
+                <a:spcPts val="0"/>
+              </a:spcBef>
+              <a:spcAft>
+                <a:spcPts val="0"/>
+              </a:spcAft>
+              <a:buClrTx/>
+              <a:buSzTx/>
+              <a:buFontTx/>
+              <a:buAutoNum type="arabicPeriod"/>
+              <a:tabLst/>
+              <a:defRPr/>
+            </a:pPr>
+            <a:r>
+              <a:rPr lang="en-US" dirty="0"/>
+              <a:t>X-CMC to X-DIM-A: two phenyl ring are very far in transition state, they arise to form a C—C bond on top of a copper, their pai interaction with copper surface is drastically decreased; CMC-DIM, two phenyl ring always stay close to surface and to each other, their pai-system are ready to built.</a:t>
+            </a:r>
+          </a:p>
+          <a:p>
+            <a:pPr marL="228600" marR="0" lvl="0" indent="-228600" algn="l" defTabSz="914400" rtl="0" eaLnBrk="1" fontAlgn="auto" latinLnBrk="0" hangingPunct="1">
+              <a:lnSpc>
+                <a:spcPct val="100000"/>
+              </a:lnSpc>
+              <a:spcBef>
+                <a:spcPts val="0"/>
+              </a:spcBef>
+              <a:spcAft>
+                <a:spcPts val="0"/>
+              </a:spcAft>
+              <a:buClrTx/>
+              <a:buSzTx/>
+              <a:buFontTx/>
+              <a:buAutoNum type="arabicPeriod"/>
+              <a:tabLst/>
+              <a:defRPr/>
+            </a:pPr>
+            <a:r>
+              <a:rPr lang="en-US" dirty="0"/>
+              <a:t>X-DIM-A: the biphenyl are not planar, it distort the pai-system and decrease its interaction with surface</a:t>
+            </a:r>
+          </a:p>
+          <a:p>
+            <a:pPr marL="228600" marR="0" lvl="0" indent="-228600" algn="l" defTabSz="914400" rtl="0" eaLnBrk="1" fontAlgn="auto" latinLnBrk="0" hangingPunct="1">
+              <a:lnSpc>
+                <a:spcPct val="100000"/>
+              </a:lnSpc>
+              <a:spcBef>
+                <a:spcPts val="0"/>
+              </a:spcBef>
+              <a:spcAft>
+                <a:spcPts val="0"/>
+              </a:spcAft>
+              <a:buClrTx/>
+              <a:buSzTx/>
+              <a:buFontTx/>
+              <a:buAutoNum type="arabicPeriod"/>
+              <a:tabLst/>
+              <a:defRPr/>
+            </a:pPr>
+            <a:endParaRPr lang="en-US" dirty="0"/>
+          </a:p>
+          <a:p>
+            <a:pPr marL="228600" marR="0" lvl="0" indent="-228600" algn="l" defTabSz="914400" rtl="0" eaLnBrk="1" fontAlgn="auto" latinLnBrk="0" hangingPunct="1">
+              <a:lnSpc>
+                <a:spcPct val="100000"/>
+              </a:lnSpc>
+              <a:spcBef>
+                <a:spcPts val="0"/>
+              </a:spcBef>
+              <a:spcAft>
+                <a:spcPts val="0"/>
+              </a:spcAft>
+              <a:buClrTx/>
+              <a:buSzTx/>
+              <a:buFontTx/>
+              <a:buAutoNum type="arabicPeriod"/>
+              <a:tabLst/>
+              <a:defRPr/>
+            </a:pPr>
+            <a:r>
+              <a:rPr lang="en-US" dirty="0"/>
+              <a:t>X-CMC: red C—C 3.89, C—Cu 1.94 C—Sur 2.27</a:t>
+            </a:r>
+          </a:p>
+          <a:p>
+            <a:pPr marL="228600" marR="0" lvl="0" indent="-228600" algn="l" defTabSz="914400" rtl="0" eaLnBrk="1" fontAlgn="auto" latinLnBrk="0" hangingPunct="1">
+              <a:lnSpc>
+                <a:spcPct val="100000"/>
+              </a:lnSpc>
+              <a:spcBef>
+                <a:spcPts val="0"/>
+              </a:spcBef>
+              <a:spcAft>
+                <a:spcPts val="0"/>
+              </a:spcAft>
+              <a:buClrTx/>
+              <a:buSzTx/>
+              <a:buFontTx/>
+              <a:buAutoNum type="arabicPeriod"/>
+              <a:tabLst/>
+              <a:defRPr/>
+            </a:pPr>
+            <a:r>
+              <a:rPr lang="en-US" dirty="0"/>
+              <a:t>Black C—C 3.10 C—Cu 2.05</a:t>
+            </a:r>
+          </a:p>
+          <a:p>
+            <a:pPr marL="228600" marR="0" lvl="0" indent="-228600" algn="l" defTabSz="914400" rtl="0" eaLnBrk="1" fontAlgn="auto" latinLnBrk="0" hangingPunct="1">
+              <a:lnSpc>
+                <a:spcPct val="100000"/>
+              </a:lnSpc>
+              <a:spcBef>
+                <a:spcPts val="0"/>
+              </a:spcBef>
+              <a:spcAft>
+                <a:spcPts val="0"/>
+              </a:spcAft>
+              <a:buClrTx/>
+              <a:buSzTx/>
+              <a:buFontTx/>
+              <a:buAutoNum type="arabicPeriod"/>
+              <a:tabLst/>
+              <a:defRPr/>
+            </a:pPr>
+            <a:endParaRPr lang="en-US" dirty="0"/>
+          </a:p>
+          <a:p>
+            <a:pPr marL="228600" marR="0" lvl="0" indent="-228600" algn="l" defTabSz="914400" rtl="0" eaLnBrk="1" fontAlgn="auto" latinLnBrk="0" hangingPunct="1">
+              <a:lnSpc>
+                <a:spcPct val="100000"/>
+              </a:lnSpc>
+              <a:spcBef>
+                <a:spcPts val="0"/>
+              </a:spcBef>
+              <a:spcAft>
+                <a:spcPts val="0"/>
+              </a:spcAft>
+              <a:buClrTx/>
+              <a:buSzTx/>
+              <a:buFontTx/>
+              <a:buAutoNum type="arabicPeriod"/>
+              <a:tabLst/>
+              <a:defRPr/>
+            </a:pPr>
+            <a:r>
+              <a:rPr lang="en-US" dirty="0"/>
+              <a:t>X-CMC(Transition state): red line, two phenyl ring is very high on surface, almost parallel. C—C 2.53, C—Cu 1.89 C—Sur 3.42</a:t>
+            </a:r>
+          </a:p>
+          <a:p>
+            <a:pPr marL="228600" marR="0" lvl="0" indent="-228600" algn="l" defTabSz="914400" rtl="0" eaLnBrk="1" fontAlgn="auto" latinLnBrk="0" hangingPunct="1">
+              <a:lnSpc>
+                <a:spcPct val="100000"/>
+              </a:lnSpc>
+              <a:spcBef>
+                <a:spcPts val="0"/>
+              </a:spcBef>
+              <a:spcAft>
+                <a:spcPts val="0"/>
+              </a:spcAft>
+              <a:buClrTx/>
+              <a:buSzTx/>
+              <a:buFontTx/>
+              <a:buAutoNum type="arabicPeriod"/>
+              <a:tabLst/>
+              <a:defRPr/>
+            </a:pPr>
+            <a:r>
+              <a:rPr lang="en-US" dirty="0"/>
+              <a:t>Black line: still tilt, interact with lifted copper C—C 2.28 C--Cu 2.02</a:t>
+            </a:r>
+          </a:p>
+          <a:p>
+            <a:pPr marL="228600" marR="0" lvl="0" indent="-228600" algn="l" defTabSz="914400" rtl="0" eaLnBrk="1" fontAlgn="auto" latinLnBrk="0" hangingPunct="1">
+              <a:lnSpc>
+                <a:spcPct val="100000"/>
+              </a:lnSpc>
+              <a:spcBef>
+                <a:spcPts val="0"/>
+              </a:spcBef>
+              <a:spcAft>
+                <a:spcPts val="0"/>
+              </a:spcAft>
+              <a:buClrTx/>
+              <a:buSzTx/>
+              <a:buFontTx/>
+              <a:buAutoNum type="arabicPeriod"/>
+              <a:tabLst/>
+              <a:defRPr/>
+            </a:pPr>
+            <a:endParaRPr lang="en-US" dirty="0"/>
+          </a:p>
+          <a:p>
+            <a:pPr marL="228600" marR="0" lvl="0" indent="-228600" algn="l" defTabSz="914400" rtl="0" eaLnBrk="1" fontAlgn="auto" latinLnBrk="0" hangingPunct="1">
+              <a:lnSpc>
+                <a:spcPct val="100000"/>
+              </a:lnSpc>
+              <a:spcBef>
+                <a:spcPts val="0"/>
+              </a:spcBef>
+              <a:spcAft>
+                <a:spcPts val="0"/>
+              </a:spcAft>
+              <a:buClrTx/>
+              <a:buSzTx/>
+              <a:buFontTx/>
+              <a:buAutoNum type="arabicPeriod"/>
+              <a:tabLst/>
+              <a:defRPr/>
+            </a:pPr>
+            <a:r>
+              <a:rPr lang="en-US" dirty="0"/>
+              <a:t>Final red C—C 1.50 C—Cu 2.17 C—Sur 3.58</a:t>
+            </a:r>
+          </a:p>
+          <a:p>
+            <a:pPr marL="228600" marR="0" lvl="0" indent="-228600" algn="l" defTabSz="914400" rtl="0" eaLnBrk="1" fontAlgn="auto" latinLnBrk="0" hangingPunct="1">
+              <a:lnSpc>
+                <a:spcPct val="100000"/>
+              </a:lnSpc>
+              <a:spcBef>
+                <a:spcPts val="0"/>
+              </a:spcBef>
+              <a:spcAft>
+                <a:spcPts val="0"/>
+              </a:spcAft>
+              <a:buClrTx/>
+              <a:buSzTx/>
+              <a:buFontTx/>
+              <a:buAutoNum type="arabicPeriod"/>
+              <a:tabLst/>
+              <a:defRPr/>
+            </a:pPr>
+            <a:r>
+              <a:rPr lang="en-US" dirty="0"/>
+              <a:t>Black C—C 1.49 C—Cu 3.21</a:t>
+            </a:r>
+          </a:p>
+          <a:p>
+            <a:pPr marL="228600" indent="-228600">
+              <a:buAutoNum type="arabicPeriod"/>
+            </a:pPr>
             <a:endParaRPr lang="en-US" dirty="0"/>
           </a:p>
         </p:txBody>
@@ -886,7 +881,7 @@
           <a:p>
             <a:fld id="{25211B34-18CC-D744-9E8C-A2A3BCB534CD}" type="slidenum">
               <a:rPr lang="en-US" smtClean="0"/>
-              <a:t>4</a:t>
+              <a:t>3</a:t>
             </a:fld>
             <a:endParaRPr lang="en-US"/>
           </a:p>
@@ -895,7 +890,7 @@
     </p:spTree>
     <p:extLst>
       <p:ext uri="{BB962C8B-B14F-4D97-AF65-F5344CB8AC3E}">
-        <p14:creationId xmlns:p14="http://schemas.microsoft.com/office/powerpoint/2010/main" val="3201446041"/>
+        <p14:creationId xmlns:p14="http://schemas.microsoft.com/office/powerpoint/2010/main" val="2719302773"/>
       </p:ext>
     </p:extLst>
   </p:cSld>
@@ -949,7 +944,7 @@
           <a:bodyPr/>
           <a:lstStyle/>
           <a:p>
-            <a:endParaRPr lang="en-US"/>
+            <a:endParaRPr lang="en-US" dirty="0"/>
           </a:p>
         </p:txBody>
       </p:sp>
@@ -970,6 +965,90 @@
           <a:p>
             <a:fld id="{25211B34-18CC-D744-9E8C-A2A3BCB534CD}" type="slidenum">
               <a:rPr lang="en-US" smtClean="0"/>
+              <a:t>4</a:t>
+            </a:fld>
+            <a:endParaRPr lang="en-US"/>
+          </a:p>
+        </p:txBody>
+      </p:sp>
+    </p:spTree>
+    <p:extLst>
+      <p:ext uri="{BB962C8B-B14F-4D97-AF65-F5344CB8AC3E}">
+        <p14:creationId xmlns:p14="http://schemas.microsoft.com/office/powerpoint/2010/main" val="3201446041"/>
+      </p:ext>
+    </p:extLst>
+  </p:cSld>
+  <p:clrMapOvr>
+    <a:masterClrMapping/>
+  </p:clrMapOvr>
+</p:notes>
+</file>
+
+<file path=ppt/notesSlides/notesSlide4.xml><?xml version="1.0" encoding="utf-8"?>
+<p:notes xmlns:a="http://schemas.openxmlformats.org/drawingml/2006/main" xmlns:r="http://schemas.openxmlformats.org/officeDocument/2006/relationships" xmlns:p="http://schemas.openxmlformats.org/presentationml/2006/main">
+  <p:cSld>
+    <p:spTree>
+      <p:nvGrpSpPr>
+        <p:cNvPr id="1" name=""/>
+        <p:cNvGrpSpPr/>
+        <p:nvPr/>
+      </p:nvGrpSpPr>
+      <p:grpSpPr>
+        <a:xfrm>
+          <a:off x="0" y="0"/>
+          <a:ext cx="0" cy="0"/>
+          <a:chOff x="0" y="0"/>
+          <a:chExt cx="0" cy="0"/>
+        </a:xfrm>
+      </p:grpSpPr>
+      <p:sp>
+        <p:nvSpPr>
+          <p:cNvPr id="2" name="Slide Image Placeholder 1"/>
+          <p:cNvSpPr>
+            <a:spLocks noGrp="1" noRot="1" noChangeAspect="1"/>
+          </p:cNvSpPr>
+          <p:nvPr>
+            <p:ph type="sldImg"/>
+          </p:nvPr>
+        </p:nvSpPr>
+        <p:spPr/>
+      </p:sp>
+      <p:sp>
+        <p:nvSpPr>
+          <p:cNvPr id="3" name="Notes Placeholder 2"/>
+          <p:cNvSpPr>
+            <a:spLocks noGrp="1"/>
+          </p:cNvSpPr>
+          <p:nvPr>
+            <p:ph type="body" idx="1"/>
+          </p:nvPr>
+        </p:nvSpPr>
+        <p:spPr/>
+        <p:txBody>
+          <a:bodyPr/>
+          <a:lstStyle/>
+          <a:p>
+            <a:endParaRPr lang="en-US"/>
+          </a:p>
+        </p:txBody>
+      </p:sp>
+      <p:sp>
+        <p:nvSpPr>
+          <p:cNvPr id="4" name="Slide Number Placeholder 3"/>
+          <p:cNvSpPr>
+            <a:spLocks noGrp="1"/>
+          </p:cNvSpPr>
+          <p:nvPr>
+            <p:ph type="sldNum" sz="quarter" idx="5"/>
+          </p:nvPr>
+        </p:nvSpPr>
+        <p:spPr/>
+        <p:txBody>
+          <a:bodyPr/>
+          <a:lstStyle/>
+          <a:p>
+            <a:fld id="{25211B34-18CC-D744-9E8C-A2A3BCB534CD}" type="slidenum">
+              <a:rPr lang="en-US" smtClean="0"/>
               <a:t>5</a:t>
             </a:fld>
             <a:endParaRPr lang="en-US"/>
@@ -980,6 +1059,189 @@
     <p:extLst>
       <p:ext uri="{BB962C8B-B14F-4D97-AF65-F5344CB8AC3E}">
         <p14:creationId xmlns:p14="http://schemas.microsoft.com/office/powerpoint/2010/main" val="2300246295"/>
+      </p:ext>
+    </p:extLst>
+  </p:cSld>
+  <p:clrMapOvr>
+    <a:masterClrMapping/>
+  </p:clrMapOvr>
+</p:notes>
+</file>
+
+<file path=ppt/notesSlides/notesSlide5.xml><?xml version="1.0" encoding="utf-8"?>
+<p:notes xmlns:a="http://schemas.openxmlformats.org/drawingml/2006/main" xmlns:r="http://schemas.openxmlformats.org/officeDocument/2006/relationships" xmlns:p="http://schemas.openxmlformats.org/presentationml/2006/main">
+  <p:cSld>
+    <p:spTree>
+      <p:nvGrpSpPr>
+        <p:cNvPr id="1" name=""/>
+        <p:cNvGrpSpPr/>
+        <p:nvPr/>
+      </p:nvGrpSpPr>
+      <p:grpSpPr>
+        <a:xfrm>
+          <a:off x="0" y="0"/>
+          <a:ext cx="0" cy="0"/>
+          <a:chOff x="0" y="0"/>
+          <a:chExt cx="0" cy="0"/>
+        </a:xfrm>
+      </p:grpSpPr>
+      <p:sp>
+        <p:nvSpPr>
+          <p:cNvPr id="2" name="Slide Image Placeholder 1"/>
+          <p:cNvSpPr>
+            <a:spLocks noGrp="1" noRot="1" noChangeAspect="1"/>
+          </p:cNvSpPr>
+          <p:nvPr>
+            <p:ph type="sldImg"/>
+          </p:nvPr>
+        </p:nvSpPr>
+        <p:spPr/>
+      </p:sp>
+      <p:sp>
+        <p:nvSpPr>
+          <p:cNvPr id="3" name="Notes Placeholder 2"/>
+          <p:cNvSpPr>
+            <a:spLocks noGrp="1"/>
+          </p:cNvSpPr>
+          <p:nvPr>
+            <p:ph type="body" idx="1"/>
+          </p:nvPr>
+        </p:nvSpPr>
+        <p:spPr/>
+        <p:txBody>
+          <a:bodyPr/>
+          <a:lstStyle/>
+          <a:p>
+            <a:r>
+              <a:rPr lang="en-US" dirty="0"/>
+              <a:t>The last state now is the pure surface + dimer in gas + two bromine atom in gas (0.07eV, not 0.00 eV anu more)</a:t>
+            </a:r>
+          </a:p>
+          <a:p>
+            <a:r>
+              <a:rPr lang="en-US" dirty="0"/>
+              <a:t>This figure only counts translational partition in free energy calculation.</a:t>
+            </a:r>
+          </a:p>
+          <a:p>
+            <a:endParaRPr lang="en-US" dirty="0"/>
+          </a:p>
+        </p:txBody>
+      </p:sp>
+      <p:sp>
+        <p:nvSpPr>
+          <p:cNvPr id="4" name="Slide Number Placeholder 3"/>
+          <p:cNvSpPr>
+            <a:spLocks noGrp="1"/>
+          </p:cNvSpPr>
+          <p:nvPr>
+            <p:ph type="sldNum" sz="quarter" idx="5"/>
+          </p:nvPr>
+        </p:nvSpPr>
+        <p:spPr/>
+        <p:txBody>
+          <a:bodyPr/>
+          <a:lstStyle/>
+          <a:p>
+            <a:fld id="{25211B34-18CC-D744-9E8C-A2A3BCB534CD}" type="slidenum">
+              <a:rPr lang="en-US" smtClean="0"/>
+              <a:t>6</a:t>
+            </a:fld>
+            <a:endParaRPr lang="en-US"/>
+          </a:p>
+        </p:txBody>
+      </p:sp>
+    </p:spTree>
+    <p:extLst>
+      <p:ext uri="{BB962C8B-B14F-4D97-AF65-F5344CB8AC3E}">
+        <p14:creationId xmlns:p14="http://schemas.microsoft.com/office/powerpoint/2010/main" val="894503501"/>
+      </p:ext>
+    </p:extLst>
+  </p:cSld>
+  <p:clrMapOvr>
+    <a:masterClrMapping/>
+  </p:clrMapOvr>
+</p:notes>
+</file>
+
+<file path=ppt/notesSlides/notesSlide6.xml><?xml version="1.0" encoding="utf-8"?>
+<p:notes xmlns:a="http://schemas.openxmlformats.org/drawingml/2006/main" xmlns:r="http://schemas.openxmlformats.org/officeDocument/2006/relationships" xmlns:p="http://schemas.openxmlformats.org/presentationml/2006/main">
+  <p:cSld>
+    <p:spTree>
+      <p:nvGrpSpPr>
+        <p:cNvPr id="1" name=""/>
+        <p:cNvGrpSpPr/>
+        <p:nvPr/>
+      </p:nvGrpSpPr>
+      <p:grpSpPr>
+        <a:xfrm>
+          <a:off x="0" y="0"/>
+          <a:ext cx="0" cy="0"/>
+          <a:chOff x="0" y="0"/>
+          <a:chExt cx="0" cy="0"/>
+        </a:xfrm>
+      </p:grpSpPr>
+      <p:sp>
+        <p:nvSpPr>
+          <p:cNvPr id="2" name="Slide Image Placeholder 1"/>
+          <p:cNvSpPr>
+            <a:spLocks noGrp="1" noRot="1" noChangeAspect="1"/>
+          </p:cNvSpPr>
+          <p:nvPr>
+            <p:ph type="sldImg"/>
+          </p:nvPr>
+        </p:nvSpPr>
+        <p:spPr/>
+      </p:sp>
+      <p:sp>
+        <p:nvSpPr>
+          <p:cNvPr id="3" name="Notes Placeholder 2"/>
+          <p:cNvSpPr>
+            <a:spLocks noGrp="1"/>
+          </p:cNvSpPr>
+          <p:nvPr>
+            <p:ph type="body" idx="1"/>
+          </p:nvPr>
+        </p:nvSpPr>
+        <p:spPr/>
+        <p:txBody>
+          <a:bodyPr/>
+          <a:lstStyle/>
+          <a:p>
+            <a:r>
+              <a:rPr lang="en-US" dirty="0"/>
+              <a:t>This figure only counts both translational and rotational partition in free energy calculation</a:t>
+            </a:r>
+          </a:p>
+        </p:txBody>
+      </p:sp>
+      <p:sp>
+        <p:nvSpPr>
+          <p:cNvPr id="4" name="Slide Number Placeholder 3"/>
+          <p:cNvSpPr>
+            <a:spLocks noGrp="1"/>
+          </p:cNvSpPr>
+          <p:nvPr>
+            <p:ph type="sldNum" sz="quarter" idx="5"/>
+          </p:nvPr>
+        </p:nvSpPr>
+        <p:spPr/>
+        <p:txBody>
+          <a:bodyPr/>
+          <a:lstStyle/>
+          <a:p>
+            <a:fld id="{25211B34-18CC-D744-9E8C-A2A3BCB534CD}" type="slidenum">
+              <a:rPr lang="en-US" smtClean="0"/>
+              <a:t>7</a:t>
+            </a:fld>
+            <a:endParaRPr lang="en-US"/>
+          </a:p>
+        </p:txBody>
+      </p:sp>
+    </p:spTree>
+    <p:extLst>
+      <p:ext uri="{BB962C8B-B14F-4D97-AF65-F5344CB8AC3E}">
+        <p14:creationId xmlns:p14="http://schemas.microsoft.com/office/powerpoint/2010/main" val="1013956216"/>
       </p:ext>
     </p:extLst>
   </p:cSld>
@@ -1136,7 +1398,7 @@
           <a:p>
             <a:fld id="{2E7BD062-3872-2745-B58F-7FE843EEF26B}" type="datetimeFigureOut">
               <a:rPr lang="en-US" smtClean="0"/>
-              <a:t>4/16/21</a:t>
+              <a:t>4/20/21</a:t>
             </a:fld>
             <a:endParaRPr lang="en-US"/>
           </a:p>
@@ -1334,7 +1596,7 @@
           <a:p>
             <a:fld id="{2E7BD062-3872-2745-B58F-7FE843EEF26B}" type="datetimeFigureOut">
               <a:rPr lang="en-US" smtClean="0"/>
-              <a:t>4/16/21</a:t>
+              <a:t>4/20/21</a:t>
             </a:fld>
             <a:endParaRPr lang="en-US"/>
           </a:p>
@@ -1542,7 +1804,7 @@
           <a:p>
             <a:fld id="{2E7BD062-3872-2745-B58F-7FE843EEF26B}" type="datetimeFigureOut">
               <a:rPr lang="en-US" smtClean="0"/>
-              <a:t>4/16/21</a:t>
+              <a:t>4/20/21</a:t>
             </a:fld>
             <a:endParaRPr lang="en-US"/>
           </a:p>
@@ -1740,7 +2002,7 @@
           <a:p>
             <a:fld id="{2E7BD062-3872-2745-B58F-7FE843EEF26B}" type="datetimeFigureOut">
               <a:rPr lang="en-US" smtClean="0"/>
-              <a:t>4/16/21</a:t>
+              <a:t>4/20/21</a:t>
             </a:fld>
             <a:endParaRPr lang="en-US"/>
           </a:p>
@@ -2015,7 +2277,7 @@
           <a:p>
             <a:fld id="{2E7BD062-3872-2745-B58F-7FE843EEF26B}" type="datetimeFigureOut">
               <a:rPr lang="en-US" smtClean="0"/>
-              <a:t>4/16/21</a:t>
+              <a:t>4/20/21</a:t>
             </a:fld>
             <a:endParaRPr lang="en-US"/>
           </a:p>
@@ -2280,7 +2542,7 @@
           <a:p>
             <a:fld id="{2E7BD062-3872-2745-B58F-7FE843EEF26B}" type="datetimeFigureOut">
               <a:rPr lang="en-US" smtClean="0"/>
-              <a:t>4/16/21</a:t>
+              <a:t>4/20/21</a:t>
             </a:fld>
             <a:endParaRPr lang="en-US"/>
           </a:p>
@@ -2692,7 +2954,7 @@
           <a:p>
             <a:fld id="{2E7BD062-3872-2745-B58F-7FE843EEF26B}" type="datetimeFigureOut">
               <a:rPr lang="en-US" smtClean="0"/>
-              <a:t>4/16/21</a:t>
+              <a:t>4/20/21</a:t>
             </a:fld>
             <a:endParaRPr lang="en-US"/>
           </a:p>
@@ -2833,7 +3095,7 @@
           <a:p>
             <a:fld id="{2E7BD062-3872-2745-B58F-7FE843EEF26B}" type="datetimeFigureOut">
               <a:rPr lang="en-US" smtClean="0"/>
-              <a:t>4/16/21</a:t>
+              <a:t>4/20/21</a:t>
             </a:fld>
             <a:endParaRPr lang="en-US"/>
           </a:p>
@@ -2946,7 +3208,7 @@
           <a:p>
             <a:fld id="{2E7BD062-3872-2745-B58F-7FE843EEF26B}" type="datetimeFigureOut">
               <a:rPr lang="en-US" smtClean="0"/>
-              <a:t>4/16/21</a:t>
+              <a:t>4/20/21</a:t>
             </a:fld>
             <a:endParaRPr lang="en-US"/>
           </a:p>
@@ -3257,7 +3519,7 @@
           <a:p>
             <a:fld id="{2E7BD062-3872-2745-B58F-7FE843EEF26B}" type="datetimeFigureOut">
               <a:rPr lang="en-US" smtClean="0"/>
-              <a:t>4/16/21</a:t>
+              <a:t>4/20/21</a:t>
             </a:fld>
             <a:endParaRPr lang="en-US"/>
           </a:p>
@@ -3545,7 +3807,7 @@
           <a:p>
             <a:fld id="{2E7BD062-3872-2745-B58F-7FE843EEF26B}" type="datetimeFigureOut">
               <a:rPr lang="en-US" smtClean="0"/>
-              <a:t>4/16/21</a:t>
+              <a:t>4/20/21</a:t>
             </a:fld>
             <a:endParaRPr lang="en-US"/>
           </a:p>
@@ -3786,7 +4048,7 @@
           <a:p>
             <a:fld id="{2E7BD062-3872-2745-B58F-7FE843EEF26B}" type="datetimeFigureOut">
               <a:rPr lang="en-US" smtClean="0"/>
-              <a:t>4/16/21</a:t>
+              <a:t>4/20/21</a:t>
             </a:fld>
             <a:endParaRPr lang="en-US"/>
           </a:p>
@@ -4873,7 +5135,7 @@
           <p:nvPr/>
         </p:nvPicPr>
         <p:blipFill rotWithShape="1">
-          <a:blip r:embed="rId2"/>
+          <a:blip r:embed="rId3"/>
           <a:srcRect t="12063" b="12381"/>
           <a:stretch/>
         </p:blipFill>
@@ -4937,7 +5199,7 @@
           <p:nvPr/>
         </p:nvPicPr>
         <p:blipFill>
-          <a:blip r:embed="rId3"/>
+          <a:blip r:embed="rId4"/>
           <a:stretch>
             <a:fillRect/>
           </a:stretch>
@@ -4967,7 +5229,7 @@
           <p:nvPr/>
         </p:nvPicPr>
         <p:blipFill>
-          <a:blip r:embed="rId4"/>
+          <a:blip r:embed="rId5"/>
           <a:stretch>
             <a:fillRect/>
           </a:stretch>
@@ -5017,7 +5279,7 @@
             <p:nvPr/>
           </p:nvPicPr>
           <p:blipFill>
-            <a:blip r:embed="rId5"/>
+            <a:blip r:embed="rId6"/>
             <a:stretch>
               <a:fillRect/>
             </a:stretch>
@@ -5135,7 +5397,7 @@
             <p:nvPr/>
           </p:nvPicPr>
           <p:blipFill>
-            <a:blip r:embed="rId6"/>
+            <a:blip r:embed="rId7"/>
             <a:stretch>
               <a:fillRect/>
             </a:stretch>
@@ -5201,7 +5463,7 @@
           <p:nvPr/>
         </p:nvPicPr>
         <p:blipFill>
-          <a:blip r:embed="rId7"/>
+          <a:blip r:embed="rId8"/>
           <a:stretch>
             <a:fillRect/>
           </a:stretch>
@@ -5251,7 +5513,7 @@
             <p:nvPr/>
           </p:nvPicPr>
           <p:blipFill>
-            <a:blip r:embed="rId8"/>
+            <a:blip r:embed="rId9"/>
             <a:stretch>
               <a:fillRect/>
             </a:stretch>
@@ -5317,36 +5579,6 @@
           <p:nvPr/>
         </p:nvPicPr>
         <p:blipFill>
-          <a:blip r:embed="rId9"/>
-          <a:stretch>
-            <a:fillRect/>
-          </a:stretch>
-        </p:blipFill>
-        <p:spPr>
-          <a:xfrm>
-            <a:off x="5928136" y="4864484"/>
-            <a:ext cx="1237699" cy="772254"/>
-          </a:xfrm>
-          <a:prstGeom prst="rect">
-            <a:avLst/>
-          </a:prstGeom>
-        </p:spPr>
-      </p:pic>
-      <p:pic>
-        <p:nvPicPr>
-          <p:cNvPr id="22" name="Picture 21">
-            <a:extLst>
-              <a:ext uri="{FF2B5EF4-FFF2-40B4-BE49-F238E27FC236}">
-                <a16:creationId xmlns:a16="http://schemas.microsoft.com/office/drawing/2014/main" id="{DFDEEF16-6FEB-E744-9906-3080F1855187}"/>
-              </a:ext>
-            </a:extLst>
-          </p:cNvPr>
-          <p:cNvPicPr>
-            <a:picLocks noChangeAspect="1"/>
-          </p:cNvPicPr>
-          <p:nvPr/>
-        </p:nvPicPr>
-        <p:blipFill>
           <a:blip r:embed="rId10"/>
           <a:stretch>
             <a:fillRect/>
@@ -5354,8 +5586,8 @@
         </p:blipFill>
         <p:spPr>
           <a:xfrm>
-            <a:off x="7524034" y="5501573"/>
-            <a:ext cx="1210924" cy="755549"/>
+            <a:off x="5928136" y="4864484"/>
+            <a:ext cx="1237699" cy="772254"/>
           </a:xfrm>
           <a:prstGeom prst="rect">
             <a:avLst/>
@@ -5364,10 +5596,10 @@
       </p:pic>
       <p:pic>
         <p:nvPicPr>
-          <p:cNvPr id="24" name="Picture 23">
-            <a:extLst>
-              <a:ext uri="{FF2B5EF4-FFF2-40B4-BE49-F238E27FC236}">
-                <a16:creationId xmlns:a16="http://schemas.microsoft.com/office/drawing/2014/main" id="{8150E0D3-4E90-4E42-8557-E85F2AD507CF}"/>
+          <p:cNvPr id="22" name="Picture 21">
+            <a:extLst>
+              <a:ext uri="{FF2B5EF4-FFF2-40B4-BE49-F238E27FC236}">
+                <a16:creationId xmlns:a16="http://schemas.microsoft.com/office/drawing/2014/main" id="{DFDEEF16-6FEB-E744-9906-3080F1855187}"/>
               </a:ext>
             </a:extLst>
           </p:cNvPr>
@@ -5384,8 +5616,8 @@
         </p:blipFill>
         <p:spPr>
           <a:xfrm>
-            <a:off x="8342891" y="3132044"/>
-            <a:ext cx="1224954" cy="764302"/>
+            <a:off x="7524034" y="5501573"/>
+            <a:ext cx="1210924" cy="755549"/>
           </a:xfrm>
           <a:prstGeom prst="rect">
             <a:avLst/>
@@ -5394,10 +5626,10 @@
       </p:pic>
       <p:pic>
         <p:nvPicPr>
-          <p:cNvPr id="28" name="Picture 27">
-            <a:extLst>
-              <a:ext uri="{FF2B5EF4-FFF2-40B4-BE49-F238E27FC236}">
-                <a16:creationId xmlns:a16="http://schemas.microsoft.com/office/drawing/2014/main" id="{B415E4C6-D958-C842-950A-2CB8FD012476}"/>
+          <p:cNvPr id="24" name="Picture 23">
+            <a:extLst>
+              <a:ext uri="{FF2B5EF4-FFF2-40B4-BE49-F238E27FC236}">
+                <a16:creationId xmlns:a16="http://schemas.microsoft.com/office/drawing/2014/main" id="{8150E0D3-4E90-4E42-8557-E85F2AD507CF}"/>
               </a:ext>
             </a:extLst>
           </p:cNvPr>
@@ -5414,6 +5646,36 @@
         </p:blipFill>
         <p:spPr>
           <a:xfrm>
+            <a:off x="8342891" y="3132044"/>
+            <a:ext cx="1224954" cy="764302"/>
+          </a:xfrm>
+          <a:prstGeom prst="rect">
+            <a:avLst/>
+          </a:prstGeom>
+        </p:spPr>
+      </p:pic>
+      <p:pic>
+        <p:nvPicPr>
+          <p:cNvPr id="28" name="Picture 27">
+            <a:extLst>
+              <a:ext uri="{FF2B5EF4-FFF2-40B4-BE49-F238E27FC236}">
+                <a16:creationId xmlns:a16="http://schemas.microsoft.com/office/drawing/2014/main" id="{B415E4C6-D958-C842-950A-2CB8FD012476}"/>
+              </a:ext>
+            </a:extLst>
+          </p:cNvPr>
+          <p:cNvPicPr>
+            <a:picLocks noChangeAspect="1"/>
+          </p:cNvPicPr>
+          <p:nvPr/>
+        </p:nvPicPr>
+        <p:blipFill>
+          <a:blip r:embed="rId13"/>
+          <a:stretch>
+            <a:fillRect/>
+          </a:stretch>
+        </p:blipFill>
+        <p:spPr>
+          <a:xfrm>
             <a:off x="9293753" y="5614807"/>
             <a:ext cx="1169992" cy="730009"/>
           </a:xfrm>
@@ -5437,7 +5699,7 @@
           <p:nvPr/>
         </p:nvPicPr>
         <p:blipFill>
-          <a:blip r:embed="rId13"/>
+          <a:blip r:embed="rId14"/>
           <a:stretch>
             <a:fillRect/>
           </a:stretch>
@@ -5487,7 +5749,7 @@
             <p:nvPr/>
           </p:nvPicPr>
           <p:blipFill>
-            <a:blip r:embed="rId14"/>
+            <a:blip r:embed="rId15"/>
             <a:stretch>
               <a:fillRect/>
             </a:stretch>
@@ -8986,30 +9248,31 @@
       </p:grpSpPr>
       <p:pic>
         <p:nvPicPr>
-          <p:cNvPr id="9" name="Content Placeholder 8">
-            <a:extLst>
-              <a:ext uri="{FF2B5EF4-FFF2-40B4-BE49-F238E27FC236}">
-                <a16:creationId xmlns:a16="http://schemas.microsoft.com/office/drawing/2014/main" id="{9D372030-D8C8-664C-954D-C24391C82197}"/>
+          <p:cNvPr id="5" name="Picture 4">
+            <a:extLst>
+              <a:ext uri="{FF2B5EF4-FFF2-40B4-BE49-F238E27FC236}">
+                <a16:creationId xmlns:a16="http://schemas.microsoft.com/office/drawing/2014/main" id="{0C14734D-6726-1841-9805-A6EEDDEFA71C}"/>
               </a:ext>
             </a:extLst>
           </p:cNvPr>
           <p:cNvPicPr>
-            <a:picLocks noGrp="1" noChangeAspect="1"/>
+            <a:picLocks noChangeAspect="1"/>
           </p:cNvPicPr>
-          <p:nvPr>
-            <p:ph idx="1"/>
-          </p:nvPr>
+          <p:nvPr/>
         </p:nvPicPr>
         <p:blipFill rotWithShape="1">
-          <a:blip r:embed="rId2"/>
-          <a:srcRect t="22057" b="21689"/>
+          <a:blip r:embed="rId3"/>
+          <a:srcRect t="16175" b="15847"/>
           <a:stretch/>
         </p:blipFill>
         <p:spPr>
           <a:xfrm>
-            <a:off x="811371" y="515526"/>
-            <a:ext cx="10358377" cy="5826948"/>
-          </a:xfrm>
+            <a:off x="1112343" y="277835"/>
+            <a:ext cx="9525000" cy="6474918"/>
+          </a:xfrm>
+          <a:prstGeom prst="rect">
+            <a:avLst/>
+          </a:prstGeom>
         </p:spPr>
       </p:pic>
       <p:pic>
@@ -9018,41 +9281,6 @@
             <a:extLst>
               <a:ext uri="{FF2B5EF4-FFF2-40B4-BE49-F238E27FC236}">
                 <a16:creationId xmlns:a16="http://schemas.microsoft.com/office/drawing/2014/main" id="{677A9F60-0653-9845-9F23-87B49AE9D3EB}"/>
-              </a:ext>
-            </a:extLst>
-          </p:cNvPr>
-          <p:cNvPicPr>
-            <a:picLocks noChangeAspect="1"/>
-          </p:cNvPicPr>
-          <p:nvPr/>
-        </p:nvPicPr>
-        <p:blipFill>
-          <a:blip r:embed="rId3"/>
-          <a:stretch>
-            <a:fillRect/>
-          </a:stretch>
-        </p:blipFill>
-        <p:spPr>
-          <a:xfrm>
-            <a:off x="1669975" y="1886963"/>
-            <a:ext cx="721360" cy="450088"/>
-          </a:xfrm>
-          <a:prstGeom prst="rect">
-            <a:avLst/>
-          </a:prstGeom>
-          <a:ln w="19050">
-            <a:solidFill>
-              <a:schemeClr val="tx1"/>
-            </a:solidFill>
-          </a:ln>
-        </p:spPr>
-      </p:pic>
-      <p:pic>
-        <p:nvPicPr>
-          <p:cNvPr id="11" name="Picture 10">
-            <a:extLst>
-              <a:ext uri="{FF2B5EF4-FFF2-40B4-BE49-F238E27FC236}">
-                <a16:creationId xmlns:a16="http://schemas.microsoft.com/office/drawing/2014/main" id="{26766337-E90D-904E-8B35-1F7C36E71B3D}"/>
               </a:ext>
             </a:extLst>
           </p:cNvPr>
@@ -9069,7 +9297,7 @@
         </p:blipFill>
         <p:spPr>
           <a:xfrm>
-            <a:off x="2297769" y="3747782"/>
+            <a:off x="1729028" y="1465249"/>
             <a:ext cx="721360" cy="450088"/>
           </a:xfrm>
           <a:prstGeom prst="rect">
@@ -9084,10 +9312,10 @@
       </p:pic>
       <p:pic>
         <p:nvPicPr>
-          <p:cNvPr id="12" name="Picture 11">
-            <a:extLst>
-              <a:ext uri="{FF2B5EF4-FFF2-40B4-BE49-F238E27FC236}">
-                <a16:creationId xmlns:a16="http://schemas.microsoft.com/office/drawing/2014/main" id="{ACD4BBF8-A568-4144-858F-303E650CB7DC}"/>
+          <p:cNvPr id="11" name="Picture 10">
+            <a:extLst>
+              <a:ext uri="{FF2B5EF4-FFF2-40B4-BE49-F238E27FC236}">
+                <a16:creationId xmlns:a16="http://schemas.microsoft.com/office/drawing/2014/main" id="{26766337-E90D-904E-8B35-1F7C36E71B3D}"/>
               </a:ext>
             </a:extLst>
           </p:cNvPr>
@@ -9104,7 +9332,7 @@
         </p:blipFill>
         <p:spPr>
           <a:xfrm>
-            <a:off x="3067072" y="1886963"/>
+            <a:off x="2410863" y="3203956"/>
             <a:ext cx="721360" cy="450088"/>
           </a:xfrm>
           <a:prstGeom prst="rect">
@@ -9119,10 +9347,10 @@
       </p:pic>
       <p:pic>
         <p:nvPicPr>
-          <p:cNvPr id="13" name="Picture 12">
-            <a:extLst>
-              <a:ext uri="{FF2B5EF4-FFF2-40B4-BE49-F238E27FC236}">
-                <a16:creationId xmlns:a16="http://schemas.microsoft.com/office/drawing/2014/main" id="{A3439BE0-FA88-574B-BD02-A735CFBD4CA6}"/>
+          <p:cNvPr id="12" name="Picture 11">
+            <a:extLst>
+              <a:ext uri="{FF2B5EF4-FFF2-40B4-BE49-F238E27FC236}">
+                <a16:creationId xmlns:a16="http://schemas.microsoft.com/office/drawing/2014/main" id="{ACD4BBF8-A568-4144-858F-303E650CB7DC}"/>
               </a:ext>
             </a:extLst>
           </p:cNvPr>
@@ -9139,7 +9367,7 @@
         </p:blipFill>
         <p:spPr>
           <a:xfrm>
-            <a:off x="3903259" y="3065206"/>
+            <a:off x="3221874" y="1505023"/>
             <a:ext cx="721360" cy="450088"/>
           </a:xfrm>
           <a:prstGeom prst="rect">
@@ -9154,10 +9382,10 @@
       </p:pic>
       <p:pic>
         <p:nvPicPr>
-          <p:cNvPr id="14" name="Picture 13">
-            <a:extLst>
-              <a:ext uri="{FF2B5EF4-FFF2-40B4-BE49-F238E27FC236}">
-                <a16:creationId xmlns:a16="http://schemas.microsoft.com/office/drawing/2014/main" id="{52C07C9E-CF9F-EE46-BF30-32992CC8228F}"/>
+          <p:cNvPr id="13" name="Picture 12">
+            <a:extLst>
+              <a:ext uri="{FF2B5EF4-FFF2-40B4-BE49-F238E27FC236}">
+                <a16:creationId xmlns:a16="http://schemas.microsoft.com/office/drawing/2014/main" id="{A3439BE0-FA88-574B-BD02-A735CFBD4CA6}"/>
               </a:ext>
             </a:extLst>
           </p:cNvPr>
@@ -9174,7 +9402,7 @@
         </p:blipFill>
         <p:spPr>
           <a:xfrm>
-            <a:off x="4263939" y="4197870"/>
+            <a:off x="3943234" y="2557420"/>
             <a:ext cx="721360" cy="450088"/>
           </a:xfrm>
           <a:prstGeom prst="rect">
@@ -9189,10 +9417,10 @@
       </p:pic>
       <p:pic>
         <p:nvPicPr>
-          <p:cNvPr id="15" name="Picture 14">
-            <a:extLst>
-              <a:ext uri="{FF2B5EF4-FFF2-40B4-BE49-F238E27FC236}">
-                <a16:creationId xmlns:a16="http://schemas.microsoft.com/office/drawing/2014/main" id="{661828DF-FE56-8F4B-A927-51B4412CCAF0}"/>
+          <p:cNvPr id="14" name="Picture 13">
+            <a:extLst>
+              <a:ext uri="{FF2B5EF4-FFF2-40B4-BE49-F238E27FC236}">
+                <a16:creationId xmlns:a16="http://schemas.microsoft.com/office/drawing/2014/main" id="{52C07C9E-CF9F-EE46-BF30-32992CC8228F}"/>
               </a:ext>
             </a:extLst>
           </p:cNvPr>
@@ -9209,7 +9437,7 @@
         </p:blipFill>
         <p:spPr>
           <a:xfrm>
-            <a:off x="5153483" y="3781615"/>
+            <a:off x="3582554" y="4231703"/>
             <a:ext cx="721360" cy="450088"/>
           </a:xfrm>
           <a:prstGeom prst="rect">
@@ -9224,10 +9452,10 @@
       </p:pic>
       <p:pic>
         <p:nvPicPr>
-          <p:cNvPr id="16" name="Picture 15">
-            <a:extLst>
-              <a:ext uri="{FF2B5EF4-FFF2-40B4-BE49-F238E27FC236}">
-                <a16:creationId xmlns:a16="http://schemas.microsoft.com/office/drawing/2014/main" id="{26872B7A-8F9C-5B4E-BA7E-B55077F18128}"/>
+          <p:cNvPr id="15" name="Picture 14">
+            <a:extLst>
+              <a:ext uri="{FF2B5EF4-FFF2-40B4-BE49-F238E27FC236}">
+                <a16:creationId xmlns:a16="http://schemas.microsoft.com/office/drawing/2014/main" id="{661828DF-FE56-8F4B-A927-51B4412CCAF0}"/>
               </a:ext>
             </a:extLst>
           </p:cNvPr>
@@ -9244,7 +9472,7 @@
         </p:blipFill>
         <p:spPr>
           <a:xfrm>
-            <a:off x="7206703" y="3515294"/>
+            <a:off x="4985298" y="3575655"/>
             <a:ext cx="721360" cy="450088"/>
           </a:xfrm>
           <a:prstGeom prst="rect">
@@ -9259,10 +9487,10 @@
       </p:pic>
       <p:pic>
         <p:nvPicPr>
-          <p:cNvPr id="17" name="Picture 16">
-            <a:extLst>
-              <a:ext uri="{FF2B5EF4-FFF2-40B4-BE49-F238E27FC236}">
-                <a16:creationId xmlns:a16="http://schemas.microsoft.com/office/drawing/2014/main" id="{17151278-E4BF-5146-BEB8-26A4D9508A4A}"/>
+          <p:cNvPr id="16" name="Picture 15">
+            <a:extLst>
+              <a:ext uri="{FF2B5EF4-FFF2-40B4-BE49-F238E27FC236}">
+                <a16:creationId xmlns:a16="http://schemas.microsoft.com/office/drawing/2014/main" id="{26872B7A-8F9C-5B4E-BA7E-B55077F18128}"/>
               </a:ext>
             </a:extLst>
           </p:cNvPr>
@@ -9279,7 +9507,7 @@
         </p:blipFill>
         <p:spPr>
           <a:xfrm>
-            <a:off x="9465351" y="5543338"/>
+            <a:off x="6838373" y="3305640"/>
             <a:ext cx="721360" cy="450088"/>
           </a:xfrm>
           <a:prstGeom prst="rect">
@@ -9294,10 +9522,10 @@
       </p:pic>
       <p:pic>
         <p:nvPicPr>
-          <p:cNvPr id="19" name="Picture 18">
-            <a:extLst>
-              <a:ext uri="{FF2B5EF4-FFF2-40B4-BE49-F238E27FC236}">
-                <a16:creationId xmlns:a16="http://schemas.microsoft.com/office/drawing/2014/main" id="{ADBCC567-2ABA-C84C-9CCA-B96E55CBB447}"/>
+          <p:cNvPr id="17" name="Picture 16">
+            <a:extLst>
+              <a:ext uri="{FF2B5EF4-FFF2-40B4-BE49-F238E27FC236}">
+                <a16:creationId xmlns:a16="http://schemas.microsoft.com/office/drawing/2014/main" id="{17151278-E4BF-5146-BEB8-26A4D9508A4A}"/>
               </a:ext>
             </a:extLst>
           </p:cNvPr>
@@ -9314,7 +9542,7 @@
         </p:blipFill>
         <p:spPr>
           <a:xfrm>
-            <a:off x="9086768" y="3781615"/>
+            <a:off x="8161207" y="4618999"/>
             <a:ext cx="721360" cy="450088"/>
           </a:xfrm>
           <a:prstGeom prst="rect">
@@ -9327,10 +9555,419 @@
           </a:ln>
         </p:spPr>
       </p:pic>
+      <p:pic>
+        <p:nvPicPr>
+          <p:cNvPr id="19" name="Picture 18">
+            <a:extLst>
+              <a:ext uri="{FF2B5EF4-FFF2-40B4-BE49-F238E27FC236}">
+                <a16:creationId xmlns:a16="http://schemas.microsoft.com/office/drawing/2014/main" id="{ADBCC567-2ABA-C84C-9CCA-B96E55CBB447}"/>
+              </a:ext>
+            </a:extLst>
+          </p:cNvPr>
+          <p:cNvPicPr>
+            <a:picLocks noChangeAspect="1"/>
+          </p:cNvPicPr>
+          <p:nvPr/>
+        </p:nvPicPr>
+        <p:blipFill>
+          <a:blip r:embed="rId12"/>
+          <a:stretch>
+            <a:fillRect/>
+          </a:stretch>
+        </p:blipFill>
+        <p:spPr>
+          <a:xfrm>
+            <a:off x="8691448" y="3726131"/>
+            <a:ext cx="721360" cy="450088"/>
+          </a:xfrm>
+          <a:prstGeom prst="rect">
+            <a:avLst/>
+          </a:prstGeom>
+          <a:ln w="19050">
+            <a:solidFill>
+              <a:schemeClr val="tx1"/>
+            </a:solidFill>
+          </a:ln>
+        </p:spPr>
+      </p:pic>
     </p:spTree>
     <p:extLst>
       <p:ext uri="{BB962C8B-B14F-4D97-AF65-F5344CB8AC3E}">
         <p14:creationId xmlns:p14="http://schemas.microsoft.com/office/powerpoint/2010/main" val="62311222"/>
+      </p:ext>
+    </p:extLst>
+  </p:cSld>
+  <p:clrMapOvr>
+    <a:masterClrMapping/>
+  </p:clrMapOvr>
+</p:sld>
+</file>
+
+<file path=ppt/slides/slide7.xml><?xml version="1.0" encoding="utf-8"?>
+<p:sld xmlns:a="http://schemas.openxmlformats.org/drawingml/2006/main" xmlns:r="http://schemas.openxmlformats.org/officeDocument/2006/relationships" xmlns:p="http://schemas.openxmlformats.org/presentationml/2006/main">
+  <p:cSld>
+    <p:spTree>
+      <p:nvGrpSpPr>
+        <p:cNvPr id="1" name=""/>
+        <p:cNvGrpSpPr/>
+        <p:nvPr/>
+      </p:nvGrpSpPr>
+      <p:grpSpPr>
+        <a:xfrm>
+          <a:off x="0" y="0"/>
+          <a:ext cx="0" cy="0"/>
+          <a:chOff x="0" y="0"/>
+          <a:chExt cx="0" cy="0"/>
+        </a:xfrm>
+      </p:grpSpPr>
+      <p:pic>
+        <p:nvPicPr>
+          <p:cNvPr id="3" name="Picture 2">
+            <a:extLst>
+              <a:ext uri="{FF2B5EF4-FFF2-40B4-BE49-F238E27FC236}">
+                <a16:creationId xmlns:a16="http://schemas.microsoft.com/office/drawing/2014/main" id="{FEDC3348-1377-664A-BC23-0F99FF174743}"/>
+              </a:ext>
+            </a:extLst>
+          </p:cNvPr>
+          <p:cNvPicPr>
+            <a:picLocks noChangeAspect="1"/>
+          </p:cNvPicPr>
+          <p:nvPr/>
+        </p:nvPicPr>
+        <p:blipFill rotWithShape="1">
+          <a:blip r:embed="rId3"/>
+          <a:srcRect t="16175" b="16284"/>
+          <a:stretch/>
+        </p:blipFill>
+        <p:spPr>
+          <a:xfrm>
+            <a:off x="954150" y="104273"/>
+            <a:ext cx="9845063" cy="6649453"/>
+          </a:xfrm>
+          <a:prstGeom prst="rect">
+            <a:avLst/>
+          </a:prstGeom>
+        </p:spPr>
+      </p:pic>
+      <p:pic>
+        <p:nvPicPr>
+          <p:cNvPr id="10" name="Picture 9">
+            <a:extLst>
+              <a:ext uri="{FF2B5EF4-FFF2-40B4-BE49-F238E27FC236}">
+                <a16:creationId xmlns:a16="http://schemas.microsoft.com/office/drawing/2014/main" id="{677A9F60-0653-9845-9F23-87B49AE9D3EB}"/>
+              </a:ext>
+            </a:extLst>
+          </p:cNvPr>
+          <p:cNvPicPr>
+            <a:picLocks noChangeAspect="1"/>
+          </p:cNvPicPr>
+          <p:nvPr/>
+        </p:nvPicPr>
+        <p:blipFill>
+          <a:blip r:embed="rId4"/>
+          <a:stretch>
+            <a:fillRect/>
+          </a:stretch>
+        </p:blipFill>
+        <p:spPr>
+          <a:xfrm>
+            <a:off x="1729028" y="1465249"/>
+            <a:ext cx="721360" cy="450088"/>
+          </a:xfrm>
+          <a:prstGeom prst="rect">
+            <a:avLst/>
+          </a:prstGeom>
+          <a:ln w="19050">
+            <a:solidFill>
+              <a:schemeClr val="tx1"/>
+            </a:solidFill>
+          </a:ln>
+        </p:spPr>
+      </p:pic>
+      <p:pic>
+        <p:nvPicPr>
+          <p:cNvPr id="11" name="Picture 10">
+            <a:extLst>
+              <a:ext uri="{FF2B5EF4-FFF2-40B4-BE49-F238E27FC236}">
+                <a16:creationId xmlns:a16="http://schemas.microsoft.com/office/drawing/2014/main" id="{26766337-E90D-904E-8B35-1F7C36E71B3D}"/>
+              </a:ext>
+            </a:extLst>
+          </p:cNvPr>
+          <p:cNvPicPr>
+            <a:picLocks noChangeAspect="1"/>
+          </p:cNvPicPr>
+          <p:nvPr/>
+        </p:nvPicPr>
+        <p:blipFill>
+          <a:blip r:embed="rId5"/>
+          <a:stretch>
+            <a:fillRect/>
+          </a:stretch>
+        </p:blipFill>
+        <p:spPr>
+          <a:xfrm>
+            <a:off x="2410863" y="3051269"/>
+            <a:ext cx="721360" cy="450088"/>
+          </a:xfrm>
+          <a:prstGeom prst="rect">
+            <a:avLst/>
+          </a:prstGeom>
+          <a:ln w="19050">
+            <a:solidFill>
+              <a:schemeClr val="tx1"/>
+            </a:solidFill>
+          </a:ln>
+        </p:spPr>
+      </p:pic>
+      <p:pic>
+        <p:nvPicPr>
+          <p:cNvPr id="12" name="Picture 11">
+            <a:extLst>
+              <a:ext uri="{FF2B5EF4-FFF2-40B4-BE49-F238E27FC236}">
+                <a16:creationId xmlns:a16="http://schemas.microsoft.com/office/drawing/2014/main" id="{ACD4BBF8-A568-4144-858F-303E650CB7DC}"/>
+              </a:ext>
+            </a:extLst>
+          </p:cNvPr>
+          <p:cNvPicPr>
+            <a:picLocks noChangeAspect="1"/>
+          </p:cNvPicPr>
+          <p:nvPr/>
+        </p:nvPicPr>
+        <p:blipFill>
+          <a:blip r:embed="rId6"/>
+          <a:stretch>
+            <a:fillRect/>
+          </a:stretch>
+        </p:blipFill>
+        <p:spPr>
+          <a:xfrm>
+            <a:off x="3132223" y="1492856"/>
+            <a:ext cx="721360" cy="450088"/>
+          </a:xfrm>
+          <a:prstGeom prst="rect">
+            <a:avLst/>
+          </a:prstGeom>
+          <a:ln w="19050">
+            <a:solidFill>
+              <a:schemeClr val="tx1"/>
+            </a:solidFill>
+          </a:ln>
+        </p:spPr>
+      </p:pic>
+      <p:pic>
+        <p:nvPicPr>
+          <p:cNvPr id="13" name="Picture 12">
+            <a:extLst>
+              <a:ext uri="{FF2B5EF4-FFF2-40B4-BE49-F238E27FC236}">
+                <a16:creationId xmlns:a16="http://schemas.microsoft.com/office/drawing/2014/main" id="{A3439BE0-FA88-574B-BD02-A735CFBD4CA6}"/>
+              </a:ext>
+            </a:extLst>
+          </p:cNvPr>
+          <p:cNvPicPr>
+            <a:picLocks noChangeAspect="1"/>
+          </p:cNvPicPr>
+          <p:nvPr/>
+        </p:nvPicPr>
+        <p:blipFill>
+          <a:blip r:embed="rId7"/>
+          <a:stretch>
+            <a:fillRect/>
+          </a:stretch>
+        </p:blipFill>
+        <p:spPr>
+          <a:xfrm>
+            <a:off x="3795359" y="2528823"/>
+            <a:ext cx="721360" cy="450088"/>
+          </a:xfrm>
+          <a:prstGeom prst="rect">
+            <a:avLst/>
+          </a:prstGeom>
+          <a:ln w="19050">
+            <a:solidFill>
+              <a:schemeClr val="tx1"/>
+            </a:solidFill>
+          </a:ln>
+        </p:spPr>
+      </p:pic>
+      <p:pic>
+        <p:nvPicPr>
+          <p:cNvPr id="14" name="Picture 13">
+            <a:extLst>
+              <a:ext uri="{FF2B5EF4-FFF2-40B4-BE49-F238E27FC236}">
+                <a16:creationId xmlns:a16="http://schemas.microsoft.com/office/drawing/2014/main" id="{52C07C9E-CF9F-EE46-BF30-32992CC8228F}"/>
+              </a:ext>
+            </a:extLst>
+          </p:cNvPr>
+          <p:cNvPicPr>
+            <a:picLocks noChangeAspect="1"/>
+          </p:cNvPicPr>
+          <p:nvPr/>
+        </p:nvPicPr>
+        <p:blipFill>
+          <a:blip r:embed="rId8"/>
+          <a:stretch>
+            <a:fillRect/>
+          </a:stretch>
+        </p:blipFill>
+        <p:spPr>
+          <a:xfrm>
+            <a:off x="3582554" y="4231703"/>
+            <a:ext cx="721360" cy="450088"/>
+          </a:xfrm>
+          <a:prstGeom prst="rect">
+            <a:avLst/>
+          </a:prstGeom>
+          <a:ln w="19050">
+            <a:solidFill>
+              <a:schemeClr val="tx1"/>
+            </a:solidFill>
+          </a:ln>
+        </p:spPr>
+      </p:pic>
+      <p:pic>
+        <p:nvPicPr>
+          <p:cNvPr id="15" name="Picture 14">
+            <a:extLst>
+              <a:ext uri="{FF2B5EF4-FFF2-40B4-BE49-F238E27FC236}">
+                <a16:creationId xmlns:a16="http://schemas.microsoft.com/office/drawing/2014/main" id="{661828DF-FE56-8F4B-A927-51B4412CCAF0}"/>
+              </a:ext>
+            </a:extLst>
+          </p:cNvPr>
+          <p:cNvPicPr>
+            <a:picLocks noChangeAspect="1"/>
+          </p:cNvPicPr>
+          <p:nvPr/>
+        </p:nvPicPr>
+        <p:blipFill>
+          <a:blip r:embed="rId9"/>
+          <a:stretch>
+            <a:fillRect/>
+          </a:stretch>
+        </p:blipFill>
+        <p:spPr>
+          <a:xfrm>
+            <a:off x="5058755" y="3602271"/>
+            <a:ext cx="721360" cy="450088"/>
+          </a:xfrm>
+          <a:prstGeom prst="rect">
+            <a:avLst/>
+          </a:prstGeom>
+          <a:ln w="19050">
+            <a:solidFill>
+              <a:schemeClr val="tx1"/>
+            </a:solidFill>
+          </a:ln>
+        </p:spPr>
+      </p:pic>
+      <p:pic>
+        <p:nvPicPr>
+          <p:cNvPr id="16" name="Picture 15">
+            <a:extLst>
+              <a:ext uri="{FF2B5EF4-FFF2-40B4-BE49-F238E27FC236}">
+                <a16:creationId xmlns:a16="http://schemas.microsoft.com/office/drawing/2014/main" id="{26872B7A-8F9C-5B4E-BA7E-B55077F18128}"/>
+              </a:ext>
+            </a:extLst>
+          </p:cNvPr>
+          <p:cNvPicPr>
+            <a:picLocks noChangeAspect="1"/>
+          </p:cNvPicPr>
+          <p:nvPr/>
+        </p:nvPicPr>
+        <p:blipFill>
+          <a:blip r:embed="rId10"/>
+          <a:stretch>
+            <a:fillRect/>
+          </a:stretch>
+        </p:blipFill>
+        <p:spPr>
+          <a:xfrm>
+            <a:off x="6965921" y="3321823"/>
+            <a:ext cx="721360" cy="450088"/>
+          </a:xfrm>
+          <a:prstGeom prst="rect">
+            <a:avLst/>
+          </a:prstGeom>
+          <a:ln w="19050">
+            <a:solidFill>
+              <a:schemeClr val="tx1"/>
+            </a:solidFill>
+          </a:ln>
+        </p:spPr>
+      </p:pic>
+      <p:pic>
+        <p:nvPicPr>
+          <p:cNvPr id="17" name="Picture 16">
+            <a:extLst>
+              <a:ext uri="{FF2B5EF4-FFF2-40B4-BE49-F238E27FC236}">
+                <a16:creationId xmlns:a16="http://schemas.microsoft.com/office/drawing/2014/main" id="{17151278-E4BF-5146-BEB8-26A4D9508A4A}"/>
+              </a:ext>
+            </a:extLst>
+          </p:cNvPr>
+          <p:cNvPicPr>
+            <a:picLocks noChangeAspect="1"/>
+          </p:cNvPicPr>
+          <p:nvPr/>
+        </p:nvPicPr>
+        <p:blipFill>
+          <a:blip r:embed="rId11"/>
+          <a:stretch>
+            <a:fillRect/>
+          </a:stretch>
+        </p:blipFill>
+        <p:spPr>
+          <a:xfrm>
+            <a:off x="8258622" y="4750992"/>
+            <a:ext cx="721360" cy="450088"/>
+          </a:xfrm>
+          <a:prstGeom prst="rect">
+            <a:avLst/>
+          </a:prstGeom>
+          <a:ln w="19050">
+            <a:solidFill>
+              <a:schemeClr val="tx1"/>
+            </a:solidFill>
+          </a:ln>
+        </p:spPr>
+      </p:pic>
+      <p:pic>
+        <p:nvPicPr>
+          <p:cNvPr id="19" name="Picture 18">
+            <a:extLst>
+              <a:ext uri="{FF2B5EF4-FFF2-40B4-BE49-F238E27FC236}">
+                <a16:creationId xmlns:a16="http://schemas.microsoft.com/office/drawing/2014/main" id="{ADBCC567-2ABA-C84C-9CCA-B96E55CBB447}"/>
+              </a:ext>
+            </a:extLst>
+          </p:cNvPr>
+          <p:cNvPicPr>
+            <a:picLocks noChangeAspect="1"/>
+          </p:cNvPicPr>
+          <p:nvPr/>
+        </p:nvPicPr>
+        <p:blipFill>
+          <a:blip r:embed="rId12"/>
+          <a:stretch>
+            <a:fillRect/>
+          </a:stretch>
+        </p:blipFill>
+        <p:spPr>
+          <a:xfrm>
+            <a:off x="8882567" y="3733935"/>
+            <a:ext cx="721360" cy="450088"/>
+          </a:xfrm>
+          <a:prstGeom prst="rect">
+            <a:avLst/>
+          </a:prstGeom>
+          <a:ln w="19050">
+            <a:solidFill>
+              <a:schemeClr val="tx1"/>
+            </a:solidFill>
+          </a:ln>
+        </p:spPr>
+      </p:pic>
+    </p:spTree>
+    <p:extLst>
+      <p:ext uri="{BB962C8B-B14F-4D97-AF65-F5344CB8AC3E}">
+        <p14:creationId xmlns:p14="http://schemas.microsoft.com/office/powerpoint/2010/main" val="1610338671"/>
       </p:ext>
     </p:extLst>
   </p:cSld>

--- a/EnergyFile.pptx
+++ b/EnergyFile.pptx
@@ -6776,6 +6776,84 @@
             <a:r>
               <a:rPr lang="en-US" dirty="0"/>
               <a:t>-3.24</a:t>
+            </a:r>
+          </a:p>
+        </p:txBody>
+      </p:sp>
+      <p:sp>
+        <p:nvSpPr>
+          <p:cNvPr id="30" name="TextBox 29">
+            <a:extLst>
+              <a:ext uri="{FF2B5EF4-FFF2-40B4-BE49-F238E27FC236}">
+                <a16:creationId xmlns:a16="http://schemas.microsoft.com/office/drawing/2014/main" id="{8BDC7C0D-DFB3-2D46-A28D-227C3BA028F4}"/>
+              </a:ext>
+            </a:extLst>
+          </p:cNvPr>
+          <p:cNvSpPr txBox="1"/>
+          <p:nvPr/>
+        </p:nvSpPr>
+        <p:spPr>
+          <a:xfrm>
+            <a:off x="4301422" y="2525134"/>
+            <a:ext cx="1084544" cy="369332"/>
+          </a:xfrm>
+          <a:prstGeom prst="rect">
+            <a:avLst/>
+          </a:prstGeom>
+          <a:noFill/>
+        </p:spPr>
+        <p:txBody>
+          <a:bodyPr wrap="square" rtlCol="0">
+            <a:spAutoFit/>
+          </a:bodyPr>
+          <a:lstStyle/>
+          <a:p>
+            <a:r>
+              <a:rPr lang="en-US" dirty="0">
+                <a:solidFill>
+                  <a:schemeClr val="accent1"/>
+                </a:solidFill>
+              </a:rPr>
+              <a:t>-1.24</a:t>
+            </a:r>
+          </a:p>
+        </p:txBody>
+      </p:sp>
+      <p:sp>
+        <p:nvSpPr>
+          <p:cNvPr id="31" name="TextBox 30">
+            <a:extLst>
+              <a:ext uri="{FF2B5EF4-FFF2-40B4-BE49-F238E27FC236}">
+                <a16:creationId xmlns:a16="http://schemas.microsoft.com/office/drawing/2014/main" id="{0C39F621-7902-2F4C-B1D8-7B98645B86F6}"/>
+              </a:ext>
+            </a:extLst>
+          </p:cNvPr>
+          <p:cNvSpPr txBox="1"/>
+          <p:nvPr/>
+        </p:nvSpPr>
+        <p:spPr>
+          <a:xfrm>
+            <a:off x="4451799" y="3551674"/>
+            <a:ext cx="1084544" cy="369332"/>
+          </a:xfrm>
+          <a:prstGeom prst="rect">
+            <a:avLst/>
+          </a:prstGeom>
+          <a:noFill/>
+        </p:spPr>
+        <p:txBody>
+          <a:bodyPr wrap="square" rtlCol="0">
+            <a:spAutoFit/>
+          </a:bodyPr>
+          <a:lstStyle/>
+          <a:p>
+            <a:r>
+              <a:rPr lang="en-US" dirty="0">
+                <a:solidFill>
+                  <a:schemeClr val="accent1"/>
+                </a:solidFill>
+              </a:rPr>
+              <a:t>-3.18</a:t>
             </a:r>
           </a:p>
         </p:txBody>

--- a/EnergyFile.pptx
+++ b/EnergyFile.pptx
@@ -215,7 +215,7 @@
           <a:p>
             <a:fld id="{E0D357E1-BBCA-7E4B-882A-08C6CB0DA45B}" type="datetimeFigureOut">
               <a:rPr lang="en-US" smtClean="0"/>
-              <a:t>4/20/21</a:t>
+              <a:t>5/12/21</a:t>
             </a:fld>
             <a:endParaRPr lang="en-US"/>
           </a:p>
@@ -721,7 +721,7 @@
             </a:pPr>
             <a:r>
               <a:rPr lang="en-US" dirty="0"/>
-              <a:t>Black C—C 3.10 C—Cu 2.05</a:t>
+              <a:t>CMC C—C 3.10 C—Cu 2.05</a:t>
             </a:r>
           </a:p>
           <a:p>
@@ -787,7 +787,7 @@
             </a:pPr>
             <a:r>
               <a:rPr lang="en-US" dirty="0"/>
-              <a:t>Black line: still tilt, interact with lifted copper C—C 2.28 C--Cu 2.02</a:t>
+              <a:t>CMC(Transition state): still tilt, interact with lifted copper C—C 2.28 C--Cu 2.02</a:t>
             </a:r>
           </a:p>
           <a:p>
@@ -830,7 +830,7 @@
             </a:pPr>
             <a:r>
               <a:rPr lang="en-US" dirty="0"/>
-              <a:t>Final red C—C 1.50 C—Cu 2.17 C—Sur 3.58</a:t>
+              <a:t>X-DIM-A red C—C 1.50 C—Cu 2.17 C—Sur 3.58</a:t>
             </a:r>
           </a:p>
           <a:p>
@@ -853,7 +853,7 @@
             </a:pPr>
             <a:r>
               <a:rPr lang="en-US" dirty="0"/>
-              <a:t>Black C—C 1.49 C—Cu 3.21</a:t>
+              <a:t>DIM C—C 1.49 C—Cu 3.21</a:t>
             </a:r>
           </a:p>
           <a:p>
@@ -1398,7 +1398,7 @@
           <a:p>
             <a:fld id="{2E7BD062-3872-2745-B58F-7FE843EEF26B}" type="datetimeFigureOut">
               <a:rPr lang="en-US" smtClean="0"/>
-              <a:t>4/20/21</a:t>
+              <a:t>5/12/21</a:t>
             </a:fld>
             <a:endParaRPr lang="en-US"/>
           </a:p>
@@ -1596,7 +1596,7 @@
           <a:p>
             <a:fld id="{2E7BD062-3872-2745-B58F-7FE843EEF26B}" type="datetimeFigureOut">
               <a:rPr lang="en-US" smtClean="0"/>
-              <a:t>4/20/21</a:t>
+              <a:t>5/12/21</a:t>
             </a:fld>
             <a:endParaRPr lang="en-US"/>
           </a:p>
@@ -1804,7 +1804,7 @@
           <a:p>
             <a:fld id="{2E7BD062-3872-2745-B58F-7FE843EEF26B}" type="datetimeFigureOut">
               <a:rPr lang="en-US" smtClean="0"/>
-              <a:t>4/20/21</a:t>
+              <a:t>5/12/21</a:t>
             </a:fld>
             <a:endParaRPr lang="en-US"/>
           </a:p>
@@ -2002,7 +2002,7 @@
           <a:p>
             <a:fld id="{2E7BD062-3872-2745-B58F-7FE843EEF26B}" type="datetimeFigureOut">
               <a:rPr lang="en-US" smtClean="0"/>
-              <a:t>4/20/21</a:t>
+              <a:t>5/12/21</a:t>
             </a:fld>
             <a:endParaRPr lang="en-US"/>
           </a:p>
@@ -2277,7 +2277,7 @@
           <a:p>
             <a:fld id="{2E7BD062-3872-2745-B58F-7FE843EEF26B}" type="datetimeFigureOut">
               <a:rPr lang="en-US" smtClean="0"/>
-              <a:t>4/20/21</a:t>
+              <a:t>5/12/21</a:t>
             </a:fld>
             <a:endParaRPr lang="en-US"/>
           </a:p>
@@ -2542,7 +2542,7 @@
           <a:p>
             <a:fld id="{2E7BD062-3872-2745-B58F-7FE843EEF26B}" type="datetimeFigureOut">
               <a:rPr lang="en-US" smtClean="0"/>
-              <a:t>4/20/21</a:t>
+              <a:t>5/12/21</a:t>
             </a:fld>
             <a:endParaRPr lang="en-US"/>
           </a:p>
@@ -2954,7 +2954,7 @@
           <a:p>
             <a:fld id="{2E7BD062-3872-2745-B58F-7FE843EEF26B}" type="datetimeFigureOut">
               <a:rPr lang="en-US" smtClean="0"/>
-              <a:t>4/20/21</a:t>
+              <a:t>5/12/21</a:t>
             </a:fld>
             <a:endParaRPr lang="en-US"/>
           </a:p>
@@ -3095,7 +3095,7 @@
           <a:p>
             <a:fld id="{2E7BD062-3872-2745-B58F-7FE843EEF26B}" type="datetimeFigureOut">
               <a:rPr lang="en-US" smtClean="0"/>
-              <a:t>4/20/21</a:t>
+              <a:t>5/12/21</a:t>
             </a:fld>
             <a:endParaRPr lang="en-US"/>
           </a:p>
@@ -3208,7 +3208,7 @@
           <a:p>
             <a:fld id="{2E7BD062-3872-2745-B58F-7FE843EEF26B}" type="datetimeFigureOut">
               <a:rPr lang="en-US" smtClean="0"/>
-              <a:t>4/20/21</a:t>
+              <a:t>5/12/21</a:t>
             </a:fld>
             <a:endParaRPr lang="en-US"/>
           </a:p>
@@ -3519,7 +3519,7 @@
           <a:p>
             <a:fld id="{2E7BD062-3872-2745-B58F-7FE843EEF26B}" type="datetimeFigureOut">
               <a:rPr lang="en-US" smtClean="0"/>
-              <a:t>4/20/21</a:t>
+              <a:t>5/12/21</a:t>
             </a:fld>
             <a:endParaRPr lang="en-US"/>
           </a:p>
@@ -3807,7 +3807,7 @@
           <a:p>
             <a:fld id="{2E7BD062-3872-2745-B58F-7FE843EEF26B}" type="datetimeFigureOut">
               <a:rPr lang="en-US" smtClean="0"/>
-              <a:t>4/20/21</a:t>
+              <a:t>5/12/21</a:t>
             </a:fld>
             <a:endParaRPr lang="en-US"/>
           </a:p>
@@ -4048,7 +4048,7 @@
           <a:p>
             <a:fld id="{2E7BD062-3872-2745-B58F-7FE843EEF26B}" type="datetimeFigureOut">
               <a:rPr lang="en-US" smtClean="0"/>
-              <a:t>4/20/21</a:t>
+              <a:t>5/12/21</a:t>
             </a:fld>
             <a:endParaRPr lang="en-US"/>
           </a:p>
@@ -6720,7 +6720,7 @@
         </p:nvSpPr>
         <p:spPr>
           <a:xfrm>
-            <a:off x="6475389" y="3643576"/>
+            <a:off x="6493372" y="3568438"/>
             <a:ext cx="664371" cy="369332"/>
           </a:xfrm>
           <a:prstGeom prst="rect">
@@ -6740,7 +6740,7 @@
                   <a:srgbClr val="B58300"/>
                 </a:solidFill>
               </a:rPr>
-              <a:t>-3.45</a:t>
+              <a:t>-3.57</a:t>
             </a:r>
           </a:p>
         </p:txBody>
@@ -6782,10 +6782,10 @@
       </p:sp>
       <p:sp>
         <p:nvSpPr>
-          <p:cNvPr id="30" name="TextBox 29">
-            <a:extLst>
-              <a:ext uri="{FF2B5EF4-FFF2-40B4-BE49-F238E27FC236}">
-                <a16:creationId xmlns:a16="http://schemas.microsoft.com/office/drawing/2014/main" id="{8BDC7C0D-DFB3-2D46-A28D-227C3BA028F4}"/>
+          <p:cNvPr id="3" name="TextBox 2">
+            <a:extLst>
+              <a:ext uri="{FF2B5EF4-FFF2-40B4-BE49-F238E27FC236}">
+                <a16:creationId xmlns:a16="http://schemas.microsoft.com/office/drawing/2014/main" id="{7CAB86FD-A1BD-0446-8245-9AA621A146BB}"/>
               </a:ext>
             </a:extLst>
           </p:cNvPr>
@@ -6821,10 +6821,10 @@
       </p:sp>
       <p:sp>
         <p:nvSpPr>
-          <p:cNvPr id="31" name="TextBox 30">
-            <a:extLst>
-              <a:ext uri="{FF2B5EF4-FFF2-40B4-BE49-F238E27FC236}">
-                <a16:creationId xmlns:a16="http://schemas.microsoft.com/office/drawing/2014/main" id="{0C39F621-7902-2F4C-B1D8-7B98645B86F6}"/>
+          <p:cNvPr id="30" name="TextBox 29">
+            <a:extLst>
+              <a:ext uri="{FF2B5EF4-FFF2-40B4-BE49-F238E27FC236}">
+                <a16:creationId xmlns:a16="http://schemas.microsoft.com/office/drawing/2014/main" id="{B37C8282-E0B7-5642-A522-FAF038F50AA5}"/>
               </a:ext>
             </a:extLst>
           </p:cNvPr>
@@ -6854,6 +6854,213 @@
                 </a:solidFill>
               </a:rPr>
               <a:t>-3.18</a:t>
+            </a:r>
+          </a:p>
+        </p:txBody>
+      </p:sp>
+      <p:cxnSp>
+        <p:nvCxnSpPr>
+          <p:cNvPr id="32" name="Straight Connector 31">
+            <a:extLst>
+              <a:ext uri="{FF2B5EF4-FFF2-40B4-BE49-F238E27FC236}">
+                <a16:creationId xmlns:a16="http://schemas.microsoft.com/office/drawing/2014/main" id="{8E3AF945-A8E2-6046-A2B4-90105719B1C2}"/>
+              </a:ext>
+            </a:extLst>
+          </p:cNvPr>
+          <p:cNvCxnSpPr/>
+          <p:nvPr/>
+        </p:nvCxnSpPr>
+        <p:spPr>
+          <a:xfrm>
+            <a:off x="6581200" y="3843852"/>
+            <a:ext cx="519199" cy="0"/>
+          </a:xfrm>
+          <a:prstGeom prst="line">
+            <a:avLst/>
+          </a:prstGeom>
+          <a:ln w="38100">
+            <a:solidFill>
+              <a:schemeClr val="accent4">
+                <a:lumMod val="75000"/>
+              </a:schemeClr>
+            </a:solidFill>
+          </a:ln>
+        </p:spPr>
+        <p:style>
+          <a:lnRef idx="1">
+            <a:schemeClr val="accent1"/>
+          </a:lnRef>
+          <a:fillRef idx="0">
+            <a:schemeClr val="accent1"/>
+          </a:fillRef>
+          <a:effectRef idx="0">
+            <a:schemeClr val="accent1"/>
+          </a:effectRef>
+          <a:fontRef idx="minor">
+            <a:schemeClr val="tx1"/>
+          </a:fontRef>
+        </p:style>
+      </p:cxnSp>
+      <p:cxnSp>
+        <p:nvCxnSpPr>
+          <p:cNvPr id="33" name="Straight Connector 32">
+            <a:extLst>
+              <a:ext uri="{FF2B5EF4-FFF2-40B4-BE49-F238E27FC236}">
+                <a16:creationId xmlns:a16="http://schemas.microsoft.com/office/drawing/2014/main" id="{A70A5F26-8829-3845-A8A7-41BEA960AC51}"/>
+              </a:ext>
+            </a:extLst>
+          </p:cNvPr>
+          <p:cNvCxnSpPr/>
+          <p:nvPr/>
+        </p:nvCxnSpPr>
+        <p:spPr>
+          <a:xfrm>
+            <a:off x="5851835" y="3622426"/>
+            <a:ext cx="519199" cy="0"/>
+          </a:xfrm>
+          <a:prstGeom prst="line">
+            <a:avLst/>
+          </a:prstGeom>
+          <a:ln w="38100">
+            <a:solidFill>
+              <a:schemeClr val="accent4">
+                <a:lumMod val="75000"/>
+              </a:schemeClr>
+            </a:solidFill>
+          </a:ln>
+        </p:spPr>
+        <p:style>
+          <a:lnRef idx="1">
+            <a:schemeClr val="accent1"/>
+          </a:lnRef>
+          <a:fillRef idx="0">
+            <a:schemeClr val="accent1"/>
+          </a:fillRef>
+          <a:effectRef idx="0">
+            <a:schemeClr val="accent1"/>
+          </a:effectRef>
+          <a:fontRef idx="minor">
+            <a:schemeClr val="tx1"/>
+          </a:fontRef>
+        </p:style>
+      </p:cxnSp>
+      <p:sp>
+        <p:nvSpPr>
+          <p:cNvPr id="34" name="TextBox 33">
+            <a:extLst>
+              <a:ext uri="{FF2B5EF4-FFF2-40B4-BE49-F238E27FC236}">
+                <a16:creationId xmlns:a16="http://schemas.microsoft.com/office/drawing/2014/main" id="{581AA940-EE49-B34D-9DF0-8D5331E37839}"/>
+              </a:ext>
+            </a:extLst>
+          </p:cNvPr>
+          <p:cNvSpPr txBox="1"/>
+          <p:nvPr/>
+        </p:nvSpPr>
+        <p:spPr>
+          <a:xfrm>
+            <a:off x="5770355" y="3344374"/>
+            <a:ext cx="664371" cy="369332"/>
+          </a:xfrm>
+          <a:prstGeom prst="rect">
+            <a:avLst/>
+          </a:prstGeom>
+          <a:noFill/>
+        </p:spPr>
+        <p:txBody>
+          <a:bodyPr wrap="square" rtlCol="0">
+            <a:spAutoFit/>
+          </a:bodyPr>
+          <a:lstStyle/>
+          <a:p>
+            <a:r>
+              <a:rPr lang="en-US" dirty="0">
+                <a:solidFill>
+                  <a:srgbClr val="B58300"/>
+                </a:solidFill>
+              </a:rPr>
+              <a:t>-3.02</a:t>
+            </a:r>
+          </a:p>
+        </p:txBody>
+      </p:sp>
+      <p:cxnSp>
+        <p:nvCxnSpPr>
+          <p:cNvPr id="35" name="Straight Connector 34">
+            <a:extLst>
+              <a:ext uri="{FF2B5EF4-FFF2-40B4-BE49-F238E27FC236}">
+                <a16:creationId xmlns:a16="http://schemas.microsoft.com/office/drawing/2014/main" id="{983F55BA-E81C-254E-B074-7CCC882A45DB}"/>
+              </a:ext>
+            </a:extLst>
+          </p:cNvPr>
+          <p:cNvCxnSpPr/>
+          <p:nvPr/>
+        </p:nvCxnSpPr>
+        <p:spPr>
+          <a:xfrm>
+            <a:off x="8020428" y="4332056"/>
+            <a:ext cx="519199" cy="0"/>
+          </a:xfrm>
+          <a:prstGeom prst="line">
+            <a:avLst/>
+          </a:prstGeom>
+          <a:ln w="38100">
+            <a:solidFill>
+              <a:schemeClr val="accent4">
+                <a:lumMod val="75000"/>
+              </a:schemeClr>
+            </a:solidFill>
+          </a:ln>
+        </p:spPr>
+        <p:style>
+          <a:lnRef idx="1">
+            <a:schemeClr val="accent1"/>
+          </a:lnRef>
+          <a:fillRef idx="0">
+            <a:schemeClr val="accent1"/>
+          </a:fillRef>
+          <a:effectRef idx="0">
+            <a:schemeClr val="accent1"/>
+          </a:effectRef>
+          <a:fontRef idx="minor">
+            <a:schemeClr val="tx1"/>
+          </a:fontRef>
+        </p:style>
+      </p:cxnSp>
+      <p:sp>
+        <p:nvSpPr>
+          <p:cNvPr id="36" name="TextBox 35">
+            <a:extLst>
+              <a:ext uri="{FF2B5EF4-FFF2-40B4-BE49-F238E27FC236}">
+                <a16:creationId xmlns:a16="http://schemas.microsoft.com/office/drawing/2014/main" id="{E6913168-5A40-DC4F-BE4D-979DD9960E01}"/>
+              </a:ext>
+            </a:extLst>
+          </p:cNvPr>
+          <p:cNvSpPr txBox="1"/>
+          <p:nvPr/>
+        </p:nvSpPr>
+        <p:spPr>
+          <a:xfrm>
+            <a:off x="7926913" y="4042373"/>
+            <a:ext cx="664371" cy="369332"/>
+          </a:xfrm>
+          <a:prstGeom prst="rect">
+            <a:avLst/>
+          </a:prstGeom>
+          <a:noFill/>
+        </p:spPr>
+        <p:txBody>
+          <a:bodyPr wrap="square" rtlCol="0">
+            <a:spAutoFit/>
+          </a:bodyPr>
+          <a:lstStyle/>
+          <a:p>
+            <a:r>
+              <a:rPr lang="en-US" dirty="0">
+                <a:solidFill>
+                  <a:srgbClr val="B58300"/>
+                </a:solidFill>
+              </a:rPr>
+              <a:t>-4.06</a:t>
             </a:r>
           </a:p>
         </p:txBody>

--- a/EnergyFile.pptx
+++ b/EnergyFile.pptx
@@ -5,7 +5,7 @@
     <p:sldMasterId id="2147483648" r:id="rId1"/>
   </p:sldMasterIdLst>
   <p:notesMasterIdLst>
-    <p:notesMasterId r:id="rId9"/>
+    <p:notesMasterId r:id="rId10"/>
   </p:notesMasterIdLst>
   <p:sldIdLst>
     <p:sldId id="281" r:id="rId2"/>
@@ -13,8 +13,9 @@
     <p:sldId id="289" r:id="rId4"/>
     <p:sldId id="301" r:id="rId5"/>
     <p:sldId id="292" r:id="rId6"/>
-    <p:sldId id="303" r:id="rId7"/>
-    <p:sldId id="304" r:id="rId8"/>
+    <p:sldId id="305" r:id="rId7"/>
+    <p:sldId id="303" r:id="rId8"/>
+    <p:sldId id="304" r:id="rId9"/>
   </p:sldIdLst>
   <p:sldSz cx="12192000" cy="6858000"/>
   <p:notesSz cx="6858000" cy="9144000"/>
@@ -133,6 +134,2566 @@
 </p:cmAuthorLst>
 </file>
 
+<file path=ppt/charts/chart1.xml><?xml version="1.0" encoding="utf-8"?>
+<c:chartSpace xmlns:c="http://schemas.openxmlformats.org/drawingml/2006/chart" xmlns:a="http://schemas.openxmlformats.org/drawingml/2006/main" xmlns:r="http://schemas.openxmlformats.org/officeDocument/2006/relationships" xmlns:c16r2="http://schemas.microsoft.com/office/drawing/2015/06/chart">
+  <c:date1904 val="0"/>
+  <c:lang val="en-US"/>
+  <c:roundedCorners val="0"/>
+  <mc:AlternateContent xmlns:mc="http://schemas.openxmlformats.org/markup-compatibility/2006">
+    <mc:Choice xmlns:c14="http://schemas.microsoft.com/office/drawing/2007/8/2/chart" Requires="c14">
+      <c14:style val="102"/>
+    </mc:Choice>
+    <mc:Fallback>
+      <c:style val="2"/>
+    </mc:Fallback>
+  </mc:AlternateContent>
+  <c:chart>
+    <c:autoTitleDeleted val="1"/>
+    <c:plotArea>
+      <c:layout/>
+      <c:scatterChart>
+        <c:scatterStyle val="lineMarker"/>
+        <c:varyColors val="0"/>
+        <c:ser>
+          <c:idx val="0"/>
+          <c:order val="0"/>
+          <c:tx>
+            <c:v>ideal-surface</c:v>
+          </c:tx>
+          <c:spPr>
+            <a:ln w="19050" cap="rnd">
+              <a:solidFill>
+                <a:schemeClr val="accent1"/>
+              </a:solidFill>
+              <a:round/>
+            </a:ln>
+            <a:effectLst/>
+          </c:spPr>
+          <c:marker>
+            <c:symbol val="circle"/>
+            <c:size val="5"/>
+            <c:spPr>
+              <a:solidFill>
+                <a:schemeClr val="accent1"/>
+              </a:solidFill>
+              <a:ln w="9525">
+                <a:solidFill>
+                  <a:schemeClr val="accent1"/>
+                </a:solidFill>
+              </a:ln>
+              <a:effectLst/>
+            </c:spPr>
+          </c:marker>
+          <c:xVal>
+            <c:numRef>
+              <c:f>Sheet1!$F$11:$F$18</c:f>
+              <c:numCache>
+                <c:formatCode>General</c:formatCode>
+                <c:ptCount val="8"/>
+                <c:pt idx="0">
+                  <c:v>3.1</c:v>
+                </c:pt>
+                <c:pt idx="1">
+                  <c:v>2.96</c:v>
+                </c:pt>
+                <c:pt idx="2">
+                  <c:v>2.72</c:v>
+                </c:pt>
+                <c:pt idx="3">
+                  <c:v>2.2799999999999998</c:v>
+                </c:pt>
+                <c:pt idx="4">
+                  <c:v>1.58</c:v>
+                </c:pt>
+                <c:pt idx="5">
+                  <c:v>1.5</c:v>
+                </c:pt>
+                <c:pt idx="6">
+                  <c:v>1.49</c:v>
+                </c:pt>
+                <c:pt idx="7">
+                  <c:v>1.49</c:v>
+                </c:pt>
+              </c:numCache>
+            </c:numRef>
+          </c:xVal>
+          <c:yVal>
+            <c:numRef>
+              <c:f>Sheet1!$G$11:$G$18</c:f>
+              <c:numCache>
+                <c:formatCode>General</c:formatCode>
+                <c:ptCount val="8"/>
+                <c:pt idx="0">
+                  <c:v>-3.73</c:v>
+                </c:pt>
+                <c:pt idx="1">
+                  <c:v>-3.6692969999999998</c:v>
+                </c:pt>
+                <c:pt idx="2">
+                  <c:v>-3.4701219999999999</c:v>
+                </c:pt>
+                <c:pt idx="3">
+                  <c:v>-3.2404510000000002</c:v>
+                </c:pt>
+                <c:pt idx="4">
+                  <c:v>-4.7666269999999997</c:v>
+                </c:pt>
+                <c:pt idx="5">
+                  <c:v>-5.4249720000000003</c:v>
+                </c:pt>
+                <c:pt idx="6">
+                  <c:v>-5.6647990000000004</c:v>
+                </c:pt>
+                <c:pt idx="7">
+                  <c:v>-5.757307</c:v>
+                </c:pt>
+              </c:numCache>
+            </c:numRef>
+          </c:yVal>
+          <c:smooth val="0"/>
+          <c:extLst>
+            <c:ext xmlns:c16="http://schemas.microsoft.com/office/drawing/2014/chart" uri="{C3380CC4-5D6E-409C-BE32-E72D297353CC}">
+              <c16:uniqueId val="{00000000-2CB7-8C46-A6F8-3C002041B780}"/>
+            </c:ext>
+          </c:extLst>
+        </c:ser>
+        <c:ser>
+          <c:idx val="1"/>
+          <c:order val="1"/>
+          <c:tx>
+            <c:v>extraction-1</c:v>
+          </c:tx>
+          <c:spPr>
+            <a:ln w="19050" cap="rnd">
+              <a:solidFill>
+                <a:schemeClr val="accent2"/>
+              </a:solidFill>
+              <a:round/>
+            </a:ln>
+            <a:effectLst/>
+          </c:spPr>
+          <c:marker>
+            <c:symbol val="circle"/>
+            <c:size val="5"/>
+            <c:spPr>
+              <a:solidFill>
+                <a:schemeClr val="accent2"/>
+              </a:solidFill>
+              <a:ln w="9525">
+                <a:solidFill>
+                  <a:schemeClr val="accent2"/>
+                </a:solidFill>
+              </a:ln>
+              <a:effectLst/>
+            </c:spPr>
+          </c:marker>
+          <c:xVal>
+            <c:numRef>
+              <c:f>Sheet1!$J$28:$J$41</c:f>
+              <c:numCache>
+                <c:formatCode>General</c:formatCode>
+                <c:ptCount val="14"/>
+                <c:pt idx="0">
+                  <c:v>3.1</c:v>
+                </c:pt>
+                <c:pt idx="1">
+                  <c:v>3.14</c:v>
+                </c:pt>
+                <c:pt idx="2">
+                  <c:v>3.19</c:v>
+                </c:pt>
+                <c:pt idx="3">
+                  <c:v>3.26</c:v>
+                </c:pt>
+                <c:pt idx="4">
+                  <c:v>3.37</c:v>
+                </c:pt>
+                <c:pt idx="5">
+                  <c:v>3.46</c:v>
+                </c:pt>
+                <c:pt idx="6">
+                  <c:v>3.55</c:v>
+                </c:pt>
+                <c:pt idx="7">
+                  <c:v>3.61</c:v>
+                </c:pt>
+                <c:pt idx="8">
+                  <c:v>3.69</c:v>
+                </c:pt>
+                <c:pt idx="9">
+                  <c:v>3.77</c:v>
+                </c:pt>
+                <c:pt idx="10">
+                  <c:v>3.8</c:v>
+                </c:pt>
+                <c:pt idx="11">
+                  <c:v>3.83</c:v>
+                </c:pt>
+                <c:pt idx="12">
+                  <c:v>3.87</c:v>
+                </c:pt>
+                <c:pt idx="13">
+                  <c:v>3.89</c:v>
+                </c:pt>
+              </c:numCache>
+            </c:numRef>
+          </c:xVal>
+          <c:yVal>
+            <c:numRef>
+              <c:f>Sheet1!$K$28:$K$41</c:f>
+              <c:numCache>
+                <c:formatCode>General</c:formatCode>
+                <c:ptCount val="14"/>
+                <c:pt idx="0">
+                  <c:v>-3.734</c:v>
+                </c:pt>
+                <c:pt idx="1">
+                  <c:v>-3.6547000000000001</c:v>
+                </c:pt>
+                <c:pt idx="2">
+                  <c:v>-3.4702999999999999</c:v>
+                </c:pt>
+                <c:pt idx="3">
+                  <c:v>-3.2031999999999998</c:v>
+                </c:pt>
+                <c:pt idx="4">
+                  <c:v>-2.8073999999999999</c:v>
+                </c:pt>
+                <c:pt idx="5">
+                  <c:v>-2.4156</c:v>
+                </c:pt>
+                <c:pt idx="6">
+                  <c:v>-2.3569</c:v>
+                </c:pt>
+                <c:pt idx="7">
+                  <c:v>-2.3990999999999998</c:v>
+                </c:pt>
+                <c:pt idx="8">
+                  <c:v>-2.6722999999999999</c:v>
+                </c:pt>
+                <c:pt idx="9">
+                  <c:v>-3.2202999999999999</c:v>
+                </c:pt>
+                <c:pt idx="10">
+                  <c:v>-3.5466000000000002</c:v>
+                </c:pt>
+                <c:pt idx="11">
+                  <c:v>-3.7713000000000001</c:v>
+                </c:pt>
+                <c:pt idx="12">
+                  <c:v>-3.9165999999999999</c:v>
+                </c:pt>
+                <c:pt idx="13">
+                  <c:v>-3.9382999999999999</c:v>
+                </c:pt>
+              </c:numCache>
+            </c:numRef>
+          </c:yVal>
+          <c:smooth val="0"/>
+          <c:extLst>
+            <c:ext xmlns:c16="http://schemas.microsoft.com/office/drawing/2014/chart" uri="{C3380CC4-5D6E-409C-BE32-E72D297353CC}">
+              <c16:uniqueId val="{00000001-2CB7-8C46-A6F8-3C002041B780}"/>
+            </c:ext>
+          </c:extLst>
+        </c:ser>
+        <c:ser>
+          <c:idx val="2"/>
+          <c:order val="2"/>
+          <c:tx>
+            <c:v>extraction-2</c:v>
+          </c:tx>
+          <c:spPr>
+            <a:ln w="19050" cap="rnd">
+              <a:solidFill>
+                <a:schemeClr val="accent3"/>
+              </a:solidFill>
+              <a:round/>
+            </a:ln>
+            <a:effectLst/>
+          </c:spPr>
+          <c:marker>
+            <c:symbol val="circle"/>
+            <c:size val="5"/>
+            <c:spPr>
+              <a:solidFill>
+                <a:schemeClr val="accent3"/>
+              </a:solidFill>
+              <a:ln w="9525">
+                <a:solidFill>
+                  <a:schemeClr val="accent3"/>
+                </a:solidFill>
+              </a:ln>
+              <a:effectLst/>
+            </c:spPr>
+          </c:marker>
+          <c:xVal>
+            <c:numRef>
+              <c:f>Sheet1!$J$42:$J$53</c:f>
+              <c:numCache>
+                <c:formatCode>General</c:formatCode>
+                <c:ptCount val="12"/>
+                <c:pt idx="0">
+                  <c:v>3.89</c:v>
+                </c:pt>
+                <c:pt idx="1">
+                  <c:v>3.82</c:v>
+                </c:pt>
+                <c:pt idx="2">
+                  <c:v>3.73</c:v>
+                </c:pt>
+                <c:pt idx="3">
+                  <c:v>3.56</c:v>
+                </c:pt>
+                <c:pt idx="4">
+                  <c:v>3.3</c:v>
+                </c:pt>
+                <c:pt idx="5">
+                  <c:v>3.06</c:v>
+                </c:pt>
+                <c:pt idx="6">
+                  <c:v>2.82</c:v>
+                </c:pt>
+                <c:pt idx="7">
+                  <c:v>2.5299999999999998</c:v>
+                </c:pt>
+                <c:pt idx="8">
+                  <c:v>1.98</c:v>
+                </c:pt>
+                <c:pt idx="9">
+                  <c:v>1.59</c:v>
+                </c:pt>
+                <c:pt idx="10">
+                  <c:v>1.51</c:v>
+                </c:pt>
+                <c:pt idx="11">
+                  <c:v>1.5</c:v>
+                </c:pt>
+              </c:numCache>
+            </c:numRef>
+          </c:xVal>
+          <c:yVal>
+            <c:numRef>
+              <c:f>Sheet1!$K$42:$K$53</c:f>
+              <c:numCache>
+                <c:formatCode>General</c:formatCode>
+                <c:ptCount val="12"/>
+                <c:pt idx="0">
+                  <c:v>-3.9382999999999999</c:v>
+                </c:pt>
+                <c:pt idx="1">
+                  <c:v>-3.8907669999999999</c:v>
+                </c:pt>
+                <c:pt idx="2">
+                  <c:v>-3.6761650000000001</c:v>
+                </c:pt>
+                <c:pt idx="3">
+                  <c:v>-3.0932599999999999</c:v>
+                </c:pt>
+                <c:pt idx="4">
+                  <c:v>-2.405932</c:v>
+                </c:pt>
+                <c:pt idx="5">
+                  <c:v>-2.1234220000000001</c:v>
+                </c:pt>
+                <c:pt idx="6">
+                  <c:v>-1.9756290000000001</c:v>
+                </c:pt>
+                <c:pt idx="7">
+                  <c:v>-1.93282</c:v>
+                </c:pt>
+                <c:pt idx="8">
+                  <c:v>-2.4670899999999998</c:v>
+                </c:pt>
+                <c:pt idx="9">
+                  <c:v>-3.7304919999999999</c:v>
+                </c:pt>
+                <c:pt idx="10">
+                  <c:v>-4.0853789999999996</c:v>
+                </c:pt>
+                <c:pt idx="11">
+                  <c:v>-4.1109020000000003</c:v>
+                </c:pt>
+              </c:numCache>
+            </c:numRef>
+          </c:yVal>
+          <c:smooth val="0"/>
+          <c:extLst>
+            <c:ext xmlns:c16="http://schemas.microsoft.com/office/drawing/2014/chart" uri="{C3380CC4-5D6E-409C-BE32-E72D297353CC}">
+              <c16:uniqueId val="{00000002-2CB7-8C46-A6F8-3C002041B780}"/>
+            </c:ext>
+          </c:extLst>
+        </c:ser>
+        <c:dLbls>
+          <c:showLegendKey val="0"/>
+          <c:showVal val="0"/>
+          <c:showCatName val="0"/>
+          <c:showSerName val="0"/>
+          <c:showPercent val="0"/>
+          <c:showBubbleSize val="0"/>
+        </c:dLbls>
+        <c:axId val="1942965903"/>
+        <c:axId val="1942357775"/>
+      </c:scatterChart>
+      <c:valAx>
+        <c:axId val="1942965903"/>
+        <c:scaling>
+          <c:orientation val="minMax"/>
+          <c:min val="1.25"/>
+        </c:scaling>
+        <c:delete val="0"/>
+        <c:axPos val="b"/>
+        <c:majorGridlines>
+          <c:spPr>
+            <a:ln w="9525" cap="flat" cmpd="sng" algn="ctr">
+              <a:solidFill>
+                <a:schemeClr val="tx1">
+                  <a:lumMod val="15000"/>
+                  <a:lumOff val="85000"/>
+                </a:schemeClr>
+              </a:solidFill>
+              <a:round/>
+            </a:ln>
+            <a:effectLst/>
+          </c:spPr>
+        </c:majorGridlines>
+        <c:title>
+          <c:tx>
+            <c:rich>
+              <a:bodyPr rot="0" spcFirstLastPara="1" vertOverflow="ellipsis" vert="horz" wrap="square" anchor="ctr" anchorCtr="1"/>
+              <a:lstStyle/>
+              <a:p>
+                <a:pPr>
+                  <a:defRPr sz="1800" b="0" i="0" u="none" strike="noStrike" kern="1200" baseline="0">
+                    <a:solidFill>
+                      <a:schemeClr val="tx1">
+                        <a:lumMod val="65000"/>
+                        <a:lumOff val="35000"/>
+                      </a:schemeClr>
+                    </a:solidFill>
+                    <a:latin typeface="+mn-lt"/>
+                    <a:ea typeface="+mn-ea"/>
+                    <a:cs typeface="+mn-cs"/>
+                  </a:defRPr>
+                </a:pPr>
+                <a:r>
+                  <a:rPr lang="en-US" sz="1800"/>
+                  <a:t>C--C </a:t>
+                </a:r>
+                <a:r>
+                  <a:rPr lang="en-US" sz="1800" baseline="0"/>
+                  <a:t> distance (A)</a:t>
+                </a:r>
+                <a:endParaRPr lang="en-US" sz="1800"/>
+              </a:p>
+            </c:rich>
+          </c:tx>
+          <c:overlay val="0"/>
+          <c:spPr>
+            <a:noFill/>
+            <a:ln>
+              <a:noFill/>
+            </a:ln>
+            <a:effectLst/>
+          </c:spPr>
+          <c:txPr>
+            <a:bodyPr rot="0" spcFirstLastPara="1" vertOverflow="ellipsis" vert="horz" wrap="square" anchor="ctr" anchorCtr="1"/>
+            <a:lstStyle/>
+            <a:p>
+              <a:pPr>
+                <a:defRPr sz="1800" b="0" i="0" u="none" strike="noStrike" kern="1200" baseline="0">
+                  <a:solidFill>
+                    <a:schemeClr val="tx1">
+                      <a:lumMod val="65000"/>
+                      <a:lumOff val="35000"/>
+                    </a:schemeClr>
+                  </a:solidFill>
+                  <a:latin typeface="+mn-lt"/>
+                  <a:ea typeface="+mn-ea"/>
+                  <a:cs typeface="+mn-cs"/>
+                </a:defRPr>
+              </a:pPr>
+              <a:endParaRPr lang="en-US"/>
+            </a:p>
+          </c:txPr>
+        </c:title>
+        <c:numFmt formatCode="General" sourceLinked="1"/>
+        <c:majorTickMark val="none"/>
+        <c:minorTickMark val="none"/>
+        <c:tickLblPos val="low"/>
+        <c:spPr>
+          <a:noFill/>
+          <a:ln w="9525" cap="flat" cmpd="sng" algn="ctr">
+            <a:solidFill>
+              <a:schemeClr val="tx1">
+                <a:lumMod val="25000"/>
+                <a:lumOff val="75000"/>
+              </a:schemeClr>
+            </a:solidFill>
+            <a:round/>
+          </a:ln>
+          <a:effectLst/>
+        </c:spPr>
+        <c:txPr>
+          <a:bodyPr rot="-60000000" spcFirstLastPara="1" vertOverflow="ellipsis" vert="horz" wrap="square" anchor="ctr" anchorCtr="1"/>
+          <a:lstStyle/>
+          <a:p>
+            <a:pPr>
+              <a:defRPr sz="1600" b="0" i="0" u="none" strike="noStrike" kern="1200" baseline="0">
+                <a:solidFill>
+                  <a:schemeClr val="tx1">
+                    <a:lumMod val="65000"/>
+                    <a:lumOff val="35000"/>
+                  </a:schemeClr>
+                </a:solidFill>
+                <a:latin typeface="+mn-lt"/>
+                <a:ea typeface="+mn-ea"/>
+                <a:cs typeface="+mn-cs"/>
+              </a:defRPr>
+            </a:pPr>
+            <a:endParaRPr lang="en-US"/>
+          </a:p>
+        </c:txPr>
+        <c:crossAx val="1942357775"/>
+        <c:crosses val="autoZero"/>
+        <c:crossBetween val="midCat"/>
+        <c:majorUnit val="0.2"/>
+      </c:valAx>
+      <c:valAx>
+        <c:axId val="1942357775"/>
+        <c:scaling>
+          <c:orientation val="minMax"/>
+        </c:scaling>
+        <c:delete val="0"/>
+        <c:axPos val="l"/>
+        <c:majorGridlines>
+          <c:spPr>
+            <a:ln w="9525" cap="flat" cmpd="sng" algn="ctr">
+              <a:solidFill>
+                <a:schemeClr val="tx1">
+                  <a:lumMod val="15000"/>
+                  <a:lumOff val="85000"/>
+                </a:schemeClr>
+              </a:solidFill>
+              <a:round/>
+            </a:ln>
+            <a:effectLst/>
+          </c:spPr>
+        </c:majorGridlines>
+        <c:title>
+          <c:tx>
+            <c:rich>
+              <a:bodyPr rot="-5400000" spcFirstLastPara="1" vertOverflow="ellipsis" vert="horz" wrap="square" anchor="ctr" anchorCtr="1"/>
+              <a:lstStyle/>
+              <a:p>
+                <a:pPr>
+                  <a:defRPr sz="1800" b="0" i="0" u="none" strike="noStrike" kern="1200" baseline="0">
+                    <a:solidFill>
+                      <a:schemeClr val="tx1">
+                        <a:lumMod val="65000"/>
+                        <a:lumOff val="35000"/>
+                      </a:schemeClr>
+                    </a:solidFill>
+                    <a:latin typeface="+mn-lt"/>
+                    <a:ea typeface="+mn-ea"/>
+                    <a:cs typeface="+mn-cs"/>
+                  </a:defRPr>
+                </a:pPr>
+                <a:r>
+                  <a:rPr lang="en-US" sz="1800"/>
+                  <a:t>Energy(eV)</a:t>
+                </a:r>
+              </a:p>
+            </c:rich>
+          </c:tx>
+          <c:layout>
+            <c:manualLayout>
+              <c:xMode val="edge"/>
+              <c:yMode val="edge"/>
+              <c:x val="0.95738161891843876"/>
+              <c:y val="0.39602051388313303"/>
+            </c:manualLayout>
+          </c:layout>
+          <c:overlay val="0"/>
+          <c:spPr>
+            <a:noFill/>
+            <a:ln>
+              <a:noFill/>
+            </a:ln>
+            <a:effectLst/>
+          </c:spPr>
+          <c:txPr>
+            <a:bodyPr rot="-5400000" spcFirstLastPara="1" vertOverflow="ellipsis" vert="horz" wrap="square" anchor="ctr" anchorCtr="1"/>
+            <a:lstStyle/>
+            <a:p>
+              <a:pPr>
+                <a:defRPr sz="1800" b="0" i="0" u="none" strike="noStrike" kern="1200" baseline="0">
+                  <a:solidFill>
+                    <a:schemeClr val="tx1">
+                      <a:lumMod val="65000"/>
+                      <a:lumOff val="35000"/>
+                    </a:schemeClr>
+                  </a:solidFill>
+                  <a:latin typeface="+mn-lt"/>
+                  <a:ea typeface="+mn-ea"/>
+                  <a:cs typeface="+mn-cs"/>
+                </a:defRPr>
+              </a:pPr>
+              <a:endParaRPr lang="en-US"/>
+            </a:p>
+          </c:txPr>
+        </c:title>
+        <c:numFmt formatCode="General" sourceLinked="1"/>
+        <c:majorTickMark val="none"/>
+        <c:minorTickMark val="none"/>
+        <c:tickLblPos val="low"/>
+        <c:spPr>
+          <a:noFill/>
+          <a:ln w="9525" cap="flat" cmpd="sng" algn="ctr">
+            <a:solidFill>
+              <a:schemeClr val="tx1">
+                <a:lumMod val="25000"/>
+                <a:lumOff val="75000"/>
+              </a:schemeClr>
+            </a:solidFill>
+            <a:round/>
+          </a:ln>
+          <a:effectLst/>
+        </c:spPr>
+        <c:txPr>
+          <a:bodyPr rot="-60000000" spcFirstLastPara="1" vertOverflow="ellipsis" vert="horz" wrap="square" anchor="ctr" anchorCtr="1"/>
+          <a:lstStyle/>
+          <a:p>
+            <a:pPr>
+              <a:defRPr sz="1800" b="0" i="0" u="none" strike="noStrike" kern="1200" baseline="0">
+                <a:solidFill>
+                  <a:schemeClr val="tx1">
+                    <a:lumMod val="65000"/>
+                    <a:lumOff val="35000"/>
+                  </a:schemeClr>
+                </a:solidFill>
+                <a:latin typeface="+mn-lt"/>
+                <a:ea typeface="+mn-ea"/>
+                <a:cs typeface="+mn-cs"/>
+              </a:defRPr>
+            </a:pPr>
+            <a:endParaRPr lang="en-US"/>
+          </a:p>
+        </c:txPr>
+        <c:crossAx val="1942965903"/>
+        <c:crosses val="autoZero"/>
+        <c:crossBetween val="midCat"/>
+        <c:majorUnit val="0.5"/>
+      </c:valAx>
+      <c:spPr>
+        <a:noFill/>
+        <a:ln>
+          <a:noFill/>
+        </a:ln>
+        <a:effectLst/>
+      </c:spPr>
+    </c:plotArea>
+    <c:legend>
+      <c:legendPos val="t"/>
+      <c:layout>
+        <c:manualLayout>
+          <c:xMode val="edge"/>
+          <c:yMode val="edge"/>
+          <c:x val="0.23786622855809458"/>
+          <c:y val="3.9346246973365619E-2"/>
+          <c:w val="0.52089613559519421"/>
+          <c:h val="6.2286230818928964E-2"/>
+        </c:manualLayout>
+      </c:layout>
+      <c:overlay val="0"/>
+      <c:spPr>
+        <a:noFill/>
+        <a:ln>
+          <a:noFill/>
+        </a:ln>
+        <a:effectLst/>
+      </c:spPr>
+      <c:txPr>
+        <a:bodyPr rot="0" spcFirstLastPara="1" vertOverflow="ellipsis" vert="horz" wrap="square" anchor="ctr" anchorCtr="1"/>
+        <a:lstStyle/>
+        <a:p>
+          <a:pPr>
+            <a:defRPr sz="1200" b="0" i="0" u="none" strike="noStrike" kern="1200" baseline="0">
+              <a:solidFill>
+                <a:schemeClr val="tx1">
+                  <a:lumMod val="65000"/>
+                  <a:lumOff val="35000"/>
+                </a:schemeClr>
+              </a:solidFill>
+              <a:latin typeface="+mn-lt"/>
+              <a:ea typeface="+mn-ea"/>
+              <a:cs typeface="+mn-cs"/>
+            </a:defRPr>
+          </a:pPr>
+          <a:endParaRPr lang="en-US"/>
+        </a:p>
+      </c:txPr>
+    </c:legend>
+    <c:plotVisOnly val="1"/>
+    <c:dispBlanksAs val="gap"/>
+    <c:extLst>
+      <c:ext xmlns:c16r3="http://schemas.microsoft.com/office/drawing/2017/03/chart" uri="{56B9EC1D-385E-4148-901F-78D8002777C0}">
+        <c16r3:dataDisplayOptions16>
+          <c16r3:dispNaAsBlank val="1"/>
+        </c16r3:dataDisplayOptions16>
+      </c:ext>
+    </c:extLst>
+    <c:showDLblsOverMax val="0"/>
+  </c:chart>
+  <c:spPr>
+    <a:noFill/>
+    <a:ln>
+      <a:noFill/>
+    </a:ln>
+    <a:effectLst/>
+  </c:spPr>
+  <c:txPr>
+    <a:bodyPr/>
+    <a:lstStyle/>
+    <a:p>
+      <a:pPr>
+        <a:defRPr/>
+      </a:pPr>
+      <a:endParaRPr lang="en-US"/>
+    </a:p>
+  </c:txPr>
+  <c:externalData r:id="rId3">
+    <c:autoUpdate val="0"/>
+  </c:externalData>
+</c:chartSpace>
+</file>
+
+<file path=ppt/charts/chart2.xml><?xml version="1.0" encoding="utf-8"?>
+<c:chartSpace xmlns:c="http://schemas.openxmlformats.org/drawingml/2006/chart" xmlns:a="http://schemas.openxmlformats.org/drawingml/2006/main" xmlns:r="http://schemas.openxmlformats.org/officeDocument/2006/relationships" xmlns:c16r2="http://schemas.microsoft.com/office/drawing/2015/06/chart">
+  <c:date1904 val="0"/>
+  <c:lang val="en-US"/>
+  <c:roundedCorners val="0"/>
+  <mc:AlternateContent xmlns:mc="http://schemas.openxmlformats.org/markup-compatibility/2006">
+    <mc:Choice xmlns:c14="http://schemas.microsoft.com/office/drawing/2007/8/2/chart" Requires="c14">
+      <c14:style val="102"/>
+    </mc:Choice>
+    <mc:Fallback>
+      <c:style val="2"/>
+    </mc:Fallback>
+  </mc:AlternateContent>
+  <c:chart>
+    <c:autoTitleDeleted val="1"/>
+    <c:plotArea>
+      <c:layout/>
+      <c:scatterChart>
+        <c:scatterStyle val="smoothMarker"/>
+        <c:varyColors val="0"/>
+        <c:ser>
+          <c:idx val="0"/>
+          <c:order val="0"/>
+          <c:tx>
+            <c:v>ideal surface</c:v>
+          </c:tx>
+          <c:spPr>
+            <a:ln w="19050" cap="rnd">
+              <a:solidFill>
+                <a:schemeClr val="accent1"/>
+              </a:solidFill>
+              <a:round/>
+            </a:ln>
+            <a:effectLst/>
+          </c:spPr>
+          <c:marker>
+            <c:symbol val="circle"/>
+            <c:size val="5"/>
+            <c:spPr>
+              <a:solidFill>
+                <a:schemeClr val="accent1"/>
+              </a:solidFill>
+              <a:ln w="9525">
+                <a:solidFill>
+                  <a:schemeClr val="accent1"/>
+                </a:solidFill>
+              </a:ln>
+              <a:effectLst/>
+            </c:spPr>
+          </c:marker>
+          <c:xVal>
+            <c:numRef>
+              <c:f>Sheet1!$B$1:$B$8</c:f>
+              <c:numCache>
+                <c:formatCode>General</c:formatCode>
+                <c:ptCount val="8"/>
+                <c:pt idx="0">
+                  <c:v>4.9095861799999998</c:v>
+                </c:pt>
+                <c:pt idx="1">
+                  <c:v>4.9372169399999999</c:v>
+                </c:pt>
+                <c:pt idx="2">
+                  <c:v>4.86805705</c:v>
+                </c:pt>
+                <c:pt idx="3">
+                  <c:v>4.6507564400000003</c:v>
+                </c:pt>
+                <c:pt idx="4">
+                  <c:v>4.3775108200000004</c:v>
+                </c:pt>
+                <c:pt idx="5">
+                  <c:v>4.3615144199999998</c:v>
+                </c:pt>
+                <c:pt idx="6">
+                  <c:v>4.40222494</c:v>
+                </c:pt>
+                <c:pt idx="7">
+                  <c:v>4.4156019000000004</c:v>
+                </c:pt>
+              </c:numCache>
+            </c:numRef>
+          </c:xVal>
+          <c:yVal>
+            <c:numRef>
+              <c:f>Sheet1!$D$1:$D$8</c:f>
+              <c:numCache>
+                <c:formatCode>General</c:formatCode>
+                <c:ptCount val="8"/>
+                <c:pt idx="0">
+                  <c:v>-3.73</c:v>
+                </c:pt>
+                <c:pt idx="1">
+                  <c:v>-3.6692969999999998</c:v>
+                </c:pt>
+                <c:pt idx="2">
+                  <c:v>-3.4701219999999999</c:v>
+                </c:pt>
+                <c:pt idx="3">
+                  <c:v>-3.2404510000000002</c:v>
+                </c:pt>
+                <c:pt idx="4">
+                  <c:v>-4.7666269999999997</c:v>
+                </c:pt>
+                <c:pt idx="5">
+                  <c:v>-5.4249720000000003</c:v>
+                </c:pt>
+                <c:pt idx="6">
+                  <c:v>-5.6647990000000004</c:v>
+                </c:pt>
+                <c:pt idx="7">
+                  <c:v>-5.757307</c:v>
+                </c:pt>
+              </c:numCache>
+            </c:numRef>
+          </c:yVal>
+          <c:smooth val="1"/>
+          <c:extLst>
+            <c:ext xmlns:c16="http://schemas.microsoft.com/office/drawing/2014/chart" uri="{C3380CC4-5D6E-409C-BE32-E72D297353CC}">
+              <c16:uniqueId val="{00000000-86B4-D740-AD1B-FFFE43EAA5A8}"/>
+            </c:ext>
+          </c:extLst>
+        </c:ser>
+        <c:ser>
+          <c:idx val="1"/>
+          <c:order val="1"/>
+          <c:tx>
+            <c:v>extraction-1</c:v>
+          </c:tx>
+          <c:spPr>
+            <a:ln w="19050" cap="rnd">
+              <a:solidFill>
+                <a:schemeClr val="accent2"/>
+              </a:solidFill>
+              <a:round/>
+            </a:ln>
+            <a:effectLst/>
+          </c:spPr>
+          <c:marker>
+            <c:symbol val="circle"/>
+            <c:size val="5"/>
+            <c:spPr>
+              <a:solidFill>
+                <a:schemeClr val="accent2"/>
+              </a:solidFill>
+              <a:ln w="9525">
+                <a:solidFill>
+                  <a:schemeClr val="accent2"/>
+                </a:solidFill>
+              </a:ln>
+              <a:effectLst/>
+            </c:spPr>
+          </c:marker>
+          <c:xVal>
+            <c:numRef>
+              <c:f>Sheet1!$J$1:$J$14</c:f>
+              <c:numCache>
+                <c:formatCode>General</c:formatCode>
+                <c:ptCount val="14"/>
+                <c:pt idx="0">
+                  <c:v>4.9095861799999998</c:v>
+                </c:pt>
+                <c:pt idx="1">
+                  <c:v>5.0633391100000003</c:v>
+                </c:pt>
+                <c:pt idx="2">
+                  <c:v>5.2270165000000004</c:v>
+                </c:pt>
+                <c:pt idx="3">
+                  <c:v>5.4032743999999999</c:v>
+                </c:pt>
+                <c:pt idx="4">
+                  <c:v>5.559653</c:v>
+                </c:pt>
+                <c:pt idx="5">
+                  <c:v>5.7286707100000003</c:v>
+                </c:pt>
+                <c:pt idx="6">
+                  <c:v>5.9050474499999996</c:v>
+                </c:pt>
+                <c:pt idx="7">
+                  <c:v>6.0732526299999998</c:v>
+                </c:pt>
+                <c:pt idx="8">
+                  <c:v>6.2401318300000002</c:v>
+                </c:pt>
+                <c:pt idx="9">
+                  <c:v>6.40503701</c:v>
+                </c:pt>
+                <c:pt idx="10">
+                  <c:v>6.5320173700000002</c:v>
+                </c:pt>
+                <c:pt idx="11">
+                  <c:v>6.6263905000000003</c:v>
+                </c:pt>
+                <c:pt idx="12">
+                  <c:v>6.7314860999999997</c:v>
+                </c:pt>
+                <c:pt idx="13">
+                  <c:v>6.7779233200000002</c:v>
+                </c:pt>
+              </c:numCache>
+            </c:numRef>
+          </c:xVal>
+          <c:yVal>
+            <c:numRef>
+              <c:f>Sheet1!$K$1:$K$14</c:f>
+              <c:numCache>
+                <c:formatCode>General</c:formatCode>
+                <c:ptCount val="14"/>
+                <c:pt idx="0">
+                  <c:v>-3.734</c:v>
+                </c:pt>
+                <c:pt idx="1">
+                  <c:v>-3.6547000000000001</c:v>
+                </c:pt>
+                <c:pt idx="2">
+                  <c:v>-3.4702999999999999</c:v>
+                </c:pt>
+                <c:pt idx="3">
+                  <c:v>-3.2031999999999998</c:v>
+                </c:pt>
+                <c:pt idx="4">
+                  <c:v>-2.8073999999999999</c:v>
+                </c:pt>
+                <c:pt idx="5">
+                  <c:v>-2.4156</c:v>
+                </c:pt>
+                <c:pt idx="6">
+                  <c:v>-2.3569</c:v>
+                </c:pt>
+                <c:pt idx="7">
+                  <c:v>-2.3990999999999998</c:v>
+                </c:pt>
+                <c:pt idx="8">
+                  <c:v>-2.6722999999999999</c:v>
+                </c:pt>
+                <c:pt idx="9">
+                  <c:v>-3.2202999999999999</c:v>
+                </c:pt>
+                <c:pt idx="10">
+                  <c:v>-3.5466000000000002</c:v>
+                </c:pt>
+                <c:pt idx="11">
+                  <c:v>-3.7713000000000001</c:v>
+                </c:pt>
+                <c:pt idx="12">
+                  <c:v>-3.9165999999999999</c:v>
+                </c:pt>
+                <c:pt idx="13">
+                  <c:v>-3.9382999999999999</c:v>
+                </c:pt>
+              </c:numCache>
+            </c:numRef>
+          </c:yVal>
+          <c:smooth val="1"/>
+          <c:extLst>
+            <c:ext xmlns:c16="http://schemas.microsoft.com/office/drawing/2014/chart" uri="{C3380CC4-5D6E-409C-BE32-E72D297353CC}">
+              <c16:uniqueId val="{00000001-86B4-D740-AD1B-FFFE43EAA5A8}"/>
+            </c:ext>
+          </c:extLst>
+        </c:ser>
+        <c:ser>
+          <c:idx val="2"/>
+          <c:order val="2"/>
+          <c:tx>
+            <c:v>extraction-2</c:v>
+          </c:tx>
+          <c:spPr>
+            <a:ln w="19050" cap="rnd">
+              <a:solidFill>
+                <a:schemeClr val="accent3"/>
+              </a:solidFill>
+              <a:round/>
+            </a:ln>
+            <a:effectLst/>
+          </c:spPr>
+          <c:marker>
+            <c:symbol val="circle"/>
+            <c:size val="5"/>
+            <c:spPr>
+              <a:solidFill>
+                <a:schemeClr val="accent3"/>
+              </a:solidFill>
+              <a:ln w="9525">
+                <a:solidFill>
+                  <a:schemeClr val="accent3"/>
+                </a:solidFill>
+              </a:ln>
+              <a:effectLst/>
+            </c:spPr>
+          </c:marker>
+          <c:xVal>
+            <c:numRef>
+              <c:f>Sheet1!$J$15:$J$26</c:f>
+              <c:numCache>
+                <c:formatCode>General</c:formatCode>
+                <c:ptCount val="12"/>
+                <c:pt idx="0">
+                  <c:v>6.7779233200000002</c:v>
+                </c:pt>
+                <c:pt idx="1">
+                  <c:v>6.6713706899999998</c:v>
+                </c:pt>
+                <c:pt idx="2">
+                  <c:v>6.5329160399999999</c:v>
+                </c:pt>
+                <c:pt idx="3">
+                  <c:v>6.33974233</c:v>
+                </c:pt>
+                <c:pt idx="4">
+                  <c:v>6.1167883500000002</c:v>
+                </c:pt>
+                <c:pt idx="5">
+                  <c:v>5.87686551</c:v>
+                </c:pt>
+                <c:pt idx="6">
+                  <c:v>5.6273898000000004</c:v>
+                </c:pt>
+                <c:pt idx="7">
+                  <c:v>5.3511527599999997</c:v>
+                </c:pt>
+                <c:pt idx="8">
+                  <c:v>4.9686377999999998</c:v>
+                </c:pt>
+                <c:pt idx="9">
+                  <c:v>4.6117251899999996</c:v>
+                </c:pt>
+                <c:pt idx="10">
+                  <c:v>4.4436901999999998</c:v>
+                </c:pt>
+                <c:pt idx="11">
+                  <c:v>4.4060449699999999</c:v>
+                </c:pt>
+              </c:numCache>
+            </c:numRef>
+          </c:xVal>
+          <c:yVal>
+            <c:numRef>
+              <c:f>Sheet1!$K$15:$K$26</c:f>
+              <c:numCache>
+                <c:formatCode>General</c:formatCode>
+                <c:ptCount val="12"/>
+                <c:pt idx="0">
+                  <c:v>-3.9382999999999999</c:v>
+                </c:pt>
+                <c:pt idx="1">
+                  <c:v>-3.8907669999999999</c:v>
+                </c:pt>
+                <c:pt idx="2">
+                  <c:v>-3.6761650000000001</c:v>
+                </c:pt>
+                <c:pt idx="3">
+                  <c:v>-3.0932599999999999</c:v>
+                </c:pt>
+                <c:pt idx="4">
+                  <c:v>-2.405932</c:v>
+                </c:pt>
+                <c:pt idx="5">
+                  <c:v>-2.1234220000000001</c:v>
+                </c:pt>
+                <c:pt idx="6">
+                  <c:v>-1.9756290000000001</c:v>
+                </c:pt>
+                <c:pt idx="7">
+                  <c:v>-1.93282</c:v>
+                </c:pt>
+                <c:pt idx="8">
+                  <c:v>-2.4670899999999998</c:v>
+                </c:pt>
+                <c:pt idx="9">
+                  <c:v>-3.7304919999999999</c:v>
+                </c:pt>
+                <c:pt idx="10">
+                  <c:v>-4.0853789999999996</c:v>
+                </c:pt>
+                <c:pt idx="11">
+                  <c:v>-4.1109020000000003</c:v>
+                </c:pt>
+              </c:numCache>
+            </c:numRef>
+          </c:yVal>
+          <c:smooth val="1"/>
+          <c:extLst>
+            <c:ext xmlns:c16="http://schemas.microsoft.com/office/drawing/2014/chart" uri="{C3380CC4-5D6E-409C-BE32-E72D297353CC}">
+              <c16:uniqueId val="{00000002-86B4-D740-AD1B-FFFE43EAA5A8}"/>
+            </c:ext>
+          </c:extLst>
+        </c:ser>
+        <c:dLbls>
+          <c:showLegendKey val="0"/>
+          <c:showVal val="0"/>
+          <c:showCatName val="0"/>
+          <c:showSerName val="0"/>
+          <c:showPercent val="0"/>
+          <c:showBubbleSize val="0"/>
+        </c:dLbls>
+        <c:axId val="2042839791"/>
+        <c:axId val="2043044575"/>
+      </c:scatterChart>
+      <c:valAx>
+        <c:axId val="2042839791"/>
+        <c:scaling>
+          <c:orientation val="maxMin"/>
+          <c:min val="4"/>
+        </c:scaling>
+        <c:delete val="0"/>
+        <c:axPos val="b"/>
+        <c:majorGridlines>
+          <c:spPr>
+            <a:ln w="9525" cap="flat" cmpd="sng" algn="ctr">
+              <a:solidFill>
+                <a:schemeClr val="tx1">
+                  <a:lumMod val="15000"/>
+                  <a:lumOff val="85000"/>
+                </a:schemeClr>
+              </a:solidFill>
+              <a:round/>
+            </a:ln>
+            <a:effectLst/>
+          </c:spPr>
+        </c:majorGridlines>
+        <c:title>
+          <c:tx>
+            <c:rich>
+              <a:bodyPr rot="0" spcFirstLastPara="1" vertOverflow="ellipsis" vert="horz" wrap="square" anchor="ctr" anchorCtr="1"/>
+              <a:lstStyle/>
+              <a:p>
+                <a:pPr>
+                  <a:defRPr sz="1800" b="0" i="0" u="none" strike="noStrike" kern="1200" baseline="0">
+                    <a:solidFill>
+                      <a:schemeClr val="tx1">
+                        <a:lumMod val="65000"/>
+                        <a:lumOff val="35000"/>
+                      </a:schemeClr>
+                    </a:solidFill>
+                    <a:latin typeface="+mn-lt"/>
+                    <a:ea typeface="+mn-ea"/>
+                    <a:cs typeface="+mn-cs"/>
+                  </a:defRPr>
+                </a:pPr>
+                <a:r>
+                  <a:rPr lang="en-US" sz="1800"/>
+                  <a:t>Distance between center</a:t>
+                </a:r>
+                <a:r>
+                  <a:rPr lang="en-US" sz="1800" baseline="0"/>
+                  <a:t> of mass (A)</a:t>
+                </a:r>
+                <a:endParaRPr lang="en-US" sz="1800"/>
+              </a:p>
+            </c:rich>
+          </c:tx>
+          <c:overlay val="0"/>
+          <c:spPr>
+            <a:noFill/>
+            <a:ln>
+              <a:noFill/>
+            </a:ln>
+            <a:effectLst/>
+          </c:spPr>
+          <c:txPr>
+            <a:bodyPr rot="0" spcFirstLastPara="1" vertOverflow="ellipsis" vert="horz" wrap="square" anchor="ctr" anchorCtr="1"/>
+            <a:lstStyle/>
+            <a:p>
+              <a:pPr>
+                <a:defRPr sz="1800" b="0" i="0" u="none" strike="noStrike" kern="1200" baseline="0">
+                  <a:solidFill>
+                    <a:schemeClr val="tx1">
+                      <a:lumMod val="65000"/>
+                      <a:lumOff val="35000"/>
+                    </a:schemeClr>
+                  </a:solidFill>
+                  <a:latin typeface="+mn-lt"/>
+                  <a:ea typeface="+mn-ea"/>
+                  <a:cs typeface="+mn-cs"/>
+                </a:defRPr>
+              </a:pPr>
+              <a:endParaRPr lang="en-US"/>
+            </a:p>
+          </c:txPr>
+        </c:title>
+        <c:numFmt formatCode="General" sourceLinked="1"/>
+        <c:majorTickMark val="none"/>
+        <c:minorTickMark val="none"/>
+        <c:tickLblPos val="low"/>
+        <c:spPr>
+          <a:noFill/>
+          <a:ln w="9525" cap="flat" cmpd="sng" algn="ctr">
+            <a:solidFill>
+              <a:schemeClr val="tx1">
+                <a:lumMod val="25000"/>
+                <a:lumOff val="75000"/>
+              </a:schemeClr>
+            </a:solidFill>
+            <a:round/>
+          </a:ln>
+          <a:effectLst/>
+        </c:spPr>
+        <c:txPr>
+          <a:bodyPr rot="-60000000" spcFirstLastPara="1" vertOverflow="ellipsis" vert="horz" wrap="square" anchor="ctr" anchorCtr="1"/>
+          <a:lstStyle/>
+          <a:p>
+            <a:pPr>
+              <a:defRPr sz="1600" b="0" i="0" u="none" strike="noStrike" kern="1200" baseline="0">
+                <a:solidFill>
+                  <a:schemeClr val="tx1">
+                    <a:lumMod val="65000"/>
+                    <a:lumOff val="35000"/>
+                  </a:schemeClr>
+                </a:solidFill>
+                <a:latin typeface="+mn-lt"/>
+                <a:ea typeface="+mn-ea"/>
+                <a:cs typeface="+mn-cs"/>
+              </a:defRPr>
+            </a:pPr>
+            <a:endParaRPr lang="en-US"/>
+          </a:p>
+        </c:txPr>
+        <c:crossAx val="2043044575"/>
+        <c:crosses val="autoZero"/>
+        <c:crossBetween val="midCat"/>
+        <c:majorUnit val="0.2"/>
+      </c:valAx>
+      <c:valAx>
+        <c:axId val="2043044575"/>
+        <c:scaling>
+          <c:orientation val="minMax"/>
+        </c:scaling>
+        <c:delete val="0"/>
+        <c:axPos val="r"/>
+        <c:majorGridlines>
+          <c:spPr>
+            <a:ln w="9525" cap="flat" cmpd="sng" algn="ctr">
+              <a:solidFill>
+                <a:schemeClr val="tx1">
+                  <a:lumMod val="15000"/>
+                  <a:lumOff val="85000"/>
+                </a:schemeClr>
+              </a:solidFill>
+              <a:round/>
+            </a:ln>
+            <a:effectLst/>
+          </c:spPr>
+        </c:majorGridlines>
+        <c:title>
+          <c:tx>
+            <c:rich>
+              <a:bodyPr rot="-5400000" spcFirstLastPara="1" vertOverflow="ellipsis" vert="horz" wrap="square" anchor="ctr" anchorCtr="1"/>
+              <a:lstStyle/>
+              <a:p>
+                <a:pPr>
+                  <a:defRPr sz="1800" b="0" i="0" u="none" strike="noStrike" kern="1200" baseline="0">
+                    <a:solidFill>
+                      <a:schemeClr val="tx1">
+                        <a:lumMod val="65000"/>
+                        <a:lumOff val="35000"/>
+                      </a:schemeClr>
+                    </a:solidFill>
+                    <a:latin typeface="+mn-lt"/>
+                    <a:ea typeface="+mn-ea"/>
+                    <a:cs typeface="+mn-cs"/>
+                  </a:defRPr>
+                </a:pPr>
+                <a:r>
+                  <a:rPr lang="en-US" sz="1800"/>
+                  <a:t>Energy (eV)</a:t>
+                </a:r>
+              </a:p>
+            </c:rich>
+          </c:tx>
+          <c:overlay val="0"/>
+          <c:spPr>
+            <a:noFill/>
+            <a:ln>
+              <a:noFill/>
+            </a:ln>
+            <a:effectLst/>
+          </c:spPr>
+          <c:txPr>
+            <a:bodyPr rot="-5400000" spcFirstLastPara="1" vertOverflow="ellipsis" vert="horz" wrap="square" anchor="ctr" anchorCtr="1"/>
+            <a:lstStyle/>
+            <a:p>
+              <a:pPr>
+                <a:defRPr sz="1800" b="0" i="0" u="none" strike="noStrike" kern="1200" baseline="0">
+                  <a:solidFill>
+                    <a:schemeClr val="tx1">
+                      <a:lumMod val="65000"/>
+                      <a:lumOff val="35000"/>
+                    </a:schemeClr>
+                  </a:solidFill>
+                  <a:latin typeface="+mn-lt"/>
+                  <a:ea typeface="+mn-ea"/>
+                  <a:cs typeface="+mn-cs"/>
+                </a:defRPr>
+              </a:pPr>
+              <a:endParaRPr lang="en-US"/>
+            </a:p>
+          </c:txPr>
+        </c:title>
+        <c:numFmt formatCode="General" sourceLinked="1"/>
+        <c:majorTickMark val="none"/>
+        <c:minorTickMark val="none"/>
+        <c:tickLblPos val="high"/>
+        <c:spPr>
+          <a:noFill/>
+          <a:ln w="9525" cap="flat" cmpd="sng" algn="ctr">
+            <a:solidFill>
+              <a:schemeClr val="tx1">
+                <a:lumMod val="25000"/>
+                <a:lumOff val="75000"/>
+              </a:schemeClr>
+            </a:solidFill>
+            <a:round/>
+          </a:ln>
+          <a:effectLst/>
+        </c:spPr>
+        <c:txPr>
+          <a:bodyPr rot="-60000000" spcFirstLastPara="1" vertOverflow="ellipsis" vert="horz" wrap="square" anchor="ctr" anchorCtr="1"/>
+          <a:lstStyle/>
+          <a:p>
+            <a:pPr>
+              <a:defRPr sz="1800" b="0" i="0" u="none" strike="noStrike" kern="1200" baseline="0">
+                <a:solidFill>
+                  <a:schemeClr val="tx1">
+                    <a:lumMod val="65000"/>
+                    <a:lumOff val="35000"/>
+                  </a:schemeClr>
+                </a:solidFill>
+                <a:latin typeface="+mn-lt"/>
+                <a:ea typeface="+mn-ea"/>
+                <a:cs typeface="+mn-cs"/>
+              </a:defRPr>
+            </a:pPr>
+            <a:endParaRPr lang="en-US"/>
+          </a:p>
+        </c:txPr>
+        <c:crossAx val="2042839791"/>
+        <c:crosses val="autoZero"/>
+        <c:crossBetween val="midCat"/>
+        <c:majorUnit val="0.5"/>
+      </c:valAx>
+      <c:spPr>
+        <a:noFill/>
+        <a:ln>
+          <a:noFill/>
+        </a:ln>
+        <a:effectLst/>
+      </c:spPr>
+    </c:plotArea>
+    <c:legend>
+      <c:legendPos val="t"/>
+      <c:overlay val="0"/>
+      <c:spPr>
+        <a:noFill/>
+        <a:ln>
+          <a:noFill/>
+        </a:ln>
+        <a:effectLst/>
+      </c:spPr>
+      <c:txPr>
+        <a:bodyPr rot="0" spcFirstLastPara="1" vertOverflow="ellipsis" vert="horz" wrap="square" anchor="ctr" anchorCtr="1"/>
+        <a:lstStyle/>
+        <a:p>
+          <a:pPr>
+            <a:defRPr sz="1200" b="0" i="0" u="none" strike="noStrike" kern="1200" baseline="0">
+              <a:solidFill>
+                <a:schemeClr val="tx1">
+                  <a:lumMod val="65000"/>
+                  <a:lumOff val="35000"/>
+                </a:schemeClr>
+              </a:solidFill>
+              <a:latin typeface="+mn-lt"/>
+              <a:ea typeface="+mn-ea"/>
+              <a:cs typeface="+mn-cs"/>
+            </a:defRPr>
+          </a:pPr>
+          <a:endParaRPr lang="en-US"/>
+        </a:p>
+      </c:txPr>
+    </c:legend>
+    <c:plotVisOnly val="1"/>
+    <c:dispBlanksAs val="gap"/>
+    <c:extLst>
+      <c:ext xmlns:c16r3="http://schemas.microsoft.com/office/drawing/2017/03/chart" uri="{56B9EC1D-385E-4148-901F-78D8002777C0}">
+        <c16r3:dataDisplayOptions16>
+          <c16r3:dispNaAsBlank val="1"/>
+        </c16r3:dataDisplayOptions16>
+      </c:ext>
+    </c:extLst>
+    <c:showDLblsOverMax val="0"/>
+  </c:chart>
+  <c:spPr>
+    <a:noFill/>
+    <a:ln>
+      <a:noFill/>
+    </a:ln>
+    <a:effectLst/>
+  </c:spPr>
+  <c:txPr>
+    <a:bodyPr/>
+    <a:lstStyle/>
+    <a:p>
+      <a:pPr>
+        <a:defRPr/>
+      </a:pPr>
+      <a:endParaRPr lang="en-US"/>
+    </a:p>
+  </c:txPr>
+  <c:externalData r:id="rId3">
+    <c:autoUpdate val="0"/>
+  </c:externalData>
+</c:chartSpace>
+</file>
+
+<file path=ppt/charts/colors1.xml><?xml version="1.0" encoding="utf-8"?>
+<cs:colorStyle xmlns:cs="http://schemas.microsoft.com/office/drawing/2012/chartStyle" xmlns:a="http://schemas.openxmlformats.org/drawingml/2006/main" meth="cycle" id="10">
+  <a:schemeClr val="accent1"/>
+  <a:schemeClr val="accent2"/>
+  <a:schemeClr val="accent3"/>
+  <a:schemeClr val="accent4"/>
+  <a:schemeClr val="accent5"/>
+  <a:schemeClr val="accent6"/>
+  <cs:variation/>
+  <cs:variation>
+    <a:lumMod val="60000"/>
+  </cs:variation>
+  <cs:variation>
+    <a:lumMod val="80000"/>
+    <a:lumOff val="20000"/>
+  </cs:variation>
+  <cs:variation>
+    <a:lumMod val="80000"/>
+  </cs:variation>
+  <cs:variation>
+    <a:lumMod val="60000"/>
+    <a:lumOff val="40000"/>
+  </cs:variation>
+  <cs:variation>
+    <a:lumMod val="50000"/>
+  </cs:variation>
+  <cs:variation>
+    <a:lumMod val="70000"/>
+    <a:lumOff val="30000"/>
+  </cs:variation>
+  <cs:variation>
+    <a:lumMod val="70000"/>
+  </cs:variation>
+  <cs:variation>
+    <a:lumMod val="50000"/>
+    <a:lumOff val="50000"/>
+  </cs:variation>
+</cs:colorStyle>
+</file>
+
+<file path=ppt/charts/colors2.xml><?xml version="1.0" encoding="utf-8"?>
+<cs:colorStyle xmlns:cs="http://schemas.microsoft.com/office/drawing/2012/chartStyle" xmlns:a="http://schemas.openxmlformats.org/drawingml/2006/main" meth="cycle" id="10">
+  <a:schemeClr val="accent1"/>
+  <a:schemeClr val="accent2"/>
+  <a:schemeClr val="accent3"/>
+  <a:schemeClr val="accent4"/>
+  <a:schemeClr val="accent5"/>
+  <a:schemeClr val="accent6"/>
+  <cs:variation/>
+  <cs:variation>
+    <a:lumMod val="60000"/>
+  </cs:variation>
+  <cs:variation>
+    <a:lumMod val="80000"/>
+    <a:lumOff val="20000"/>
+  </cs:variation>
+  <cs:variation>
+    <a:lumMod val="80000"/>
+  </cs:variation>
+  <cs:variation>
+    <a:lumMod val="60000"/>
+    <a:lumOff val="40000"/>
+  </cs:variation>
+  <cs:variation>
+    <a:lumMod val="50000"/>
+  </cs:variation>
+  <cs:variation>
+    <a:lumMod val="70000"/>
+    <a:lumOff val="30000"/>
+  </cs:variation>
+  <cs:variation>
+    <a:lumMod val="70000"/>
+  </cs:variation>
+  <cs:variation>
+    <a:lumMod val="50000"/>
+    <a:lumOff val="50000"/>
+  </cs:variation>
+</cs:colorStyle>
+</file>
+
+<file path=ppt/charts/style1.xml><?xml version="1.0" encoding="utf-8"?>
+<cs:chartStyle xmlns:cs="http://schemas.microsoft.com/office/drawing/2012/chartStyle" xmlns:a="http://schemas.openxmlformats.org/drawingml/2006/main" id="240">
+  <cs:axisTitle>
+    <cs:lnRef idx="0"/>
+    <cs:fillRef idx="0"/>
+    <cs:effectRef idx="0"/>
+    <cs:fontRef idx="minor">
+      <a:schemeClr val="tx1">
+        <a:lumMod val="65000"/>
+        <a:lumOff val="35000"/>
+      </a:schemeClr>
+    </cs:fontRef>
+    <cs:defRPr sz="1000" kern="1200"/>
+  </cs:axisTitle>
+  <cs:categoryAxis>
+    <cs:lnRef idx="0"/>
+    <cs:fillRef idx="0"/>
+    <cs:effectRef idx="0"/>
+    <cs:fontRef idx="minor">
+      <a:schemeClr val="tx1">
+        <a:lumMod val="65000"/>
+        <a:lumOff val="35000"/>
+      </a:schemeClr>
+    </cs:fontRef>
+    <cs:spPr>
+      <a:ln w="9525" cap="flat" cmpd="sng" algn="ctr">
+        <a:solidFill>
+          <a:schemeClr val="tx1">
+            <a:lumMod val="25000"/>
+            <a:lumOff val="75000"/>
+          </a:schemeClr>
+        </a:solidFill>
+        <a:round/>
+      </a:ln>
+    </cs:spPr>
+    <cs:defRPr sz="900" kern="1200"/>
+  </cs:categoryAxis>
+  <cs:chartArea mods="allowNoFillOverride allowNoLineOverride">
+    <cs:lnRef idx="0"/>
+    <cs:fillRef idx="0"/>
+    <cs:effectRef idx="0"/>
+    <cs:fontRef idx="minor">
+      <a:schemeClr val="tx1"/>
+    </cs:fontRef>
+    <cs:spPr>
+      <a:solidFill>
+        <a:schemeClr val="bg1"/>
+      </a:solidFill>
+      <a:ln w="9525" cap="flat" cmpd="sng" algn="ctr">
+        <a:solidFill>
+          <a:schemeClr val="tx1">
+            <a:lumMod val="15000"/>
+            <a:lumOff val="85000"/>
+          </a:schemeClr>
+        </a:solidFill>
+        <a:round/>
+      </a:ln>
+    </cs:spPr>
+    <cs:defRPr sz="1000" kern="1200"/>
+  </cs:chartArea>
+  <cs:dataLabel>
+    <cs:lnRef idx="0"/>
+    <cs:fillRef idx="0"/>
+    <cs:effectRef idx="0"/>
+    <cs:fontRef idx="minor">
+      <a:schemeClr val="tx1">
+        <a:lumMod val="75000"/>
+        <a:lumOff val="25000"/>
+      </a:schemeClr>
+    </cs:fontRef>
+    <cs:defRPr sz="900" kern="1200"/>
+  </cs:dataLabel>
+  <cs:dataLabelCallout>
+    <cs:lnRef idx="0"/>
+    <cs:fillRef idx="0"/>
+    <cs:effectRef idx="0"/>
+    <cs:fontRef idx="minor">
+      <a:schemeClr val="dk1">
+        <a:lumMod val="65000"/>
+        <a:lumOff val="35000"/>
+      </a:schemeClr>
+    </cs:fontRef>
+    <cs:spPr>
+      <a:solidFill>
+        <a:schemeClr val="lt1"/>
+      </a:solidFill>
+      <a:ln>
+        <a:solidFill>
+          <a:schemeClr val="dk1">
+            <a:lumMod val="25000"/>
+            <a:lumOff val="75000"/>
+          </a:schemeClr>
+        </a:solidFill>
+      </a:ln>
+    </cs:spPr>
+    <cs:defRPr sz="900" kern="1200"/>
+    <cs:bodyPr rot="0" spcFirstLastPara="1" vertOverflow="clip" horzOverflow="clip" vert="horz" wrap="square" lIns="36576" tIns="18288" rIns="36576" bIns="18288" anchor="ctr" anchorCtr="1">
+      <a:spAutoFit/>
+    </cs:bodyPr>
+  </cs:dataLabelCallout>
+  <cs:dataPoint>
+    <cs:lnRef idx="0"/>
+    <cs:fillRef idx="1">
+      <cs:styleClr val="auto"/>
+    </cs:fillRef>
+    <cs:effectRef idx="0"/>
+    <cs:fontRef idx="minor">
+      <a:schemeClr val="tx1"/>
+    </cs:fontRef>
+  </cs:dataPoint>
+  <cs:dataPoint3D>
+    <cs:lnRef idx="0"/>
+    <cs:fillRef idx="1">
+      <cs:styleClr val="auto"/>
+    </cs:fillRef>
+    <cs:effectRef idx="0"/>
+    <cs:fontRef idx="minor">
+      <a:schemeClr val="tx1"/>
+    </cs:fontRef>
+  </cs:dataPoint3D>
+  <cs:dataPointLine>
+    <cs:lnRef idx="0">
+      <cs:styleClr val="auto"/>
+    </cs:lnRef>
+    <cs:fillRef idx="1"/>
+    <cs:effectRef idx="0"/>
+    <cs:fontRef idx="minor">
+      <a:schemeClr val="tx1"/>
+    </cs:fontRef>
+    <cs:spPr>
+      <a:ln w="19050" cap="rnd">
+        <a:solidFill>
+          <a:schemeClr val="phClr"/>
+        </a:solidFill>
+        <a:round/>
+      </a:ln>
+    </cs:spPr>
+  </cs:dataPointLine>
+  <cs:dataPointMarker>
+    <cs:lnRef idx="0">
+      <cs:styleClr val="auto"/>
+    </cs:lnRef>
+    <cs:fillRef idx="1">
+      <cs:styleClr val="auto"/>
+    </cs:fillRef>
+    <cs:effectRef idx="0"/>
+    <cs:fontRef idx="minor">
+      <a:schemeClr val="tx1"/>
+    </cs:fontRef>
+    <cs:spPr>
+      <a:ln w="9525">
+        <a:solidFill>
+          <a:schemeClr val="phClr"/>
+        </a:solidFill>
+      </a:ln>
+    </cs:spPr>
+  </cs:dataPointMarker>
+  <cs:dataPointMarkerLayout symbol="circle" size="5"/>
+  <cs:dataPointWireframe>
+    <cs:lnRef idx="0">
+      <cs:styleClr val="auto"/>
+    </cs:lnRef>
+    <cs:fillRef idx="0"/>
+    <cs:effectRef idx="0"/>
+    <cs:fontRef idx="minor">
+      <a:schemeClr val="dk1"/>
+    </cs:fontRef>
+    <cs:spPr>
+      <a:ln w="9525" cap="rnd">
+        <a:solidFill>
+          <a:schemeClr val="phClr"/>
+        </a:solidFill>
+        <a:round/>
+      </a:ln>
+    </cs:spPr>
+  </cs:dataPointWireframe>
+  <cs:dataTable>
+    <cs:lnRef idx="0"/>
+    <cs:fillRef idx="0"/>
+    <cs:effectRef idx="0"/>
+    <cs:fontRef idx="minor">
+      <a:schemeClr val="tx1">
+        <a:lumMod val="65000"/>
+        <a:lumOff val="35000"/>
+      </a:schemeClr>
+    </cs:fontRef>
+    <cs:spPr>
+      <a:noFill/>
+      <a:ln w="9525" cap="flat" cmpd="sng" algn="ctr">
+        <a:solidFill>
+          <a:schemeClr val="tx1">
+            <a:lumMod val="15000"/>
+            <a:lumOff val="85000"/>
+          </a:schemeClr>
+        </a:solidFill>
+        <a:round/>
+      </a:ln>
+    </cs:spPr>
+    <cs:defRPr sz="900" kern="1200"/>
+  </cs:dataTable>
+  <cs:downBar>
+    <cs:lnRef idx="0"/>
+    <cs:fillRef idx="0"/>
+    <cs:effectRef idx="0"/>
+    <cs:fontRef idx="minor">
+      <a:schemeClr val="tx1"/>
+    </cs:fontRef>
+    <cs:spPr>
+      <a:solidFill>
+        <a:schemeClr val="dk1">
+          <a:lumMod val="75000"/>
+          <a:lumOff val="25000"/>
+        </a:schemeClr>
+      </a:solidFill>
+      <a:ln w="9525" cap="flat" cmpd="sng" algn="ctr">
+        <a:solidFill>
+          <a:schemeClr val="tx1">
+            <a:lumMod val="65000"/>
+            <a:lumOff val="35000"/>
+          </a:schemeClr>
+        </a:solidFill>
+        <a:round/>
+      </a:ln>
+    </cs:spPr>
+  </cs:downBar>
+  <cs:dropLine>
+    <cs:lnRef idx="0"/>
+    <cs:fillRef idx="0"/>
+    <cs:effectRef idx="0"/>
+    <cs:fontRef idx="minor">
+      <a:schemeClr val="tx1"/>
+    </cs:fontRef>
+    <cs:spPr>
+      <a:ln w="9525" cap="flat" cmpd="sng" algn="ctr">
+        <a:solidFill>
+          <a:schemeClr val="tx1">
+            <a:lumMod val="35000"/>
+            <a:lumOff val="65000"/>
+          </a:schemeClr>
+        </a:solidFill>
+        <a:round/>
+      </a:ln>
+    </cs:spPr>
+  </cs:dropLine>
+  <cs:errorBar>
+    <cs:lnRef idx="0"/>
+    <cs:fillRef idx="0"/>
+    <cs:effectRef idx="0"/>
+    <cs:fontRef idx="minor">
+      <a:schemeClr val="tx1"/>
+    </cs:fontRef>
+    <cs:spPr>
+      <a:ln w="9525" cap="flat" cmpd="sng" algn="ctr">
+        <a:solidFill>
+          <a:schemeClr val="tx1">
+            <a:lumMod val="65000"/>
+            <a:lumOff val="35000"/>
+          </a:schemeClr>
+        </a:solidFill>
+        <a:round/>
+      </a:ln>
+    </cs:spPr>
+  </cs:errorBar>
+  <cs:floor>
+    <cs:lnRef idx="0"/>
+    <cs:fillRef idx="0"/>
+    <cs:effectRef idx="0"/>
+    <cs:fontRef idx="minor">
+      <a:schemeClr val="tx1"/>
+    </cs:fontRef>
+    <cs:spPr>
+      <a:noFill/>
+      <a:ln>
+        <a:noFill/>
+      </a:ln>
+    </cs:spPr>
+  </cs:floor>
+  <cs:gridlineMajor>
+    <cs:lnRef idx="0"/>
+    <cs:fillRef idx="0"/>
+    <cs:effectRef idx="0"/>
+    <cs:fontRef idx="minor">
+      <a:schemeClr val="tx1"/>
+    </cs:fontRef>
+    <cs:spPr>
+      <a:ln w="9525" cap="flat" cmpd="sng" algn="ctr">
+        <a:solidFill>
+          <a:schemeClr val="tx1">
+            <a:lumMod val="15000"/>
+            <a:lumOff val="85000"/>
+          </a:schemeClr>
+        </a:solidFill>
+        <a:round/>
+      </a:ln>
+    </cs:spPr>
+  </cs:gridlineMajor>
+  <cs:gridlineMinor>
+    <cs:lnRef idx="0"/>
+    <cs:fillRef idx="0"/>
+    <cs:effectRef idx="0"/>
+    <cs:fontRef idx="minor">
+      <a:schemeClr val="tx1"/>
+    </cs:fontRef>
+    <cs:spPr>
+      <a:ln w="9525" cap="flat" cmpd="sng" algn="ctr">
+        <a:solidFill>
+          <a:schemeClr val="tx1">
+            <a:lumMod val="5000"/>
+            <a:lumOff val="95000"/>
+          </a:schemeClr>
+        </a:solidFill>
+        <a:round/>
+      </a:ln>
+    </cs:spPr>
+  </cs:gridlineMinor>
+  <cs:hiLoLine>
+    <cs:lnRef idx="0"/>
+    <cs:fillRef idx="0"/>
+    <cs:effectRef idx="0"/>
+    <cs:fontRef idx="minor">
+      <a:schemeClr val="tx1"/>
+    </cs:fontRef>
+    <cs:spPr>
+      <a:ln w="9525" cap="flat" cmpd="sng" algn="ctr">
+        <a:solidFill>
+          <a:schemeClr val="tx1">
+            <a:lumMod val="50000"/>
+            <a:lumOff val="50000"/>
+          </a:schemeClr>
+        </a:solidFill>
+        <a:round/>
+      </a:ln>
+    </cs:spPr>
+  </cs:hiLoLine>
+  <cs:leaderLine>
+    <cs:lnRef idx="0"/>
+    <cs:fillRef idx="0"/>
+    <cs:effectRef idx="0"/>
+    <cs:fontRef idx="minor">
+      <a:schemeClr val="tx1"/>
+    </cs:fontRef>
+    <cs:spPr>
+      <a:ln w="9525" cap="flat" cmpd="sng" algn="ctr">
+        <a:solidFill>
+          <a:schemeClr val="tx1">
+            <a:lumMod val="35000"/>
+            <a:lumOff val="65000"/>
+          </a:schemeClr>
+        </a:solidFill>
+        <a:round/>
+      </a:ln>
+    </cs:spPr>
+  </cs:leaderLine>
+  <cs:legend>
+    <cs:lnRef idx="0"/>
+    <cs:fillRef idx="0"/>
+    <cs:effectRef idx="0"/>
+    <cs:fontRef idx="minor">
+      <a:schemeClr val="tx1">
+        <a:lumMod val="65000"/>
+        <a:lumOff val="35000"/>
+      </a:schemeClr>
+    </cs:fontRef>
+    <cs:defRPr sz="900" kern="1200"/>
+  </cs:legend>
+  <cs:plotArea mods="allowNoFillOverride allowNoLineOverride">
+    <cs:lnRef idx="0"/>
+    <cs:fillRef idx="0"/>
+    <cs:effectRef idx="0"/>
+    <cs:fontRef idx="minor">
+      <a:schemeClr val="tx1"/>
+    </cs:fontRef>
+  </cs:plotArea>
+  <cs:plotArea3D mods="allowNoFillOverride allowNoLineOverride">
+    <cs:lnRef idx="0"/>
+    <cs:fillRef idx="0"/>
+    <cs:effectRef idx="0"/>
+    <cs:fontRef idx="minor">
+      <a:schemeClr val="tx1"/>
+    </cs:fontRef>
+  </cs:plotArea3D>
+  <cs:seriesAxis>
+    <cs:lnRef idx="0"/>
+    <cs:fillRef idx="0"/>
+    <cs:effectRef idx="0"/>
+    <cs:fontRef idx="minor">
+      <a:schemeClr val="tx1">
+        <a:lumMod val="65000"/>
+        <a:lumOff val="35000"/>
+      </a:schemeClr>
+    </cs:fontRef>
+    <cs:defRPr sz="900" kern="1200"/>
+  </cs:seriesAxis>
+  <cs:seriesLine>
+    <cs:lnRef idx="0"/>
+    <cs:fillRef idx="0"/>
+    <cs:effectRef idx="0"/>
+    <cs:fontRef idx="minor">
+      <a:schemeClr val="tx1"/>
+    </cs:fontRef>
+    <cs:spPr>
+      <a:ln w="9525" cap="flat" cmpd="sng" algn="ctr">
+        <a:solidFill>
+          <a:schemeClr val="tx1">
+            <a:lumMod val="35000"/>
+            <a:lumOff val="65000"/>
+          </a:schemeClr>
+        </a:solidFill>
+        <a:round/>
+      </a:ln>
+    </cs:spPr>
+  </cs:seriesLine>
+  <cs:title>
+    <cs:lnRef idx="0"/>
+    <cs:fillRef idx="0"/>
+    <cs:effectRef idx="0"/>
+    <cs:fontRef idx="minor">
+      <a:schemeClr val="tx1">
+        <a:lumMod val="65000"/>
+        <a:lumOff val="35000"/>
+      </a:schemeClr>
+    </cs:fontRef>
+    <cs:defRPr sz="1400" b="0" kern="1200" spc="0" baseline="0"/>
+  </cs:title>
+  <cs:trendline>
+    <cs:lnRef idx="0">
+      <cs:styleClr val="auto"/>
+    </cs:lnRef>
+    <cs:fillRef idx="0"/>
+    <cs:effectRef idx="0"/>
+    <cs:fontRef idx="minor">
+      <a:schemeClr val="tx1"/>
+    </cs:fontRef>
+    <cs:spPr>
+      <a:ln w="19050" cap="rnd">
+        <a:solidFill>
+          <a:schemeClr val="phClr"/>
+        </a:solidFill>
+        <a:prstDash val="sysDot"/>
+      </a:ln>
+    </cs:spPr>
+  </cs:trendline>
+  <cs:trendlineLabel>
+    <cs:lnRef idx="0"/>
+    <cs:fillRef idx="0"/>
+    <cs:effectRef idx="0"/>
+    <cs:fontRef idx="minor">
+      <a:schemeClr val="tx1">
+        <a:lumMod val="65000"/>
+        <a:lumOff val="35000"/>
+      </a:schemeClr>
+    </cs:fontRef>
+    <cs:defRPr sz="900" kern="1200"/>
+  </cs:trendlineLabel>
+  <cs:upBar>
+    <cs:lnRef idx="0"/>
+    <cs:fillRef idx="0"/>
+    <cs:effectRef idx="0"/>
+    <cs:fontRef idx="minor">
+      <a:schemeClr val="tx1"/>
+    </cs:fontRef>
+    <cs:spPr>
+      <a:solidFill>
+        <a:schemeClr val="lt1"/>
+      </a:solidFill>
+      <a:ln w="9525" cap="flat" cmpd="sng" algn="ctr">
+        <a:solidFill>
+          <a:schemeClr val="tx1">
+            <a:lumMod val="65000"/>
+            <a:lumOff val="35000"/>
+          </a:schemeClr>
+        </a:solidFill>
+        <a:round/>
+      </a:ln>
+    </cs:spPr>
+  </cs:upBar>
+  <cs:valueAxis>
+    <cs:lnRef idx="0"/>
+    <cs:fillRef idx="0"/>
+    <cs:effectRef idx="0"/>
+    <cs:fontRef idx="minor">
+      <a:schemeClr val="tx1">
+        <a:lumMod val="65000"/>
+        <a:lumOff val="35000"/>
+      </a:schemeClr>
+    </cs:fontRef>
+    <cs:spPr>
+      <a:ln w="9525" cap="flat" cmpd="sng" algn="ctr">
+        <a:solidFill>
+          <a:schemeClr val="tx1">
+            <a:lumMod val="25000"/>
+            <a:lumOff val="75000"/>
+          </a:schemeClr>
+        </a:solidFill>
+        <a:round/>
+      </a:ln>
+    </cs:spPr>
+    <cs:defRPr sz="900" kern="1200"/>
+  </cs:valueAxis>
+  <cs:wall>
+    <cs:lnRef idx="0"/>
+    <cs:fillRef idx="0"/>
+    <cs:effectRef idx="0"/>
+    <cs:fontRef idx="minor">
+      <a:schemeClr val="tx1"/>
+    </cs:fontRef>
+    <cs:spPr>
+      <a:noFill/>
+      <a:ln>
+        <a:noFill/>
+      </a:ln>
+    </cs:spPr>
+  </cs:wall>
+</cs:chartStyle>
+</file>
+
+<file path=ppt/charts/style2.xml><?xml version="1.0" encoding="utf-8"?>
+<cs:chartStyle xmlns:cs="http://schemas.microsoft.com/office/drawing/2012/chartStyle" xmlns:a="http://schemas.openxmlformats.org/drawingml/2006/main" id="240">
+  <cs:axisTitle>
+    <cs:lnRef idx="0"/>
+    <cs:fillRef idx="0"/>
+    <cs:effectRef idx="0"/>
+    <cs:fontRef idx="minor">
+      <a:schemeClr val="tx1">
+        <a:lumMod val="65000"/>
+        <a:lumOff val="35000"/>
+      </a:schemeClr>
+    </cs:fontRef>
+    <cs:defRPr sz="1000" kern="1200"/>
+  </cs:axisTitle>
+  <cs:categoryAxis>
+    <cs:lnRef idx="0"/>
+    <cs:fillRef idx="0"/>
+    <cs:effectRef idx="0"/>
+    <cs:fontRef idx="minor">
+      <a:schemeClr val="tx1">
+        <a:lumMod val="65000"/>
+        <a:lumOff val="35000"/>
+      </a:schemeClr>
+    </cs:fontRef>
+    <cs:spPr>
+      <a:ln w="9525" cap="flat" cmpd="sng" algn="ctr">
+        <a:solidFill>
+          <a:schemeClr val="tx1">
+            <a:lumMod val="25000"/>
+            <a:lumOff val="75000"/>
+          </a:schemeClr>
+        </a:solidFill>
+        <a:round/>
+      </a:ln>
+    </cs:spPr>
+    <cs:defRPr sz="900" kern="1200"/>
+  </cs:categoryAxis>
+  <cs:chartArea mods="allowNoFillOverride allowNoLineOverride">
+    <cs:lnRef idx="0"/>
+    <cs:fillRef idx="0"/>
+    <cs:effectRef idx="0"/>
+    <cs:fontRef idx="minor">
+      <a:schemeClr val="tx1"/>
+    </cs:fontRef>
+    <cs:spPr>
+      <a:solidFill>
+        <a:schemeClr val="bg1"/>
+      </a:solidFill>
+      <a:ln w="9525" cap="flat" cmpd="sng" algn="ctr">
+        <a:solidFill>
+          <a:schemeClr val="tx1">
+            <a:lumMod val="15000"/>
+            <a:lumOff val="85000"/>
+          </a:schemeClr>
+        </a:solidFill>
+        <a:round/>
+      </a:ln>
+    </cs:spPr>
+    <cs:defRPr sz="1000" kern="1200"/>
+  </cs:chartArea>
+  <cs:dataLabel>
+    <cs:lnRef idx="0"/>
+    <cs:fillRef idx="0"/>
+    <cs:effectRef idx="0"/>
+    <cs:fontRef idx="minor">
+      <a:schemeClr val="tx1">
+        <a:lumMod val="75000"/>
+        <a:lumOff val="25000"/>
+      </a:schemeClr>
+    </cs:fontRef>
+    <cs:defRPr sz="900" kern="1200"/>
+  </cs:dataLabel>
+  <cs:dataLabelCallout>
+    <cs:lnRef idx="0"/>
+    <cs:fillRef idx="0"/>
+    <cs:effectRef idx="0"/>
+    <cs:fontRef idx="minor">
+      <a:schemeClr val="dk1">
+        <a:lumMod val="65000"/>
+        <a:lumOff val="35000"/>
+      </a:schemeClr>
+    </cs:fontRef>
+    <cs:spPr>
+      <a:solidFill>
+        <a:schemeClr val="lt1"/>
+      </a:solidFill>
+      <a:ln>
+        <a:solidFill>
+          <a:schemeClr val="dk1">
+            <a:lumMod val="25000"/>
+            <a:lumOff val="75000"/>
+          </a:schemeClr>
+        </a:solidFill>
+      </a:ln>
+    </cs:spPr>
+    <cs:defRPr sz="900" kern="1200"/>
+    <cs:bodyPr rot="0" spcFirstLastPara="1" vertOverflow="clip" horzOverflow="clip" vert="horz" wrap="square" lIns="36576" tIns="18288" rIns="36576" bIns="18288" anchor="ctr" anchorCtr="1">
+      <a:spAutoFit/>
+    </cs:bodyPr>
+  </cs:dataLabelCallout>
+  <cs:dataPoint>
+    <cs:lnRef idx="0"/>
+    <cs:fillRef idx="1">
+      <cs:styleClr val="auto"/>
+    </cs:fillRef>
+    <cs:effectRef idx="0"/>
+    <cs:fontRef idx="minor">
+      <a:schemeClr val="tx1"/>
+    </cs:fontRef>
+  </cs:dataPoint>
+  <cs:dataPoint3D>
+    <cs:lnRef idx="0"/>
+    <cs:fillRef idx="1">
+      <cs:styleClr val="auto"/>
+    </cs:fillRef>
+    <cs:effectRef idx="0"/>
+    <cs:fontRef idx="minor">
+      <a:schemeClr val="tx1"/>
+    </cs:fontRef>
+  </cs:dataPoint3D>
+  <cs:dataPointLine>
+    <cs:lnRef idx="0">
+      <cs:styleClr val="auto"/>
+    </cs:lnRef>
+    <cs:fillRef idx="1"/>
+    <cs:effectRef idx="0"/>
+    <cs:fontRef idx="minor">
+      <a:schemeClr val="tx1"/>
+    </cs:fontRef>
+    <cs:spPr>
+      <a:ln w="19050" cap="rnd">
+        <a:solidFill>
+          <a:schemeClr val="phClr"/>
+        </a:solidFill>
+        <a:round/>
+      </a:ln>
+    </cs:spPr>
+  </cs:dataPointLine>
+  <cs:dataPointMarker>
+    <cs:lnRef idx="0">
+      <cs:styleClr val="auto"/>
+    </cs:lnRef>
+    <cs:fillRef idx="1">
+      <cs:styleClr val="auto"/>
+    </cs:fillRef>
+    <cs:effectRef idx="0"/>
+    <cs:fontRef idx="minor">
+      <a:schemeClr val="tx1"/>
+    </cs:fontRef>
+    <cs:spPr>
+      <a:ln w="9525">
+        <a:solidFill>
+          <a:schemeClr val="phClr"/>
+        </a:solidFill>
+      </a:ln>
+    </cs:spPr>
+  </cs:dataPointMarker>
+  <cs:dataPointMarkerLayout symbol="circle" size="5"/>
+  <cs:dataPointWireframe>
+    <cs:lnRef idx="0">
+      <cs:styleClr val="auto"/>
+    </cs:lnRef>
+    <cs:fillRef idx="0"/>
+    <cs:effectRef idx="0"/>
+    <cs:fontRef idx="minor">
+      <a:schemeClr val="dk1"/>
+    </cs:fontRef>
+    <cs:spPr>
+      <a:ln w="9525" cap="rnd">
+        <a:solidFill>
+          <a:schemeClr val="phClr"/>
+        </a:solidFill>
+        <a:round/>
+      </a:ln>
+    </cs:spPr>
+  </cs:dataPointWireframe>
+  <cs:dataTable>
+    <cs:lnRef idx="0"/>
+    <cs:fillRef idx="0"/>
+    <cs:effectRef idx="0"/>
+    <cs:fontRef idx="minor">
+      <a:schemeClr val="tx1">
+        <a:lumMod val="65000"/>
+        <a:lumOff val="35000"/>
+      </a:schemeClr>
+    </cs:fontRef>
+    <cs:spPr>
+      <a:noFill/>
+      <a:ln w="9525" cap="flat" cmpd="sng" algn="ctr">
+        <a:solidFill>
+          <a:schemeClr val="tx1">
+            <a:lumMod val="15000"/>
+            <a:lumOff val="85000"/>
+          </a:schemeClr>
+        </a:solidFill>
+        <a:round/>
+      </a:ln>
+    </cs:spPr>
+    <cs:defRPr sz="900" kern="1200"/>
+  </cs:dataTable>
+  <cs:downBar>
+    <cs:lnRef idx="0"/>
+    <cs:fillRef idx="0"/>
+    <cs:effectRef idx="0"/>
+    <cs:fontRef idx="minor">
+      <a:schemeClr val="tx1"/>
+    </cs:fontRef>
+    <cs:spPr>
+      <a:solidFill>
+        <a:schemeClr val="dk1">
+          <a:lumMod val="75000"/>
+          <a:lumOff val="25000"/>
+        </a:schemeClr>
+      </a:solidFill>
+      <a:ln w="9525" cap="flat" cmpd="sng" algn="ctr">
+        <a:solidFill>
+          <a:schemeClr val="tx1">
+            <a:lumMod val="65000"/>
+            <a:lumOff val="35000"/>
+          </a:schemeClr>
+        </a:solidFill>
+        <a:round/>
+      </a:ln>
+    </cs:spPr>
+  </cs:downBar>
+  <cs:dropLine>
+    <cs:lnRef idx="0"/>
+    <cs:fillRef idx="0"/>
+    <cs:effectRef idx="0"/>
+    <cs:fontRef idx="minor">
+      <a:schemeClr val="tx1"/>
+    </cs:fontRef>
+    <cs:spPr>
+      <a:ln w="9525" cap="flat" cmpd="sng" algn="ctr">
+        <a:solidFill>
+          <a:schemeClr val="tx1">
+            <a:lumMod val="35000"/>
+            <a:lumOff val="65000"/>
+          </a:schemeClr>
+        </a:solidFill>
+        <a:round/>
+      </a:ln>
+    </cs:spPr>
+  </cs:dropLine>
+  <cs:errorBar>
+    <cs:lnRef idx="0"/>
+    <cs:fillRef idx="0"/>
+    <cs:effectRef idx="0"/>
+    <cs:fontRef idx="minor">
+      <a:schemeClr val="tx1"/>
+    </cs:fontRef>
+    <cs:spPr>
+      <a:ln w="9525" cap="flat" cmpd="sng" algn="ctr">
+        <a:solidFill>
+          <a:schemeClr val="tx1">
+            <a:lumMod val="65000"/>
+            <a:lumOff val="35000"/>
+          </a:schemeClr>
+        </a:solidFill>
+        <a:round/>
+      </a:ln>
+    </cs:spPr>
+  </cs:errorBar>
+  <cs:floor>
+    <cs:lnRef idx="0"/>
+    <cs:fillRef idx="0"/>
+    <cs:effectRef idx="0"/>
+    <cs:fontRef idx="minor">
+      <a:schemeClr val="tx1"/>
+    </cs:fontRef>
+    <cs:spPr>
+      <a:noFill/>
+      <a:ln>
+        <a:noFill/>
+      </a:ln>
+    </cs:spPr>
+  </cs:floor>
+  <cs:gridlineMajor>
+    <cs:lnRef idx="0"/>
+    <cs:fillRef idx="0"/>
+    <cs:effectRef idx="0"/>
+    <cs:fontRef idx="minor">
+      <a:schemeClr val="tx1"/>
+    </cs:fontRef>
+    <cs:spPr>
+      <a:ln w="9525" cap="flat" cmpd="sng" algn="ctr">
+        <a:solidFill>
+          <a:schemeClr val="tx1">
+            <a:lumMod val="15000"/>
+            <a:lumOff val="85000"/>
+          </a:schemeClr>
+        </a:solidFill>
+        <a:round/>
+      </a:ln>
+    </cs:spPr>
+  </cs:gridlineMajor>
+  <cs:gridlineMinor>
+    <cs:lnRef idx="0"/>
+    <cs:fillRef idx="0"/>
+    <cs:effectRef idx="0"/>
+    <cs:fontRef idx="minor">
+      <a:schemeClr val="tx1"/>
+    </cs:fontRef>
+    <cs:spPr>
+      <a:ln w="9525" cap="flat" cmpd="sng" algn="ctr">
+        <a:solidFill>
+          <a:schemeClr val="tx1">
+            <a:lumMod val="5000"/>
+            <a:lumOff val="95000"/>
+          </a:schemeClr>
+        </a:solidFill>
+        <a:round/>
+      </a:ln>
+    </cs:spPr>
+  </cs:gridlineMinor>
+  <cs:hiLoLine>
+    <cs:lnRef idx="0"/>
+    <cs:fillRef idx="0"/>
+    <cs:effectRef idx="0"/>
+    <cs:fontRef idx="minor">
+      <a:schemeClr val="tx1"/>
+    </cs:fontRef>
+    <cs:spPr>
+      <a:ln w="9525" cap="flat" cmpd="sng" algn="ctr">
+        <a:solidFill>
+          <a:schemeClr val="tx1">
+            <a:lumMod val="50000"/>
+            <a:lumOff val="50000"/>
+          </a:schemeClr>
+        </a:solidFill>
+        <a:round/>
+      </a:ln>
+    </cs:spPr>
+  </cs:hiLoLine>
+  <cs:leaderLine>
+    <cs:lnRef idx="0"/>
+    <cs:fillRef idx="0"/>
+    <cs:effectRef idx="0"/>
+    <cs:fontRef idx="minor">
+      <a:schemeClr val="tx1"/>
+    </cs:fontRef>
+    <cs:spPr>
+      <a:ln w="9525" cap="flat" cmpd="sng" algn="ctr">
+        <a:solidFill>
+          <a:schemeClr val="tx1">
+            <a:lumMod val="35000"/>
+            <a:lumOff val="65000"/>
+          </a:schemeClr>
+        </a:solidFill>
+        <a:round/>
+      </a:ln>
+    </cs:spPr>
+  </cs:leaderLine>
+  <cs:legend>
+    <cs:lnRef idx="0"/>
+    <cs:fillRef idx="0"/>
+    <cs:effectRef idx="0"/>
+    <cs:fontRef idx="minor">
+      <a:schemeClr val="tx1">
+        <a:lumMod val="65000"/>
+        <a:lumOff val="35000"/>
+      </a:schemeClr>
+    </cs:fontRef>
+    <cs:defRPr sz="900" kern="1200"/>
+  </cs:legend>
+  <cs:plotArea mods="allowNoFillOverride allowNoLineOverride">
+    <cs:lnRef idx="0"/>
+    <cs:fillRef idx="0"/>
+    <cs:effectRef idx="0"/>
+    <cs:fontRef idx="minor">
+      <a:schemeClr val="tx1"/>
+    </cs:fontRef>
+  </cs:plotArea>
+  <cs:plotArea3D mods="allowNoFillOverride allowNoLineOverride">
+    <cs:lnRef idx="0"/>
+    <cs:fillRef idx="0"/>
+    <cs:effectRef idx="0"/>
+    <cs:fontRef idx="minor">
+      <a:schemeClr val="tx1"/>
+    </cs:fontRef>
+  </cs:plotArea3D>
+  <cs:seriesAxis>
+    <cs:lnRef idx="0"/>
+    <cs:fillRef idx="0"/>
+    <cs:effectRef idx="0"/>
+    <cs:fontRef idx="minor">
+      <a:schemeClr val="tx1">
+        <a:lumMod val="65000"/>
+        <a:lumOff val="35000"/>
+      </a:schemeClr>
+    </cs:fontRef>
+    <cs:defRPr sz="900" kern="1200"/>
+  </cs:seriesAxis>
+  <cs:seriesLine>
+    <cs:lnRef idx="0"/>
+    <cs:fillRef idx="0"/>
+    <cs:effectRef idx="0"/>
+    <cs:fontRef idx="minor">
+      <a:schemeClr val="tx1"/>
+    </cs:fontRef>
+    <cs:spPr>
+      <a:ln w="9525" cap="flat" cmpd="sng" algn="ctr">
+        <a:solidFill>
+          <a:schemeClr val="tx1">
+            <a:lumMod val="35000"/>
+            <a:lumOff val="65000"/>
+          </a:schemeClr>
+        </a:solidFill>
+        <a:round/>
+      </a:ln>
+    </cs:spPr>
+  </cs:seriesLine>
+  <cs:title>
+    <cs:lnRef idx="0"/>
+    <cs:fillRef idx="0"/>
+    <cs:effectRef idx="0"/>
+    <cs:fontRef idx="minor">
+      <a:schemeClr val="tx1">
+        <a:lumMod val="65000"/>
+        <a:lumOff val="35000"/>
+      </a:schemeClr>
+    </cs:fontRef>
+    <cs:defRPr sz="1400" b="0" kern="1200" spc="0" baseline="0"/>
+  </cs:title>
+  <cs:trendline>
+    <cs:lnRef idx="0">
+      <cs:styleClr val="auto"/>
+    </cs:lnRef>
+    <cs:fillRef idx="0"/>
+    <cs:effectRef idx="0"/>
+    <cs:fontRef idx="minor">
+      <a:schemeClr val="tx1"/>
+    </cs:fontRef>
+    <cs:spPr>
+      <a:ln w="19050" cap="rnd">
+        <a:solidFill>
+          <a:schemeClr val="phClr"/>
+        </a:solidFill>
+        <a:prstDash val="sysDot"/>
+      </a:ln>
+    </cs:spPr>
+  </cs:trendline>
+  <cs:trendlineLabel>
+    <cs:lnRef idx="0"/>
+    <cs:fillRef idx="0"/>
+    <cs:effectRef idx="0"/>
+    <cs:fontRef idx="minor">
+      <a:schemeClr val="tx1">
+        <a:lumMod val="65000"/>
+        <a:lumOff val="35000"/>
+      </a:schemeClr>
+    </cs:fontRef>
+    <cs:defRPr sz="900" kern="1200"/>
+  </cs:trendlineLabel>
+  <cs:upBar>
+    <cs:lnRef idx="0"/>
+    <cs:fillRef idx="0"/>
+    <cs:effectRef idx="0"/>
+    <cs:fontRef idx="minor">
+      <a:schemeClr val="tx1"/>
+    </cs:fontRef>
+    <cs:spPr>
+      <a:solidFill>
+        <a:schemeClr val="lt1"/>
+      </a:solidFill>
+      <a:ln w="9525" cap="flat" cmpd="sng" algn="ctr">
+        <a:solidFill>
+          <a:schemeClr val="tx1">
+            <a:lumMod val="65000"/>
+            <a:lumOff val="35000"/>
+          </a:schemeClr>
+        </a:solidFill>
+        <a:round/>
+      </a:ln>
+    </cs:spPr>
+  </cs:upBar>
+  <cs:valueAxis>
+    <cs:lnRef idx="0"/>
+    <cs:fillRef idx="0"/>
+    <cs:effectRef idx="0"/>
+    <cs:fontRef idx="minor">
+      <a:schemeClr val="tx1">
+        <a:lumMod val="65000"/>
+        <a:lumOff val="35000"/>
+      </a:schemeClr>
+    </cs:fontRef>
+    <cs:spPr>
+      <a:ln w="9525" cap="flat" cmpd="sng" algn="ctr">
+        <a:solidFill>
+          <a:schemeClr val="tx1">
+            <a:lumMod val="25000"/>
+            <a:lumOff val="75000"/>
+          </a:schemeClr>
+        </a:solidFill>
+        <a:round/>
+      </a:ln>
+    </cs:spPr>
+    <cs:defRPr sz="900" kern="1200"/>
+  </cs:valueAxis>
+  <cs:wall>
+    <cs:lnRef idx="0"/>
+    <cs:fillRef idx="0"/>
+    <cs:effectRef idx="0"/>
+    <cs:fontRef idx="minor">
+      <a:schemeClr val="tx1"/>
+    </cs:fontRef>
+    <cs:spPr>
+      <a:noFill/>
+      <a:ln>
+        <a:noFill/>
+      </a:ln>
+    </cs:spPr>
+  </cs:wall>
+</cs:chartStyle>
+</file>
+
 <file path=ppt/notesMasters/notesMaster1.xml><?xml version="1.0" encoding="utf-8"?>
 <p:notesMaster xmlns:a="http://schemas.openxmlformats.org/drawingml/2006/main" xmlns:r="http://schemas.openxmlformats.org/officeDocument/2006/relationships" xmlns:p="http://schemas.openxmlformats.org/presentationml/2006/main">
   <p:cSld>
@@ -215,7 +2776,7 @@
           <a:p>
             <a:fld id="{E0D357E1-BBCA-7E4B-882A-08C6CB0DA45B}" type="datetimeFigureOut">
               <a:rPr lang="en-US" smtClean="0"/>
-              <a:t>5/12/21</a:t>
+              <a:t>5/13/21</a:t>
             </a:fld>
             <a:endParaRPr lang="en-US"/>
           </a:p>
@@ -1145,7 +3706,7 @@
           <a:p>
             <a:fld id="{25211B34-18CC-D744-9E8C-A2A3BCB534CD}" type="slidenum">
               <a:rPr lang="en-US" smtClean="0"/>
-              <a:t>6</a:t>
+              <a:t>7</a:t>
             </a:fld>
             <a:endParaRPr lang="en-US"/>
           </a:p>
@@ -1232,7 +3793,7 @@
           <a:p>
             <a:fld id="{25211B34-18CC-D744-9E8C-A2A3BCB534CD}" type="slidenum">
               <a:rPr lang="en-US" smtClean="0"/>
-              <a:t>7</a:t>
+              <a:t>8</a:t>
             </a:fld>
             <a:endParaRPr lang="en-US"/>
           </a:p>
@@ -1398,7 +3959,7 @@
           <a:p>
             <a:fld id="{2E7BD062-3872-2745-B58F-7FE843EEF26B}" type="datetimeFigureOut">
               <a:rPr lang="en-US" smtClean="0"/>
-              <a:t>5/12/21</a:t>
+              <a:t>5/13/21</a:t>
             </a:fld>
             <a:endParaRPr lang="en-US"/>
           </a:p>
@@ -1596,7 +4157,7 @@
           <a:p>
             <a:fld id="{2E7BD062-3872-2745-B58F-7FE843EEF26B}" type="datetimeFigureOut">
               <a:rPr lang="en-US" smtClean="0"/>
-              <a:t>5/12/21</a:t>
+              <a:t>5/13/21</a:t>
             </a:fld>
             <a:endParaRPr lang="en-US"/>
           </a:p>
@@ -1804,7 +4365,7 @@
           <a:p>
             <a:fld id="{2E7BD062-3872-2745-B58F-7FE843EEF26B}" type="datetimeFigureOut">
               <a:rPr lang="en-US" smtClean="0"/>
-              <a:t>5/12/21</a:t>
+              <a:t>5/13/21</a:t>
             </a:fld>
             <a:endParaRPr lang="en-US"/>
           </a:p>
@@ -2002,7 +4563,7 @@
           <a:p>
             <a:fld id="{2E7BD062-3872-2745-B58F-7FE843EEF26B}" type="datetimeFigureOut">
               <a:rPr lang="en-US" smtClean="0"/>
-              <a:t>5/12/21</a:t>
+              <a:t>5/13/21</a:t>
             </a:fld>
             <a:endParaRPr lang="en-US"/>
           </a:p>
@@ -2277,7 +4838,7 @@
           <a:p>
             <a:fld id="{2E7BD062-3872-2745-B58F-7FE843EEF26B}" type="datetimeFigureOut">
               <a:rPr lang="en-US" smtClean="0"/>
-              <a:t>5/12/21</a:t>
+              <a:t>5/13/21</a:t>
             </a:fld>
             <a:endParaRPr lang="en-US"/>
           </a:p>
@@ -2542,7 +5103,7 @@
           <a:p>
             <a:fld id="{2E7BD062-3872-2745-B58F-7FE843EEF26B}" type="datetimeFigureOut">
               <a:rPr lang="en-US" smtClean="0"/>
-              <a:t>5/12/21</a:t>
+              <a:t>5/13/21</a:t>
             </a:fld>
             <a:endParaRPr lang="en-US"/>
           </a:p>
@@ -2954,7 +5515,7 @@
           <a:p>
             <a:fld id="{2E7BD062-3872-2745-B58F-7FE843EEF26B}" type="datetimeFigureOut">
               <a:rPr lang="en-US" smtClean="0"/>
-              <a:t>5/12/21</a:t>
+              <a:t>5/13/21</a:t>
             </a:fld>
             <a:endParaRPr lang="en-US"/>
           </a:p>
@@ -3095,7 +5656,7 @@
           <a:p>
             <a:fld id="{2E7BD062-3872-2745-B58F-7FE843EEF26B}" type="datetimeFigureOut">
               <a:rPr lang="en-US" smtClean="0"/>
-              <a:t>5/12/21</a:t>
+              <a:t>5/13/21</a:t>
             </a:fld>
             <a:endParaRPr lang="en-US"/>
           </a:p>
@@ -3208,7 +5769,7 @@
           <a:p>
             <a:fld id="{2E7BD062-3872-2745-B58F-7FE843EEF26B}" type="datetimeFigureOut">
               <a:rPr lang="en-US" smtClean="0"/>
-              <a:t>5/12/21</a:t>
+              <a:t>5/13/21</a:t>
             </a:fld>
             <a:endParaRPr lang="en-US"/>
           </a:p>
@@ -3519,7 +6080,7 @@
           <a:p>
             <a:fld id="{2E7BD062-3872-2745-B58F-7FE843EEF26B}" type="datetimeFigureOut">
               <a:rPr lang="en-US" smtClean="0"/>
-              <a:t>5/12/21</a:t>
+              <a:t>5/13/21</a:t>
             </a:fld>
             <a:endParaRPr lang="en-US"/>
           </a:p>
@@ -3807,7 +6368,7 @@
           <a:p>
             <a:fld id="{2E7BD062-3872-2745-B58F-7FE843EEF26B}" type="datetimeFigureOut">
               <a:rPr lang="en-US" smtClean="0"/>
-              <a:t>5/12/21</a:t>
+              <a:t>5/13/21</a:t>
             </a:fld>
             <a:endParaRPr lang="en-US"/>
           </a:p>
@@ -4048,7 +6609,7 @@
           <a:p>
             <a:fld id="{2E7BD062-3872-2745-B58F-7FE843EEF26B}" type="datetimeFigureOut">
               <a:rPr lang="en-US" smtClean="0"/>
-              <a:t>5/12/21</a:t>
+              <a:t>5/13/21</a:t>
             </a:fld>
             <a:endParaRPr lang="en-US"/>
           </a:p>
@@ -6720,7 +9281,7 @@
         </p:nvSpPr>
         <p:spPr>
           <a:xfrm>
-            <a:off x="6493372" y="3568438"/>
+            <a:off x="6468636" y="3702132"/>
             <a:ext cx="664371" cy="369332"/>
           </a:xfrm>
           <a:prstGeom prst="rect">
@@ -6872,7 +9433,7 @@
         </p:nvCxnSpPr>
         <p:spPr>
           <a:xfrm>
-            <a:off x="6581200" y="3843852"/>
+            <a:off x="6562443" y="3997620"/>
             <a:ext cx="519199" cy="0"/>
           </a:xfrm>
           <a:prstGeom prst="line">
@@ -6915,7 +9476,7 @@
         </p:nvCxnSpPr>
         <p:spPr>
           <a:xfrm>
-            <a:off x="5851835" y="3622426"/>
+            <a:off x="5842940" y="3772851"/>
             <a:ext cx="519199" cy="0"/>
           </a:xfrm>
           <a:prstGeom prst="line">
@@ -6958,7 +9519,7 @@
         </p:nvSpPr>
         <p:spPr>
           <a:xfrm>
-            <a:off x="5770355" y="3344374"/>
+            <a:off x="5735792" y="3440669"/>
             <a:ext cx="664371" cy="369332"/>
           </a:xfrm>
           <a:prstGeom prst="rect">
@@ -9531,6 +12092,96 @@
           <a:chExt cx="0" cy="0"/>
         </a:xfrm>
       </p:grpSpPr>
+      <p:graphicFrame>
+        <p:nvGraphicFramePr>
+          <p:cNvPr id="4" name="Chart 3">
+            <a:extLst>
+              <a:ext uri="{FF2B5EF4-FFF2-40B4-BE49-F238E27FC236}">
+                <a16:creationId xmlns:a16="http://schemas.microsoft.com/office/drawing/2014/main" id="{94E0B12C-B027-8445-ADF6-0EA9F5887B8A}"/>
+              </a:ext>
+            </a:extLst>
+          </p:cNvPr>
+          <p:cNvGraphicFramePr>
+            <a:graphicFrameLocks/>
+          </p:cNvGraphicFramePr>
+          <p:nvPr>
+            <p:extLst>
+              <p:ext uri="{D42A27DB-BD31-4B8C-83A1-F6EECF244321}">
+                <p14:modId xmlns:p14="http://schemas.microsoft.com/office/powerpoint/2010/main" val="226901739"/>
+              </p:ext>
+            </p:extLst>
+          </p:nvPr>
+        </p:nvGraphicFramePr>
+        <p:xfrm>
+          <a:off x="5731899" y="3043238"/>
+          <a:ext cx="5998140" cy="3729037"/>
+        </p:xfrm>
+        <a:graphic>
+          <a:graphicData uri="http://schemas.openxmlformats.org/drawingml/2006/chart">
+            <c:chart xmlns:c="http://schemas.openxmlformats.org/drawingml/2006/chart" xmlns:r="http://schemas.openxmlformats.org/officeDocument/2006/relationships" r:id="rId2"/>
+          </a:graphicData>
+        </a:graphic>
+      </p:graphicFrame>
+      <p:graphicFrame>
+        <p:nvGraphicFramePr>
+          <p:cNvPr id="5" name="Chart 4">
+            <a:extLst>
+              <a:ext uri="{FF2B5EF4-FFF2-40B4-BE49-F238E27FC236}">
+                <a16:creationId xmlns:a16="http://schemas.microsoft.com/office/drawing/2014/main" id="{9A09C6A1-A15F-6F44-B973-92236ED638BD}"/>
+              </a:ext>
+            </a:extLst>
+          </p:cNvPr>
+          <p:cNvGraphicFramePr>
+            <a:graphicFrameLocks/>
+          </p:cNvGraphicFramePr>
+          <p:nvPr>
+            <p:extLst>
+              <p:ext uri="{D42A27DB-BD31-4B8C-83A1-F6EECF244321}">
+                <p14:modId xmlns:p14="http://schemas.microsoft.com/office/powerpoint/2010/main" val="3537837803"/>
+              </p:ext>
+            </p:extLst>
+          </p:nvPr>
+        </p:nvGraphicFramePr>
+        <p:xfrm>
+          <a:off x="459104" y="214312"/>
+          <a:ext cx="6443910" cy="3376224"/>
+        </p:xfrm>
+        <a:graphic>
+          <a:graphicData uri="http://schemas.openxmlformats.org/drawingml/2006/chart">
+            <c:chart xmlns:c="http://schemas.openxmlformats.org/drawingml/2006/chart" xmlns:r="http://schemas.openxmlformats.org/officeDocument/2006/relationships" r:id="rId3"/>
+          </a:graphicData>
+        </a:graphic>
+      </p:graphicFrame>
+    </p:spTree>
+    <p:extLst>
+      <p:ext uri="{BB962C8B-B14F-4D97-AF65-F5344CB8AC3E}">
+        <p14:creationId xmlns:p14="http://schemas.microsoft.com/office/powerpoint/2010/main" val="3941552960"/>
+      </p:ext>
+    </p:extLst>
+  </p:cSld>
+  <p:clrMapOvr>
+    <a:masterClrMapping/>
+  </p:clrMapOvr>
+</p:sld>
+</file>
+
+<file path=ppt/slides/slide7.xml><?xml version="1.0" encoding="utf-8"?>
+<p:sld xmlns:a="http://schemas.openxmlformats.org/drawingml/2006/main" xmlns:r="http://schemas.openxmlformats.org/officeDocument/2006/relationships" xmlns:p="http://schemas.openxmlformats.org/presentationml/2006/main">
+  <p:cSld>
+    <p:spTree>
+      <p:nvGrpSpPr>
+        <p:cNvPr id="1" name=""/>
+        <p:cNvGrpSpPr/>
+        <p:nvPr/>
+      </p:nvGrpSpPr>
+      <p:grpSpPr>
+        <a:xfrm>
+          <a:off x="0" y="0"/>
+          <a:ext cx="0" cy="0"/>
+          <a:chOff x="0" y="0"/>
+          <a:chExt cx="0" cy="0"/>
+        </a:xfrm>
+      </p:grpSpPr>
       <p:pic>
         <p:nvPicPr>
           <p:cNvPr id="5" name="Picture 4">
@@ -9888,7 +12539,7 @@
 </p:sld>
 </file>
 
-<file path=ppt/slides/slide7.xml><?xml version="1.0" encoding="utf-8"?>
+<file path=ppt/slides/slide8.xml><?xml version="1.0" encoding="utf-8"?>
 <p:sld xmlns:a="http://schemas.openxmlformats.org/drawingml/2006/main" xmlns:r="http://schemas.openxmlformats.org/officeDocument/2006/relationships" xmlns:p="http://schemas.openxmlformats.org/presentationml/2006/main">
   <p:cSld>
     <p:spTree>

--- a/EnergyFile.pptx
+++ b/EnergyFile.pptx
@@ -5,7 +5,7 @@
     <p:sldMasterId id="2147483648" r:id="rId1"/>
   </p:sldMasterIdLst>
   <p:notesMasterIdLst>
-    <p:notesMasterId r:id="rId10"/>
+    <p:notesMasterId r:id="rId11"/>
   </p:notesMasterIdLst>
   <p:sldIdLst>
     <p:sldId id="281" r:id="rId2"/>
@@ -14,8 +14,9 @@
     <p:sldId id="301" r:id="rId5"/>
     <p:sldId id="292" r:id="rId6"/>
     <p:sldId id="305" r:id="rId7"/>
-    <p:sldId id="303" r:id="rId8"/>
-    <p:sldId id="304" r:id="rId9"/>
+    <p:sldId id="306" r:id="rId8"/>
+    <p:sldId id="303" r:id="rId9"/>
+    <p:sldId id="304" r:id="rId10"/>
   </p:sldIdLst>
   <p:sldSz cx="12192000" cy="6858000"/>
   <p:notesSz cx="6858000" cy="9144000"/>
@@ -2776,7 +2777,7 @@
           <a:p>
             <a:fld id="{E0D357E1-BBCA-7E4B-882A-08C6CB0DA45B}" type="datetimeFigureOut">
               <a:rPr lang="en-US" smtClean="0"/>
-              <a:t>5/13/21</a:t>
+              <a:t>5/17/21</a:t>
             </a:fld>
             <a:endParaRPr lang="en-US"/>
           </a:p>
@@ -3673,18 +3674,6 @@
           <a:bodyPr/>
           <a:lstStyle/>
           <a:p>
-            <a:r>
-              <a:rPr lang="en-US" dirty="0"/>
-              <a:t>The last state now is the pure surface + dimer in gas + two bromine atom in gas (0.07eV, not 0.00 eV anu more)</a:t>
-            </a:r>
-          </a:p>
-          <a:p>
-            <a:r>
-              <a:rPr lang="en-US" dirty="0"/>
-              <a:t>This figure only counts translational partition in free energy calculation.</a:t>
-            </a:r>
-          </a:p>
-          <a:p>
             <a:endParaRPr lang="en-US" dirty="0"/>
           </a:p>
         </p:txBody>
@@ -3704,7 +3693,7 @@
           <a:bodyPr/>
           <a:lstStyle/>
           <a:p>
-            <a:fld id="{25211B34-18CC-D744-9E8C-A2A3BCB534CD}" type="slidenum">
+            <a:fld id="{4E02406E-51B6-6C4F-B6FA-25E5FA24AA93}" type="slidenum">
               <a:rPr lang="en-US" smtClean="0"/>
               <a:t>7</a:t>
             </a:fld>
@@ -3715,7 +3704,7 @@
     </p:spTree>
     <p:extLst>
       <p:ext uri="{BB962C8B-B14F-4D97-AF65-F5344CB8AC3E}">
-        <p14:creationId xmlns:p14="http://schemas.microsoft.com/office/powerpoint/2010/main" val="894503501"/>
+        <p14:creationId xmlns:p14="http://schemas.microsoft.com/office/powerpoint/2010/main" val="428462982"/>
       </p:ext>
     </p:extLst>
   </p:cSld>
@@ -3771,8 +3760,17 @@
           <a:p>
             <a:r>
               <a:rPr lang="en-US" dirty="0"/>
-              <a:t>This figure only counts both translational and rotational partition in free energy calculation</a:t>
+              <a:t>The last state now is the pure surface + dimer in gas + two bromine atom in gas (0.07eV, not 0.00 eV anu more)</a:t>
             </a:r>
+          </a:p>
+          <a:p>
+            <a:r>
+              <a:rPr lang="en-US" dirty="0"/>
+              <a:t>This figure only counts translational partition in free energy calculation.</a:t>
+            </a:r>
+          </a:p>
+          <a:p>
+            <a:endParaRPr lang="en-US" dirty="0"/>
           </a:p>
         </p:txBody>
       </p:sp>
@@ -3794,6 +3792,93 @@
             <a:fld id="{25211B34-18CC-D744-9E8C-A2A3BCB534CD}" type="slidenum">
               <a:rPr lang="en-US" smtClean="0"/>
               <a:t>8</a:t>
+            </a:fld>
+            <a:endParaRPr lang="en-US"/>
+          </a:p>
+        </p:txBody>
+      </p:sp>
+    </p:spTree>
+    <p:extLst>
+      <p:ext uri="{BB962C8B-B14F-4D97-AF65-F5344CB8AC3E}">
+        <p14:creationId xmlns:p14="http://schemas.microsoft.com/office/powerpoint/2010/main" val="894503501"/>
+      </p:ext>
+    </p:extLst>
+  </p:cSld>
+  <p:clrMapOvr>
+    <a:masterClrMapping/>
+  </p:clrMapOvr>
+</p:notes>
+</file>
+
+<file path=ppt/notesSlides/notesSlide7.xml><?xml version="1.0" encoding="utf-8"?>
+<p:notes xmlns:a="http://schemas.openxmlformats.org/drawingml/2006/main" xmlns:r="http://schemas.openxmlformats.org/officeDocument/2006/relationships" xmlns:p="http://schemas.openxmlformats.org/presentationml/2006/main">
+  <p:cSld>
+    <p:spTree>
+      <p:nvGrpSpPr>
+        <p:cNvPr id="1" name=""/>
+        <p:cNvGrpSpPr/>
+        <p:nvPr/>
+      </p:nvGrpSpPr>
+      <p:grpSpPr>
+        <a:xfrm>
+          <a:off x="0" y="0"/>
+          <a:ext cx="0" cy="0"/>
+          <a:chOff x="0" y="0"/>
+          <a:chExt cx="0" cy="0"/>
+        </a:xfrm>
+      </p:grpSpPr>
+      <p:sp>
+        <p:nvSpPr>
+          <p:cNvPr id="2" name="Slide Image Placeholder 1"/>
+          <p:cNvSpPr>
+            <a:spLocks noGrp="1" noRot="1" noChangeAspect="1"/>
+          </p:cNvSpPr>
+          <p:nvPr>
+            <p:ph type="sldImg"/>
+          </p:nvPr>
+        </p:nvSpPr>
+        <p:spPr/>
+      </p:sp>
+      <p:sp>
+        <p:nvSpPr>
+          <p:cNvPr id="3" name="Notes Placeholder 2"/>
+          <p:cNvSpPr>
+            <a:spLocks noGrp="1"/>
+          </p:cNvSpPr>
+          <p:nvPr>
+            <p:ph type="body" idx="1"/>
+          </p:nvPr>
+        </p:nvSpPr>
+        <p:spPr/>
+        <p:txBody>
+          <a:bodyPr/>
+          <a:lstStyle/>
+          <a:p>
+            <a:r>
+              <a:rPr lang="en-US" dirty="0"/>
+              <a:t>This figure only counts both translational and rotational partition in free energy calculation</a:t>
+            </a:r>
+          </a:p>
+        </p:txBody>
+      </p:sp>
+      <p:sp>
+        <p:nvSpPr>
+          <p:cNvPr id="4" name="Slide Number Placeholder 3"/>
+          <p:cNvSpPr>
+            <a:spLocks noGrp="1"/>
+          </p:cNvSpPr>
+          <p:nvPr>
+            <p:ph type="sldNum" sz="quarter" idx="5"/>
+          </p:nvPr>
+        </p:nvSpPr>
+        <p:spPr/>
+        <p:txBody>
+          <a:bodyPr/>
+          <a:lstStyle/>
+          <a:p>
+            <a:fld id="{25211B34-18CC-D744-9E8C-A2A3BCB534CD}" type="slidenum">
+              <a:rPr lang="en-US" smtClean="0"/>
+              <a:t>9</a:t>
             </a:fld>
             <a:endParaRPr lang="en-US"/>
           </a:p>
@@ -3959,7 +4044,7 @@
           <a:p>
             <a:fld id="{2E7BD062-3872-2745-B58F-7FE843EEF26B}" type="datetimeFigureOut">
               <a:rPr lang="en-US" smtClean="0"/>
-              <a:t>5/13/21</a:t>
+              <a:t>5/17/21</a:t>
             </a:fld>
             <a:endParaRPr lang="en-US"/>
           </a:p>
@@ -4157,7 +4242,7 @@
           <a:p>
             <a:fld id="{2E7BD062-3872-2745-B58F-7FE843EEF26B}" type="datetimeFigureOut">
               <a:rPr lang="en-US" smtClean="0"/>
-              <a:t>5/13/21</a:t>
+              <a:t>5/17/21</a:t>
             </a:fld>
             <a:endParaRPr lang="en-US"/>
           </a:p>
@@ -4365,7 +4450,7 @@
           <a:p>
             <a:fld id="{2E7BD062-3872-2745-B58F-7FE843EEF26B}" type="datetimeFigureOut">
               <a:rPr lang="en-US" smtClean="0"/>
-              <a:t>5/13/21</a:t>
+              <a:t>5/17/21</a:t>
             </a:fld>
             <a:endParaRPr lang="en-US"/>
           </a:p>
@@ -4563,7 +4648,7 @@
           <a:p>
             <a:fld id="{2E7BD062-3872-2745-B58F-7FE843EEF26B}" type="datetimeFigureOut">
               <a:rPr lang="en-US" smtClean="0"/>
-              <a:t>5/13/21</a:t>
+              <a:t>5/17/21</a:t>
             </a:fld>
             <a:endParaRPr lang="en-US"/>
           </a:p>
@@ -4838,7 +4923,7 @@
           <a:p>
             <a:fld id="{2E7BD062-3872-2745-B58F-7FE843EEF26B}" type="datetimeFigureOut">
               <a:rPr lang="en-US" smtClean="0"/>
-              <a:t>5/13/21</a:t>
+              <a:t>5/17/21</a:t>
             </a:fld>
             <a:endParaRPr lang="en-US"/>
           </a:p>
@@ -5103,7 +5188,7 @@
           <a:p>
             <a:fld id="{2E7BD062-3872-2745-B58F-7FE843EEF26B}" type="datetimeFigureOut">
               <a:rPr lang="en-US" smtClean="0"/>
-              <a:t>5/13/21</a:t>
+              <a:t>5/17/21</a:t>
             </a:fld>
             <a:endParaRPr lang="en-US"/>
           </a:p>
@@ -5515,7 +5600,7 @@
           <a:p>
             <a:fld id="{2E7BD062-3872-2745-B58F-7FE843EEF26B}" type="datetimeFigureOut">
               <a:rPr lang="en-US" smtClean="0"/>
-              <a:t>5/13/21</a:t>
+              <a:t>5/17/21</a:t>
             </a:fld>
             <a:endParaRPr lang="en-US"/>
           </a:p>
@@ -5656,7 +5741,7 @@
           <a:p>
             <a:fld id="{2E7BD062-3872-2745-B58F-7FE843EEF26B}" type="datetimeFigureOut">
               <a:rPr lang="en-US" smtClean="0"/>
-              <a:t>5/13/21</a:t>
+              <a:t>5/17/21</a:t>
             </a:fld>
             <a:endParaRPr lang="en-US"/>
           </a:p>
@@ -5769,7 +5854,7 @@
           <a:p>
             <a:fld id="{2E7BD062-3872-2745-B58F-7FE843EEF26B}" type="datetimeFigureOut">
               <a:rPr lang="en-US" smtClean="0"/>
-              <a:t>5/13/21</a:t>
+              <a:t>5/17/21</a:t>
             </a:fld>
             <a:endParaRPr lang="en-US"/>
           </a:p>
@@ -6080,7 +6165,7 @@
           <a:p>
             <a:fld id="{2E7BD062-3872-2745-B58F-7FE843EEF26B}" type="datetimeFigureOut">
               <a:rPr lang="en-US" smtClean="0"/>
-              <a:t>5/13/21</a:t>
+              <a:t>5/17/21</a:t>
             </a:fld>
             <a:endParaRPr lang="en-US"/>
           </a:p>
@@ -6368,7 +6453,7 @@
           <a:p>
             <a:fld id="{2E7BD062-3872-2745-B58F-7FE843EEF26B}" type="datetimeFigureOut">
               <a:rPr lang="en-US" smtClean="0"/>
-              <a:t>5/13/21</a:t>
+              <a:t>5/17/21</a:t>
             </a:fld>
             <a:endParaRPr lang="en-US"/>
           </a:p>
@@ -6609,7 +6694,7 @@
           <a:p>
             <a:fld id="{2E7BD062-3872-2745-B58F-7FE843EEF26B}" type="datetimeFigureOut">
               <a:rPr lang="en-US" smtClean="0"/>
-              <a:t>5/13/21</a:t>
+              <a:t>5/17/21</a:t>
             </a:fld>
             <a:endParaRPr lang="en-US"/>
           </a:p>
@@ -9626,6 +9711,88 @@
           </a:p>
         </p:txBody>
       </p:sp>
+      <p:cxnSp>
+        <p:nvCxnSpPr>
+          <p:cNvPr id="37" name="Straight Connector 36">
+            <a:extLst>
+              <a:ext uri="{FF2B5EF4-FFF2-40B4-BE49-F238E27FC236}">
+                <a16:creationId xmlns:a16="http://schemas.microsoft.com/office/drawing/2014/main" id="{41C593A9-F3ED-E948-AB58-BEF19DA15DF9}"/>
+              </a:ext>
+            </a:extLst>
+          </p:cNvPr>
+          <p:cNvCxnSpPr/>
+          <p:nvPr/>
+        </p:nvCxnSpPr>
+        <p:spPr>
+          <a:xfrm>
+            <a:off x="7295008" y="3047042"/>
+            <a:ext cx="519199" cy="0"/>
+          </a:xfrm>
+          <a:prstGeom prst="line">
+            <a:avLst/>
+          </a:prstGeom>
+          <a:ln w="38100">
+            <a:solidFill>
+              <a:schemeClr val="accent4">
+                <a:lumMod val="75000"/>
+              </a:schemeClr>
+            </a:solidFill>
+          </a:ln>
+        </p:spPr>
+        <p:style>
+          <a:lnRef idx="1">
+            <a:schemeClr val="accent1"/>
+          </a:lnRef>
+          <a:fillRef idx="0">
+            <a:schemeClr val="accent1"/>
+          </a:fillRef>
+          <a:effectRef idx="0">
+            <a:schemeClr val="accent1"/>
+          </a:effectRef>
+          <a:fontRef idx="minor">
+            <a:schemeClr val="tx1"/>
+          </a:fontRef>
+        </p:style>
+      </p:cxnSp>
+      <p:sp>
+        <p:nvSpPr>
+          <p:cNvPr id="38" name="TextBox 37">
+            <a:extLst>
+              <a:ext uri="{FF2B5EF4-FFF2-40B4-BE49-F238E27FC236}">
+                <a16:creationId xmlns:a16="http://schemas.microsoft.com/office/drawing/2014/main" id="{D03C2294-CB03-6848-8235-070DC910FCA1}"/>
+              </a:ext>
+            </a:extLst>
+          </p:cNvPr>
+          <p:cNvSpPr txBox="1"/>
+          <p:nvPr/>
+        </p:nvSpPr>
+        <p:spPr>
+          <a:xfrm>
+            <a:off x="7222421" y="2717528"/>
+            <a:ext cx="664371" cy="369332"/>
+          </a:xfrm>
+          <a:prstGeom prst="rect">
+            <a:avLst/>
+          </a:prstGeom>
+          <a:noFill/>
+        </p:spPr>
+        <p:txBody>
+          <a:bodyPr wrap="square" rtlCol="0">
+            <a:spAutoFit/>
+          </a:bodyPr>
+          <a:lstStyle/>
+          <a:p>
+            <a:r>
+              <a:rPr lang="en-US" dirty="0">
+                <a:solidFill>
+                  <a:srgbClr val="B58300"/>
+                </a:solidFill>
+              </a:rPr>
+              <a:t>-1.78</a:t>
+            </a:r>
+          </a:p>
+        </p:txBody>
+      </p:sp>
     </p:spTree>
     <p:extLst>
       <p:ext uri="{BB962C8B-B14F-4D97-AF65-F5344CB8AC3E}">
@@ -12187,6 +12354,543 @@
           <p:cNvPr id="5" name="Picture 4">
             <a:extLst>
               <a:ext uri="{FF2B5EF4-FFF2-40B4-BE49-F238E27FC236}">
+                <a16:creationId xmlns:a16="http://schemas.microsoft.com/office/drawing/2014/main" id="{AAD6DBE8-85D3-404B-B6B0-EE30661F9DF4}"/>
+              </a:ext>
+            </a:extLst>
+          </p:cNvPr>
+          <p:cNvPicPr>
+            <a:picLocks noChangeAspect="1"/>
+          </p:cNvPicPr>
+          <p:nvPr/>
+        </p:nvPicPr>
+        <p:blipFill>
+          <a:blip r:embed="rId3"/>
+          <a:stretch>
+            <a:fillRect/>
+          </a:stretch>
+        </p:blipFill>
+        <p:spPr>
+          <a:xfrm>
+            <a:off x="5956300" y="1558143"/>
+            <a:ext cx="5598764" cy="3770288"/>
+          </a:xfrm>
+          <a:prstGeom prst="rect">
+            <a:avLst/>
+          </a:prstGeom>
+        </p:spPr>
+      </p:pic>
+      <p:pic>
+        <p:nvPicPr>
+          <p:cNvPr id="7" name="Picture 6">
+            <a:extLst>
+              <a:ext uri="{FF2B5EF4-FFF2-40B4-BE49-F238E27FC236}">
+                <a16:creationId xmlns:a16="http://schemas.microsoft.com/office/drawing/2014/main" id="{963BE899-7BE6-4746-B5D4-56543E922819}"/>
+              </a:ext>
+            </a:extLst>
+          </p:cNvPr>
+          <p:cNvPicPr>
+            <a:picLocks noChangeAspect="1"/>
+          </p:cNvPicPr>
+          <p:nvPr/>
+        </p:nvPicPr>
+        <p:blipFill>
+          <a:blip r:embed="rId4"/>
+          <a:stretch>
+            <a:fillRect/>
+          </a:stretch>
+        </p:blipFill>
+        <p:spPr>
+          <a:xfrm>
+            <a:off x="371475" y="1558143"/>
+            <a:ext cx="5584825" cy="3770287"/>
+          </a:xfrm>
+          <a:prstGeom prst="rect">
+            <a:avLst/>
+          </a:prstGeom>
+        </p:spPr>
+      </p:pic>
+      <p:sp>
+        <p:nvSpPr>
+          <p:cNvPr id="9" name="Right Arrow 8">
+            <a:extLst>
+              <a:ext uri="{FF2B5EF4-FFF2-40B4-BE49-F238E27FC236}">
+                <a16:creationId xmlns:a16="http://schemas.microsoft.com/office/drawing/2014/main" id="{D117F59A-E404-3A47-A5AD-B293B7181CE7}"/>
+              </a:ext>
+            </a:extLst>
+          </p:cNvPr>
+          <p:cNvSpPr/>
+          <p:nvPr/>
+        </p:nvSpPr>
+        <p:spPr>
+          <a:xfrm rot="18143651">
+            <a:off x="4211518" y="3207397"/>
+            <a:ext cx="291739" cy="45992"/>
+          </a:xfrm>
+          <a:prstGeom prst="rightArrow">
+            <a:avLst/>
+          </a:prstGeom>
+          <a:solidFill>
+            <a:srgbClr val="FF0000"/>
+          </a:solidFill>
+          <a:ln>
+            <a:solidFill>
+              <a:srgbClr val="FF0000"/>
+            </a:solidFill>
+          </a:ln>
+        </p:spPr>
+        <p:style>
+          <a:lnRef idx="2">
+            <a:schemeClr val="accent1">
+              <a:shade val="50000"/>
+            </a:schemeClr>
+          </a:lnRef>
+          <a:fillRef idx="1">
+            <a:schemeClr val="accent1"/>
+          </a:fillRef>
+          <a:effectRef idx="0">
+            <a:schemeClr val="accent1"/>
+          </a:effectRef>
+          <a:fontRef idx="minor">
+            <a:schemeClr val="lt1"/>
+          </a:fontRef>
+        </p:style>
+        <p:txBody>
+          <a:bodyPr rtlCol="0" anchor="ctr"/>
+          <a:lstStyle/>
+          <a:p>
+            <a:pPr algn="ctr"/>
+            <a:endParaRPr lang="en-US" dirty="0">
+              <a:solidFill>
+                <a:schemeClr val="tx1"/>
+              </a:solidFill>
+              <a:highlight>
+                <a:srgbClr val="000000"/>
+              </a:highlight>
+            </a:endParaRPr>
+          </a:p>
+        </p:txBody>
+      </p:sp>
+      <p:sp>
+        <p:nvSpPr>
+          <p:cNvPr id="10" name="Right Arrow 9">
+            <a:extLst>
+              <a:ext uri="{FF2B5EF4-FFF2-40B4-BE49-F238E27FC236}">
+                <a16:creationId xmlns:a16="http://schemas.microsoft.com/office/drawing/2014/main" id="{249BF08A-EBCE-8949-8A3B-6BF4B2600309}"/>
+              </a:ext>
+            </a:extLst>
+          </p:cNvPr>
+          <p:cNvSpPr/>
+          <p:nvPr/>
+        </p:nvSpPr>
+        <p:spPr>
+          <a:xfrm rot="11780658">
+            <a:off x="3578010" y="3357174"/>
+            <a:ext cx="291739" cy="45992"/>
+          </a:xfrm>
+          <a:prstGeom prst="rightArrow">
+            <a:avLst/>
+          </a:prstGeom>
+          <a:solidFill>
+            <a:schemeClr val="tx1"/>
+          </a:solidFill>
+          <a:ln>
+            <a:solidFill>
+              <a:schemeClr val="tx1"/>
+            </a:solidFill>
+          </a:ln>
+        </p:spPr>
+        <p:style>
+          <a:lnRef idx="2">
+            <a:schemeClr val="accent1">
+              <a:shade val="50000"/>
+            </a:schemeClr>
+          </a:lnRef>
+          <a:fillRef idx="1">
+            <a:schemeClr val="accent1"/>
+          </a:fillRef>
+          <a:effectRef idx="0">
+            <a:schemeClr val="accent1"/>
+          </a:effectRef>
+          <a:fontRef idx="minor">
+            <a:schemeClr val="lt1"/>
+          </a:fontRef>
+        </p:style>
+        <p:txBody>
+          <a:bodyPr rtlCol="0" anchor="ctr"/>
+          <a:lstStyle/>
+          <a:p>
+            <a:pPr algn="ctr"/>
+            <a:endParaRPr lang="en-US" dirty="0">
+              <a:solidFill>
+                <a:schemeClr val="tx1"/>
+              </a:solidFill>
+              <a:highlight>
+                <a:srgbClr val="000000"/>
+              </a:highlight>
+            </a:endParaRPr>
+          </a:p>
+        </p:txBody>
+      </p:sp>
+      <p:sp>
+        <p:nvSpPr>
+          <p:cNvPr id="11" name="Right Arrow 10">
+            <a:extLst>
+              <a:ext uri="{FF2B5EF4-FFF2-40B4-BE49-F238E27FC236}">
+                <a16:creationId xmlns:a16="http://schemas.microsoft.com/office/drawing/2014/main" id="{2E565419-5AD1-1648-B078-EA24E054B1C8}"/>
+              </a:ext>
+            </a:extLst>
+          </p:cNvPr>
+          <p:cNvSpPr/>
+          <p:nvPr/>
+        </p:nvSpPr>
+        <p:spPr>
+          <a:xfrm rot="15141041">
+            <a:off x="4981069" y="2760069"/>
+            <a:ext cx="291739" cy="45992"/>
+          </a:xfrm>
+          <a:prstGeom prst="rightArrow">
+            <a:avLst/>
+          </a:prstGeom>
+          <a:solidFill>
+            <a:srgbClr val="FF0000"/>
+          </a:solidFill>
+          <a:ln>
+            <a:solidFill>
+              <a:srgbClr val="FF0000"/>
+            </a:solidFill>
+          </a:ln>
+        </p:spPr>
+        <p:style>
+          <a:lnRef idx="2">
+            <a:schemeClr val="accent1">
+              <a:shade val="50000"/>
+            </a:schemeClr>
+          </a:lnRef>
+          <a:fillRef idx="1">
+            <a:schemeClr val="accent1"/>
+          </a:fillRef>
+          <a:effectRef idx="0">
+            <a:schemeClr val="accent1"/>
+          </a:effectRef>
+          <a:fontRef idx="minor">
+            <a:schemeClr val="lt1"/>
+          </a:fontRef>
+        </p:style>
+        <p:txBody>
+          <a:bodyPr rtlCol="0" anchor="ctr"/>
+          <a:lstStyle/>
+          <a:p>
+            <a:pPr algn="ctr"/>
+            <a:endParaRPr lang="en-US" dirty="0">
+              <a:solidFill>
+                <a:schemeClr val="tx1"/>
+              </a:solidFill>
+              <a:highlight>
+                <a:srgbClr val="000000"/>
+              </a:highlight>
+            </a:endParaRPr>
+          </a:p>
+        </p:txBody>
+      </p:sp>
+      <p:cxnSp>
+        <p:nvCxnSpPr>
+          <p:cNvPr id="13" name="Straight Arrow Connector 12">
+            <a:extLst>
+              <a:ext uri="{FF2B5EF4-FFF2-40B4-BE49-F238E27FC236}">
+                <a16:creationId xmlns:a16="http://schemas.microsoft.com/office/drawing/2014/main" id="{C8871476-41F3-4A4C-99B5-125BCEED0F11}"/>
+              </a:ext>
+            </a:extLst>
+          </p:cNvPr>
+          <p:cNvCxnSpPr>
+            <a:cxnSpLocks/>
+          </p:cNvCxnSpPr>
+          <p:nvPr/>
+        </p:nvCxnSpPr>
+        <p:spPr>
+          <a:xfrm flipH="1" flipV="1">
+            <a:off x="9247517" y="3213140"/>
+            <a:ext cx="92018" cy="18546"/>
+          </a:xfrm>
+          <a:prstGeom prst="straightConnector1">
+            <a:avLst/>
+          </a:prstGeom>
+          <a:ln>
+            <a:solidFill>
+              <a:schemeClr val="tx1"/>
+            </a:solidFill>
+            <a:tailEnd type="triangle"/>
+          </a:ln>
+        </p:spPr>
+        <p:style>
+          <a:lnRef idx="1">
+            <a:schemeClr val="accent1"/>
+          </a:lnRef>
+          <a:fillRef idx="0">
+            <a:schemeClr val="accent1"/>
+          </a:fillRef>
+          <a:effectRef idx="0">
+            <a:schemeClr val="accent1"/>
+          </a:effectRef>
+          <a:fontRef idx="minor">
+            <a:schemeClr val="tx1"/>
+          </a:fontRef>
+        </p:style>
+      </p:cxnSp>
+      <p:cxnSp>
+        <p:nvCxnSpPr>
+          <p:cNvPr id="19" name="Straight Arrow Connector 18">
+            <a:extLst>
+              <a:ext uri="{FF2B5EF4-FFF2-40B4-BE49-F238E27FC236}">
+                <a16:creationId xmlns:a16="http://schemas.microsoft.com/office/drawing/2014/main" id="{B389B53C-DAFC-4A45-AC60-C48A5D20663A}"/>
+              </a:ext>
+            </a:extLst>
+          </p:cNvPr>
+          <p:cNvCxnSpPr>
+            <a:cxnSpLocks/>
+          </p:cNvCxnSpPr>
+          <p:nvPr/>
+        </p:nvCxnSpPr>
+        <p:spPr>
+          <a:xfrm flipV="1">
+            <a:off x="9940509" y="2875472"/>
+            <a:ext cx="43129" cy="50350"/>
+          </a:xfrm>
+          <a:prstGeom prst="straightConnector1">
+            <a:avLst/>
+          </a:prstGeom>
+          <a:ln>
+            <a:solidFill>
+              <a:srgbClr val="FF0000"/>
+            </a:solidFill>
+            <a:tailEnd type="triangle"/>
+          </a:ln>
+        </p:spPr>
+        <p:style>
+          <a:lnRef idx="1">
+            <a:schemeClr val="accent1"/>
+          </a:lnRef>
+          <a:fillRef idx="0">
+            <a:schemeClr val="accent1"/>
+          </a:fillRef>
+          <a:effectRef idx="0">
+            <a:schemeClr val="accent1"/>
+          </a:effectRef>
+          <a:fontRef idx="minor">
+            <a:schemeClr val="tx1"/>
+          </a:fontRef>
+        </p:style>
+      </p:cxnSp>
+      <p:cxnSp>
+        <p:nvCxnSpPr>
+          <p:cNvPr id="22" name="Straight Arrow Connector 21">
+            <a:extLst>
+              <a:ext uri="{FF2B5EF4-FFF2-40B4-BE49-F238E27FC236}">
+                <a16:creationId xmlns:a16="http://schemas.microsoft.com/office/drawing/2014/main" id="{DD7F0DF0-525A-0A45-B023-B62996FE3E72}"/>
+              </a:ext>
+            </a:extLst>
+          </p:cNvPr>
+          <p:cNvCxnSpPr>
+            <a:cxnSpLocks/>
+          </p:cNvCxnSpPr>
+          <p:nvPr/>
+        </p:nvCxnSpPr>
+        <p:spPr>
+          <a:xfrm flipH="1" flipV="1">
+            <a:off x="10423585" y="3061387"/>
+            <a:ext cx="48883" cy="67031"/>
+          </a:xfrm>
+          <a:prstGeom prst="straightConnector1">
+            <a:avLst/>
+          </a:prstGeom>
+          <a:ln>
+            <a:solidFill>
+              <a:srgbClr val="FF0000"/>
+            </a:solidFill>
+            <a:tailEnd type="triangle"/>
+          </a:ln>
+        </p:spPr>
+        <p:style>
+          <a:lnRef idx="1">
+            <a:schemeClr val="accent1"/>
+          </a:lnRef>
+          <a:fillRef idx="0">
+            <a:schemeClr val="accent1"/>
+          </a:fillRef>
+          <a:effectRef idx="0">
+            <a:schemeClr val="accent1"/>
+          </a:effectRef>
+          <a:fontRef idx="minor">
+            <a:schemeClr val="tx1"/>
+          </a:fontRef>
+        </p:style>
+      </p:cxnSp>
+      <p:cxnSp>
+        <p:nvCxnSpPr>
+          <p:cNvPr id="24" name="Straight Arrow Connector 23">
+            <a:extLst>
+              <a:ext uri="{FF2B5EF4-FFF2-40B4-BE49-F238E27FC236}">
+                <a16:creationId xmlns:a16="http://schemas.microsoft.com/office/drawing/2014/main" id="{41C69D49-3FBE-574D-9A1A-E58529570E2A}"/>
+              </a:ext>
+            </a:extLst>
+          </p:cNvPr>
+          <p:cNvCxnSpPr>
+            <a:cxnSpLocks/>
+          </p:cNvCxnSpPr>
+          <p:nvPr/>
+        </p:nvCxnSpPr>
+        <p:spPr>
+          <a:xfrm flipH="1">
+            <a:off x="7548967" y="3509108"/>
+            <a:ext cx="34065" cy="59632"/>
+          </a:xfrm>
+          <a:prstGeom prst="straightConnector1">
+            <a:avLst/>
+          </a:prstGeom>
+          <a:ln>
+            <a:solidFill>
+              <a:schemeClr val="tx1"/>
+            </a:solidFill>
+            <a:tailEnd type="triangle"/>
+          </a:ln>
+        </p:spPr>
+        <p:style>
+          <a:lnRef idx="1">
+            <a:schemeClr val="accent1"/>
+          </a:lnRef>
+          <a:fillRef idx="0">
+            <a:schemeClr val="accent1"/>
+          </a:fillRef>
+          <a:effectRef idx="0">
+            <a:schemeClr val="accent1"/>
+          </a:effectRef>
+          <a:fontRef idx="minor">
+            <a:schemeClr val="tx1"/>
+          </a:fontRef>
+        </p:style>
+      </p:cxnSp>
+      <p:cxnSp>
+        <p:nvCxnSpPr>
+          <p:cNvPr id="28" name="Straight Arrow Connector 27">
+            <a:extLst>
+              <a:ext uri="{FF2B5EF4-FFF2-40B4-BE49-F238E27FC236}">
+                <a16:creationId xmlns:a16="http://schemas.microsoft.com/office/drawing/2014/main" id="{0AB61280-A17B-514A-AB1E-D9C74EAEF7E8}"/>
+              </a:ext>
+            </a:extLst>
+          </p:cNvPr>
+          <p:cNvCxnSpPr>
+            <a:cxnSpLocks/>
+          </p:cNvCxnSpPr>
+          <p:nvPr/>
+        </p:nvCxnSpPr>
+        <p:spPr>
+          <a:xfrm>
+            <a:off x="10542954" y="2711938"/>
+            <a:ext cx="63594" cy="145135"/>
+          </a:xfrm>
+          <a:prstGeom prst="straightConnector1">
+            <a:avLst/>
+          </a:prstGeom>
+          <a:ln>
+            <a:solidFill>
+              <a:srgbClr val="FF0000"/>
+            </a:solidFill>
+            <a:tailEnd type="triangle"/>
+          </a:ln>
+        </p:spPr>
+        <p:style>
+          <a:lnRef idx="1">
+            <a:schemeClr val="accent1"/>
+          </a:lnRef>
+          <a:fillRef idx="0">
+            <a:schemeClr val="accent1"/>
+          </a:fillRef>
+          <a:effectRef idx="0">
+            <a:schemeClr val="accent1"/>
+          </a:effectRef>
+          <a:fontRef idx="minor">
+            <a:schemeClr val="tx1"/>
+          </a:fontRef>
+        </p:style>
+      </p:cxnSp>
+      <p:cxnSp>
+        <p:nvCxnSpPr>
+          <p:cNvPr id="31" name="Straight Arrow Connector 30">
+            <a:extLst>
+              <a:ext uri="{FF2B5EF4-FFF2-40B4-BE49-F238E27FC236}">
+                <a16:creationId xmlns:a16="http://schemas.microsoft.com/office/drawing/2014/main" id="{D1237332-94AE-6144-9B8D-906444DBD40F}"/>
+              </a:ext>
+            </a:extLst>
+          </p:cNvPr>
+          <p:cNvCxnSpPr>
+            <a:cxnSpLocks/>
+          </p:cNvCxnSpPr>
+          <p:nvPr/>
+        </p:nvCxnSpPr>
+        <p:spPr>
+          <a:xfrm flipH="1">
+            <a:off x="8239187" y="2368062"/>
+            <a:ext cx="92012" cy="56373"/>
+          </a:xfrm>
+          <a:prstGeom prst="straightConnector1">
+            <a:avLst/>
+          </a:prstGeom>
+          <a:ln>
+            <a:solidFill>
+              <a:srgbClr val="FF0000"/>
+            </a:solidFill>
+            <a:tailEnd type="triangle"/>
+          </a:ln>
+        </p:spPr>
+        <p:style>
+          <a:lnRef idx="1">
+            <a:schemeClr val="accent1"/>
+          </a:lnRef>
+          <a:fillRef idx="0">
+            <a:schemeClr val="accent1"/>
+          </a:fillRef>
+          <a:effectRef idx="0">
+            <a:schemeClr val="accent1"/>
+          </a:effectRef>
+          <a:fontRef idx="minor">
+            <a:schemeClr val="tx1"/>
+          </a:fontRef>
+        </p:style>
+      </p:cxnSp>
+    </p:spTree>
+    <p:extLst>
+      <p:ext uri="{BB962C8B-B14F-4D97-AF65-F5344CB8AC3E}">
+        <p14:creationId xmlns:p14="http://schemas.microsoft.com/office/powerpoint/2010/main" val="782701711"/>
+      </p:ext>
+    </p:extLst>
+  </p:cSld>
+  <p:clrMapOvr>
+    <a:masterClrMapping/>
+  </p:clrMapOvr>
+</p:sld>
+</file>
+
+<file path=ppt/slides/slide8.xml><?xml version="1.0" encoding="utf-8"?>
+<p:sld xmlns:a="http://schemas.openxmlformats.org/drawingml/2006/main" xmlns:r="http://schemas.openxmlformats.org/officeDocument/2006/relationships" xmlns:p="http://schemas.openxmlformats.org/presentationml/2006/main">
+  <p:cSld>
+    <p:spTree>
+      <p:nvGrpSpPr>
+        <p:cNvPr id="1" name=""/>
+        <p:cNvGrpSpPr/>
+        <p:nvPr/>
+      </p:nvGrpSpPr>
+      <p:grpSpPr>
+        <a:xfrm>
+          <a:off x="0" y="0"/>
+          <a:ext cx="0" cy="0"/>
+          <a:chOff x="0" y="0"/>
+          <a:chExt cx="0" cy="0"/>
+        </a:xfrm>
+      </p:grpSpPr>
+      <p:pic>
+        <p:nvPicPr>
+          <p:cNvPr id="5" name="Picture 4">
+            <a:extLst>
+              <a:ext uri="{FF2B5EF4-FFF2-40B4-BE49-F238E27FC236}">
                 <a16:creationId xmlns:a16="http://schemas.microsoft.com/office/drawing/2014/main" id="{0C14734D-6726-1841-9805-A6EEDDEFA71C}"/>
               </a:ext>
             </a:extLst>
@@ -12539,7 +13243,7 @@
 </p:sld>
 </file>
 
-<file path=ppt/slides/slide8.xml><?xml version="1.0" encoding="utf-8"?>
+<file path=ppt/slides/slide9.xml><?xml version="1.0" encoding="utf-8"?>
 <p:sld xmlns:a="http://schemas.openxmlformats.org/drawingml/2006/main" xmlns:r="http://schemas.openxmlformats.org/officeDocument/2006/relationships" xmlns:p="http://schemas.openxmlformats.org/presentationml/2006/main">
   <p:cSld>
     <p:spTree>

--- a/EnergyFile.pptx
+++ b/EnergyFile.pptx
@@ -5,7 +5,7 @@
     <p:sldMasterId id="2147483648" r:id="rId1"/>
   </p:sldMasterIdLst>
   <p:notesMasterIdLst>
-    <p:notesMasterId r:id="rId11"/>
+    <p:notesMasterId r:id="rId12"/>
   </p:notesMasterIdLst>
   <p:sldIdLst>
     <p:sldId id="281" r:id="rId2"/>
@@ -15,8 +15,9 @@
     <p:sldId id="292" r:id="rId6"/>
     <p:sldId id="305" r:id="rId7"/>
     <p:sldId id="306" r:id="rId8"/>
-    <p:sldId id="303" r:id="rId9"/>
-    <p:sldId id="304" r:id="rId10"/>
+    <p:sldId id="307" r:id="rId9"/>
+    <p:sldId id="303" r:id="rId10"/>
+    <p:sldId id="304" r:id="rId11"/>
   </p:sldIdLst>
   <p:sldSz cx="12192000" cy="6858000"/>
   <p:notesSz cx="6858000" cy="9144000"/>
@@ -3758,18 +3759,6 @@
           <a:bodyPr/>
           <a:lstStyle/>
           <a:p>
-            <a:r>
-              <a:rPr lang="en-US" dirty="0"/>
-              <a:t>The last state now is the pure surface + dimer in gas + two bromine atom in gas (0.07eV, not 0.00 eV anu more)</a:t>
-            </a:r>
-          </a:p>
-          <a:p>
-            <a:r>
-              <a:rPr lang="en-US" dirty="0"/>
-              <a:t>This figure only counts translational partition in free energy calculation.</a:t>
-            </a:r>
-          </a:p>
-          <a:p>
             <a:endParaRPr lang="en-US" dirty="0"/>
           </a:p>
         </p:txBody>
@@ -3789,7 +3778,7 @@
           <a:bodyPr/>
           <a:lstStyle/>
           <a:p>
-            <a:fld id="{25211B34-18CC-D744-9E8C-A2A3BCB534CD}" type="slidenum">
+            <a:fld id="{4E02406E-51B6-6C4F-B6FA-25E5FA24AA93}" type="slidenum">
               <a:rPr lang="en-US" smtClean="0"/>
               <a:t>8</a:t>
             </a:fld>
@@ -3800,7 +3789,7 @@
     </p:spTree>
     <p:extLst>
       <p:ext uri="{BB962C8B-B14F-4D97-AF65-F5344CB8AC3E}">
-        <p14:creationId xmlns:p14="http://schemas.microsoft.com/office/powerpoint/2010/main" val="894503501"/>
+        <p14:creationId xmlns:p14="http://schemas.microsoft.com/office/powerpoint/2010/main" val="2661385490"/>
       </p:ext>
     </p:extLst>
   </p:cSld>
@@ -3856,8 +3845,17 @@
           <a:p>
             <a:r>
               <a:rPr lang="en-US" dirty="0"/>
-              <a:t>This figure only counts both translational and rotational partition in free energy calculation</a:t>
+              <a:t>The last state now is the pure surface + dimer in gas + two bromine atom in gas (0.07eV, not 0.00 eV anu more)</a:t>
             </a:r>
+          </a:p>
+          <a:p>
+            <a:r>
+              <a:rPr lang="en-US" dirty="0"/>
+              <a:t>This figure only counts translational partition in free energy calculation.</a:t>
+            </a:r>
+          </a:p>
+          <a:p>
+            <a:endParaRPr lang="en-US" dirty="0"/>
           </a:p>
         </p:txBody>
       </p:sp>
@@ -3879,6 +3877,93 @@
             <a:fld id="{25211B34-18CC-D744-9E8C-A2A3BCB534CD}" type="slidenum">
               <a:rPr lang="en-US" smtClean="0"/>
               <a:t>9</a:t>
+            </a:fld>
+            <a:endParaRPr lang="en-US"/>
+          </a:p>
+        </p:txBody>
+      </p:sp>
+    </p:spTree>
+    <p:extLst>
+      <p:ext uri="{BB962C8B-B14F-4D97-AF65-F5344CB8AC3E}">
+        <p14:creationId xmlns:p14="http://schemas.microsoft.com/office/powerpoint/2010/main" val="894503501"/>
+      </p:ext>
+    </p:extLst>
+  </p:cSld>
+  <p:clrMapOvr>
+    <a:masterClrMapping/>
+  </p:clrMapOvr>
+</p:notes>
+</file>
+
+<file path=ppt/notesSlides/notesSlide8.xml><?xml version="1.0" encoding="utf-8"?>
+<p:notes xmlns:a="http://schemas.openxmlformats.org/drawingml/2006/main" xmlns:r="http://schemas.openxmlformats.org/officeDocument/2006/relationships" xmlns:p="http://schemas.openxmlformats.org/presentationml/2006/main">
+  <p:cSld>
+    <p:spTree>
+      <p:nvGrpSpPr>
+        <p:cNvPr id="1" name=""/>
+        <p:cNvGrpSpPr/>
+        <p:nvPr/>
+      </p:nvGrpSpPr>
+      <p:grpSpPr>
+        <a:xfrm>
+          <a:off x="0" y="0"/>
+          <a:ext cx="0" cy="0"/>
+          <a:chOff x="0" y="0"/>
+          <a:chExt cx="0" cy="0"/>
+        </a:xfrm>
+      </p:grpSpPr>
+      <p:sp>
+        <p:nvSpPr>
+          <p:cNvPr id="2" name="Slide Image Placeholder 1"/>
+          <p:cNvSpPr>
+            <a:spLocks noGrp="1" noRot="1" noChangeAspect="1"/>
+          </p:cNvSpPr>
+          <p:nvPr>
+            <p:ph type="sldImg"/>
+          </p:nvPr>
+        </p:nvSpPr>
+        <p:spPr/>
+      </p:sp>
+      <p:sp>
+        <p:nvSpPr>
+          <p:cNvPr id="3" name="Notes Placeholder 2"/>
+          <p:cNvSpPr>
+            <a:spLocks noGrp="1"/>
+          </p:cNvSpPr>
+          <p:nvPr>
+            <p:ph type="body" idx="1"/>
+          </p:nvPr>
+        </p:nvSpPr>
+        <p:spPr/>
+        <p:txBody>
+          <a:bodyPr/>
+          <a:lstStyle/>
+          <a:p>
+            <a:r>
+              <a:rPr lang="en-US" dirty="0"/>
+              <a:t>This figure only counts both translational and rotational partition in free energy calculation</a:t>
+            </a:r>
+          </a:p>
+        </p:txBody>
+      </p:sp>
+      <p:sp>
+        <p:nvSpPr>
+          <p:cNvPr id="4" name="Slide Number Placeholder 3"/>
+          <p:cNvSpPr>
+            <a:spLocks noGrp="1"/>
+          </p:cNvSpPr>
+          <p:nvPr>
+            <p:ph type="sldNum" sz="quarter" idx="5"/>
+          </p:nvPr>
+        </p:nvSpPr>
+        <p:spPr/>
+        <p:txBody>
+          <a:bodyPr/>
+          <a:lstStyle/>
+          <a:p>
+            <a:fld id="{25211B34-18CC-D744-9E8C-A2A3BCB534CD}" type="slidenum">
+              <a:rPr lang="en-US" smtClean="0"/>
+              <a:t>10</a:t>
             </a:fld>
             <a:endParaRPr lang="en-US"/>
           </a:p>
@@ -7749,6 +7834,380 @@
 </p:sld>
 </file>
 
+<file path=ppt/slides/slide10.xml><?xml version="1.0" encoding="utf-8"?>
+<p:sld xmlns:a="http://schemas.openxmlformats.org/drawingml/2006/main" xmlns:r="http://schemas.openxmlformats.org/officeDocument/2006/relationships" xmlns:p="http://schemas.openxmlformats.org/presentationml/2006/main">
+  <p:cSld>
+    <p:spTree>
+      <p:nvGrpSpPr>
+        <p:cNvPr id="1" name=""/>
+        <p:cNvGrpSpPr/>
+        <p:nvPr/>
+      </p:nvGrpSpPr>
+      <p:grpSpPr>
+        <a:xfrm>
+          <a:off x="0" y="0"/>
+          <a:ext cx="0" cy="0"/>
+          <a:chOff x="0" y="0"/>
+          <a:chExt cx="0" cy="0"/>
+        </a:xfrm>
+      </p:grpSpPr>
+      <p:pic>
+        <p:nvPicPr>
+          <p:cNvPr id="3" name="Picture 2">
+            <a:extLst>
+              <a:ext uri="{FF2B5EF4-FFF2-40B4-BE49-F238E27FC236}">
+                <a16:creationId xmlns:a16="http://schemas.microsoft.com/office/drawing/2014/main" id="{FEDC3348-1377-664A-BC23-0F99FF174743}"/>
+              </a:ext>
+            </a:extLst>
+          </p:cNvPr>
+          <p:cNvPicPr>
+            <a:picLocks noChangeAspect="1"/>
+          </p:cNvPicPr>
+          <p:nvPr/>
+        </p:nvPicPr>
+        <p:blipFill rotWithShape="1">
+          <a:blip r:embed="rId3"/>
+          <a:srcRect t="16175" b="16284"/>
+          <a:stretch/>
+        </p:blipFill>
+        <p:spPr>
+          <a:xfrm>
+            <a:off x="954150" y="104273"/>
+            <a:ext cx="9845063" cy="6649453"/>
+          </a:xfrm>
+          <a:prstGeom prst="rect">
+            <a:avLst/>
+          </a:prstGeom>
+        </p:spPr>
+      </p:pic>
+      <p:pic>
+        <p:nvPicPr>
+          <p:cNvPr id="10" name="Picture 9">
+            <a:extLst>
+              <a:ext uri="{FF2B5EF4-FFF2-40B4-BE49-F238E27FC236}">
+                <a16:creationId xmlns:a16="http://schemas.microsoft.com/office/drawing/2014/main" id="{677A9F60-0653-9845-9F23-87B49AE9D3EB}"/>
+              </a:ext>
+            </a:extLst>
+          </p:cNvPr>
+          <p:cNvPicPr>
+            <a:picLocks noChangeAspect="1"/>
+          </p:cNvPicPr>
+          <p:nvPr/>
+        </p:nvPicPr>
+        <p:blipFill>
+          <a:blip r:embed="rId4"/>
+          <a:stretch>
+            <a:fillRect/>
+          </a:stretch>
+        </p:blipFill>
+        <p:spPr>
+          <a:xfrm>
+            <a:off x="1729028" y="1465249"/>
+            <a:ext cx="721360" cy="450088"/>
+          </a:xfrm>
+          <a:prstGeom prst="rect">
+            <a:avLst/>
+          </a:prstGeom>
+          <a:ln w="19050">
+            <a:solidFill>
+              <a:schemeClr val="tx1"/>
+            </a:solidFill>
+          </a:ln>
+        </p:spPr>
+      </p:pic>
+      <p:pic>
+        <p:nvPicPr>
+          <p:cNvPr id="11" name="Picture 10">
+            <a:extLst>
+              <a:ext uri="{FF2B5EF4-FFF2-40B4-BE49-F238E27FC236}">
+                <a16:creationId xmlns:a16="http://schemas.microsoft.com/office/drawing/2014/main" id="{26766337-E90D-904E-8B35-1F7C36E71B3D}"/>
+              </a:ext>
+            </a:extLst>
+          </p:cNvPr>
+          <p:cNvPicPr>
+            <a:picLocks noChangeAspect="1"/>
+          </p:cNvPicPr>
+          <p:nvPr/>
+        </p:nvPicPr>
+        <p:blipFill>
+          <a:blip r:embed="rId5"/>
+          <a:stretch>
+            <a:fillRect/>
+          </a:stretch>
+        </p:blipFill>
+        <p:spPr>
+          <a:xfrm>
+            <a:off x="2410863" y="3051269"/>
+            <a:ext cx="721360" cy="450088"/>
+          </a:xfrm>
+          <a:prstGeom prst="rect">
+            <a:avLst/>
+          </a:prstGeom>
+          <a:ln w="19050">
+            <a:solidFill>
+              <a:schemeClr val="tx1"/>
+            </a:solidFill>
+          </a:ln>
+        </p:spPr>
+      </p:pic>
+      <p:pic>
+        <p:nvPicPr>
+          <p:cNvPr id="12" name="Picture 11">
+            <a:extLst>
+              <a:ext uri="{FF2B5EF4-FFF2-40B4-BE49-F238E27FC236}">
+                <a16:creationId xmlns:a16="http://schemas.microsoft.com/office/drawing/2014/main" id="{ACD4BBF8-A568-4144-858F-303E650CB7DC}"/>
+              </a:ext>
+            </a:extLst>
+          </p:cNvPr>
+          <p:cNvPicPr>
+            <a:picLocks noChangeAspect="1"/>
+          </p:cNvPicPr>
+          <p:nvPr/>
+        </p:nvPicPr>
+        <p:blipFill>
+          <a:blip r:embed="rId6"/>
+          <a:stretch>
+            <a:fillRect/>
+          </a:stretch>
+        </p:blipFill>
+        <p:spPr>
+          <a:xfrm>
+            <a:off x="3132223" y="1492856"/>
+            <a:ext cx="721360" cy="450088"/>
+          </a:xfrm>
+          <a:prstGeom prst="rect">
+            <a:avLst/>
+          </a:prstGeom>
+          <a:ln w="19050">
+            <a:solidFill>
+              <a:schemeClr val="tx1"/>
+            </a:solidFill>
+          </a:ln>
+        </p:spPr>
+      </p:pic>
+      <p:pic>
+        <p:nvPicPr>
+          <p:cNvPr id="13" name="Picture 12">
+            <a:extLst>
+              <a:ext uri="{FF2B5EF4-FFF2-40B4-BE49-F238E27FC236}">
+                <a16:creationId xmlns:a16="http://schemas.microsoft.com/office/drawing/2014/main" id="{A3439BE0-FA88-574B-BD02-A735CFBD4CA6}"/>
+              </a:ext>
+            </a:extLst>
+          </p:cNvPr>
+          <p:cNvPicPr>
+            <a:picLocks noChangeAspect="1"/>
+          </p:cNvPicPr>
+          <p:nvPr/>
+        </p:nvPicPr>
+        <p:blipFill>
+          <a:blip r:embed="rId7"/>
+          <a:stretch>
+            <a:fillRect/>
+          </a:stretch>
+        </p:blipFill>
+        <p:spPr>
+          <a:xfrm>
+            <a:off x="3795359" y="2528823"/>
+            <a:ext cx="721360" cy="450088"/>
+          </a:xfrm>
+          <a:prstGeom prst="rect">
+            <a:avLst/>
+          </a:prstGeom>
+          <a:ln w="19050">
+            <a:solidFill>
+              <a:schemeClr val="tx1"/>
+            </a:solidFill>
+          </a:ln>
+        </p:spPr>
+      </p:pic>
+      <p:pic>
+        <p:nvPicPr>
+          <p:cNvPr id="14" name="Picture 13">
+            <a:extLst>
+              <a:ext uri="{FF2B5EF4-FFF2-40B4-BE49-F238E27FC236}">
+                <a16:creationId xmlns:a16="http://schemas.microsoft.com/office/drawing/2014/main" id="{52C07C9E-CF9F-EE46-BF30-32992CC8228F}"/>
+              </a:ext>
+            </a:extLst>
+          </p:cNvPr>
+          <p:cNvPicPr>
+            <a:picLocks noChangeAspect="1"/>
+          </p:cNvPicPr>
+          <p:nvPr/>
+        </p:nvPicPr>
+        <p:blipFill>
+          <a:blip r:embed="rId8"/>
+          <a:stretch>
+            <a:fillRect/>
+          </a:stretch>
+        </p:blipFill>
+        <p:spPr>
+          <a:xfrm>
+            <a:off x="3582554" y="4231703"/>
+            <a:ext cx="721360" cy="450088"/>
+          </a:xfrm>
+          <a:prstGeom prst="rect">
+            <a:avLst/>
+          </a:prstGeom>
+          <a:ln w="19050">
+            <a:solidFill>
+              <a:schemeClr val="tx1"/>
+            </a:solidFill>
+          </a:ln>
+        </p:spPr>
+      </p:pic>
+      <p:pic>
+        <p:nvPicPr>
+          <p:cNvPr id="15" name="Picture 14">
+            <a:extLst>
+              <a:ext uri="{FF2B5EF4-FFF2-40B4-BE49-F238E27FC236}">
+                <a16:creationId xmlns:a16="http://schemas.microsoft.com/office/drawing/2014/main" id="{661828DF-FE56-8F4B-A927-51B4412CCAF0}"/>
+              </a:ext>
+            </a:extLst>
+          </p:cNvPr>
+          <p:cNvPicPr>
+            <a:picLocks noChangeAspect="1"/>
+          </p:cNvPicPr>
+          <p:nvPr/>
+        </p:nvPicPr>
+        <p:blipFill>
+          <a:blip r:embed="rId9"/>
+          <a:stretch>
+            <a:fillRect/>
+          </a:stretch>
+        </p:blipFill>
+        <p:spPr>
+          <a:xfrm>
+            <a:off x="5058755" y="3602271"/>
+            <a:ext cx="721360" cy="450088"/>
+          </a:xfrm>
+          <a:prstGeom prst="rect">
+            <a:avLst/>
+          </a:prstGeom>
+          <a:ln w="19050">
+            <a:solidFill>
+              <a:schemeClr val="tx1"/>
+            </a:solidFill>
+          </a:ln>
+        </p:spPr>
+      </p:pic>
+      <p:pic>
+        <p:nvPicPr>
+          <p:cNvPr id="16" name="Picture 15">
+            <a:extLst>
+              <a:ext uri="{FF2B5EF4-FFF2-40B4-BE49-F238E27FC236}">
+                <a16:creationId xmlns:a16="http://schemas.microsoft.com/office/drawing/2014/main" id="{26872B7A-8F9C-5B4E-BA7E-B55077F18128}"/>
+              </a:ext>
+            </a:extLst>
+          </p:cNvPr>
+          <p:cNvPicPr>
+            <a:picLocks noChangeAspect="1"/>
+          </p:cNvPicPr>
+          <p:nvPr/>
+        </p:nvPicPr>
+        <p:blipFill>
+          <a:blip r:embed="rId10"/>
+          <a:stretch>
+            <a:fillRect/>
+          </a:stretch>
+        </p:blipFill>
+        <p:spPr>
+          <a:xfrm>
+            <a:off x="6965921" y="3321823"/>
+            <a:ext cx="721360" cy="450088"/>
+          </a:xfrm>
+          <a:prstGeom prst="rect">
+            <a:avLst/>
+          </a:prstGeom>
+          <a:ln w="19050">
+            <a:solidFill>
+              <a:schemeClr val="tx1"/>
+            </a:solidFill>
+          </a:ln>
+        </p:spPr>
+      </p:pic>
+      <p:pic>
+        <p:nvPicPr>
+          <p:cNvPr id="17" name="Picture 16">
+            <a:extLst>
+              <a:ext uri="{FF2B5EF4-FFF2-40B4-BE49-F238E27FC236}">
+                <a16:creationId xmlns:a16="http://schemas.microsoft.com/office/drawing/2014/main" id="{17151278-E4BF-5146-BEB8-26A4D9508A4A}"/>
+              </a:ext>
+            </a:extLst>
+          </p:cNvPr>
+          <p:cNvPicPr>
+            <a:picLocks noChangeAspect="1"/>
+          </p:cNvPicPr>
+          <p:nvPr/>
+        </p:nvPicPr>
+        <p:blipFill>
+          <a:blip r:embed="rId11"/>
+          <a:stretch>
+            <a:fillRect/>
+          </a:stretch>
+        </p:blipFill>
+        <p:spPr>
+          <a:xfrm>
+            <a:off x="8258622" y="4750992"/>
+            <a:ext cx="721360" cy="450088"/>
+          </a:xfrm>
+          <a:prstGeom prst="rect">
+            <a:avLst/>
+          </a:prstGeom>
+          <a:ln w="19050">
+            <a:solidFill>
+              <a:schemeClr val="tx1"/>
+            </a:solidFill>
+          </a:ln>
+        </p:spPr>
+      </p:pic>
+      <p:pic>
+        <p:nvPicPr>
+          <p:cNvPr id="19" name="Picture 18">
+            <a:extLst>
+              <a:ext uri="{FF2B5EF4-FFF2-40B4-BE49-F238E27FC236}">
+                <a16:creationId xmlns:a16="http://schemas.microsoft.com/office/drawing/2014/main" id="{ADBCC567-2ABA-C84C-9CCA-B96E55CBB447}"/>
+              </a:ext>
+            </a:extLst>
+          </p:cNvPr>
+          <p:cNvPicPr>
+            <a:picLocks noChangeAspect="1"/>
+          </p:cNvPicPr>
+          <p:nvPr/>
+        </p:nvPicPr>
+        <p:blipFill>
+          <a:blip r:embed="rId12"/>
+          <a:stretch>
+            <a:fillRect/>
+          </a:stretch>
+        </p:blipFill>
+        <p:spPr>
+          <a:xfrm>
+            <a:off x="8882567" y="3733935"/>
+            <a:ext cx="721360" cy="450088"/>
+          </a:xfrm>
+          <a:prstGeom prst="rect">
+            <a:avLst/>
+          </a:prstGeom>
+          <a:ln w="19050">
+            <a:solidFill>
+              <a:schemeClr val="tx1"/>
+            </a:solidFill>
+          </a:ln>
+        </p:spPr>
+      </p:pic>
+    </p:spTree>
+    <p:extLst>
+      <p:ext uri="{BB962C8B-B14F-4D97-AF65-F5344CB8AC3E}">
+        <p14:creationId xmlns:p14="http://schemas.microsoft.com/office/powerpoint/2010/main" val="1610338671"/>
+      </p:ext>
+    </p:extLst>
+  </p:cSld>
+  <p:clrMapOvr>
+    <a:masterClrMapping/>
+  </p:clrMapOvr>
+</p:sld>
+</file>
+
 <file path=ppt/slides/slide2.xml><?xml version="1.0" encoding="utf-8"?>
 <p:sld xmlns:a="http://schemas.openxmlformats.org/drawingml/2006/main" xmlns:r="http://schemas.openxmlformats.org/officeDocument/2006/relationships" xmlns:p="http://schemas.openxmlformats.org/presentationml/2006/main">
   <p:cSld>
@@ -12351,10 +12810,10 @@
       </p:grpSpPr>
       <p:pic>
         <p:nvPicPr>
-          <p:cNvPr id="5" name="Picture 4">
-            <a:extLst>
-              <a:ext uri="{FF2B5EF4-FFF2-40B4-BE49-F238E27FC236}">
-                <a16:creationId xmlns:a16="http://schemas.microsoft.com/office/drawing/2014/main" id="{AAD6DBE8-85D3-404B-B6B0-EE30661F9DF4}"/>
+          <p:cNvPr id="3" name="Picture 2">
+            <a:extLst>
+              <a:ext uri="{FF2B5EF4-FFF2-40B4-BE49-F238E27FC236}">
+                <a16:creationId xmlns:a16="http://schemas.microsoft.com/office/drawing/2014/main" id="{5FA73F9C-79A1-B64C-9E22-7A5D3640150F}"/>
               </a:ext>
             </a:extLst>
           </p:cNvPr>
@@ -12363,262 +12822,48 @@
           </p:cNvPicPr>
           <p:nvPr/>
         </p:nvPicPr>
-        <p:blipFill>
+        <p:blipFill rotWithShape="1">
           <a:blip r:embed="rId3"/>
-          <a:stretch>
-            <a:fillRect/>
-          </a:stretch>
+          <a:srcRect t="5990" r="5690"/>
+          <a:stretch/>
         </p:blipFill>
         <p:spPr>
           <a:xfrm>
-            <a:off x="5956300" y="1558143"/>
-            <a:ext cx="5598764" cy="3770288"/>
+            <a:off x="1238251" y="398604"/>
+            <a:ext cx="9120188" cy="6060791"/>
           </a:xfrm>
           <a:prstGeom prst="rect">
             <a:avLst/>
           </a:prstGeom>
         </p:spPr>
       </p:pic>
-      <p:pic>
-        <p:nvPicPr>
-          <p:cNvPr id="7" name="Picture 6">
-            <a:extLst>
-              <a:ext uri="{FF2B5EF4-FFF2-40B4-BE49-F238E27FC236}">
-                <a16:creationId xmlns:a16="http://schemas.microsoft.com/office/drawing/2014/main" id="{963BE899-7BE6-4746-B5D4-56543E922819}"/>
-              </a:ext>
-            </a:extLst>
-          </p:cNvPr>
-          <p:cNvPicPr>
-            <a:picLocks noChangeAspect="1"/>
-          </p:cNvPicPr>
-          <p:nvPr/>
-        </p:nvPicPr>
-        <p:blipFill>
-          <a:blip r:embed="rId4"/>
-          <a:stretch>
-            <a:fillRect/>
-          </a:stretch>
-        </p:blipFill>
-        <p:spPr>
-          <a:xfrm>
-            <a:off x="371475" y="1558143"/>
-            <a:ext cx="5584825" cy="3770287"/>
-          </a:xfrm>
-          <a:prstGeom prst="rect">
-            <a:avLst/>
-          </a:prstGeom>
-        </p:spPr>
-      </p:pic>
-      <p:sp>
-        <p:nvSpPr>
-          <p:cNvPr id="9" name="Right Arrow 8">
-            <a:extLst>
-              <a:ext uri="{FF2B5EF4-FFF2-40B4-BE49-F238E27FC236}">
-                <a16:creationId xmlns:a16="http://schemas.microsoft.com/office/drawing/2014/main" id="{D117F59A-E404-3A47-A5AD-B293B7181CE7}"/>
-              </a:ext>
-            </a:extLst>
-          </p:cNvPr>
-          <p:cNvSpPr/>
-          <p:nvPr/>
-        </p:nvSpPr>
-        <p:spPr>
-          <a:xfrm rot="18143651">
-            <a:off x="4211518" y="3207397"/>
-            <a:ext cx="291739" cy="45992"/>
-          </a:xfrm>
-          <a:prstGeom prst="rightArrow">
-            <a:avLst/>
-          </a:prstGeom>
-          <a:solidFill>
-            <a:srgbClr val="FF0000"/>
-          </a:solidFill>
-          <a:ln>
-            <a:solidFill>
-              <a:srgbClr val="FF0000"/>
-            </a:solidFill>
-          </a:ln>
-        </p:spPr>
-        <p:style>
-          <a:lnRef idx="2">
-            <a:schemeClr val="accent1">
-              <a:shade val="50000"/>
-            </a:schemeClr>
-          </a:lnRef>
-          <a:fillRef idx="1">
-            <a:schemeClr val="accent1"/>
-          </a:fillRef>
-          <a:effectRef idx="0">
-            <a:schemeClr val="accent1"/>
-          </a:effectRef>
-          <a:fontRef idx="minor">
-            <a:schemeClr val="lt1"/>
-          </a:fontRef>
-        </p:style>
-        <p:txBody>
-          <a:bodyPr rtlCol="0" anchor="ctr"/>
-          <a:lstStyle/>
-          <a:p>
-            <a:pPr algn="ctr"/>
-            <a:endParaRPr lang="en-US" dirty="0">
-              <a:solidFill>
-                <a:schemeClr val="tx1"/>
-              </a:solidFill>
-              <a:highlight>
-                <a:srgbClr val="000000"/>
-              </a:highlight>
-            </a:endParaRPr>
-          </a:p>
-        </p:txBody>
-      </p:sp>
-      <p:sp>
-        <p:nvSpPr>
-          <p:cNvPr id="10" name="Right Arrow 9">
-            <a:extLst>
-              <a:ext uri="{FF2B5EF4-FFF2-40B4-BE49-F238E27FC236}">
-                <a16:creationId xmlns:a16="http://schemas.microsoft.com/office/drawing/2014/main" id="{249BF08A-EBCE-8949-8A3B-6BF4B2600309}"/>
-              </a:ext>
-            </a:extLst>
-          </p:cNvPr>
-          <p:cNvSpPr/>
-          <p:nvPr/>
-        </p:nvSpPr>
-        <p:spPr>
-          <a:xfrm rot="11780658">
-            <a:off x="3578010" y="3357174"/>
-            <a:ext cx="291739" cy="45992"/>
-          </a:xfrm>
-          <a:prstGeom prst="rightArrow">
-            <a:avLst/>
-          </a:prstGeom>
-          <a:solidFill>
-            <a:schemeClr val="tx1"/>
-          </a:solidFill>
-          <a:ln>
+      <p:cxnSp>
+        <p:nvCxnSpPr>
+          <p:cNvPr id="21" name="Straight Arrow Connector 20">
+            <a:extLst>
+              <a:ext uri="{FF2B5EF4-FFF2-40B4-BE49-F238E27FC236}">
+                <a16:creationId xmlns:a16="http://schemas.microsoft.com/office/drawing/2014/main" id="{4A36E01D-2CAF-454C-8716-D0FB009848BB}"/>
+              </a:ext>
+            </a:extLst>
+          </p:cNvPr>
+          <p:cNvCxnSpPr>
+            <a:cxnSpLocks/>
+          </p:cNvCxnSpPr>
+          <p:nvPr/>
+        </p:nvCxnSpPr>
+        <p:spPr>
+          <a:xfrm flipH="1" flipV="1">
+            <a:off x="5600700" y="3428999"/>
+            <a:ext cx="778667" cy="4478"/>
+          </a:xfrm>
+          <a:prstGeom prst="straightConnector1">
+            <a:avLst/>
+          </a:prstGeom>
+          <a:ln w="25400">
             <a:solidFill>
               <a:schemeClr val="tx1"/>
             </a:solidFill>
-          </a:ln>
-        </p:spPr>
-        <p:style>
-          <a:lnRef idx="2">
-            <a:schemeClr val="accent1">
-              <a:shade val="50000"/>
-            </a:schemeClr>
-          </a:lnRef>
-          <a:fillRef idx="1">
-            <a:schemeClr val="accent1"/>
-          </a:fillRef>
-          <a:effectRef idx="0">
-            <a:schemeClr val="accent1"/>
-          </a:effectRef>
-          <a:fontRef idx="minor">
-            <a:schemeClr val="lt1"/>
-          </a:fontRef>
-        </p:style>
-        <p:txBody>
-          <a:bodyPr rtlCol="0" anchor="ctr"/>
-          <a:lstStyle/>
-          <a:p>
-            <a:pPr algn="ctr"/>
-            <a:endParaRPr lang="en-US" dirty="0">
-              <a:solidFill>
-                <a:schemeClr val="tx1"/>
-              </a:solidFill>
-              <a:highlight>
-                <a:srgbClr val="000000"/>
-              </a:highlight>
-            </a:endParaRPr>
-          </a:p>
-        </p:txBody>
-      </p:sp>
-      <p:sp>
-        <p:nvSpPr>
-          <p:cNvPr id="11" name="Right Arrow 10">
-            <a:extLst>
-              <a:ext uri="{FF2B5EF4-FFF2-40B4-BE49-F238E27FC236}">
-                <a16:creationId xmlns:a16="http://schemas.microsoft.com/office/drawing/2014/main" id="{2E565419-5AD1-1648-B078-EA24E054B1C8}"/>
-              </a:ext>
-            </a:extLst>
-          </p:cNvPr>
-          <p:cNvSpPr/>
-          <p:nvPr/>
-        </p:nvSpPr>
-        <p:spPr>
-          <a:xfrm rot="15141041">
-            <a:off x="4981069" y="2760069"/>
-            <a:ext cx="291739" cy="45992"/>
-          </a:xfrm>
-          <a:prstGeom prst="rightArrow">
-            <a:avLst/>
-          </a:prstGeom>
-          <a:solidFill>
-            <a:srgbClr val="FF0000"/>
-          </a:solidFill>
-          <a:ln>
-            <a:solidFill>
-              <a:srgbClr val="FF0000"/>
-            </a:solidFill>
-          </a:ln>
-        </p:spPr>
-        <p:style>
-          <a:lnRef idx="2">
-            <a:schemeClr val="accent1">
-              <a:shade val="50000"/>
-            </a:schemeClr>
-          </a:lnRef>
-          <a:fillRef idx="1">
-            <a:schemeClr val="accent1"/>
-          </a:fillRef>
-          <a:effectRef idx="0">
-            <a:schemeClr val="accent1"/>
-          </a:effectRef>
-          <a:fontRef idx="minor">
-            <a:schemeClr val="lt1"/>
-          </a:fontRef>
-        </p:style>
-        <p:txBody>
-          <a:bodyPr rtlCol="0" anchor="ctr"/>
-          <a:lstStyle/>
-          <a:p>
-            <a:pPr algn="ctr"/>
-            <a:endParaRPr lang="en-US" dirty="0">
-              <a:solidFill>
-                <a:schemeClr val="tx1"/>
-              </a:solidFill>
-              <a:highlight>
-                <a:srgbClr val="000000"/>
-              </a:highlight>
-            </a:endParaRPr>
-          </a:p>
-        </p:txBody>
-      </p:sp>
-      <p:cxnSp>
-        <p:nvCxnSpPr>
-          <p:cNvPr id="13" name="Straight Arrow Connector 12">
-            <a:extLst>
-              <a:ext uri="{FF2B5EF4-FFF2-40B4-BE49-F238E27FC236}">
-                <a16:creationId xmlns:a16="http://schemas.microsoft.com/office/drawing/2014/main" id="{C8871476-41F3-4A4C-99B5-125BCEED0F11}"/>
-              </a:ext>
-            </a:extLst>
-          </p:cNvPr>
-          <p:cNvCxnSpPr>
-            <a:cxnSpLocks/>
-          </p:cNvCxnSpPr>
-          <p:nvPr/>
-        </p:nvCxnSpPr>
-        <p:spPr>
-          <a:xfrm flipH="1" flipV="1">
-            <a:off x="9247517" y="3213140"/>
-            <a:ext cx="92018" cy="18546"/>
-          </a:xfrm>
-          <a:prstGeom prst="straightConnector1">
-            <a:avLst/>
-          </a:prstGeom>
-          <a:ln>
-            <a:solidFill>
-              <a:schemeClr val="tx1"/>
-            </a:solidFill>
-            <a:tailEnd type="triangle"/>
+            <a:tailEnd type="triangle" w="lg" len="lg"/>
           </a:ln>
         </p:spPr>
         <p:style>
@@ -12638,10 +12883,10 @@
       </p:cxnSp>
       <p:cxnSp>
         <p:nvCxnSpPr>
-          <p:cNvPr id="19" name="Straight Arrow Connector 18">
-            <a:extLst>
-              <a:ext uri="{FF2B5EF4-FFF2-40B4-BE49-F238E27FC236}">
-                <a16:creationId xmlns:a16="http://schemas.microsoft.com/office/drawing/2014/main" id="{B389B53C-DAFC-4A45-AC60-C48A5D20663A}"/>
+          <p:cNvPr id="23" name="Straight Arrow Connector 22">
+            <a:extLst>
+              <a:ext uri="{FF2B5EF4-FFF2-40B4-BE49-F238E27FC236}">
+                <a16:creationId xmlns:a16="http://schemas.microsoft.com/office/drawing/2014/main" id="{4C15A82F-B81E-954C-BC92-2971B36F6D84}"/>
               </a:ext>
             </a:extLst>
           </p:cNvPr>
@@ -12652,17 +12897,18 @@
         </p:nvCxnSpPr>
         <p:spPr>
           <a:xfrm flipV="1">
-            <a:off x="9940509" y="2875472"/>
-            <a:ext cx="43129" cy="50350"/>
+            <a:off x="7816455" y="3043238"/>
+            <a:ext cx="509584" cy="281386"/>
           </a:xfrm>
           <a:prstGeom prst="straightConnector1">
             <a:avLst/>
           </a:prstGeom>
-          <a:ln>
+          <a:ln w="25400">
             <a:solidFill>
-              <a:srgbClr val="FF0000"/>
+              <a:srgbClr val="DBA520"/>
             </a:solidFill>
-            <a:tailEnd type="triangle"/>
+            <a:headEnd w="lg" len="lg"/>
+            <a:tailEnd type="triangle" w="lg" len="lg"/>
           </a:ln>
         </p:spPr>
         <p:style>
@@ -12682,10 +12928,10 @@
       </p:cxnSp>
       <p:cxnSp>
         <p:nvCxnSpPr>
-          <p:cNvPr id="22" name="Straight Arrow Connector 21">
-            <a:extLst>
-              <a:ext uri="{FF2B5EF4-FFF2-40B4-BE49-F238E27FC236}">
-                <a16:creationId xmlns:a16="http://schemas.microsoft.com/office/drawing/2014/main" id="{DD7F0DF0-525A-0A45-B023-B62996FE3E72}"/>
+          <p:cNvPr id="25" name="Straight Arrow Connector 24">
+            <a:extLst>
+              <a:ext uri="{FF2B5EF4-FFF2-40B4-BE49-F238E27FC236}">
+                <a16:creationId xmlns:a16="http://schemas.microsoft.com/office/drawing/2014/main" id="{8A0AB724-1141-8A49-BAAD-736EF06375D5}"/>
               </a:ext>
             </a:extLst>
           </p:cNvPr>
@@ -12696,17 +12942,17 @@
         </p:nvCxnSpPr>
         <p:spPr>
           <a:xfrm flipH="1" flipV="1">
-            <a:off x="10423585" y="3061387"/>
-            <a:ext cx="48883" cy="67031"/>
+            <a:off x="6473429" y="1210344"/>
+            <a:ext cx="771525" cy="121310"/>
           </a:xfrm>
           <a:prstGeom prst="straightConnector1">
             <a:avLst/>
           </a:prstGeom>
-          <a:ln>
+          <a:ln w="25400">
             <a:solidFill>
-              <a:srgbClr val="FF0000"/>
+              <a:srgbClr val="DBA520"/>
             </a:solidFill>
-            <a:tailEnd type="triangle"/>
+            <a:tailEnd type="triangle" w="lg" len="lg"/>
           </a:ln>
         </p:spPr>
         <p:style>
@@ -12726,10 +12972,10 @@
       </p:cxnSp>
       <p:cxnSp>
         <p:nvCxnSpPr>
-          <p:cNvPr id="24" name="Straight Arrow Connector 23">
-            <a:extLst>
-              <a:ext uri="{FF2B5EF4-FFF2-40B4-BE49-F238E27FC236}">
-                <a16:creationId xmlns:a16="http://schemas.microsoft.com/office/drawing/2014/main" id="{41C69D49-3FBE-574D-9A1A-E58529570E2A}"/>
+          <p:cNvPr id="26" name="Straight Arrow Connector 25">
+            <a:extLst>
+              <a:ext uri="{FF2B5EF4-FFF2-40B4-BE49-F238E27FC236}">
+                <a16:creationId xmlns:a16="http://schemas.microsoft.com/office/drawing/2014/main" id="{ECD79D84-7EDF-7740-915E-E0D2E07B49FA}"/>
               </a:ext>
             </a:extLst>
           </p:cNvPr>
@@ -12740,17 +12986,17 @@
         </p:nvCxnSpPr>
         <p:spPr>
           <a:xfrm flipH="1">
-            <a:off x="7548967" y="3509108"/>
-            <a:ext cx="34065" cy="59632"/>
+            <a:off x="5965029" y="2003156"/>
+            <a:ext cx="758427" cy="0"/>
           </a:xfrm>
           <a:prstGeom prst="straightConnector1">
             <a:avLst/>
           </a:prstGeom>
-          <a:ln>
+          <a:ln w="25400">
             <a:solidFill>
-              <a:schemeClr val="tx1"/>
+              <a:srgbClr val="FF0000"/>
             </a:solidFill>
-            <a:tailEnd type="triangle"/>
+            <a:tailEnd type="triangle" w="lg" len="lg"/>
           </a:ln>
         </p:spPr>
         <p:style>
@@ -12770,10 +13016,10 @@
       </p:cxnSp>
       <p:cxnSp>
         <p:nvCxnSpPr>
-          <p:cNvPr id="28" name="Straight Arrow Connector 27">
-            <a:extLst>
-              <a:ext uri="{FF2B5EF4-FFF2-40B4-BE49-F238E27FC236}">
-                <a16:creationId xmlns:a16="http://schemas.microsoft.com/office/drawing/2014/main" id="{0AB61280-A17B-514A-AB1E-D9C74EAEF7E8}"/>
+          <p:cNvPr id="27" name="Straight Arrow Connector 26">
+            <a:extLst>
+              <a:ext uri="{FF2B5EF4-FFF2-40B4-BE49-F238E27FC236}">
+                <a16:creationId xmlns:a16="http://schemas.microsoft.com/office/drawing/2014/main" id="{29878A34-8104-B34F-ADC4-995FA1E03167}"/>
               </a:ext>
             </a:extLst>
           </p:cNvPr>
@@ -12784,17 +13030,17 @@
         </p:nvCxnSpPr>
         <p:spPr>
           <a:xfrm>
-            <a:off x="10542954" y="2711938"/>
-            <a:ext cx="63594" cy="145135"/>
+            <a:off x="7893844" y="1878672"/>
+            <a:ext cx="354807" cy="507341"/>
           </a:xfrm>
           <a:prstGeom prst="straightConnector1">
             <a:avLst/>
           </a:prstGeom>
-          <a:ln>
+          <a:ln w="25400">
             <a:solidFill>
               <a:srgbClr val="FF0000"/>
             </a:solidFill>
-            <a:tailEnd type="triangle"/>
+            <a:tailEnd type="triangle" w="lg" len="lg"/>
           </a:ln>
         </p:spPr>
         <p:style>
@@ -12812,50 +13058,423 @@
           </a:fontRef>
         </p:style>
       </p:cxnSp>
-      <p:cxnSp>
-        <p:nvCxnSpPr>
-          <p:cNvPr id="31" name="Straight Arrow Connector 30">
-            <a:extLst>
-              <a:ext uri="{FF2B5EF4-FFF2-40B4-BE49-F238E27FC236}">
-                <a16:creationId xmlns:a16="http://schemas.microsoft.com/office/drawing/2014/main" id="{D1237332-94AE-6144-9B8D-906444DBD40F}"/>
-              </a:ext>
-            </a:extLst>
-          </p:cNvPr>
-          <p:cNvCxnSpPr>
-            <a:cxnSpLocks/>
-          </p:cNvCxnSpPr>
-          <p:nvPr/>
-        </p:nvCxnSpPr>
-        <p:spPr>
-          <a:xfrm flipH="1">
-            <a:off x="8239187" y="2368062"/>
-            <a:ext cx="92012" cy="56373"/>
-          </a:xfrm>
-          <a:prstGeom prst="straightConnector1">
-            <a:avLst/>
-          </a:prstGeom>
-          <a:ln>
-            <a:solidFill>
-              <a:srgbClr val="FF0000"/>
-            </a:solidFill>
-            <a:tailEnd type="triangle"/>
-          </a:ln>
-        </p:spPr>
-        <p:style>
-          <a:lnRef idx="1">
-            <a:schemeClr val="accent1"/>
-          </a:lnRef>
-          <a:fillRef idx="0">
-            <a:schemeClr val="accent1"/>
-          </a:fillRef>
-          <a:effectRef idx="0">
-            <a:schemeClr val="accent1"/>
-          </a:effectRef>
-          <a:fontRef idx="minor">
-            <a:schemeClr val="tx1"/>
-          </a:fontRef>
-        </p:style>
-      </p:cxnSp>
+      <p:sp>
+        <p:nvSpPr>
+          <p:cNvPr id="29" name="TextBox 28">
+            <a:extLst>
+              <a:ext uri="{FF2B5EF4-FFF2-40B4-BE49-F238E27FC236}">
+                <a16:creationId xmlns:a16="http://schemas.microsoft.com/office/drawing/2014/main" id="{91C4C127-0EF4-C740-95D4-58CC8FBC225F}"/>
+              </a:ext>
+            </a:extLst>
+          </p:cNvPr>
+          <p:cNvSpPr txBox="1"/>
+          <p:nvPr/>
+        </p:nvSpPr>
+        <p:spPr>
+          <a:xfrm>
+            <a:off x="7167565" y="3428999"/>
+            <a:ext cx="648890" cy="369332"/>
+          </a:xfrm>
+          <a:prstGeom prst="rect">
+            <a:avLst/>
+          </a:prstGeom>
+          <a:noFill/>
+        </p:spPr>
+        <p:txBody>
+          <a:bodyPr wrap="square" rtlCol="0">
+            <a:spAutoFit/>
+          </a:bodyPr>
+          <a:lstStyle/>
+          <a:p>
+            <a:r>
+              <a:rPr lang="en-US" dirty="0"/>
+              <a:t>CMC</a:t>
+            </a:r>
+          </a:p>
+        </p:txBody>
+      </p:sp>
+      <p:sp>
+        <p:nvSpPr>
+          <p:cNvPr id="32" name="TextBox 31">
+            <a:extLst>
+              <a:ext uri="{FF2B5EF4-FFF2-40B4-BE49-F238E27FC236}">
+                <a16:creationId xmlns:a16="http://schemas.microsoft.com/office/drawing/2014/main" id="{9DB34976-5CB2-0249-A4BF-70C9966BA6D8}"/>
+              </a:ext>
+            </a:extLst>
+          </p:cNvPr>
+          <p:cNvSpPr txBox="1"/>
+          <p:nvPr/>
+        </p:nvSpPr>
+        <p:spPr>
+          <a:xfrm>
+            <a:off x="5086351" y="2386013"/>
+            <a:ext cx="960834" cy="369332"/>
+          </a:xfrm>
+          <a:prstGeom prst="rect">
+            <a:avLst/>
+          </a:prstGeom>
+          <a:noFill/>
+        </p:spPr>
+        <p:txBody>
+          <a:bodyPr wrap="square" rtlCol="0">
+            <a:spAutoFit/>
+          </a:bodyPr>
+          <a:lstStyle/>
+          <a:p>
+            <a:r>
+              <a:rPr lang="en-US" dirty="0"/>
+              <a:t>DIM‡</a:t>
+            </a:r>
+          </a:p>
+        </p:txBody>
+      </p:sp>
+      <p:sp>
+        <p:nvSpPr>
+          <p:cNvPr id="33" name="TextBox 32">
+            <a:extLst>
+              <a:ext uri="{FF2B5EF4-FFF2-40B4-BE49-F238E27FC236}">
+                <a16:creationId xmlns:a16="http://schemas.microsoft.com/office/drawing/2014/main" id="{9BA8D727-B68C-BD41-91CB-6615F6F48AAE}"/>
+              </a:ext>
+            </a:extLst>
+          </p:cNvPr>
+          <p:cNvSpPr txBox="1"/>
+          <p:nvPr/>
+        </p:nvSpPr>
+        <p:spPr>
+          <a:xfrm>
+            <a:off x="3267076" y="5181600"/>
+            <a:ext cx="960834" cy="369332"/>
+          </a:xfrm>
+          <a:prstGeom prst="rect">
+            <a:avLst/>
+          </a:prstGeom>
+          <a:noFill/>
+        </p:spPr>
+        <p:txBody>
+          <a:bodyPr wrap="square" rtlCol="0">
+            <a:spAutoFit/>
+          </a:bodyPr>
+          <a:lstStyle/>
+          <a:p>
+            <a:r>
+              <a:rPr lang="en-US" dirty="0"/>
+              <a:t>DIM</a:t>
+            </a:r>
+          </a:p>
+        </p:txBody>
+      </p:sp>
+      <p:sp>
+        <p:nvSpPr>
+          <p:cNvPr id="34" name="TextBox 33">
+            <a:extLst>
+              <a:ext uri="{FF2B5EF4-FFF2-40B4-BE49-F238E27FC236}">
+                <a16:creationId xmlns:a16="http://schemas.microsoft.com/office/drawing/2014/main" id="{272B1665-DF3A-C448-85CA-095D04AC5B3D}"/>
+              </a:ext>
+            </a:extLst>
+          </p:cNvPr>
+          <p:cNvSpPr txBox="1"/>
+          <p:nvPr/>
+        </p:nvSpPr>
+        <p:spPr>
+          <a:xfrm>
+            <a:off x="8248651" y="2253535"/>
+            <a:ext cx="1207891" cy="369332"/>
+          </a:xfrm>
+          <a:prstGeom prst="rect">
+            <a:avLst/>
+          </a:prstGeom>
+          <a:noFill/>
+        </p:spPr>
+        <p:txBody>
+          <a:bodyPr wrap="square" rtlCol="0">
+            <a:spAutoFit/>
+          </a:bodyPr>
+          <a:lstStyle/>
+          <a:p>
+            <a:r>
+              <a:rPr lang="en-US" dirty="0">
+                <a:solidFill>
+                  <a:srgbClr val="DBA520"/>
+                </a:solidFill>
+              </a:rPr>
+              <a:t>X-CMC‡</a:t>
+            </a:r>
+          </a:p>
+        </p:txBody>
+      </p:sp>
+      <p:sp>
+        <p:nvSpPr>
+          <p:cNvPr id="35" name="TextBox 34">
+            <a:extLst>
+              <a:ext uri="{FF2B5EF4-FFF2-40B4-BE49-F238E27FC236}">
+                <a16:creationId xmlns:a16="http://schemas.microsoft.com/office/drawing/2014/main" id="{EB966C45-CBB9-F647-A042-015F607B319D}"/>
+              </a:ext>
+            </a:extLst>
+          </p:cNvPr>
+          <p:cNvSpPr txBox="1"/>
+          <p:nvPr/>
+        </p:nvSpPr>
+        <p:spPr>
+          <a:xfrm>
+            <a:off x="9150548" y="2955292"/>
+            <a:ext cx="1207891" cy="369332"/>
+          </a:xfrm>
+          <a:prstGeom prst="rect">
+            <a:avLst/>
+          </a:prstGeom>
+          <a:noFill/>
+        </p:spPr>
+        <p:txBody>
+          <a:bodyPr wrap="square" rtlCol="0">
+            <a:spAutoFit/>
+          </a:bodyPr>
+          <a:lstStyle/>
+          <a:p>
+            <a:r>
+              <a:rPr lang="en-US" dirty="0">
+                <a:solidFill>
+                  <a:srgbClr val="DBA520"/>
+                </a:solidFill>
+              </a:rPr>
+              <a:t>X-CMC</a:t>
+            </a:r>
+          </a:p>
+        </p:txBody>
+      </p:sp>
+      <p:sp>
+        <p:nvSpPr>
+          <p:cNvPr id="36" name="TextBox 35">
+            <a:extLst>
+              <a:ext uri="{FF2B5EF4-FFF2-40B4-BE49-F238E27FC236}">
+                <a16:creationId xmlns:a16="http://schemas.microsoft.com/office/drawing/2014/main" id="{7B6964FD-9C5E-B448-9BCE-3F2DCCAE169F}"/>
+              </a:ext>
+            </a:extLst>
+          </p:cNvPr>
+          <p:cNvSpPr txBox="1"/>
+          <p:nvPr/>
+        </p:nvSpPr>
+        <p:spPr>
+          <a:xfrm>
+            <a:off x="5651300" y="1086333"/>
+            <a:ext cx="1207891" cy="369332"/>
+          </a:xfrm>
+          <a:prstGeom prst="rect">
+            <a:avLst/>
+          </a:prstGeom>
+          <a:noFill/>
+        </p:spPr>
+        <p:txBody>
+          <a:bodyPr wrap="square" rtlCol="0">
+            <a:spAutoFit/>
+          </a:bodyPr>
+          <a:lstStyle/>
+          <a:p>
+            <a:r>
+              <a:rPr lang="en-US" dirty="0">
+                <a:solidFill>
+                  <a:srgbClr val="DBA520"/>
+                </a:solidFill>
+              </a:rPr>
+              <a:t>X-DIM‡</a:t>
+            </a:r>
+          </a:p>
+        </p:txBody>
+      </p:sp>
+      <p:sp>
+        <p:nvSpPr>
+          <p:cNvPr id="37" name="TextBox 36">
+            <a:extLst>
+              <a:ext uri="{FF2B5EF4-FFF2-40B4-BE49-F238E27FC236}">
+                <a16:creationId xmlns:a16="http://schemas.microsoft.com/office/drawing/2014/main" id="{5BA555F7-5E57-6D4C-8AAF-3D5809AEA8F8}"/>
+              </a:ext>
+            </a:extLst>
+          </p:cNvPr>
+          <p:cNvSpPr txBox="1"/>
+          <p:nvPr/>
+        </p:nvSpPr>
+        <p:spPr>
+          <a:xfrm>
+            <a:off x="2935186" y="3208142"/>
+            <a:ext cx="1207891" cy="369332"/>
+          </a:xfrm>
+          <a:prstGeom prst="rect">
+            <a:avLst/>
+          </a:prstGeom>
+          <a:noFill/>
+        </p:spPr>
+        <p:txBody>
+          <a:bodyPr wrap="square" rtlCol="0">
+            <a:spAutoFit/>
+          </a:bodyPr>
+          <a:lstStyle/>
+          <a:p>
+            <a:r>
+              <a:rPr lang="en-US" dirty="0">
+                <a:solidFill>
+                  <a:srgbClr val="DBA520"/>
+                </a:solidFill>
+              </a:rPr>
+              <a:t>X-DIM</a:t>
+            </a:r>
+          </a:p>
+        </p:txBody>
+      </p:sp>
+      <p:sp>
+        <p:nvSpPr>
+          <p:cNvPr id="38" name="TextBox 37">
+            <a:extLst>
+              <a:ext uri="{FF2B5EF4-FFF2-40B4-BE49-F238E27FC236}">
+                <a16:creationId xmlns:a16="http://schemas.microsoft.com/office/drawing/2014/main" id="{D91FE63A-B526-4643-A736-F484B30D783D}"/>
+              </a:ext>
+            </a:extLst>
+          </p:cNvPr>
+          <p:cNvSpPr txBox="1"/>
+          <p:nvPr/>
+        </p:nvSpPr>
+        <p:spPr>
+          <a:xfrm>
+            <a:off x="3267075" y="3693956"/>
+            <a:ext cx="1207891" cy="369332"/>
+          </a:xfrm>
+          <a:prstGeom prst="rect">
+            <a:avLst/>
+          </a:prstGeom>
+          <a:noFill/>
+        </p:spPr>
+        <p:txBody>
+          <a:bodyPr wrap="square" rtlCol="0">
+            <a:spAutoFit/>
+          </a:bodyPr>
+          <a:lstStyle/>
+          <a:p>
+            <a:r>
+              <a:rPr lang="en-US" dirty="0">
+                <a:solidFill>
+                  <a:srgbClr val="FD0000"/>
+                </a:solidFill>
+              </a:rPr>
+              <a:t>X-DIM</a:t>
+            </a:r>
+          </a:p>
+        </p:txBody>
+      </p:sp>
+      <p:sp>
+        <p:nvSpPr>
+          <p:cNvPr id="39" name="TextBox 38">
+            <a:extLst>
+              <a:ext uri="{FF2B5EF4-FFF2-40B4-BE49-F238E27FC236}">
+                <a16:creationId xmlns:a16="http://schemas.microsoft.com/office/drawing/2014/main" id="{033B9764-C6E9-1E4E-9612-8741C5B9595B}"/>
+              </a:ext>
+            </a:extLst>
+          </p:cNvPr>
+          <p:cNvSpPr txBox="1"/>
+          <p:nvPr/>
+        </p:nvSpPr>
+        <p:spPr>
+          <a:xfrm>
+            <a:off x="5740296" y="1647296"/>
+            <a:ext cx="1207891" cy="369332"/>
+          </a:xfrm>
+          <a:prstGeom prst="rect">
+            <a:avLst/>
+          </a:prstGeom>
+          <a:noFill/>
+        </p:spPr>
+        <p:txBody>
+          <a:bodyPr wrap="square" rtlCol="0">
+            <a:spAutoFit/>
+          </a:bodyPr>
+          <a:lstStyle/>
+          <a:p>
+            <a:r>
+              <a:rPr lang="en-US" dirty="0">
+                <a:solidFill>
+                  <a:srgbClr val="FD0000"/>
+                </a:solidFill>
+              </a:rPr>
+              <a:t>X-DIM‡</a:t>
+            </a:r>
+          </a:p>
+        </p:txBody>
+      </p:sp>
+      <p:sp>
+        <p:nvSpPr>
+          <p:cNvPr id="40" name="TextBox 39">
+            <a:extLst>
+              <a:ext uri="{FF2B5EF4-FFF2-40B4-BE49-F238E27FC236}">
+                <a16:creationId xmlns:a16="http://schemas.microsoft.com/office/drawing/2014/main" id="{F8058E93-9898-7447-8BAB-BD4447DFCF7A}"/>
+              </a:ext>
+            </a:extLst>
+          </p:cNvPr>
+          <p:cNvSpPr txBox="1"/>
+          <p:nvPr/>
+        </p:nvSpPr>
+        <p:spPr>
+          <a:xfrm>
+            <a:off x="8864500" y="3558202"/>
+            <a:ext cx="1207891" cy="369332"/>
+          </a:xfrm>
+          <a:prstGeom prst="rect">
+            <a:avLst/>
+          </a:prstGeom>
+          <a:noFill/>
+        </p:spPr>
+        <p:txBody>
+          <a:bodyPr wrap="square" rtlCol="0">
+            <a:spAutoFit/>
+          </a:bodyPr>
+          <a:lstStyle/>
+          <a:p>
+            <a:r>
+              <a:rPr lang="en-US" dirty="0">
+                <a:solidFill>
+                  <a:srgbClr val="FD0000"/>
+                </a:solidFill>
+              </a:rPr>
+              <a:t>X-CMC</a:t>
+            </a:r>
+          </a:p>
+        </p:txBody>
+      </p:sp>
+      <p:sp>
+        <p:nvSpPr>
+          <p:cNvPr id="42" name="TextBox 41">
+            <a:extLst>
+              <a:ext uri="{FF2B5EF4-FFF2-40B4-BE49-F238E27FC236}">
+                <a16:creationId xmlns:a16="http://schemas.microsoft.com/office/drawing/2014/main" id="{9F65B62A-4E8B-2644-95FE-10DAE7326FFC}"/>
+              </a:ext>
+            </a:extLst>
+          </p:cNvPr>
+          <p:cNvSpPr txBox="1"/>
+          <p:nvPr/>
+        </p:nvSpPr>
+        <p:spPr>
+          <a:xfrm>
+            <a:off x="8071247" y="1555591"/>
+            <a:ext cx="1207891" cy="369332"/>
+          </a:xfrm>
+          <a:prstGeom prst="rect">
+            <a:avLst/>
+          </a:prstGeom>
+          <a:noFill/>
+        </p:spPr>
+        <p:txBody>
+          <a:bodyPr wrap="square" rtlCol="0">
+            <a:spAutoFit/>
+          </a:bodyPr>
+          <a:lstStyle/>
+          <a:p>
+            <a:r>
+              <a:rPr lang="en-US" dirty="0">
+                <a:solidFill>
+                  <a:srgbClr val="FD0000"/>
+                </a:solidFill>
+              </a:rPr>
+              <a:t>X-CMC‡</a:t>
+            </a:r>
+          </a:p>
+        </p:txBody>
+      </p:sp>
     </p:spTree>
     <p:extLst>
       <p:ext uri="{BB962C8B-B14F-4D97-AF65-F5344CB8AC3E}">
@@ -12888,10 +13507,10 @@
       </p:grpSpPr>
       <p:pic>
         <p:nvPicPr>
-          <p:cNvPr id="5" name="Picture 4">
-            <a:extLst>
-              <a:ext uri="{FF2B5EF4-FFF2-40B4-BE49-F238E27FC236}">
-                <a16:creationId xmlns:a16="http://schemas.microsoft.com/office/drawing/2014/main" id="{0C14734D-6726-1841-9805-A6EEDDEFA71C}"/>
+          <p:cNvPr id="3" name="Picture 2">
+            <a:extLst>
+              <a:ext uri="{FF2B5EF4-FFF2-40B4-BE49-F238E27FC236}">
+                <a16:creationId xmlns:a16="http://schemas.microsoft.com/office/drawing/2014/main" id="{A28DC132-0200-2947-8CCD-61F51E0F7869}"/>
               </a:ext>
             </a:extLst>
           </p:cNvPr>
@@ -12902,338 +13521,661 @@
         </p:nvPicPr>
         <p:blipFill rotWithShape="1">
           <a:blip r:embed="rId3"/>
-          <a:srcRect t="16175" b="15847"/>
+          <a:srcRect t="6250" r="6019"/>
           <a:stretch/>
         </p:blipFill>
         <p:spPr>
           <a:xfrm>
-            <a:off x="1112343" y="277835"/>
-            <a:ext cx="9525000" cy="6474918"/>
+            <a:off x="1409700" y="396425"/>
+            <a:ext cx="9120188" cy="6065150"/>
           </a:xfrm>
           <a:prstGeom prst="rect">
             <a:avLst/>
           </a:prstGeom>
         </p:spPr>
       </p:pic>
-      <p:pic>
-        <p:nvPicPr>
-          <p:cNvPr id="10" name="Picture 9">
-            <a:extLst>
-              <a:ext uri="{FF2B5EF4-FFF2-40B4-BE49-F238E27FC236}">
-                <a16:creationId xmlns:a16="http://schemas.microsoft.com/office/drawing/2014/main" id="{677A9F60-0653-9845-9F23-87B49AE9D3EB}"/>
-              </a:ext>
-            </a:extLst>
-          </p:cNvPr>
-          <p:cNvPicPr>
-            <a:picLocks noChangeAspect="1"/>
-          </p:cNvPicPr>
-          <p:nvPr/>
-        </p:nvPicPr>
-        <p:blipFill>
-          <a:blip r:embed="rId4"/>
-          <a:stretch>
-            <a:fillRect/>
-          </a:stretch>
-        </p:blipFill>
-        <p:spPr>
-          <a:xfrm>
-            <a:off x="1729028" y="1465249"/>
-            <a:ext cx="721360" cy="450088"/>
-          </a:xfrm>
-          <a:prstGeom prst="rect">
-            <a:avLst/>
-          </a:prstGeom>
-          <a:ln w="19050">
+      <p:cxnSp>
+        <p:nvCxnSpPr>
+          <p:cNvPr id="5" name="Straight Arrow Connector 4">
+            <a:extLst>
+              <a:ext uri="{FF2B5EF4-FFF2-40B4-BE49-F238E27FC236}">
+                <a16:creationId xmlns:a16="http://schemas.microsoft.com/office/drawing/2014/main" id="{023FE7CD-6862-3F44-B332-DFA59D3504E5}"/>
+              </a:ext>
+            </a:extLst>
+          </p:cNvPr>
+          <p:cNvCxnSpPr>
+            <a:cxnSpLocks/>
+          </p:cNvCxnSpPr>
+          <p:nvPr/>
+        </p:nvCxnSpPr>
+        <p:spPr>
+          <a:xfrm>
+            <a:off x="8129588" y="3586163"/>
+            <a:ext cx="414337" cy="523306"/>
+          </a:xfrm>
+          <a:prstGeom prst="straightConnector1">
+            <a:avLst/>
+          </a:prstGeom>
+          <a:ln w="25400">
             <a:solidFill>
               <a:schemeClr val="tx1"/>
             </a:solidFill>
+            <a:tailEnd type="triangle" w="lg" len="lg"/>
           </a:ln>
         </p:spPr>
-      </p:pic>
-      <p:pic>
-        <p:nvPicPr>
-          <p:cNvPr id="11" name="Picture 10">
-            <a:extLst>
-              <a:ext uri="{FF2B5EF4-FFF2-40B4-BE49-F238E27FC236}">
-                <a16:creationId xmlns:a16="http://schemas.microsoft.com/office/drawing/2014/main" id="{26766337-E90D-904E-8B35-1F7C36E71B3D}"/>
-              </a:ext>
-            </a:extLst>
-          </p:cNvPr>
-          <p:cNvPicPr>
-            <a:picLocks noChangeAspect="1"/>
-          </p:cNvPicPr>
-          <p:nvPr/>
-        </p:nvPicPr>
-        <p:blipFill>
-          <a:blip r:embed="rId5"/>
-          <a:stretch>
-            <a:fillRect/>
-          </a:stretch>
-        </p:blipFill>
-        <p:spPr>
-          <a:xfrm>
-            <a:off x="2410863" y="3203956"/>
-            <a:ext cx="721360" cy="450088"/>
-          </a:xfrm>
-          <a:prstGeom prst="rect">
-            <a:avLst/>
-          </a:prstGeom>
-          <a:ln w="19050">
+        <p:style>
+          <a:lnRef idx="1">
+            <a:schemeClr val="accent1"/>
+          </a:lnRef>
+          <a:fillRef idx="0">
+            <a:schemeClr val="accent1"/>
+          </a:fillRef>
+          <a:effectRef idx="0">
+            <a:schemeClr val="accent1"/>
+          </a:effectRef>
+          <a:fontRef idx="minor">
+            <a:schemeClr val="tx1"/>
+          </a:fontRef>
+        </p:style>
+      </p:cxnSp>
+      <p:cxnSp>
+        <p:nvCxnSpPr>
+          <p:cNvPr id="8" name="Straight Arrow Connector 7">
+            <a:extLst>
+              <a:ext uri="{FF2B5EF4-FFF2-40B4-BE49-F238E27FC236}">
+                <a16:creationId xmlns:a16="http://schemas.microsoft.com/office/drawing/2014/main" id="{03AAD0D9-0559-F04E-9826-7001DAA59C18}"/>
+              </a:ext>
+            </a:extLst>
+          </p:cNvPr>
+          <p:cNvCxnSpPr>
+            <a:cxnSpLocks/>
+          </p:cNvCxnSpPr>
+          <p:nvPr/>
+        </p:nvCxnSpPr>
+        <p:spPr>
+          <a:xfrm flipH="1" flipV="1">
+            <a:off x="6357936" y="3342541"/>
+            <a:ext cx="771527" cy="172918"/>
+          </a:xfrm>
+          <a:prstGeom prst="straightConnector1">
+            <a:avLst/>
+          </a:prstGeom>
+          <a:ln w="25400">
             <a:solidFill>
-              <a:schemeClr val="tx1"/>
+              <a:srgbClr val="DBA520"/>
             </a:solidFill>
+            <a:headEnd w="lg" len="lg"/>
+            <a:tailEnd type="triangle" w="lg" len="lg"/>
           </a:ln>
         </p:spPr>
-      </p:pic>
-      <p:pic>
-        <p:nvPicPr>
-          <p:cNvPr id="12" name="Picture 11">
-            <a:extLst>
-              <a:ext uri="{FF2B5EF4-FFF2-40B4-BE49-F238E27FC236}">
-                <a16:creationId xmlns:a16="http://schemas.microsoft.com/office/drawing/2014/main" id="{ACD4BBF8-A568-4144-858F-303E650CB7DC}"/>
-              </a:ext>
-            </a:extLst>
-          </p:cNvPr>
-          <p:cNvPicPr>
-            <a:picLocks noChangeAspect="1"/>
-          </p:cNvPicPr>
-          <p:nvPr/>
-        </p:nvPicPr>
-        <p:blipFill>
-          <a:blip r:embed="rId6"/>
-          <a:stretch>
-            <a:fillRect/>
-          </a:stretch>
-        </p:blipFill>
-        <p:spPr>
-          <a:xfrm>
-            <a:off x="3221874" y="1505023"/>
-            <a:ext cx="721360" cy="450088"/>
-          </a:xfrm>
-          <a:prstGeom prst="rect">
-            <a:avLst/>
-          </a:prstGeom>
-          <a:ln w="19050">
+        <p:style>
+          <a:lnRef idx="1">
+            <a:schemeClr val="accent1"/>
+          </a:lnRef>
+          <a:fillRef idx="0">
+            <a:schemeClr val="accent1"/>
+          </a:fillRef>
+          <a:effectRef idx="0">
+            <a:schemeClr val="accent1"/>
+          </a:effectRef>
+          <a:fontRef idx="minor">
+            <a:schemeClr val="tx1"/>
+          </a:fontRef>
+        </p:style>
+      </p:cxnSp>
+      <p:cxnSp>
+        <p:nvCxnSpPr>
+          <p:cNvPr id="11" name="Straight Arrow Connector 10">
+            <a:extLst>
+              <a:ext uri="{FF2B5EF4-FFF2-40B4-BE49-F238E27FC236}">
+                <a16:creationId xmlns:a16="http://schemas.microsoft.com/office/drawing/2014/main" id="{0A5F005B-445F-1547-B8D2-1644D8194792}"/>
+              </a:ext>
+            </a:extLst>
+          </p:cNvPr>
+          <p:cNvCxnSpPr>
+            <a:cxnSpLocks/>
+          </p:cNvCxnSpPr>
+          <p:nvPr/>
+        </p:nvCxnSpPr>
+        <p:spPr>
+          <a:xfrm flipV="1">
+            <a:off x="4500563" y="1400175"/>
+            <a:ext cx="657225" cy="478497"/>
+          </a:xfrm>
+          <a:prstGeom prst="straightConnector1">
+            <a:avLst/>
+          </a:prstGeom>
+          <a:ln w="25400">
             <a:solidFill>
-              <a:schemeClr val="tx1"/>
+              <a:srgbClr val="DBA520"/>
             </a:solidFill>
+            <a:tailEnd type="triangle" w="lg" len="lg"/>
           </a:ln>
         </p:spPr>
-      </p:pic>
-      <p:pic>
-        <p:nvPicPr>
-          <p:cNvPr id="13" name="Picture 12">
-            <a:extLst>
-              <a:ext uri="{FF2B5EF4-FFF2-40B4-BE49-F238E27FC236}">
-                <a16:creationId xmlns:a16="http://schemas.microsoft.com/office/drawing/2014/main" id="{A3439BE0-FA88-574B-BD02-A735CFBD4CA6}"/>
-              </a:ext>
-            </a:extLst>
-          </p:cNvPr>
-          <p:cNvPicPr>
-            <a:picLocks noChangeAspect="1"/>
-          </p:cNvPicPr>
-          <p:nvPr/>
-        </p:nvPicPr>
-        <p:blipFill>
-          <a:blip r:embed="rId7"/>
-          <a:stretch>
-            <a:fillRect/>
-          </a:stretch>
-        </p:blipFill>
-        <p:spPr>
-          <a:xfrm>
-            <a:off x="3943234" y="2557420"/>
-            <a:ext cx="721360" cy="450088"/>
-          </a:xfrm>
-          <a:prstGeom prst="rect">
-            <a:avLst/>
-          </a:prstGeom>
-          <a:ln w="19050">
+        <p:style>
+          <a:lnRef idx="1">
+            <a:schemeClr val="accent1"/>
+          </a:lnRef>
+          <a:fillRef idx="0">
+            <a:schemeClr val="accent1"/>
+          </a:fillRef>
+          <a:effectRef idx="0">
+            <a:schemeClr val="accent1"/>
+          </a:effectRef>
+          <a:fontRef idx="minor">
+            <a:schemeClr val="tx1"/>
+          </a:fontRef>
+        </p:style>
+      </p:cxnSp>
+      <p:cxnSp>
+        <p:nvCxnSpPr>
+          <p:cNvPr id="16" name="Straight Arrow Connector 15">
+            <a:extLst>
+              <a:ext uri="{FF2B5EF4-FFF2-40B4-BE49-F238E27FC236}">
+                <a16:creationId xmlns:a16="http://schemas.microsoft.com/office/drawing/2014/main" id="{29D9714D-12EE-0E4B-BEC1-A137593FCAE6}"/>
+              </a:ext>
+            </a:extLst>
+          </p:cNvPr>
+          <p:cNvCxnSpPr>
+            <a:cxnSpLocks/>
+          </p:cNvCxnSpPr>
+          <p:nvPr/>
+        </p:nvCxnSpPr>
+        <p:spPr>
+          <a:xfrm flipH="1" flipV="1">
+            <a:off x="6743700" y="2552371"/>
+            <a:ext cx="629841" cy="382377"/>
+          </a:xfrm>
+          <a:prstGeom prst="straightConnector1">
+            <a:avLst/>
+          </a:prstGeom>
+          <a:ln w="25400">
             <a:solidFill>
-              <a:schemeClr val="tx1"/>
+              <a:srgbClr val="FF0000"/>
             </a:solidFill>
+            <a:tailEnd type="triangle" w="lg" len="lg"/>
           </a:ln>
         </p:spPr>
-      </p:pic>
-      <p:pic>
-        <p:nvPicPr>
-          <p:cNvPr id="14" name="Picture 13">
-            <a:extLst>
-              <a:ext uri="{FF2B5EF4-FFF2-40B4-BE49-F238E27FC236}">
-                <a16:creationId xmlns:a16="http://schemas.microsoft.com/office/drawing/2014/main" id="{52C07C9E-CF9F-EE46-BF30-32992CC8228F}"/>
-              </a:ext>
-            </a:extLst>
-          </p:cNvPr>
-          <p:cNvPicPr>
-            <a:picLocks noChangeAspect="1"/>
-          </p:cNvPicPr>
-          <p:nvPr/>
-        </p:nvPicPr>
-        <p:blipFill>
-          <a:blip r:embed="rId8"/>
-          <a:stretch>
-            <a:fillRect/>
-          </a:stretch>
-        </p:blipFill>
-        <p:spPr>
-          <a:xfrm>
-            <a:off x="3582554" y="4231703"/>
-            <a:ext cx="721360" cy="450088"/>
-          </a:xfrm>
-          <a:prstGeom prst="rect">
-            <a:avLst/>
-          </a:prstGeom>
-          <a:ln w="19050">
+        <p:style>
+          <a:lnRef idx="1">
+            <a:schemeClr val="accent1"/>
+          </a:lnRef>
+          <a:fillRef idx="0">
+            <a:schemeClr val="accent1"/>
+          </a:fillRef>
+          <a:effectRef idx="0">
+            <a:schemeClr val="accent1"/>
+          </a:effectRef>
+          <a:fontRef idx="minor">
+            <a:schemeClr val="tx1"/>
+          </a:fontRef>
+        </p:style>
+      </p:cxnSp>
+      <p:cxnSp>
+        <p:nvCxnSpPr>
+          <p:cNvPr id="21" name="Straight Arrow Connector 20">
+            <a:extLst>
+              <a:ext uri="{FF2B5EF4-FFF2-40B4-BE49-F238E27FC236}">
+                <a16:creationId xmlns:a16="http://schemas.microsoft.com/office/drawing/2014/main" id="{4D3D564D-5F8C-6A4A-B329-B916C4D8852D}"/>
+              </a:ext>
+            </a:extLst>
+          </p:cNvPr>
+          <p:cNvCxnSpPr>
+            <a:cxnSpLocks/>
+          </p:cNvCxnSpPr>
+          <p:nvPr/>
+        </p:nvCxnSpPr>
+        <p:spPr>
+          <a:xfrm>
+            <a:off x="7893844" y="1878672"/>
+            <a:ext cx="354807" cy="507341"/>
+          </a:xfrm>
+          <a:prstGeom prst="straightConnector1">
+            <a:avLst/>
+          </a:prstGeom>
+          <a:ln w="25400">
             <a:solidFill>
-              <a:schemeClr val="tx1"/>
+              <a:srgbClr val="FF0000"/>
             </a:solidFill>
+            <a:tailEnd type="triangle" w="lg" len="lg"/>
           </a:ln>
         </p:spPr>
-      </p:pic>
-      <p:pic>
-        <p:nvPicPr>
-          <p:cNvPr id="15" name="Picture 14">
-            <a:extLst>
-              <a:ext uri="{FF2B5EF4-FFF2-40B4-BE49-F238E27FC236}">
-                <a16:creationId xmlns:a16="http://schemas.microsoft.com/office/drawing/2014/main" id="{661828DF-FE56-8F4B-A927-51B4412CCAF0}"/>
-              </a:ext>
-            </a:extLst>
-          </p:cNvPr>
-          <p:cNvPicPr>
-            <a:picLocks noChangeAspect="1"/>
-          </p:cNvPicPr>
-          <p:nvPr/>
-        </p:nvPicPr>
-        <p:blipFill>
-          <a:blip r:embed="rId9"/>
-          <a:stretch>
-            <a:fillRect/>
-          </a:stretch>
-        </p:blipFill>
-        <p:spPr>
-          <a:xfrm>
-            <a:off x="4985298" y="3575655"/>
-            <a:ext cx="721360" cy="450088"/>
-          </a:xfrm>
-          <a:prstGeom prst="rect">
-            <a:avLst/>
-          </a:prstGeom>
-          <a:ln w="19050">
-            <a:solidFill>
-              <a:schemeClr val="tx1"/>
-            </a:solidFill>
-          </a:ln>
-        </p:spPr>
-      </p:pic>
-      <p:pic>
-        <p:nvPicPr>
-          <p:cNvPr id="16" name="Picture 15">
-            <a:extLst>
-              <a:ext uri="{FF2B5EF4-FFF2-40B4-BE49-F238E27FC236}">
-                <a16:creationId xmlns:a16="http://schemas.microsoft.com/office/drawing/2014/main" id="{26872B7A-8F9C-5B4E-BA7E-B55077F18128}"/>
-              </a:ext>
-            </a:extLst>
-          </p:cNvPr>
-          <p:cNvPicPr>
-            <a:picLocks noChangeAspect="1"/>
-          </p:cNvPicPr>
-          <p:nvPr/>
-        </p:nvPicPr>
-        <p:blipFill>
-          <a:blip r:embed="rId10"/>
-          <a:stretch>
-            <a:fillRect/>
-          </a:stretch>
-        </p:blipFill>
-        <p:spPr>
-          <a:xfrm>
-            <a:off x="6838373" y="3305640"/>
-            <a:ext cx="721360" cy="450088"/>
-          </a:xfrm>
-          <a:prstGeom prst="rect">
-            <a:avLst/>
-          </a:prstGeom>
-          <a:ln w="19050">
-            <a:solidFill>
-              <a:schemeClr val="tx1"/>
-            </a:solidFill>
-          </a:ln>
-        </p:spPr>
-      </p:pic>
-      <p:pic>
-        <p:nvPicPr>
-          <p:cNvPr id="17" name="Picture 16">
-            <a:extLst>
-              <a:ext uri="{FF2B5EF4-FFF2-40B4-BE49-F238E27FC236}">
-                <a16:creationId xmlns:a16="http://schemas.microsoft.com/office/drawing/2014/main" id="{17151278-E4BF-5146-BEB8-26A4D9508A4A}"/>
-              </a:ext>
-            </a:extLst>
-          </p:cNvPr>
-          <p:cNvPicPr>
-            <a:picLocks noChangeAspect="1"/>
-          </p:cNvPicPr>
-          <p:nvPr/>
-        </p:nvPicPr>
-        <p:blipFill>
-          <a:blip r:embed="rId11"/>
-          <a:stretch>
-            <a:fillRect/>
-          </a:stretch>
-        </p:blipFill>
-        <p:spPr>
-          <a:xfrm>
-            <a:off x="8161207" y="4618999"/>
-            <a:ext cx="721360" cy="450088"/>
-          </a:xfrm>
-          <a:prstGeom prst="rect">
-            <a:avLst/>
-          </a:prstGeom>
-          <a:ln w="19050">
-            <a:solidFill>
-              <a:schemeClr val="tx1"/>
-            </a:solidFill>
-          </a:ln>
-        </p:spPr>
-      </p:pic>
-      <p:pic>
-        <p:nvPicPr>
-          <p:cNvPr id="19" name="Picture 18">
-            <a:extLst>
-              <a:ext uri="{FF2B5EF4-FFF2-40B4-BE49-F238E27FC236}">
-                <a16:creationId xmlns:a16="http://schemas.microsoft.com/office/drawing/2014/main" id="{ADBCC567-2ABA-C84C-9CCA-B96E55CBB447}"/>
-              </a:ext>
-            </a:extLst>
-          </p:cNvPr>
-          <p:cNvPicPr>
-            <a:picLocks noChangeAspect="1"/>
-          </p:cNvPicPr>
-          <p:nvPr/>
-        </p:nvPicPr>
-        <p:blipFill>
-          <a:blip r:embed="rId12"/>
-          <a:stretch>
-            <a:fillRect/>
-          </a:stretch>
-        </p:blipFill>
-        <p:spPr>
-          <a:xfrm>
-            <a:off x="8691448" y="3726131"/>
-            <a:ext cx="721360" cy="450088"/>
-          </a:xfrm>
-          <a:prstGeom prst="rect">
-            <a:avLst/>
-          </a:prstGeom>
-          <a:ln w="19050">
-            <a:solidFill>
-              <a:schemeClr val="tx1"/>
-            </a:solidFill>
-          </a:ln>
-        </p:spPr>
-      </p:pic>
+        <p:style>
+          <a:lnRef idx="1">
+            <a:schemeClr val="accent1"/>
+          </a:lnRef>
+          <a:fillRef idx="0">
+            <a:schemeClr val="accent1"/>
+          </a:fillRef>
+          <a:effectRef idx="0">
+            <a:schemeClr val="accent1"/>
+          </a:effectRef>
+          <a:fontRef idx="minor">
+            <a:schemeClr val="tx1"/>
+          </a:fontRef>
+        </p:style>
+      </p:cxnSp>
+      <p:sp>
+        <p:nvSpPr>
+          <p:cNvPr id="32" name="TextBox 31">
+            <a:extLst>
+              <a:ext uri="{FF2B5EF4-FFF2-40B4-BE49-F238E27FC236}">
+                <a16:creationId xmlns:a16="http://schemas.microsoft.com/office/drawing/2014/main" id="{52B8030C-EE78-6145-870A-31FE63A8371C}"/>
+              </a:ext>
+            </a:extLst>
+          </p:cNvPr>
+          <p:cNvSpPr txBox="1"/>
+          <p:nvPr/>
+        </p:nvSpPr>
+        <p:spPr>
+          <a:xfrm>
+            <a:off x="8248651" y="2413974"/>
+            <a:ext cx="960834" cy="369332"/>
+          </a:xfrm>
+          <a:prstGeom prst="rect">
+            <a:avLst/>
+          </a:prstGeom>
+          <a:noFill/>
+        </p:spPr>
+        <p:txBody>
+          <a:bodyPr wrap="square" rtlCol="0">
+            <a:spAutoFit/>
+          </a:bodyPr>
+          <a:lstStyle/>
+          <a:p>
+            <a:r>
+              <a:rPr lang="en-US" dirty="0"/>
+              <a:t>DIM‡</a:t>
+            </a:r>
+          </a:p>
+        </p:txBody>
+      </p:sp>
+      <p:sp>
+        <p:nvSpPr>
+          <p:cNvPr id="33" name="TextBox 32">
+            <a:extLst>
+              <a:ext uri="{FF2B5EF4-FFF2-40B4-BE49-F238E27FC236}">
+                <a16:creationId xmlns:a16="http://schemas.microsoft.com/office/drawing/2014/main" id="{A025D21B-5AE7-594D-9EE2-92E6EE29537A}"/>
+              </a:ext>
+            </a:extLst>
+          </p:cNvPr>
+          <p:cNvSpPr txBox="1"/>
+          <p:nvPr/>
+        </p:nvSpPr>
+        <p:spPr>
+          <a:xfrm>
+            <a:off x="8793659" y="5181734"/>
+            <a:ext cx="960834" cy="369332"/>
+          </a:xfrm>
+          <a:prstGeom prst="rect">
+            <a:avLst/>
+          </a:prstGeom>
+          <a:noFill/>
+        </p:spPr>
+        <p:txBody>
+          <a:bodyPr wrap="square" rtlCol="0">
+            <a:spAutoFit/>
+          </a:bodyPr>
+          <a:lstStyle/>
+          <a:p>
+            <a:r>
+              <a:rPr lang="en-US" dirty="0"/>
+              <a:t>DIM</a:t>
+            </a:r>
+          </a:p>
+        </p:txBody>
+      </p:sp>
+      <p:sp>
+        <p:nvSpPr>
+          <p:cNvPr id="34" name="TextBox 33">
+            <a:extLst>
+              <a:ext uri="{FF2B5EF4-FFF2-40B4-BE49-F238E27FC236}">
+                <a16:creationId xmlns:a16="http://schemas.microsoft.com/office/drawing/2014/main" id="{D7C41BB5-DC1C-3F4F-8C99-2F5914F9E74A}"/>
+              </a:ext>
+            </a:extLst>
+          </p:cNvPr>
+          <p:cNvSpPr txBox="1"/>
+          <p:nvPr/>
+        </p:nvSpPr>
+        <p:spPr>
+          <a:xfrm>
+            <a:off x="4844355" y="2697756"/>
+            <a:ext cx="1207891" cy="369332"/>
+          </a:xfrm>
+          <a:prstGeom prst="rect">
+            <a:avLst/>
+          </a:prstGeom>
+          <a:noFill/>
+        </p:spPr>
+        <p:txBody>
+          <a:bodyPr wrap="square" rtlCol="0">
+            <a:spAutoFit/>
+          </a:bodyPr>
+          <a:lstStyle/>
+          <a:p>
+            <a:r>
+              <a:rPr lang="en-US" dirty="0">
+                <a:solidFill>
+                  <a:srgbClr val="DBA520"/>
+                </a:solidFill>
+              </a:rPr>
+              <a:t>X-CMC‡</a:t>
+            </a:r>
+          </a:p>
+        </p:txBody>
+      </p:sp>
+      <p:sp>
+        <p:nvSpPr>
+          <p:cNvPr id="35" name="TextBox 34">
+            <a:extLst>
+              <a:ext uri="{FF2B5EF4-FFF2-40B4-BE49-F238E27FC236}">
+                <a16:creationId xmlns:a16="http://schemas.microsoft.com/office/drawing/2014/main" id="{DC057D2F-11C3-2840-AF54-636B6461E7DD}"/>
+              </a:ext>
+            </a:extLst>
+          </p:cNvPr>
+          <p:cNvSpPr txBox="1"/>
+          <p:nvPr/>
+        </p:nvSpPr>
+        <p:spPr>
+          <a:xfrm>
+            <a:off x="2720279" y="2743559"/>
+            <a:ext cx="1207891" cy="369332"/>
+          </a:xfrm>
+          <a:prstGeom prst="rect">
+            <a:avLst/>
+          </a:prstGeom>
+          <a:noFill/>
+        </p:spPr>
+        <p:txBody>
+          <a:bodyPr wrap="square" rtlCol="0">
+            <a:spAutoFit/>
+          </a:bodyPr>
+          <a:lstStyle/>
+          <a:p>
+            <a:r>
+              <a:rPr lang="en-US" dirty="0">
+                <a:solidFill>
+                  <a:srgbClr val="DBA520"/>
+                </a:solidFill>
+              </a:rPr>
+              <a:t>X-CMC</a:t>
+            </a:r>
+          </a:p>
+        </p:txBody>
+      </p:sp>
+      <p:sp>
+        <p:nvSpPr>
+          <p:cNvPr id="38" name="TextBox 37">
+            <a:extLst>
+              <a:ext uri="{FF2B5EF4-FFF2-40B4-BE49-F238E27FC236}">
+                <a16:creationId xmlns:a16="http://schemas.microsoft.com/office/drawing/2014/main" id="{6CA7C6B4-8903-6549-89FD-70AA63C5DCC6}"/>
+              </a:ext>
+            </a:extLst>
+          </p:cNvPr>
+          <p:cNvSpPr txBox="1"/>
+          <p:nvPr/>
+        </p:nvSpPr>
+        <p:spPr>
+          <a:xfrm>
+            <a:off x="8932961" y="3625530"/>
+            <a:ext cx="1207891" cy="369332"/>
+          </a:xfrm>
+          <a:prstGeom prst="rect">
+            <a:avLst/>
+          </a:prstGeom>
+          <a:noFill/>
+        </p:spPr>
+        <p:txBody>
+          <a:bodyPr wrap="square" rtlCol="0">
+            <a:spAutoFit/>
+          </a:bodyPr>
+          <a:lstStyle/>
+          <a:p>
+            <a:r>
+              <a:rPr lang="en-US" dirty="0">
+                <a:solidFill>
+                  <a:srgbClr val="FD0000"/>
+                </a:solidFill>
+              </a:rPr>
+              <a:t>X-DIM</a:t>
+            </a:r>
+          </a:p>
+        </p:txBody>
+      </p:sp>
+      <p:sp>
+        <p:nvSpPr>
+          <p:cNvPr id="39" name="TextBox 38">
+            <a:extLst>
+              <a:ext uri="{FF2B5EF4-FFF2-40B4-BE49-F238E27FC236}">
+                <a16:creationId xmlns:a16="http://schemas.microsoft.com/office/drawing/2014/main" id="{8A75ACE6-DECC-694C-961B-0BA9840491A4}"/>
+              </a:ext>
+            </a:extLst>
+          </p:cNvPr>
+          <p:cNvSpPr txBox="1"/>
+          <p:nvPr/>
+        </p:nvSpPr>
+        <p:spPr>
+          <a:xfrm>
+            <a:off x="6096000" y="1694006"/>
+            <a:ext cx="1207891" cy="369332"/>
+          </a:xfrm>
+          <a:prstGeom prst="rect">
+            <a:avLst/>
+          </a:prstGeom>
+          <a:noFill/>
+        </p:spPr>
+        <p:txBody>
+          <a:bodyPr wrap="square" rtlCol="0">
+            <a:spAutoFit/>
+          </a:bodyPr>
+          <a:lstStyle/>
+          <a:p>
+            <a:r>
+              <a:rPr lang="en-US" dirty="0">
+                <a:solidFill>
+                  <a:srgbClr val="FD0000"/>
+                </a:solidFill>
+              </a:rPr>
+              <a:t>X-DIM‡</a:t>
+            </a:r>
+          </a:p>
+        </p:txBody>
+      </p:sp>
+      <p:sp>
+        <p:nvSpPr>
+          <p:cNvPr id="40" name="TextBox 39">
+            <a:extLst>
+              <a:ext uri="{FF2B5EF4-FFF2-40B4-BE49-F238E27FC236}">
+                <a16:creationId xmlns:a16="http://schemas.microsoft.com/office/drawing/2014/main" id="{DE6B71C3-3421-C543-BFD6-A3BDC79D16BE}"/>
+              </a:ext>
+            </a:extLst>
+          </p:cNvPr>
+          <p:cNvSpPr txBox="1"/>
+          <p:nvPr/>
+        </p:nvSpPr>
+        <p:spPr>
+          <a:xfrm>
+            <a:off x="2633363" y="3484464"/>
+            <a:ext cx="1207891" cy="369332"/>
+          </a:xfrm>
+          <a:prstGeom prst="rect">
+            <a:avLst/>
+          </a:prstGeom>
+          <a:noFill/>
+        </p:spPr>
+        <p:txBody>
+          <a:bodyPr wrap="square" rtlCol="0">
+            <a:spAutoFit/>
+          </a:bodyPr>
+          <a:lstStyle/>
+          <a:p>
+            <a:r>
+              <a:rPr lang="en-US" dirty="0">
+                <a:solidFill>
+                  <a:srgbClr val="FD0000"/>
+                </a:solidFill>
+              </a:rPr>
+              <a:t>X-CMC</a:t>
+            </a:r>
+          </a:p>
+        </p:txBody>
+      </p:sp>
+      <p:sp>
+        <p:nvSpPr>
+          <p:cNvPr id="41" name="TextBox 40">
+            <a:extLst>
+              <a:ext uri="{FF2B5EF4-FFF2-40B4-BE49-F238E27FC236}">
+                <a16:creationId xmlns:a16="http://schemas.microsoft.com/office/drawing/2014/main" id="{8CB3B051-35D6-B940-B17B-B0FDF89F930E}"/>
+              </a:ext>
+            </a:extLst>
+          </p:cNvPr>
+          <p:cNvSpPr txBox="1"/>
+          <p:nvPr/>
+        </p:nvSpPr>
+        <p:spPr>
+          <a:xfrm>
+            <a:off x="4726184" y="2023593"/>
+            <a:ext cx="1207891" cy="369332"/>
+          </a:xfrm>
+          <a:prstGeom prst="rect">
+            <a:avLst/>
+          </a:prstGeom>
+          <a:noFill/>
+        </p:spPr>
+        <p:txBody>
+          <a:bodyPr wrap="square" rtlCol="0">
+            <a:spAutoFit/>
+          </a:bodyPr>
+          <a:lstStyle/>
+          <a:p>
+            <a:r>
+              <a:rPr lang="en-US" dirty="0">
+                <a:solidFill>
+                  <a:srgbClr val="FD0000"/>
+                </a:solidFill>
+              </a:rPr>
+              <a:t>X-CMC‡</a:t>
+            </a:r>
+          </a:p>
+        </p:txBody>
+      </p:sp>
+      <p:sp>
+        <p:nvSpPr>
+          <p:cNvPr id="42" name="TextBox 41">
+            <a:extLst>
+              <a:ext uri="{FF2B5EF4-FFF2-40B4-BE49-F238E27FC236}">
+                <a16:creationId xmlns:a16="http://schemas.microsoft.com/office/drawing/2014/main" id="{8B30D5B3-2A59-C340-8C32-73684475EBF9}"/>
+              </a:ext>
+            </a:extLst>
+          </p:cNvPr>
+          <p:cNvSpPr txBox="1"/>
+          <p:nvPr/>
+        </p:nvSpPr>
+        <p:spPr>
+          <a:xfrm>
+            <a:off x="7805143" y="3188870"/>
+            <a:ext cx="648890" cy="369332"/>
+          </a:xfrm>
+          <a:prstGeom prst="rect">
+            <a:avLst/>
+          </a:prstGeom>
+          <a:noFill/>
+        </p:spPr>
+        <p:txBody>
+          <a:bodyPr wrap="square" rtlCol="0">
+            <a:spAutoFit/>
+          </a:bodyPr>
+          <a:lstStyle/>
+          <a:p>
+            <a:r>
+              <a:rPr lang="en-US" dirty="0"/>
+              <a:t>CMC</a:t>
+            </a:r>
+          </a:p>
+        </p:txBody>
+      </p:sp>
+      <p:sp>
+        <p:nvSpPr>
+          <p:cNvPr id="43" name="TextBox 42">
+            <a:extLst>
+              <a:ext uri="{FF2B5EF4-FFF2-40B4-BE49-F238E27FC236}">
+                <a16:creationId xmlns:a16="http://schemas.microsoft.com/office/drawing/2014/main" id="{E4B42D62-E1CF-6F42-9D4A-46E18B3AEA50}"/>
+              </a:ext>
+            </a:extLst>
+          </p:cNvPr>
+          <p:cNvSpPr txBox="1"/>
+          <p:nvPr/>
+        </p:nvSpPr>
+        <p:spPr>
+          <a:xfrm>
+            <a:off x="9185075" y="3299798"/>
+            <a:ext cx="1207891" cy="369332"/>
+          </a:xfrm>
+          <a:prstGeom prst="rect">
+            <a:avLst/>
+          </a:prstGeom>
+          <a:noFill/>
+        </p:spPr>
+        <p:txBody>
+          <a:bodyPr wrap="square" rtlCol="0">
+            <a:spAutoFit/>
+          </a:bodyPr>
+          <a:lstStyle/>
+          <a:p>
+            <a:r>
+              <a:rPr lang="en-US" dirty="0">
+                <a:solidFill>
+                  <a:srgbClr val="DBA520"/>
+                </a:solidFill>
+              </a:rPr>
+              <a:t>X-DIM</a:t>
+            </a:r>
+          </a:p>
+        </p:txBody>
+      </p:sp>
+      <p:sp>
+        <p:nvSpPr>
+          <p:cNvPr id="44" name="TextBox 43">
+            <a:extLst>
+              <a:ext uri="{FF2B5EF4-FFF2-40B4-BE49-F238E27FC236}">
+                <a16:creationId xmlns:a16="http://schemas.microsoft.com/office/drawing/2014/main" id="{69D55186-A166-DF4E-B8E4-38CA82D80AF2}"/>
+              </a:ext>
+            </a:extLst>
+          </p:cNvPr>
+          <p:cNvSpPr txBox="1"/>
+          <p:nvPr/>
+        </p:nvSpPr>
+        <p:spPr>
+          <a:xfrm>
+            <a:off x="6032001" y="1080158"/>
+            <a:ext cx="1207891" cy="369332"/>
+          </a:xfrm>
+          <a:prstGeom prst="rect">
+            <a:avLst/>
+          </a:prstGeom>
+          <a:noFill/>
+        </p:spPr>
+        <p:txBody>
+          <a:bodyPr wrap="square" rtlCol="0">
+            <a:spAutoFit/>
+          </a:bodyPr>
+          <a:lstStyle/>
+          <a:p>
+            <a:r>
+              <a:rPr lang="en-US" dirty="0">
+                <a:solidFill>
+                  <a:srgbClr val="DBA520"/>
+                </a:solidFill>
+              </a:rPr>
+              <a:t>X-DIM‡</a:t>
+            </a:r>
+          </a:p>
+        </p:txBody>
+      </p:sp>
     </p:spTree>
     <p:extLst>
       <p:ext uri="{BB962C8B-B14F-4D97-AF65-F5344CB8AC3E}">
-        <p14:creationId xmlns:p14="http://schemas.microsoft.com/office/powerpoint/2010/main" val="62311222"/>
+        <p14:creationId xmlns:p14="http://schemas.microsoft.com/office/powerpoint/2010/main" val="3746490439"/>
       </p:ext>
     </p:extLst>
   </p:cSld>
@@ -13262,10 +14204,10 @@
       </p:grpSpPr>
       <p:pic>
         <p:nvPicPr>
-          <p:cNvPr id="3" name="Picture 2">
-            <a:extLst>
-              <a:ext uri="{FF2B5EF4-FFF2-40B4-BE49-F238E27FC236}">
-                <a16:creationId xmlns:a16="http://schemas.microsoft.com/office/drawing/2014/main" id="{FEDC3348-1377-664A-BC23-0F99FF174743}"/>
+          <p:cNvPr id="5" name="Picture 4">
+            <a:extLst>
+              <a:ext uri="{FF2B5EF4-FFF2-40B4-BE49-F238E27FC236}">
+                <a16:creationId xmlns:a16="http://schemas.microsoft.com/office/drawing/2014/main" id="{0C14734D-6726-1841-9805-A6EEDDEFA71C}"/>
               </a:ext>
             </a:extLst>
           </p:cNvPr>
@@ -13276,13 +14218,13 @@
         </p:nvPicPr>
         <p:blipFill rotWithShape="1">
           <a:blip r:embed="rId3"/>
-          <a:srcRect t="16175" b="16284"/>
+          <a:srcRect t="16175" b="15847"/>
           <a:stretch/>
         </p:blipFill>
         <p:spPr>
           <a:xfrm>
-            <a:off x="954150" y="104273"/>
-            <a:ext cx="9845063" cy="6649453"/>
+            <a:off x="1112343" y="277835"/>
+            <a:ext cx="9525000" cy="6474918"/>
           </a:xfrm>
           <a:prstGeom prst="rect">
             <a:avLst/>
@@ -13346,7 +14288,7 @@
         </p:blipFill>
         <p:spPr>
           <a:xfrm>
-            <a:off x="2410863" y="3051269"/>
+            <a:off x="2410863" y="3203956"/>
             <a:ext cx="721360" cy="450088"/>
           </a:xfrm>
           <a:prstGeom prst="rect">
@@ -13381,7 +14323,7 @@
         </p:blipFill>
         <p:spPr>
           <a:xfrm>
-            <a:off x="3132223" y="1492856"/>
+            <a:off x="3221874" y="1505023"/>
             <a:ext cx="721360" cy="450088"/>
           </a:xfrm>
           <a:prstGeom prst="rect">
@@ -13416,7 +14358,7 @@
         </p:blipFill>
         <p:spPr>
           <a:xfrm>
-            <a:off x="3795359" y="2528823"/>
+            <a:off x="3943234" y="2557420"/>
             <a:ext cx="721360" cy="450088"/>
           </a:xfrm>
           <a:prstGeom prst="rect">
@@ -13486,7 +14428,7 @@
         </p:blipFill>
         <p:spPr>
           <a:xfrm>
-            <a:off x="5058755" y="3602271"/>
+            <a:off x="4985298" y="3575655"/>
             <a:ext cx="721360" cy="450088"/>
           </a:xfrm>
           <a:prstGeom prst="rect">
@@ -13521,7 +14463,7 @@
         </p:blipFill>
         <p:spPr>
           <a:xfrm>
-            <a:off x="6965921" y="3321823"/>
+            <a:off x="6838373" y="3305640"/>
             <a:ext cx="721360" cy="450088"/>
           </a:xfrm>
           <a:prstGeom prst="rect">
@@ -13556,7 +14498,7 @@
         </p:blipFill>
         <p:spPr>
           <a:xfrm>
-            <a:off x="8258622" y="4750992"/>
+            <a:off x="8161207" y="4618999"/>
             <a:ext cx="721360" cy="450088"/>
           </a:xfrm>
           <a:prstGeom prst="rect">
@@ -13591,7 +14533,7 @@
         </p:blipFill>
         <p:spPr>
           <a:xfrm>
-            <a:off x="8882567" y="3733935"/>
+            <a:off x="8691448" y="3726131"/>
             <a:ext cx="721360" cy="450088"/>
           </a:xfrm>
           <a:prstGeom prst="rect">
@@ -13607,7 +14549,7 @@
     </p:spTree>
     <p:extLst>
       <p:ext uri="{BB962C8B-B14F-4D97-AF65-F5344CB8AC3E}">
-        <p14:creationId xmlns:p14="http://schemas.microsoft.com/office/powerpoint/2010/main" val="1610338671"/>
+        <p14:creationId xmlns:p14="http://schemas.microsoft.com/office/powerpoint/2010/main" val="62311222"/>
       </p:ext>
     </p:extLst>
   </p:cSld>

--- a/EnergyFile.pptx
+++ b/EnergyFile.pptx
@@ -13,10 +13,10 @@
     <p:sldId id="289" r:id="rId4"/>
     <p:sldId id="301" r:id="rId5"/>
     <p:sldId id="292" r:id="rId6"/>
-    <p:sldId id="305" r:id="rId7"/>
-    <p:sldId id="306" r:id="rId8"/>
-    <p:sldId id="307" r:id="rId9"/>
-    <p:sldId id="303" r:id="rId10"/>
+    <p:sldId id="306" r:id="rId7"/>
+    <p:sldId id="307" r:id="rId8"/>
+    <p:sldId id="303" r:id="rId9"/>
+    <p:sldId id="308" r:id="rId10"/>
     <p:sldId id="304" r:id="rId11"/>
   </p:sldIdLst>
   <p:sldSz cx="12192000" cy="6858000"/>
@@ -134,2566 +134,6 @@
     </p:extLst>
   </p:cmAuthor>
 </p:cmAuthorLst>
-</file>
-
-<file path=ppt/charts/chart1.xml><?xml version="1.0" encoding="utf-8"?>
-<c:chartSpace xmlns:c="http://schemas.openxmlformats.org/drawingml/2006/chart" xmlns:a="http://schemas.openxmlformats.org/drawingml/2006/main" xmlns:r="http://schemas.openxmlformats.org/officeDocument/2006/relationships" xmlns:c16r2="http://schemas.microsoft.com/office/drawing/2015/06/chart">
-  <c:date1904 val="0"/>
-  <c:lang val="en-US"/>
-  <c:roundedCorners val="0"/>
-  <mc:AlternateContent xmlns:mc="http://schemas.openxmlformats.org/markup-compatibility/2006">
-    <mc:Choice xmlns:c14="http://schemas.microsoft.com/office/drawing/2007/8/2/chart" Requires="c14">
-      <c14:style val="102"/>
-    </mc:Choice>
-    <mc:Fallback>
-      <c:style val="2"/>
-    </mc:Fallback>
-  </mc:AlternateContent>
-  <c:chart>
-    <c:autoTitleDeleted val="1"/>
-    <c:plotArea>
-      <c:layout/>
-      <c:scatterChart>
-        <c:scatterStyle val="lineMarker"/>
-        <c:varyColors val="0"/>
-        <c:ser>
-          <c:idx val="0"/>
-          <c:order val="0"/>
-          <c:tx>
-            <c:v>ideal-surface</c:v>
-          </c:tx>
-          <c:spPr>
-            <a:ln w="19050" cap="rnd">
-              <a:solidFill>
-                <a:schemeClr val="accent1"/>
-              </a:solidFill>
-              <a:round/>
-            </a:ln>
-            <a:effectLst/>
-          </c:spPr>
-          <c:marker>
-            <c:symbol val="circle"/>
-            <c:size val="5"/>
-            <c:spPr>
-              <a:solidFill>
-                <a:schemeClr val="accent1"/>
-              </a:solidFill>
-              <a:ln w="9525">
-                <a:solidFill>
-                  <a:schemeClr val="accent1"/>
-                </a:solidFill>
-              </a:ln>
-              <a:effectLst/>
-            </c:spPr>
-          </c:marker>
-          <c:xVal>
-            <c:numRef>
-              <c:f>Sheet1!$F$11:$F$18</c:f>
-              <c:numCache>
-                <c:formatCode>General</c:formatCode>
-                <c:ptCount val="8"/>
-                <c:pt idx="0">
-                  <c:v>3.1</c:v>
-                </c:pt>
-                <c:pt idx="1">
-                  <c:v>2.96</c:v>
-                </c:pt>
-                <c:pt idx="2">
-                  <c:v>2.72</c:v>
-                </c:pt>
-                <c:pt idx="3">
-                  <c:v>2.2799999999999998</c:v>
-                </c:pt>
-                <c:pt idx="4">
-                  <c:v>1.58</c:v>
-                </c:pt>
-                <c:pt idx="5">
-                  <c:v>1.5</c:v>
-                </c:pt>
-                <c:pt idx="6">
-                  <c:v>1.49</c:v>
-                </c:pt>
-                <c:pt idx="7">
-                  <c:v>1.49</c:v>
-                </c:pt>
-              </c:numCache>
-            </c:numRef>
-          </c:xVal>
-          <c:yVal>
-            <c:numRef>
-              <c:f>Sheet1!$G$11:$G$18</c:f>
-              <c:numCache>
-                <c:formatCode>General</c:formatCode>
-                <c:ptCount val="8"/>
-                <c:pt idx="0">
-                  <c:v>-3.73</c:v>
-                </c:pt>
-                <c:pt idx="1">
-                  <c:v>-3.6692969999999998</c:v>
-                </c:pt>
-                <c:pt idx="2">
-                  <c:v>-3.4701219999999999</c:v>
-                </c:pt>
-                <c:pt idx="3">
-                  <c:v>-3.2404510000000002</c:v>
-                </c:pt>
-                <c:pt idx="4">
-                  <c:v>-4.7666269999999997</c:v>
-                </c:pt>
-                <c:pt idx="5">
-                  <c:v>-5.4249720000000003</c:v>
-                </c:pt>
-                <c:pt idx="6">
-                  <c:v>-5.6647990000000004</c:v>
-                </c:pt>
-                <c:pt idx="7">
-                  <c:v>-5.757307</c:v>
-                </c:pt>
-              </c:numCache>
-            </c:numRef>
-          </c:yVal>
-          <c:smooth val="0"/>
-          <c:extLst>
-            <c:ext xmlns:c16="http://schemas.microsoft.com/office/drawing/2014/chart" uri="{C3380CC4-5D6E-409C-BE32-E72D297353CC}">
-              <c16:uniqueId val="{00000000-2CB7-8C46-A6F8-3C002041B780}"/>
-            </c:ext>
-          </c:extLst>
-        </c:ser>
-        <c:ser>
-          <c:idx val="1"/>
-          <c:order val="1"/>
-          <c:tx>
-            <c:v>extraction-1</c:v>
-          </c:tx>
-          <c:spPr>
-            <a:ln w="19050" cap="rnd">
-              <a:solidFill>
-                <a:schemeClr val="accent2"/>
-              </a:solidFill>
-              <a:round/>
-            </a:ln>
-            <a:effectLst/>
-          </c:spPr>
-          <c:marker>
-            <c:symbol val="circle"/>
-            <c:size val="5"/>
-            <c:spPr>
-              <a:solidFill>
-                <a:schemeClr val="accent2"/>
-              </a:solidFill>
-              <a:ln w="9525">
-                <a:solidFill>
-                  <a:schemeClr val="accent2"/>
-                </a:solidFill>
-              </a:ln>
-              <a:effectLst/>
-            </c:spPr>
-          </c:marker>
-          <c:xVal>
-            <c:numRef>
-              <c:f>Sheet1!$J$28:$J$41</c:f>
-              <c:numCache>
-                <c:formatCode>General</c:formatCode>
-                <c:ptCount val="14"/>
-                <c:pt idx="0">
-                  <c:v>3.1</c:v>
-                </c:pt>
-                <c:pt idx="1">
-                  <c:v>3.14</c:v>
-                </c:pt>
-                <c:pt idx="2">
-                  <c:v>3.19</c:v>
-                </c:pt>
-                <c:pt idx="3">
-                  <c:v>3.26</c:v>
-                </c:pt>
-                <c:pt idx="4">
-                  <c:v>3.37</c:v>
-                </c:pt>
-                <c:pt idx="5">
-                  <c:v>3.46</c:v>
-                </c:pt>
-                <c:pt idx="6">
-                  <c:v>3.55</c:v>
-                </c:pt>
-                <c:pt idx="7">
-                  <c:v>3.61</c:v>
-                </c:pt>
-                <c:pt idx="8">
-                  <c:v>3.69</c:v>
-                </c:pt>
-                <c:pt idx="9">
-                  <c:v>3.77</c:v>
-                </c:pt>
-                <c:pt idx="10">
-                  <c:v>3.8</c:v>
-                </c:pt>
-                <c:pt idx="11">
-                  <c:v>3.83</c:v>
-                </c:pt>
-                <c:pt idx="12">
-                  <c:v>3.87</c:v>
-                </c:pt>
-                <c:pt idx="13">
-                  <c:v>3.89</c:v>
-                </c:pt>
-              </c:numCache>
-            </c:numRef>
-          </c:xVal>
-          <c:yVal>
-            <c:numRef>
-              <c:f>Sheet1!$K$28:$K$41</c:f>
-              <c:numCache>
-                <c:formatCode>General</c:formatCode>
-                <c:ptCount val="14"/>
-                <c:pt idx="0">
-                  <c:v>-3.734</c:v>
-                </c:pt>
-                <c:pt idx="1">
-                  <c:v>-3.6547000000000001</c:v>
-                </c:pt>
-                <c:pt idx="2">
-                  <c:v>-3.4702999999999999</c:v>
-                </c:pt>
-                <c:pt idx="3">
-                  <c:v>-3.2031999999999998</c:v>
-                </c:pt>
-                <c:pt idx="4">
-                  <c:v>-2.8073999999999999</c:v>
-                </c:pt>
-                <c:pt idx="5">
-                  <c:v>-2.4156</c:v>
-                </c:pt>
-                <c:pt idx="6">
-                  <c:v>-2.3569</c:v>
-                </c:pt>
-                <c:pt idx="7">
-                  <c:v>-2.3990999999999998</c:v>
-                </c:pt>
-                <c:pt idx="8">
-                  <c:v>-2.6722999999999999</c:v>
-                </c:pt>
-                <c:pt idx="9">
-                  <c:v>-3.2202999999999999</c:v>
-                </c:pt>
-                <c:pt idx="10">
-                  <c:v>-3.5466000000000002</c:v>
-                </c:pt>
-                <c:pt idx="11">
-                  <c:v>-3.7713000000000001</c:v>
-                </c:pt>
-                <c:pt idx="12">
-                  <c:v>-3.9165999999999999</c:v>
-                </c:pt>
-                <c:pt idx="13">
-                  <c:v>-3.9382999999999999</c:v>
-                </c:pt>
-              </c:numCache>
-            </c:numRef>
-          </c:yVal>
-          <c:smooth val="0"/>
-          <c:extLst>
-            <c:ext xmlns:c16="http://schemas.microsoft.com/office/drawing/2014/chart" uri="{C3380CC4-5D6E-409C-BE32-E72D297353CC}">
-              <c16:uniqueId val="{00000001-2CB7-8C46-A6F8-3C002041B780}"/>
-            </c:ext>
-          </c:extLst>
-        </c:ser>
-        <c:ser>
-          <c:idx val="2"/>
-          <c:order val="2"/>
-          <c:tx>
-            <c:v>extraction-2</c:v>
-          </c:tx>
-          <c:spPr>
-            <a:ln w="19050" cap="rnd">
-              <a:solidFill>
-                <a:schemeClr val="accent3"/>
-              </a:solidFill>
-              <a:round/>
-            </a:ln>
-            <a:effectLst/>
-          </c:spPr>
-          <c:marker>
-            <c:symbol val="circle"/>
-            <c:size val="5"/>
-            <c:spPr>
-              <a:solidFill>
-                <a:schemeClr val="accent3"/>
-              </a:solidFill>
-              <a:ln w="9525">
-                <a:solidFill>
-                  <a:schemeClr val="accent3"/>
-                </a:solidFill>
-              </a:ln>
-              <a:effectLst/>
-            </c:spPr>
-          </c:marker>
-          <c:xVal>
-            <c:numRef>
-              <c:f>Sheet1!$J$42:$J$53</c:f>
-              <c:numCache>
-                <c:formatCode>General</c:formatCode>
-                <c:ptCount val="12"/>
-                <c:pt idx="0">
-                  <c:v>3.89</c:v>
-                </c:pt>
-                <c:pt idx="1">
-                  <c:v>3.82</c:v>
-                </c:pt>
-                <c:pt idx="2">
-                  <c:v>3.73</c:v>
-                </c:pt>
-                <c:pt idx="3">
-                  <c:v>3.56</c:v>
-                </c:pt>
-                <c:pt idx="4">
-                  <c:v>3.3</c:v>
-                </c:pt>
-                <c:pt idx="5">
-                  <c:v>3.06</c:v>
-                </c:pt>
-                <c:pt idx="6">
-                  <c:v>2.82</c:v>
-                </c:pt>
-                <c:pt idx="7">
-                  <c:v>2.5299999999999998</c:v>
-                </c:pt>
-                <c:pt idx="8">
-                  <c:v>1.98</c:v>
-                </c:pt>
-                <c:pt idx="9">
-                  <c:v>1.59</c:v>
-                </c:pt>
-                <c:pt idx="10">
-                  <c:v>1.51</c:v>
-                </c:pt>
-                <c:pt idx="11">
-                  <c:v>1.5</c:v>
-                </c:pt>
-              </c:numCache>
-            </c:numRef>
-          </c:xVal>
-          <c:yVal>
-            <c:numRef>
-              <c:f>Sheet1!$K$42:$K$53</c:f>
-              <c:numCache>
-                <c:formatCode>General</c:formatCode>
-                <c:ptCount val="12"/>
-                <c:pt idx="0">
-                  <c:v>-3.9382999999999999</c:v>
-                </c:pt>
-                <c:pt idx="1">
-                  <c:v>-3.8907669999999999</c:v>
-                </c:pt>
-                <c:pt idx="2">
-                  <c:v>-3.6761650000000001</c:v>
-                </c:pt>
-                <c:pt idx="3">
-                  <c:v>-3.0932599999999999</c:v>
-                </c:pt>
-                <c:pt idx="4">
-                  <c:v>-2.405932</c:v>
-                </c:pt>
-                <c:pt idx="5">
-                  <c:v>-2.1234220000000001</c:v>
-                </c:pt>
-                <c:pt idx="6">
-                  <c:v>-1.9756290000000001</c:v>
-                </c:pt>
-                <c:pt idx="7">
-                  <c:v>-1.93282</c:v>
-                </c:pt>
-                <c:pt idx="8">
-                  <c:v>-2.4670899999999998</c:v>
-                </c:pt>
-                <c:pt idx="9">
-                  <c:v>-3.7304919999999999</c:v>
-                </c:pt>
-                <c:pt idx="10">
-                  <c:v>-4.0853789999999996</c:v>
-                </c:pt>
-                <c:pt idx="11">
-                  <c:v>-4.1109020000000003</c:v>
-                </c:pt>
-              </c:numCache>
-            </c:numRef>
-          </c:yVal>
-          <c:smooth val="0"/>
-          <c:extLst>
-            <c:ext xmlns:c16="http://schemas.microsoft.com/office/drawing/2014/chart" uri="{C3380CC4-5D6E-409C-BE32-E72D297353CC}">
-              <c16:uniqueId val="{00000002-2CB7-8C46-A6F8-3C002041B780}"/>
-            </c:ext>
-          </c:extLst>
-        </c:ser>
-        <c:dLbls>
-          <c:showLegendKey val="0"/>
-          <c:showVal val="0"/>
-          <c:showCatName val="0"/>
-          <c:showSerName val="0"/>
-          <c:showPercent val="0"/>
-          <c:showBubbleSize val="0"/>
-        </c:dLbls>
-        <c:axId val="1942965903"/>
-        <c:axId val="1942357775"/>
-      </c:scatterChart>
-      <c:valAx>
-        <c:axId val="1942965903"/>
-        <c:scaling>
-          <c:orientation val="minMax"/>
-          <c:min val="1.25"/>
-        </c:scaling>
-        <c:delete val="0"/>
-        <c:axPos val="b"/>
-        <c:majorGridlines>
-          <c:spPr>
-            <a:ln w="9525" cap="flat" cmpd="sng" algn="ctr">
-              <a:solidFill>
-                <a:schemeClr val="tx1">
-                  <a:lumMod val="15000"/>
-                  <a:lumOff val="85000"/>
-                </a:schemeClr>
-              </a:solidFill>
-              <a:round/>
-            </a:ln>
-            <a:effectLst/>
-          </c:spPr>
-        </c:majorGridlines>
-        <c:title>
-          <c:tx>
-            <c:rich>
-              <a:bodyPr rot="0" spcFirstLastPara="1" vertOverflow="ellipsis" vert="horz" wrap="square" anchor="ctr" anchorCtr="1"/>
-              <a:lstStyle/>
-              <a:p>
-                <a:pPr>
-                  <a:defRPr sz="1800" b="0" i="0" u="none" strike="noStrike" kern="1200" baseline="0">
-                    <a:solidFill>
-                      <a:schemeClr val="tx1">
-                        <a:lumMod val="65000"/>
-                        <a:lumOff val="35000"/>
-                      </a:schemeClr>
-                    </a:solidFill>
-                    <a:latin typeface="+mn-lt"/>
-                    <a:ea typeface="+mn-ea"/>
-                    <a:cs typeface="+mn-cs"/>
-                  </a:defRPr>
-                </a:pPr>
-                <a:r>
-                  <a:rPr lang="en-US" sz="1800"/>
-                  <a:t>C--C </a:t>
-                </a:r>
-                <a:r>
-                  <a:rPr lang="en-US" sz="1800" baseline="0"/>
-                  <a:t> distance (A)</a:t>
-                </a:r>
-                <a:endParaRPr lang="en-US" sz="1800"/>
-              </a:p>
-            </c:rich>
-          </c:tx>
-          <c:overlay val="0"/>
-          <c:spPr>
-            <a:noFill/>
-            <a:ln>
-              <a:noFill/>
-            </a:ln>
-            <a:effectLst/>
-          </c:spPr>
-          <c:txPr>
-            <a:bodyPr rot="0" spcFirstLastPara="1" vertOverflow="ellipsis" vert="horz" wrap="square" anchor="ctr" anchorCtr="1"/>
-            <a:lstStyle/>
-            <a:p>
-              <a:pPr>
-                <a:defRPr sz="1800" b="0" i="0" u="none" strike="noStrike" kern="1200" baseline="0">
-                  <a:solidFill>
-                    <a:schemeClr val="tx1">
-                      <a:lumMod val="65000"/>
-                      <a:lumOff val="35000"/>
-                    </a:schemeClr>
-                  </a:solidFill>
-                  <a:latin typeface="+mn-lt"/>
-                  <a:ea typeface="+mn-ea"/>
-                  <a:cs typeface="+mn-cs"/>
-                </a:defRPr>
-              </a:pPr>
-              <a:endParaRPr lang="en-US"/>
-            </a:p>
-          </c:txPr>
-        </c:title>
-        <c:numFmt formatCode="General" sourceLinked="1"/>
-        <c:majorTickMark val="none"/>
-        <c:minorTickMark val="none"/>
-        <c:tickLblPos val="low"/>
-        <c:spPr>
-          <a:noFill/>
-          <a:ln w="9525" cap="flat" cmpd="sng" algn="ctr">
-            <a:solidFill>
-              <a:schemeClr val="tx1">
-                <a:lumMod val="25000"/>
-                <a:lumOff val="75000"/>
-              </a:schemeClr>
-            </a:solidFill>
-            <a:round/>
-          </a:ln>
-          <a:effectLst/>
-        </c:spPr>
-        <c:txPr>
-          <a:bodyPr rot="-60000000" spcFirstLastPara="1" vertOverflow="ellipsis" vert="horz" wrap="square" anchor="ctr" anchorCtr="1"/>
-          <a:lstStyle/>
-          <a:p>
-            <a:pPr>
-              <a:defRPr sz="1600" b="0" i="0" u="none" strike="noStrike" kern="1200" baseline="0">
-                <a:solidFill>
-                  <a:schemeClr val="tx1">
-                    <a:lumMod val="65000"/>
-                    <a:lumOff val="35000"/>
-                  </a:schemeClr>
-                </a:solidFill>
-                <a:latin typeface="+mn-lt"/>
-                <a:ea typeface="+mn-ea"/>
-                <a:cs typeface="+mn-cs"/>
-              </a:defRPr>
-            </a:pPr>
-            <a:endParaRPr lang="en-US"/>
-          </a:p>
-        </c:txPr>
-        <c:crossAx val="1942357775"/>
-        <c:crosses val="autoZero"/>
-        <c:crossBetween val="midCat"/>
-        <c:majorUnit val="0.2"/>
-      </c:valAx>
-      <c:valAx>
-        <c:axId val="1942357775"/>
-        <c:scaling>
-          <c:orientation val="minMax"/>
-        </c:scaling>
-        <c:delete val="0"/>
-        <c:axPos val="l"/>
-        <c:majorGridlines>
-          <c:spPr>
-            <a:ln w="9525" cap="flat" cmpd="sng" algn="ctr">
-              <a:solidFill>
-                <a:schemeClr val="tx1">
-                  <a:lumMod val="15000"/>
-                  <a:lumOff val="85000"/>
-                </a:schemeClr>
-              </a:solidFill>
-              <a:round/>
-            </a:ln>
-            <a:effectLst/>
-          </c:spPr>
-        </c:majorGridlines>
-        <c:title>
-          <c:tx>
-            <c:rich>
-              <a:bodyPr rot="-5400000" spcFirstLastPara="1" vertOverflow="ellipsis" vert="horz" wrap="square" anchor="ctr" anchorCtr="1"/>
-              <a:lstStyle/>
-              <a:p>
-                <a:pPr>
-                  <a:defRPr sz="1800" b="0" i="0" u="none" strike="noStrike" kern="1200" baseline="0">
-                    <a:solidFill>
-                      <a:schemeClr val="tx1">
-                        <a:lumMod val="65000"/>
-                        <a:lumOff val="35000"/>
-                      </a:schemeClr>
-                    </a:solidFill>
-                    <a:latin typeface="+mn-lt"/>
-                    <a:ea typeface="+mn-ea"/>
-                    <a:cs typeface="+mn-cs"/>
-                  </a:defRPr>
-                </a:pPr>
-                <a:r>
-                  <a:rPr lang="en-US" sz="1800"/>
-                  <a:t>Energy(eV)</a:t>
-                </a:r>
-              </a:p>
-            </c:rich>
-          </c:tx>
-          <c:layout>
-            <c:manualLayout>
-              <c:xMode val="edge"/>
-              <c:yMode val="edge"/>
-              <c:x val="0.95738161891843876"/>
-              <c:y val="0.39602051388313303"/>
-            </c:manualLayout>
-          </c:layout>
-          <c:overlay val="0"/>
-          <c:spPr>
-            <a:noFill/>
-            <a:ln>
-              <a:noFill/>
-            </a:ln>
-            <a:effectLst/>
-          </c:spPr>
-          <c:txPr>
-            <a:bodyPr rot="-5400000" spcFirstLastPara="1" vertOverflow="ellipsis" vert="horz" wrap="square" anchor="ctr" anchorCtr="1"/>
-            <a:lstStyle/>
-            <a:p>
-              <a:pPr>
-                <a:defRPr sz="1800" b="0" i="0" u="none" strike="noStrike" kern="1200" baseline="0">
-                  <a:solidFill>
-                    <a:schemeClr val="tx1">
-                      <a:lumMod val="65000"/>
-                      <a:lumOff val="35000"/>
-                    </a:schemeClr>
-                  </a:solidFill>
-                  <a:latin typeface="+mn-lt"/>
-                  <a:ea typeface="+mn-ea"/>
-                  <a:cs typeface="+mn-cs"/>
-                </a:defRPr>
-              </a:pPr>
-              <a:endParaRPr lang="en-US"/>
-            </a:p>
-          </c:txPr>
-        </c:title>
-        <c:numFmt formatCode="General" sourceLinked="1"/>
-        <c:majorTickMark val="none"/>
-        <c:minorTickMark val="none"/>
-        <c:tickLblPos val="low"/>
-        <c:spPr>
-          <a:noFill/>
-          <a:ln w="9525" cap="flat" cmpd="sng" algn="ctr">
-            <a:solidFill>
-              <a:schemeClr val="tx1">
-                <a:lumMod val="25000"/>
-                <a:lumOff val="75000"/>
-              </a:schemeClr>
-            </a:solidFill>
-            <a:round/>
-          </a:ln>
-          <a:effectLst/>
-        </c:spPr>
-        <c:txPr>
-          <a:bodyPr rot="-60000000" spcFirstLastPara="1" vertOverflow="ellipsis" vert="horz" wrap="square" anchor="ctr" anchorCtr="1"/>
-          <a:lstStyle/>
-          <a:p>
-            <a:pPr>
-              <a:defRPr sz="1800" b="0" i="0" u="none" strike="noStrike" kern="1200" baseline="0">
-                <a:solidFill>
-                  <a:schemeClr val="tx1">
-                    <a:lumMod val="65000"/>
-                    <a:lumOff val="35000"/>
-                  </a:schemeClr>
-                </a:solidFill>
-                <a:latin typeface="+mn-lt"/>
-                <a:ea typeface="+mn-ea"/>
-                <a:cs typeface="+mn-cs"/>
-              </a:defRPr>
-            </a:pPr>
-            <a:endParaRPr lang="en-US"/>
-          </a:p>
-        </c:txPr>
-        <c:crossAx val="1942965903"/>
-        <c:crosses val="autoZero"/>
-        <c:crossBetween val="midCat"/>
-        <c:majorUnit val="0.5"/>
-      </c:valAx>
-      <c:spPr>
-        <a:noFill/>
-        <a:ln>
-          <a:noFill/>
-        </a:ln>
-        <a:effectLst/>
-      </c:spPr>
-    </c:plotArea>
-    <c:legend>
-      <c:legendPos val="t"/>
-      <c:layout>
-        <c:manualLayout>
-          <c:xMode val="edge"/>
-          <c:yMode val="edge"/>
-          <c:x val="0.23786622855809458"/>
-          <c:y val="3.9346246973365619E-2"/>
-          <c:w val="0.52089613559519421"/>
-          <c:h val="6.2286230818928964E-2"/>
-        </c:manualLayout>
-      </c:layout>
-      <c:overlay val="0"/>
-      <c:spPr>
-        <a:noFill/>
-        <a:ln>
-          <a:noFill/>
-        </a:ln>
-        <a:effectLst/>
-      </c:spPr>
-      <c:txPr>
-        <a:bodyPr rot="0" spcFirstLastPara="1" vertOverflow="ellipsis" vert="horz" wrap="square" anchor="ctr" anchorCtr="1"/>
-        <a:lstStyle/>
-        <a:p>
-          <a:pPr>
-            <a:defRPr sz="1200" b="0" i="0" u="none" strike="noStrike" kern="1200" baseline="0">
-              <a:solidFill>
-                <a:schemeClr val="tx1">
-                  <a:lumMod val="65000"/>
-                  <a:lumOff val="35000"/>
-                </a:schemeClr>
-              </a:solidFill>
-              <a:latin typeface="+mn-lt"/>
-              <a:ea typeface="+mn-ea"/>
-              <a:cs typeface="+mn-cs"/>
-            </a:defRPr>
-          </a:pPr>
-          <a:endParaRPr lang="en-US"/>
-        </a:p>
-      </c:txPr>
-    </c:legend>
-    <c:plotVisOnly val="1"/>
-    <c:dispBlanksAs val="gap"/>
-    <c:extLst>
-      <c:ext xmlns:c16r3="http://schemas.microsoft.com/office/drawing/2017/03/chart" uri="{56B9EC1D-385E-4148-901F-78D8002777C0}">
-        <c16r3:dataDisplayOptions16>
-          <c16r3:dispNaAsBlank val="1"/>
-        </c16r3:dataDisplayOptions16>
-      </c:ext>
-    </c:extLst>
-    <c:showDLblsOverMax val="0"/>
-  </c:chart>
-  <c:spPr>
-    <a:noFill/>
-    <a:ln>
-      <a:noFill/>
-    </a:ln>
-    <a:effectLst/>
-  </c:spPr>
-  <c:txPr>
-    <a:bodyPr/>
-    <a:lstStyle/>
-    <a:p>
-      <a:pPr>
-        <a:defRPr/>
-      </a:pPr>
-      <a:endParaRPr lang="en-US"/>
-    </a:p>
-  </c:txPr>
-  <c:externalData r:id="rId3">
-    <c:autoUpdate val="0"/>
-  </c:externalData>
-</c:chartSpace>
-</file>
-
-<file path=ppt/charts/chart2.xml><?xml version="1.0" encoding="utf-8"?>
-<c:chartSpace xmlns:c="http://schemas.openxmlformats.org/drawingml/2006/chart" xmlns:a="http://schemas.openxmlformats.org/drawingml/2006/main" xmlns:r="http://schemas.openxmlformats.org/officeDocument/2006/relationships" xmlns:c16r2="http://schemas.microsoft.com/office/drawing/2015/06/chart">
-  <c:date1904 val="0"/>
-  <c:lang val="en-US"/>
-  <c:roundedCorners val="0"/>
-  <mc:AlternateContent xmlns:mc="http://schemas.openxmlformats.org/markup-compatibility/2006">
-    <mc:Choice xmlns:c14="http://schemas.microsoft.com/office/drawing/2007/8/2/chart" Requires="c14">
-      <c14:style val="102"/>
-    </mc:Choice>
-    <mc:Fallback>
-      <c:style val="2"/>
-    </mc:Fallback>
-  </mc:AlternateContent>
-  <c:chart>
-    <c:autoTitleDeleted val="1"/>
-    <c:plotArea>
-      <c:layout/>
-      <c:scatterChart>
-        <c:scatterStyle val="smoothMarker"/>
-        <c:varyColors val="0"/>
-        <c:ser>
-          <c:idx val="0"/>
-          <c:order val="0"/>
-          <c:tx>
-            <c:v>ideal surface</c:v>
-          </c:tx>
-          <c:spPr>
-            <a:ln w="19050" cap="rnd">
-              <a:solidFill>
-                <a:schemeClr val="accent1"/>
-              </a:solidFill>
-              <a:round/>
-            </a:ln>
-            <a:effectLst/>
-          </c:spPr>
-          <c:marker>
-            <c:symbol val="circle"/>
-            <c:size val="5"/>
-            <c:spPr>
-              <a:solidFill>
-                <a:schemeClr val="accent1"/>
-              </a:solidFill>
-              <a:ln w="9525">
-                <a:solidFill>
-                  <a:schemeClr val="accent1"/>
-                </a:solidFill>
-              </a:ln>
-              <a:effectLst/>
-            </c:spPr>
-          </c:marker>
-          <c:xVal>
-            <c:numRef>
-              <c:f>Sheet1!$B$1:$B$8</c:f>
-              <c:numCache>
-                <c:formatCode>General</c:formatCode>
-                <c:ptCount val="8"/>
-                <c:pt idx="0">
-                  <c:v>4.9095861799999998</c:v>
-                </c:pt>
-                <c:pt idx="1">
-                  <c:v>4.9372169399999999</c:v>
-                </c:pt>
-                <c:pt idx="2">
-                  <c:v>4.86805705</c:v>
-                </c:pt>
-                <c:pt idx="3">
-                  <c:v>4.6507564400000003</c:v>
-                </c:pt>
-                <c:pt idx="4">
-                  <c:v>4.3775108200000004</c:v>
-                </c:pt>
-                <c:pt idx="5">
-                  <c:v>4.3615144199999998</c:v>
-                </c:pt>
-                <c:pt idx="6">
-                  <c:v>4.40222494</c:v>
-                </c:pt>
-                <c:pt idx="7">
-                  <c:v>4.4156019000000004</c:v>
-                </c:pt>
-              </c:numCache>
-            </c:numRef>
-          </c:xVal>
-          <c:yVal>
-            <c:numRef>
-              <c:f>Sheet1!$D$1:$D$8</c:f>
-              <c:numCache>
-                <c:formatCode>General</c:formatCode>
-                <c:ptCount val="8"/>
-                <c:pt idx="0">
-                  <c:v>-3.73</c:v>
-                </c:pt>
-                <c:pt idx="1">
-                  <c:v>-3.6692969999999998</c:v>
-                </c:pt>
-                <c:pt idx="2">
-                  <c:v>-3.4701219999999999</c:v>
-                </c:pt>
-                <c:pt idx="3">
-                  <c:v>-3.2404510000000002</c:v>
-                </c:pt>
-                <c:pt idx="4">
-                  <c:v>-4.7666269999999997</c:v>
-                </c:pt>
-                <c:pt idx="5">
-                  <c:v>-5.4249720000000003</c:v>
-                </c:pt>
-                <c:pt idx="6">
-                  <c:v>-5.6647990000000004</c:v>
-                </c:pt>
-                <c:pt idx="7">
-                  <c:v>-5.757307</c:v>
-                </c:pt>
-              </c:numCache>
-            </c:numRef>
-          </c:yVal>
-          <c:smooth val="1"/>
-          <c:extLst>
-            <c:ext xmlns:c16="http://schemas.microsoft.com/office/drawing/2014/chart" uri="{C3380CC4-5D6E-409C-BE32-E72D297353CC}">
-              <c16:uniqueId val="{00000000-86B4-D740-AD1B-FFFE43EAA5A8}"/>
-            </c:ext>
-          </c:extLst>
-        </c:ser>
-        <c:ser>
-          <c:idx val="1"/>
-          <c:order val="1"/>
-          <c:tx>
-            <c:v>extraction-1</c:v>
-          </c:tx>
-          <c:spPr>
-            <a:ln w="19050" cap="rnd">
-              <a:solidFill>
-                <a:schemeClr val="accent2"/>
-              </a:solidFill>
-              <a:round/>
-            </a:ln>
-            <a:effectLst/>
-          </c:spPr>
-          <c:marker>
-            <c:symbol val="circle"/>
-            <c:size val="5"/>
-            <c:spPr>
-              <a:solidFill>
-                <a:schemeClr val="accent2"/>
-              </a:solidFill>
-              <a:ln w="9525">
-                <a:solidFill>
-                  <a:schemeClr val="accent2"/>
-                </a:solidFill>
-              </a:ln>
-              <a:effectLst/>
-            </c:spPr>
-          </c:marker>
-          <c:xVal>
-            <c:numRef>
-              <c:f>Sheet1!$J$1:$J$14</c:f>
-              <c:numCache>
-                <c:formatCode>General</c:formatCode>
-                <c:ptCount val="14"/>
-                <c:pt idx="0">
-                  <c:v>4.9095861799999998</c:v>
-                </c:pt>
-                <c:pt idx="1">
-                  <c:v>5.0633391100000003</c:v>
-                </c:pt>
-                <c:pt idx="2">
-                  <c:v>5.2270165000000004</c:v>
-                </c:pt>
-                <c:pt idx="3">
-                  <c:v>5.4032743999999999</c:v>
-                </c:pt>
-                <c:pt idx="4">
-                  <c:v>5.559653</c:v>
-                </c:pt>
-                <c:pt idx="5">
-                  <c:v>5.7286707100000003</c:v>
-                </c:pt>
-                <c:pt idx="6">
-                  <c:v>5.9050474499999996</c:v>
-                </c:pt>
-                <c:pt idx="7">
-                  <c:v>6.0732526299999998</c:v>
-                </c:pt>
-                <c:pt idx="8">
-                  <c:v>6.2401318300000002</c:v>
-                </c:pt>
-                <c:pt idx="9">
-                  <c:v>6.40503701</c:v>
-                </c:pt>
-                <c:pt idx="10">
-                  <c:v>6.5320173700000002</c:v>
-                </c:pt>
-                <c:pt idx="11">
-                  <c:v>6.6263905000000003</c:v>
-                </c:pt>
-                <c:pt idx="12">
-                  <c:v>6.7314860999999997</c:v>
-                </c:pt>
-                <c:pt idx="13">
-                  <c:v>6.7779233200000002</c:v>
-                </c:pt>
-              </c:numCache>
-            </c:numRef>
-          </c:xVal>
-          <c:yVal>
-            <c:numRef>
-              <c:f>Sheet1!$K$1:$K$14</c:f>
-              <c:numCache>
-                <c:formatCode>General</c:formatCode>
-                <c:ptCount val="14"/>
-                <c:pt idx="0">
-                  <c:v>-3.734</c:v>
-                </c:pt>
-                <c:pt idx="1">
-                  <c:v>-3.6547000000000001</c:v>
-                </c:pt>
-                <c:pt idx="2">
-                  <c:v>-3.4702999999999999</c:v>
-                </c:pt>
-                <c:pt idx="3">
-                  <c:v>-3.2031999999999998</c:v>
-                </c:pt>
-                <c:pt idx="4">
-                  <c:v>-2.8073999999999999</c:v>
-                </c:pt>
-                <c:pt idx="5">
-                  <c:v>-2.4156</c:v>
-                </c:pt>
-                <c:pt idx="6">
-                  <c:v>-2.3569</c:v>
-                </c:pt>
-                <c:pt idx="7">
-                  <c:v>-2.3990999999999998</c:v>
-                </c:pt>
-                <c:pt idx="8">
-                  <c:v>-2.6722999999999999</c:v>
-                </c:pt>
-                <c:pt idx="9">
-                  <c:v>-3.2202999999999999</c:v>
-                </c:pt>
-                <c:pt idx="10">
-                  <c:v>-3.5466000000000002</c:v>
-                </c:pt>
-                <c:pt idx="11">
-                  <c:v>-3.7713000000000001</c:v>
-                </c:pt>
-                <c:pt idx="12">
-                  <c:v>-3.9165999999999999</c:v>
-                </c:pt>
-                <c:pt idx="13">
-                  <c:v>-3.9382999999999999</c:v>
-                </c:pt>
-              </c:numCache>
-            </c:numRef>
-          </c:yVal>
-          <c:smooth val="1"/>
-          <c:extLst>
-            <c:ext xmlns:c16="http://schemas.microsoft.com/office/drawing/2014/chart" uri="{C3380CC4-5D6E-409C-BE32-E72D297353CC}">
-              <c16:uniqueId val="{00000001-86B4-D740-AD1B-FFFE43EAA5A8}"/>
-            </c:ext>
-          </c:extLst>
-        </c:ser>
-        <c:ser>
-          <c:idx val="2"/>
-          <c:order val="2"/>
-          <c:tx>
-            <c:v>extraction-2</c:v>
-          </c:tx>
-          <c:spPr>
-            <a:ln w="19050" cap="rnd">
-              <a:solidFill>
-                <a:schemeClr val="accent3"/>
-              </a:solidFill>
-              <a:round/>
-            </a:ln>
-            <a:effectLst/>
-          </c:spPr>
-          <c:marker>
-            <c:symbol val="circle"/>
-            <c:size val="5"/>
-            <c:spPr>
-              <a:solidFill>
-                <a:schemeClr val="accent3"/>
-              </a:solidFill>
-              <a:ln w="9525">
-                <a:solidFill>
-                  <a:schemeClr val="accent3"/>
-                </a:solidFill>
-              </a:ln>
-              <a:effectLst/>
-            </c:spPr>
-          </c:marker>
-          <c:xVal>
-            <c:numRef>
-              <c:f>Sheet1!$J$15:$J$26</c:f>
-              <c:numCache>
-                <c:formatCode>General</c:formatCode>
-                <c:ptCount val="12"/>
-                <c:pt idx="0">
-                  <c:v>6.7779233200000002</c:v>
-                </c:pt>
-                <c:pt idx="1">
-                  <c:v>6.6713706899999998</c:v>
-                </c:pt>
-                <c:pt idx="2">
-                  <c:v>6.5329160399999999</c:v>
-                </c:pt>
-                <c:pt idx="3">
-                  <c:v>6.33974233</c:v>
-                </c:pt>
-                <c:pt idx="4">
-                  <c:v>6.1167883500000002</c:v>
-                </c:pt>
-                <c:pt idx="5">
-                  <c:v>5.87686551</c:v>
-                </c:pt>
-                <c:pt idx="6">
-                  <c:v>5.6273898000000004</c:v>
-                </c:pt>
-                <c:pt idx="7">
-                  <c:v>5.3511527599999997</c:v>
-                </c:pt>
-                <c:pt idx="8">
-                  <c:v>4.9686377999999998</c:v>
-                </c:pt>
-                <c:pt idx="9">
-                  <c:v>4.6117251899999996</c:v>
-                </c:pt>
-                <c:pt idx="10">
-                  <c:v>4.4436901999999998</c:v>
-                </c:pt>
-                <c:pt idx="11">
-                  <c:v>4.4060449699999999</c:v>
-                </c:pt>
-              </c:numCache>
-            </c:numRef>
-          </c:xVal>
-          <c:yVal>
-            <c:numRef>
-              <c:f>Sheet1!$K$15:$K$26</c:f>
-              <c:numCache>
-                <c:formatCode>General</c:formatCode>
-                <c:ptCount val="12"/>
-                <c:pt idx="0">
-                  <c:v>-3.9382999999999999</c:v>
-                </c:pt>
-                <c:pt idx="1">
-                  <c:v>-3.8907669999999999</c:v>
-                </c:pt>
-                <c:pt idx="2">
-                  <c:v>-3.6761650000000001</c:v>
-                </c:pt>
-                <c:pt idx="3">
-                  <c:v>-3.0932599999999999</c:v>
-                </c:pt>
-                <c:pt idx="4">
-                  <c:v>-2.405932</c:v>
-                </c:pt>
-                <c:pt idx="5">
-                  <c:v>-2.1234220000000001</c:v>
-                </c:pt>
-                <c:pt idx="6">
-                  <c:v>-1.9756290000000001</c:v>
-                </c:pt>
-                <c:pt idx="7">
-                  <c:v>-1.93282</c:v>
-                </c:pt>
-                <c:pt idx="8">
-                  <c:v>-2.4670899999999998</c:v>
-                </c:pt>
-                <c:pt idx="9">
-                  <c:v>-3.7304919999999999</c:v>
-                </c:pt>
-                <c:pt idx="10">
-                  <c:v>-4.0853789999999996</c:v>
-                </c:pt>
-                <c:pt idx="11">
-                  <c:v>-4.1109020000000003</c:v>
-                </c:pt>
-              </c:numCache>
-            </c:numRef>
-          </c:yVal>
-          <c:smooth val="1"/>
-          <c:extLst>
-            <c:ext xmlns:c16="http://schemas.microsoft.com/office/drawing/2014/chart" uri="{C3380CC4-5D6E-409C-BE32-E72D297353CC}">
-              <c16:uniqueId val="{00000002-86B4-D740-AD1B-FFFE43EAA5A8}"/>
-            </c:ext>
-          </c:extLst>
-        </c:ser>
-        <c:dLbls>
-          <c:showLegendKey val="0"/>
-          <c:showVal val="0"/>
-          <c:showCatName val="0"/>
-          <c:showSerName val="0"/>
-          <c:showPercent val="0"/>
-          <c:showBubbleSize val="0"/>
-        </c:dLbls>
-        <c:axId val="2042839791"/>
-        <c:axId val="2043044575"/>
-      </c:scatterChart>
-      <c:valAx>
-        <c:axId val="2042839791"/>
-        <c:scaling>
-          <c:orientation val="maxMin"/>
-          <c:min val="4"/>
-        </c:scaling>
-        <c:delete val="0"/>
-        <c:axPos val="b"/>
-        <c:majorGridlines>
-          <c:spPr>
-            <a:ln w="9525" cap="flat" cmpd="sng" algn="ctr">
-              <a:solidFill>
-                <a:schemeClr val="tx1">
-                  <a:lumMod val="15000"/>
-                  <a:lumOff val="85000"/>
-                </a:schemeClr>
-              </a:solidFill>
-              <a:round/>
-            </a:ln>
-            <a:effectLst/>
-          </c:spPr>
-        </c:majorGridlines>
-        <c:title>
-          <c:tx>
-            <c:rich>
-              <a:bodyPr rot="0" spcFirstLastPara="1" vertOverflow="ellipsis" vert="horz" wrap="square" anchor="ctr" anchorCtr="1"/>
-              <a:lstStyle/>
-              <a:p>
-                <a:pPr>
-                  <a:defRPr sz="1800" b="0" i="0" u="none" strike="noStrike" kern="1200" baseline="0">
-                    <a:solidFill>
-                      <a:schemeClr val="tx1">
-                        <a:lumMod val="65000"/>
-                        <a:lumOff val="35000"/>
-                      </a:schemeClr>
-                    </a:solidFill>
-                    <a:latin typeface="+mn-lt"/>
-                    <a:ea typeface="+mn-ea"/>
-                    <a:cs typeface="+mn-cs"/>
-                  </a:defRPr>
-                </a:pPr>
-                <a:r>
-                  <a:rPr lang="en-US" sz="1800"/>
-                  <a:t>Distance between center</a:t>
-                </a:r>
-                <a:r>
-                  <a:rPr lang="en-US" sz="1800" baseline="0"/>
-                  <a:t> of mass (A)</a:t>
-                </a:r>
-                <a:endParaRPr lang="en-US" sz="1800"/>
-              </a:p>
-            </c:rich>
-          </c:tx>
-          <c:overlay val="0"/>
-          <c:spPr>
-            <a:noFill/>
-            <a:ln>
-              <a:noFill/>
-            </a:ln>
-            <a:effectLst/>
-          </c:spPr>
-          <c:txPr>
-            <a:bodyPr rot="0" spcFirstLastPara="1" vertOverflow="ellipsis" vert="horz" wrap="square" anchor="ctr" anchorCtr="1"/>
-            <a:lstStyle/>
-            <a:p>
-              <a:pPr>
-                <a:defRPr sz="1800" b="0" i="0" u="none" strike="noStrike" kern="1200" baseline="0">
-                  <a:solidFill>
-                    <a:schemeClr val="tx1">
-                      <a:lumMod val="65000"/>
-                      <a:lumOff val="35000"/>
-                    </a:schemeClr>
-                  </a:solidFill>
-                  <a:latin typeface="+mn-lt"/>
-                  <a:ea typeface="+mn-ea"/>
-                  <a:cs typeface="+mn-cs"/>
-                </a:defRPr>
-              </a:pPr>
-              <a:endParaRPr lang="en-US"/>
-            </a:p>
-          </c:txPr>
-        </c:title>
-        <c:numFmt formatCode="General" sourceLinked="1"/>
-        <c:majorTickMark val="none"/>
-        <c:minorTickMark val="none"/>
-        <c:tickLblPos val="low"/>
-        <c:spPr>
-          <a:noFill/>
-          <a:ln w="9525" cap="flat" cmpd="sng" algn="ctr">
-            <a:solidFill>
-              <a:schemeClr val="tx1">
-                <a:lumMod val="25000"/>
-                <a:lumOff val="75000"/>
-              </a:schemeClr>
-            </a:solidFill>
-            <a:round/>
-          </a:ln>
-          <a:effectLst/>
-        </c:spPr>
-        <c:txPr>
-          <a:bodyPr rot="-60000000" spcFirstLastPara="1" vertOverflow="ellipsis" vert="horz" wrap="square" anchor="ctr" anchorCtr="1"/>
-          <a:lstStyle/>
-          <a:p>
-            <a:pPr>
-              <a:defRPr sz="1600" b="0" i="0" u="none" strike="noStrike" kern="1200" baseline="0">
-                <a:solidFill>
-                  <a:schemeClr val="tx1">
-                    <a:lumMod val="65000"/>
-                    <a:lumOff val="35000"/>
-                  </a:schemeClr>
-                </a:solidFill>
-                <a:latin typeface="+mn-lt"/>
-                <a:ea typeface="+mn-ea"/>
-                <a:cs typeface="+mn-cs"/>
-              </a:defRPr>
-            </a:pPr>
-            <a:endParaRPr lang="en-US"/>
-          </a:p>
-        </c:txPr>
-        <c:crossAx val="2043044575"/>
-        <c:crosses val="autoZero"/>
-        <c:crossBetween val="midCat"/>
-        <c:majorUnit val="0.2"/>
-      </c:valAx>
-      <c:valAx>
-        <c:axId val="2043044575"/>
-        <c:scaling>
-          <c:orientation val="minMax"/>
-        </c:scaling>
-        <c:delete val="0"/>
-        <c:axPos val="r"/>
-        <c:majorGridlines>
-          <c:spPr>
-            <a:ln w="9525" cap="flat" cmpd="sng" algn="ctr">
-              <a:solidFill>
-                <a:schemeClr val="tx1">
-                  <a:lumMod val="15000"/>
-                  <a:lumOff val="85000"/>
-                </a:schemeClr>
-              </a:solidFill>
-              <a:round/>
-            </a:ln>
-            <a:effectLst/>
-          </c:spPr>
-        </c:majorGridlines>
-        <c:title>
-          <c:tx>
-            <c:rich>
-              <a:bodyPr rot="-5400000" spcFirstLastPara="1" vertOverflow="ellipsis" vert="horz" wrap="square" anchor="ctr" anchorCtr="1"/>
-              <a:lstStyle/>
-              <a:p>
-                <a:pPr>
-                  <a:defRPr sz="1800" b="0" i="0" u="none" strike="noStrike" kern="1200" baseline="0">
-                    <a:solidFill>
-                      <a:schemeClr val="tx1">
-                        <a:lumMod val="65000"/>
-                        <a:lumOff val="35000"/>
-                      </a:schemeClr>
-                    </a:solidFill>
-                    <a:latin typeface="+mn-lt"/>
-                    <a:ea typeface="+mn-ea"/>
-                    <a:cs typeface="+mn-cs"/>
-                  </a:defRPr>
-                </a:pPr>
-                <a:r>
-                  <a:rPr lang="en-US" sz="1800"/>
-                  <a:t>Energy (eV)</a:t>
-                </a:r>
-              </a:p>
-            </c:rich>
-          </c:tx>
-          <c:overlay val="0"/>
-          <c:spPr>
-            <a:noFill/>
-            <a:ln>
-              <a:noFill/>
-            </a:ln>
-            <a:effectLst/>
-          </c:spPr>
-          <c:txPr>
-            <a:bodyPr rot="-5400000" spcFirstLastPara="1" vertOverflow="ellipsis" vert="horz" wrap="square" anchor="ctr" anchorCtr="1"/>
-            <a:lstStyle/>
-            <a:p>
-              <a:pPr>
-                <a:defRPr sz="1800" b="0" i="0" u="none" strike="noStrike" kern="1200" baseline="0">
-                  <a:solidFill>
-                    <a:schemeClr val="tx1">
-                      <a:lumMod val="65000"/>
-                      <a:lumOff val="35000"/>
-                    </a:schemeClr>
-                  </a:solidFill>
-                  <a:latin typeface="+mn-lt"/>
-                  <a:ea typeface="+mn-ea"/>
-                  <a:cs typeface="+mn-cs"/>
-                </a:defRPr>
-              </a:pPr>
-              <a:endParaRPr lang="en-US"/>
-            </a:p>
-          </c:txPr>
-        </c:title>
-        <c:numFmt formatCode="General" sourceLinked="1"/>
-        <c:majorTickMark val="none"/>
-        <c:minorTickMark val="none"/>
-        <c:tickLblPos val="high"/>
-        <c:spPr>
-          <a:noFill/>
-          <a:ln w="9525" cap="flat" cmpd="sng" algn="ctr">
-            <a:solidFill>
-              <a:schemeClr val="tx1">
-                <a:lumMod val="25000"/>
-                <a:lumOff val="75000"/>
-              </a:schemeClr>
-            </a:solidFill>
-            <a:round/>
-          </a:ln>
-          <a:effectLst/>
-        </c:spPr>
-        <c:txPr>
-          <a:bodyPr rot="-60000000" spcFirstLastPara="1" vertOverflow="ellipsis" vert="horz" wrap="square" anchor="ctr" anchorCtr="1"/>
-          <a:lstStyle/>
-          <a:p>
-            <a:pPr>
-              <a:defRPr sz="1800" b="0" i="0" u="none" strike="noStrike" kern="1200" baseline="0">
-                <a:solidFill>
-                  <a:schemeClr val="tx1">
-                    <a:lumMod val="65000"/>
-                    <a:lumOff val="35000"/>
-                  </a:schemeClr>
-                </a:solidFill>
-                <a:latin typeface="+mn-lt"/>
-                <a:ea typeface="+mn-ea"/>
-                <a:cs typeface="+mn-cs"/>
-              </a:defRPr>
-            </a:pPr>
-            <a:endParaRPr lang="en-US"/>
-          </a:p>
-        </c:txPr>
-        <c:crossAx val="2042839791"/>
-        <c:crosses val="autoZero"/>
-        <c:crossBetween val="midCat"/>
-        <c:majorUnit val="0.5"/>
-      </c:valAx>
-      <c:spPr>
-        <a:noFill/>
-        <a:ln>
-          <a:noFill/>
-        </a:ln>
-        <a:effectLst/>
-      </c:spPr>
-    </c:plotArea>
-    <c:legend>
-      <c:legendPos val="t"/>
-      <c:overlay val="0"/>
-      <c:spPr>
-        <a:noFill/>
-        <a:ln>
-          <a:noFill/>
-        </a:ln>
-        <a:effectLst/>
-      </c:spPr>
-      <c:txPr>
-        <a:bodyPr rot="0" spcFirstLastPara="1" vertOverflow="ellipsis" vert="horz" wrap="square" anchor="ctr" anchorCtr="1"/>
-        <a:lstStyle/>
-        <a:p>
-          <a:pPr>
-            <a:defRPr sz="1200" b="0" i="0" u="none" strike="noStrike" kern="1200" baseline="0">
-              <a:solidFill>
-                <a:schemeClr val="tx1">
-                  <a:lumMod val="65000"/>
-                  <a:lumOff val="35000"/>
-                </a:schemeClr>
-              </a:solidFill>
-              <a:latin typeface="+mn-lt"/>
-              <a:ea typeface="+mn-ea"/>
-              <a:cs typeface="+mn-cs"/>
-            </a:defRPr>
-          </a:pPr>
-          <a:endParaRPr lang="en-US"/>
-        </a:p>
-      </c:txPr>
-    </c:legend>
-    <c:plotVisOnly val="1"/>
-    <c:dispBlanksAs val="gap"/>
-    <c:extLst>
-      <c:ext xmlns:c16r3="http://schemas.microsoft.com/office/drawing/2017/03/chart" uri="{56B9EC1D-385E-4148-901F-78D8002777C0}">
-        <c16r3:dataDisplayOptions16>
-          <c16r3:dispNaAsBlank val="1"/>
-        </c16r3:dataDisplayOptions16>
-      </c:ext>
-    </c:extLst>
-    <c:showDLblsOverMax val="0"/>
-  </c:chart>
-  <c:spPr>
-    <a:noFill/>
-    <a:ln>
-      <a:noFill/>
-    </a:ln>
-    <a:effectLst/>
-  </c:spPr>
-  <c:txPr>
-    <a:bodyPr/>
-    <a:lstStyle/>
-    <a:p>
-      <a:pPr>
-        <a:defRPr/>
-      </a:pPr>
-      <a:endParaRPr lang="en-US"/>
-    </a:p>
-  </c:txPr>
-  <c:externalData r:id="rId3">
-    <c:autoUpdate val="0"/>
-  </c:externalData>
-</c:chartSpace>
-</file>
-
-<file path=ppt/charts/colors1.xml><?xml version="1.0" encoding="utf-8"?>
-<cs:colorStyle xmlns:cs="http://schemas.microsoft.com/office/drawing/2012/chartStyle" xmlns:a="http://schemas.openxmlformats.org/drawingml/2006/main" meth="cycle" id="10">
-  <a:schemeClr val="accent1"/>
-  <a:schemeClr val="accent2"/>
-  <a:schemeClr val="accent3"/>
-  <a:schemeClr val="accent4"/>
-  <a:schemeClr val="accent5"/>
-  <a:schemeClr val="accent6"/>
-  <cs:variation/>
-  <cs:variation>
-    <a:lumMod val="60000"/>
-  </cs:variation>
-  <cs:variation>
-    <a:lumMod val="80000"/>
-    <a:lumOff val="20000"/>
-  </cs:variation>
-  <cs:variation>
-    <a:lumMod val="80000"/>
-  </cs:variation>
-  <cs:variation>
-    <a:lumMod val="60000"/>
-    <a:lumOff val="40000"/>
-  </cs:variation>
-  <cs:variation>
-    <a:lumMod val="50000"/>
-  </cs:variation>
-  <cs:variation>
-    <a:lumMod val="70000"/>
-    <a:lumOff val="30000"/>
-  </cs:variation>
-  <cs:variation>
-    <a:lumMod val="70000"/>
-  </cs:variation>
-  <cs:variation>
-    <a:lumMod val="50000"/>
-    <a:lumOff val="50000"/>
-  </cs:variation>
-</cs:colorStyle>
-</file>
-
-<file path=ppt/charts/colors2.xml><?xml version="1.0" encoding="utf-8"?>
-<cs:colorStyle xmlns:cs="http://schemas.microsoft.com/office/drawing/2012/chartStyle" xmlns:a="http://schemas.openxmlformats.org/drawingml/2006/main" meth="cycle" id="10">
-  <a:schemeClr val="accent1"/>
-  <a:schemeClr val="accent2"/>
-  <a:schemeClr val="accent3"/>
-  <a:schemeClr val="accent4"/>
-  <a:schemeClr val="accent5"/>
-  <a:schemeClr val="accent6"/>
-  <cs:variation/>
-  <cs:variation>
-    <a:lumMod val="60000"/>
-  </cs:variation>
-  <cs:variation>
-    <a:lumMod val="80000"/>
-    <a:lumOff val="20000"/>
-  </cs:variation>
-  <cs:variation>
-    <a:lumMod val="80000"/>
-  </cs:variation>
-  <cs:variation>
-    <a:lumMod val="60000"/>
-    <a:lumOff val="40000"/>
-  </cs:variation>
-  <cs:variation>
-    <a:lumMod val="50000"/>
-  </cs:variation>
-  <cs:variation>
-    <a:lumMod val="70000"/>
-    <a:lumOff val="30000"/>
-  </cs:variation>
-  <cs:variation>
-    <a:lumMod val="70000"/>
-  </cs:variation>
-  <cs:variation>
-    <a:lumMod val="50000"/>
-    <a:lumOff val="50000"/>
-  </cs:variation>
-</cs:colorStyle>
-</file>
-
-<file path=ppt/charts/style1.xml><?xml version="1.0" encoding="utf-8"?>
-<cs:chartStyle xmlns:cs="http://schemas.microsoft.com/office/drawing/2012/chartStyle" xmlns:a="http://schemas.openxmlformats.org/drawingml/2006/main" id="240">
-  <cs:axisTitle>
-    <cs:lnRef idx="0"/>
-    <cs:fillRef idx="0"/>
-    <cs:effectRef idx="0"/>
-    <cs:fontRef idx="minor">
-      <a:schemeClr val="tx1">
-        <a:lumMod val="65000"/>
-        <a:lumOff val="35000"/>
-      </a:schemeClr>
-    </cs:fontRef>
-    <cs:defRPr sz="1000" kern="1200"/>
-  </cs:axisTitle>
-  <cs:categoryAxis>
-    <cs:lnRef idx="0"/>
-    <cs:fillRef idx="0"/>
-    <cs:effectRef idx="0"/>
-    <cs:fontRef idx="minor">
-      <a:schemeClr val="tx1">
-        <a:lumMod val="65000"/>
-        <a:lumOff val="35000"/>
-      </a:schemeClr>
-    </cs:fontRef>
-    <cs:spPr>
-      <a:ln w="9525" cap="flat" cmpd="sng" algn="ctr">
-        <a:solidFill>
-          <a:schemeClr val="tx1">
-            <a:lumMod val="25000"/>
-            <a:lumOff val="75000"/>
-          </a:schemeClr>
-        </a:solidFill>
-        <a:round/>
-      </a:ln>
-    </cs:spPr>
-    <cs:defRPr sz="900" kern="1200"/>
-  </cs:categoryAxis>
-  <cs:chartArea mods="allowNoFillOverride allowNoLineOverride">
-    <cs:lnRef idx="0"/>
-    <cs:fillRef idx="0"/>
-    <cs:effectRef idx="0"/>
-    <cs:fontRef idx="minor">
-      <a:schemeClr val="tx1"/>
-    </cs:fontRef>
-    <cs:spPr>
-      <a:solidFill>
-        <a:schemeClr val="bg1"/>
-      </a:solidFill>
-      <a:ln w="9525" cap="flat" cmpd="sng" algn="ctr">
-        <a:solidFill>
-          <a:schemeClr val="tx1">
-            <a:lumMod val="15000"/>
-            <a:lumOff val="85000"/>
-          </a:schemeClr>
-        </a:solidFill>
-        <a:round/>
-      </a:ln>
-    </cs:spPr>
-    <cs:defRPr sz="1000" kern="1200"/>
-  </cs:chartArea>
-  <cs:dataLabel>
-    <cs:lnRef idx="0"/>
-    <cs:fillRef idx="0"/>
-    <cs:effectRef idx="0"/>
-    <cs:fontRef idx="minor">
-      <a:schemeClr val="tx1">
-        <a:lumMod val="75000"/>
-        <a:lumOff val="25000"/>
-      </a:schemeClr>
-    </cs:fontRef>
-    <cs:defRPr sz="900" kern="1200"/>
-  </cs:dataLabel>
-  <cs:dataLabelCallout>
-    <cs:lnRef idx="0"/>
-    <cs:fillRef idx="0"/>
-    <cs:effectRef idx="0"/>
-    <cs:fontRef idx="minor">
-      <a:schemeClr val="dk1">
-        <a:lumMod val="65000"/>
-        <a:lumOff val="35000"/>
-      </a:schemeClr>
-    </cs:fontRef>
-    <cs:spPr>
-      <a:solidFill>
-        <a:schemeClr val="lt1"/>
-      </a:solidFill>
-      <a:ln>
-        <a:solidFill>
-          <a:schemeClr val="dk1">
-            <a:lumMod val="25000"/>
-            <a:lumOff val="75000"/>
-          </a:schemeClr>
-        </a:solidFill>
-      </a:ln>
-    </cs:spPr>
-    <cs:defRPr sz="900" kern="1200"/>
-    <cs:bodyPr rot="0" spcFirstLastPara="1" vertOverflow="clip" horzOverflow="clip" vert="horz" wrap="square" lIns="36576" tIns="18288" rIns="36576" bIns="18288" anchor="ctr" anchorCtr="1">
-      <a:spAutoFit/>
-    </cs:bodyPr>
-  </cs:dataLabelCallout>
-  <cs:dataPoint>
-    <cs:lnRef idx="0"/>
-    <cs:fillRef idx="1">
-      <cs:styleClr val="auto"/>
-    </cs:fillRef>
-    <cs:effectRef idx="0"/>
-    <cs:fontRef idx="minor">
-      <a:schemeClr val="tx1"/>
-    </cs:fontRef>
-  </cs:dataPoint>
-  <cs:dataPoint3D>
-    <cs:lnRef idx="0"/>
-    <cs:fillRef idx="1">
-      <cs:styleClr val="auto"/>
-    </cs:fillRef>
-    <cs:effectRef idx="0"/>
-    <cs:fontRef idx="minor">
-      <a:schemeClr val="tx1"/>
-    </cs:fontRef>
-  </cs:dataPoint3D>
-  <cs:dataPointLine>
-    <cs:lnRef idx="0">
-      <cs:styleClr val="auto"/>
-    </cs:lnRef>
-    <cs:fillRef idx="1"/>
-    <cs:effectRef idx="0"/>
-    <cs:fontRef idx="minor">
-      <a:schemeClr val="tx1"/>
-    </cs:fontRef>
-    <cs:spPr>
-      <a:ln w="19050" cap="rnd">
-        <a:solidFill>
-          <a:schemeClr val="phClr"/>
-        </a:solidFill>
-        <a:round/>
-      </a:ln>
-    </cs:spPr>
-  </cs:dataPointLine>
-  <cs:dataPointMarker>
-    <cs:lnRef idx="0">
-      <cs:styleClr val="auto"/>
-    </cs:lnRef>
-    <cs:fillRef idx="1">
-      <cs:styleClr val="auto"/>
-    </cs:fillRef>
-    <cs:effectRef idx="0"/>
-    <cs:fontRef idx="minor">
-      <a:schemeClr val="tx1"/>
-    </cs:fontRef>
-    <cs:spPr>
-      <a:ln w="9525">
-        <a:solidFill>
-          <a:schemeClr val="phClr"/>
-        </a:solidFill>
-      </a:ln>
-    </cs:spPr>
-  </cs:dataPointMarker>
-  <cs:dataPointMarkerLayout symbol="circle" size="5"/>
-  <cs:dataPointWireframe>
-    <cs:lnRef idx="0">
-      <cs:styleClr val="auto"/>
-    </cs:lnRef>
-    <cs:fillRef idx="0"/>
-    <cs:effectRef idx="0"/>
-    <cs:fontRef idx="minor">
-      <a:schemeClr val="dk1"/>
-    </cs:fontRef>
-    <cs:spPr>
-      <a:ln w="9525" cap="rnd">
-        <a:solidFill>
-          <a:schemeClr val="phClr"/>
-        </a:solidFill>
-        <a:round/>
-      </a:ln>
-    </cs:spPr>
-  </cs:dataPointWireframe>
-  <cs:dataTable>
-    <cs:lnRef idx="0"/>
-    <cs:fillRef idx="0"/>
-    <cs:effectRef idx="0"/>
-    <cs:fontRef idx="minor">
-      <a:schemeClr val="tx1">
-        <a:lumMod val="65000"/>
-        <a:lumOff val="35000"/>
-      </a:schemeClr>
-    </cs:fontRef>
-    <cs:spPr>
-      <a:noFill/>
-      <a:ln w="9525" cap="flat" cmpd="sng" algn="ctr">
-        <a:solidFill>
-          <a:schemeClr val="tx1">
-            <a:lumMod val="15000"/>
-            <a:lumOff val="85000"/>
-          </a:schemeClr>
-        </a:solidFill>
-        <a:round/>
-      </a:ln>
-    </cs:spPr>
-    <cs:defRPr sz="900" kern="1200"/>
-  </cs:dataTable>
-  <cs:downBar>
-    <cs:lnRef idx="0"/>
-    <cs:fillRef idx="0"/>
-    <cs:effectRef idx="0"/>
-    <cs:fontRef idx="minor">
-      <a:schemeClr val="tx1"/>
-    </cs:fontRef>
-    <cs:spPr>
-      <a:solidFill>
-        <a:schemeClr val="dk1">
-          <a:lumMod val="75000"/>
-          <a:lumOff val="25000"/>
-        </a:schemeClr>
-      </a:solidFill>
-      <a:ln w="9525" cap="flat" cmpd="sng" algn="ctr">
-        <a:solidFill>
-          <a:schemeClr val="tx1">
-            <a:lumMod val="65000"/>
-            <a:lumOff val="35000"/>
-          </a:schemeClr>
-        </a:solidFill>
-        <a:round/>
-      </a:ln>
-    </cs:spPr>
-  </cs:downBar>
-  <cs:dropLine>
-    <cs:lnRef idx="0"/>
-    <cs:fillRef idx="0"/>
-    <cs:effectRef idx="0"/>
-    <cs:fontRef idx="minor">
-      <a:schemeClr val="tx1"/>
-    </cs:fontRef>
-    <cs:spPr>
-      <a:ln w="9525" cap="flat" cmpd="sng" algn="ctr">
-        <a:solidFill>
-          <a:schemeClr val="tx1">
-            <a:lumMod val="35000"/>
-            <a:lumOff val="65000"/>
-          </a:schemeClr>
-        </a:solidFill>
-        <a:round/>
-      </a:ln>
-    </cs:spPr>
-  </cs:dropLine>
-  <cs:errorBar>
-    <cs:lnRef idx="0"/>
-    <cs:fillRef idx="0"/>
-    <cs:effectRef idx="0"/>
-    <cs:fontRef idx="minor">
-      <a:schemeClr val="tx1"/>
-    </cs:fontRef>
-    <cs:spPr>
-      <a:ln w="9525" cap="flat" cmpd="sng" algn="ctr">
-        <a:solidFill>
-          <a:schemeClr val="tx1">
-            <a:lumMod val="65000"/>
-            <a:lumOff val="35000"/>
-          </a:schemeClr>
-        </a:solidFill>
-        <a:round/>
-      </a:ln>
-    </cs:spPr>
-  </cs:errorBar>
-  <cs:floor>
-    <cs:lnRef idx="0"/>
-    <cs:fillRef idx="0"/>
-    <cs:effectRef idx="0"/>
-    <cs:fontRef idx="minor">
-      <a:schemeClr val="tx1"/>
-    </cs:fontRef>
-    <cs:spPr>
-      <a:noFill/>
-      <a:ln>
-        <a:noFill/>
-      </a:ln>
-    </cs:spPr>
-  </cs:floor>
-  <cs:gridlineMajor>
-    <cs:lnRef idx="0"/>
-    <cs:fillRef idx="0"/>
-    <cs:effectRef idx="0"/>
-    <cs:fontRef idx="minor">
-      <a:schemeClr val="tx1"/>
-    </cs:fontRef>
-    <cs:spPr>
-      <a:ln w="9525" cap="flat" cmpd="sng" algn="ctr">
-        <a:solidFill>
-          <a:schemeClr val="tx1">
-            <a:lumMod val="15000"/>
-            <a:lumOff val="85000"/>
-          </a:schemeClr>
-        </a:solidFill>
-        <a:round/>
-      </a:ln>
-    </cs:spPr>
-  </cs:gridlineMajor>
-  <cs:gridlineMinor>
-    <cs:lnRef idx="0"/>
-    <cs:fillRef idx="0"/>
-    <cs:effectRef idx="0"/>
-    <cs:fontRef idx="minor">
-      <a:schemeClr val="tx1"/>
-    </cs:fontRef>
-    <cs:spPr>
-      <a:ln w="9525" cap="flat" cmpd="sng" algn="ctr">
-        <a:solidFill>
-          <a:schemeClr val="tx1">
-            <a:lumMod val="5000"/>
-            <a:lumOff val="95000"/>
-          </a:schemeClr>
-        </a:solidFill>
-        <a:round/>
-      </a:ln>
-    </cs:spPr>
-  </cs:gridlineMinor>
-  <cs:hiLoLine>
-    <cs:lnRef idx="0"/>
-    <cs:fillRef idx="0"/>
-    <cs:effectRef idx="0"/>
-    <cs:fontRef idx="minor">
-      <a:schemeClr val="tx1"/>
-    </cs:fontRef>
-    <cs:spPr>
-      <a:ln w="9525" cap="flat" cmpd="sng" algn="ctr">
-        <a:solidFill>
-          <a:schemeClr val="tx1">
-            <a:lumMod val="50000"/>
-            <a:lumOff val="50000"/>
-          </a:schemeClr>
-        </a:solidFill>
-        <a:round/>
-      </a:ln>
-    </cs:spPr>
-  </cs:hiLoLine>
-  <cs:leaderLine>
-    <cs:lnRef idx="0"/>
-    <cs:fillRef idx="0"/>
-    <cs:effectRef idx="0"/>
-    <cs:fontRef idx="minor">
-      <a:schemeClr val="tx1"/>
-    </cs:fontRef>
-    <cs:spPr>
-      <a:ln w="9525" cap="flat" cmpd="sng" algn="ctr">
-        <a:solidFill>
-          <a:schemeClr val="tx1">
-            <a:lumMod val="35000"/>
-            <a:lumOff val="65000"/>
-          </a:schemeClr>
-        </a:solidFill>
-        <a:round/>
-      </a:ln>
-    </cs:spPr>
-  </cs:leaderLine>
-  <cs:legend>
-    <cs:lnRef idx="0"/>
-    <cs:fillRef idx="0"/>
-    <cs:effectRef idx="0"/>
-    <cs:fontRef idx="minor">
-      <a:schemeClr val="tx1">
-        <a:lumMod val="65000"/>
-        <a:lumOff val="35000"/>
-      </a:schemeClr>
-    </cs:fontRef>
-    <cs:defRPr sz="900" kern="1200"/>
-  </cs:legend>
-  <cs:plotArea mods="allowNoFillOverride allowNoLineOverride">
-    <cs:lnRef idx="0"/>
-    <cs:fillRef idx="0"/>
-    <cs:effectRef idx="0"/>
-    <cs:fontRef idx="minor">
-      <a:schemeClr val="tx1"/>
-    </cs:fontRef>
-  </cs:plotArea>
-  <cs:plotArea3D mods="allowNoFillOverride allowNoLineOverride">
-    <cs:lnRef idx="0"/>
-    <cs:fillRef idx="0"/>
-    <cs:effectRef idx="0"/>
-    <cs:fontRef idx="minor">
-      <a:schemeClr val="tx1"/>
-    </cs:fontRef>
-  </cs:plotArea3D>
-  <cs:seriesAxis>
-    <cs:lnRef idx="0"/>
-    <cs:fillRef idx="0"/>
-    <cs:effectRef idx="0"/>
-    <cs:fontRef idx="minor">
-      <a:schemeClr val="tx1">
-        <a:lumMod val="65000"/>
-        <a:lumOff val="35000"/>
-      </a:schemeClr>
-    </cs:fontRef>
-    <cs:defRPr sz="900" kern="1200"/>
-  </cs:seriesAxis>
-  <cs:seriesLine>
-    <cs:lnRef idx="0"/>
-    <cs:fillRef idx="0"/>
-    <cs:effectRef idx="0"/>
-    <cs:fontRef idx="minor">
-      <a:schemeClr val="tx1"/>
-    </cs:fontRef>
-    <cs:spPr>
-      <a:ln w="9525" cap="flat" cmpd="sng" algn="ctr">
-        <a:solidFill>
-          <a:schemeClr val="tx1">
-            <a:lumMod val="35000"/>
-            <a:lumOff val="65000"/>
-          </a:schemeClr>
-        </a:solidFill>
-        <a:round/>
-      </a:ln>
-    </cs:spPr>
-  </cs:seriesLine>
-  <cs:title>
-    <cs:lnRef idx="0"/>
-    <cs:fillRef idx="0"/>
-    <cs:effectRef idx="0"/>
-    <cs:fontRef idx="minor">
-      <a:schemeClr val="tx1">
-        <a:lumMod val="65000"/>
-        <a:lumOff val="35000"/>
-      </a:schemeClr>
-    </cs:fontRef>
-    <cs:defRPr sz="1400" b="0" kern="1200" spc="0" baseline="0"/>
-  </cs:title>
-  <cs:trendline>
-    <cs:lnRef idx="0">
-      <cs:styleClr val="auto"/>
-    </cs:lnRef>
-    <cs:fillRef idx="0"/>
-    <cs:effectRef idx="0"/>
-    <cs:fontRef idx="minor">
-      <a:schemeClr val="tx1"/>
-    </cs:fontRef>
-    <cs:spPr>
-      <a:ln w="19050" cap="rnd">
-        <a:solidFill>
-          <a:schemeClr val="phClr"/>
-        </a:solidFill>
-        <a:prstDash val="sysDot"/>
-      </a:ln>
-    </cs:spPr>
-  </cs:trendline>
-  <cs:trendlineLabel>
-    <cs:lnRef idx="0"/>
-    <cs:fillRef idx="0"/>
-    <cs:effectRef idx="0"/>
-    <cs:fontRef idx="minor">
-      <a:schemeClr val="tx1">
-        <a:lumMod val="65000"/>
-        <a:lumOff val="35000"/>
-      </a:schemeClr>
-    </cs:fontRef>
-    <cs:defRPr sz="900" kern="1200"/>
-  </cs:trendlineLabel>
-  <cs:upBar>
-    <cs:lnRef idx="0"/>
-    <cs:fillRef idx="0"/>
-    <cs:effectRef idx="0"/>
-    <cs:fontRef idx="minor">
-      <a:schemeClr val="tx1"/>
-    </cs:fontRef>
-    <cs:spPr>
-      <a:solidFill>
-        <a:schemeClr val="lt1"/>
-      </a:solidFill>
-      <a:ln w="9525" cap="flat" cmpd="sng" algn="ctr">
-        <a:solidFill>
-          <a:schemeClr val="tx1">
-            <a:lumMod val="65000"/>
-            <a:lumOff val="35000"/>
-          </a:schemeClr>
-        </a:solidFill>
-        <a:round/>
-      </a:ln>
-    </cs:spPr>
-  </cs:upBar>
-  <cs:valueAxis>
-    <cs:lnRef idx="0"/>
-    <cs:fillRef idx="0"/>
-    <cs:effectRef idx="0"/>
-    <cs:fontRef idx="minor">
-      <a:schemeClr val="tx1">
-        <a:lumMod val="65000"/>
-        <a:lumOff val="35000"/>
-      </a:schemeClr>
-    </cs:fontRef>
-    <cs:spPr>
-      <a:ln w="9525" cap="flat" cmpd="sng" algn="ctr">
-        <a:solidFill>
-          <a:schemeClr val="tx1">
-            <a:lumMod val="25000"/>
-            <a:lumOff val="75000"/>
-          </a:schemeClr>
-        </a:solidFill>
-        <a:round/>
-      </a:ln>
-    </cs:spPr>
-    <cs:defRPr sz="900" kern="1200"/>
-  </cs:valueAxis>
-  <cs:wall>
-    <cs:lnRef idx="0"/>
-    <cs:fillRef idx="0"/>
-    <cs:effectRef idx="0"/>
-    <cs:fontRef idx="minor">
-      <a:schemeClr val="tx1"/>
-    </cs:fontRef>
-    <cs:spPr>
-      <a:noFill/>
-      <a:ln>
-        <a:noFill/>
-      </a:ln>
-    </cs:spPr>
-  </cs:wall>
-</cs:chartStyle>
-</file>
-
-<file path=ppt/charts/style2.xml><?xml version="1.0" encoding="utf-8"?>
-<cs:chartStyle xmlns:cs="http://schemas.microsoft.com/office/drawing/2012/chartStyle" xmlns:a="http://schemas.openxmlformats.org/drawingml/2006/main" id="240">
-  <cs:axisTitle>
-    <cs:lnRef idx="0"/>
-    <cs:fillRef idx="0"/>
-    <cs:effectRef idx="0"/>
-    <cs:fontRef idx="minor">
-      <a:schemeClr val="tx1">
-        <a:lumMod val="65000"/>
-        <a:lumOff val="35000"/>
-      </a:schemeClr>
-    </cs:fontRef>
-    <cs:defRPr sz="1000" kern="1200"/>
-  </cs:axisTitle>
-  <cs:categoryAxis>
-    <cs:lnRef idx="0"/>
-    <cs:fillRef idx="0"/>
-    <cs:effectRef idx="0"/>
-    <cs:fontRef idx="minor">
-      <a:schemeClr val="tx1">
-        <a:lumMod val="65000"/>
-        <a:lumOff val="35000"/>
-      </a:schemeClr>
-    </cs:fontRef>
-    <cs:spPr>
-      <a:ln w="9525" cap="flat" cmpd="sng" algn="ctr">
-        <a:solidFill>
-          <a:schemeClr val="tx1">
-            <a:lumMod val="25000"/>
-            <a:lumOff val="75000"/>
-          </a:schemeClr>
-        </a:solidFill>
-        <a:round/>
-      </a:ln>
-    </cs:spPr>
-    <cs:defRPr sz="900" kern="1200"/>
-  </cs:categoryAxis>
-  <cs:chartArea mods="allowNoFillOverride allowNoLineOverride">
-    <cs:lnRef idx="0"/>
-    <cs:fillRef idx="0"/>
-    <cs:effectRef idx="0"/>
-    <cs:fontRef idx="minor">
-      <a:schemeClr val="tx1"/>
-    </cs:fontRef>
-    <cs:spPr>
-      <a:solidFill>
-        <a:schemeClr val="bg1"/>
-      </a:solidFill>
-      <a:ln w="9525" cap="flat" cmpd="sng" algn="ctr">
-        <a:solidFill>
-          <a:schemeClr val="tx1">
-            <a:lumMod val="15000"/>
-            <a:lumOff val="85000"/>
-          </a:schemeClr>
-        </a:solidFill>
-        <a:round/>
-      </a:ln>
-    </cs:spPr>
-    <cs:defRPr sz="1000" kern="1200"/>
-  </cs:chartArea>
-  <cs:dataLabel>
-    <cs:lnRef idx="0"/>
-    <cs:fillRef idx="0"/>
-    <cs:effectRef idx="0"/>
-    <cs:fontRef idx="minor">
-      <a:schemeClr val="tx1">
-        <a:lumMod val="75000"/>
-        <a:lumOff val="25000"/>
-      </a:schemeClr>
-    </cs:fontRef>
-    <cs:defRPr sz="900" kern="1200"/>
-  </cs:dataLabel>
-  <cs:dataLabelCallout>
-    <cs:lnRef idx="0"/>
-    <cs:fillRef idx="0"/>
-    <cs:effectRef idx="0"/>
-    <cs:fontRef idx="minor">
-      <a:schemeClr val="dk1">
-        <a:lumMod val="65000"/>
-        <a:lumOff val="35000"/>
-      </a:schemeClr>
-    </cs:fontRef>
-    <cs:spPr>
-      <a:solidFill>
-        <a:schemeClr val="lt1"/>
-      </a:solidFill>
-      <a:ln>
-        <a:solidFill>
-          <a:schemeClr val="dk1">
-            <a:lumMod val="25000"/>
-            <a:lumOff val="75000"/>
-          </a:schemeClr>
-        </a:solidFill>
-      </a:ln>
-    </cs:spPr>
-    <cs:defRPr sz="900" kern="1200"/>
-    <cs:bodyPr rot="0" spcFirstLastPara="1" vertOverflow="clip" horzOverflow="clip" vert="horz" wrap="square" lIns="36576" tIns="18288" rIns="36576" bIns="18288" anchor="ctr" anchorCtr="1">
-      <a:spAutoFit/>
-    </cs:bodyPr>
-  </cs:dataLabelCallout>
-  <cs:dataPoint>
-    <cs:lnRef idx="0"/>
-    <cs:fillRef idx="1">
-      <cs:styleClr val="auto"/>
-    </cs:fillRef>
-    <cs:effectRef idx="0"/>
-    <cs:fontRef idx="minor">
-      <a:schemeClr val="tx1"/>
-    </cs:fontRef>
-  </cs:dataPoint>
-  <cs:dataPoint3D>
-    <cs:lnRef idx="0"/>
-    <cs:fillRef idx="1">
-      <cs:styleClr val="auto"/>
-    </cs:fillRef>
-    <cs:effectRef idx="0"/>
-    <cs:fontRef idx="minor">
-      <a:schemeClr val="tx1"/>
-    </cs:fontRef>
-  </cs:dataPoint3D>
-  <cs:dataPointLine>
-    <cs:lnRef idx="0">
-      <cs:styleClr val="auto"/>
-    </cs:lnRef>
-    <cs:fillRef idx="1"/>
-    <cs:effectRef idx="0"/>
-    <cs:fontRef idx="minor">
-      <a:schemeClr val="tx1"/>
-    </cs:fontRef>
-    <cs:spPr>
-      <a:ln w="19050" cap="rnd">
-        <a:solidFill>
-          <a:schemeClr val="phClr"/>
-        </a:solidFill>
-        <a:round/>
-      </a:ln>
-    </cs:spPr>
-  </cs:dataPointLine>
-  <cs:dataPointMarker>
-    <cs:lnRef idx="0">
-      <cs:styleClr val="auto"/>
-    </cs:lnRef>
-    <cs:fillRef idx="1">
-      <cs:styleClr val="auto"/>
-    </cs:fillRef>
-    <cs:effectRef idx="0"/>
-    <cs:fontRef idx="minor">
-      <a:schemeClr val="tx1"/>
-    </cs:fontRef>
-    <cs:spPr>
-      <a:ln w="9525">
-        <a:solidFill>
-          <a:schemeClr val="phClr"/>
-        </a:solidFill>
-      </a:ln>
-    </cs:spPr>
-  </cs:dataPointMarker>
-  <cs:dataPointMarkerLayout symbol="circle" size="5"/>
-  <cs:dataPointWireframe>
-    <cs:lnRef idx="0">
-      <cs:styleClr val="auto"/>
-    </cs:lnRef>
-    <cs:fillRef idx="0"/>
-    <cs:effectRef idx="0"/>
-    <cs:fontRef idx="minor">
-      <a:schemeClr val="dk1"/>
-    </cs:fontRef>
-    <cs:spPr>
-      <a:ln w="9525" cap="rnd">
-        <a:solidFill>
-          <a:schemeClr val="phClr"/>
-        </a:solidFill>
-        <a:round/>
-      </a:ln>
-    </cs:spPr>
-  </cs:dataPointWireframe>
-  <cs:dataTable>
-    <cs:lnRef idx="0"/>
-    <cs:fillRef idx="0"/>
-    <cs:effectRef idx="0"/>
-    <cs:fontRef idx="minor">
-      <a:schemeClr val="tx1">
-        <a:lumMod val="65000"/>
-        <a:lumOff val="35000"/>
-      </a:schemeClr>
-    </cs:fontRef>
-    <cs:spPr>
-      <a:noFill/>
-      <a:ln w="9525" cap="flat" cmpd="sng" algn="ctr">
-        <a:solidFill>
-          <a:schemeClr val="tx1">
-            <a:lumMod val="15000"/>
-            <a:lumOff val="85000"/>
-          </a:schemeClr>
-        </a:solidFill>
-        <a:round/>
-      </a:ln>
-    </cs:spPr>
-    <cs:defRPr sz="900" kern="1200"/>
-  </cs:dataTable>
-  <cs:downBar>
-    <cs:lnRef idx="0"/>
-    <cs:fillRef idx="0"/>
-    <cs:effectRef idx="0"/>
-    <cs:fontRef idx="minor">
-      <a:schemeClr val="tx1"/>
-    </cs:fontRef>
-    <cs:spPr>
-      <a:solidFill>
-        <a:schemeClr val="dk1">
-          <a:lumMod val="75000"/>
-          <a:lumOff val="25000"/>
-        </a:schemeClr>
-      </a:solidFill>
-      <a:ln w="9525" cap="flat" cmpd="sng" algn="ctr">
-        <a:solidFill>
-          <a:schemeClr val="tx1">
-            <a:lumMod val="65000"/>
-            <a:lumOff val="35000"/>
-          </a:schemeClr>
-        </a:solidFill>
-        <a:round/>
-      </a:ln>
-    </cs:spPr>
-  </cs:downBar>
-  <cs:dropLine>
-    <cs:lnRef idx="0"/>
-    <cs:fillRef idx="0"/>
-    <cs:effectRef idx="0"/>
-    <cs:fontRef idx="minor">
-      <a:schemeClr val="tx1"/>
-    </cs:fontRef>
-    <cs:spPr>
-      <a:ln w="9525" cap="flat" cmpd="sng" algn="ctr">
-        <a:solidFill>
-          <a:schemeClr val="tx1">
-            <a:lumMod val="35000"/>
-            <a:lumOff val="65000"/>
-          </a:schemeClr>
-        </a:solidFill>
-        <a:round/>
-      </a:ln>
-    </cs:spPr>
-  </cs:dropLine>
-  <cs:errorBar>
-    <cs:lnRef idx="0"/>
-    <cs:fillRef idx="0"/>
-    <cs:effectRef idx="0"/>
-    <cs:fontRef idx="minor">
-      <a:schemeClr val="tx1"/>
-    </cs:fontRef>
-    <cs:spPr>
-      <a:ln w="9525" cap="flat" cmpd="sng" algn="ctr">
-        <a:solidFill>
-          <a:schemeClr val="tx1">
-            <a:lumMod val="65000"/>
-            <a:lumOff val="35000"/>
-          </a:schemeClr>
-        </a:solidFill>
-        <a:round/>
-      </a:ln>
-    </cs:spPr>
-  </cs:errorBar>
-  <cs:floor>
-    <cs:lnRef idx="0"/>
-    <cs:fillRef idx="0"/>
-    <cs:effectRef idx="0"/>
-    <cs:fontRef idx="minor">
-      <a:schemeClr val="tx1"/>
-    </cs:fontRef>
-    <cs:spPr>
-      <a:noFill/>
-      <a:ln>
-        <a:noFill/>
-      </a:ln>
-    </cs:spPr>
-  </cs:floor>
-  <cs:gridlineMajor>
-    <cs:lnRef idx="0"/>
-    <cs:fillRef idx="0"/>
-    <cs:effectRef idx="0"/>
-    <cs:fontRef idx="minor">
-      <a:schemeClr val="tx1"/>
-    </cs:fontRef>
-    <cs:spPr>
-      <a:ln w="9525" cap="flat" cmpd="sng" algn="ctr">
-        <a:solidFill>
-          <a:schemeClr val="tx1">
-            <a:lumMod val="15000"/>
-            <a:lumOff val="85000"/>
-          </a:schemeClr>
-        </a:solidFill>
-        <a:round/>
-      </a:ln>
-    </cs:spPr>
-  </cs:gridlineMajor>
-  <cs:gridlineMinor>
-    <cs:lnRef idx="0"/>
-    <cs:fillRef idx="0"/>
-    <cs:effectRef idx="0"/>
-    <cs:fontRef idx="minor">
-      <a:schemeClr val="tx1"/>
-    </cs:fontRef>
-    <cs:spPr>
-      <a:ln w="9525" cap="flat" cmpd="sng" algn="ctr">
-        <a:solidFill>
-          <a:schemeClr val="tx1">
-            <a:lumMod val="5000"/>
-            <a:lumOff val="95000"/>
-          </a:schemeClr>
-        </a:solidFill>
-        <a:round/>
-      </a:ln>
-    </cs:spPr>
-  </cs:gridlineMinor>
-  <cs:hiLoLine>
-    <cs:lnRef idx="0"/>
-    <cs:fillRef idx="0"/>
-    <cs:effectRef idx="0"/>
-    <cs:fontRef idx="minor">
-      <a:schemeClr val="tx1"/>
-    </cs:fontRef>
-    <cs:spPr>
-      <a:ln w="9525" cap="flat" cmpd="sng" algn="ctr">
-        <a:solidFill>
-          <a:schemeClr val="tx1">
-            <a:lumMod val="50000"/>
-            <a:lumOff val="50000"/>
-          </a:schemeClr>
-        </a:solidFill>
-        <a:round/>
-      </a:ln>
-    </cs:spPr>
-  </cs:hiLoLine>
-  <cs:leaderLine>
-    <cs:lnRef idx="0"/>
-    <cs:fillRef idx="0"/>
-    <cs:effectRef idx="0"/>
-    <cs:fontRef idx="minor">
-      <a:schemeClr val="tx1"/>
-    </cs:fontRef>
-    <cs:spPr>
-      <a:ln w="9525" cap="flat" cmpd="sng" algn="ctr">
-        <a:solidFill>
-          <a:schemeClr val="tx1">
-            <a:lumMod val="35000"/>
-            <a:lumOff val="65000"/>
-          </a:schemeClr>
-        </a:solidFill>
-        <a:round/>
-      </a:ln>
-    </cs:spPr>
-  </cs:leaderLine>
-  <cs:legend>
-    <cs:lnRef idx="0"/>
-    <cs:fillRef idx="0"/>
-    <cs:effectRef idx="0"/>
-    <cs:fontRef idx="minor">
-      <a:schemeClr val="tx1">
-        <a:lumMod val="65000"/>
-        <a:lumOff val="35000"/>
-      </a:schemeClr>
-    </cs:fontRef>
-    <cs:defRPr sz="900" kern="1200"/>
-  </cs:legend>
-  <cs:plotArea mods="allowNoFillOverride allowNoLineOverride">
-    <cs:lnRef idx="0"/>
-    <cs:fillRef idx="0"/>
-    <cs:effectRef idx="0"/>
-    <cs:fontRef idx="minor">
-      <a:schemeClr val="tx1"/>
-    </cs:fontRef>
-  </cs:plotArea>
-  <cs:plotArea3D mods="allowNoFillOverride allowNoLineOverride">
-    <cs:lnRef idx="0"/>
-    <cs:fillRef idx="0"/>
-    <cs:effectRef idx="0"/>
-    <cs:fontRef idx="minor">
-      <a:schemeClr val="tx1"/>
-    </cs:fontRef>
-  </cs:plotArea3D>
-  <cs:seriesAxis>
-    <cs:lnRef idx="0"/>
-    <cs:fillRef idx="0"/>
-    <cs:effectRef idx="0"/>
-    <cs:fontRef idx="minor">
-      <a:schemeClr val="tx1">
-        <a:lumMod val="65000"/>
-        <a:lumOff val="35000"/>
-      </a:schemeClr>
-    </cs:fontRef>
-    <cs:defRPr sz="900" kern="1200"/>
-  </cs:seriesAxis>
-  <cs:seriesLine>
-    <cs:lnRef idx="0"/>
-    <cs:fillRef idx="0"/>
-    <cs:effectRef idx="0"/>
-    <cs:fontRef idx="minor">
-      <a:schemeClr val="tx1"/>
-    </cs:fontRef>
-    <cs:spPr>
-      <a:ln w="9525" cap="flat" cmpd="sng" algn="ctr">
-        <a:solidFill>
-          <a:schemeClr val="tx1">
-            <a:lumMod val="35000"/>
-            <a:lumOff val="65000"/>
-          </a:schemeClr>
-        </a:solidFill>
-        <a:round/>
-      </a:ln>
-    </cs:spPr>
-  </cs:seriesLine>
-  <cs:title>
-    <cs:lnRef idx="0"/>
-    <cs:fillRef idx="0"/>
-    <cs:effectRef idx="0"/>
-    <cs:fontRef idx="minor">
-      <a:schemeClr val="tx1">
-        <a:lumMod val="65000"/>
-        <a:lumOff val="35000"/>
-      </a:schemeClr>
-    </cs:fontRef>
-    <cs:defRPr sz="1400" b="0" kern="1200" spc="0" baseline="0"/>
-  </cs:title>
-  <cs:trendline>
-    <cs:lnRef idx="0">
-      <cs:styleClr val="auto"/>
-    </cs:lnRef>
-    <cs:fillRef idx="0"/>
-    <cs:effectRef idx="0"/>
-    <cs:fontRef idx="minor">
-      <a:schemeClr val="tx1"/>
-    </cs:fontRef>
-    <cs:spPr>
-      <a:ln w="19050" cap="rnd">
-        <a:solidFill>
-          <a:schemeClr val="phClr"/>
-        </a:solidFill>
-        <a:prstDash val="sysDot"/>
-      </a:ln>
-    </cs:spPr>
-  </cs:trendline>
-  <cs:trendlineLabel>
-    <cs:lnRef idx="0"/>
-    <cs:fillRef idx="0"/>
-    <cs:effectRef idx="0"/>
-    <cs:fontRef idx="minor">
-      <a:schemeClr val="tx1">
-        <a:lumMod val="65000"/>
-        <a:lumOff val="35000"/>
-      </a:schemeClr>
-    </cs:fontRef>
-    <cs:defRPr sz="900" kern="1200"/>
-  </cs:trendlineLabel>
-  <cs:upBar>
-    <cs:lnRef idx="0"/>
-    <cs:fillRef idx="0"/>
-    <cs:effectRef idx="0"/>
-    <cs:fontRef idx="minor">
-      <a:schemeClr val="tx1"/>
-    </cs:fontRef>
-    <cs:spPr>
-      <a:solidFill>
-        <a:schemeClr val="lt1"/>
-      </a:solidFill>
-      <a:ln w="9525" cap="flat" cmpd="sng" algn="ctr">
-        <a:solidFill>
-          <a:schemeClr val="tx1">
-            <a:lumMod val="65000"/>
-            <a:lumOff val="35000"/>
-          </a:schemeClr>
-        </a:solidFill>
-        <a:round/>
-      </a:ln>
-    </cs:spPr>
-  </cs:upBar>
-  <cs:valueAxis>
-    <cs:lnRef idx="0"/>
-    <cs:fillRef idx="0"/>
-    <cs:effectRef idx="0"/>
-    <cs:fontRef idx="minor">
-      <a:schemeClr val="tx1">
-        <a:lumMod val="65000"/>
-        <a:lumOff val="35000"/>
-      </a:schemeClr>
-    </cs:fontRef>
-    <cs:spPr>
-      <a:ln w="9525" cap="flat" cmpd="sng" algn="ctr">
-        <a:solidFill>
-          <a:schemeClr val="tx1">
-            <a:lumMod val="25000"/>
-            <a:lumOff val="75000"/>
-          </a:schemeClr>
-        </a:solidFill>
-        <a:round/>
-      </a:ln>
-    </cs:spPr>
-    <cs:defRPr sz="900" kern="1200"/>
-  </cs:valueAxis>
-  <cs:wall>
-    <cs:lnRef idx="0"/>
-    <cs:fillRef idx="0"/>
-    <cs:effectRef idx="0"/>
-    <cs:fontRef idx="minor">
-      <a:schemeClr val="tx1"/>
-    </cs:fontRef>
-    <cs:spPr>
-      <a:noFill/>
-      <a:ln>
-        <a:noFill/>
-      </a:ln>
-    </cs:spPr>
-  </cs:wall>
-</cs:chartStyle>
 </file>
 
 <file path=ppt/notesMasters/notesMaster1.xml><?xml version="1.0" encoding="utf-8"?>
@@ -3696,7 +1136,7 @@
           <a:p>
             <a:fld id="{4E02406E-51B6-6C4F-B6FA-25E5FA24AA93}" type="slidenum">
               <a:rPr lang="en-US" smtClean="0"/>
-              <a:t>7</a:t>
+              <a:t>6</a:t>
             </a:fld>
             <a:endParaRPr lang="en-US"/>
           </a:p>
@@ -3780,7 +1220,7 @@
           <a:p>
             <a:fld id="{4E02406E-51B6-6C4F-B6FA-25E5FA24AA93}" type="slidenum">
               <a:rPr lang="en-US" smtClean="0"/>
-              <a:t>8</a:t>
+              <a:t>7</a:t>
             </a:fld>
             <a:endParaRPr lang="en-US"/>
           </a:p>
@@ -3876,7 +1316,7 @@
           <a:p>
             <a:fld id="{25211B34-18CC-D744-9E8C-A2A3BCB534CD}" type="slidenum">
               <a:rPr lang="en-US" smtClean="0"/>
-              <a:t>9</a:t>
+              <a:t>8</a:t>
             </a:fld>
             <a:endParaRPr lang="en-US"/>
           </a:p>
@@ -3896,6 +1336,90 @@
 </file>
 
 <file path=ppt/notesSlides/notesSlide8.xml><?xml version="1.0" encoding="utf-8"?>
+<p:notes xmlns:a="http://schemas.openxmlformats.org/drawingml/2006/main" xmlns:r="http://schemas.openxmlformats.org/officeDocument/2006/relationships" xmlns:p="http://schemas.openxmlformats.org/presentationml/2006/main">
+  <p:cSld>
+    <p:spTree>
+      <p:nvGrpSpPr>
+        <p:cNvPr id="1" name=""/>
+        <p:cNvGrpSpPr/>
+        <p:nvPr/>
+      </p:nvGrpSpPr>
+      <p:grpSpPr>
+        <a:xfrm>
+          <a:off x="0" y="0"/>
+          <a:ext cx="0" cy="0"/>
+          <a:chOff x="0" y="0"/>
+          <a:chExt cx="0" cy="0"/>
+        </a:xfrm>
+      </p:grpSpPr>
+      <p:sp>
+        <p:nvSpPr>
+          <p:cNvPr id="2" name="Slide Image Placeholder 1"/>
+          <p:cNvSpPr>
+            <a:spLocks noGrp="1" noRot="1" noChangeAspect="1"/>
+          </p:cNvSpPr>
+          <p:nvPr>
+            <p:ph type="sldImg"/>
+          </p:nvPr>
+        </p:nvSpPr>
+        <p:spPr/>
+      </p:sp>
+      <p:sp>
+        <p:nvSpPr>
+          <p:cNvPr id="3" name="Notes Placeholder 2"/>
+          <p:cNvSpPr>
+            <a:spLocks noGrp="1"/>
+          </p:cNvSpPr>
+          <p:nvPr>
+            <p:ph type="body" idx="1"/>
+          </p:nvPr>
+        </p:nvSpPr>
+        <p:spPr/>
+        <p:txBody>
+          <a:bodyPr/>
+          <a:lstStyle/>
+          <a:p>
+            <a:endParaRPr lang="en-US" dirty="0"/>
+          </a:p>
+        </p:txBody>
+      </p:sp>
+      <p:sp>
+        <p:nvSpPr>
+          <p:cNvPr id="4" name="Slide Number Placeholder 3"/>
+          <p:cNvSpPr>
+            <a:spLocks noGrp="1"/>
+          </p:cNvSpPr>
+          <p:nvPr>
+            <p:ph type="sldNum" sz="quarter" idx="5"/>
+          </p:nvPr>
+        </p:nvSpPr>
+        <p:spPr/>
+        <p:txBody>
+          <a:bodyPr/>
+          <a:lstStyle/>
+          <a:p>
+            <a:fld id="{4E02406E-51B6-6C4F-B6FA-25E5FA24AA93}" type="slidenum">
+              <a:rPr lang="en-US" smtClean="0"/>
+              <a:t>9</a:t>
+            </a:fld>
+            <a:endParaRPr lang="en-US"/>
+          </a:p>
+        </p:txBody>
+      </p:sp>
+    </p:spTree>
+    <p:extLst>
+      <p:ext uri="{BB962C8B-B14F-4D97-AF65-F5344CB8AC3E}">
+        <p14:creationId xmlns:p14="http://schemas.microsoft.com/office/powerpoint/2010/main" val="4227814945"/>
+      </p:ext>
+    </p:extLst>
+  </p:cSld>
+  <p:clrMapOvr>
+    <a:masterClrMapping/>
+  </p:clrMapOvr>
+</p:notes>
+</file>
+
+<file path=ppt/notesSlides/notesSlide9.xml><?xml version="1.0" encoding="utf-8"?>
 <p:notes xmlns:a="http://schemas.openxmlformats.org/drawingml/2006/main" xmlns:r="http://schemas.openxmlformats.org/officeDocument/2006/relationships" xmlns:p="http://schemas.openxmlformats.org/presentationml/2006/main">
   <p:cSld>
     <p:spTree>
@@ -12718,70 +10242,677 @@
           <a:chExt cx="0" cy="0"/>
         </a:xfrm>
       </p:grpSpPr>
-      <p:graphicFrame>
-        <p:nvGraphicFramePr>
-          <p:cNvPr id="4" name="Chart 3">
-            <a:extLst>
-              <a:ext uri="{FF2B5EF4-FFF2-40B4-BE49-F238E27FC236}">
-                <a16:creationId xmlns:a16="http://schemas.microsoft.com/office/drawing/2014/main" id="{94E0B12C-B027-8445-ADF6-0EA9F5887B8A}"/>
-              </a:ext>
-            </a:extLst>
-          </p:cNvPr>
-          <p:cNvGraphicFramePr>
-            <a:graphicFrameLocks/>
-          </p:cNvGraphicFramePr>
-          <p:nvPr>
-            <p:extLst>
-              <p:ext uri="{D42A27DB-BD31-4B8C-83A1-F6EECF244321}">
-                <p14:modId xmlns:p14="http://schemas.microsoft.com/office/powerpoint/2010/main" val="226901739"/>
-              </p:ext>
-            </p:extLst>
-          </p:nvPr>
-        </p:nvGraphicFramePr>
-        <p:xfrm>
-          <a:off x="5731899" y="3043238"/>
-          <a:ext cx="5998140" cy="3729037"/>
-        </p:xfrm>
-        <a:graphic>
-          <a:graphicData uri="http://schemas.openxmlformats.org/drawingml/2006/chart">
-            <c:chart xmlns:c="http://schemas.openxmlformats.org/drawingml/2006/chart" xmlns:r="http://schemas.openxmlformats.org/officeDocument/2006/relationships" r:id="rId2"/>
-          </a:graphicData>
-        </a:graphic>
-      </p:graphicFrame>
-      <p:graphicFrame>
-        <p:nvGraphicFramePr>
-          <p:cNvPr id="5" name="Chart 4">
-            <a:extLst>
-              <a:ext uri="{FF2B5EF4-FFF2-40B4-BE49-F238E27FC236}">
-                <a16:creationId xmlns:a16="http://schemas.microsoft.com/office/drawing/2014/main" id="{9A09C6A1-A15F-6F44-B973-92236ED638BD}"/>
-              </a:ext>
-            </a:extLst>
-          </p:cNvPr>
-          <p:cNvGraphicFramePr>
-            <a:graphicFrameLocks/>
-          </p:cNvGraphicFramePr>
-          <p:nvPr>
-            <p:extLst>
-              <p:ext uri="{D42A27DB-BD31-4B8C-83A1-F6EECF244321}">
-                <p14:modId xmlns:p14="http://schemas.microsoft.com/office/powerpoint/2010/main" val="3537837803"/>
-              </p:ext>
-            </p:extLst>
-          </p:nvPr>
-        </p:nvGraphicFramePr>
-        <p:xfrm>
-          <a:off x="459104" y="214312"/>
-          <a:ext cx="6443910" cy="3376224"/>
-        </p:xfrm>
-        <a:graphic>
-          <a:graphicData uri="http://schemas.openxmlformats.org/drawingml/2006/chart">
-            <c:chart xmlns:c="http://schemas.openxmlformats.org/drawingml/2006/chart" xmlns:r="http://schemas.openxmlformats.org/officeDocument/2006/relationships" r:id="rId3"/>
-          </a:graphicData>
-        </a:graphic>
-      </p:graphicFrame>
+      <p:pic>
+        <p:nvPicPr>
+          <p:cNvPr id="3" name="Picture 2">
+            <a:extLst>
+              <a:ext uri="{FF2B5EF4-FFF2-40B4-BE49-F238E27FC236}">
+                <a16:creationId xmlns:a16="http://schemas.microsoft.com/office/drawing/2014/main" id="{5FA73F9C-79A1-B64C-9E22-7A5D3640150F}"/>
+              </a:ext>
+            </a:extLst>
+          </p:cNvPr>
+          <p:cNvPicPr>
+            <a:picLocks noChangeAspect="1"/>
+          </p:cNvPicPr>
+          <p:nvPr/>
+        </p:nvPicPr>
+        <p:blipFill rotWithShape="1">
+          <a:blip r:embed="rId3"/>
+          <a:srcRect t="5990" r="5690"/>
+          <a:stretch/>
+        </p:blipFill>
+        <p:spPr>
+          <a:xfrm>
+            <a:off x="1238251" y="398604"/>
+            <a:ext cx="9120188" cy="6060791"/>
+          </a:xfrm>
+          <a:prstGeom prst="rect">
+            <a:avLst/>
+          </a:prstGeom>
+        </p:spPr>
+      </p:pic>
+      <p:cxnSp>
+        <p:nvCxnSpPr>
+          <p:cNvPr id="21" name="Straight Arrow Connector 20">
+            <a:extLst>
+              <a:ext uri="{FF2B5EF4-FFF2-40B4-BE49-F238E27FC236}">
+                <a16:creationId xmlns:a16="http://schemas.microsoft.com/office/drawing/2014/main" id="{4A36E01D-2CAF-454C-8716-D0FB009848BB}"/>
+              </a:ext>
+            </a:extLst>
+          </p:cNvPr>
+          <p:cNvCxnSpPr>
+            <a:cxnSpLocks/>
+          </p:cNvCxnSpPr>
+          <p:nvPr/>
+        </p:nvCxnSpPr>
+        <p:spPr>
+          <a:xfrm flipH="1" flipV="1">
+            <a:off x="5600700" y="3428999"/>
+            <a:ext cx="778667" cy="4478"/>
+          </a:xfrm>
+          <a:prstGeom prst="straightConnector1">
+            <a:avLst/>
+          </a:prstGeom>
+          <a:ln w="25400">
+            <a:solidFill>
+              <a:schemeClr val="tx1"/>
+            </a:solidFill>
+            <a:tailEnd type="triangle" w="lg" len="lg"/>
+          </a:ln>
+        </p:spPr>
+        <p:style>
+          <a:lnRef idx="1">
+            <a:schemeClr val="accent1"/>
+          </a:lnRef>
+          <a:fillRef idx="0">
+            <a:schemeClr val="accent1"/>
+          </a:fillRef>
+          <a:effectRef idx="0">
+            <a:schemeClr val="accent1"/>
+          </a:effectRef>
+          <a:fontRef idx="minor">
+            <a:schemeClr val="tx1"/>
+          </a:fontRef>
+        </p:style>
+      </p:cxnSp>
+      <p:cxnSp>
+        <p:nvCxnSpPr>
+          <p:cNvPr id="23" name="Straight Arrow Connector 22">
+            <a:extLst>
+              <a:ext uri="{FF2B5EF4-FFF2-40B4-BE49-F238E27FC236}">
+                <a16:creationId xmlns:a16="http://schemas.microsoft.com/office/drawing/2014/main" id="{4C15A82F-B81E-954C-BC92-2971B36F6D84}"/>
+              </a:ext>
+            </a:extLst>
+          </p:cNvPr>
+          <p:cNvCxnSpPr>
+            <a:cxnSpLocks/>
+          </p:cNvCxnSpPr>
+          <p:nvPr/>
+        </p:nvCxnSpPr>
+        <p:spPr>
+          <a:xfrm flipV="1">
+            <a:off x="7816455" y="3043238"/>
+            <a:ext cx="509584" cy="281386"/>
+          </a:xfrm>
+          <a:prstGeom prst="straightConnector1">
+            <a:avLst/>
+          </a:prstGeom>
+          <a:ln w="25400">
+            <a:solidFill>
+              <a:srgbClr val="DBA520"/>
+            </a:solidFill>
+            <a:headEnd w="lg" len="lg"/>
+            <a:tailEnd type="triangle" w="lg" len="lg"/>
+          </a:ln>
+        </p:spPr>
+        <p:style>
+          <a:lnRef idx="1">
+            <a:schemeClr val="accent1"/>
+          </a:lnRef>
+          <a:fillRef idx="0">
+            <a:schemeClr val="accent1"/>
+          </a:fillRef>
+          <a:effectRef idx="0">
+            <a:schemeClr val="accent1"/>
+          </a:effectRef>
+          <a:fontRef idx="minor">
+            <a:schemeClr val="tx1"/>
+          </a:fontRef>
+        </p:style>
+      </p:cxnSp>
+      <p:cxnSp>
+        <p:nvCxnSpPr>
+          <p:cNvPr id="25" name="Straight Arrow Connector 24">
+            <a:extLst>
+              <a:ext uri="{FF2B5EF4-FFF2-40B4-BE49-F238E27FC236}">
+                <a16:creationId xmlns:a16="http://schemas.microsoft.com/office/drawing/2014/main" id="{8A0AB724-1141-8A49-BAAD-736EF06375D5}"/>
+              </a:ext>
+            </a:extLst>
+          </p:cNvPr>
+          <p:cNvCxnSpPr>
+            <a:cxnSpLocks/>
+          </p:cNvCxnSpPr>
+          <p:nvPr/>
+        </p:nvCxnSpPr>
+        <p:spPr>
+          <a:xfrm flipH="1" flipV="1">
+            <a:off x="6473429" y="1210344"/>
+            <a:ext cx="771525" cy="121310"/>
+          </a:xfrm>
+          <a:prstGeom prst="straightConnector1">
+            <a:avLst/>
+          </a:prstGeom>
+          <a:ln w="25400">
+            <a:solidFill>
+              <a:srgbClr val="DBA520"/>
+            </a:solidFill>
+            <a:tailEnd type="triangle" w="lg" len="lg"/>
+          </a:ln>
+        </p:spPr>
+        <p:style>
+          <a:lnRef idx="1">
+            <a:schemeClr val="accent1"/>
+          </a:lnRef>
+          <a:fillRef idx="0">
+            <a:schemeClr val="accent1"/>
+          </a:fillRef>
+          <a:effectRef idx="0">
+            <a:schemeClr val="accent1"/>
+          </a:effectRef>
+          <a:fontRef idx="minor">
+            <a:schemeClr val="tx1"/>
+          </a:fontRef>
+        </p:style>
+      </p:cxnSp>
+      <p:cxnSp>
+        <p:nvCxnSpPr>
+          <p:cNvPr id="26" name="Straight Arrow Connector 25">
+            <a:extLst>
+              <a:ext uri="{FF2B5EF4-FFF2-40B4-BE49-F238E27FC236}">
+                <a16:creationId xmlns:a16="http://schemas.microsoft.com/office/drawing/2014/main" id="{ECD79D84-7EDF-7740-915E-E0D2E07B49FA}"/>
+              </a:ext>
+            </a:extLst>
+          </p:cNvPr>
+          <p:cNvCxnSpPr>
+            <a:cxnSpLocks/>
+          </p:cNvCxnSpPr>
+          <p:nvPr/>
+        </p:nvCxnSpPr>
+        <p:spPr>
+          <a:xfrm flipH="1">
+            <a:off x="5965029" y="2003156"/>
+            <a:ext cx="758427" cy="0"/>
+          </a:xfrm>
+          <a:prstGeom prst="straightConnector1">
+            <a:avLst/>
+          </a:prstGeom>
+          <a:ln w="25400">
+            <a:solidFill>
+              <a:srgbClr val="FF0000"/>
+            </a:solidFill>
+            <a:tailEnd type="triangle" w="lg" len="lg"/>
+          </a:ln>
+        </p:spPr>
+        <p:style>
+          <a:lnRef idx="1">
+            <a:schemeClr val="accent1"/>
+          </a:lnRef>
+          <a:fillRef idx="0">
+            <a:schemeClr val="accent1"/>
+          </a:fillRef>
+          <a:effectRef idx="0">
+            <a:schemeClr val="accent1"/>
+          </a:effectRef>
+          <a:fontRef idx="minor">
+            <a:schemeClr val="tx1"/>
+          </a:fontRef>
+        </p:style>
+      </p:cxnSp>
+      <p:cxnSp>
+        <p:nvCxnSpPr>
+          <p:cNvPr id="27" name="Straight Arrow Connector 26">
+            <a:extLst>
+              <a:ext uri="{FF2B5EF4-FFF2-40B4-BE49-F238E27FC236}">
+                <a16:creationId xmlns:a16="http://schemas.microsoft.com/office/drawing/2014/main" id="{29878A34-8104-B34F-ADC4-995FA1E03167}"/>
+              </a:ext>
+            </a:extLst>
+          </p:cNvPr>
+          <p:cNvCxnSpPr>
+            <a:cxnSpLocks/>
+          </p:cNvCxnSpPr>
+          <p:nvPr/>
+        </p:nvCxnSpPr>
+        <p:spPr>
+          <a:xfrm>
+            <a:off x="7893844" y="1878672"/>
+            <a:ext cx="354807" cy="507341"/>
+          </a:xfrm>
+          <a:prstGeom prst="straightConnector1">
+            <a:avLst/>
+          </a:prstGeom>
+          <a:ln w="25400">
+            <a:solidFill>
+              <a:srgbClr val="FF0000"/>
+            </a:solidFill>
+            <a:tailEnd type="triangle" w="lg" len="lg"/>
+          </a:ln>
+        </p:spPr>
+        <p:style>
+          <a:lnRef idx="1">
+            <a:schemeClr val="accent1"/>
+          </a:lnRef>
+          <a:fillRef idx="0">
+            <a:schemeClr val="accent1"/>
+          </a:fillRef>
+          <a:effectRef idx="0">
+            <a:schemeClr val="accent1"/>
+          </a:effectRef>
+          <a:fontRef idx="minor">
+            <a:schemeClr val="tx1"/>
+          </a:fontRef>
+        </p:style>
+      </p:cxnSp>
+      <p:sp>
+        <p:nvSpPr>
+          <p:cNvPr id="29" name="TextBox 28">
+            <a:extLst>
+              <a:ext uri="{FF2B5EF4-FFF2-40B4-BE49-F238E27FC236}">
+                <a16:creationId xmlns:a16="http://schemas.microsoft.com/office/drawing/2014/main" id="{91C4C127-0EF4-C740-95D4-58CC8FBC225F}"/>
+              </a:ext>
+            </a:extLst>
+          </p:cNvPr>
+          <p:cNvSpPr txBox="1"/>
+          <p:nvPr/>
+        </p:nvSpPr>
+        <p:spPr>
+          <a:xfrm>
+            <a:off x="7167565" y="3428999"/>
+            <a:ext cx="648890" cy="369332"/>
+          </a:xfrm>
+          <a:prstGeom prst="rect">
+            <a:avLst/>
+          </a:prstGeom>
+          <a:noFill/>
+        </p:spPr>
+        <p:txBody>
+          <a:bodyPr wrap="square" rtlCol="0">
+            <a:spAutoFit/>
+          </a:bodyPr>
+          <a:lstStyle/>
+          <a:p>
+            <a:r>
+              <a:rPr lang="en-US" dirty="0"/>
+              <a:t>CMC</a:t>
+            </a:r>
+          </a:p>
+        </p:txBody>
+      </p:sp>
+      <p:sp>
+        <p:nvSpPr>
+          <p:cNvPr id="32" name="TextBox 31">
+            <a:extLst>
+              <a:ext uri="{FF2B5EF4-FFF2-40B4-BE49-F238E27FC236}">
+                <a16:creationId xmlns:a16="http://schemas.microsoft.com/office/drawing/2014/main" id="{9DB34976-5CB2-0249-A4BF-70C9966BA6D8}"/>
+              </a:ext>
+            </a:extLst>
+          </p:cNvPr>
+          <p:cNvSpPr txBox="1"/>
+          <p:nvPr/>
+        </p:nvSpPr>
+        <p:spPr>
+          <a:xfrm>
+            <a:off x="5086351" y="2386013"/>
+            <a:ext cx="960834" cy="369332"/>
+          </a:xfrm>
+          <a:prstGeom prst="rect">
+            <a:avLst/>
+          </a:prstGeom>
+          <a:noFill/>
+        </p:spPr>
+        <p:txBody>
+          <a:bodyPr wrap="square" rtlCol="0">
+            <a:spAutoFit/>
+          </a:bodyPr>
+          <a:lstStyle/>
+          <a:p>
+            <a:r>
+              <a:rPr lang="en-US" dirty="0"/>
+              <a:t>DIM‡</a:t>
+            </a:r>
+          </a:p>
+        </p:txBody>
+      </p:sp>
+      <p:sp>
+        <p:nvSpPr>
+          <p:cNvPr id="33" name="TextBox 32">
+            <a:extLst>
+              <a:ext uri="{FF2B5EF4-FFF2-40B4-BE49-F238E27FC236}">
+                <a16:creationId xmlns:a16="http://schemas.microsoft.com/office/drawing/2014/main" id="{9BA8D727-B68C-BD41-91CB-6615F6F48AAE}"/>
+              </a:ext>
+            </a:extLst>
+          </p:cNvPr>
+          <p:cNvSpPr txBox="1"/>
+          <p:nvPr/>
+        </p:nvSpPr>
+        <p:spPr>
+          <a:xfrm>
+            <a:off x="3267076" y="5181600"/>
+            <a:ext cx="960834" cy="369332"/>
+          </a:xfrm>
+          <a:prstGeom prst="rect">
+            <a:avLst/>
+          </a:prstGeom>
+          <a:noFill/>
+        </p:spPr>
+        <p:txBody>
+          <a:bodyPr wrap="square" rtlCol="0">
+            <a:spAutoFit/>
+          </a:bodyPr>
+          <a:lstStyle/>
+          <a:p>
+            <a:r>
+              <a:rPr lang="en-US" dirty="0"/>
+              <a:t>DIM</a:t>
+            </a:r>
+          </a:p>
+        </p:txBody>
+      </p:sp>
+      <p:sp>
+        <p:nvSpPr>
+          <p:cNvPr id="34" name="TextBox 33">
+            <a:extLst>
+              <a:ext uri="{FF2B5EF4-FFF2-40B4-BE49-F238E27FC236}">
+                <a16:creationId xmlns:a16="http://schemas.microsoft.com/office/drawing/2014/main" id="{272B1665-DF3A-C448-85CA-095D04AC5B3D}"/>
+              </a:ext>
+            </a:extLst>
+          </p:cNvPr>
+          <p:cNvSpPr txBox="1"/>
+          <p:nvPr/>
+        </p:nvSpPr>
+        <p:spPr>
+          <a:xfrm>
+            <a:off x="8248651" y="2253535"/>
+            <a:ext cx="1207891" cy="369332"/>
+          </a:xfrm>
+          <a:prstGeom prst="rect">
+            <a:avLst/>
+          </a:prstGeom>
+          <a:noFill/>
+        </p:spPr>
+        <p:txBody>
+          <a:bodyPr wrap="square" rtlCol="0">
+            <a:spAutoFit/>
+          </a:bodyPr>
+          <a:lstStyle/>
+          <a:p>
+            <a:r>
+              <a:rPr lang="en-US" dirty="0">
+                <a:solidFill>
+                  <a:srgbClr val="DBA520"/>
+                </a:solidFill>
+              </a:rPr>
+              <a:t>X-CMC‡</a:t>
+            </a:r>
+          </a:p>
+        </p:txBody>
+      </p:sp>
+      <p:sp>
+        <p:nvSpPr>
+          <p:cNvPr id="35" name="TextBox 34">
+            <a:extLst>
+              <a:ext uri="{FF2B5EF4-FFF2-40B4-BE49-F238E27FC236}">
+                <a16:creationId xmlns:a16="http://schemas.microsoft.com/office/drawing/2014/main" id="{EB966C45-CBB9-F647-A042-015F607B319D}"/>
+              </a:ext>
+            </a:extLst>
+          </p:cNvPr>
+          <p:cNvSpPr txBox="1"/>
+          <p:nvPr/>
+        </p:nvSpPr>
+        <p:spPr>
+          <a:xfrm>
+            <a:off x="9150548" y="2955292"/>
+            <a:ext cx="1207891" cy="369332"/>
+          </a:xfrm>
+          <a:prstGeom prst="rect">
+            <a:avLst/>
+          </a:prstGeom>
+          <a:noFill/>
+        </p:spPr>
+        <p:txBody>
+          <a:bodyPr wrap="square" rtlCol="0">
+            <a:spAutoFit/>
+          </a:bodyPr>
+          <a:lstStyle/>
+          <a:p>
+            <a:r>
+              <a:rPr lang="en-US" dirty="0">
+                <a:solidFill>
+                  <a:srgbClr val="DBA520"/>
+                </a:solidFill>
+              </a:rPr>
+              <a:t>X-CMC</a:t>
+            </a:r>
+          </a:p>
+        </p:txBody>
+      </p:sp>
+      <p:sp>
+        <p:nvSpPr>
+          <p:cNvPr id="36" name="TextBox 35">
+            <a:extLst>
+              <a:ext uri="{FF2B5EF4-FFF2-40B4-BE49-F238E27FC236}">
+                <a16:creationId xmlns:a16="http://schemas.microsoft.com/office/drawing/2014/main" id="{7B6964FD-9C5E-B448-9BCE-3F2DCCAE169F}"/>
+              </a:ext>
+            </a:extLst>
+          </p:cNvPr>
+          <p:cNvSpPr txBox="1"/>
+          <p:nvPr/>
+        </p:nvSpPr>
+        <p:spPr>
+          <a:xfrm>
+            <a:off x="5651300" y="1086333"/>
+            <a:ext cx="1207891" cy="369332"/>
+          </a:xfrm>
+          <a:prstGeom prst="rect">
+            <a:avLst/>
+          </a:prstGeom>
+          <a:noFill/>
+        </p:spPr>
+        <p:txBody>
+          <a:bodyPr wrap="square" rtlCol="0">
+            <a:spAutoFit/>
+          </a:bodyPr>
+          <a:lstStyle/>
+          <a:p>
+            <a:r>
+              <a:rPr lang="en-US" dirty="0">
+                <a:solidFill>
+                  <a:srgbClr val="DBA520"/>
+                </a:solidFill>
+              </a:rPr>
+              <a:t>X-DIM‡</a:t>
+            </a:r>
+          </a:p>
+        </p:txBody>
+      </p:sp>
+      <p:sp>
+        <p:nvSpPr>
+          <p:cNvPr id="37" name="TextBox 36">
+            <a:extLst>
+              <a:ext uri="{FF2B5EF4-FFF2-40B4-BE49-F238E27FC236}">
+                <a16:creationId xmlns:a16="http://schemas.microsoft.com/office/drawing/2014/main" id="{5BA555F7-5E57-6D4C-8AAF-3D5809AEA8F8}"/>
+              </a:ext>
+            </a:extLst>
+          </p:cNvPr>
+          <p:cNvSpPr txBox="1"/>
+          <p:nvPr/>
+        </p:nvSpPr>
+        <p:spPr>
+          <a:xfrm>
+            <a:off x="2935186" y="3208142"/>
+            <a:ext cx="1207891" cy="369332"/>
+          </a:xfrm>
+          <a:prstGeom prst="rect">
+            <a:avLst/>
+          </a:prstGeom>
+          <a:noFill/>
+        </p:spPr>
+        <p:txBody>
+          <a:bodyPr wrap="square" rtlCol="0">
+            <a:spAutoFit/>
+          </a:bodyPr>
+          <a:lstStyle/>
+          <a:p>
+            <a:r>
+              <a:rPr lang="en-US" dirty="0">
+                <a:solidFill>
+                  <a:srgbClr val="DBA520"/>
+                </a:solidFill>
+              </a:rPr>
+              <a:t>X-DIM</a:t>
+            </a:r>
+          </a:p>
+        </p:txBody>
+      </p:sp>
+      <p:sp>
+        <p:nvSpPr>
+          <p:cNvPr id="38" name="TextBox 37">
+            <a:extLst>
+              <a:ext uri="{FF2B5EF4-FFF2-40B4-BE49-F238E27FC236}">
+                <a16:creationId xmlns:a16="http://schemas.microsoft.com/office/drawing/2014/main" id="{D91FE63A-B526-4643-A736-F484B30D783D}"/>
+              </a:ext>
+            </a:extLst>
+          </p:cNvPr>
+          <p:cNvSpPr txBox="1"/>
+          <p:nvPr/>
+        </p:nvSpPr>
+        <p:spPr>
+          <a:xfrm>
+            <a:off x="3267075" y="3693956"/>
+            <a:ext cx="1207891" cy="369332"/>
+          </a:xfrm>
+          <a:prstGeom prst="rect">
+            <a:avLst/>
+          </a:prstGeom>
+          <a:noFill/>
+        </p:spPr>
+        <p:txBody>
+          <a:bodyPr wrap="square" rtlCol="0">
+            <a:spAutoFit/>
+          </a:bodyPr>
+          <a:lstStyle/>
+          <a:p>
+            <a:r>
+              <a:rPr lang="en-US" dirty="0">
+                <a:solidFill>
+                  <a:srgbClr val="FD0000"/>
+                </a:solidFill>
+              </a:rPr>
+              <a:t>X-DIM</a:t>
+            </a:r>
+          </a:p>
+        </p:txBody>
+      </p:sp>
+      <p:sp>
+        <p:nvSpPr>
+          <p:cNvPr id="39" name="TextBox 38">
+            <a:extLst>
+              <a:ext uri="{FF2B5EF4-FFF2-40B4-BE49-F238E27FC236}">
+                <a16:creationId xmlns:a16="http://schemas.microsoft.com/office/drawing/2014/main" id="{033B9764-C6E9-1E4E-9612-8741C5B9595B}"/>
+              </a:ext>
+            </a:extLst>
+          </p:cNvPr>
+          <p:cNvSpPr txBox="1"/>
+          <p:nvPr/>
+        </p:nvSpPr>
+        <p:spPr>
+          <a:xfrm>
+            <a:off x="5740296" y="1647296"/>
+            <a:ext cx="1207891" cy="369332"/>
+          </a:xfrm>
+          <a:prstGeom prst="rect">
+            <a:avLst/>
+          </a:prstGeom>
+          <a:noFill/>
+        </p:spPr>
+        <p:txBody>
+          <a:bodyPr wrap="square" rtlCol="0">
+            <a:spAutoFit/>
+          </a:bodyPr>
+          <a:lstStyle/>
+          <a:p>
+            <a:r>
+              <a:rPr lang="en-US" dirty="0">
+                <a:solidFill>
+                  <a:srgbClr val="FD0000"/>
+                </a:solidFill>
+              </a:rPr>
+              <a:t>X-DIM‡</a:t>
+            </a:r>
+          </a:p>
+        </p:txBody>
+      </p:sp>
+      <p:sp>
+        <p:nvSpPr>
+          <p:cNvPr id="40" name="TextBox 39">
+            <a:extLst>
+              <a:ext uri="{FF2B5EF4-FFF2-40B4-BE49-F238E27FC236}">
+                <a16:creationId xmlns:a16="http://schemas.microsoft.com/office/drawing/2014/main" id="{F8058E93-9898-7447-8BAB-BD4447DFCF7A}"/>
+              </a:ext>
+            </a:extLst>
+          </p:cNvPr>
+          <p:cNvSpPr txBox="1"/>
+          <p:nvPr/>
+        </p:nvSpPr>
+        <p:spPr>
+          <a:xfrm>
+            <a:off x="8864500" y="3558202"/>
+            <a:ext cx="1207891" cy="369332"/>
+          </a:xfrm>
+          <a:prstGeom prst="rect">
+            <a:avLst/>
+          </a:prstGeom>
+          <a:noFill/>
+        </p:spPr>
+        <p:txBody>
+          <a:bodyPr wrap="square" rtlCol="0">
+            <a:spAutoFit/>
+          </a:bodyPr>
+          <a:lstStyle/>
+          <a:p>
+            <a:r>
+              <a:rPr lang="en-US" dirty="0">
+                <a:solidFill>
+                  <a:srgbClr val="FD0000"/>
+                </a:solidFill>
+              </a:rPr>
+              <a:t>X-CMC</a:t>
+            </a:r>
+          </a:p>
+        </p:txBody>
+      </p:sp>
+      <p:sp>
+        <p:nvSpPr>
+          <p:cNvPr id="42" name="TextBox 41">
+            <a:extLst>
+              <a:ext uri="{FF2B5EF4-FFF2-40B4-BE49-F238E27FC236}">
+                <a16:creationId xmlns:a16="http://schemas.microsoft.com/office/drawing/2014/main" id="{9F65B62A-4E8B-2644-95FE-10DAE7326FFC}"/>
+              </a:ext>
+            </a:extLst>
+          </p:cNvPr>
+          <p:cNvSpPr txBox="1"/>
+          <p:nvPr/>
+        </p:nvSpPr>
+        <p:spPr>
+          <a:xfrm>
+            <a:off x="8071247" y="1555591"/>
+            <a:ext cx="1207891" cy="369332"/>
+          </a:xfrm>
+          <a:prstGeom prst="rect">
+            <a:avLst/>
+          </a:prstGeom>
+          <a:noFill/>
+        </p:spPr>
+        <p:txBody>
+          <a:bodyPr wrap="square" rtlCol="0">
+            <a:spAutoFit/>
+          </a:bodyPr>
+          <a:lstStyle/>
+          <a:p>
+            <a:r>
+              <a:rPr lang="en-US" dirty="0">
+                <a:solidFill>
+                  <a:srgbClr val="FD0000"/>
+                </a:solidFill>
+              </a:rPr>
+              <a:t>X-CMC‡</a:t>
+            </a:r>
+          </a:p>
+        </p:txBody>
+      </p:sp>
     </p:spTree>
     <p:extLst>
       <p:ext uri="{BB962C8B-B14F-4D97-AF65-F5344CB8AC3E}">
-        <p14:creationId xmlns:p14="http://schemas.microsoft.com/office/powerpoint/2010/main" val="3941552960"/>
+        <p14:creationId xmlns:p14="http://schemas.microsoft.com/office/powerpoint/2010/main" val="782701711"/>
       </p:ext>
     </p:extLst>
   </p:cSld>
@@ -12813,7 +10944,7 @@
           <p:cNvPr id="3" name="Picture 2">
             <a:extLst>
               <a:ext uri="{FF2B5EF4-FFF2-40B4-BE49-F238E27FC236}">
-                <a16:creationId xmlns:a16="http://schemas.microsoft.com/office/drawing/2014/main" id="{5FA73F9C-79A1-B64C-9E22-7A5D3640150F}"/>
+                <a16:creationId xmlns:a16="http://schemas.microsoft.com/office/drawing/2014/main" id="{A28DC132-0200-2947-8CCD-61F51E0F7869}"/>
               </a:ext>
             </a:extLst>
           </p:cNvPr>
@@ -12824,13 +10955,13 @@
         </p:nvPicPr>
         <p:blipFill rotWithShape="1">
           <a:blip r:embed="rId3"/>
-          <a:srcRect t="5990" r="5690"/>
+          <a:srcRect t="6250" r="6019"/>
           <a:stretch/>
         </p:blipFill>
         <p:spPr>
           <a:xfrm>
-            <a:off x="1238251" y="398604"/>
-            <a:ext cx="9120188" cy="6060791"/>
+            <a:off x="1409700" y="396425"/>
+            <a:ext cx="9120188" cy="6065150"/>
           </a:xfrm>
           <a:prstGeom prst="rect">
             <a:avLst/>
@@ -12839,10 +10970,10 @@
       </p:pic>
       <p:cxnSp>
         <p:nvCxnSpPr>
-          <p:cNvPr id="21" name="Straight Arrow Connector 20">
-            <a:extLst>
-              <a:ext uri="{FF2B5EF4-FFF2-40B4-BE49-F238E27FC236}">
-                <a16:creationId xmlns:a16="http://schemas.microsoft.com/office/drawing/2014/main" id="{4A36E01D-2CAF-454C-8716-D0FB009848BB}"/>
+          <p:cNvPr id="5" name="Straight Arrow Connector 4">
+            <a:extLst>
+              <a:ext uri="{FF2B5EF4-FFF2-40B4-BE49-F238E27FC236}">
+                <a16:creationId xmlns:a16="http://schemas.microsoft.com/office/drawing/2014/main" id="{023FE7CD-6862-3F44-B332-DFA59D3504E5}"/>
               </a:ext>
             </a:extLst>
           </p:cNvPr>
@@ -12852,9 +10983,9 @@
           <p:nvPr/>
         </p:nvCxnSpPr>
         <p:spPr>
-          <a:xfrm flipH="1" flipV="1">
-            <a:off x="5600700" y="3428999"/>
-            <a:ext cx="778667" cy="4478"/>
+          <a:xfrm>
+            <a:off x="8129588" y="3586163"/>
+            <a:ext cx="414337" cy="523306"/>
           </a:xfrm>
           <a:prstGeom prst="straightConnector1">
             <a:avLst/>
@@ -12883,10 +11014,10 @@
       </p:cxnSp>
       <p:cxnSp>
         <p:nvCxnSpPr>
-          <p:cNvPr id="23" name="Straight Arrow Connector 22">
-            <a:extLst>
-              <a:ext uri="{FF2B5EF4-FFF2-40B4-BE49-F238E27FC236}">
-                <a16:creationId xmlns:a16="http://schemas.microsoft.com/office/drawing/2014/main" id="{4C15A82F-B81E-954C-BC92-2971B36F6D84}"/>
+          <p:cNvPr id="8" name="Straight Arrow Connector 7">
+            <a:extLst>
+              <a:ext uri="{FF2B5EF4-FFF2-40B4-BE49-F238E27FC236}">
+                <a16:creationId xmlns:a16="http://schemas.microsoft.com/office/drawing/2014/main" id="{03AAD0D9-0559-F04E-9826-7001DAA59C18}"/>
               </a:ext>
             </a:extLst>
           </p:cNvPr>
@@ -12896,9 +11027,9 @@
           <p:nvPr/>
         </p:nvCxnSpPr>
         <p:spPr>
-          <a:xfrm flipV="1">
-            <a:off x="7816455" y="3043238"/>
-            <a:ext cx="509584" cy="281386"/>
+          <a:xfrm flipH="1" flipV="1">
+            <a:off x="6357936" y="3342541"/>
+            <a:ext cx="771527" cy="172918"/>
           </a:xfrm>
           <a:prstGeom prst="straightConnector1">
             <a:avLst/>
@@ -12928,10 +11059,10 @@
       </p:cxnSp>
       <p:cxnSp>
         <p:nvCxnSpPr>
-          <p:cNvPr id="25" name="Straight Arrow Connector 24">
-            <a:extLst>
-              <a:ext uri="{FF2B5EF4-FFF2-40B4-BE49-F238E27FC236}">
-                <a16:creationId xmlns:a16="http://schemas.microsoft.com/office/drawing/2014/main" id="{8A0AB724-1141-8A49-BAAD-736EF06375D5}"/>
+          <p:cNvPr id="11" name="Straight Arrow Connector 10">
+            <a:extLst>
+              <a:ext uri="{FF2B5EF4-FFF2-40B4-BE49-F238E27FC236}">
+                <a16:creationId xmlns:a16="http://schemas.microsoft.com/office/drawing/2014/main" id="{0A5F005B-445F-1547-B8D2-1644D8194792}"/>
               </a:ext>
             </a:extLst>
           </p:cNvPr>
@@ -12941,9 +11072,9 @@
           <p:nvPr/>
         </p:nvCxnSpPr>
         <p:spPr>
-          <a:xfrm flipH="1" flipV="1">
-            <a:off x="6473429" y="1210344"/>
-            <a:ext cx="771525" cy="121310"/>
+          <a:xfrm flipV="1">
+            <a:off x="4500563" y="1400175"/>
+            <a:ext cx="657225" cy="478497"/>
           </a:xfrm>
           <a:prstGeom prst="straightConnector1">
             <a:avLst/>
@@ -12972,10 +11103,10 @@
       </p:cxnSp>
       <p:cxnSp>
         <p:nvCxnSpPr>
-          <p:cNvPr id="26" name="Straight Arrow Connector 25">
-            <a:extLst>
-              <a:ext uri="{FF2B5EF4-FFF2-40B4-BE49-F238E27FC236}">
-                <a16:creationId xmlns:a16="http://schemas.microsoft.com/office/drawing/2014/main" id="{ECD79D84-7EDF-7740-915E-E0D2E07B49FA}"/>
+          <p:cNvPr id="16" name="Straight Arrow Connector 15">
+            <a:extLst>
+              <a:ext uri="{FF2B5EF4-FFF2-40B4-BE49-F238E27FC236}">
+                <a16:creationId xmlns:a16="http://schemas.microsoft.com/office/drawing/2014/main" id="{29D9714D-12EE-0E4B-BEC1-A137593FCAE6}"/>
               </a:ext>
             </a:extLst>
           </p:cNvPr>
@@ -12985,9 +11116,9 @@
           <p:nvPr/>
         </p:nvCxnSpPr>
         <p:spPr>
-          <a:xfrm flipH="1">
-            <a:off x="5965029" y="2003156"/>
-            <a:ext cx="758427" cy="0"/>
+          <a:xfrm flipH="1" flipV="1">
+            <a:off x="6743700" y="2552371"/>
+            <a:ext cx="629841" cy="382377"/>
           </a:xfrm>
           <a:prstGeom prst="straightConnector1">
             <a:avLst/>
@@ -13016,10 +11147,10 @@
       </p:cxnSp>
       <p:cxnSp>
         <p:nvCxnSpPr>
-          <p:cNvPr id="27" name="Straight Arrow Connector 26">
-            <a:extLst>
-              <a:ext uri="{FF2B5EF4-FFF2-40B4-BE49-F238E27FC236}">
-                <a16:creationId xmlns:a16="http://schemas.microsoft.com/office/drawing/2014/main" id="{29878A34-8104-B34F-ADC4-995FA1E03167}"/>
+          <p:cNvPr id="21" name="Straight Arrow Connector 20">
+            <a:extLst>
+              <a:ext uri="{FF2B5EF4-FFF2-40B4-BE49-F238E27FC236}">
+                <a16:creationId xmlns:a16="http://schemas.microsoft.com/office/drawing/2014/main" id="{4D3D564D-5F8C-6A4A-B329-B916C4D8852D}"/>
               </a:ext>
             </a:extLst>
           </p:cNvPr>
@@ -13060,10 +11191,10 @@
       </p:cxnSp>
       <p:sp>
         <p:nvSpPr>
-          <p:cNvPr id="29" name="TextBox 28">
-            <a:extLst>
-              <a:ext uri="{FF2B5EF4-FFF2-40B4-BE49-F238E27FC236}">
-                <a16:creationId xmlns:a16="http://schemas.microsoft.com/office/drawing/2014/main" id="{91C4C127-0EF4-C740-95D4-58CC8FBC225F}"/>
+          <p:cNvPr id="32" name="TextBox 31">
+            <a:extLst>
+              <a:ext uri="{FF2B5EF4-FFF2-40B4-BE49-F238E27FC236}">
+                <a16:creationId xmlns:a16="http://schemas.microsoft.com/office/drawing/2014/main" id="{52B8030C-EE78-6145-870A-31FE63A8371C}"/>
               </a:ext>
             </a:extLst>
           </p:cNvPr>
@@ -13072,8 +11203,8 @@
         </p:nvSpPr>
         <p:spPr>
           <a:xfrm>
-            <a:off x="7167565" y="3428999"/>
-            <a:ext cx="648890" cy="369332"/>
+            <a:off x="8248651" y="2413974"/>
+            <a:ext cx="960834" cy="369332"/>
           </a:xfrm>
           <a:prstGeom prst="rect">
             <a:avLst/>
@@ -13088,17 +11219,17 @@
           <a:p>
             <a:r>
               <a:rPr lang="en-US" dirty="0"/>
-              <a:t>CMC</a:t>
-            </a:r>
-          </a:p>
-        </p:txBody>
-      </p:sp>
-      <p:sp>
-        <p:nvSpPr>
-          <p:cNvPr id="32" name="TextBox 31">
-            <a:extLst>
-              <a:ext uri="{FF2B5EF4-FFF2-40B4-BE49-F238E27FC236}">
-                <a16:creationId xmlns:a16="http://schemas.microsoft.com/office/drawing/2014/main" id="{9DB34976-5CB2-0249-A4BF-70C9966BA6D8}"/>
+              <a:t>DIM‡</a:t>
+            </a:r>
+          </a:p>
+        </p:txBody>
+      </p:sp>
+      <p:sp>
+        <p:nvSpPr>
+          <p:cNvPr id="33" name="TextBox 32">
+            <a:extLst>
+              <a:ext uri="{FF2B5EF4-FFF2-40B4-BE49-F238E27FC236}">
+                <a16:creationId xmlns:a16="http://schemas.microsoft.com/office/drawing/2014/main" id="{A025D21B-5AE7-594D-9EE2-92E6EE29537A}"/>
               </a:ext>
             </a:extLst>
           </p:cNvPr>
@@ -13107,7 +11238,7 @@
         </p:nvSpPr>
         <p:spPr>
           <a:xfrm>
-            <a:off x="5086351" y="2386013"/>
+            <a:off x="8793659" y="5181734"/>
             <a:ext cx="960834" cy="369332"/>
           </a:xfrm>
           <a:prstGeom prst="rect">
@@ -13123,17 +11254,17 @@
           <a:p>
             <a:r>
               <a:rPr lang="en-US" dirty="0"/>
-              <a:t>DIM‡</a:t>
-            </a:r>
-          </a:p>
-        </p:txBody>
-      </p:sp>
-      <p:sp>
-        <p:nvSpPr>
-          <p:cNvPr id="33" name="TextBox 32">
-            <a:extLst>
-              <a:ext uri="{FF2B5EF4-FFF2-40B4-BE49-F238E27FC236}">
-                <a16:creationId xmlns:a16="http://schemas.microsoft.com/office/drawing/2014/main" id="{9BA8D727-B68C-BD41-91CB-6615F6F48AAE}"/>
+              <a:t>DIM</a:t>
+            </a:r>
+          </a:p>
+        </p:txBody>
+      </p:sp>
+      <p:sp>
+        <p:nvSpPr>
+          <p:cNvPr id="34" name="TextBox 33">
+            <a:extLst>
+              <a:ext uri="{FF2B5EF4-FFF2-40B4-BE49-F238E27FC236}">
+                <a16:creationId xmlns:a16="http://schemas.microsoft.com/office/drawing/2014/main" id="{D7C41BB5-DC1C-3F4F-8C99-2F5914F9E74A}"/>
               </a:ext>
             </a:extLst>
           </p:cNvPr>
@@ -13142,42 +11273,7 @@
         </p:nvSpPr>
         <p:spPr>
           <a:xfrm>
-            <a:off x="3267076" y="5181600"/>
-            <a:ext cx="960834" cy="369332"/>
-          </a:xfrm>
-          <a:prstGeom prst="rect">
-            <a:avLst/>
-          </a:prstGeom>
-          <a:noFill/>
-        </p:spPr>
-        <p:txBody>
-          <a:bodyPr wrap="square" rtlCol="0">
-            <a:spAutoFit/>
-          </a:bodyPr>
-          <a:lstStyle/>
-          <a:p>
-            <a:r>
-              <a:rPr lang="en-US" dirty="0"/>
-              <a:t>DIM</a:t>
-            </a:r>
-          </a:p>
-        </p:txBody>
-      </p:sp>
-      <p:sp>
-        <p:nvSpPr>
-          <p:cNvPr id="34" name="TextBox 33">
-            <a:extLst>
-              <a:ext uri="{FF2B5EF4-FFF2-40B4-BE49-F238E27FC236}">
-                <a16:creationId xmlns:a16="http://schemas.microsoft.com/office/drawing/2014/main" id="{272B1665-DF3A-C448-85CA-095D04AC5B3D}"/>
-              </a:ext>
-            </a:extLst>
-          </p:cNvPr>
-          <p:cNvSpPr txBox="1"/>
-          <p:nvPr/>
-        </p:nvSpPr>
-        <p:spPr>
-          <a:xfrm>
-            <a:off x="8248651" y="2253535"/>
+            <a:off x="4844355" y="2697756"/>
             <a:ext cx="1207891" cy="369332"/>
           </a:xfrm>
           <a:prstGeom prst="rect">
@@ -13207,7 +11303,7 @@
           <p:cNvPr id="35" name="TextBox 34">
             <a:extLst>
               <a:ext uri="{FF2B5EF4-FFF2-40B4-BE49-F238E27FC236}">
-                <a16:creationId xmlns:a16="http://schemas.microsoft.com/office/drawing/2014/main" id="{EB966C45-CBB9-F647-A042-015F607B319D}"/>
+                <a16:creationId xmlns:a16="http://schemas.microsoft.com/office/drawing/2014/main" id="{DC057D2F-11C3-2840-AF54-636B6461E7DD}"/>
               </a:ext>
             </a:extLst>
           </p:cNvPr>
@@ -13216,7 +11312,7 @@
         </p:nvSpPr>
         <p:spPr>
           <a:xfrm>
-            <a:off x="9150548" y="2955292"/>
+            <a:off x="2720279" y="2743559"/>
             <a:ext cx="1207891" cy="369332"/>
           </a:xfrm>
           <a:prstGeom prst="rect">
@@ -13243,10 +11339,10 @@
       </p:sp>
       <p:sp>
         <p:nvSpPr>
-          <p:cNvPr id="36" name="TextBox 35">
-            <a:extLst>
-              <a:ext uri="{FF2B5EF4-FFF2-40B4-BE49-F238E27FC236}">
-                <a16:creationId xmlns:a16="http://schemas.microsoft.com/office/drawing/2014/main" id="{7B6964FD-9C5E-B448-9BCE-3F2DCCAE169F}"/>
+          <p:cNvPr id="38" name="TextBox 37">
+            <a:extLst>
+              <a:ext uri="{FF2B5EF4-FFF2-40B4-BE49-F238E27FC236}">
+                <a16:creationId xmlns:a16="http://schemas.microsoft.com/office/drawing/2014/main" id="{6CA7C6B4-8903-6549-89FD-70AA63C5DCC6}"/>
               </a:ext>
             </a:extLst>
           </p:cNvPr>
@@ -13255,7 +11351,237 @@
         </p:nvSpPr>
         <p:spPr>
           <a:xfrm>
-            <a:off x="5651300" y="1086333"/>
+            <a:off x="8932961" y="3625530"/>
+            <a:ext cx="1207891" cy="369332"/>
+          </a:xfrm>
+          <a:prstGeom prst="rect">
+            <a:avLst/>
+          </a:prstGeom>
+          <a:noFill/>
+        </p:spPr>
+        <p:txBody>
+          <a:bodyPr wrap="square" rtlCol="0">
+            <a:spAutoFit/>
+          </a:bodyPr>
+          <a:lstStyle/>
+          <a:p>
+            <a:r>
+              <a:rPr lang="en-US" dirty="0">
+                <a:solidFill>
+                  <a:srgbClr val="FD0000"/>
+                </a:solidFill>
+              </a:rPr>
+              <a:t>X-DIM</a:t>
+            </a:r>
+          </a:p>
+        </p:txBody>
+      </p:sp>
+      <p:sp>
+        <p:nvSpPr>
+          <p:cNvPr id="39" name="TextBox 38">
+            <a:extLst>
+              <a:ext uri="{FF2B5EF4-FFF2-40B4-BE49-F238E27FC236}">
+                <a16:creationId xmlns:a16="http://schemas.microsoft.com/office/drawing/2014/main" id="{8A75ACE6-DECC-694C-961B-0BA9840491A4}"/>
+              </a:ext>
+            </a:extLst>
+          </p:cNvPr>
+          <p:cNvSpPr txBox="1"/>
+          <p:nvPr/>
+        </p:nvSpPr>
+        <p:spPr>
+          <a:xfrm>
+            <a:off x="6096000" y="1694006"/>
+            <a:ext cx="1207891" cy="369332"/>
+          </a:xfrm>
+          <a:prstGeom prst="rect">
+            <a:avLst/>
+          </a:prstGeom>
+          <a:noFill/>
+        </p:spPr>
+        <p:txBody>
+          <a:bodyPr wrap="square" rtlCol="0">
+            <a:spAutoFit/>
+          </a:bodyPr>
+          <a:lstStyle/>
+          <a:p>
+            <a:r>
+              <a:rPr lang="en-US" dirty="0">
+                <a:solidFill>
+                  <a:srgbClr val="FD0000"/>
+                </a:solidFill>
+              </a:rPr>
+              <a:t>X-DIM‡</a:t>
+            </a:r>
+          </a:p>
+        </p:txBody>
+      </p:sp>
+      <p:sp>
+        <p:nvSpPr>
+          <p:cNvPr id="40" name="TextBox 39">
+            <a:extLst>
+              <a:ext uri="{FF2B5EF4-FFF2-40B4-BE49-F238E27FC236}">
+                <a16:creationId xmlns:a16="http://schemas.microsoft.com/office/drawing/2014/main" id="{DE6B71C3-3421-C543-BFD6-A3BDC79D16BE}"/>
+              </a:ext>
+            </a:extLst>
+          </p:cNvPr>
+          <p:cNvSpPr txBox="1"/>
+          <p:nvPr/>
+        </p:nvSpPr>
+        <p:spPr>
+          <a:xfrm>
+            <a:off x="2633363" y="3484464"/>
+            <a:ext cx="1207891" cy="369332"/>
+          </a:xfrm>
+          <a:prstGeom prst="rect">
+            <a:avLst/>
+          </a:prstGeom>
+          <a:noFill/>
+        </p:spPr>
+        <p:txBody>
+          <a:bodyPr wrap="square" rtlCol="0">
+            <a:spAutoFit/>
+          </a:bodyPr>
+          <a:lstStyle/>
+          <a:p>
+            <a:r>
+              <a:rPr lang="en-US" dirty="0">
+                <a:solidFill>
+                  <a:srgbClr val="FD0000"/>
+                </a:solidFill>
+              </a:rPr>
+              <a:t>X-CMC</a:t>
+            </a:r>
+          </a:p>
+        </p:txBody>
+      </p:sp>
+      <p:sp>
+        <p:nvSpPr>
+          <p:cNvPr id="41" name="TextBox 40">
+            <a:extLst>
+              <a:ext uri="{FF2B5EF4-FFF2-40B4-BE49-F238E27FC236}">
+                <a16:creationId xmlns:a16="http://schemas.microsoft.com/office/drawing/2014/main" id="{8CB3B051-35D6-B940-B17B-B0FDF89F930E}"/>
+              </a:ext>
+            </a:extLst>
+          </p:cNvPr>
+          <p:cNvSpPr txBox="1"/>
+          <p:nvPr/>
+        </p:nvSpPr>
+        <p:spPr>
+          <a:xfrm>
+            <a:off x="4726184" y="2023593"/>
+            <a:ext cx="1207891" cy="369332"/>
+          </a:xfrm>
+          <a:prstGeom prst="rect">
+            <a:avLst/>
+          </a:prstGeom>
+          <a:noFill/>
+        </p:spPr>
+        <p:txBody>
+          <a:bodyPr wrap="square" rtlCol="0">
+            <a:spAutoFit/>
+          </a:bodyPr>
+          <a:lstStyle/>
+          <a:p>
+            <a:r>
+              <a:rPr lang="en-US" dirty="0">
+                <a:solidFill>
+                  <a:srgbClr val="FD0000"/>
+                </a:solidFill>
+              </a:rPr>
+              <a:t>X-CMC‡</a:t>
+            </a:r>
+          </a:p>
+        </p:txBody>
+      </p:sp>
+      <p:sp>
+        <p:nvSpPr>
+          <p:cNvPr id="42" name="TextBox 41">
+            <a:extLst>
+              <a:ext uri="{FF2B5EF4-FFF2-40B4-BE49-F238E27FC236}">
+                <a16:creationId xmlns:a16="http://schemas.microsoft.com/office/drawing/2014/main" id="{8B30D5B3-2A59-C340-8C32-73684475EBF9}"/>
+              </a:ext>
+            </a:extLst>
+          </p:cNvPr>
+          <p:cNvSpPr txBox="1"/>
+          <p:nvPr/>
+        </p:nvSpPr>
+        <p:spPr>
+          <a:xfrm>
+            <a:off x="7805143" y="3188870"/>
+            <a:ext cx="648890" cy="369332"/>
+          </a:xfrm>
+          <a:prstGeom prst="rect">
+            <a:avLst/>
+          </a:prstGeom>
+          <a:noFill/>
+        </p:spPr>
+        <p:txBody>
+          <a:bodyPr wrap="square" rtlCol="0">
+            <a:spAutoFit/>
+          </a:bodyPr>
+          <a:lstStyle/>
+          <a:p>
+            <a:r>
+              <a:rPr lang="en-US" dirty="0"/>
+              <a:t>CMC</a:t>
+            </a:r>
+          </a:p>
+        </p:txBody>
+      </p:sp>
+      <p:sp>
+        <p:nvSpPr>
+          <p:cNvPr id="43" name="TextBox 42">
+            <a:extLst>
+              <a:ext uri="{FF2B5EF4-FFF2-40B4-BE49-F238E27FC236}">
+                <a16:creationId xmlns:a16="http://schemas.microsoft.com/office/drawing/2014/main" id="{E4B42D62-E1CF-6F42-9D4A-46E18B3AEA50}"/>
+              </a:ext>
+            </a:extLst>
+          </p:cNvPr>
+          <p:cNvSpPr txBox="1"/>
+          <p:nvPr/>
+        </p:nvSpPr>
+        <p:spPr>
+          <a:xfrm>
+            <a:off x="9185075" y="3299798"/>
+            <a:ext cx="1207891" cy="369332"/>
+          </a:xfrm>
+          <a:prstGeom prst="rect">
+            <a:avLst/>
+          </a:prstGeom>
+          <a:noFill/>
+        </p:spPr>
+        <p:txBody>
+          <a:bodyPr wrap="square" rtlCol="0">
+            <a:spAutoFit/>
+          </a:bodyPr>
+          <a:lstStyle/>
+          <a:p>
+            <a:r>
+              <a:rPr lang="en-US" dirty="0">
+                <a:solidFill>
+                  <a:srgbClr val="DBA520"/>
+                </a:solidFill>
+              </a:rPr>
+              <a:t>X-DIM</a:t>
+            </a:r>
+          </a:p>
+        </p:txBody>
+      </p:sp>
+      <p:sp>
+        <p:nvSpPr>
+          <p:cNvPr id="44" name="TextBox 43">
+            <a:extLst>
+              <a:ext uri="{FF2B5EF4-FFF2-40B4-BE49-F238E27FC236}">
+                <a16:creationId xmlns:a16="http://schemas.microsoft.com/office/drawing/2014/main" id="{69D55186-A166-DF4E-B8E4-38CA82D80AF2}"/>
+              </a:ext>
+            </a:extLst>
+          </p:cNvPr>
+          <p:cNvSpPr txBox="1"/>
+          <p:nvPr/>
+        </p:nvSpPr>
+        <p:spPr>
+          <a:xfrm>
+            <a:off x="6032001" y="1080158"/>
             <a:ext cx="1207891" cy="369332"/>
           </a:xfrm>
           <a:prstGeom prst="rect">
@@ -13280,205 +11606,10 @@
           </a:p>
         </p:txBody>
       </p:sp>
-      <p:sp>
-        <p:nvSpPr>
-          <p:cNvPr id="37" name="TextBox 36">
-            <a:extLst>
-              <a:ext uri="{FF2B5EF4-FFF2-40B4-BE49-F238E27FC236}">
-                <a16:creationId xmlns:a16="http://schemas.microsoft.com/office/drawing/2014/main" id="{5BA555F7-5E57-6D4C-8AAF-3D5809AEA8F8}"/>
-              </a:ext>
-            </a:extLst>
-          </p:cNvPr>
-          <p:cNvSpPr txBox="1"/>
-          <p:nvPr/>
-        </p:nvSpPr>
-        <p:spPr>
-          <a:xfrm>
-            <a:off x="2935186" y="3208142"/>
-            <a:ext cx="1207891" cy="369332"/>
-          </a:xfrm>
-          <a:prstGeom prst="rect">
-            <a:avLst/>
-          </a:prstGeom>
-          <a:noFill/>
-        </p:spPr>
-        <p:txBody>
-          <a:bodyPr wrap="square" rtlCol="0">
-            <a:spAutoFit/>
-          </a:bodyPr>
-          <a:lstStyle/>
-          <a:p>
-            <a:r>
-              <a:rPr lang="en-US" dirty="0">
-                <a:solidFill>
-                  <a:srgbClr val="DBA520"/>
-                </a:solidFill>
-              </a:rPr>
-              <a:t>X-DIM</a:t>
-            </a:r>
-          </a:p>
-        </p:txBody>
-      </p:sp>
-      <p:sp>
-        <p:nvSpPr>
-          <p:cNvPr id="38" name="TextBox 37">
-            <a:extLst>
-              <a:ext uri="{FF2B5EF4-FFF2-40B4-BE49-F238E27FC236}">
-                <a16:creationId xmlns:a16="http://schemas.microsoft.com/office/drawing/2014/main" id="{D91FE63A-B526-4643-A736-F484B30D783D}"/>
-              </a:ext>
-            </a:extLst>
-          </p:cNvPr>
-          <p:cNvSpPr txBox="1"/>
-          <p:nvPr/>
-        </p:nvSpPr>
-        <p:spPr>
-          <a:xfrm>
-            <a:off x="3267075" y="3693956"/>
-            <a:ext cx="1207891" cy="369332"/>
-          </a:xfrm>
-          <a:prstGeom prst="rect">
-            <a:avLst/>
-          </a:prstGeom>
-          <a:noFill/>
-        </p:spPr>
-        <p:txBody>
-          <a:bodyPr wrap="square" rtlCol="0">
-            <a:spAutoFit/>
-          </a:bodyPr>
-          <a:lstStyle/>
-          <a:p>
-            <a:r>
-              <a:rPr lang="en-US" dirty="0">
-                <a:solidFill>
-                  <a:srgbClr val="FD0000"/>
-                </a:solidFill>
-              </a:rPr>
-              <a:t>X-DIM</a:t>
-            </a:r>
-          </a:p>
-        </p:txBody>
-      </p:sp>
-      <p:sp>
-        <p:nvSpPr>
-          <p:cNvPr id="39" name="TextBox 38">
-            <a:extLst>
-              <a:ext uri="{FF2B5EF4-FFF2-40B4-BE49-F238E27FC236}">
-                <a16:creationId xmlns:a16="http://schemas.microsoft.com/office/drawing/2014/main" id="{033B9764-C6E9-1E4E-9612-8741C5B9595B}"/>
-              </a:ext>
-            </a:extLst>
-          </p:cNvPr>
-          <p:cNvSpPr txBox="1"/>
-          <p:nvPr/>
-        </p:nvSpPr>
-        <p:spPr>
-          <a:xfrm>
-            <a:off x="5740296" y="1647296"/>
-            <a:ext cx="1207891" cy="369332"/>
-          </a:xfrm>
-          <a:prstGeom prst="rect">
-            <a:avLst/>
-          </a:prstGeom>
-          <a:noFill/>
-        </p:spPr>
-        <p:txBody>
-          <a:bodyPr wrap="square" rtlCol="0">
-            <a:spAutoFit/>
-          </a:bodyPr>
-          <a:lstStyle/>
-          <a:p>
-            <a:r>
-              <a:rPr lang="en-US" dirty="0">
-                <a:solidFill>
-                  <a:srgbClr val="FD0000"/>
-                </a:solidFill>
-              </a:rPr>
-              <a:t>X-DIM‡</a:t>
-            </a:r>
-          </a:p>
-        </p:txBody>
-      </p:sp>
-      <p:sp>
-        <p:nvSpPr>
-          <p:cNvPr id="40" name="TextBox 39">
-            <a:extLst>
-              <a:ext uri="{FF2B5EF4-FFF2-40B4-BE49-F238E27FC236}">
-                <a16:creationId xmlns:a16="http://schemas.microsoft.com/office/drawing/2014/main" id="{F8058E93-9898-7447-8BAB-BD4447DFCF7A}"/>
-              </a:ext>
-            </a:extLst>
-          </p:cNvPr>
-          <p:cNvSpPr txBox="1"/>
-          <p:nvPr/>
-        </p:nvSpPr>
-        <p:spPr>
-          <a:xfrm>
-            <a:off x="8864500" y="3558202"/>
-            <a:ext cx="1207891" cy="369332"/>
-          </a:xfrm>
-          <a:prstGeom prst="rect">
-            <a:avLst/>
-          </a:prstGeom>
-          <a:noFill/>
-        </p:spPr>
-        <p:txBody>
-          <a:bodyPr wrap="square" rtlCol="0">
-            <a:spAutoFit/>
-          </a:bodyPr>
-          <a:lstStyle/>
-          <a:p>
-            <a:r>
-              <a:rPr lang="en-US" dirty="0">
-                <a:solidFill>
-                  <a:srgbClr val="FD0000"/>
-                </a:solidFill>
-              </a:rPr>
-              <a:t>X-CMC</a:t>
-            </a:r>
-          </a:p>
-        </p:txBody>
-      </p:sp>
-      <p:sp>
-        <p:nvSpPr>
-          <p:cNvPr id="42" name="TextBox 41">
-            <a:extLst>
-              <a:ext uri="{FF2B5EF4-FFF2-40B4-BE49-F238E27FC236}">
-                <a16:creationId xmlns:a16="http://schemas.microsoft.com/office/drawing/2014/main" id="{9F65B62A-4E8B-2644-95FE-10DAE7326FFC}"/>
-              </a:ext>
-            </a:extLst>
-          </p:cNvPr>
-          <p:cNvSpPr txBox="1"/>
-          <p:nvPr/>
-        </p:nvSpPr>
-        <p:spPr>
-          <a:xfrm>
-            <a:off x="8071247" y="1555591"/>
-            <a:ext cx="1207891" cy="369332"/>
-          </a:xfrm>
-          <a:prstGeom prst="rect">
-            <a:avLst/>
-          </a:prstGeom>
-          <a:noFill/>
-        </p:spPr>
-        <p:txBody>
-          <a:bodyPr wrap="square" rtlCol="0">
-            <a:spAutoFit/>
-          </a:bodyPr>
-          <a:lstStyle/>
-          <a:p>
-            <a:r>
-              <a:rPr lang="en-US" dirty="0">
-                <a:solidFill>
-                  <a:srgbClr val="FD0000"/>
-                </a:solidFill>
-              </a:rPr>
-              <a:t>X-CMC‡</a:t>
-            </a:r>
-          </a:p>
-        </p:txBody>
-      </p:sp>
     </p:spTree>
     <p:extLst>
       <p:ext uri="{BB962C8B-B14F-4D97-AF65-F5344CB8AC3E}">
-        <p14:creationId xmlns:p14="http://schemas.microsoft.com/office/powerpoint/2010/main" val="782701711"/>
+        <p14:creationId xmlns:p14="http://schemas.microsoft.com/office/powerpoint/2010/main" val="3746490439"/>
       </p:ext>
     </p:extLst>
   </p:cSld>
@@ -13507,10 +11638,10 @@
       </p:grpSpPr>
       <p:pic>
         <p:nvPicPr>
-          <p:cNvPr id="3" name="Picture 2">
-            <a:extLst>
-              <a:ext uri="{FF2B5EF4-FFF2-40B4-BE49-F238E27FC236}">
-                <a16:creationId xmlns:a16="http://schemas.microsoft.com/office/drawing/2014/main" id="{A28DC132-0200-2947-8CCD-61F51E0F7869}"/>
+          <p:cNvPr id="5" name="Picture 4">
+            <a:extLst>
+              <a:ext uri="{FF2B5EF4-FFF2-40B4-BE49-F238E27FC236}">
+                <a16:creationId xmlns:a16="http://schemas.microsoft.com/office/drawing/2014/main" id="{0C14734D-6726-1841-9805-A6EEDDEFA71C}"/>
               </a:ext>
             </a:extLst>
           </p:cNvPr>
@@ -13521,661 +11652,338 @@
         </p:nvPicPr>
         <p:blipFill rotWithShape="1">
           <a:blip r:embed="rId3"/>
-          <a:srcRect t="6250" r="6019"/>
+          <a:srcRect t="16175" b="15847"/>
           <a:stretch/>
         </p:blipFill>
         <p:spPr>
           <a:xfrm>
-            <a:off x="1409700" y="396425"/>
-            <a:ext cx="9120188" cy="6065150"/>
+            <a:off x="1112343" y="277835"/>
+            <a:ext cx="9525000" cy="6474918"/>
           </a:xfrm>
           <a:prstGeom prst="rect">
             <a:avLst/>
           </a:prstGeom>
         </p:spPr>
       </p:pic>
-      <p:cxnSp>
-        <p:nvCxnSpPr>
-          <p:cNvPr id="5" name="Straight Arrow Connector 4">
-            <a:extLst>
-              <a:ext uri="{FF2B5EF4-FFF2-40B4-BE49-F238E27FC236}">
-                <a16:creationId xmlns:a16="http://schemas.microsoft.com/office/drawing/2014/main" id="{023FE7CD-6862-3F44-B332-DFA59D3504E5}"/>
-              </a:ext>
-            </a:extLst>
-          </p:cNvPr>
-          <p:cNvCxnSpPr>
-            <a:cxnSpLocks/>
-          </p:cNvCxnSpPr>
-          <p:nvPr/>
-        </p:nvCxnSpPr>
-        <p:spPr>
-          <a:xfrm>
-            <a:off x="8129588" y="3586163"/>
-            <a:ext cx="414337" cy="523306"/>
-          </a:xfrm>
-          <a:prstGeom prst="straightConnector1">
-            <a:avLst/>
-          </a:prstGeom>
-          <a:ln w="25400">
+      <p:pic>
+        <p:nvPicPr>
+          <p:cNvPr id="10" name="Picture 9">
+            <a:extLst>
+              <a:ext uri="{FF2B5EF4-FFF2-40B4-BE49-F238E27FC236}">
+                <a16:creationId xmlns:a16="http://schemas.microsoft.com/office/drawing/2014/main" id="{677A9F60-0653-9845-9F23-87B49AE9D3EB}"/>
+              </a:ext>
+            </a:extLst>
+          </p:cNvPr>
+          <p:cNvPicPr>
+            <a:picLocks noChangeAspect="1"/>
+          </p:cNvPicPr>
+          <p:nvPr/>
+        </p:nvPicPr>
+        <p:blipFill>
+          <a:blip r:embed="rId4"/>
+          <a:stretch>
+            <a:fillRect/>
+          </a:stretch>
+        </p:blipFill>
+        <p:spPr>
+          <a:xfrm>
+            <a:off x="1729028" y="1465249"/>
+            <a:ext cx="721360" cy="450088"/>
+          </a:xfrm>
+          <a:prstGeom prst="rect">
+            <a:avLst/>
+          </a:prstGeom>
+          <a:ln w="19050">
             <a:solidFill>
               <a:schemeClr val="tx1"/>
             </a:solidFill>
-            <a:tailEnd type="triangle" w="lg" len="lg"/>
           </a:ln>
         </p:spPr>
-        <p:style>
-          <a:lnRef idx="1">
-            <a:schemeClr val="accent1"/>
-          </a:lnRef>
-          <a:fillRef idx="0">
-            <a:schemeClr val="accent1"/>
-          </a:fillRef>
-          <a:effectRef idx="0">
-            <a:schemeClr val="accent1"/>
-          </a:effectRef>
-          <a:fontRef idx="minor">
-            <a:schemeClr val="tx1"/>
-          </a:fontRef>
-        </p:style>
-      </p:cxnSp>
-      <p:cxnSp>
-        <p:nvCxnSpPr>
-          <p:cNvPr id="8" name="Straight Arrow Connector 7">
-            <a:extLst>
-              <a:ext uri="{FF2B5EF4-FFF2-40B4-BE49-F238E27FC236}">
-                <a16:creationId xmlns:a16="http://schemas.microsoft.com/office/drawing/2014/main" id="{03AAD0D9-0559-F04E-9826-7001DAA59C18}"/>
-              </a:ext>
-            </a:extLst>
-          </p:cNvPr>
-          <p:cNvCxnSpPr>
-            <a:cxnSpLocks/>
-          </p:cNvCxnSpPr>
-          <p:nvPr/>
-        </p:nvCxnSpPr>
-        <p:spPr>
-          <a:xfrm flipH="1" flipV="1">
-            <a:off x="6357936" y="3342541"/>
-            <a:ext cx="771527" cy="172918"/>
-          </a:xfrm>
-          <a:prstGeom prst="straightConnector1">
-            <a:avLst/>
-          </a:prstGeom>
-          <a:ln w="25400">
+      </p:pic>
+      <p:pic>
+        <p:nvPicPr>
+          <p:cNvPr id="11" name="Picture 10">
+            <a:extLst>
+              <a:ext uri="{FF2B5EF4-FFF2-40B4-BE49-F238E27FC236}">
+                <a16:creationId xmlns:a16="http://schemas.microsoft.com/office/drawing/2014/main" id="{26766337-E90D-904E-8B35-1F7C36E71B3D}"/>
+              </a:ext>
+            </a:extLst>
+          </p:cNvPr>
+          <p:cNvPicPr>
+            <a:picLocks noChangeAspect="1"/>
+          </p:cNvPicPr>
+          <p:nvPr/>
+        </p:nvPicPr>
+        <p:blipFill>
+          <a:blip r:embed="rId5"/>
+          <a:stretch>
+            <a:fillRect/>
+          </a:stretch>
+        </p:blipFill>
+        <p:spPr>
+          <a:xfrm>
+            <a:off x="2410863" y="3203956"/>
+            <a:ext cx="721360" cy="450088"/>
+          </a:xfrm>
+          <a:prstGeom prst="rect">
+            <a:avLst/>
+          </a:prstGeom>
+          <a:ln w="19050">
             <a:solidFill>
-              <a:srgbClr val="DBA520"/>
+              <a:schemeClr val="tx1"/>
             </a:solidFill>
-            <a:headEnd w="lg" len="lg"/>
-            <a:tailEnd type="triangle" w="lg" len="lg"/>
           </a:ln>
         </p:spPr>
-        <p:style>
-          <a:lnRef idx="1">
-            <a:schemeClr val="accent1"/>
-          </a:lnRef>
-          <a:fillRef idx="0">
-            <a:schemeClr val="accent1"/>
-          </a:fillRef>
-          <a:effectRef idx="0">
-            <a:schemeClr val="accent1"/>
-          </a:effectRef>
-          <a:fontRef idx="minor">
-            <a:schemeClr val="tx1"/>
-          </a:fontRef>
-        </p:style>
-      </p:cxnSp>
-      <p:cxnSp>
-        <p:nvCxnSpPr>
-          <p:cNvPr id="11" name="Straight Arrow Connector 10">
-            <a:extLst>
-              <a:ext uri="{FF2B5EF4-FFF2-40B4-BE49-F238E27FC236}">
-                <a16:creationId xmlns:a16="http://schemas.microsoft.com/office/drawing/2014/main" id="{0A5F005B-445F-1547-B8D2-1644D8194792}"/>
-              </a:ext>
-            </a:extLst>
-          </p:cNvPr>
-          <p:cNvCxnSpPr>
-            <a:cxnSpLocks/>
-          </p:cNvCxnSpPr>
-          <p:nvPr/>
-        </p:nvCxnSpPr>
-        <p:spPr>
-          <a:xfrm flipV="1">
-            <a:off x="4500563" y="1400175"/>
-            <a:ext cx="657225" cy="478497"/>
-          </a:xfrm>
-          <a:prstGeom prst="straightConnector1">
-            <a:avLst/>
-          </a:prstGeom>
-          <a:ln w="25400">
+      </p:pic>
+      <p:pic>
+        <p:nvPicPr>
+          <p:cNvPr id="12" name="Picture 11">
+            <a:extLst>
+              <a:ext uri="{FF2B5EF4-FFF2-40B4-BE49-F238E27FC236}">
+                <a16:creationId xmlns:a16="http://schemas.microsoft.com/office/drawing/2014/main" id="{ACD4BBF8-A568-4144-858F-303E650CB7DC}"/>
+              </a:ext>
+            </a:extLst>
+          </p:cNvPr>
+          <p:cNvPicPr>
+            <a:picLocks noChangeAspect="1"/>
+          </p:cNvPicPr>
+          <p:nvPr/>
+        </p:nvPicPr>
+        <p:blipFill>
+          <a:blip r:embed="rId6"/>
+          <a:stretch>
+            <a:fillRect/>
+          </a:stretch>
+        </p:blipFill>
+        <p:spPr>
+          <a:xfrm>
+            <a:off x="3221874" y="1505023"/>
+            <a:ext cx="721360" cy="450088"/>
+          </a:xfrm>
+          <a:prstGeom prst="rect">
+            <a:avLst/>
+          </a:prstGeom>
+          <a:ln w="19050">
             <a:solidFill>
-              <a:srgbClr val="DBA520"/>
+              <a:schemeClr val="tx1"/>
             </a:solidFill>
-            <a:tailEnd type="triangle" w="lg" len="lg"/>
           </a:ln>
         </p:spPr>
-        <p:style>
-          <a:lnRef idx="1">
-            <a:schemeClr val="accent1"/>
-          </a:lnRef>
-          <a:fillRef idx="0">
-            <a:schemeClr val="accent1"/>
-          </a:fillRef>
-          <a:effectRef idx="0">
-            <a:schemeClr val="accent1"/>
-          </a:effectRef>
-          <a:fontRef idx="minor">
-            <a:schemeClr val="tx1"/>
-          </a:fontRef>
-        </p:style>
-      </p:cxnSp>
-      <p:cxnSp>
-        <p:nvCxnSpPr>
-          <p:cNvPr id="16" name="Straight Arrow Connector 15">
-            <a:extLst>
-              <a:ext uri="{FF2B5EF4-FFF2-40B4-BE49-F238E27FC236}">
-                <a16:creationId xmlns:a16="http://schemas.microsoft.com/office/drawing/2014/main" id="{29D9714D-12EE-0E4B-BEC1-A137593FCAE6}"/>
-              </a:ext>
-            </a:extLst>
-          </p:cNvPr>
-          <p:cNvCxnSpPr>
-            <a:cxnSpLocks/>
-          </p:cNvCxnSpPr>
-          <p:nvPr/>
-        </p:nvCxnSpPr>
-        <p:spPr>
-          <a:xfrm flipH="1" flipV="1">
-            <a:off x="6743700" y="2552371"/>
-            <a:ext cx="629841" cy="382377"/>
-          </a:xfrm>
-          <a:prstGeom prst="straightConnector1">
-            <a:avLst/>
-          </a:prstGeom>
-          <a:ln w="25400">
+      </p:pic>
+      <p:pic>
+        <p:nvPicPr>
+          <p:cNvPr id="13" name="Picture 12">
+            <a:extLst>
+              <a:ext uri="{FF2B5EF4-FFF2-40B4-BE49-F238E27FC236}">
+                <a16:creationId xmlns:a16="http://schemas.microsoft.com/office/drawing/2014/main" id="{A3439BE0-FA88-574B-BD02-A735CFBD4CA6}"/>
+              </a:ext>
+            </a:extLst>
+          </p:cNvPr>
+          <p:cNvPicPr>
+            <a:picLocks noChangeAspect="1"/>
+          </p:cNvPicPr>
+          <p:nvPr/>
+        </p:nvPicPr>
+        <p:blipFill>
+          <a:blip r:embed="rId7"/>
+          <a:stretch>
+            <a:fillRect/>
+          </a:stretch>
+        </p:blipFill>
+        <p:spPr>
+          <a:xfrm>
+            <a:off x="3943234" y="2557420"/>
+            <a:ext cx="721360" cy="450088"/>
+          </a:xfrm>
+          <a:prstGeom prst="rect">
+            <a:avLst/>
+          </a:prstGeom>
+          <a:ln w="19050">
             <a:solidFill>
-              <a:srgbClr val="FF0000"/>
+              <a:schemeClr val="tx1"/>
             </a:solidFill>
-            <a:tailEnd type="triangle" w="lg" len="lg"/>
           </a:ln>
         </p:spPr>
-        <p:style>
-          <a:lnRef idx="1">
-            <a:schemeClr val="accent1"/>
-          </a:lnRef>
-          <a:fillRef idx="0">
-            <a:schemeClr val="accent1"/>
-          </a:fillRef>
-          <a:effectRef idx="0">
-            <a:schemeClr val="accent1"/>
-          </a:effectRef>
-          <a:fontRef idx="minor">
-            <a:schemeClr val="tx1"/>
-          </a:fontRef>
-        </p:style>
-      </p:cxnSp>
-      <p:cxnSp>
-        <p:nvCxnSpPr>
-          <p:cNvPr id="21" name="Straight Arrow Connector 20">
-            <a:extLst>
-              <a:ext uri="{FF2B5EF4-FFF2-40B4-BE49-F238E27FC236}">
-                <a16:creationId xmlns:a16="http://schemas.microsoft.com/office/drawing/2014/main" id="{4D3D564D-5F8C-6A4A-B329-B916C4D8852D}"/>
-              </a:ext>
-            </a:extLst>
-          </p:cNvPr>
-          <p:cNvCxnSpPr>
-            <a:cxnSpLocks/>
-          </p:cNvCxnSpPr>
-          <p:nvPr/>
-        </p:nvCxnSpPr>
-        <p:spPr>
-          <a:xfrm>
-            <a:off x="7893844" y="1878672"/>
-            <a:ext cx="354807" cy="507341"/>
-          </a:xfrm>
-          <a:prstGeom prst="straightConnector1">
-            <a:avLst/>
-          </a:prstGeom>
-          <a:ln w="25400">
+      </p:pic>
+      <p:pic>
+        <p:nvPicPr>
+          <p:cNvPr id="14" name="Picture 13">
+            <a:extLst>
+              <a:ext uri="{FF2B5EF4-FFF2-40B4-BE49-F238E27FC236}">
+                <a16:creationId xmlns:a16="http://schemas.microsoft.com/office/drawing/2014/main" id="{52C07C9E-CF9F-EE46-BF30-32992CC8228F}"/>
+              </a:ext>
+            </a:extLst>
+          </p:cNvPr>
+          <p:cNvPicPr>
+            <a:picLocks noChangeAspect="1"/>
+          </p:cNvPicPr>
+          <p:nvPr/>
+        </p:nvPicPr>
+        <p:blipFill>
+          <a:blip r:embed="rId8"/>
+          <a:stretch>
+            <a:fillRect/>
+          </a:stretch>
+        </p:blipFill>
+        <p:spPr>
+          <a:xfrm>
+            <a:off x="3582554" y="4231703"/>
+            <a:ext cx="721360" cy="450088"/>
+          </a:xfrm>
+          <a:prstGeom prst="rect">
+            <a:avLst/>
+          </a:prstGeom>
+          <a:ln w="19050">
             <a:solidFill>
-              <a:srgbClr val="FF0000"/>
+              <a:schemeClr val="tx1"/>
             </a:solidFill>
-            <a:tailEnd type="triangle" w="lg" len="lg"/>
           </a:ln>
         </p:spPr>
-        <p:style>
-          <a:lnRef idx="1">
-            <a:schemeClr val="accent1"/>
-          </a:lnRef>
-          <a:fillRef idx="0">
-            <a:schemeClr val="accent1"/>
-          </a:fillRef>
-          <a:effectRef idx="0">
-            <a:schemeClr val="accent1"/>
-          </a:effectRef>
-          <a:fontRef idx="minor">
-            <a:schemeClr val="tx1"/>
-          </a:fontRef>
-        </p:style>
-      </p:cxnSp>
-      <p:sp>
-        <p:nvSpPr>
-          <p:cNvPr id="32" name="TextBox 31">
-            <a:extLst>
-              <a:ext uri="{FF2B5EF4-FFF2-40B4-BE49-F238E27FC236}">
-                <a16:creationId xmlns:a16="http://schemas.microsoft.com/office/drawing/2014/main" id="{52B8030C-EE78-6145-870A-31FE63A8371C}"/>
-              </a:ext>
-            </a:extLst>
-          </p:cNvPr>
-          <p:cNvSpPr txBox="1"/>
-          <p:nvPr/>
-        </p:nvSpPr>
-        <p:spPr>
-          <a:xfrm>
-            <a:off x="8248651" y="2413974"/>
-            <a:ext cx="960834" cy="369332"/>
-          </a:xfrm>
-          <a:prstGeom prst="rect">
-            <a:avLst/>
-          </a:prstGeom>
-          <a:noFill/>
-        </p:spPr>
-        <p:txBody>
-          <a:bodyPr wrap="square" rtlCol="0">
-            <a:spAutoFit/>
-          </a:bodyPr>
-          <a:lstStyle/>
-          <a:p>
-            <a:r>
-              <a:rPr lang="en-US" dirty="0"/>
-              <a:t>DIM‡</a:t>
-            </a:r>
-          </a:p>
-        </p:txBody>
-      </p:sp>
-      <p:sp>
-        <p:nvSpPr>
-          <p:cNvPr id="33" name="TextBox 32">
-            <a:extLst>
-              <a:ext uri="{FF2B5EF4-FFF2-40B4-BE49-F238E27FC236}">
-                <a16:creationId xmlns:a16="http://schemas.microsoft.com/office/drawing/2014/main" id="{A025D21B-5AE7-594D-9EE2-92E6EE29537A}"/>
-              </a:ext>
-            </a:extLst>
-          </p:cNvPr>
-          <p:cNvSpPr txBox="1"/>
-          <p:nvPr/>
-        </p:nvSpPr>
-        <p:spPr>
-          <a:xfrm>
-            <a:off x="8793659" y="5181734"/>
-            <a:ext cx="960834" cy="369332"/>
-          </a:xfrm>
-          <a:prstGeom prst="rect">
-            <a:avLst/>
-          </a:prstGeom>
-          <a:noFill/>
-        </p:spPr>
-        <p:txBody>
-          <a:bodyPr wrap="square" rtlCol="0">
-            <a:spAutoFit/>
-          </a:bodyPr>
-          <a:lstStyle/>
-          <a:p>
-            <a:r>
-              <a:rPr lang="en-US" dirty="0"/>
-              <a:t>DIM</a:t>
-            </a:r>
-          </a:p>
-        </p:txBody>
-      </p:sp>
-      <p:sp>
-        <p:nvSpPr>
-          <p:cNvPr id="34" name="TextBox 33">
-            <a:extLst>
-              <a:ext uri="{FF2B5EF4-FFF2-40B4-BE49-F238E27FC236}">
-                <a16:creationId xmlns:a16="http://schemas.microsoft.com/office/drawing/2014/main" id="{D7C41BB5-DC1C-3F4F-8C99-2F5914F9E74A}"/>
-              </a:ext>
-            </a:extLst>
-          </p:cNvPr>
-          <p:cNvSpPr txBox="1"/>
-          <p:nvPr/>
-        </p:nvSpPr>
-        <p:spPr>
-          <a:xfrm>
-            <a:off x="4844355" y="2697756"/>
-            <a:ext cx="1207891" cy="369332"/>
-          </a:xfrm>
-          <a:prstGeom prst="rect">
-            <a:avLst/>
-          </a:prstGeom>
-          <a:noFill/>
-        </p:spPr>
-        <p:txBody>
-          <a:bodyPr wrap="square" rtlCol="0">
-            <a:spAutoFit/>
-          </a:bodyPr>
-          <a:lstStyle/>
-          <a:p>
-            <a:r>
-              <a:rPr lang="en-US" dirty="0">
-                <a:solidFill>
-                  <a:srgbClr val="DBA520"/>
-                </a:solidFill>
-              </a:rPr>
-              <a:t>X-CMC‡</a:t>
-            </a:r>
-          </a:p>
-        </p:txBody>
-      </p:sp>
-      <p:sp>
-        <p:nvSpPr>
-          <p:cNvPr id="35" name="TextBox 34">
-            <a:extLst>
-              <a:ext uri="{FF2B5EF4-FFF2-40B4-BE49-F238E27FC236}">
-                <a16:creationId xmlns:a16="http://schemas.microsoft.com/office/drawing/2014/main" id="{DC057D2F-11C3-2840-AF54-636B6461E7DD}"/>
-              </a:ext>
-            </a:extLst>
-          </p:cNvPr>
-          <p:cNvSpPr txBox="1"/>
-          <p:nvPr/>
-        </p:nvSpPr>
-        <p:spPr>
-          <a:xfrm>
-            <a:off x="2720279" y="2743559"/>
-            <a:ext cx="1207891" cy="369332"/>
-          </a:xfrm>
-          <a:prstGeom prst="rect">
-            <a:avLst/>
-          </a:prstGeom>
-          <a:noFill/>
-        </p:spPr>
-        <p:txBody>
-          <a:bodyPr wrap="square" rtlCol="0">
-            <a:spAutoFit/>
-          </a:bodyPr>
-          <a:lstStyle/>
-          <a:p>
-            <a:r>
-              <a:rPr lang="en-US" dirty="0">
-                <a:solidFill>
-                  <a:srgbClr val="DBA520"/>
-                </a:solidFill>
-              </a:rPr>
-              <a:t>X-CMC</a:t>
-            </a:r>
-          </a:p>
-        </p:txBody>
-      </p:sp>
-      <p:sp>
-        <p:nvSpPr>
-          <p:cNvPr id="38" name="TextBox 37">
-            <a:extLst>
-              <a:ext uri="{FF2B5EF4-FFF2-40B4-BE49-F238E27FC236}">
-                <a16:creationId xmlns:a16="http://schemas.microsoft.com/office/drawing/2014/main" id="{6CA7C6B4-8903-6549-89FD-70AA63C5DCC6}"/>
-              </a:ext>
-            </a:extLst>
-          </p:cNvPr>
-          <p:cNvSpPr txBox="1"/>
-          <p:nvPr/>
-        </p:nvSpPr>
-        <p:spPr>
-          <a:xfrm>
-            <a:off x="8932961" y="3625530"/>
-            <a:ext cx="1207891" cy="369332"/>
-          </a:xfrm>
-          <a:prstGeom prst="rect">
-            <a:avLst/>
-          </a:prstGeom>
-          <a:noFill/>
-        </p:spPr>
-        <p:txBody>
-          <a:bodyPr wrap="square" rtlCol="0">
-            <a:spAutoFit/>
-          </a:bodyPr>
-          <a:lstStyle/>
-          <a:p>
-            <a:r>
-              <a:rPr lang="en-US" dirty="0">
-                <a:solidFill>
-                  <a:srgbClr val="FD0000"/>
-                </a:solidFill>
-              </a:rPr>
-              <a:t>X-DIM</a:t>
-            </a:r>
-          </a:p>
-        </p:txBody>
-      </p:sp>
-      <p:sp>
-        <p:nvSpPr>
-          <p:cNvPr id="39" name="TextBox 38">
-            <a:extLst>
-              <a:ext uri="{FF2B5EF4-FFF2-40B4-BE49-F238E27FC236}">
-                <a16:creationId xmlns:a16="http://schemas.microsoft.com/office/drawing/2014/main" id="{8A75ACE6-DECC-694C-961B-0BA9840491A4}"/>
-              </a:ext>
-            </a:extLst>
-          </p:cNvPr>
-          <p:cNvSpPr txBox="1"/>
-          <p:nvPr/>
-        </p:nvSpPr>
-        <p:spPr>
-          <a:xfrm>
-            <a:off x="6096000" y="1694006"/>
-            <a:ext cx="1207891" cy="369332"/>
-          </a:xfrm>
-          <a:prstGeom prst="rect">
-            <a:avLst/>
-          </a:prstGeom>
-          <a:noFill/>
-        </p:spPr>
-        <p:txBody>
-          <a:bodyPr wrap="square" rtlCol="0">
-            <a:spAutoFit/>
-          </a:bodyPr>
-          <a:lstStyle/>
-          <a:p>
-            <a:r>
-              <a:rPr lang="en-US" dirty="0">
-                <a:solidFill>
-                  <a:srgbClr val="FD0000"/>
-                </a:solidFill>
-              </a:rPr>
-              <a:t>X-DIM‡</a:t>
-            </a:r>
-          </a:p>
-        </p:txBody>
-      </p:sp>
-      <p:sp>
-        <p:nvSpPr>
-          <p:cNvPr id="40" name="TextBox 39">
-            <a:extLst>
-              <a:ext uri="{FF2B5EF4-FFF2-40B4-BE49-F238E27FC236}">
-                <a16:creationId xmlns:a16="http://schemas.microsoft.com/office/drawing/2014/main" id="{DE6B71C3-3421-C543-BFD6-A3BDC79D16BE}"/>
-              </a:ext>
-            </a:extLst>
-          </p:cNvPr>
-          <p:cNvSpPr txBox="1"/>
-          <p:nvPr/>
-        </p:nvSpPr>
-        <p:spPr>
-          <a:xfrm>
-            <a:off x="2633363" y="3484464"/>
-            <a:ext cx="1207891" cy="369332"/>
-          </a:xfrm>
-          <a:prstGeom prst="rect">
-            <a:avLst/>
-          </a:prstGeom>
-          <a:noFill/>
-        </p:spPr>
-        <p:txBody>
-          <a:bodyPr wrap="square" rtlCol="0">
-            <a:spAutoFit/>
-          </a:bodyPr>
-          <a:lstStyle/>
-          <a:p>
-            <a:r>
-              <a:rPr lang="en-US" dirty="0">
-                <a:solidFill>
-                  <a:srgbClr val="FD0000"/>
-                </a:solidFill>
-              </a:rPr>
-              <a:t>X-CMC</a:t>
-            </a:r>
-          </a:p>
-        </p:txBody>
-      </p:sp>
-      <p:sp>
-        <p:nvSpPr>
-          <p:cNvPr id="41" name="TextBox 40">
-            <a:extLst>
-              <a:ext uri="{FF2B5EF4-FFF2-40B4-BE49-F238E27FC236}">
-                <a16:creationId xmlns:a16="http://schemas.microsoft.com/office/drawing/2014/main" id="{8CB3B051-35D6-B940-B17B-B0FDF89F930E}"/>
-              </a:ext>
-            </a:extLst>
-          </p:cNvPr>
-          <p:cNvSpPr txBox="1"/>
-          <p:nvPr/>
-        </p:nvSpPr>
-        <p:spPr>
-          <a:xfrm>
-            <a:off x="4726184" y="2023593"/>
-            <a:ext cx="1207891" cy="369332"/>
-          </a:xfrm>
-          <a:prstGeom prst="rect">
-            <a:avLst/>
-          </a:prstGeom>
-          <a:noFill/>
-        </p:spPr>
-        <p:txBody>
-          <a:bodyPr wrap="square" rtlCol="0">
-            <a:spAutoFit/>
-          </a:bodyPr>
-          <a:lstStyle/>
-          <a:p>
-            <a:r>
-              <a:rPr lang="en-US" dirty="0">
-                <a:solidFill>
-                  <a:srgbClr val="FD0000"/>
-                </a:solidFill>
-              </a:rPr>
-              <a:t>X-CMC‡</a:t>
-            </a:r>
-          </a:p>
-        </p:txBody>
-      </p:sp>
-      <p:sp>
-        <p:nvSpPr>
-          <p:cNvPr id="42" name="TextBox 41">
-            <a:extLst>
-              <a:ext uri="{FF2B5EF4-FFF2-40B4-BE49-F238E27FC236}">
-                <a16:creationId xmlns:a16="http://schemas.microsoft.com/office/drawing/2014/main" id="{8B30D5B3-2A59-C340-8C32-73684475EBF9}"/>
-              </a:ext>
-            </a:extLst>
-          </p:cNvPr>
-          <p:cNvSpPr txBox="1"/>
-          <p:nvPr/>
-        </p:nvSpPr>
-        <p:spPr>
-          <a:xfrm>
-            <a:off x="7805143" y="3188870"/>
-            <a:ext cx="648890" cy="369332"/>
-          </a:xfrm>
-          <a:prstGeom prst="rect">
-            <a:avLst/>
-          </a:prstGeom>
-          <a:noFill/>
-        </p:spPr>
-        <p:txBody>
-          <a:bodyPr wrap="square" rtlCol="0">
-            <a:spAutoFit/>
-          </a:bodyPr>
-          <a:lstStyle/>
-          <a:p>
-            <a:r>
-              <a:rPr lang="en-US" dirty="0"/>
-              <a:t>CMC</a:t>
-            </a:r>
-          </a:p>
-        </p:txBody>
-      </p:sp>
-      <p:sp>
-        <p:nvSpPr>
-          <p:cNvPr id="43" name="TextBox 42">
-            <a:extLst>
-              <a:ext uri="{FF2B5EF4-FFF2-40B4-BE49-F238E27FC236}">
-                <a16:creationId xmlns:a16="http://schemas.microsoft.com/office/drawing/2014/main" id="{E4B42D62-E1CF-6F42-9D4A-46E18B3AEA50}"/>
-              </a:ext>
-            </a:extLst>
-          </p:cNvPr>
-          <p:cNvSpPr txBox="1"/>
-          <p:nvPr/>
-        </p:nvSpPr>
-        <p:spPr>
-          <a:xfrm>
-            <a:off x="9185075" y="3299798"/>
-            <a:ext cx="1207891" cy="369332"/>
-          </a:xfrm>
-          <a:prstGeom prst="rect">
-            <a:avLst/>
-          </a:prstGeom>
-          <a:noFill/>
-        </p:spPr>
-        <p:txBody>
-          <a:bodyPr wrap="square" rtlCol="0">
-            <a:spAutoFit/>
-          </a:bodyPr>
-          <a:lstStyle/>
-          <a:p>
-            <a:r>
-              <a:rPr lang="en-US" dirty="0">
-                <a:solidFill>
-                  <a:srgbClr val="DBA520"/>
-                </a:solidFill>
-              </a:rPr>
-              <a:t>X-DIM</a:t>
-            </a:r>
-          </a:p>
-        </p:txBody>
-      </p:sp>
-      <p:sp>
-        <p:nvSpPr>
-          <p:cNvPr id="44" name="TextBox 43">
-            <a:extLst>
-              <a:ext uri="{FF2B5EF4-FFF2-40B4-BE49-F238E27FC236}">
-                <a16:creationId xmlns:a16="http://schemas.microsoft.com/office/drawing/2014/main" id="{69D55186-A166-DF4E-B8E4-38CA82D80AF2}"/>
-              </a:ext>
-            </a:extLst>
-          </p:cNvPr>
-          <p:cNvSpPr txBox="1"/>
-          <p:nvPr/>
-        </p:nvSpPr>
-        <p:spPr>
-          <a:xfrm>
-            <a:off x="6032001" y="1080158"/>
-            <a:ext cx="1207891" cy="369332"/>
-          </a:xfrm>
-          <a:prstGeom prst="rect">
-            <a:avLst/>
-          </a:prstGeom>
-          <a:noFill/>
-        </p:spPr>
-        <p:txBody>
-          <a:bodyPr wrap="square" rtlCol="0">
-            <a:spAutoFit/>
-          </a:bodyPr>
-          <a:lstStyle/>
-          <a:p>
-            <a:r>
-              <a:rPr lang="en-US" dirty="0">
-                <a:solidFill>
-                  <a:srgbClr val="DBA520"/>
-                </a:solidFill>
-              </a:rPr>
-              <a:t>X-DIM‡</a:t>
-            </a:r>
-          </a:p>
-        </p:txBody>
-      </p:sp>
+      </p:pic>
+      <p:pic>
+        <p:nvPicPr>
+          <p:cNvPr id="15" name="Picture 14">
+            <a:extLst>
+              <a:ext uri="{FF2B5EF4-FFF2-40B4-BE49-F238E27FC236}">
+                <a16:creationId xmlns:a16="http://schemas.microsoft.com/office/drawing/2014/main" id="{661828DF-FE56-8F4B-A927-51B4412CCAF0}"/>
+              </a:ext>
+            </a:extLst>
+          </p:cNvPr>
+          <p:cNvPicPr>
+            <a:picLocks noChangeAspect="1"/>
+          </p:cNvPicPr>
+          <p:nvPr/>
+        </p:nvPicPr>
+        <p:blipFill>
+          <a:blip r:embed="rId9"/>
+          <a:stretch>
+            <a:fillRect/>
+          </a:stretch>
+        </p:blipFill>
+        <p:spPr>
+          <a:xfrm>
+            <a:off x="4985298" y="3575655"/>
+            <a:ext cx="721360" cy="450088"/>
+          </a:xfrm>
+          <a:prstGeom prst="rect">
+            <a:avLst/>
+          </a:prstGeom>
+          <a:ln w="19050">
+            <a:solidFill>
+              <a:schemeClr val="tx1"/>
+            </a:solidFill>
+          </a:ln>
+        </p:spPr>
+      </p:pic>
+      <p:pic>
+        <p:nvPicPr>
+          <p:cNvPr id="16" name="Picture 15">
+            <a:extLst>
+              <a:ext uri="{FF2B5EF4-FFF2-40B4-BE49-F238E27FC236}">
+                <a16:creationId xmlns:a16="http://schemas.microsoft.com/office/drawing/2014/main" id="{26872B7A-8F9C-5B4E-BA7E-B55077F18128}"/>
+              </a:ext>
+            </a:extLst>
+          </p:cNvPr>
+          <p:cNvPicPr>
+            <a:picLocks noChangeAspect="1"/>
+          </p:cNvPicPr>
+          <p:nvPr/>
+        </p:nvPicPr>
+        <p:blipFill>
+          <a:blip r:embed="rId10"/>
+          <a:stretch>
+            <a:fillRect/>
+          </a:stretch>
+        </p:blipFill>
+        <p:spPr>
+          <a:xfrm>
+            <a:off x="6838373" y="3305640"/>
+            <a:ext cx="721360" cy="450088"/>
+          </a:xfrm>
+          <a:prstGeom prst="rect">
+            <a:avLst/>
+          </a:prstGeom>
+          <a:ln w="19050">
+            <a:solidFill>
+              <a:schemeClr val="tx1"/>
+            </a:solidFill>
+          </a:ln>
+        </p:spPr>
+      </p:pic>
+      <p:pic>
+        <p:nvPicPr>
+          <p:cNvPr id="17" name="Picture 16">
+            <a:extLst>
+              <a:ext uri="{FF2B5EF4-FFF2-40B4-BE49-F238E27FC236}">
+                <a16:creationId xmlns:a16="http://schemas.microsoft.com/office/drawing/2014/main" id="{17151278-E4BF-5146-BEB8-26A4D9508A4A}"/>
+              </a:ext>
+            </a:extLst>
+          </p:cNvPr>
+          <p:cNvPicPr>
+            <a:picLocks noChangeAspect="1"/>
+          </p:cNvPicPr>
+          <p:nvPr/>
+        </p:nvPicPr>
+        <p:blipFill>
+          <a:blip r:embed="rId11"/>
+          <a:stretch>
+            <a:fillRect/>
+          </a:stretch>
+        </p:blipFill>
+        <p:spPr>
+          <a:xfrm>
+            <a:off x="8161207" y="4618999"/>
+            <a:ext cx="721360" cy="450088"/>
+          </a:xfrm>
+          <a:prstGeom prst="rect">
+            <a:avLst/>
+          </a:prstGeom>
+          <a:ln w="19050">
+            <a:solidFill>
+              <a:schemeClr val="tx1"/>
+            </a:solidFill>
+          </a:ln>
+        </p:spPr>
+      </p:pic>
+      <p:pic>
+        <p:nvPicPr>
+          <p:cNvPr id="19" name="Picture 18">
+            <a:extLst>
+              <a:ext uri="{FF2B5EF4-FFF2-40B4-BE49-F238E27FC236}">
+                <a16:creationId xmlns:a16="http://schemas.microsoft.com/office/drawing/2014/main" id="{ADBCC567-2ABA-C84C-9CCA-B96E55CBB447}"/>
+              </a:ext>
+            </a:extLst>
+          </p:cNvPr>
+          <p:cNvPicPr>
+            <a:picLocks noChangeAspect="1"/>
+          </p:cNvPicPr>
+          <p:nvPr/>
+        </p:nvPicPr>
+        <p:blipFill>
+          <a:blip r:embed="rId12"/>
+          <a:stretch>
+            <a:fillRect/>
+          </a:stretch>
+        </p:blipFill>
+        <p:spPr>
+          <a:xfrm>
+            <a:off x="8691448" y="3726131"/>
+            <a:ext cx="721360" cy="450088"/>
+          </a:xfrm>
+          <a:prstGeom prst="rect">
+            <a:avLst/>
+          </a:prstGeom>
+          <a:ln w="19050">
+            <a:solidFill>
+              <a:schemeClr val="tx1"/>
+            </a:solidFill>
+          </a:ln>
+        </p:spPr>
+      </p:pic>
     </p:spTree>
     <p:extLst>
       <p:ext uri="{BB962C8B-B14F-4D97-AF65-F5344CB8AC3E}">
-        <p14:creationId xmlns:p14="http://schemas.microsoft.com/office/powerpoint/2010/main" val="3746490439"/>
+        <p14:creationId xmlns:p14="http://schemas.microsoft.com/office/powerpoint/2010/main" val="62311222"/>
       </p:ext>
     </p:extLst>
   </p:cSld>
@@ -14204,10 +12012,10 @@
       </p:grpSpPr>
       <p:pic>
         <p:nvPicPr>
-          <p:cNvPr id="5" name="Picture 4">
-            <a:extLst>
-              <a:ext uri="{FF2B5EF4-FFF2-40B4-BE49-F238E27FC236}">
-                <a16:creationId xmlns:a16="http://schemas.microsoft.com/office/drawing/2014/main" id="{0C14734D-6726-1841-9805-A6EEDDEFA71C}"/>
+          <p:cNvPr id="9" name="Picture 8">
+            <a:extLst>
+              <a:ext uri="{FF2B5EF4-FFF2-40B4-BE49-F238E27FC236}">
+                <a16:creationId xmlns:a16="http://schemas.microsoft.com/office/drawing/2014/main" id="{A9F2B724-8C53-F147-A0E9-3F819CB13C11}"/>
               </a:ext>
             </a:extLst>
           </p:cNvPr>
@@ -14218,87 +12026,17 @@
         </p:nvPicPr>
         <p:blipFill rotWithShape="1">
           <a:blip r:embed="rId3"/>
-          <a:srcRect t="16175" b="15847"/>
+          <a:srcRect l="746" t="10229" r="-1" b="10138"/>
           <a:stretch/>
         </p:blipFill>
         <p:spPr>
           <a:xfrm>
-            <a:off x="1112343" y="277835"/>
-            <a:ext cx="9525000" cy="6474918"/>
-          </a:xfrm>
-          <a:prstGeom prst="rect">
-            <a:avLst/>
-          </a:prstGeom>
-        </p:spPr>
-      </p:pic>
-      <p:pic>
-        <p:nvPicPr>
-          <p:cNvPr id="10" name="Picture 9">
-            <a:extLst>
-              <a:ext uri="{FF2B5EF4-FFF2-40B4-BE49-F238E27FC236}">
-                <a16:creationId xmlns:a16="http://schemas.microsoft.com/office/drawing/2014/main" id="{677A9F60-0653-9845-9F23-87B49AE9D3EB}"/>
-              </a:ext>
-            </a:extLst>
-          </p:cNvPr>
-          <p:cNvPicPr>
-            <a:picLocks noChangeAspect="1"/>
-          </p:cNvPicPr>
-          <p:nvPr/>
-        </p:nvPicPr>
-        <p:blipFill>
-          <a:blip r:embed="rId4"/>
-          <a:stretch>
-            <a:fillRect/>
-          </a:stretch>
-        </p:blipFill>
-        <p:spPr>
-          <a:xfrm>
-            <a:off x="1729028" y="1465249"/>
-            <a:ext cx="721360" cy="450088"/>
-          </a:xfrm>
-          <a:prstGeom prst="rect">
-            <a:avLst/>
-          </a:prstGeom>
-          <a:ln w="19050">
-            <a:solidFill>
-              <a:schemeClr val="tx1"/>
-            </a:solidFill>
-          </a:ln>
-        </p:spPr>
-      </p:pic>
-      <p:pic>
-        <p:nvPicPr>
-          <p:cNvPr id="11" name="Picture 10">
-            <a:extLst>
-              <a:ext uri="{FF2B5EF4-FFF2-40B4-BE49-F238E27FC236}">
-                <a16:creationId xmlns:a16="http://schemas.microsoft.com/office/drawing/2014/main" id="{26766337-E90D-904E-8B35-1F7C36E71B3D}"/>
-              </a:ext>
-            </a:extLst>
-          </p:cNvPr>
-          <p:cNvPicPr>
-            <a:picLocks noChangeAspect="1"/>
-          </p:cNvPicPr>
-          <p:nvPr/>
-        </p:nvPicPr>
-        <p:blipFill>
-          <a:blip r:embed="rId5"/>
-          <a:stretch>
-            <a:fillRect/>
-          </a:stretch>
-        </p:blipFill>
-        <p:spPr>
-          <a:xfrm>
-            <a:off x="2410863" y="3203956"/>
-            <a:ext cx="721360" cy="450088"/>
-          </a:xfrm>
-          <a:prstGeom prst="rect">
-            <a:avLst/>
-          </a:prstGeom>
-          <a:ln w="19050">
-            <a:solidFill>
-              <a:schemeClr val="tx1"/>
-            </a:solidFill>
-          </a:ln>
+            <a:off x="1322897" y="1066279"/>
+            <a:ext cx="4336245" cy="3479103"/>
+          </a:xfrm>
+          <a:prstGeom prst="rect">
+            <a:avLst/>
+          </a:prstGeom>
         </p:spPr>
       </p:pic>
       <p:pic>
@@ -14306,7 +12044,7 @@
           <p:cNvPr id="12" name="Picture 11">
             <a:extLst>
               <a:ext uri="{FF2B5EF4-FFF2-40B4-BE49-F238E27FC236}">
-                <a16:creationId xmlns:a16="http://schemas.microsoft.com/office/drawing/2014/main" id="{ACD4BBF8-A568-4144-858F-303E650CB7DC}"/>
+                <a16:creationId xmlns:a16="http://schemas.microsoft.com/office/drawing/2014/main" id="{57072AB7-BF36-2442-B731-B68BF18B0B3A}"/>
               </a:ext>
             </a:extLst>
           </p:cNvPr>
@@ -14315,60 +12053,19 @@
           </p:cNvPicPr>
           <p:nvPr/>
         </p:nvPicPr>
-        <p:blipFill>
-          <a:blip r:embed="rId6"/>
-          <a:stretch>
-            <a:fillRect/>
-          </a:stretch>
+        <p:blipFill rotWithShape="1">
+          <a:blip r:embed="rId4"/>
+          <a:srcRect t="21917" b="22009"/>
+          <a:stretch/>
         </p:blipFill>
         <p:spPr>
           <a:xfrm>
-            <a:off x="3221874" y="1505023"/>
-            <a:ext cx="721360" cy="450088"/>
-          </a:xfrm>
-          <a:prstGeom prst="rect">
-            <a:avLst/>
-          </a:prstGeom>
-          <a:ln w="19050">
-            <a:solidFill>
-              <a:schemeClr val="tx1"/>
-            </a:solidFill>
-          </a:ln>
-        </p:spPr>
-      </p:pic>
-      <p:pic>
-        <p:nvPicPr>
-          <p:cNvPr id="13" name="Picture 12">
-            <a:extLst>
-              <a:ext uri="{FF2B5EF4-FFF2-40B4-BE49-F238E27FC236}">
-                <a16:creationId xmlns:a16="http://schemas.microsoft.com/office/drawing/2014/main" id="{A3439BE0-FA88-574B-BD02-A735CFBD4CA6}"/>
-              </a:ext>
-            </a:extLst>
-          </p:cNvPr>
-          <p:cNvPicPr>
-            <a:picLocks noChangeAspect="1"/>
-          </p:cNvPicPr>
-          <p:nvPr/>
-        </p:nvPicPr>
-        <p:blipFill>
-          <a:blip r:embed="rId7"/>
-          <a:stretch>
-            <a:fillRect/>
-          </a:stretch>
-        </p:blipFill>
-        <p:spPr>
-          <a:xfrm>
-            <a:off x="3943234" y="2557420"/>
-            <a:ext cx="721360" cy="450088"/>
-          </a:xfrm>
-          <a:prstGeom prst="rect">
-            <a:avLst/>
-          </a:prstGeom>
-          <a:ln w="19050">
-            <a:solidFill>
-              <a:schemeClr val="tx1"/>
-            </a:solidFill>
-          </a:ln>
+            <a:off x="5659141" y="420968"/>
+            <a:ext cx="4668801" cy="2617940"/>
+          </a:xfrm>
+          <a:prstGeom prst="rect">
+            <a:avLst/>
+          </a:prstGeom>
         </p:spPr>
       </p:pic>
       <p:pic>
@@ -14376,7 +12073,7 @@
           <p:cNvPr id="14" name="Picture 13">
             <a:extLst>
               <a:ext uri="{FF2B5EF4-FFF2-40B4-BE49-F238E27FC236}">
-                <a16:creationId xmlns:a16="http://schemas.microsoft.com/office/drawing/2014/main" id="{52C07C9E-CF9F-EE46-BF30-32992CC8228F}"/>
+                <a16:creationId xmlns:a16="http://schemas.microsoft.com/office/drawing/2014/main" id="{281EA84C-E424-C540-A32E-47BAADA36C21}"/>
               </a:ext>
             </a:extLst>
           </p:cNvPr>
@@ -14385,171 +12082,3081 @@
           </p:cNvPicPr>
           <p:nvPr/>
         </p:nvPicPr>
-        <p:blipFill>
-          <a:blip r:embed="rId8"/>
-          <a:stretch>
-            <a:fillRect/>
-          </a:stretch>
+        <p:blipFill rotWithShape="1">
+          <a:blip r:embed="rId5"/>
+          <a:srcRect t="21918" b="22009"/>
+          <a:stretch/>
         </p:blipFill>
         <p:spPr>
           <a:xfrm>
-            <a:off x="3582554" y="4231703"/>
-            <a:ext cx="721360" cy="450088"/>
-          </a:xfrm>
-          <a:prstGeom prst="rect">
-            <a:avLst/>
-          </a:prstGeom>
-          <a:ln w="19050">
-            <a:solidFill>
-              <a:schemeClr val="tx1"/>
-            </a:solidFill>
-          </a:ln>
+            <a:off x="5659142" y="3109584"/>
+            <a:ext cx="4668798" cy="2617939"/>
+          </a:xfrm>
+          <a:prstGeom prst="rect">
+            <a:avLst/>
+          </a:prstGeom>
         </p:spPr>
       </p:pic>
-      <p:pic>
-        <p:nvPicPr>
-          <p:cNvPr id="15" name="Picture 14">
-            <a:extLst>
-              <a:ext uri="{FF2B5EF4-FFF2-40B4-BE49-F238E27FC236}">
-                <a16:creationId xmlns:a16="http://schemas.microsoft.com/office/drawing/2014/main" id="{661828DF-FE56-8F4B-A927-51B4412CCAF0}"/>
-              </a:ext>
-            </a:extLst>
-          </p:cNvPr>
-          <p:cNvPicPr>
-            <a:picLocks noChangeAspect="1"/>
-          </p:cNvPicPr>
-          <p:nvPr/>
-        </p:nvPicPr>
-        <p:blipFill>
-          <a:blip r:embed="rId9"/>
-          <a:stretch>
-            <a:fillRect/>
-          </a:stretch>
-        </p:blipFill>
-        <p:spPr>
-          <a:xfrm>
-            <a:off x="4985298" y="3575655"/>
-            <a:ext cx="721360" cy="450088"/>
-          </a:xfrm>
-          <a:prstGeom prst="rect">
-            <a:avLst/>
-          </a:prstGeom>
-          <a:ln w="19050">
-            <a:solidFill>
-              <a:schemeClr val="tx1"/>
-            </a:solidFill>
-          </a:ln>
-        </p:spPr>
-      </p:pic>
-      <p:pic>
-        <p:nvPicPr>
-          <p:cNvPr id="16" name="Picture 15">
-            <a:extLst>
-              <a:ext uri="{FF2B5EF4-FFF2-40B4-BE49-F238E27FC236}">
-                <a16:creationId xmlns:a16="http://schemas.microsoft.com/office/drawing/2014/main" id="{26872B7A-8F9C-5B4E-BA7E-B55077F18128}"/>
-              </a:ext>
-            </a:extLst>
-          </p:cNvPr>
-          <p:cNvPicPr>
-            <a:picLocks noChangeAspect="1"/>
-          </p:cNvPicPr>
-          <p:nvPr/>
-        </p:nvPicPr>
-        <p:blipFill>
-          <a:blip r:embed="rId10"/>
-          <a:stretch>
-            <a:fillRect/>
-          </a:stretch>
-        </p:blipFill>
-        <p:spPr>
-          <a:xfrm>
-            <a:off x="6838373" y="3305640"/>
-            <a:ext cx="721360" cy="450088"/>
-          </a:xfrm>
-          <a:prstGeom prst="rect">
-            <a:avLst/>
-          </a:prstGeom>
-          <a:ln w="19050">
-            <a:solidFill>
-              <a:schemeClr val="tx1"/>
-            </a:solidFill>
-          </a:ln>
-        </p:spPr>
-      </p:pic>
-      <p:pic>
-        <p:nvPicPr>
-          <p:cNvPr id="17" name="Picture 16">
-            <a:extLst>
-              <a:ext uri="{FF2B5EF4-FFF2-40B4-BE49-F238E27FC236}">
-                <a16:creationId xmlns:a16="http://schemas.microsoft.com/office/drawing/2014/main" id="{17151278-E4BF-5146-BEB8-26A4D9508A4A}"/>
-              </a:ext>
-            </a:extLst>
-          </p:cNvPr>
-          <p:cNvPicPr>
-            <a:picLocks noChangeAspect="1"/>
-          </p:cNvPicPr>
-          <p:nvPr/>
-        </p:nvPicPr>
-        <p:blipFill>
-          <a:blip r:embed="rId11"/>
-          <a:stretch>
-            <a:fillRect/>
-          </a:stretch>
-        </p:blipFill>
-        <p:spPr>
-          <a:xfrm>
-            <a:off x="8161207" y="4618999"/>
-            <a:ext cx="721360" cy="450088"/>
-          </a:xfrm>
-          <a:prstGeom prst="rect">
-            <a:avLst/>
-          </a:prstGeom>
-          <a:ln w="19050">
-            <a:solidFill>
-              <a:schemeClr val="tx1"/>
-            </a:solidFill>
-          </a:ln>
-        </p:spPr>
-      </p:pic>
-      <p:pic>
-        <p:nvPicPr>
-          <p:cNvPr id="19" name="Picture 18">
-            <a:extLst>
-              <a:ext uri="{FF2B5EF4-FFF2-40B4-BE49-F238E27FC236}">
-                <a16:creationId xmlns:a16="http://schemas.microsoft.com/office/drawing/2014/main" id="{ADBCC567-2ABA-C84C-9CCA-B96E55CBB447}"/>
-              </a:ext>
-            </a:extLst>
-          </p:cNvPr>
-          <p:cNvPicPr>
-            <a:picLocks noChangeAspect="1"/>
-          </p:cNvPicPr>
-          <p:nvPr/>
-        </p:nvPicPr>
-        <p:blipFill>
-          <a:blip r:embed="rId12"/>
-          <a:stretch>
-            <a:fillRect/>
-          </a:stretch>
-        </p:blipFill>
-        <p:spPr>
-          <a:xfrm>
-            <a:off x="8691448" y="3726131"/>
-            <a:ext cx="721360" cy="450088"/>
-          </a:xfrm>
-          <a:prstGeom prst="rect">
-            <a:avLst/>
-          </a:prstGeom>
-          <a:ln w="19050">
-            <a:solidFill>
-              <a:schemeClr val="tx1"/>
-            </a:solidFill>
-          </a:ln>
-        </p:spPr>
-      </p:pic>
+      <p:sp>
+        <p:nvSpPr>
+          <p:cNvPr id="15" name="TextBox 14">
+            <a:extLst>
+              <a:ext uri="{FF2B5EF4-FFF2-40B4-BE49-F238E27FC236}">
+                <a16:creationId xmlns:a16="http://schemas.microsoft.com/office/drawing/2014/main" id="{662CDAF7-D0A8-4341-A754-CF66CA936C7C}"/>
+              </a:ext>
+            </a:extLst>
+          </p:cNvPr>
+          <p:cNvSpPr txBox="1"/>
+          <p:nvPr/>
+        </p:nvSpPr>
+        <p:spPr>
+          <a:xfrm>
+            <a:off x="1662113" y="1857376"/>
+            <a:ext cx="523875" cy="276999"/>
+          </a:xfrm>
+          <a:prstGeom prst="rect">
+            <a:avLst/>
+          </a:prstGeom>
+          <a:noFill/>
+        </p:spPr>
+        <p:txBody>
+          <a:bodyPr wrap="square" rtlCol="0">
+            <a:spAutoFit/>
+          </a:bodyPr>
+          <a:lstStyle/>
+          <a:p>
+            <a:r>
+              <a:rPr lang="en-US" sz="1200" dirty="0"/>
+              <a:t>0.00</a:t>
+            </a:r>
+          </a:p>
+        </p:txBody>
+      </p:sp>
+      <p:sp>
+        <p:nvSpPr>
+          <p:cNvPr id="16" name="TextBox 15">
+            <a:extLst>
+              <a:ext uri="{FF2B5EF4-FFF2-40B4-BE49-F238E27FC236}">
+                <a16:creationId xmlns:a16="http://schemas.microsoft.com/office/drawing/2014/main" id="{DDF847ED-385F-104A-A4B9-FB05A6E3896A}"/>
+              </a:ext>
+            </a:extLst>
+          </p:cNvPr>
+          <p:cNvSpPr txBox="1"/>
+          <p:nvPr/>
+        </p:nvSpPr>
+        <p:spPr>
+          <a:xfrm>
+            <a:off x="1995489" y="2252664"/>
+            <a:ext cx="523875" cy="276999"/>
+          </a:xfrm>
+          <a:prstGeom prst="rect">
+            <a:avLst/>
+          </a:prstGeom>
+          <a:noFill/>
+        </p:spPr>
+        <p:txBody>
+          <a:bodyPr wrap="square" rtlCol="0">
+            <a:spAutoFit/>
+          </a:bodyPr>
+          <a:lstStyle/>
+          <a:p>
+            <a:r>
+              <a:rPr lang="en-US" sz="1200" dirty="0"/>
+              <a:t>-1.14</a:t>
+            </a:r>
+          </a:p>
+        </p:txBody>
+      </p:sp>
+      <p:sp>
+        <p:nvSpPr>
+          <p:cNvPr id="18" name="TextBox 17">
+            <a:extLst>
+              <a:ext uri="{FF2B5EF4-FFF2-40B4-BE49-F238E27FC236}">
+                <a16:creationId xmlns:a16="http://schemas.microsoft.com/office/drawing/2014/main" id="{38B8BB22-7203-7446-AC27-1C57097E677E}"/>
+              </a:ext>
+            </a:extLst>
+          </p:cNvPr>
+          <p:cNvSpPr txBox="1"/>
+          <p:nvPr/>
+        </p:nvSpPr>
+        <p:spPr>
+          <a:xfrm>
+            <a:off x="2396779" y="1916520"/>
+            <a:ext cx="523875" cy="276999"/>
+          </a:xfrm>
+          <a:prstGeom prst="rect">
+            <a:avLst/>
+          </a:prstGeom>
+          <a:noFill/>
+        </p:spPr>
+        <p:txBody>
+          <a:bodyPr wrap="square" rtlCol="0">
+            <a:spAutoFit/>
+          </a:bodyPr>
+          <a:lstStyle/>
+          <a:p>
+            <a:r>
+              <a:rPr lang="en-US" sz="1200" dirty="0"/>
+              <a:t>-0.25</a:t>
+            </a:r>
+          </a:p>
+        </p:txBody>
+      </p:sp>
+      <p:sp>
+        <p:nvSpPr>
+          <p:cNvPr id="19" name="TextBox 18">
+            <a:extLst>
+              <a:ext uri="{FF2B5EF4-FFF2-40B4-BE49-F238E27FC236}">
+                <a16:creationId xmlns:a16="http://schemas.microsoft.com/office/drawing/2014/main" id="{882333C4-0094-5D4B-BA9F-B23D097179A6}"/>
+              </a:ext>
+            </a:extLst>
+          </p:cNvPr>
+          <p:cNvSpPr txBox="1"/>
+          <p:nvPr/>
+        </p:nvSpPr>
+        <p:spPr>
+          <a:xfrm>
+            <a:off x="2765605" y="2516981"/>
+            <a:ext cx="523875" cy="276999"/>
+          </a:xfrm>
+          <a:prstGeom prst="rect">
+            <a:avLst/>
+          </a:prstGeom>
+          <a:noFill/>
+        </p:spPr>
+        <p:txBody>
+          <a:bodyPr wrap="square" rtlCol="0">
+            <a:spAutoFit/>
+          </a:bodyPr>
+          <a:lstStyle/>
+          <a:p>
+            <a:r>
+              <a:rPr lang="en-US" sz="1200" dirty="0"/>
+              <a:t>-1.95</a:t>
+            </a:r>
+          </a:p>
+        </p:txBody>
+      </p:sp>
+      <p:sp>
+        <p:nvSpPr>
+          <p:cNvPr id="20" name="TextBox 19">
+            <a:extLst>
+              <a:ext uri="{FF2B5EF4-FFF2-40B4-BE49-F238E27FC236}">
+                <a16:creationId xmlns:a16="http://schemas.microsoft.com/office/drawing/2014/main" id="{9B78F790-04C2-CF4E-9EDC-4F2ED7889EB6}"/>
+              </a:ext>
+            </a:extLst>
+          </p:cNvPr>
+          <p:cNvSpPr txBox="1"/>
+          <p:nvPr/>
+        </p:nvSpPr>
+        <p:spPr>
+          <a:xfrm>
+            <a:off x="3096556" y="3145441"/>
+            <a:ext cx="523875" cy="276999"/>
+          </a:xfrm>
+          <a:prstGeom prst="rect">
+            <a:avLst/>
+          </a:prstGeom>
+          <a:noFill/>
+        </p:spPr>
+        <p:txBody>
+          <a:bodyPr wrap="square" rtlCol="0">
+            <a:spAutoFit/>
+          </a:bodyPr>
+          <a:lstStyle/>
+          <a:p>
+            <a:r>
+              <a:rPr lang="en-US" sz="1200" dirty="0"/>
+              <a:t>-3.90</a:t>
+            </a:r>
+          </a:p>
+        </p:txBody>
+      </p:sp>
+      <p:sp>
+        <p:nvSpPr>
+          <p:cNvPr id="21" name="TextBox 20">
+            <a:extLst>
+              <a:ext uri="{FF2B5EF4-FFF2-40B4-BE49-F238E27FC236}">
+                <a16:creationId xmlns:a16="http://schemas.microsoft.com/office/drawing/2014/main" id="{69A3D7D4-5030-6943-810C-A1ED7CF7ECDE}"/>
+              </a:ext>
+            </a:extLst>
+          </p:cNvPr>
+          <p:cNvSpPr txBox="1"/>
+          <p:nvPr/>
+        </p:nvSpPr>
+        <p:spPr>
+          <a:xfrm>
+            <a:off x="3491019" y="3098438"/>
+            <a:ext cx="523875" cy="276999"/>
+          </a:xfrm>
+          <a:prstGeom prst="rect">
+            <a:avLst/>
+          </a:prstGeom>
+          <a:noFill/>
+        </p:spPr>
+        <p:txBody>
+          <a:bodyPr wrap="square" rtlCol="0">
+            <a:spAutoFit/>
+          </a:bodyPr>
+          <a:lstStyle/>
+          <a:p>
+            <a:r>
+              <a:rPr lang="en-US" sz="1200" dirty="0"/>
+              <a:t>-3.73</a:t>
+            </a:r>
+          </a:p>
+        </p:txBody>
+      </p:sp>
+      <p:sp>
+        <p:nvSpPr>
+          <p:cNvPr id="22" name="TextBox 21">
+            <a:extLst>
+              <a:ext uri="{FF2B5EF4-FFF2-40B4-BE49-F238E27FC236}">
+                <a16:creationId xmlns:a16="http://schemas.microsoft.com/office/drawing/2014/main" id="{8A9195D1-5797-2340-B5BD-38A1B6FB8754}"/>
+              </a:ext>
+            </a:extLst>
+          </p:cNvPr>
+          <p:cNvSpPr txBox="1"/>
+          <p:nvPr/>
+        </p:nvSpPr>
+        <p:spPr>
+          <a:xfrm>
+            <a:off x="3864986" y="2912935"/>
+            <a:ext cx="523875" cy="276999"/>
+          </a:xfrm>
+          <a:prstGeom prst="rect">
+            <a:avLst/>
+          </a:prstGeom>
+          <a:noFill/>
+        </p:spPr>
+        <p:txBody>
+          <a:bodyPr wrap="square" rtlCol="0">
+            <a:spAutoFit/>
+          </a:bodyPr>
+          <a:lstStyle/>
+          <a:p>
+            <a:r>
+              <a:rPr lang="en-US" sz="1200" dirty="0"/>
+              <a:t>-3.24</a:t>
+            </a:r>
+          </a:p>
+        </p:txBody>
+      </p:sp>
+      <p:sp>
+        <p:nvSpPr>
+          <p:cNvPr id="24" name="TextBox 23">
+            <a:extLst>
+              <a:ext uri="{FF2B5EF4-FFF2-40B4-BE49-F238E27FC236}">
+                <a16:creationId xmlns:a16="http://schemas.microsoft.com/office/drawing/2014/main" id="{EFCE2151-83C4-9745-840B-38F85ABC395D}"/>
+              </a:ext>
+            </a:extLst>
+          </p:cNvPr>
+          <p:cNvSpPr txBox="1"/>
+          <p:nvPr/>
+        </p:nvSpPr>
+        <p:spPr>
+          <a:xfrm>
+            <a:off x="4258428" y="3780329"/>
+            <a:ext cx="523875" cy="276999"/>
+          </a:xfrm>
+          <a:prstGeom prst="rect">
+            <a:avLst/>
+          </a:prstGeom>
+          <a:noFill/>
+        </p:spPr>
+        <p:txBody>
+          <a:bodyPr wrap="square" rtlCol="0">
+            <a:spAutoFit/>
+          </a:bodyPr>
+          <a:lstStyle/>
+          <a:p>
+            <a:r>
+              <a:rPr lang="en-US" sz="1200" dirty="0"/>
+              <a:t>-5.73</a:t>
+            </a:r>
+          </a:p>
+        </p:txBody>
+      </p:sp>
+      <p:sp>
+        <p:nvSpPr>
+          <p:cNvPr id="25" name="TextBox 24">
+            <a:extLst>
+              <a:ext uri="{FF2B5EF4-FFF2-40B4-BE49-F238E27FC236}">
+                <a16:creationId xmlns:a16="http://schemas.microsoft.com/office/drawing/2014/main" id="{6706688E-4C2E-4541-8A50-7ED8DAA97B94}"/>
+              </a:ext>
+            </a:extLst>
+          </p:cNvPr>
+          <p:cNvSpPr txBox="1"/>
+          <p:nvPr/>
+        </p:nvSpPr>
+        <p:spPr>
+          <a:xfrm>
+            <a:off x="4628774" y="3208132"/>
+            <a:ext cx="523875" cy="276999"/>
+          </a:xfrm>
+          <a:prstGeom prst="rect">
+            <a:avLst/>
+          </a:prstGeom>
+          <a:noFill/>
+        </p:spPr>
+        <p:txBody>
+          <a:bodyPr wrap="square" rtlCol="0">
+            <a:spAutoFit/>
+          </a:bodyPr>
+          <a:lstStyle/>
+          <a:p>
+            <a:r>
+              <a:rPr lang="en-US" sz="1200" dirty="0"/>
+              <a:t>-4.01</a:t>
+            </a:r>
+          </a:p>
+        </p:txBody>
+      </p:sp>
+      <p:sp>
+        <p:nvSpPr>
+          <p:cNvPr id="26" name="TextBox 25">
+            <a:extLst>
+              <a:ext uri="{FF2B5EF4-FFF2-40B4-BE49-F238E27FC236}">
+                <a16:creationId xmlns:a16="http://schemas.microsoft.com/office/drawing/2014/main" id="{4F03931E-220B-1A40-8FAE-85E0A8CE58C9}"/>
+              </a:ext>
+            </a:extLst>
+          </p:cNvPr>
+          <p:cNvSpPr txBox="1"/>
+          <p:nvPr/>
+        </p:nvSpPr>
+        <p:spPr>
+          <a:xfrm>
+            <a:off x="5028378" y="1778020"/>
+            <a:ext cx="523875" cy="276999"/>
+          </a:xfrm>
+          <a:prstGeom prst="rect">
+            <a:avLst/>
+          </a:prstGeom>
+          <a:noFill/>
+        </p:spPr>
+        <p:txBody>
+          <a:bodyPr wrap="square" rtlCol="0">
+            <a:spAutoFit/>
+          </a:bodyPr>
+          <a:lstStyle/>
+          <a:p>
+            <a:r>
+              <a:rPr lang="en-US" sz="1200" dirty="0"/>
+              <a:t>0.07</a:t>
+            </a:r>
+          </a:p>
+        </p:txBody>
+      </p:sp>
+      <p:sp>
+        <p:nvSpPr>
+          <p:cNvPr id="28" name="TextBox 27">
+            <a:extLst>
+              <a:ext uri="{FF2B5EF4-FFF2-40B4-BE49-F238E27FC236}">
+                <a16:creationId xmlns:a16="http://schemas.microsoft.com/office/drawing/2014/main" id="{4BD1F7F3-A56D-5D44-B3AA-E5F3E0EFABDE}"/>
+              </a:ext>
+            </a:extLst>
+          </p:cNvPr>
+          <p:cNvSpPr txBox="1"/>
+          <p:nvPr/>
+        </p:nvSpPr>
+        <p:spPr>
+          <a:xfrm>
+            <a:off x="6287470" y="1258487"/>
+            <a:ext cx="523875" cy="276999"/>
+          </a:xfrm>
+          <a:prstGeom prst="rect">
+            <a:avLst/>
+          </a:prstGeom>
+          <a:noFill/>
+        </p:spPr>
+        <p:txBody>
+          <a:bodyPr wrap="square" rtlCol="0">
+            <a:spAutoFit/>
+          </a:bodyPr>
+          <a:lstStyle/>
+          <a:p>
+            <a:r>
+              <a:rPr lang="en-US" sz="1200" dirty="0"/>
+              <a:t>-1.14</a:t>
+            </a:r>
+          </a:p>
+        </p:txBody>
+      </p:sp>
+      <p:sp>
+        <p:nvSpPr>
+          <p:cNvPr id="29" name="TextBox 28">
+            <a:extLst>
+              <a:ext uri="{FF2B5EF4-FFF2-40B4-BE49-F238E27FC236}">
+                <a16:creationId xmlns:a16="http://schemas.microsoft.com/office/drawing/2014/main" id="{FCD9A69D-A6A5-654B-937A-CB45968A04CB}"/>
+              </a:ext>
+            </a:extLst>
+          </p:cNvPr>
+          <p:cNvSpPr txBox="1"/>
+          <p:nvPr/>
+        </p:nvSpPr>
+        <p:spPr>
+          <a:xfrm>
+            <a:off x="6589936" y="954633"/>
+            <a:ext cx="523875" cy="276999"/>
+          </a:xfrm>
+          <a:prstGeom prst="rect">
+            <a:avLst/>
+          </a:prstGeom>
+          <a:noFill/>
+        </p:spPr>
+        <p:txBody>
+          <a:bodyPr wrap="square" rtlCol="0">
+            <a:spAutoFit/>
+          </a:bodyPr>
+          <a:lstStyle/>
+          <a:p>
+            <a:r>
+              <a:rPr lang="en-US" sz="1200" dirty="0"/>
+              <a:t>-0.25</a:t>
+            </a:r>
+          </a:p>
+        </p:txBody>
+      </p:sp>
+      <p:sp>
+        <p:nvSpPr>
+          <p:cNvPr id="30" name="TextBox 29">
+            <a:extLst>
+              <a:ext uri="{FF2B5EF4-FFF2-40B4-BE49-F238E27FC236}">
+                <a16:creationId xmlns:a16="http://schemas.microsoft.com/office/drawing/2014/main" id="{2616E4BB-03BE-AE44-A373-23181086A32C}"/>
+              </a:ext>
+            </a:extLst>
+          </p:cNvPr>
+          <p:cNvSpPr txBox="1"/>
+          <p:nvPr/>
+        </p:nvSpPr>
+        <p:spPr>
+          <a:xfrm>
+            <a:off x="6891881" y="1729938"/>
+            <a:ext cx="523875" cy="276999"/>
+          </a:xfrm>
+          <a:prstGeom prst="rect">
+            <a:avLst/>
+          </a:prstGeom>
+          <a:noFill/>
+        </p:spPr>
+        <p:txBody>
+          <a:bodyPr wrap="square" rtlCol="0">
+            <a:spAutoFit/>
+          </a:bodyPr>
+          <a:lstStyle/>
+          <a:p>
+            <a:r>
+              <a:rPr lang="en-US" sz="1200" dirty="0"/>
+              <a:t>-1.95</a:t>
+            </a:r>
+          </a:p>
+        </p:txBody>
+      </p:sp>
+      <p:sp>
+        <p:nvSpPr>
+          <p:cNvPr id="31" name="TextBox 30">
+            <a:extLst>
+              <a:ext uri="{FF2B5EF4-FFF2-40B4-BE49-F238E27FC236}">
+                <a16:creationId xmlns:a16="http://schemas.microsoft.com/office/drawing/2014/main" id="{DB972D53-8CFA-CE46-BA60-BE43E0B4757A}"/>
+              </a:ext>
+            </a:extLst>
+          </p:cNvPr>
+          <p:cNvSpPr txBox="1"/>
+          <p:nvPr/>
+        </p:nvSpPr>
+        <p:spPr>
+          <a:xfrm>
+            <a:off x="7222028" y="1939113"/>
+            <a:ext cx="523875" cy="276999"/>
+          </a:xfrm>
+          <a:prstGeom prst="rect">
+            <a:avLst/>
+          </a:prstGeom>
+          <a:noFill/>
+        </p:spPr>
+        <p:txBody>
+          <a:bodyPr wrap="square" rtlCol="0">
+            <a:spAutoFit/>
+          </a:bodyPr>
+          <a:lstStyle/>
+          <a:p>
+            <a:r>
+              <a:rPr lang="en-US" sz="1200" dirty="0"/>
+              <a:t>-3.90</a:t>
+            </a:r>
+          </a:p>
+        </p:txBody>
+      </p:sp>
+      <p:sp>
+        <p:nvSpPr>
+          <p:cNvPr id="32" name="TextBox 31">
+            <a:extLst>
+              <a:ext uri="{FF2B5EF4-FFF2-40B4-BE49-F238E27FC236}">
+                <a16:creationId xmlns:a16="http://schemas.microsoft.com/office/drawing/2014/main" id="{25306C66-BAFC-EB49-9B5D-6E263E4E7C43}"/>
+              </a:ext>
+            </a:extLst>
+          </p:cNvPr>
+          <p:cNvSpPr txBox="1"/>
+          <p:nvPr/>
+        </p:nvSpPr>
+        <p:spPr>
+          <a:xfrm>
+            <a:off x="7511905" y="2208042"/>
+            <a:ext cx="523875" cy="276999"/>
+          </a:xfrm>
+          <a:prstGeom prst="rect">
+            <a:avLst/>
+          </a:prstGeom>
+          <a:noFill/>
+        </p:spPr>
+        <p:txBody>
+          <a:bodyPr wrap="square" rtlCol="0">
+            <a:spAutoFit/>
+          </a:bodyPr>
+          <a:lstStyle/>
+          <a:p>
+            <a:r>
+              <a:rPr lang="en-US" sz="1200" dirty="0"/>
+              <a:t>-3.73</a:t>
+            </a:r>
+          </a:p>
+        </p:txBody>
+      </p:sp>
+      <p:sp>
+        <p:nvSpPr>
+          <p:cNvPr id="33" name="TextBox 32">
+            <a:extLst>
+              <a:ext uri="{FF2B5EF4-FFF2-40B4-BE49-F238E27FC236}">
+                <a16:creationId xmlns:a16="http://schemas.microsoft.com/office/drawing/2014/main" id="{D3AC141D-AF22-2742-A44E-5CB8DBBA96E0}"/>
+              </a:ext>
+            </a:extLst>
+          </p:cNvPr>
+          <p:cNvSpPr txBox="1"/>
+          <p:nvPr/>
+        </p:nvSpPr>
+        <p:spPr>
+          <a:xfrm>
+            <a:off x="6027353" y="3652119"/>
+            <a:ext cx="523875" cy="276999"/>
+          </a:xfrm>
+          <a:prstGeom prst="rect">
+            <a:avLst/>
+          </a:prstGeom>
+          <a:noFill/>
+        </p:spPr>
+        <p:txBody>
+          <a:bodyPr wrap="square" rtlCol="0">
+            <a:spAutoFit/>
+          </a:bodyPr>
+          <a:lstStyle/>
+          <a:p>
+            <a:r>
+              <a:rPr lang="en-US" sz="1200" dirty="0"/>
+              <a:t>0.00</a:t>
+            </a:r>
+          </a:p>
+        </p:txBody>
+      </p:sp>
+      <p:sp>
+        <p:nvSpPr>
+          <p:cNvPr id="35" name="TextBox 34">
+            <a:extLst>
+              <a:ext uri="{FF2B5EF4-FFF2-40B4-BE49-F238E27FC236}">
+                <a16:creationId xmlns:a16="http://schemas.microsoft.com/office/drawing/2014/main" id="{F066BD9C-3BBC-1B4C-8689-C72573D71093}"/>
+              </a:ext>
+            </a:extLst>
+          </p:cNvPr>
+          <p:cNvSpPr txBox="1"/>
+          <p:nvPr/>
+        </p:nvSpPr>
+        <p:spPr>
+          <a:xfrm>
+            <a:off x="6596906" y="3737927"/>
+            <a:ext cx="523875" cy="276999"/>
+          </a:xfrm>
+          <a:prstGeom prst="rect">
+            <a:avLst/>
+          </a:prstGeom>
+          <a:noFill/>
+        </p:spPr>
+        <p:txBody>
+          <a:bodyPr wrap="square" rtlCol="0">
+            <a:spAutoFit/>
+          </a:bodyPr>
+          <a:lstStyle/>
+          <a:p>
+            <a:r>
+              <a:rPr lang="en-US" sz="1200" dirty="0"/>
+              <a:t>-0.25</a:t>
+            </a:r>
+          </a:p>
+        </p:txBody>
+      </p:sp>
+      <p:sp>
+        <p:nvSpPr>
+          <p:cNvPr id="36" name="TextBox 35">
+            <a:extLst>
+              <a:ext uri="{FF2B5EF4-FFF2-40B4-BE49-F238E27FC236}">
+                <a16:creationId xmlns:a16="http://schemas.microsoft.com/office/drawing/2014/main" id="{16218011-B232-6746-9A07-CC55B3CF4409}"/>
+              </a:ext>
+            </a:extLst>
+          </p:cNvPr>
+          <p:cNvSpPr txBox="1"/>
+          <p:nvPr/>
+        </p:nvSpPr>
+        <p:spPr>
+          <a:xfrm>
+            <a:off x="6858843" y="4375460"/>
+            <a:ext cx="523875" cy="276999"/>
+          </a:xfrm>
+          <a:prstGeom prst="rect">
+            <a:avLst/>
+          </a:prstGeom>
+          <a:noFill/>
+        </p:spPr>
+        <p:txBody>
+          <a:bodyPr wrap="square" rtlCol="0">
+            <a:spAutoFit/>
+          </a:bodyPr>
+          <a:lstStyle/>
+          <a:p>
+            <a:r>
+              <a:rPr lang="en-US" sz="1200" dirty="0"/>
+              <a:t>-1.95</a:t>
+            </a:r>
+          </a:p>
+        </p:txBody>
+      </p:sp>
+      <p:sp>
+        <p:nvSpPr>
+          <p:cNvPr id="37" name="TextBox 36">
+            <a:extLst>
+              <a:ext uri="{FF2B5EF4-FFF2-40B4-BE49-F238E27FC236}">
+                <a16:creationId xmlns:a16="http://schemas.microsoft.com/office/drawing/2014/main" id="{D431CDE8-B172-5A4D-8017-566B9C5B1521}"/>
+              </a:ext>
+            </a:extLst>
+          </p:cNvPr>
+          <p:cNvSpPr txBox="1"/>
+          <p:nvPr/>
+        </p:nvSpPr>
+        <p:spPr>
+          <a:xfrm>
+            <a:off x="7153818" y="4632529"/>
+            <a:ext cx="523875" cy="276999"/>
+          </a:xfrm>
+          <a:prstGeom prst="rect">
+            <a:avLst/>
+          </a:prstGeom>
+          <a:noFill/>
+        </p:spPr>
+        <p:txBody>
+          <a:bodyPr wrap="square" rtlCol="0">
+            <a:spAutoFit/>
+          </a:bodyPr>
+          <a:lstStyle/>
+          <a:p>
+            <a:r>
+              <a:rPr lang="en-US" sz="1200" dirty="0"/>
+              <a:t>-3.90</a:t>
+            </a:r>
+          </a:p>
+        </p:txBody>
+      </p:sp>
+      <p:sp>
+        <p:nvSpPr>
+          <p:cNvPr id="38" name="TextBox 37">
+            <a:extLst>
+              <a:ext uri="{FF2B5EF4-FFF2-40B4-BE49-F238E27FC236}">
+                <a16:creationId xmlns:a16="http://schemas.microsoft.com/office/drawing/2014/main" id="{4CD1E3CE-1045-4646-9183-66E5350A9BB4}"/>
+              </a:ext>
+            </a:extLst>
+          </p:cNvPr>
+          <p:cNvSpPr txBox="1"/>
+          <p:nvPr/>
+        </p:nvSpPr>
+        <p:spPr>
+          <a:xfrm>
+            <a:off x="7506447" y="4855338"/>
+            <a:ext cx="523875" cy="276999"/>
+          </a:xfrm>
+          <a:prstGeom prst="rect">
+            <a:avLst/>
+          </a:prstGeom>
+          <a:noFill/>
+        </p:spPr>
+        <p:txBody>
+          <a:bodyPr wrap="square" rtlCol="0">
+            <a:spAutoFit/>
+          </a:bodyPr>
+          <a:lstStyle/>
+          <a:p>
+            <a:r>
+              <a:rPr lang="en-US" sz="1200" dirty="0"/>
+              <a:t>-3.73</a:t>
+            </a:r>
+          </a:p>
+        </p:txBody>
+      </p:sp>
+      <p:sp>
+        <p:nvSpPr>
+          <p:cNvPr id="45" name="TextBox 44">
+            <a:extLst>
+              <a:ext uri="{FF2B5EF4-FFF2-40B4-BE49-F238E27FC236}">
+                <a16:creationId xmlns:a16="http://schemas.microsoft.com/office/drawing/2014/main" id="{EB574083-8A8A-7B45-A7E1-9F8E34C7F9B5}"/>
+              </a:ext>
+            </a:extLst>
+          </p:cNvPr>
+          <p:cNvSpPr txBox="1"/>
+          <p:nvPr/>
+        </p:nvSpPr>
+        <p:spPr>
+          <a:xfrm>
+            <a:off x="6008985" y="927779"/>
+            <a:ext cx="523875" cy="276999"/>
+          </a:xfrm>
+          <a:prstGeom prst="rect">
+            <a:avLst/>
+          </a:prstGeom>
+          <a:noFill/>
+        </p:spPr>
+        <p:txBody>
+          <a:bodyPr wrap="square" rtlCol="0">
+            <a:spAutoFit/>
+          </a:bodyPr>
+          <a:lstStyle/>
+          <a:p>
+            <a:r>
+              <a:rPr lang="en-US" sz="1200" dirty="0"/>
+              <a:t>0.00</a:t>
+            </a:r>
+          </a:p>
+        </p:txBody>
+      </p:sp>
+      <p:sp>
+        <p:nvSpPr>
+          <p:cNvPr id="47" name="TextBox 46">
+            <a:extLst>
+              <a:ext uri="{FF2B5EF4-FFF2-40B4-BE49-F238E27FC236}">
+                <a16:creationId xmlns:a16="http://schemas.microsoft.com/office/drawing/2014/main" id="{DD07597F-BEAA-E246-9975-AFC3AF64502E}"/>
+              </a:ext>
+            </a:extLst>
+          </p:cNvPr>
+          <p:cNvSpPr txBox="1"/>
+          <p:nvPr/>
+        </p:nvSpPr>
+        <p:spPr>
+          <a:xfrm>
+            <a:off x="6929151" y="1278095"/>
+            <a:ext cx="523875" cy="276999"/>
+          </a:xfrm>
+          <a:prstGeom prst="rect">
+            <a:avLst/>
+          </a:prstGeom>
+          <a:noFill/>
+        </p:spPr>
+        <p:txBody>
+          <a:bodyPr wrap="square" rtlCol="0">
+            <a:spAutoFit/>
+          </a:bodyPr>
+          <a:lstStyle/>
+          <a:p>
+            <a:r>
+              <a:rPr lang="en-US" sz="1200" dirty="0">
+                <a:solidFill>
+                  <a:srgbClr val="1A00FF"/>
+                </a:solidFill>
+              </a:rPr>
+              <a:t>-1.24</a:t>
+            </a:r>
+          </a:p>
+        </p:txBody>
+      </p:sp>
+      <p:sp>
+        <p:nvSpPr>
+          <p:cNvPr id="49" name="TextBox 48">
+            <a:extLst>
+              <a:ext uri="{FF2B5EF4-FFF2-40B4-BE49-F238E27FC236}">
+                <a16:creationId xmlns:a16="http://schemas.microsoft.com/office/drawing/2014/main" id="{B6F9D16D-97C7-B64E-9013-15B27E1F2AF0}"/>
+              </a:ext>
+            </a:extLst>
+          </p:cNvPr>
+          <p:cNvSpPr txBox="1"/>
+          <p:nvPr/>
+        </p:nvSpPr>
+        <p:spPr>
+          <a:xfrm>
+            <a:off x="7511905" y="1757206"/>
+            <a:ext cx="523875" cy="276999"/>
+          </a:xfrm>
+          <a:prstGeom prst="rect">
+            <a:avLst/>
+          </a:prstGeom>
+          <a:noFill/>
+        </p:spPr>
+        <p:txBody>
+          <a:bodyPr wrap="square" rtlCol="0">
+            <a:spAutoFit/>
+          </a:bodyPr>
+          <a:lstStyle/>
+          <a:p>
+            <a:r>
+              <a:rPr lang="en-US" sz="1200" dirty="0">
+                <a:solidFill>
+                  <a:srgbClr val="1A00FF"/>
+                </a:solidFill>
+              </a:rPr>
+              <a:t>-3.18</a:t>
+            </a:r>
+          </a:p>
+        </p:txBody>
+      </p:sp>
+      <p:sp>
+        <p:nvSpPr>
+          <p:cNvPr id="50" name="TextBox 49">
+            <a:extLst>
+              <a:ext uri="{FF2B5EF4-FFF2-40B4-BE49-F238E27FC236}">
+                <a16:creationId xmlns:a16="http://schemas.microsoft.com/office/drawing/2014/main" id="{F787F7CA-0DBB-C140-84F8-A4AF0EF79B07}"/>
+              </a:ext>
+            </a:extLst>
+          </p:cNvPr>
+          <p:cNvSpPr txBox="1"/>
+          <p:nvPr/>
+        </p:nvSpPr>
+        <p:spPr>
+          <a:xfrm>
+            <a:off x="7838930" y="1547661"/>
+            <a:ext cx="523875" cy="276999"/>
+          </a:xfrm>
+          <a:prstGeom prst="rect">
+            <a:avLst/>
+          </a:prstGeom>
+          <a:noFill/>
+        </p:spPr>
+        <p:txBody>
+          <a:bodyPr wrap="square" rtlCol="0">
+            <a:spAutoFit/>
+          </a:bodyPr>
+          <a:lstStyle/>
+          <a:p>
+            <a:r>
+              <a:rPr lang="en-US" sz="1200" dirty="0">
+                <a:solidFill>
+                  <a:srgbClr val="FF0505"/>
+                </a:solidFill>
+              </a:rPr>
+              <a:t>-2.35</a:t>
+            </a:r>
+          </a:p>
+        </p:txBody>
+      </p:sp>
+      <p:sp>
+        <p:nvSpPr>
+          <p:cNvPr id="51" name="TextBox 50">
+            <a:extLst>
+              <a:ext uri="{FF2B5EF4-FFF2-40B4-BE49-F238E27FC236}">
+                <a16:creationId xmlns:a16="http://schemas.microsoft.com/office/drawing/2014/main" id="{5C43FEA6-DF63-2948-AED9-503767E3F46D}"/>
+              </a:ext>
+            </a:extLst>
+          </p:cNvPr>
+          <p:cNvSpPr txBox="1"/>
+          <p:nvPr/>
+        </p:nvSpPr>
+        <p:spPr>
+          <a:xfrm>
+            <a:off x="8156904" y="1934954"/>
+            <a:ext cx="523875" cy="276999"/>
+          </a:xfrm>
+          <a:prstGeom prst="rect">
+            <a:avLst/>
+          </a:prstGeom>
+          <a:noFill/>
+        </p:spPr>
+        <p:txBody>
+          <a:bodyPr wrap="square" rtlCol="0">
+            <a:spAutoFit/>
+          </a:bodyPr>
+          <a:lstStyle/>
+          <a:p>
+            <a:r>
+              <a:rPr lang="en-US" sz="1200" dirty="0">
+                <a:solidFill>
+                  <a:srgbClr val="FF0505"/>
+                </a:solidFill>
+              </a:rPr>
+              <a:t>-3.94</a:t>
+            </a:r>
+          </a:p>
+        </p:txBody>
+      </p:sp>
+      <p:sp>
+        <p:nvSpPr>
+          <p:cNvPr id="52" name="TextBox 51">
+            <a:extLst>
+              <a:ext uri="{FF2B5EF4-FFF2-40B4-BE49-F238E27FC236}">
+                <a16:creationId xmlns:a16="http://schemas.microsoft.com/office/drawing/2014/main" id="{1A7AF61B-1AF8-3949-B280-464B26DEBC04}"/>
+              </a:ext>
+            </a:extLst>
+          </p:cNvPr>
+          <p:cNvSpPr txBox="1"/>
+          <p:nvPr/>
+        </p:nvSpPr>
+        <p:spPr>
+          <a:xfrm>
+            <a:off x="8474889" y="1448846"/>
+            <a:ext cx="523875" cy="276999"/>
+          </a:xfrm>
+          <a:prstGeom prst="rect">
+            <a:avLst/>
+          </a:prstGeom>
+          <a:noFill/>
+        </p:spPr>
+        <p:txBody>
+          <a:bodyPr wrap="square" rtlCol="0">
+            <a:spAutoFit/>
+          </a:bodyPr>
+          <a:lstStyle/>
+          <a:p>
+            <a:r>
+              <a:rPr lang="en-US" sz="1200" dirty="0">
+                <a:solidFill>
+                  <a:srgbClr val="FF0505"/>
+                </a:solidFill>
+              </a:rPr>
+              <a:t>-1.93</a:t>
+            </a:r>
+          </a:p>
+        </p:txBody>
+      </p:sp>
+      <p:sp>
+        <p:nvSpPr>
+          <p:cNvPr id="53" name="TextBox 52">
+            <a:extLst>
+              <a:ext uri="{FF2B5EF4-FFF2-40B4-BE49-F238E27FC236}">
+                <a16:creationId xmlns:a16="http://schemas.microsoft.com/office/drawing/2014/main" id="{FD996A90-0280-9940-A1E3-9CD7F12564F6}"/>
+              </a:ext>
+            </a:extLst>
+          </p:cNvPr>
+          <p:cNvSpPr txBox="1"/>
+          <p:nvPr/>
+        </p:nvSpPr>
+        <p:spPr>
+          <a:xfrm>
+            <a:off x="8744644" y="1995875"/>
+            <a:ext cx="523875" cy="276999"/>
+          </a:xfrm>
+          <a:prstGeom prst="rect">
+            <a:avLst/>
+          </a:prstGeom>
+          <a:noFill/>
+        </p:spPr>
+        <p:txBody>
+          <a:bodyPr wrap="square" rtlCol="0">
+            <a:spAutoFit/>
+          </a:bodyPr>
+          <a:lstStyle/>
+          <a:p>
+            <a:r>
+              <a:rPr lang="en-US" sz="1200" dirty="0">
+                <a:solidFill>
+                  <a:srgbClr val="FF0505"/>
+                </a:solidFill>
+              </a:rPr>
+              <a:t>-4.11</a:t>
+            </a:r>
+          </a:p>
+        </p:txBody>
+      </p:sp>
+      <p:sp>
+        <p:nvSpPr>
+          <p:cNvPr id="54" name="TextBox 53">
+            <a:extLst>
+              <a:ext uri="{FF2B5EF4-FFF2-40B4-BE49-F238E27FC236}">
+                <a16:creationId xmlns:a16="http://schemas.microsoft.com/office/drawing/2014/main" id="{FBAB1DA8-C00A-1B4F-9909-D04882D343F9}"/>
+              </a:ext>
+            </a:extLst>
+          </p:cNvPr>
+          <p:cNvSpPr txBox="1"/>
+          <p:nvPr/>
+        </p:nvSpPr>
+        <p:spPr>
+          <a:xfrm>
+            <a:off x="9102685" y="1939113"/>
+            <a:ext cx="523875" cy="276999"/>
+          </a:xfrm>
+          <a:prstGeom prst="rect">
+            <a:avLst/>
+          </a:prstGeom>
+          <a:noFill/>
+        </p:spPr>
+        <p:txBody>
+          <a:bodyPr wrap="square" rtlCol="0">
+            <a:spAutoFit/>
+          </a:bodyPr>
+          <a:lstStyle/>
+          <a:p>
+            <a:r>
+              <a:rPr lang="en-US" sz="1200" dirty="0">
+                <a:solidFill>
+                  <a:srgbClr val="FF0505"/>
+                </a:solidFill>
+              </a:rPr>
+              <a:t>-3.97</a:t>
+            </a:r>
+          </a:p>
+        </p:txBody>
+      </p:sp>
+      <p:sp>
+        <p:nvSpPr>
+          <p:cNvPr id="55" name="TextBox 54">
+            <a:extLst>
+              <a:ext uri="{FF2B5EF4-FFF2-40B4-BE49-F238E27FC236}">
+                <a16:creationId xmlns:a16="http://schemas.microsoft.com/office/drawing/2014/main" id="{7830D3D1-6DF6-E64B-889C-6EEF43F602B0}"/>
+              </a:ext>
+            </a:extLst>
+          </p:cNvPr>
+          <p:cNvSpPr txBox="1"/>
+          <p:nvPr/>
+        </p:nvSpPr>
+        <p:spPr>
+          <a:xfrm>
+            <a:off x="9401415" y="1535486"/>
+            <a:ext cx="523875" cy="276999"/>
+          </a:xfrm>
+          <a:prstGeom prst="rect">
+            <a:avLst/>
+          </a:prstGeom>
+          <a:noFill/>
+        </p:spPr>
+        <p:txBody>
+          <a:bodyPr wrap="square" rtlCol="0">
+            <a:spAutoFit/>
+          </a:bodyPr>
+          <a:lstStyle/>
+          <a:p>
+            <a:r>
+              <a:rPr lang="en-US" sz="1200" dirty="0">
+                <a:solidFill>
+                  <a:srgbClr val="FF0505"/>
+                </a:solidFill>
+              </a:rPr>
+              <a:t>-2.25</a:t>
+            </a:r>
+          </a:p>
+        </p:txBody>
+      </p:sp>
+      <p:sp>
+        <p:nvSpPr>
+          <p:cNvPr id="56" name="TextBox 55">
+            <a:extLst>
+              <a:ext uri="{FF2B5EF4-FFF2-40B4-BE49-F238E27FC236}">
+                <a16:creationId xmlns:a16="http://schemas.microsoft.com/office/drawing/2014/main" id="{9EACB232-5C5A-9341-A206-F465960EC0C2}"/>
+              </a:ext>
+            </a:extLst>
+          </p:cNvPr>
+          <p:cNvSpPr txBox="1"/>
+          <p:nvPr/>
+        </p:nvSpPr>
+        <p:spPr>
+          <a:xfrm>
+            <a:off x="9709390" y="754436"/>
+            <a:ext cx="618550" cy="276999"/>
+          </a:xfrm>
+          <a:prstGeom prst="rect">
+            <a:avLst/>
+          </a:prstGeom>
+          <a:noFill/>
+        </p:spPr>
+        <p:txBody>
+          <a:bodyPr wrap="square" rtlCol="0">
+            <a:spAutoFit/>
+          </a:bodyPr>
+          <a:lstStyle/>
+          <a:p>
+            <a:r>
+              <a:rPr lang="en-US" sz="1200" dirty="0">
+                <a:solidFill>
+                  <a:srgbClr val="FF0505"/>
+                </a:solidFill>
+              </a:rPr>
+              <a:t>+1.83</a:t>
+            </a:r>
+          </a:p>
+        </p:txBody>
+      </p:sp>
+      <p:sp>
+        <p:nvSpPr>
+          <p:cNvPr id="57" name="TextBox 56">
+            <a:extLst>
+              <a:ext uri="{FF2B5EF4-FFF2-40B4-BE49-F238E27FC236}">
+                <a16:creationId xmlns:a16="http://schemas.microsoft.com/office/drawing/2014/main" id="{34571352-8262-A341-BA01-0B1DDBD1D9D1}"/>
+              </a:ext>
+            </a:extLst>
+          </p:cNvPr>
+          <p:cNvSpPr txBox="1"/>
+          <p:nvPr/>
+        </p:nvSpPr>
+        <p:spPr>
+          <a:xfrm>
+            <a:off x="6922890" y="3969926"/>
+            <a:ext cx="523875" cy="276999"/>
+          </a:xfrm>
+          <a:prstGeom prst="rect">
+            <a:avLst/>
+          </a:prstGeom>
+          <a:noFill/>
+        </p:spPr>
+        <p:txBody>
+          <a:bodyPr wrap="square" rtlCol="0">
+            <a:spAutoFit/>
+          </a:bodyPr>
+          <a:lstStyle/>
+          <a:p>
+            <a:r>
+              <a:rPr lang="en-US" sz="1200" dirty="0">
+                <a:solidFill>
+                  <a:srgbClr val="1A00FF"/>
+                </a:solidFill>
+              </a:rPr>
+              <a:t>-1.24</a:t>
+            </a:r>
+          </a:p>
+        </p:txBody>
+      </p:sp>
+      <p:sp>
+        <p:nvSpPr>
+          <p:cNvPr id="58" name="TextBox 57">
+            <a:extLst>
+              <a:ext uri="{FF2B5EF4-FFF2-40B4-BE49-F238E27FC236}">
+                <a16:creationId xmlns:a16="http://schemas.microsoft.com/office/drawing/2014/main" id="{02838A6B-51E1-6440-B3BE-673A57ED0FA5}"/>
+              </a:ext>
+            </a:extLst>
+          </p:cNvPr>
+          <p:cNvSpPr txBox="1"/>
+          <p:nvPr/>
+        </p:nvSpPr>
+        <p:spPr>
+          <a:xfrm>
+            <a:off x="7506446" y="4449804"/>
+            <a:ext cx="523875" cy="276999"/>
+          </a:xfrm>
+          <a:prstGeom prst="rect">
+            <a:avLst/>
+          </a:prstGeom>
+          <a:noFill/>
+        </p:spPr>
+        <p:txBody>
+          <a:bodyPr wrap="square" rtlCol="0">
+            <a:spAutoFit/>
+          </a:bodyPr>
+          <a:lstStyle/>
+          <a:p>
+            <a:r>
+              <a:rPr lang="en-US" sz="1200" dirty="0">
+                <a:solidFill>
+                  <a:srgbClr val="1A00FF"/>
+                </a:solidFill>
+              </a:rPr>
+              <a:t>-3.18</a:t>
+            </a:r>
+          </a:p>
+        </p:txBody>
+      </p:sp>
+      <p:sp>
+        <p:nvSpPr>
+          <p:cNvPr id="60" name="TextBox 59">
+            <a:extLst>
+              <a:ext uri="{FF2B5EF4-FFF2-40B4-BE49-F238E27FC236}">
+                <a16:creationId xmlns:a16="http://schemas.microsoft.com/office/drawing/2014/main" id="{6D61E6B5-622B-D947-8363-F205506F221A}"/>
+              </a:ext>
+            </a:extLst>
+          </p:cNvPr>
+          <p:cNvSpPr txBox="1"/>
+          <p:nvPr/>
+        </p:nvSpPr>
+        <p:spPr>
+          <a:xfrm>
+            <a:off x="6270922" y="3928149"/>
+            <a:ext cx="523875" cy="276999"/>
+          </a:xfrm>
+          <a:prstGeom prst="rect">
+            <a:avLst/>
+          </a:prstGeom>
+          <a:noFill/>
+        </p:spPr>
+        <p:txBody>
+          <a:bodyPr wrap="square" rtlCol="0">
+            <a:spAutoFit/>
+          </a:bodyPr>
+          <a:lstStyle/>
+          <a:p>
+            <a:r>
+              <a:rPr lang="en-US" sz="1200" dirty="0"/>
+              <a:t>-1.14</a:t>
+            </a:r>
+          </a:p>
+        </p:txBody>
+      </p:sp>
+      <p:sp>
+        <p:nvSpPr>
+          <p:cNvPr id="61" name="TextBox 60">
+            <a:extLst>
+              <a:ext uri="{FF2B5EF4-FFF2-40B4-BE49-F238E27FC236}">
+                <a16:creationId xmlns:a16="http://schemas.microsoft.com/office/drawing/2014/main" id="{8C001FBB-F7E2-954E-913E-3A896F4261D5}"/>
+              </a:ext>
+            </a:extLst>
+          </p:cNvPr>
+          <p:cNvSpPr txBox="1"/>
+          <p:nvPr/>
+        </p:nvSpPr>
+        <p:spPr>
+          <a:xfrm>
+            <a:off x="7858977" y="4395995"/>
+            <a:ext cx="523875" cy="276999"/>
+          </a:xfrm>
+          <a:prstGeom prst="rect">
+            <a:avLst/>
+          </a:prstGeom>
+          <a:noFill/>
+        </p:spPr>
+        <p:txBody>
+          <a:bodyPr wrap="square" rtlCol="0">
+            <a:spAutoFit/>
+          </a:bodyPr>
+          <a:lstStyle/>
+          <a:p>
+            <a:r>
+              <a:rPr lang="en-US" sz="1200" dirty="0">
+                <a:solidFill>
+                  <a:srgbClr val="DBA520"/>
+                </a:solidFill>
+              </a:rPr>
+              <a:t>-3.02</a:t>
+            </a:r>
+          </a:p>
+        </p:txBody>
+      </p:sp>
+      <p:sp>
+        <p:nvSpPr>
+          <p:cNvPr id="63" name="TextBox 62">
+            <a:extLst>
+              <a:ext uri="{FF2B5EF4-FFF2-40B4-BE49-F238E27FC236}">
+                <a16:creationId xmlns:a16="http://schemas.microsoft.com/office/drawing/2014/main" id="{2BA87480-392F-3F4F-AD3D-114E28323D80}"/>
+              </a:ext>
+            </a:extLst>
+          </p:cNvPr>
+          <p:cNvSpPr txBox="1"/>
+          <p:nvPr/>
+        </p:nvSpPr>
+        <p:spPr>
+          <a:xfrm>
+            <a:off x="8153952" y="4552894"/>
+            <a:ext cx="523875" cy="276999"/>
+          </a:xfrm>
+          <a:prstGeom prst="rect">
+            <a:avLst/>
+          </a:prstGeom>
+          <a:noFill/>
+        </p:spPr>
+        <p:txBody>
+          <a:bodyPr wrap="square" rtlCol="0">
+            <a:spAutoFit/>
+          </a:bodyPr>
+          <a:lstStyle/>
+          <a:p>
+            <a:r>
+              <a:rPr lang="en-US" sz="1200" dirty="0">
+                <a:solidFill>
+                  <a:srgbClr val="DBA520"/>
+                </a:solidFill>
+              </a:rPr>
+              <a:t>-3.57</a:t>
+            </a:r>
+          </a:p>
+        </p:txBody>
+      </p:sp>
+      <p:sp>
+        <p:nvSpPr>
+          <p:cNvPr id="64" name="TextBox 63">
+            <a:extLst>
+              <a:ext uri="{FF2B5EF4-FFF2-40B4-BE49-F238E27FC236}">
+                <a16:creationId xmlns:a16="http://schemas.microsoft.com/office/drawing/2014/main" id="{0222211F-9CAD-0F4F-AFEC-93317C4F568A}"/>
+              </a:ext>
+            </a:extLst>
+          </p:cNvPr>
+          <p:cNvSpPr txBox="1"/>
+          <p:nvPr/>
+        </p:nvSpPr>
+        <p:spPr>
+          <a:xfrm>
+            <a:off x="8474888" y="4108708"/>
+            <a:ext cx="523875" cy="276999"/>
+          </a:xfrm>
+          <a:prstGeom prst="rect">
+            <a:avLst/>
+          </a:prstGeom>
+          <a:noFill/>
+        </p:spPr>
+        <p:txBody>
+          <a:bodyPr wrap="square" rtlCol="0">
+            <a:spAutoFit/>
+          </a:bodyPr>
+          <a:lstStyle/>
+          <a:p>
+            <a:r>
+              <a:rPr lang="en-US" sz="1200" dirty="0">
+                <a:solidFill>
+                  <a:srgbClr val="DBA520"/>
+                </a:solidFill>
+              </a:rPr>
+              <a:t>-1.79</a:t>
+            </a:r>
+          </a:p>
+        </p:txBody>
+      </p:sp>
+      <p:sp>
+        <p:nvSpPr>
+          <p:cNvPr id="66" name="TextBox 65">
+            <a:extLst>
+              <a:ext uri="{FF2B5EF4-FFF2-40B4-BE49-F238E27FC236}">
+                <a16:creationId xmlns:a16="http://schemas.microsoft.com/office/drawing/2014/main" id="{F9519CF5-7895-EC46-B3BD-001A88E2D0BA}"/>
+              </a:ext>
+            </a:extLst>
+          </p:cNvPr>
+          <p:cNvSpPr txBox="1"/>
+          <p:nvPr/>
+        </p:nvSpPr>
+        <p:spPr>
+          <a:xfrm>
+            <a:off x="8753197" y="4689762"/>
+            <a:ext cx="523875" cy="276999"/>
+          </a:xfrm>
+          <a:prstGeom prst="rect">
+            <a:avLst/>
+          </a:prstGeom>
+          <a:noFill/>
+        </p:spPr>
+        <p:txBody>
+          <a:bodyPr wrap="square" rtlCol="0">
+            <a:spAutoFit/>
+          </a:bodyPr>
+          <a:lstStyle/>
+          <a:p>
+            <a:r>
+              <a:rPr lang="en-US" sz="1200" dirty="0">
+                <a:solidFill>
+                  <a:srgbClr val="DBA520"/>
+                </a:solidFill>
+              </a:rPr>
+              <a:t>-4.06</a:t>
+            </a:r>
+          </a:p>
+        </p:txBody>
+      </p:sp>
+      <p:sp>
+        <p:nvSpPr>
+          <p:cNvPr id="67" name="TextBox 66">
+            <a:extLst>
+              <a:ext uri="{FF2B5EF4-FFF2-40B4-BE49-F238E27FC236}">
+                <a16:creationId xmlns:a16="http://schemas.microsoft.com/office/drawing/2014/main" id="{0648541F-E72B-594A-A98C-7E56A8E30548}"/>
+              </a:ext>
+            </a:extLst>
+          </p:cNvPr>
+          <p:cNvSpPr txBox="1"/>
+          <p:nvPr/>
+        </p:nvSpPr>
+        <p:spPr>
+          <a:xfrm>
+            <a:off x="9105814" y="4659324"/>
+            <a:ext cx="523875" cy="276999"/>
+          </a:xfrm>
+          <a:prstGeom prst="rect">
+            <a:avLst/>
+          </a:prstGeom>
+          <a:noFill/>
+        </p:spPr>
+        <p:txBody>
+          <a:bodyPr wrap="square" rtlCol="0">
+            <a:spAutoFit/>
+          </a:bodyPr>
+          <a:lstStyle/>
+          <a:p>
+            <a:r>
+              <a:rPr lang="en-US" sz="1200" dirty="0">
+                <a:solidFill>
+                  <a:srgbClr val="DBA520"/>
+                </a:solidFill>
+              </a:rPr>
+              <a:t>-3.97</a:t>
+            </a:r>
+          </a:p>
+        </p:txBody>
+      </p:sp>
+      <p:sp>
+        <p:nvSpPr>
+          <p:cNvPr id="68" name="TextBox 67">
+            <a:extLst>
+              <a:ext uri="{FF2B5EF4-FFF2-40B4-BE49-F238E27FC236}">
+                <a16:creationId xmlns:a16="http://schemas.microsoft.com/office/drawing/2014/main" id="{019EFD02-4E35-BB4A-B3A2-DF4F99232152}"/>
+              </a:ext>
+            </a:extLst>
+          </p:cNvPr>
+          <p:cNvSpPr txBox="1"/>
+          <p:nvPr/>
+        </p:nvSpPr>
+        <p:spPr>
+          <a:xfrm>
+            <a:off x="9401415" y="4235956"/>
+            <a:ext cx="523875" cy="276999"/>
+          </a:xfrm>
+          <a:prstGeom prst="rect">
+            <a:avLst/>
+          </a:prstGeom>
+          <a:noFill/>
+        </p:spPr>
+        <p:txBody>
+          <a:bodyPr wrap="square" rtlCol="0">
+            <a:spAutoFit/>
+          </a:bodyPr>
+          <a:lstStyle/>
+          <a:p>
+            <a:r>
+              <a:rPr lang="en-US" sz="1200" dirty="0">
+                <a:solidFill>
+                  <a:srgbClr val="DBA520"/>
+                </a:solidFill>
+              </a:rPr>
+              <a:t>-2.25</a:t>
+            </a:r>
+          </a:p>
+        </p:txBody>
+      </p:sp>
+      <p:sp>
+        <p:nvSpPr>
+          <p:cNvPr id="69" name="TextBox 68">
+            <a:extLst>
+              <a:ext uri="{FF2B5EF4-FFF2-40B4-BE49-F238E27FC236}">
+                <a16:creationId xmlns:a16="http://schemas.microsoft.com/office/drawing/2014/main" id="{CF64346B-451D-4B41-8681-F177A8EEF096}"/>
+              </a:ext>
+            </a:extLst>
+          </p:cNvPr>
+          <p:cNvSpPr txBox="1"/>
+          <p:nvPr/>
+        </p:nvSpPr>
+        <p:spPr>
+          <a:xfrm>
+            <a:off x="9709390" y="3460928"/>
+            <a:ext cx="580972" cy="276999"/>
+          </a:xfrm>
+          <a:prstGeom prst="rect">
+            <a:avLst/>
+          </a:prstGeom>
+          <a:noFill/>
+        </p:spPr>
+        <p:txBody>
+          <a:bodyPr wrap="square" rtlCol="0">
+            <a:spAutoFit/>
+          </a:bodyPr>
+          <a:lstStyle/>
+          <a:p>
+            <a:r>
+              <a:rPr lang="en-US" sz="1200" dirty="0">
+                <a:solidFill>
+                  <a:srgbClr val="DBA520"/>
+                </a:solidFill>
+              </a:rPr>
+              <a:t>+1.83</a:t>
+            </a:r>
+          </a:p>
+        </p:txBody>
+      </p:sp>
+      <p:sp>
+        <p:nvSpPr>
+          <p:cNvPr id="70" name="TextBox 69">
+            <a:extLst>
+              <a:ext uri="{FF2B5EF4-FFF2-40B4-BE49-F238E27FC236}">
+                <a16:creationId xmlns:a16="http://schemas.microsoft.com/office/drawing/2014/main" id="{EEC11479-0877-C44A-AC8F-90FBD1026CE4}"/>
+              </a:ext>
+            </a:extLst>
+          </p:cNvPr>
+          <p:cNvSpPr txBox="1"/>
+          <p:nvPr/>
+        </p:nvSpPr>
+        <p:spPr>
+          <a:xfrm>
+            <a:off x="1687915" y="2135365"/>
+            <a:ext cx="418987" cy="200055"/>
+          </a:xfrm>
+          <a:prstGeom prst="rect">
+            <a:avLst/>
+          </a:prstGeom>
+          <a:noFill/>
+        </p:spPr>
+        <p:txBody>
+          <a:bodyPr wrap="square" rtlCol="0">
+            <a:spAutoFit/>
+          </a:bodyPr>
+          <a:lstStyle/>
+          <a:p>
+            <a:r>
+              <a:rPr lang="en-US" sz="700" dirty="0"/>
+              <a:t>SURF</a:t>
+            </a:r>
+            <a:endParaRPr lang="en-US" sz="1200" dirty="0"/>
+          </a:p>
+        </p:txBody>
+      </p:sp>
+      <p:sp>
+        <p:nvSpPr>
+          <p:cNvPr id="71" name="TextBox 70">
+            <a:extLst>
+              <a:ext uri="{FF2B5EF4-FFF2-40B4-BE49-F238E27FC236}">
+                <a16:creationId xmlns:a16="http://schemas.microsoft.com/office/drawing/2014/main" id="{049DDC2C-A800-A143-9A8E-364E0F018B90}"/>
+              </a:ext>
+            </a:extLst>
+          </p:cNvPr>
+          <p:cNvSpPr txBox="1"/>
+          <p:nvPr/>
+        </p:nvSpPr>
+        <p:spPr>
+          <a:xfrm>
+            <a:off x="2047932" y="2529663"/>
+            <a:ext cx="418987" cy="200055"/>
+          </a:xfrm>
+          <a:prstGeom prst="rect">
+            <a:avLst/>
+          </a:prstGeom>
+          <a:noFill/>
+        </p:spPr>
+        <p:txBody>
+          <a:bodyPr wrap="square" rtlCol="0">
+            <a:spAutoFit/>
+          </a:bodyPr>
+          <a:lstStyle/>
+          <a:p>
+            <a:r>
+              <a:rPr lang="en-US" sz="700" dirty="0"/>
+              <a:t>PHYS</a:t>
+            </a:r>
+            <a:endParaRPr lang="en-US" sz="1200" dirty="0"/>
+          </a:p>
+        </p:txBody>
+      </p:sp>
+      <p:sp>
+        <p:nvSpPr>
+          <p:cNvPr id="72" name="TextBox 71">
+            <a:extLst>
+              <a:ext uri="{FF2B5EF4-FFF2-40B4-BE49-F238E27FC236}">
+                <a16:creationId xmlns:a16="http://schemas.microsoft.com/office/drawing/2014/main" id="{4E041E32-9C18-E148-823D-72B34B63A689}"/>
+              </a:ext>
+            </a:extLst>
+          </p:cNvPr>
+          <p:cNvSpPr txBox="1"/>
+          <p:nvPr/>
+        </p:nvSpPr>
+        <p:spPr>
+          <a:xfrm>
+            <a:off x="2427120" y="2236080"/>
+            <a:ext cx="493534" cy="200055"/>
+          </a:xfrm>
+          <a:prstGeom prst="rect">
+            <a:avLst/>
+          </a:prstGeom>
+          <a:noFill/>
+        </p:spPr>
+        <p:txBody>
+          <a:bodyPr wrap="square" rtlCol="0">
+            <a:spAutoFit/>
+          </a:bodyPr>
+          <a:lstStyle/>
+          <a:p>
+            <a:r>
+              <a:rPr lang="en-US" sz="700" dirty="0"/>
+              <a:t>DHAL‡</a:t>
+            </a:r>
+            <a:endParaRPr lang="en-US" sz="1200" dirty="0"/>
+          </a:p>
+        </p:txBody>
+      </p:sp>
+      <p:sp>
+        <p:nvSpPr>
+          <p:cNvPr id="73" name="TextBox 72">
+            <a:extLst>
+              <a:ext uri="{FF2B5EF4-FFF2-40B4-BE49-F238E27FC236}">
+                <a16:creationId xmlns:a16="http://schemas.microsoft.com/office/drawing/2014/main" id="{D8EC6B6B-D433-5D46-8CDB-654D6645C79E}"/>
+              </a:ext>
+            </a:extLst>
+          </p:cNvPr>
+          <p:cNvSpPr txBox="1"/>
+          <p:nvPr/>
+        </p:nvSpPr>
+        <p:spPr>
+          <a:xfrm>
+            <a:off x="2817283" y="2805830"/>
+            <a:ext cx="493534" cy="200055"/>
+          </a:xfrm>
+          <a:prstGeom prst="rect">
+            <a:avLst/>
+          </a:prstGeom>
+          <a:noFill/>
+        </p:spPr>
+        <p:txBody>
+          <a:bodyPr wrap="square" rtlCol="0">
+            <a:spAutoFit/>
+          </a:bodyPr>
+          <a:lstStyle/>
+          <a:p>
+            <a:r>
+              <a:rPr lang="en-US" sz="700" dirty="0"/>
+              <a:t>DHAL</a:t>
+            </a:r>
+            <a:endParaRPr lang="en-US" sz="1200" dirty="0"/>
+          </a:p>
+        </p:txBody>
+      </p:sp>
+      <p:sp>
+        <p:nvSpPr>
+          <p:cNvPr id="74" name="TextBox 73">
+            <a:extLst>
+              <a:ext uri="{FF2B5EF4-FFF2-40B4-BE49-F238E27FC236}">
+                <a16:creationId xmlns:a16="http://schemas.microsoft.com/office/drawing/2014/main" id="{58C65DDD-B44D-6347-95F1-6B92DDE16DF8}"/>
+              </a:ext>
+            </a:extLst>
+          </p:cNvPr>
+          <p:cNvSpPr txBox="1"/>
+          <p:nvPr/>
+        </p:nvSpPr>
+        <p:spPr>
+          <a:xfrm>
+            <a:off x="3140484" y="3451141"/>
+            <a:ext cx="493534" cy="200055"/>
+          </a:xfrm>
+          <a:prstGeom prst="rect">
+            <a:avLst/>
+          </a:prstGeom>
+          <a:noFill/>
+        </p:spPr>
+        <p:txBody>
+          <a:bodyPr wrap="square" rtlCol="0">
+            <a:spAutoFit/>
+          </a:bodyPr>
+          <a:lstStyle/>
+          <a:p>
+            <a:r>
+              <a:rPr lang="en-US" sz="700" dirty="0"/>
+              <a:t>DHAL-2</a:t>
+            </a:r>
+            <a:endParaRPr lang="en-US" sz="1200" dirty="0"/>
+          </a:p>
+        </p:txBody>
+      </p:sp>
+      <p:sp>
+        <p:nvSpPr>
+          <p:cNvPr id="75" name="TextBox 74">
+            <a:extLst>
+              <a:ext uri="{FF2B5EF4-FFF2-40B4-BE49-F238E27FC236}">
+                <a16:creationId xmlns:a16="http://schemas.microsoft.com/office/drawing/2014/main" id="{856D9C99-D985-7F45-AF00-80913FB8B1A1}"/>
+              </a:ext>
+            </a:extLst>
+          </p:cNvPr>
+          <p:cNvSpPr txBox="1"/>
+          <p:nvPr/>
+        </p:nvSpPr>
+        <p:spPr>
+          <a:xfrm>
+            <a:off x="3586527" y="3390350"/>
+            <a:ext cx="493534" cy="200055"/>
+          </a:xfrm>
+          <a:prstGeom prst="rect">
+            <a:avLst/>
+          </a:prstGeom>
+          <a:noFill/>
+        </p:spPr>
+        <p:txBody>
+          <a:bodyPr wrap="square" rtlCol="0">
+            <a:spAutoFit/>
+          </a:bodyPr>
+          <a:lstStyle/>
+          <a:p>
+            <a:r>
+              <a:rPr lang="en-US" sz="700" dirty="0"/>
+              <a:t>CMC</a:t>
+            </a:r>
+            <a:endParaRPr lang="en-US" sz="1200" dirty="0"/>
+          </a:p>
+        </p:txBody>
+      </p:sp>
+      <p:sp>
+        <p:nvSpPr>
+          <p:cNvPr id="76" name="TextBox 75">
+            <a:extLst>
+              <a:ext uri="{FF2B5EF4-FFF2-40B4-BE49-F238E27FC236}">
+                <a16:creationId xmlns:a16="http://schemas.microsoft.com/office/drawing/2014/main" id="{AD6AB91C-E025-5D45-94F8-70A400F90F69}"/>
+              </a:ext>
+            </a:extLst>
+          </p:cNvPr>
+          <p:cNvSpPr txBox="1"/>
+          <p:nvPr/>
+        </p:nvSpPr>
+        <p:spPr>
+          <a:xfrm>
+            <a:off x="3953260" y="3232028"/>
+            <a:ext cx="493534" cy="200055"/>
+          </a:xfrm>
+          <a:prstGeom prst="rect">
+            <a:avLst/>
+          </a:prstGeom>
+          <a:noFill/>
+        </p:spPr>
+        <p:txBody>
+          <a:bodyPr wrap="square" rtlCol="0">
+            <a:spAutoFit/>
+          </a:bodyPr>
+          <a:lstStyle/>
+          <a:p>
+            <a:r>
+              <a:rPr lang="en-US" sz="700" dirty="0"/>
+              <a:t>DIM‡</a:t>
+            </a:r>
+            <a:endParaRPr lang="en-US" sz="1200" dirty="0"/>
+          </a:p>
+        </p:txBody>
+      </p:sp>
+      <p:sp>
+        <p:nvSpPr>
+          <p:cNvPr id="77" name="TextBox 76">
+            <a:extLst>
+              <a:ext uri="{FF2B5EF4-FFF2-40B4-BE49-F238E27FC236}">
+                <a16:creationId xmlns:a16="http://schemas.microsoft.com/office/drawing/2014/main" id="{B4921BD9-F46B-4E47-91B0-FEA7B45A3FB9}"/>
+              </a:ext>
+            </a:extLst>
+          </p:cNvPr>
+          <p:cNvSpPr txBox="1"/>
+          <p:nvPr/>
+        </p:nvSpPr>
+        <p:spPr>
+          <a:xfrm>
+            <a:off x="4352265" y="4062168"/>
+            <a:ext cx="493534" cy="200055"/>
+          </a:xfrm>
+          <a:prstGeom prst="rect">
+            <a:avLst/>
+          </a:prstGeom>
+          <a:noFill/>
+        </p:spPr>
+        <p:txBody>
+          <a:bodyPr wrap="square" rtlCol="0">
+            <a:spAutoFit/>
+          </a:bodyPr>
+          <a:lstStyle/>
+          <a:p>
+            <a:r>
+              <a:rPr lang="en-US" sz="700" dirty="0"/>
+              <a:t>DIM</a:t>
+            </a:r>
+            <a:endParaRPr lang="en-US" sz="1200" dirty="0"/>
+          </a:p>
+        </p:txBody>
+      </p:sp>
+      <p:sp>
+        <p:nvSpPr>
+          <p:cNvPr id="79" name="TextBox 78">
+            <a:extLst>
+              <a:ext uri="{FF2B5EF4-FFF2-40B4-BE49-F238E27FC236}">
+                <a16:creationId xmlns:a16="http://schemas.microsoft.com/office/drawing/2014/main" id="{4CCB2B58-5885-A84C-BC42-6F8FBE382F09}"/>
+              </a:ext>
+            </a:extLst>
+          </p:cNvPr>
+          <p:cNvSpPr txBox="1"/>
+          <p:nvPr/>
+        </p:nvSpPr>
+        <p:spPr>
+          <a:xfrm>
+            <a:off x="4682806" y="3490377"/>
+            <a:ext cx="493534" cy="200055"/>
+          </a:xfrm>
+          <a:prstGeom prst="rect">
+            <a:avLst/>
+          </a:prstGeom>
+          <a:noFill/>
+        </p:spPr>
+        <p:txBody>
+          <a:bodyPr wrap="square" rtlCol="0">
+            <a:spAutoFit/>
+          </a:bodyPr>
+          <a:lstStyle/>
+          <a:p>
+            <a:r>
+              <a:rPr lang="en-US" sz="700" dirty="0"/>
+              <a:t>DSRB-D</a:t>
+            </a:r>
+            <a:endParaRPr lang="en-US" sz="1200" dirty="0"/>
+          </a:p>
+        </p:txBody>
+      </p:sp>
+      <p:sp>
+        <p:nvSpPr>
+          <p:cNvPr id="80" name="TextBox 79">
+            <a:extLst>
+              <a:ext uri="{FF2B5EF4-FFF2-40B4-BE49-F238E27FC236}">
+                <a16:creationId xmlns:a16="http://schemas.microsoft.com/office/drawing/2014/main" id="{8036C1FF-630A-DA4E-BC24-DB0536A126DB}"/>
+              </a:ext>
+            </a:extLst>
+          </p:cNvPr>
+          <p:cNvSpPr txBox="1"/>
+          <p:nvPr/>
+        </p:nvSpPr>
+        <p:spPr>
+          <a:xfrm>
+            <a:off x="5058719" y="2135365"/>
+            <a:ext cx="493534" cy="200055"/>
+          </a:xfrm>
+          <a:prstGeom prst="rect">
+            <a:avLst/>
+          </a:prstGeom>
+          <a:noFill/>
+        </p:spPr>
+        <p:txBody>
+          <a:bodyPr wrap="square" rtlCol="0">
+            <a:spAutoFit/>
+          </a:bodyPr>
+          <a:lstStyle/>
+          <a:p>
+            <a:r>
+              <a:rPr lang="en-US" sz="700" dirty="0"/>
+              <a:t>DSRB-A</a:t>
+            </a:r>
+            <a:endParaRPr lang="en-US" sz="1200" dirty="0"/>
+          </a:p>
+        </p:txBody>
+      </p:sp>
+      <p:sp>
+        <p:nvSpPr>
+          <p:cNvPr id="83" name="TextBox 82">
+            <a:extLst>
+              <a:ext uri="{FF2B5EF4-FFF2-40B4-BE49-F238E27FC236}">
+                <a16:creationId xmlns:a16="http://schemas.microsoft.com/office/drawing/2014/main" id="{BED59708-C4B7-BD4C-9E22-27D18C9AC400}"/>
+              </a:ext>
+            </a:extLst>
+          </p:cNvPr>
+          <p:cNvSpPr txBox="1"/>
+          <p:nvPr/>
+        </p:nvSpPr>
+        <p:spPr>
+          <a:xfrm>
+            <a:off x="6048152" y="1250057"/>
+            <a:ext cx="418987" cy="200055"/>
+          </a:xfrm>
+          <a:prstGeom prst="rect">
+            <a:avLst/>
+          </a:prstGeom>
+          <a:noFill/>
+        </p:spPr>
+        <p:txBody>
+          <a:bodyPr wrap="square" rtlCol="0">
+            <a:spAutoFit/>
+          </a:bodyPr>
+          <a:lstStyle/>
+          <a:p>
+            <a:r>
+              <a:rPr lang="en-US" sz="700" dirty="0"/>
+              <a:t>SURF</a:t>
+            </a:r>
+            <a:endParaRPr lang="en-US" sz="1200" dirty="0"/>
+          </a:p>
+        </p:txBody>
+      </p:sp>
+      <p:sp>
+        <p:nvSpPr>
+          <p:cNvPr id="84" name="TextBox 83">
+            <a:extLst>
+              <a:ext uri="{FF2B5EF4-FFF2-40B4-BE49-F238E27FC236}">
+                <a16:creationId xmlns:a16="http://schemas.microsoft.com/office/drawing/2014/main" id="{39DBE63D-F0D6-5A42-B0DE-976541D5B557}"/>
+              </a:ext>
+            </a:extLst>
+          </p:cNvPr>
+          <p:cNvSpPr txBox="1"/>
+          <p:nvPr/>
+        </p:nvSpPr>
+        <p:spPr>
+          <a:xfrm>
+            <a:off x="6334155" y="1545241"/>
+            <a:ext cx="418987" cy="200055"/>
+          </a:xfrm>
+          <a:prstGeom prst="rect">
+            <a:avLst/>
+          </a:prstGeom>
+          <a:noFill/>
+        </p:spPr>
+        <p:txBody>
+          <a:bodyPr wrap="square" rtlCol="0">
+            <a:spAutoFit/>
+          </a:bodyPr>
+          <a:lstStyle/>
+          <a:p>
+            <a:r>
+              <a:rPr lang="en-US" sz="700" dirty="0"/>
+              <a:t>PHYS</a:t>
+            </a:r>
+            <a:endParaRPr lang="en-US" sz="1200" dirty="0"/>
+          </a:p>
+        </p:txBody>
+      </p:sp>
+      <p:sp>
+        <p:nvSpPr>
+          <p:cNvPr id="85" name="TextBox 84">
+            <a:extLst>
+              <a:ext uri="{FF2B5EF4-FFF2-40B4-BE49-F238E27FC236}">
+                <a16:creationId xmlns:a16="http://schemas.microsoft.com/office/drawing/2014/main" id="{55008084-3461-6941-AEA0-399566AF4E1A}"/>
+              </a:ext>
+            </a:extLst>
+          </p:cNvPr>
+          <p:cNvSpPr txBox="1"/>
+          <p:nvPr/>
+        </p:nvSpPr>
+        <p:spPr>
+          <a:xfrm>
+            <a:off x="6627246" y="1282395"/>
+            <a:ext cx="493534" cy="200055"/>
+          </a:xfrm>
+          <a:prstGeom prst="rect">
+            <a:avLst/>
+          </a:prstGeom>
+          <a:noFill/>
+        </p:spPr>
+        <p:txBody>
+          <a:bodyPr wrap="square" rtlCol="0">
+            <a:spAutoFit/>
+          </a:bodyPr>
+          <a:lstStyle/>
+          <a:p>
+            <a:r>
+              <a:rPr lang="en-US" sz="700" dirty="0"/>
+              <a:t>DHAL‡</a:t>
+            </a:r>
+            <a:endParaRPr lang="en-US" sz="1200" dirty="0"/>
+          </a:p>
+        </p:txBody>
+      </p:sp>
+      <p:sp>
+        <p:nvSpPr>
+          <p:cNvPr id="86" name="TextBox 85">
+            <a:extLst>
+              <a:ext uri="{FF2B5EF4-FFF2-40B4-BE49-F238E27FC236}">
+                <a16:creationId xmlns:a16="http://schemas.microsoft.com/office/drawing/2014/main" id="{902A393D-8F02-5640-823B-A5D1751880A2}"/>
+              </a:ext>
+            </a:extLst>
+          </p:cNvPr>
+          <p:cNvSpPr txBox="1"/>
+          <p:nvPr/>
+        </p:nvSpPr>
+        <p:spPr>
+          <a:xfrm>
+            <a:off x="7217064" y="1594341"/>
+            <a:ext cx="493534" cy="200055"/>
+          </a:xfrm>
+          <a:prstGeom prst="rect">
+            <a:avLst/>
+          </a:prstGeom>
+          <a:noFill/>
+        </p:spPr>
+        <p:txBody>
+          <a:bodyPr wrap="square" rtlCol="0">
+            <a:spAutoFit/>
+          </a:bodyPr>
+          <a:lstStyle/>
+          <a:p>
+            <a:r>
+              <a:rPr lang="en-US" sz="700" dirty="0"/>
+              <a:t>DHAL</a:t>
+            </a:r>
+            <a:endParaRPr lang="en-US" sz="1200" dirty="0"/>
+          </a:p>
+        </p:txBody>
+      </p:sp>
+      <p:sp>
+        <p:nvSpPr>
+          <p:cNvPr id="87" name="TextBox 86">
+            <a:extLst>
+              <a:ext uri="{FF2B5EF4-FFF2-40B4-BE49-F238E27FC236}">
+                <a16:creationId xmlns:a16="http://schemas.microsoft.com/office/drawing/2014/main" id="{098A6841-6660-714C-BC43-66FE4D376126}"/>
+              </a:ext>
+            </a:extLst>
+          </p:cNvPr>
+          <p:cNvSpPr txBox="1"/>
+          <p:nvPr/>
+        </p:nvSpPr>
+        <p:spPr>
+          <a:xfrm>
+            <a:off x="7222027" y="2219069"/>
+            <a:ext cx="493534" cy="200055"/>
+          </a:xfrm>
+          <a:prstGeom prst="rect">
+            <a:avLst/>
+          </a:prstGeom>
+          <a:noFill/>
+        </p:spPr>
+        <p:txBody>
+          <a:bodyPr wrap="square" rtlCol="0">
+            <a:spAutoFit/>
+          </a:bodyPr>
+          <a:lstStyle/>
+          <a:p>
+            <a:r>
+              <a:rPr lang="en-US" sz="700" dirty="0"/>
+              <a:t>DHAL-2</a:t>
+            </a:r>
+            <a:endParaRPr lang="en-US" sz="1200" dirty="0"/>
+          </a:p>
+        </p:txBody>
+      </p:sp>
+      <p:sp>
+        <p:nvSpPr>
+          <p:cNvPr id="88" name="TextBox 87">
+            <a:extLst>
+              <a:ext uri="{FF2B5EF4-FFF2-40B4-BE49-F238E27FC236}">
+                <a16:creationId xmlns:a16="http://schemas.microsoft.com/office/drawing/2014/main" id="{6B0F42B1-210E-CB42-8E2D-BAB7AEE77FFC}"/>
+              </a:ext>
+            </a:extLst>
+          </p:cNvPr>
+          <p:cNvSpPr txBox="1"/>
+          <p:nvPr/>
+        </p:nvSpPr>
+        <p:spPr>
+          <a:xfrm>
+            <a:off x="7824578" y="2174707"/>
+            <a:ext cx="493534" cy="200055"/>
+          </a:xfrm>
+          <a:prstGeom prst="rect">
+            <a:avLst/>
+          </a:prstGeom>
+          <a:noFill/>
+        </p:spPr>
+        <p:txBody>
+          <a:bodyPr wrap="square" rtlCol="0">
+            <a:spAutoFit/>
+          </a:bodyPr>
+          <a:lstStyle/>
+          <a:p>
+            <a:r>
+              <a:rPr lang="en-US" sz="700" dirty="0"/>
+              <a:t>CMC</a:t>
+            </a:r>
+            <a:endParaRPr lang="en-US" sz="1200" dirty="0"/>
+          </a:p>
+        </p:txBody>
+      </p:sp>
+      <p:sp>
+        <p:nvSpPr>
+          <p:cNvPr id="95" name="TextBox 94">
+            <a:extLst>
+              <a:ext uri="{FF2B5EF4-FFF2-40B4-BE49-F238E27FC236}">
+                <a16:creationId xmlns:a16="http://schemas.microsoft.com/office/drawing/2014/main" id="{10F8FCA3-A986-124F-8924-9A76DE835CF1}"/>
+              </a:ext>
+            </a:extLst>
+          </p:cNvPr>
+          <p:cNvSpPr txBox="1"/>
+          <p:nvPr/>
+        </p:nvSpPr>
+        <p:spPr>
+          <a:xfrm>
+            <a:off x="6041163" y="3908370"/>
+            <a:ext cx="418987" cy="200055"/>
+          </a:xfrm>
+          <a:prstGeom prst="rect">
+            <a:avLst/>
+          </a:prstGeom>
+          <a:noFill/>
+        </p:spPr>
+        <p:txBody>
+          <a:bodyPr wrap="square" rtlCol="0">
+            <a:spAutoFit/>
+          </a:bodyPr>
+          <a:lstStyle/>
+          <a:p>
+            <a:r>
+              <a:rPr lang="en-US" sz="700" dirty="0"/>
+              <a:t>SURF</a:t>
+            </a:r>
+            <a:endParaRPr lang="en-US" sz="1200" dirty="0"/>
+          </a:p>
+        </p:txBody>
+      </p:sp>
+      <p:sp>
+        <p:nvSpPr>
+          <p:cNvPr id="97" name="TextBox 96">
+            <a:extLst>
+              <a:ext uri="{FF2B5EF4-FFF2-40B4-BE49-F238E27FC236}">
+                <a16:creationId xmlns:a16="http://schemas.microsoft.com/office/drawing/2014/main" id="{8944C160-101D-334E-9DAD-C48873CCAD2E}"/>
+              </a:ext>
+            </a:extLst>
+          </p:cNvPr>
+          <p:cNvSpPr txBox="1"/>
+          <p:nvPr/>
+        </p:nvSpPr>
+        <p:spPr>
+          <a:xfrm>
+            <a:off x="6660284" y="3991773"/>
+            <a:ext cx="493534" cy="200055"/>
+          </a:xfrm>
+          <a:prstGeom prst="rect">
+            <a:avLst/>
+          </a:prstGeom>
+          <a:noFill/>
+        </p:spPr>
+        <p:txBody>
+          <a:bodyPr wrap="square" rtlCol="0">
+            <a:spAutoFit/>
+          </a:bodyPr>
+          <a:lstStyle/>
+          <a:p>
+            <a:r>
+              <a:rPr lang="en-US" sz="700" dirty="0"/>
+              <a:t>DHAL‡</a:t>
+            </a:r>
+            <a:endParaRPr lang="en-US" sz="1200" dirty="0"/>
+          </a:p>
+        </p:txBody>
+      </p:sp>
+      <p:sp>
+        <p:nvSpPr>
+          <p:cNvPr id="98" name="TextBox 97">
+            <a:extLst>
+              <a:ext uri="{FF2B5EF4-FFF2-40B4-BE49-F238E27FC236}">
+                <a16:creationId xmlns:a16="http://schemas.microsoft.com/office/drawing/2014/main" id="{20B34DCF-00F0-F442-9FA7-97FEECF468D8}"/>
+              </a:ext>
+            </a:extLst>
+          </p:cNvPr>
+          <p:cNvSpPr txBox="1"/>
+          <p:nvPr/>
+        </p:nvSpPr>
+        <p:spPr>
+          <a:xfrm>
+            <a:off x="7214431" y="4354196"/>
+            <a:ext cx="493534" cy="200055"/>
+          </a:xfrm>
+          <a:prstGeom prst="rect">
+            <a:avLst/>
+          </a:prstGeom>
+          <a:noFill/>
+        </p:spPr>
+        <p:txBody>
+          <a:bodyPr wrap="square" rtlCol="0">
+            <a:spAutoFit/>
+          </a:bodyPr>
+          <a:lstStyle/>
+          <a:p>
+            <a:r>
+              <a:rPr lang="en-US" sz="700" dirty="0"/>
+              <a:t>DHAL</a:t>
+            </a:r>
+            <a:endParaRPr lang="en-US" sz="1200" dirty="0"/>
+          </a:p>
+        </p:txBody>
+      </p:sp>
+      <p:sp>
+        <p:nvSpPr>
+          <p:cNvPr id="99" name="TextBox 98">
+            <a:extLst>
+              <a:ext uri="{FF2B5EF4-FFF2-40B4-BE49-F238E27FC236}">
+                <a16:creationId xmlns:a16="http://schemas.microsoft.com/office/drawing/2014/main" id="{852245A1-C388-524C-8EF0-C58B6CCA974C}"/>
+              </a:ext>
+            </a:extLst>
+          </p:cNvPr>
+          <p:cNvSpPr txBox="1"/>
+          <p:nvPr/>
+        </p:nvSpPr>
+        <p:spPr>
+          <a:xfrm>
+            <a:off x="7217098" y="4864591"/>
+            <a:ext cx="493534" cy="200055"/>
+          </a:xfrm>
+          <a:prstGeom prst="rect">
+            <a:avLst/>
+          </a:prstGeom>
+          <a:noFill/>
+        </p:spPr>
+        <p:txBody>
+          <a:bodyPr wrap="square" rtlCol="0">
+            <a:spAutoFit/>
+          </a:bodyPr>
+          <a:lstStyle/>
+          <a:p>
+            <a:r>
+              <a:rPr lang="en-US" sz="700" dirty="0"/>
+              <a:t>DHAL-2</a:t>
+            </a:r>
+            <a:endParaRPr lang="en-US" sz="1200" dirty="0"/>
+          </a:p>
+        </p:txBody>
+      </p:sp>
+      <p:sp>
+        <p:nvSpPr>
+          <p:cNvPr id="100" name="TextBox 99">
+            <a:extLst>
+              <a:ext uri="{FF2B5EF4-FFF2-40B4-BE49-F238E27FC236}">
+                <a16:creationId xmlns:a16="http://schemas.microsoft.com/office/drawing/2014/main" id="{3F6B3463-48DB-1749-9568-5672841A699E}"/>
+              </a:ext>
+            </a:extLst>
+          </p:cNvPr>
+          <p:cNvSpPr txBox="1"/>
+          <p:nvPr/>
+        </p:nvSpPr>
+        <p:spPr>
+          <a:xfrm>
+            <a:off x="7815455" y="4809119"/>
+            <a:ext cx="493534" cy="200055"/>
+          </a:xfrm>
+          <a:prstGeom prst="rect">
+            <a:avLst/>
+          </a:prstGeom>
+          <a:noFill/>
+        </p:spPr>
+        <p:txBody>
+          <a:bodyPr wrap="square" rtlCol="0">
+            <a:spAutoFit/>
+          </a:bodyPr>
+          <a:lstStyle/>
+          <a:p>
+            <a:r>
+              <a:rPr lang="en-US" sz="700" dirty="0"/>
+              <a:t>CMC</a:t>
+            </a:r>
+            <a:endParaRPr lang="en-US" sz="1200" dirty="0"/>
+          </a:p>
+        </p:txBody>
+      </p:sp>
+      <p:sp>
+        <p:nvSpPr>
+          <p:cNvPr id="102" name="TextBox 101">
+            <a:extLst>
+              <a:ext uri="{FF2B5EF4-FFF2-40B4-BE49-F238E27FC236}">
+                <a16:creationId xmlns:a16="http://schemas.microsoft.com/office/drawing/2014/main" id="{B12474FC-0941-A54A-812D-6C512AA8B27C}"/>
+              </a:ext>
+            </a:extLst>
+          </p:cNvPr>
+          <p:cNvSpPr txBox="1"/>
+          <p:nvPr/>
+        </p:nvSpPr>
+        <p:spPr>
+          <a:xfrm>
+            <a:off x="6349214" y="4256096"/>
+            <a:ext cx="418987" cy="200055"/>
+          </a:xfrm>
+          <a:prstGeom prst="rect">
+            <a:avLst/>
+          </a:prstGeom>
+          <a:noFill/>
+        </p:spPr>
+        <p:txBody>
+          <a:bodyPr wrap="square" rtlCol="0">
+            <a:spAutoFit/>
+          </a:bodyPr>
+          <a:lstStyle/>
+          <a:p>
+            <a:r>
+              <a:rPr lang="en-US" sz="700" dirty="0"/>
+              <a:t>PHYS</a:t>
+            </a:r>
+            <a:endParaRPr lang="en-US" sz="1200" dirty="0"/>
+          </a:p>
+        </p:txBody>
+      </p:sp>
+      <p:sp>
+        <p:nvSpPr>
+          <p:cNvPr id="103" name="TextBox 102">
+            <a:extLst>
+              <a:ext uri="{FF2B5EF4-FFF2-40B4-BE49-F238E27FC236}">
+                <a16:creationId xmlns:a16="http://schemas.microsoft.com/office/drawing/2014/main" id="{FD91E652-5079-1747-8FFF-117BAF9D53CD}"/>
+              </a:ext>
+            </a:extLst>
+          </p:cNvPr>
+          <p:cNvSpPr txBox="1"/>
+          <p:nvPr/>
+        </p:nvSpPr>
+        <p:spPr>
+          <a:xfrm>
+            <a:off x="7246357" y="4133908"/>
+            <a:ext cx="493534" cy="200055"/>
+          </a:xfrm>
+          <a:prstGeom prst="rect">
+            <a:avLst/>
+          </a:prstGeom>
+          <a:noFill/>
+        </p:spPr>
+        <p:txBody>
+          <a:bodyPr wrap="square" rtlCol="0">
+            <a:spAutoFit/>
+          </a:bodyPr>
+          <a:lstStyle/>
+          <a:p>
+            <a:r>
+              <a:rPr lang="en-US" sz="700" dirty="0">
+                <a:solidFill>
+                  <a:srgbClr val="1A00FF"/>
+                </a:solidFill>
+              </a:rPr>
+              <a:t>X-DHAL</a:t>
+            </a:r>
+            <a:endParaRPr lang="en-US" sz="1200" dirty="0">
+              <a:solidFill>
+                <a:srgbClr val="1A00FF"/>
+              </a:solidFill>
+            </a:endParaRPr>
+          </a:p>
+        </p:txBody>
+      </p:sp>
+      <p:sp>
+        <p:nvSpPr>
+          <p:cNvPr id="104" name="TextBox 103">
+            <a:extLst>
+              <a:ext uri="{FF2B5EF4-FFF2-40B4-BE49-F238E27FC236}">
+                <a16:creationId xmlns:a16="http://schemas.microsoft.com/office/drawing/2014/main" id="{65353836-8AAB-4F4B-9214-0922B4157094}"/>
+              </a:ext>
+            </a:extLst>
+          </p:cNvPr>
+          <p:cNvSpPr txBox="1"/>
+          <p:nvPr/>
+        </p:nvSpPr>
+        <p:spPr>
+          <a:xfrm>
+            <a:off x="7501860" y="4378665"/>
+            <a:ext cx="551123" cy="200055"/>
+          </a:xfrm>
+          <a:prstGeom prst="rect">
+            <a:avLst/>
+          </a:prstGeom>
+          <a:noFill/>
+        </p:spPr>
+        <p:txBody>
+          <a:bodyPr wrap="square" rtlCol="0">
+            <a:spAutoFit/>
+          </a:bodyPr>
+          <a:lstStyle/>
+          <a:p>
+            <a:r>
+              <a:rPr lang="en-US" sz="700" dirty="0">
+                <a:solidFill>
+                  <a:srgbClr val="1A00FF"/>
+                </a:solidFill>
+              </a:rPr>
+              <a:t>X-DHAL-2</a:t>
+            </a:r>
+            <a:endParaRPr lang="en-US" sz="1200" dirty="0">
+              <a:solidFill>
+                <a:srgbClr val="1A00FF"/>
+              </a:solidFill>
+            </a:endParaRPr>
+          </a:p>
+        </p:txBody>
+      </p:sp>
+      <p:sp>
+        <p:nvSpPr>
+          <p:cNvPr id="105" name="TextBox 104">
+            <a:extLst>
+              <a:ext uri="{FF2B5EF4-FFF2-40B4-BE49-F238E27FC236}">
+                <a16:creationId xmlns:a16="http://schemas.microsoft.com/office/drawing/2014/main" id="{EF7BDB42-BF5A-8C44-9F35-345541DD5A2B}"/>
+              </a:ext>
+            </a:extLst>
+          </p:cNvPr>
+          <p:cNvSpPr txBox="1"/>
+          <p:nvPr/>
+        </p:nvSpPr>
+        <p:spPr>
+          <a:xfrm>
+            <a:off x="7884523" y="4659324"/>
+            <a:ext cx="493534" cy="200055"/>
+          </a:xfrm>
+          <a:prstGeom prst="rect">
+            <a:avLst/>
+          </a:prstGeom>
+          <a:noFill/>
+        </p:spPr>
+        <p:txBody>
+          <a:bodyPr wrap="square" rtlCol="0">
+            <a:spAutoFit/>
+          </a:bodyPr>
+          <a:lstStyle/>
+          <a:p>
+            <a:r>
+              <a:rPr lang="en-US" sz="700" dirty="0">
+                <a:solidFill>
+                  <a:srgbClr val="DBA520"/>
+                </a:solidFill>
+              </a:rPr>
+              <a:t>X-CMC‡</a:t>
+            </a:r>
+            <a:endParaRPr lang="en-US" sz="1200" dirty="0">
+              <a:solidFill>
+                <a:srgbClr val="DBA520"/>
+              </a:solidFill>
+            </a:endParaRPr>
+          </a:p>
+        </p:txBody>
+      </p:sp>
+      <p:sp>
+        <p:nvSpPr>
+          <p:cNvPr id="106" name="TextBox 105">
+            <a:extLst>
+              <a:ext uri="{FF2B5EF4-FFF2-40B4-BE49-F238E27FC236}">
+                <a16:creationId xmlns:a16="http://schemas.microsoft.com/office/drawing/2014/main" id="{6A2A5B62-48C3-0649-8879-01FDCE7DB50E}"/>
+              </a:ext>
+            </a:extLst>
+          </p:cNvPr>
+          <p:cNvSpPr txBox="1"/>
+          <p:nvPr/>
+        </p:nvSpPr>
+        <p:spPr>
+          <a:xfrm>
+            <a:off x="8155606" y="4816446"/>
+            <a:ext cx="493534" cy="200055"/>
+          </a:xfrm>
+          <a:prstGeom prst="rect">
+            <a:avLst/>
+          </a:prstGeom>
+          <a:noFill/>
+        </p:spPr>
+        <p:txBody>
+          <a:bodyPr wrap="square" rtlCol="0">
+            <a:spAutoFit/>
+          </a:bodyPr>
+          <a:lstStyle/>
+          <a:p>
+            <a:r>
+              <a:rPr lang="en-US" sz="700" dirty="0">
+                <a:solidFill>
+                  <a:srgbClr val="DBA520"/>
+                </a:solidFill>
+              </a:rPr>
+              <a:t>X-CMC</a:t>
+            </a:r>
+            <a:endParaRPr lang="en-US" sz="1200" dirty="0">
+              <a:solidFill>
+                <a:srgbClr val="DBA520"/>
+              </a:solidFill>
+            </a:endParaRPr>
+          </a:p>
+        </p:txBody>
+      </p:sp>
+      <p:sp>
+        <p:nvSpPr>
+          <p:cNvPr id="107" name="TextBox 106">
+            <a:extLst>
+              <a:ext uri="{FF2B5EF4-FFF2-40B4-BE49-F238E27FC236}">
+                <a16:creationId xmlns:a16="http://schemas.microsoft.com/office/drawing/2014/main" id="{96E73079-A2A7-A743-9ECB-3970BEBFFDA5}"/>
+              </a:ext>
+            </a:extLst>
+          </p:cNvPr>
+          <p:cNvSpPr txBox="1"/>
+          <p:nvPr/>
+        </p:nvSpPr>
+        <p:spPr>
+          <a:xfrm>
+            <a:off x="8488616" y="4356450"/>
+            <a:ext cx="493534" cy="200055"/>
+          </a:xfrm>
+          <a:prstGeom prst="rect">
+            <a:avLst/>
+          </a:prstGeom>
+          <a:noFill/>
+        </p:spPr>
+        <p:txBody>
+          <a:bodyPr wrap="square" rtlCol="0">
+            <a:spAutoFit/>
+          </a:bodyPr>
+          <a:lstStyle/>
+          <a:p>
+            <a:r>
+              <a:rPr lang="en-US" sz="700" dirty="0">
+                <a:solidFill>
+                  <a:srgbClr val="DBA520"/>
+                </a:solidFill>
+              </a:rPr>
+              <a:t>X-DIM‡</a:t>
+            </a:r>
+            <a:endParaRPr lang="en-US" sz="1200" dirty="0">
+              <a:solidFill>
+                <a:srgbClr val="DBA520"/>
+              </a:solidFill>
+            </a:endParaRPr>
+          </a:p>
+        </p:txBody>
+      </p:sp>
+      <p:sp>
+        <p:nvSpPr>
+          <p:cNvPr id="108" name="TextBox 107">
+            <a:extLst>
+              <a:ext uri="{FF2B5EF4-FFF2-40B4-BE49-F238E27FC236}">
+                <a16:creationId xmlns:a16="http://schemas.microsoft.com/office/drawing/2014/main" id="{F8DD3A76-EB7F-B94E-9661-D1EE22FA153D}"/>
+              </a:ext>
+            </a:extLst>
+          </p:cNvPr>
+          <p:cNvSpPr txBox="1"/>
+          <p:nvPr/>
+        </p:nvSpPr>
+        <p:spPr>
+          <a:xfrm>
+            <a:off x="8748622" y="4929142"/>
+            <a:ext cx="493534" cy="200055"/>
+          </a:xfrm>
+          <a:prstGeom prst="rect">
+            <a:avLst/>
+          </a:prstGeom>
+          <a:noFill/>
+        </p:spPr>
+        <p:txBody>
+          <a:bodyPr wrap="square" rtlCol="0">
+            <a:spAutoFit/>
+          </a:bodyPr>
+          <a:lstStyle/>
+          <a:p>
+            <a:r>
+              <a:rPr lang="en-US" sz="700" dirty="0">
+                <a:solidFill>
+                  <a:srgbClr val="DBA520"/>
+                </a:solidFill>
+              </a:rPr>
+              <a:t>X-DIM-A</a:t>
+            </a:r>
+            <a:endParaRPr lang="en-US" sz="1200" dirty="0">
+              <a:solidFill>
+                <a:srgbClr val="DBA520"/>
+              </a:solidFill>
+            </a:endParaRPr>
+          </a:p>
+        </p:txBody>
+      </p:sp>
+      <p:sp>
+        <p:nvSpPr>
+          <p:cNvPr id="109" name="TextBox 108">
+            <a:extLst>
+              <a:ext uri="{FF2B5EF4-FFF2-40B4-BE49-F238E27FC236}">
+                <a16:creationId xmlns:a16="http://schemas.microsoft.com/office/drawing/2014/main" id="{41C93DC1-40E9-A943-AB77-EB885B7CEA7E}"/>
+              </a:ext>
+            </a:extLst>
+          </p:cNvPr>
+          <p:cNvSpPr txBox="1"/>
+          <p:nvPr/>
+        </p:nvSpPr>
+        <p:spPr>
+          <a:xfrm>
+            <a:off x="9137899" y="4922683"/>
+            <a:ext cx="493534" cy="200055"/>
+          </a:xfrm>
+          <a:prstGeom prst="rect">
+            <a:avLst/>
+          </a:prstGeom>
+          <a:noFill/>
+        </p:spPr>
+        <p:txBody>
+          <a:bodyPr wrap="square" rtlCol="0">
+            <a:spAutoFit/>
+          </a:bodyPr>
+          <a:lstStyle/>
+          <a:p>
+            <a:r>
+              <a:rPr lang="en-US" sz="700" dirty="0">
+                <a:solidFill>
+                  <a:srgbClr val="DBA520"/>
+                </a:solidFill>
+              </a:rPr>
+              <a:t>X-DIM-B</a:t>
+            </a:r>
+            <a:endParaRPr lang="en-US" sz="1200" dirty="0">
+              <a:solidFill>
+                <a:srgbClr val="DBA520"/>
+              </a:solidFill>
+            </a:endParaRPr>
+          </a:p>
+        </p:txBody>
+      </p:sp>
+      <p:sp>
+        <p:nvSpPr>
+          <p:cNvPr id="110" name="TextBox 109">
+            <a:extLst>
+              <a:ext uri="{FF2B5EF4-FFF2-40B4-BE49-F238E27FC236}">
+                <a16:creationId xmlns:a16="http://schemas.microsoft.com/office/drawing/2014/main" id="{429A73F3-80DA-7B44-8486-0CD8D96ECE0D}"/>
+              </a:ext>
+            </a:extLst>
+          </p:cNvPr>
+          <p:cNvSpPr txBox="1"/>
+          <p:nvPr/>
+        </p:nvSpPr>
+        <p:spPr>
+          <a:xfrm>
+            <a:off x="9383794" y="4463013"/>
+            <a:ext cx="598512" cy="200055"/>
+          </a:xfrm>
+          <a:prstGeom prst="rect">
+            <a:avLst/>
+          </a:prstGeom>
+          <a:noFill/>
+        </p:spPr>
+        <p:txBody>
+          <a:bodyPr wrap="square" rtlCol="0">
+            <a:spAutoFit/>
+          </a:bodyPr>
+          <a:lstStyle/>
+          <a:p>
+            <a:r>
+              <a:rPr lang="en-US" sz="700" dirty="0">
+                <a:solidFill>
+                  <a:srgbClr val="DBA520"/>
+                </a:solidFill>
+              </a:rPr>
+              <a:t>X-DSRB-D</a:t>
+            </a:r>
+            <a:endParaRPr lang="en-US" sz="1200" dirty="0">
+              <a:solidFill>
+                <a:srgbClr val="DBA520"/>
+              </a:solidFill>
+            </a:endParaRPr>
+          </a:p>
+        </p:txBody>
+      </p:sp>
+      <p:sp>
+        <p:nvSpPr>
+          <p:cNvPr id="111" name="TextBox 110">
+            <a:extLst>
+              <a:ext uri="{FF2B5EF4-FFF2-40B4-BE49-F238E27FC236}">
+                <a16:creationId xmlns:a16="http://schemas.microsoft.com/office/drawing/2014/main" id="{F7051862-712C-8145-8263-82FB652E5FB9}"/>
+              </a:ext>
+            </a:extLst>
+          </p:cNvPr>
+          <p:cNvSpPr txBox="1"/>
+          <p:nvPr/>
+        </p:nvSpPr>
+        <p:spPr>
+          <a:xfrm>
+            <a:off x="9709390" y="3637899"/>
+            <a:ext cx="598512" cy="200055"/>
+          </a:xfrm>
+          <a:prstGeom prst="rect">
+            <a:avLst/>
+          </a:prstGeom>
+          <a:noFill/>
+        </p:spPr>
+        <p:txBody>
+          <a:bodyPr wrap="square" rtlCol="0">
+            <a:spAutoFit/>
+          </a:bodyPr>
+          <a:lstStyle/>
+          <a:p>
+            <a:r>
+              <a:rPr lang="en-US" sz="700" dirty="0">
+                <a:solidFill>
+                  <a:srgbClr val="DBA520"/>
+                </a:solidFill>
+              </a:rPr>
+              <a:t>X-DSRB-A</a:t>
+            </a:r>
+            <a:endParaRPr lang="en-US" sz="1200" dirty="0">
+              <a:solidFill>
+                <a:srgbClr val="DBA520"/>
+              </a:solidFill>
+            </a:endParaRPr>
+          </a:p>
+        </p:txBody>
+      </p:sp>
+      <p:sp>
+        <p:nvSpPr>
+          <p:cNvPr id="112" name="TextBox 111">
+            <a:extLst>
+              <a:ext uri="{FF2B5EF4-FFF2-40B4-BE49-F238E27FC236}">
+                <a16:creationId xmlns:a16="http://schemas.microsoft.com/office/drawing/2014/main" id="{FA5BB920-E0BE-9E46-9771-F5666654AAD3}"/>
+              </a:ext>
+            </a:extLst>
+          </p:cNvPr>
+          <p:cNvSpPr txBox="1"/>
+          <p:nvPr/>
+        </p:nvSpPr>
+        <p:spPr>
+          <a:xfrm>
+            <a:off x="7246357" y="1419224"/>
+            <a:ext cx="493534" cy="200055"/>
+          </a:xfrm>
+          <a:prstGeom prst="rect">
+            <a:avLst/>
+          </a:prstGeom>
+          <a:noFill/>
+        </p:spPr>
+        <p:txBody>
+          <a:bodyPr wrap="square" rtlCol="0">
+            <a:spAutoFit/>
+          </a:bodyPr>
+          <a:lstStyle/>
+          <a:p>
+            <a:r>
+              <a:rPr lang="en-US" sz="700" dirty="0">
+                <a:solidFill>
+                  <a:srgbClr val="1A00FF"/>
+                </a:solidFill>
+              </a:rPr>
+              <a:t>X-DHAL</a:t>
+            </a:r>
+            <a:endParaRPr lang="en-US" sz="1200" dirty="0">
+              <a:solidFill>
+                <a:srgbClr val="1A00FF"/>
+              </a:solidFill>
+            </a:endParaRPr>
+          </a:p>
+        </p:txBody>
+      </p:sp>
+      <p:sp>
+        <p:nvSpPr>
+          <p:cNvPr id="113" name="TextBox 112">
+            <a:extLst>
+              <a:ext uri="{FF2B5EF4-FFF2-40B4-BE49-F238E27FC236}">
+                <a16:creationId xmlns:a16="http://schemas.microsoft.com/office/drawing/2014/main" id="{CD1355F2-EF24-0D4A-94D0-5BEE5892D15A}"/>
+              </a:ext>
+            </a:extLst>
+          </p:cNvPr>
+          <p:cNvSpPr txBox="1"/>
+          <p:nvPr/>
+        </p:nvSpPr>
+        <p:spPr>
+          <a:xfrm>
+            <a:off x="7451284" y="1693370"/>
+            <a:ext cx="551123" cy="200055"/>
+          </a:xfrm>
+          <a:prstGeom prst="rect">
+            <a:avLst/>
+          </a:prstGeom>
+          <a:noFill/>
+        </p:spPr>
+        <p:txBody>
+          <a:bodyPr wrap="square" rtlCol="0">
+            <a:spAutoFit/>
+          </a:bodyPr>
+          <a:lstStyle/>
+          <a:p>
+            <a:r>
+              <a:rPr lang="en-US" sz="700" dirty="0">
+                <a:solidFill>
+                  <a:srgbClr val="1A00FF"/>
+                </a:solidFill>
+              </a:rPr>
+              <a:t>X-DHAL-2</a:t>
+            </a:r>
+            <a:endParaRPr lang="en-US" sz="1200" dirty="0">
+              <a:solidFill>
+                <a:srgbClr val="1A00FF"/>
+              </a:solidFill>
+            </a:endParaRPr>
+          </a:p>
+        </p:txBody>
+      </p:sp>
+      <p:sp>
+        <p:nvSpPr>
+          <p:cNvPr id="115" name="TextBox 114">
+            <a:extLst>
+              <a:ext uri="{FF2B5EF4-FFF2-40B4-BE49-F238E27FC236}">
+                <a16:creationId xmlns:a16="http://schemas.microsoft.com/office/drawing/2014/main" id="{EE9853F0-0D69-DD4A-8C1E-FB567722A6AF}"/>
+              </a:ext>
+            </a:extLst>
+          </p:cNvPr>
+          <p:cNvSpPr txBox="1"/>
+          <p:nvPr/>
+        </p:nvSpPr>
+        <p:spPr>
+          <a:xfrm>
+            <a:off x="8190949" y="2219160"/>
+            <a:ext cx="493534" cy="200055"/>
+          </a:xfrm>
+          <a:prstGeom prst="rect">
+            <a:avLst/>
+          </a:prstGeom>
+          <a:noFill/>
+        </p:spPr>
+        <p:txBody>
+          <a:bodyPr wrap="square" rtlCol="0">
+            <a:spAutoFit/>
+          </a:bodyPr>
+          <a:lstStyle/>
+          <a:p>
+            <a:r>
+              <a:rPr lang="en-US" sz="700" dirty="0">
+                <a:solidFill>
+                  <a:srgbClr val="FD0000"/>
+                </a:solidFill>
+              </a:rPr>
+              <a:t>X-CMC</a:t>
+            </a:r>
+            <a:endParaRPr lang="en-US" sz="1200" dirty="0">
+              <a:solidFill>
+                <a:srgbClr val="FD0000"/>
+              </a:solidFill>
+            </a:endParaRPr>
+          </a:p>
+        </p:txBody>
+      </p:sp>
+      <p:sp>
+        <p:nvSpPr>
+          <p:cNvPr id="116" name="TextBox 115">
+            <a:extLst>
+              <a:ext uri="{FF2B5EF4-FFF2-40B4-BE49-F238E27FC236}">
+                <a16:creationId xmlns:a16="http://schemas.microsoft.com/office/drawing/2014/main" id="{76E77B2F-BE5C-F34C-BC73-A916EF7A6D70}"/>
+              </a:ext>
+            </a:extLst>
+          </p:cNvPr>
+          <p:cNvSpPr txBox="1"/>
+          <p:nvPr/>
+        </p:nvSpPr>
+        <p:spPr>
+          <a:xfrm>
+            <a:off x="8478396" y="1708118"/>
+            <a:ext cx="493534" cy="200055"/>
+          </a:xfrm>
+          <a:prstGeom prst="rect">
+            <a:avLst/>
+          </a:prstGeom>
+          <a:noFill/>
+        </p:spPr>
+        <p:txBody>
+          <a:bodyPr wrap="square" rtlCol="0">
+            <a:spAutoFit/>
+          </a:bodyPr>
+          <a:lstStyle/>
+          <a:p>
+            <a:r>
+              <a:rPr lang="en-US" sz="700" dirty="0">
+                <a:solidFill>
+                  <a:srgbClr val="FD0000"/>
+                </a:solidFill>
+              </a:rPr>
+              <a:t>X-DIM‡</a:t>
+            </a:r>
+            <a:endParaRPr lang="en-US" sz="1200" dirty="0">
+              <a:solidFill>
+                <a:srgbClr val="FD0000"/>
+              </a:solidFill>
+            </a:endParaRPr>
+          </a:p>
+        </p:txBody>
+      </p:sp>
+      <p:sp>
+        <p:nvSpPr>
+          <p:cNvPr id="117" name="TextBox 116">
+            <a:extLst>
+              <a:ext uri="{FF2B5EF4-FFF2-40B4-BE49-F238E27FC236}">
+                <a16:creationId xmlns:a16="http://schemas.microsoft.com/office/drawing/2014/main" id="{1940FF3A-99CF-5144-915C-16B8BBBF893A}"/>
+              </a:ext>
+            </a:extLst>
+          </p:cNvPr>
+          <p:cNvSpPr txBox="1"/>
+          <p:nvPr/>
+        </p:nvSpPr>
+        <p:spPr>
+          <a:xfrm>
+            <a:off x="8735383" y="2291135"/>
+            <a:ext cx="493534" cy="200055"/>
+          </a:xfrm>
+          <a:prstGeom prst="rect">
+            <a:avLst/>
+          </a:prstGeom>
+          <a:noFill/>
+        </p:spPr>
+        <p:txBody>
+          <a:bodyPr wrap="square" rtlCol="0">
+            <a:spAutoFit/>
+          </a:bodyPr>
+          <a:lstStyle/>
+          <a:p>
+            <a:r>
+              <a:rPr lang="en-US" sz="700" dirty="0">
+                <a:solidFill>
+                  <a:srgbClr val="FD0000"/>
+                </a:solidFill>
+              </a:rPr>
+              <a:t>X-DIM-A</a:t>
+            </a:r>
+            <a:endParaRPr lang="en-US" sz="1200" dirty="0">
+              <a:solidFill>
+                <a:srgbClr val="FD0000"/>
+              </a:solidFill>
+            </a:endParaRPr>
+          </a:p>
+        </p:txBody>
+      </p:sp>
+      <p:sp>
+        <p:nvSpPr>
+          <p:cNvPr id="118" name="TextBox 117">
+            <a:extLst>
+              <a:ext uri="{FF2B5EF4-FFF2-40B4-BE49-F238E27FC236}">
+                <a16:creationId xmlns:a16="http://schemas.microsoft.com/office/drawing/2014/main" id="{57705EED-5BEA-1D4E-9492-ABABF4C66D26}"/>
+              </a:ext>
+            </a:extLst>
+          </p:cNvPr>
+          <p:cNvSpPr txBox="1"/>
+          <p:nvPr/>
+        </p:nvSpPr>
+        <p:spPr>
+          <a:xfrm>
+            <a:off x="9144756" y="2254052"/>
+            <a:ext cx="493534" cy="200055"/>
+          </a:xfrm>
+          <a:prstGeom prst="rect">
+            <a:avLst/>
+          </a:prstGeom>
+          <a:noFill/>
+        </p:spPr>
+        <p:txBody>
+          <a:bodyPr wrap="square" rtlCol="0">
+            <a:spAutoFit/>
+          </a:bodyPr>
+          <a:lstStyle/>
+          <a:p>
+            <a:r>
+              <a:rPr lang="en-US" sz="700" dirty="0">
+                <a:solidFill>
+                  <a:srgbClr val="FD0000"/>
+                </a:solidFill>
+              </a:rPr>
+              <a:t>X-DIM-D</a:t>
+            </a:r>
+            <a:endParaRPr lang="en-US" sz="1200" dirty="0">
+              <a:solidFill>
+                <a:srgbClr val="FD0000"/>
+              </a:solidFill>
+            </a:endParaRPr>
+          </a:p>
+        </p:txBody>
+      </p:sp>
+      <p:sp>
+        <p:nvSpPr>
+          <p:cNvPr id="119" name="TextBox 118">
+            <a:extLst>
+              <a:ext uri="{FF2B5EF4-FFF2-40B4-BE49-F238E27FC236}">
+                <a16:creationId xmlns:a16="http://schemas.microsoft.com/office/drawing/2014/main" id="{439AEF4F-954A-E444-9E20-021503F9A65B}"/>
+              </a:ext>
+            </a:extLst>
+          </p:cNvPr>
+          <p:cNvSpPr txBox="1"/>
+          <p:nvPr/>
+        </p:nvSpPr>
+        <p:spPr>
+          <a:xfrm>
+            <a:off x="9498974" y="1804803"/>
+            <a:ext cx="598512" cy="200055"/>
+          </a:xfrm>
+          <a:prstGeom prst="rect">
+            <a:avLst/>
+          </a:prstGeom>
+          <a:noFill/>
+        </p:spPr>
+        <p:txBody>
+          <a:bodyPr wrap="square" rtlCol="0">
+            <a:spAutoFit/>
+          </a:bodyPr>
+          <a:lstStyle/>
+          <a:p>
+            <a:r>
+              <a:rPr lang="en-US" sz="700" dirty="0">
+                <a:solidFill>
+                  <a:srgbClr val="FD0000"/>
+                </a:solidFill>
+              </a:rPr>
+              <a:t>X-DSRB-M</a:t>
+            </a:r>
+            <a:endParaRPr lang="en-US" sz="1200" dirty="0">
+              <a:solidFill>
+                <a:srgbClr val="FD0000"/>
+              </a:solidFill>
+            </a:endParaRPr>
+          </a:p>
+        </p:txBody>
+      </p:sp>
+      <p:sp>
+        <p:nvSpPr>
+          <p:cNvPr id="120" name="TextBox 119">
+            <a:extLst>
+              <a:ext uri="{FF2B5EF4-FFF2-40B4-BE49-F238E27FC236}">
+                <a16:creationId xmlns:a16="http://schemas.microsoft.com/office/drawing/2014/main" id="{99474328-923D-E44C-B474-07ABD8F19B2B}"/>
+              </a:ext>
+            </a:extLst>
+          </p:cNvPr>
+          <p:cNvSpPr txBox="1"/>
+          <p:nvPr/>
+        </p:nvSpPr>
+        <p:spPr>
+          <a:xfrm>
+            <a:off x="9757968" y="933668"/>
+            <a:ext cx="598512" cy="200055"/>
+          </a:xfrm>
+          <a:prstGeom prst="rect">
+            <a:avLst/>
+          </a:prstGeom>
+          <a:noFill/>
+        </p:spPr>
+        <p:txBody>
+          <a:bodyPr wrap="square" rtlCol="0">
+            <a:spAutoFit/>
+          </a:bodyPr>
+          <a:lstStyle/>
+          <a:p>
+            <a:r>
+              <a:rPr lang="en-US" sz="700" dirty="0">
+                <a:solidFill>
+                  <a:srgbClr val="FD0000"/>
+                </a:solidFill>
+              </a:rPr>
+              <a:t>X-DSRB-A</a:t>
+            </a:r>
+            <a:endParaRPr lang="en-US" sz="1200" dirty="0">
+              <a:solidFill>
+                <a:srgbClr val="FD0000"/>
+              </a:solidFill>
+            </a:endParaRPr>
+          </a:p>
+        </p:txBody>
+      </p:sp>
+      <p:sp>
+        <p:nvSpPr>
+          <p:cNvPr id="121" name="TextBox 120">
+            <a:extLst>
+              <a:ext uri="{FF2B5EF4-FFF2-40B4-BE49-F238E27FC236}">
+                <a16:creationId xmlns:a16="http://schemas.microsoft.com/office/drawing/2014/main" id="{91857858-EDA0-324C-B8BC-14F71B6E2704}"/>
+              </a:ext>
+            </a:extLst>
+          </p:cNvPr>
+          <p:cNvSpPr txBox="1"/>
+          <p:nvPr/>
+        </p:nvSpPr>
+        <p:spPr>
+          <a:xfrm>
+            <a:off x="7871540" y="1824248"/>
+            <a:ext cx="493534" cy="200055"/>
+          </a:xfrm>
+          <a:prstGeom prst="rect">
+            <a:avLst/>
+          </a:prstGeom>
+          <a:noFill/>
+        </p:spPr>
+        <p:txBody>
+          <a:bodyPr wrap="square" rtlCol="0">
+            <a:spAutoFit/>
+          </a:bodyPr>
+          <a:lstStyle/>
+          <a:p>
+            <a:r>
+              <a:rPr lang="en-US" sz="700" dirty="0">
+                <a:solidFill>
+                  <a:srgbClr val="FD0000"/>
+                </a:solidFill>
+              </a:rPr>
+              <a:t>X-CMC‡</a:t>
+            </a:r>
+            <a:endParaRPr lang="en-US" sz="1200" dirty="0">
+              <a:solidFill>
+                <a:srgbClr val="FD0000"/>
+              </a:solidFill>
+            </a:endParaRPr>
+          </a:p>
+        </p:txBody>
+      </p:sp>
     </p:spTree>
     <p:extLst>
       <p:ext uri="{BB962C8B-B14F-4D97-AF65-F5344CB8AC3E}">
-        <p14:creationId xmlns:p14="http://schemas.microsoft.com/office/powerpoint/2010/main" val="62311222"/>
+        <p14:creationId xmlns:p14="http://schemas.microsoft.com/office/powerpoint/2010/main" val="2395510870"/>
       </p:ext>
     </p:extLst>
   </p:cSld>

--- a/EnergyFile.pptx
+++ b/EnergyFile.pptx
@@ -13,8 +13,8 @@
     <p:sldId id="289" r:id="rId4"/>
     <p:sldId id="292" r:id="rId5"/>
     <p:sldId id="301" r:id="rId6"/>
-    <p:sldId id="309" r:id="rId7"/>
-    <p:sldId id="307" r:id="rId8"/>
+    <p:sldId id="312" r:id="rId7"/>
+    <p:sldId id="309" r:id="rId8"/>
     <p:sldId id="306" r:id="rId9"/>
     <p:sldId id="308" r:id="rId10"/>
     <p:sldId id="303" r:id="rId11"/>
@@ -219,7 +219,7 @@
           <a:p>
             <a:fld id="{E0D357E1-BBCA-7E4B-882A-08C6CB0DA45B}" type="datetimeFigureOut">
               <a:rPr lang="en-US" smtClean="0"/>
-              <a:t>5/19/21</a:t>
+              <a:t>5/20/21</a:t>
             </a:fld>
             <a:endParaRPr lang="en-US"/>
           </a:p>
@@ -1203,53 +1203,7 @@
           <a:bodyPr/>
           <a:lstStyle/>
           <a:p>
-            <a:r>
-              <a:rPr lang="en-US" dirty="0">
-                <a:latin typeface="Arial" panose="020B0604020202020204" pitchFamily="34" charset="0"/>
-                <a:cs typeface="Arial" panose="020B0604020202020204" pitchFamily="34" charset="0"/>
-              </a:rPr>
-              <a:t>Lack cartoon label: </a:t>
-            </a:r>
-            <a:br>
-              <a:rPr lang="en-US" dirty="0">
-                <a:latin typeface="Arial" panose="020B0604020202020204" pitchFamily="34" charset="0"/>
-                <a:cs typeface="Arial" panose="020B0604020202020204" pitchFamily="34" charset="0"/>
-              </a:rPr>
-            </a:br>
-            <a:r>
-              <a:rPr lang="en-US" dirty="0">
-                <a:latin typeface="Arial" panose="020B0604020202020204" pitchFamily="34" charset="0"/>
-                <a:cs typeface="Arial" panose="020B0604020202020204" pitchFamily="34" charset="0"/>
-              </a:rPr>
-              <a:t>1. green box: X-SURF</a:t>
-            </a:r>
-          </a:p>
-          <a:p>
-            <a:r>
-              <a:rPr lang="en-US" dirty="0">
-                <a:latin typeface="Arial" panose="020B0604020202020204" pitchFamily="34" charset="0"/>
-                <a:cs typeface="Arial" panose="020B0604020202020204" pitchFamily="34" charset="0"/>
-              </a:rPr>
-              <a:t>2. Red box: X-DSRB-D, X-PROD</a:t>
-            </a:r>
-          </a:p>
-          <a:p>
-            <a:r>
-              <a:rPr lang="en-US" dirty="0">
-                <a:latin typeface="Arial" panose="020B0604020202020204" pitchFamily="34" charset="0"/>
-                <a:cs typeface="Arial" panose="020B0604020202020204" pitchFamily="34" charset="0"/>
-              </a:rPr>
-              <a:t>3. Black box: DSRB-D, PROD</a:t>
-            </a:r>
-          </a:p>
-          <a:p>
-            <a:r>
-              <a:rPr lang="en-US" dirty="0">
-                <a:latin typeface="Arial" panose="020B0604020202020204" pitchFamily="34" charset="0"/>
-                <a:cs typeface="Arial" panose="020B0604020202020204" pitchFamily="34" charset="0"/>
-              </a:rPr>
-              <a:t>(the font should be Arial)</a:t>
-            </a:r>
+            <a:endParaRPr lang="en-US" dirty="0"/>
           </a:p>
         </p:txBody>
       </p:sp>
@@ -1268,7 +1222,7 @@
           <a:bodyPr/>
           <a:lstStyle/>
           <a:p>
-            <a:fld id="{4E02406E-51B6-6C4F-B6FA-25E5FA24AA93}" type="slidenum">
+            <a:fld id="{25211B34-18CC-D744-9E8C-A2A3BCB534CD}" type="slidenum">
               <a:rPr lang="en-US" smtClean="0"/>
               <a:t>6</a:t>
             </a:fld>
@@ -1279,7 +1233,7 @@
     </p:spTree>
     <p:extLst>
       <p:ext uri="{BB962C8B-B14F-4D97-AF65-F5344CB8AC3E}">
-        <p14:creationId xmlns:p14="http://schemas.microsoft.com/office/powerpoint/2010/main" val="2235536615"/>
+        <p14:creationId xmlns:p14="http://schemas.microsoft.com/office/powerpoint/2010/main" val="3074786627"/>
       </p:ext>
     </p:extLst>
   </p:cSld>
@@ -1333,7 +1287,53 @@
           <a:bodyPr/>
           <a:lstStyle/>
           <a:p>
-            <a:endParaRPr lang="en-US" dirty="0"/>
+            <a:r>
+              <a:rPr lang="en-US" dirty="0">
+                <a:latin typeface="Arial" panose="020B0604020202020204" pitchFamily="34" charset="0"/>
+                <a:cs typeface="Arial" panose="020B0604020202020204" pitchFamily="34" charset="0"/>
+              </a:rPr>
+              <a:t>Lack cartoon label: </a:t>
+            </a:r>
+            <a:br>
+              <a:rPr lang="en-US" dirty="0">
+                <a:latin typeface="Arial" panose="020B0604020202020204" pitchFamily="34" charset="0"/>
+                <a:cs typeface="Arial" panose="020B0604020202020204" pitchFamily="34" charset="0"/>
+              </a:rPr>
+            </a:br>
+            <a:r>
+              <a:rPr lang="en-US" dirty="0">
+                <a:latin typeface="Arial" panose="020B0604020202020204" pitchFamily="34" charset="0"/>
+                <a:cs typeface="Arial" panose="020B0604020202020204" pitchFamily="34" charset="0"/>
+              </a:rPr>
+              <a:t>1. green box: X-SURF</a:t>
+            </a:r>
+          </a:p>
+          <a:p>
+            <a:r>
+              <a:rPr lang="en-US" dirty="0">
+                <a:latin typeface="Arial" panose="020B0604020202020204" pitchFamily="34" charset="0"/>
+                <a:cs typeface="Arial" panose="020B0604020202020204" pitchFamily="34" charset="0"/>
+              </a:rPr>
+              <a:t>2. Red box: X-DSRB-D, X-PROD</a:t>
+            </a:r>
+          </a:p>
+          <a:p>
+            <a:r>
+              <a:rPr lang="en-US" dirty="0">
+                <a:latin typeface="Arial" panose="020B0604020202020204" pitchFamily="34" charset="0"/>
+                <a:cs typeface="Arial" panose="020B0604020202020204" pitchFamily="34" charset="0"/>
+              </a:rPr>
+              <a:t>3. Black box: DSRB-D, PROD</a:t>
+            </a:r>
+          </a:p>
+          <a:p>
+            <a:r>
+              <a:rPr lang="en-US" dirty="0">
+                <a:latin typeface="Arial" panose="020B0604020202020204" pitchFamily="34" charset="0"/>
+                <a:cs typeface="Arial" panose="020B0604020202020204" pitchFamily="34" charset="0"/>
+              </a:rPr>
+              <a:t>(the font should be Arial)</a:t>
+            </a:r>
           </a:p>
         </p:txBody>
       </p:sp>
@@ -1363,7 +1363,7 @@
     </p:spTree>
     <p:extLst>
       <p:ext uri="{BB962C8B-B14F-4D97-AF65-F5344CB8AC3E}">
-        <p14:creationId xmlns:p14="http://schemas.microsoft.com/office/powerpoint/2010/main" val="2661385490"/>
+        <p14:creationId xmlns:p14="http://schemas.microsoft.com/office/powerpoint/2010/main" val="2235536615"/>
       </p:ext>
     </p:extLst>
   </p:cSld>
@@ -1784,7 +1784,7 @@
           <a:p>
             <a:fld id="{2E7BD062-3872-2745-B58F-7FE843EEF26B}" type="datetimeFigureOut">
               <a:rPr lang="en-US" smtClean="0"/>
-              <a:t>5/19/21</a:t>
+              <a:t>5/20/21</a:t>
             </a:fld>
             <a:endParaRPr lang="en-US"/>
           </a:p>
@@ -1982,7 +1982,7 @@
           <a:p>
             <a:fld id="{2E7BD062-3872-2745-B58F-7FE843EEF26B}" type="datetimeFigureOut">
               <a:rPr lang="en-US" smtClean="0"/>
-              <a:t>5/19/21</a:t>
+              <a:t>5/20/21</a:t>
             </a:fld>
             <a:endParaRPr lang="en-US"/>
           </a:p>
@@ -2190,7 +2190,7 @@
           <a:p>
             <a:fld id="{2E7BD062-3872-2745-B58F-7FE843EEF26B}" type="datetimeFigureOut">
               <a:rPr lang="en-US" smtClean="0"/>
-              <a:t>5/19/21</a:t>
+              <a:t>5/20/21</a:t>
             </a:fld>
             <a:endParaRPr lang="en-US"/>
           </a:p>
@@ -2388,7 +2388,7 @@
           <a:p>
             <a:fld id="{2E7BD062-3872-2745-B58F-7FE843EEF26B}" type="datetimeFigureOut">
               <a:rPr lang="en-US" smtClean="0"/>
-              <a:t>5/19/21</a:t>
+              <a:t>5/20/21</a:t>
             </a:fld>
             <a:endParaRPr lang="en-US"/>
           </a:p>
@@ -2663,7 +2663,7 @@
           <a:p>
             <a:fld id="{2E7BD062-3872-2745-B58F-7FE843EEF26B}" type="datetimeFigureOut">
               <a:rPr lang="en-US" smtClean="0"/>
-              <a:t>5/19/21</a:t>
+              <a:t>5/20/21</a:t>
             </a:fld>
             <a:endParaRPr lang="en-US"/>
           </a:p>
@@ -2928,7 +2928,7 @@
           <a:p>
             <a:fld id="{2E7BD062-3872-2745-B58F-7FE843EEF26B}" type="datetimeFigureOut">
               <a:rPr lang="en-US" smtClean="0"/>
-              <a:t>5/19/21</a:t>
+              <a:t>5/20/21</a:t>
             </a:fld>
             <a:endParaRPr lang="en-US"/>
           </a:p>
@@ -3340,7 +3340,7 @@
           <a:p>
             <a:fld id="{2E7BD062-3872-2745-B58F-7FE843EEF26B}" type="datetimeFigureOut">
               <a:rPr lang="en-US" smtClean="0"/>
-              <a:t>5/19/21</a:t>
+              <a:t>5/20/21</a:t>
             </a:fld>
             <a:endParaRPr lang="en-US"/>
           </a:p>
@@ -3481,7 +3481,7 @@
           <a:p>
             <a:fld id="{2E7BD062-3872-2745-B58F-7FE843EEF26B}" type="datetimeFigureOut">
               <a:rPr lang="en-US" smtClean="0"/>
-              <a:t>5/19/21</a:t>
+              <a:t>5/20/21</a:t>
             </a:fld>
             <a:endParaRPr lang="en-US"/>
           </a:p>
@@ -3594,7 +3594,7 @@
           <a:p>
             <a:fld id="{2E7BD062-3872-2745-B58F-7FE843EEF26B}" type="datetimeFigureOut">
               <a:rPr lang="en-US" smtClean="0"/>
-              <a:t>5/19/21</a:t>
+              <a:t>5/20/21</a:t>
             </a:fld>
             <a:endParaRPr lang="en-US"/>
           </a:p>
@@ -3905,7 +3905,7 @@
           <a:p>
             <a:fld id="{2E7BD062-3872-2745-B58F-7FE843EEF26B}" type="datetimeFigureOut">
               <a:rPr lang="en-US" smtClean="0"/>
-              <a:t>5/19/21</a:t>
+              <a:t>5/20/21</a:t>
             </a:fld>
             <a:endParaRPr lang="en-US"/>
           </a:p>
@@ -4193,7 +4193,7 @@
           <a:p>
             <a:fld id="{2E7BD062-3872-2745-B58F-7FE843EEF26B}" type="datetimeFigureOut">
               <a:rPr lang="en-US" smtClean="0"/>
-              <a:t>5/19/21</a:t>
+              <a:t>5/20/21</a:t>
             </a:fld>
             <a:endParaRPr lang="en-US"/>
           </a:p>
@@ -4434,7 +4434,7 @@
           <a:p>
             <a:fld id="{2E7BD062-3872-2745-B58F-7FE843EEF26B}" type="datetimeFigureOut">
               <a:rPr lang="en-US" smtClean="0"/>
-              <a:t>5/19/21</a:t>
+              <a:t>5/20/21</a:t>
             </a:fld>
             <a:endParaRPr lang="en-US"/>
           </a:p>
@@ -10747,12 +10747,47 @@
           <a:chExt cx="0" cy="0"/>
         </a:xfrm>
       </p:grpSpPr>
+      <p:sp>
+        <p:nvSpPr>
+          <p:cNvPr id="4" name="TextBox 3">
+            <a:extLst>
+              <a:ext uri="{FF2B5EF4-FFF2-40B4-BE49-F238E27FC236}">
+                <a16:creationId xmlns:a16="http://schemas.microsoft.com/office/drawing/2014/main" id="{0096DDBD-F4D1-034D-81BA-6D0A27E33C4F}"/>
+              </a:ext>
+            </a:extLst>
+          </p:cNvPr>
+          <p:cNvSpPr txBox="1"/>
+          <p:nvPr/>
+        </p:nvSpPr>
+        <p:spPr>
+          <a:xfrm>
+            <a:off x="2507780" y="118190"/>
+            <a:ext cx="1557959" cy="369332"/>
+          </a:xfrm>
+          <a:prstGeom prst="rect">
+            <a:avLst/>
+          </a:prstGeom>
+          <a:noFill/>
+        </p:spPr>
+        <p:txBody>
+          <a:bodyPr wrap="square" rtlCol="0">
+            <a:spAutoFit/>
+          </a:bodyPr>
+          <a:lstStyle/>
+          <a:p>
+            <a:r>
+              <a:rPr lang="en-US" dirty="0"/>
+              <a:t>Au(111)</a:t>
+            </a:r>
+          </a:p>
+        </p:txBody>
+      </p:sp>
       <p:pic>
         <p:nvPicPr>
-          <p:cNvPr id="3" name="Picture 2">
-            <a:extLst>
-              <a:ext uri="{FF2B5EF4-FFF2-40B4-BE49-F238E27FC236}">
-                <a16:creationId xmlns:a16="http://schemas.microsoft.com/office/drawing/2014/main" id="{E099BDCB-F197-C54D-A270-E90DFC10AA31}"/>
+          <p:cNvPr id="6" name="Picture 5">
+            <a:extLst>
+              <a:ext uri="{FF2B5EF4-FFF2-40B4-BE49-F238E27FC236}">
+                <a16:creationId xmlns:a16="http://schemas.microsoft.com/office/drawing/2014/main" id="{2E3AC1A9-076D-C64B-A723-5FC1D036CC2B}"/>
               </a:ext>
             </a:extLst>
           </p:cNvPr>
@@ -10763,13 +10798,13 @@
         </p:nvPicPr>
         <p:blipFill rotWithShape="1">
           <a:blip r:embed="rId3"/>
-          <a:srcRect t="22614" b="21986"/>
+          <a:srcRect t="23872" b="23655"/>
           <a:stretch/>
         </p:blipFill>
         <p:spPr>
           <a:xfrm>
-            <a:off x="127478" y="133568"/>
-            <a:ext cx="11937044" cy="6613183"/>
+            <a:off x="608371" y="774473"/>
+            <a:ext cx="10975258" cy="5759061"/>
           </a:xfrm>
           <a:prstGeom prst="rect">
             <a:avLst/>
@@ -10781,7 +10816,7 @@
           <p:cNvPr id="7" name="Picture 6">
             <a:extLst>
               <a:ext uri="{FF2B5EF4-FFF2-40B4-BE49-F238E27FC236}">
-                <a16:creationId xmlns:a16="http://schemas.microsoft.com/office/drawing/2014/main" id="{44C8A3A7-AF3A-034F-B80A-40B7ED489AC8}"/>
+                <a16:creationId xmlns:a16="http://schemas.microsoft.com/office/drawing/2014/main" id="{5E4D7194-40FF-494B-899F-F73E041066F0}"/>
               </a:ext>
             </a:extLst>
           </p:cNvPr>
@@ -10798,7 +10833,7 @@
         </p:blipFill>
         <p:spPr>
           <a:xfrm>
-            <a:off x="1267535" y="1634151"/>
+            <a:off x="1678005" y="2777664"/>
             <a:ext cx="721360" cy="450088"/>
           </a:xfrm>
           <a:prstGeom prst="rect">
@@ -10816,7 +10851,7 @@
           <p:cNvPr id="8" name="Picture 7">
             <a:extLst>
               <a:ext uri="{FF2B5EF4-FFF2-40B4-BE49-F238E27FC236}">
-                <a16:creationId xmlns:a16="http://schemas.microsoft.com/office/drawing/2014/main" id="{E8287CB4-8F3B-DB4E-8573-81C90E81115E}"/>
+                <a16:creationId xmlns:a16="http://schemas.microsoft.com/office/drawing/2014/main" id="{A72CFF12-3F7E-C243-921E-FE0185207223}"/>
               </a:ext>
             </a:extLst>
           </p:cNvPr>
@@ -10833,7 +10868,7 @@
         </p:blipFill>
         <p:spPr>
           <a:xfrm>
-            <a:off x="2040818" y="3113042"/>
+            <a:off x="2399365" y="4092787"/>
             <a:ext cx="721360" cy="450088"/>
           </a:xfrm>
           <a:prstGeom prst="rect">
@@ -10851,7 +10886,7 @@
           <p:cNvPr id="9" name="Picture 8">
             <a:extLst>
               <a:ext uri="{FF2B5EF4-FFF2-40B4-BE49-F238E27FC236}">
-                <a16:creationId xmlns:a16="http://schemas.microsoft.com/office/drawing/2014/main" id="{EE74D3EE-8C70-7847-9841-6F9BA5AC0C6E}"/>
+                <a16:creationId xmlns:a16="http://schemas.microsoft.com/office/drawing/2014/main" id="{639F97CF-4EFF-E549-9D83-AE74FA68FAE7}"/>
               </a:ext>
             </a:extLst>
           </p:cNvPr>
@@ -10868,7 +10903,7 @@
         </p:blipFill>
         <p:spPr>
           <a:xfrm>
-            <a:off x="2899895" y="1452231"/>
+            <a:off x="3194043" y="2576319"/>
             <a:ext cx="721360" cy="450088"/>
           </a:xfrm>
           <a:prstGeom prst="rect">
@@ -10886,7 +10921,7 @@
           <p:cNvPr id="10" name="Picture 9">
             <a:extLst>
               <a:ext uri="{FF2B5EF4-FFF2-40B4-BE49-F238E27FC236}">
-                <a16:creationId xmlns:a16="http://schemas.microsoft.com/office/drawing/2014/main" id="{1092D431-CDA9-F64E-83B2-8F389367DB58}"/>
+                <a16:creationId xmlns:a16="http://schemas.microsoft.com/office/drawing/2014/main" id="{FBFF53B5-365C-2844-94B0-23044FE414D4}"/>
               </a:ext>
             </a:extLst>
           </p:cNvPr>
@@ -10903,7 +10938,7 @@
         </p:blipFill>
         <p:spPr>
           <a:xfrm>
-            <a:off x="3679767" y="2587066"/>
+            <a:off x="3705059" y="3722461"/>
             <a:ext cx="721360" cy="450088"/>
           </a:xfrm>
           <a:prstGeom prst="rect">
@@ -10921,7 +10956,7 @@
           <p:cNvPr id="11" name="Picture 10">
             <a:extLst>
               <a:ext uri="{FF2B5EF4-FFF2-40B4-BE49-F238E27FC236}">
-                <a16:creationId xmlns:a16="http://schemas.microsoft.com/office/drawing/2014/main" id="{C536259F-4D9D-324F-BA44-2DCC7C6F0521}"/>
+                <a16:creationId xmlns:a16="http://schemas.microsoft.com/office/drawing/2014/main" id="{05E2BC17-455C-CD49-B543-52175AF7A35D}"/>
               </a:ext>
             </a:extLst>
           </p:cNvPr>
@@ -10938,7 +10973,7 @@
         </p:blipFill>
         <p:spPr>
           <a:xfrm>
-            <a:off x="3612073" y="4293699"/>
+            <a:off x="4551039" y="3882083"/>
             <a:ext cx="721360" cy="450088"/>
           </a:xfrm>
           <a:prstGeom prst="rect">
@@ -10956,7 +10991,7 @@
           <p:cNvPr id="12" name="Picture 11">
             <a:extLst>
               <a:ext uri="{FF2B5EF4-FFF2-40B4-BE49-F238E27FC236}">
-                <a16:creationId xmlns:a16="http://schemas.microsoft.com/office/drawing/2014/main" id="{64D9EBF3-CF40-A54F-AF0D-C355E9C694D0}"/>
+                <a16:creationId xmlns:a16="http://schemas.microsoft.com/office/drawing/2014/main" id="{EC8BAFA2-9B98-004B-9E83-C8DD70D0A4DD}"/>
               </a:ext>
             </a:extLst>
           </p:cNvPr>
@@ -10973,7 +11008,7 @@
         </p:blipFill>
         <p:spPr>
           <a:xfrm>
-            <a:off x="5316305" y="5007531"/>
+            <a:off x="5374640" y="3974016"/>
             <a:ext cx="721360" cy="450088"/>
           </a:xfrm>
           <a:prstGeom prst="rect">
@@ -10988,10 +11023,10 @@
       </p:pic>
       <p:pic>
         <p:nvPicPr>
-          <p:cNvPr id="13" name="Picture 12">
-            <a:extLst>
-              <a:ext uri="{FF2B5EF4-FFF2-40B4-BE49-F238E27FC236}">
-                <a16:creationId xmlns:a16="http://schemas.microsoft.com/office/drawing/2014/main" id="{36313AE6-4347-4B40-BA4A-7DA6716C5CA7}"/>
+          <p:cNvPr id="14" name="Picture 13">
+            <a:extLst>
+              <a:ext uri="{FF2B5EF4-FFF2-40B4-BE49-F238E27FC236}">
+                <a16:creationId xmlns:a16="http://schemas.microsoft.com/office/drawing/2014/main" id="{17C6F3AB-D8B1-3349-BBF3-25F31E38F8B9}"/>
               </a:ext>
             </a:extLst>
           </p:cNvPr>
@@ -11008,7 +11043,7 @@
         </p:blipFill>
         <p:spPr>
           <a:xfrm>
-            <a:off x="5953787" y="2965867"/>
+            <a:off x="6812320" y="2962827"/>
             <a:ext cx="721360" cy="450088"/>
           </a:xfrm>
           <a:prstGeom prst="rect">
@@ -11023,10 +11058,10 @@
       </p:pic>
       <p:pic>
         <p:nvPicPr>
-          <p:cNvPr id="14" name="Picture 13">
-            <a:extLst>
-              <a:ext uri="{FF2B5EF4-FFF2-40B4-BE49-F238E27FC236}">
-                <a16:creationId xmlns:a16="http://schemas.microsoft.com/office/drawing/2014/main" id="{935F77D2-26E9-8C48-8814-304366094376}"/>
+          <p:cNvPr id="16" name="Picture 15">
+            <a:extLst>
+              <a:ext uri="{FF2B5EF4-FFF2-40B4-BE49-F238E27FC236}">
+                <a16:creationId xmlns:a16="http://schemas.microsoft.com/office/drawing/2014/main" id="{1628532E-CB56-CA47-B2D2-E46CC98EEEBD}"/>
               </a:ext>
             </a:extLst>
           </p:cNvPr>
@@ -11043,7 +11078,7 @@
         </p:blipFill>
         <p:spPr>
           <a:xfrm>
-            <a:off x="6741910" y="4902530"/>
+            <a:off x="8115250" y="3974016"/>
             <a:ext cx="721360" cy="450088"/>
           </a:xfrm>
           <a:prstGeom prst="rect">
@@ -11058,10 +11093,10 @@
       </p:pic>
       <p:pic>
         <p:nvPicPr>
-          <p:cNvPr id="15" name="Picture 14">
-            <a:extLst>
-              <a:ext uri="{FF2B5EF4-FFF2-40B4-BE49-F238E27FC236}">
-                <a16:creationId xmlns:a16="http://schemas.microsoft.com/office/drawing/2014/main" id="{9E1B519A-44B4-834F-A073-9B966643FF35}"/>
+          <p:cNvPr id="17" name="Picture 16">
+            <a:extLst>
+              <a:ext uri="{FF2B5EF4-FFF2-40B4-BE49-F238E27FC236}">
+                <a16:creationId xmlns:a16="http://schemas.microsoft.com/office/drawing/2014/main" id="{72D7A5F8-3FA1-1940-AF80-7C25DFCD19C4}"/>
               </a:ext>
             </a:extLst>
           </p:cNvPr>
@@ -11078,7 +11113,7 @@
         </p:blipFill>
         <p:spPr>
           <a:xfrm>
-            <a:off x="7537133" y="2301790"/>
+            <a:off x="8980581" y="3941638"/>
             <a:ext cx="721360" cy="450088"/>
           </a:xfrm>
           <a:prstGeom prst="rect">
@@ -11093,10 +11128,10 @@
       </p:pic>
       <p:pic>
         <p:nvPicPr>
-          <p:cNvPr id="16" name="Picture 15">
-            <a:extLst>
-              <a:ext uri="{FF2B5EF4-FFF2-40B4-BE49-F238E27FC236}">
-                <a16:creationId xmlns:a16="http://schemas.microsoft.com/office/drawing/2014/main" id="{77DDCAE8-660A-374E-A3E8-66829015758F}"/>
+          <p:cNvPr id="18" name="Picture 17">
+            <a:extLst>
+              <a:ext uri="{FF2B5EF4-FFF2-40B4-BE49-F238E27FC236}">
+                <a16:creationId xmlns:a16="http://schemas.microsoft.com/office/drawing/2014/main" id="{CCCF3025-08F8-554E-B276-ACDB926FE519}"/>
               </a:ext>
             </a:extLst>
           </p:cNvPr>
@@ -11113,7 +11148,7 @@
         </p:blipFill>
         <p:spPr>
           <a:xfrm>
-            <a:off x="8399118" y="3566897"/>
+            <a:off x="9512180" y="2983729"/>
             <a:ext cx="721360" cy="450088"/>
           </a:xfrm>
           <a:prstGeom prst="rect">
@@ -11128,10 +11163,10 @@
       </p:pic>
       <p:pic>
         <p:nvPicPr>
-          <p:cNvPr id="17" name="Picture 16">
-            <a:extLst>
-              <a:ext uri="{FF2B5EF4-FFF2-40B4-BE49-F238E27FC236}">
-                <a16:creationId xmlns:a16="http://schemas.microsoft.com/office/drawing/2014/main" id="{BF2FA493-6EC6-104E-91BD-FA6313E91712}"/>
+          <p:cNvPr id="19" name="Picture 18">
+            <a:extLst>
+              <a:ext uri="{FF2B5EF4-FFF2-40B4-BE49-F238E27FC236}">
+                <a16:creationId xmlns:a16="http://schemas.microsoft.com/office/drawing/2014/main" id="{89A2175F-1318-DE44-88C0-1FD142C61D4A}"/>
               </a:ext>
             </a:extLst>
           </p:cNvPr>
@@ -11148,7 +11183,7 @@
         </p:blipFill>
         <p:spPr>
           <a:xfrm>
-            <a:off x="9240392" y="3638951"/>
+            <a:off x="6812320" y="1661504"/>
             <a:ext cx="721360" cy="450088"/>
           </a:xfrm>
           <a:prstGeom prst="rect">
@@ -11156,17 +11191,17 @@
           </a:prstGeom>
           <a:ln w="19050">
             <a:solidFill>
-              <a:srgbClr val="FF0000"/>
+              <a:srgbClr val="00B050"/>
             </a:solidFill>
           </a:ln>
         </p:spPr>
       </p:pic>
       <p:pic>
         <p:nvPicPr>
-          <p:cNvPr id="18" name="Picture 17">
-            <a:extLst>
-              <a:ext uri="{FF2B5EF4-FFF2-40B4-BE49-F238E27FC236}">
-                <a16:creationId xmlns:a16="http://schemas.microsoft.com/office/drawing/2014/main" id="{DE18728F-2FE4-284D-9213-DA4A29808513}"/>
+          <p:cNvPr id="20" name="Picture 19">
+            <a:extLst>
+              <a:ext uri="{FF2B5EF4-FFF2-40B4-BE49-F238E27FC236}">
+                <a16:creationId xmlns:a16="http://schemas.microsoft.com/office/drawing/2014/main" id="{70039336-C5C1-7F4C-A99B-5A7AA2AF1D0D}"/>
               </a:ext>
             </a:extLst>
           </p:cNvPr>
@@ -11183,7 +11218,7 @@
         </p:blipFill>
         <p:spPr>
           <a:xfrm>
-            <a:off x="9776820" y="2526834"/>
+            <a:off x="10304545" y="1886548"/>
             <a:ext cx="721360" cy="450088"/>
           </a:xfrm>
           <a:prstGeom prst="rect">
@@ -11198,10 +11233,10 @@
       </p:pic>
       <p:pic>
         <p:nvPicPr>
-          <p:cNvPr id="19" name="Picture 18">
-            <a:extLst>
-              <a:ext uri="{FF2B5EF4-FFF2-40B4-BE49-F238E27FC236}">
-                <a16:creationId xmlns:a16="http://schemas.microsoft.com/office/drawing/2014/main" id="{818F72DB-AFB7-7A4E-8EA5-274205A5488E}"/>
+          <p:cNvPr id="21" name="Picture 20">
+            <a:extLst>
+              <a:ext uri="{FF2B5EF4-FFF2-40B4-BE49-F238E27FC236}">
+                <a16:creationId xmlns:a16="http://schemas.microsoft.com/office/drawing/2014/main" id="{060694D1-0FA7-704B-A338-36452B6E790D}"/>
               </a:ext>
             </a:extLst>
           </p:cNvPr>
@@ -11218,7 +11253,7 @@
         </p:blipFill>
         <p:spPr>
           <a:xfrm>
-            <a:off x="5935730" y="544707"/>
+            <a:off x="5986159" y="3227122"/>
             <a:ext cx="721360" cy="450088"/>
           </a:xfrm>
           <a:prstGeom prst="rect">
@@ -11226,17 +11261,17 @@
           </a:prstGeom>
           <a:ln w="19050">
             <a:solidFill>
-              <a:srgbClr val="00B050"/>
+              <a:schemeClr val="tx1"/>
             </a:solidFill>
           </a:ln>
         </p:spPr>
       </p:pic>
       <p:pic>
         <p:nvPicPr>
-          <p:cNvPr id="20" name="Picture 19">
-            <a:extLst>
-              <a:ext uri="{FF2B5EF4-FFF2-40B4-BE49-F238E27FC236}">
-                <a16:creationId xmlns:a16="http://schemas.microsoft.com/office/drawing/2014/main" id="{18AC3B2E-831F-1547-9833-76B35F09D2D8}"/>
+          <p:cNvPr id="22" name="Picture 21">
+            <a:extLst>
+              <a:ext uri="{FF2B5EF4-FFF2-40B4-BE49-F238E27FC236}">
+                <a16:creationId xmlns:a16="http://schemas.microsoft.com/office/drawing/2014/main" id="{83A58E09-1FC4-694F-991D-6D07917508AB}"/>
               </a:ext>
             </a:extLst>
           </p:cNvPr>
@@ -11253,7 +11288,7 @@
         </p:blipFill>
         <p:spPr>
           <a:xfrm>
-            <a:off x="9736383" y="557353"/>
+            <a:off x="8980581" y="5633439"/>
             <a:ext cx="721360" cy="450088"/>
           </a:xfrm>
           <a:prstGeom prst="rect">
@@ -11261,7 +11296,7 @@
           </a:prstGeom>
           <a:ln w="19050">
             <a:solidFill>
-              <a:srgbClr val="FF0000"/>
+              <a:schemeClr val="tx1"/>
             </a:solidFill>
           </a:ln>
         </p:spPr>
@@ -11271,7 +11306,7 @@
           <p:cNvPr id="23" name="Picture 22">
             <a:extLst>
               <a:ext uri="{FF2B5EF4-FFF2-40B4-BE49-F238E27FC236}">
-                <a16:creationId xmlns:a16="http://schemas.microsoft.com/office/drawing/2014/main" id="{1117C51D-DA31-ED43-9885-6579190D02A5}"/>
+                <a16:creationId xmlns:a16="http://schemas.microsoft.com/office/drawing/2014/main" id="{729C3C3A-D235-3747-9082-BB4C002677E8}"/>
               </a:ext>
             </a:extLst>
           </p:cNvPr>
@@ -11288,7 +11323,7 @@
         </p:blipFill>
         <p:spPr>
           <a:xfrm>
-            <a:off x="7613469" y="4704852"/>
+            <a:off x="10392497" y="2809926"/>
             <a:ext cx="721360" cy="450088"/>
           </a:xfrm>
           <a:prstGeom prst="rect">
@@ -11306,7 +11341,7 @@
           <p:cNvPr id="24" name="Picture 23">
             <a:extLst>
               <a:ext uri="{FF2B5EF4-FFF2-40B4-BE49-F238E27FC236}">
-                <a16:creationId xmlns:a16="http://schemas.microsoft.com/office/drawing/2014/main" id="{F19F8AAB-98DE-3747-917D-F8ED3F971D65}"/>
+                <a16:creationId xmlns:a16="http://schemas.microsoft.com/office/drawing/2014/main" id="{D74A126A-7854-134A-A225-B866BA6CCADE}"/>
               </a:ext>
             </a:extLst>
           </p:cNvPr>
@@ -11323,7 +11358,7 @@
         </p:blipFill>
         <p:spPr>
           <a:xfrm>
-            <a:off x="8399118" y="5710260"/>
+            <a:off x="9857267" y="4702827"/>
             <a:ext cx="721360" cy="450088"/>
           </a:xfrm>
           <a:prstGeom prst="rect">
@@ -11336,312 +11371,10 @@
           </a:ln>
         </p:spPr>
       </p:pic>
-      <p:pic>
-        <p:nvPicPr>
-          <p:cNvPr id="26" name="Picture 25">
-            <a:extLst>
-              <a:ext uri="{FF2B5EF4-FFF2-40B4-BE49-F238E27FC236}">
-                <a16:creationId xmlns:a16="http://schemas.microsoft.com/office/drawing/2014/main" id="{D5F6877B-8082-0244-A54A-CBF56F1AE2F1}"/>
-              </a:ext>
-            </a:extLst>
-          </p:cNvPr>
-          <p:cNvPicPr>
-            <a:picLocks noChangeAspect="1"/>
-          </p:cNvPicPr>
-          <p:nvPr/>
-        </p:nvPicPr>
-        <p:blipFill>
-          <a:blip r:embed="rId20"/>
-          <a:stretch>
-            <a:fillRect/>
-          </a:stretch>
-        </p:blipFill>
-        <p:spPr>
-          <a:xfrm>
-            <a:off x="10829090" y="4607179"/>
-            <a:ext cx="721360" cy="450088"/>
-          </a:xfrm>
-          <a:prstGeom prst="rect">
-            <a:avLst/>
-          </a:prstGeom>
-          <a:ln w="19050">
-            <a:solidFill>
-              <a:schemeClr val="tx1"/>
-            </a:solidFill>
-          </a:ln>
-        </p:spPr>
-      </p:pic>
-      <p:sp>
-        <p:nvSpPr>
-          <p:cNvPr id="27" name="TextBox 26">
-            <a:extLst>
-              <a:ext uri="{FF2B5EF4-FFF2-40B4-BE49-F238E27FC236}">
-                <a16:creationId xmlns:a16="http://schemas.microsoft.com/office/drawing/2014/main" id="{9AB049C5-FC31-7844-ACAC-7B99DB542A21}"/>
-              </a:ext>
-            </a:extLst>
-          </p:cNvPr>
-          <p:cNvSpPr txBox="1"/>
-          <p:nvPr/>
-        </p:nvSpPr>
-        <p:spPr>
-          <a:xfrm>
-            <a:off x="9665989" y="845627"/>
-            <a:ext cx="1411971" cy="307777"/>
-          </a:xfrm>
-          <a:prstGeom prst="rect">
-            <a:avLst/>
-          </a:prstGeom>
-          <a:noFill/>
-        </p:spPr>
-        <p:txBody>
-          <a:bodyPr wrap="square" rtlCol="0">
-            <a:spAutoFit/>
-          </a:bodyPr>
-          <a:lstStyle/>
-          <a:p>
-            <a:r>
-              <a:rPr lang="en-US" sz="1400" dirty="0">
-                <a:solidFill>
-                  <a:srgbClr val="00B050"/>
-                </a:solidFill>
-                <a:latin typeface="Arial" panose="020B0604020202020204" pitchFamily="34" charset="0"/>
-                <a:cs typeface="Arial" panose="020B0604020202020204" pitchFamily="34" charset="0"/>
-              </a:rPr>
-              <a:t>X-SURF</a:t>
-            </a:r>
-          </a:p>
-        </p:txBody>
-      </p:sp>
-      <p:sp>
-        <p:nvSpPr>
-          <p:cNvPr id="29" name="Rectangle 28">
-            <a:extLst>
-              <a:ext uri="{FF2B5EF4-FFF2-40B4-BE49-F238E27FC236}">
-                <a16:creationId xmlns:a16="http://schemas.microsoft.com/office/drawing/2014/main" id="{544ABF28-5BA7-2643-A8B0-9355883BF6F0}"/>
-              </a:ext>
-            </a:extLst>
-          </p:cNvPr>
-          <p:cNvSpPr/>
-          <p:nvPr/>
-        </p:nvSpPr>
-        <p:spPr>
-          <a:xfrm>
-            <a:off x="10153657" y="1842901"/>
-            <a:ext cx="851515" cy="369332"/>
-          </a:xfrm>
-          <a:prstGeom prst="rect">
-            <a:avLst/>
-          </a:prstGeom>
-        </p:spPr>
-        <p:txBody>
-          <a:bodyPr wrap="none">
-            <a:spAutoFit/>
-          </a:bodyPr>
-          <a:lstStyle/>
-          <a:p>
-            <a:r>
-              <a:rPr lang="en-US" dirty="0">
-                <a:latin typeface="Arial" panose="020B0604020202020204" pitchFamily="34" charset="0"/>
-                <a:cs typeface="Arial" panose="020B0604020202020204" pitchFamily="34" charset="0"/>
-              </a:rPr>
-              <a:t>PROD</a:t>
-            </a:r>
-          </a:p>
-        </p:txBody>
-      </p:sp>
-      <p:sp>
-        <p:nvSpPr>
-          <p:cNvPr id="30" name="Rectangle 29">
-            <a:extLst>
-              <a:ext uri="{FF2B5EF4-FFF2-40B4-BE49-F238E27FC236}">
-                <a16:creationId xmlns:a16="http://schemas.microsoft.com/office/drawing/2014/main" id="{07491EB4-05A9-D046-9E06-C7E1FCDEB849}"/>
-              </a:ext>
-            </a:extLst>
-          </p:cNvPr>
-          <p:cNvSpPr/>
-          <p:nvPr/>
-        </p:nvSpPr>
-        <p:spPr>
-          <a:xfrm>
-            <a:off x="10649739" y="4872601"/>
-            <a:ext cx="1069524" cy="369332"/>
-          </a:xfrm>
-          <a:prstGeom prst="rect">
-            <a:avLst/>
-          </a:prstGeom>
-        </p:spPr>
-        <p:txBody>
-          <a:bodyPr wrap="none">
-            <a:spAutoFit/>
-          </a:bodyPr>
-          <a:lstStyle/>
-          <a:p>
-            <a:r>
-              <a:rPr lang="en-US" dirty="0">
-                <a:latin typeface="Arial" panose="020B0604020202020204" pitchFamily="34" charset="0"/>
-                <a:cs typeface="Arial" panose="020B0604020202020204" pitchFamily="34" charset="0"/>
-              </a:rPr>
-              <a:t>DSRB-D</a:t>
-            </a:r>
-          </a:p>
-        </p:txBody>
-      </p:sp>
-      <p:sp>
-        <p:nvSpPr>
-          <p:cNvPr id="31" name="TextBox 30">
-            <a:extLst>
-              <a:ext uri="{FF2B5EF4-FFF2-40B4-BE49-F238E27FC236}">
-                <a16:creationId xmlns:a16="http://schemas.microsoft.com/office/drawing/2014/main" id="{4DFE3E86-2467-5241-B770-C1C2267BBB29}"/>
-              </a:ext>
-            </a:extLst>
-          </p:cNvPr>
-          <p:cNvSpPr txBox="1"/>
-          <p:nvPr/>
-        </p:nvSpPr>
-        <p:spPr>
-          <a:xfrm>
-            <a:off x="9601072" y="2813034"/>
-            <a:ext cx="1411971" cy="307777"/>
-          </a:xfrm>
-          <a:prstGeom prst="rect">
-            <a:avLst/>
-          </a:prstGeom>
-          <a:noFill/>
-        </p:spPr>
-        <p:txBody>
-          <a:bodyPr wrap="square" rtlCol="0">
-            <a:spAutoFit/>
-          </a:bodyPr>
-          <a:lstStyle/>
-          <a:p>
-            <a:r>
-              <a:rPr lang="en-US" sz="1400" dirty="0">
-                <a:solidFill>
-                  <a:srgbClr val="FF0000"/>
-                </a:solidFill>
-                <a:latin typeface="Arial" panose="020B0604020202020204" pitchFamily="34" charset="0"/>
-                <a:cs typeface="Arial" panose="020B0604020202020204" pitchFamily="34" charset="0"/>
-              </a:rPr>
-              <a:t>X-DSRB-D</a:t>
-            </a:r>
-          </a:p>
-        </p:txBody>
-      </p:sp>
-      <p:pic>
-        <p:nvPicPr>
-          <p:cNvPr id="32" name="Picture 31">
-            <a:extLst>
-              <a:ext uri="{FF2B5EF4-FFF2-40B4-BE49-F238E27FC236}">
-                <a16:creationId xmlns:a16="http://schemas.microsoft.com/office/drawing/2014/main" id="{EE6F1E31-BC43-1D40-8CAB-7BBEBAF12B4D}"/>
-              </a:ext>
-            </a:extLst>
-          </p:cNvPr>
-          <p:cNvPicPr>
-            <a:picLocks noChangeAspect="1"/>
-          </p:cNvPicPr>
-          <p:nvPr/>
-        </p:nvPicPr>
-        <p:blipFill>
-          <a:blip r:embed="rId17"/>
-          <a:stretch>
-            <a:fillRect/>
-          </a:stretch>
-        </p:blipFill>
-        <p:spPr>
-          <a:xfrm>
-            <a:off x="11463514" y="923640"/>
-            <a:ext cx="721360" cy="450088"/>
-          </a:xfrm>
-          <a:prstGeom prst="rect">
-            <a:avLst/>
-          </a:prstGeom>
-          <a:ln w="19050">
-            <a:solidFill>
-              <a:srgbClr val="FF0000"/>
-            </a:solidFill>
-          </a:ln>
-        </p:spPr>
-      </p:pic>
-      <p:pic>
-        <p:nvPicPr>
-          <p:cNvPr id="34" name="Picture 33">
-            <a:extLst>
-              <a:ext uri="{FF2B5EF4-FFF2-40B4-BE49-F238E27FC236}">
-                <a16:creationId xmlns:a16="http://schemas.microsoft.com/office/drawing/2014/main" id="{C3A5292D-B0C5-6D4B-9B76-291AAAD6DAFE}"/>
-              </a:ext>
-            </a:extLst>
-          </p:cNvPr>
-          <p:cNvPicPr>
-            <a:picLocks noChangeAspect="1"/>
-          </p:cNvPicPr>
-          <p:nvPr/>
-        </p:nvPicPr>
-        <p:blipFill>
-          <a:blip r:embed="rId4"/>
-          <a:stretch>
-            <a:fillRect/>
-          </a:stretch>
-        </p:blipFill>
-        <p:spPr>
-          <a:xfrm>
-            <a:off x="10877880" y="2825859"/>
-            <a:ext cx="721360" cy="450088"/>
-          </a:xfrm>
-          <a:prstGeom prst="rect">
-            <a:avLst/>
-          </a:prstGeom>
-          <a:ln w="19050">
-            <a:solidFill>
-              <a:schemeClr val="tx1"/>
-            </a:solidFill>
-          </a:ln>
-        </p:spPr>
-      </p:pic>
-      <p:sp>
-        <p:nvSpPr>
-          <p:cNvPr id="28" name="TextBox 27">
-            <a:extLst>
-              <a:ext uri="{FF2B5EF4-FFF2-40B4-BE49-F238E27FC236}">
-                <a16:creationId xmlns:a16="http://schemas.microsoft.com/office/drawing/2014/main" id="{44321656-DA96-F742-8778-C5048A774D0A}"/>
-              </a:ext>
-            </a:extLst>
-          </p:cNvPr>
-          <p:cNvSpPr txBox="1"/>
-          <p:nvPr/>
-        </p:nvSpPr>
-        <p:spPr>
-          <a:xfrm>
-            <a:off x="11418713" y="1229205"/>
-            <a:ext cx="1411971" cy="307777"/>
-          </a:xfrm>
-          <a:prstGeom prst="rect">
-            <a:avLst/>
-          </a:prstGeom>
-          <a:noFill/>
-        </p:spPr>
-        <p:txBody>
-          <a:bodyPr wrap="square" rtlCol="0">
-            <a:spAutoFit/>
-          </a:bodyPr>
-          <a:lstStyle/>
-          <a:p>
-            <a:r>
-              <a:rPr lang="en-US" sz="1400" dirty="0">
-                <a:solidFill>
-                  <a:srgbClr val="FF0000"/>
-                </a:solidFill>
-                <a:latin typeface="Arial" panose="020B0604020202020204" pitchFamily="34" charset="0"/>
-                <a:cs typeface="Arial" panose="020B0604020202020204" pitchFamily="34" charset="0"/>
-              </a:rPr>
-              <a:t>X-PROD</a:t>
-            </a:r>
-          </a:p>
-        </p:txBody>
-      </p:sp>
     </p:spTree>
     <p:extLst>
       <p:ext uri="{BB962C8B-B14F-4D97-AF65-F5344CB8AC3E}">
-        <p14:creationId xmlns:p14="http://schemas.microsoft.com/office/powerpoint/2010/main" val="3481755360"/>
+        <p14:creationId xmlns:p14="http://schemas.microsoft.com/office/powerpoint/2010/main" val="3227321801"/>
       </p:ext>
     </p:extLst>
   </p:cSld>
@@ -11668,723 +11401,901 @@
           <a:chExt cx="0" cy="0"/>
         </a:xfrm>
       </p:grpSpPr>
-      <p:grpSp>
-        <p:nvGrpSpPr>
-          <p:cNvPr id="13" name="Group 12">
-            <a:extLst>
-              <a:ext uri="{FF2B5EF4-FFF2-40B4-BE49-F238E27FC236}">
-                <a16:creationId xmlns:a16="http://schemas.microsoft.com/office/drawing/2014/main" id="{412C34B3-C198-E74C-9BEE-1D2DB8FBB03B}"/>
-              </a:ext>
-            </a:extLst>
-          </p:cNvPr>
-          <p:cNvGrpSpPr/>
-          <p:nvPr/>
-        </p:nvGrpSpPr>
-        <p:grpSpPr>
-          <a:xfrm>
-            <a:off x="1351721" y="503583"/>
-            <a:ext cx="9090991" cy="6079434"/>
-            <a:chOff x="1351721" y="503583"/>
-            <a:chExt cx="9090991" cy="6079434"/>
-          </a:xfrm>
-        </p:grpSpPr>
-        <p:pic>
-          <p:nvPicPr>
-            <p:cNvPr id="6" name="Picture 5">
-              <a:extLst>
-                <a:ext uri="{FF2B5EF4-FFF2-40B4-BE49-F238E27FC236}">
-                  <a16:creationId xmlns:a16="http://schemas.microsoft.com/office/drawing/2014/main" id="{FAB531DE-5278-A84B-B2D0-7D99F5C1CEAC}"/>
-                </a:ext>
-              </a:extLst>
-            </p:cNvPr>
-            <p:cNvPicPr>
-              <a:picLocks noChangeAspect="1"/>
-            </p:cNvPicPr>
-            <p:nvPr/>
-          </p:nvPicPr>
-          <p:blipFill rotWithShape="1">
-            <a:blip r:embed="rId3"/>
-            <a:srcRect l="1955" t="7650" r="5980"/>
-            <a:stretch/>
-          </p:blipFill>
-          <p:spPr>
-            <a:xfrm>
-              <a:off x="1351721" y="503583"/>
-              <a:ext cx="9090991" cy="6079434"/>
-            </a:xfrm>
-            <a:prstGeom prst="rect">
-              <a:avLst/>
-            </a:prstGeom>
-          </p:spPr>
-        </p:pic>
-        <p:cxnSp>
-          <p:nvCxnSpPr>
-            <p:cNvPr id="5" name="Straight Arrow Connector 4">
-              <a:extLst>
-                <a:ext uri="{FF2B5EF4-FFF2-40B4-BE49-F238E27FC236}">
-                  <a16:creationId xmlns:a16="http://schemas.microsoft.com/office/drawing/2014/main" id="{023FE7CD-6862-3F44-B332-DFA59D3504E5}"/>
-                </a:ext>
-              </a:extLst>
-            </p:cNvPr>
-            <p:cNvCxnSpPr>
-              <a:cxnSpLocks/>
-            </p:cNvCxnSpPr>
-            <p:nvPr/>
-          </p:nvCxnSpPr>
-          <p:spPr>
-            <a:xfrm>
-              <a:off x="8165278" y="3687510"/>
-              <a:ext cx="414337" cy="523306"/>
-            </a:xfrm>
-            <a:prstGeom prst="straightConnector1">
-              <a:avLst/>
-            </a:prstGeom>
-            <a:ln w="25400">
-              <a:solidFill>
-                <a:schemeClr val="tx1"/>
-              </a:solidFill>
-              <a:tailEnd type="triangle" w="lg" len="lg"/>
-            </a:ln>
-          </p:spPr>
-          <p:style>
-            <a:lnRef idx="1">
-              <a:schemeClr val="accent1"/>
-            </a:lnRef>
-            <a:fillRef idx="0">
-              <a:schemeClr val="accent1"/>
-            </a:fillRef>
-            <a:effectRef idx="0">
-              <a:schemeClr val="accent1"/>
-            </a:effectRef>
-            <a:fontRef idx="minor">
+      <p:pic>
+        <p:nvPicPr>
+          <p:cNvPr id="3" name="Picture 2">
+            <a:extLst>
+              <a:ext uri="{FF2B5EF4-FFF2-40B4-BE49-F238E27FC236}">
+                <a16:creationId xmlns:a16="http://schemas.microsoft.com/office/drawing/2014/main" id="{E099BDCB-F197-C54D-A270-E90DFC10AA31}"/>
+              </a:ext>
+            </a:extLst>
+          </p:cNvPr>
+          <p:cNvPicPr>
+            <a:picLocks noChangeAspect="1"/>
+          </p:cNvPicPr>
+          <p:nvPr/>
+        </p:nvPicPr>
+        <p:blipFill rotWithShape="1">
+          <a:blip r:embed="rId3"/>
+          <a:srcRect t="22614" b="21986"/>
+          <a:stretch/>
+        </p:blipFill>
+        <p:spPr>
+          <a:xfrm>
+            <a:off x="127478" y="133568"/>
+            <a:ext cx="11937044" cy="6613183"/>
+          </a:xfrm>
+          <a:prstGeom prst="rect">
+            <a:avLst/>
+          </a:prstGeom>
+        </p:spPr>
+      </p:pic>
+      <p:pic>
+        <p:nvPicPr>
+          <p:cNvPr id="7" name="Picture 6">
+            <a:extLst>
+              <a:ext uri="{FF2B5EF4-FFF2-40B4-BE49-F238E27FC236}">
+                <a16:creationId xmlns:a16="http://schemas.microsoft.com/office/drawing/2014/main" id="{44C8A3A7-AF3A-034F-B80A-40B7ED489AC8}"/>
+              </a:ext>
+            </a:extLst>
+          </p:cNvPr>
+          <p:cNvPicPr>
+            <a:picLocks noChangeAspect="1"/>
+          </p:cNvPicPr>
+          <p:nvPr/>
+        </p:nvPicPr>
+        <p:blipFill>
+          <a:blip r:embed="rId4"/>
+          <a:stretch>
+            <a:fillRect/>
+          </a:stretch>
+        </p:blipFill>
+        <p:spPr>
+          <a:xfrm>
+            <a:off x="1267535" y="1634151"/>
+            <a:ext cx="721360" cy="450088"/>
+          </a:xfrm>
+          <a:prstGeom prst="rect">
+            <a:avLst/>
+          </a:prstGeom>
+          <a:ln w="19050">
+            <a:solidFill>
               <a:schemeClr val="tx1"/>
-            </a:fontRef>
-          </p:style>
-        </p:cxnSp>
-        <p:cxnSp>
-          <p:nvCxnSpPr>
-            <p:cNvPr id="8" name="Straight Arrow Connector 7">
-              <a:extLst>
-                <a:ext uri="{FF2B5EF4-FFF2-40B4-BE49-F238E27FC236}">
-                  <a16:creationId xmlns:a16="http://schemas.microsoft.com/office/drawing/2014/main" id="{03AAD0D9-0559-F04E-9826-7001DAA59C18}"/>
-                </a:ext>
-              </a:extLst>
-            </p:cNvPr>
-            <p:cNvCxnSpPr>
-              <a:cxnSpLocks/>
-            </p:cNvCxnSpPr>
-            <p:nvPr/>
-          </p:nvCxnSpPr>
-          <p:spPr>
-            <a:xfrm flipH="1" flipV="1">
-              <a:off x="6619429" y="2471885"/>
-              <a:ext cx="727341" cy="459973"/>
-            </a:xfrm>
-            <a:prstGeom prst="straightConnector1">
-              <a:avLst/>
-            </a:prstGeom>
-            <a:ln w="25400">
-              <a:solidFill>
-                <a:srgbClr val="DBA520"/>
-              </a:solidFill>
-              <a:headEnd w="lg" len="lg"/>
-              <a:tailEnd type="triangle" w="lg" len="lg"/>
-            </a:ln>
-          </p:spPr>
-          <p:style>
-            <a:lnRef idx="1">
-              <a:schemeClr val="accent1"/>
-            </a:lnRef>
-            <a:fillRef idx="0">
-              <a:schemeClr val="accent1"/>
-            </a:fillRef>
-            <a:effectRef idx="0">
-              <a:schemeClr val="accent1"/>
-            </a:effectRef>
-            <a:fontRef idx="minor">
+            </a:solidFill>
+          </a:ln>
+        </p:spPr>
+      </p:pic>
+      <p:pic>
+        <p:nvPicPr>
+          <p:cNvPr id="8" name="Picture 7">
+            <a:extLst>
+              <a:ext uri="{FF2B5EF4-FFF2-40B4-BE49-F238E27FC236}">
+                <a16:creationId xmlns:a16="http://schemas.microsoft.com/office/drawing/2014/main" id="{E8287CB4-8F3B-DB4E-8573-81C90E81115E}"/>
+              </a:ext>
+            </a:extLst>
+          </p:cNvPr>
+          <p:cNvPicPr>
+            <a:picLocks noChangeAspect="1"/>
+          </p:cNvPicPr>
+          <p:nvPr/>
+        </p:nvPicPr>
+        <p:blipFill>
+          <a:blip r:embed="rId5"/>
+          <a:stretch>
+            <a:fillRect/>
+          </a:stretch>
+        </p:blipFill>
+        <p:spPr>
+          <a:xfrm>
+            <a:off x="2040818" y="3113042"/>
+            <a:ext cx="721360" cy="450088"/>
+          </a:xfrm>
+          <a:prstGeom prst="rect">
+            <a:avLst/>
+          </a:prstGeom>
+          <a:ln w="19050">
+            <a:solidFill>
               <a:schemeClr val="tx1"/>
-            </a:fontRef>
-          </p:style>
-        </p:cxnSp>
-        <p:cxnSp>
-          <p:nvCxnSpPr>
-            <p:cNvPr id="11" name="Straight Arrow Connector 10">
-              <a:extLst>
-                <a:ext uri="{FF2B5EF4-FFF2-40B4-BE49-F238E27FC236}">
-                  <a16:creationId xmlns:a16="http://schemas.microsoft.com/office/drawing/2014/main" id="{0A5F005B-445F-1547-B8D2-1644D8194792}"/>
-                </a:ext>
-              </a:extLst>
-            </p:cNvPr>
-            <p:cNvCxnSpPr>
-              <a:cxnSpLocks/>
-            </p:cNvCxnSpPr>
-            <p:nvPr/>
-          </p:nvCxnSpPr>
-          <p:spPr>
-            <a:xfrm>
-              <a:off x="7454066" y="1661049"/>
-              <a:ext cx="573852" cy="626170"/>
-            </a:xfrm>
-            <a:prstGeom prst="straightConnector1">
-              <a:avLst/>
-            </a:prstGeom>
-            <a:ln w="25400">
-              <a:solidFill>
-                <a:srgbClr val="DBA520"/>
-              </a:solidFill>
-              <a:tailEnd type="triangle" w="lg" len="lg"/>
-            </a:ln>
-          </p:spPr>
-          <p:style>
-            <a:lnRef idx="1">
-              <a:schemeClr val="accent1"/>
-            </a:lnRef>
-            <a:fillRef idx="0">
-              <a:schemeClr val="accent1"/>
-            </a:fillRef>
-            <a:effectRef idx="0">
-              <a:schemeClr val="accent1"/>
-            </a:effectRef>
-            <a:fontRef idx="minor">
+            </a:solidFill>
+          </a:ln>
+        </p:spPr>
+      </p:pic>
+      <p:pic>
+        <p:nvPicPr>
+          <p:cNvPr id="9" name="Picture 8">
+            <a:extLst>
+              <a:ext uri="{FF2B5EF4-FFF2-40B4-BE49-F238E27FC236}">
+                <a16:creationId xmlns:a16="http://schemas.microsoft.com/office/drawing/2014/main" id="{EE74D3EE-8C70-7847-9841-6F9BA5AC0C6E}"/>
+              </a:ext>
+            </a:extLst>
+          </p:cNvPr>
+          <p:cNvPicPr>
+            <a:picLocks noChangeAspect="1"/>
+          </p:cNvPicPr>
+          <p:nvPr/>
+        </p:nvPicPr>
+        <p:blipFill>
+          <a:blip r:embed="rId6"/>
+          <a:stretch>
+            <a:fillRect/>
+          </a:stretch>
+        </p:blipFill>
+        <p:spPr>
+          <a:xfrm>
+            <a:off x="2899895" y="1452231"/>
+            <a:ext cx="721360" cy="450088"/>
+          </a:xfrm>
+          <a:prstGeom prst="rect">
+            <a:avLst/>
+          </a:prstGeom>
+          <a:ln w="19050">
+            <a:solidFill>
               <a:schemeClr val="tx1"/>
-            </a:fontRef>
-          </p:style>
-        </p:cxnSp>
-        <p:cxnSp>
-          <p:nvCxnSpPr>
-            <p:cNvPr id="16" name="Straight Arrow Connector 15">
-              <a:extLst>
-                <a:ext uri="{FF2B5EF4-FFF2-40B4-BE49-F238E27FC236}">
-                  <a16:creationId xmlns:a16="http://schemas.microsoft.com/office/drawing/2014/main" id="{29D9714D-12EE-0E4B-BEC1-A137593FCAE6}"/>
-                </a:ext>
-              </a:extLst>
-            </p:cNvPr>
-            <p:cNvCxnSpPr>
-              <a:cxnSpLocks/>
-            </p:cNvCxnSpPr>
-            <p:nvPr/>
-          </p:nvCxnSpPr>
-          <p:spPr>
-            <a:xfrm flipH="1" flipV="1">
-              <a:off x="6300719" y="3491975"/>
-              <a:ext cx="805233" cy="137015"/>
-            </a:xfrm>
-            <a:prstGeom prst="straightConnector1">
-              <a:avLst/>
-            </a:prstGeom>
-            <a:ln w="25400">
-              <a:solidFill>
-                <a:srgbClr val="FF0000"/>
-              </a:solidFill>
-              <a:tailEnd type="triangle" w="lg" len="lg"/>
-            </a:ln>
-          </p:spPr>
-          <p:style>
-            <a:lnRef idx="1">
-              <a:schemeClr val="accent1"/>
-            </a:lnRef>
-            <a:fillRef idx="0">
-              <a:schemeClr val="accent1"/>
-            </a:fillRef>
-            <a:effectRef idx="0">
-              <a:schemeClr val="accent1"/>
-            </a:effectRef>
-            <a:fontRef idx="minor">
+            </a:solidFill>
+          </a:ln>
+        </p:spPr>
+      </p:pic>
+      <p:pic>
+        <p:nvPicPr>
+          <p:cNvPr id="10" name="Picture 9">
+            <a:extLst>
+              <a:ext uri="{FF2B5EF4-FFF2-40B4-BE49-F238E27FC236}">
+                <a16:creationId xmlns:a16="http://schemas.microsoft.com/office/drawing/2014/main" id="{1092D431-CDA9-F64E-83B2-8F389367DB58}"/>
+              </a:ext>
+            </a:extLst>
+          </p:cNvPr>
+          <p:cNvPicPr>
+            <a:picLocks noChangeAspect="1"/>
+          </p:cNvPicPr>
+          <p:nvPr/>
+        </p:nvPicPr>
+        <p:blipFill>
+          <a:blip r:embed="rId7"/>
+          <a:stretch>
+            <a:fillRect/>
+          </a:stretch>
+        </p:blipFill>
+        <p:spPr>
+          <a:xfrm>
+            <a:off x="3679767" y="2587066"/>
+            <a:ext cx="721360" cy="450088"/>
+          </a:xfrm>
+          <a:prstGeom prst="rect">
+            <a:avLst/>
+          </a:prstGeom>
+          <a:ln w="19050">
+            <a:solidFill>
               <a:schemeClr val="tx1"/>
-            </a:fontRef>
-          </p:style>
-        </p:cxnSp>
-        <p:cxnSp>
-          <p:nvCxnSpPr>
-            <p:cNvPr id="21" name="Straight Arrow Connector 20">
-              <a:extLst>
-                <a:ext uri="{FF2B5EF4-FFF2-40B4-BE49-F238E27FC236}">
-                  <a16:creationId xmlns:a16="http://schemas.microsoft.com/office/drawing/2014/main" id="{4D3D564D-5F8C-6A4A-B329-B916C4D8852D}"/>
-                </a:ext>
-              </a:extLst>
-            </p:cNvPr>
-            <p:cNvCxnSpPr>
-              <a:cxnSpLocks/>
-            </p:cNvCxnSpPr>
-            <p:nvPr/>
-          </p:nvCxnSpPr>
-          <p:spPr>
-            <a:xfrm flipV="1">
-              <a:off x="4229049" y="1215509"/>
-              <a:ext cx="793525" cy="597227"/>
-            </a:xfrm>
-            <a:prstGeom prst="straightConnector1">
-              <a:avLst/>
-            </a:prstGeom>
-            <a:ln w="25400">
-              <a:solidFill>
-                <a:srgbClr val="FF0000"/>
-              </a:solidFill>
-              <a:tailEnd type="triangle" w="lg" len="lg"/>
-            </a:ln>
-          </p:spPr>
-          <p:style>
-            <a:lnRef idx="1">
-              <a:schemeClr val="accent1"/>
-            </a:lnRef>
-            <a:fillRef idx="0">
-              <a:schemeClr val="accent1"/>
-            </a:fillRef>
-            <a:effectRef idx="0">
-              <a:schemeClr val="accent1"/>
-            </a:effectRef>
-            <a:fontRef idx="minor">
+            </a:solidFill>
+          </a:ln>
+        </p:spPr>
+      </p:pic>
+      <p:pic>
+        <p:nvPicPr>
+          <p:cNvPr id="11" name="Picture 10">
+            <a:extLst>
+              <a:ext uri="{FF2B5EF4-FFF2-40B4-BE49-F238E27FC236}">
+                <a16:creationId xmlns:a16="http://schemas.microsoft.com/office/drawing/2014/main" id="{C536259F-4D9D-324F-BA44-2DCC7C6F0521}"/>
+              </a:ext>
+            </a:extLst>
+          </p:cNvPr>
+          <p:cNvPicPr>
+            <a:picLocks noChangeAspect="1"/>
+          </p:cNvPicPr>
+          <p:nvPr/>
+        </p:nvPicPr>
+        <p:blipFill>
+          <a:blip r:embed="rId8"/>
+          <a:stretch>
+            <a:fillRect/>
+          </a:stretch>
+        </p:blipFill>
+        <p:spPr>
+          <a:xfrm>
+            <a:off x="3612073" y="4293699"/>
+            <a:ext cx="721360" cy="450088"/>
+          </a:xfrm>
+          <a:prstGeom prst="rect">
+            <a:avLst/>
+          </a:prstGeom>
+          <a:ln w="19050">
+            <a:solidFill>
               <a:schemeClr val="tx1"/>
-            </a:fontRef>
-          </p:style>
-        </p:cxnSp>
-        <p:sp>
-          <p:nvSpPr>
-            <p:cNvPr id="32" name="TextBox 31">
-              <a:extLst>
-                <a:ext uri="{FF2B5EF4-FFF2-40B4-BE49-F238E27FC236}">
-                  <a16:creationId xmlns:a16="http://schemas.microsoft.com/office/drawing/2014/main" id="{52B8030C-EE78-6145-870A-31FE63A8371C}"/>
-                </a:ext>
-              </a:extLst>
-            </p:cNvPr>
-            <p:cNvSpPr txBox="1"/>
-            <p:nvPr/>
-          </p:nvSpPr>
-          <p:spPr>
-            <a:xfrm>
-              <a:off x="8248651" y="2413974"/>
-              <a:ext cx="960834" cy="369332"/>
-            </a:xfrm>
-            <a:prstGeom prst="rect">
-              <a:avLst/>
-            </a:prstGeom>
-            <a:noFill/>
-          </p:spPr>
-          <p:txBody>
-            <a:bodyPr wrap="square" rtlCol="0">
-              <a:spAutoFit/>
-            </a:bodyPr>
-            <a:lstStyle/>
-            <a:p>
-              <a:r>
-                <a:rPr lang="en-US" dirty="0">
-                  <a:latin typeface="Arial" panose="020B0604020202020204" pitchFamily="34" charset="0"/>
-                  <a:cs typeface="Arial" panose="020B0604020202020204" pitchFamily="34" charset="0"/>
-                </a:rPr>
-                <a:t>DIM‡</a:t>
-              </a:r>
-            </a:p>
-          </p:txBody>
-        </p:sp>
-        <p:sp>
-          <p:nvSpPr>
-            <p:cNvPr id="33" name="TextBox 32">
-              <a:extLst>
-                <a:ext uri="{FF2B5EF4-FFF2-40B4-BE49-F238E27FC236}">
-                  <a16:creationId xmlns:a16="http://schemas.microsoft.com/office/drawing/2014/main" id="{A025D21B-5AE7-594D-9EE2-92E6EE29537A}"/>
-                </a:ext>
-              </a:extLst>
-            </p:cNvPr>
-            <p:cNvSpPr txBox="1"/>
-            <p:nvPr/>
-          </p:nvSpPr>
-          <p:spPr>
-            <a:xfrm>
-              <a:off x="8793659" y="5181734"/>
-              <a:ext cx="960834" cy="369332"/>
-            </a:xfrm>
-            <a:prstGeom prst="rect">
-              <a:avLst/>
-            </a:prstGeom>
-            <a:noFill/>
-          </p:spPr>
-          <p:txBody>
-            <a:bodyPr wrap="square" rtlCol="0">
-              <a:spAutoFit/>
-            </a:bodyPr>
-            <a:lstStyle/>
-            <a:p>
-              <a:r>
-                <a:rPr lang="en-US" dirty="0">
-                  <a:latin typeface="Arial" panose="020B0604020202020204" pitchFamily="34" charset="0"/>
-                  <a:cs typeface="Arial" panose="020B0604020202020204" pitchFamily="34" charset="0"/>
-                </a:rPr>
-                <a:t>DIM</a:t>
-              </a:r>
-            </a:p>
-          </p:txBody>
-        </p:sp>
-        <p:sp>
-          <p:nvSpPr>
-            <p:cNvPr id="34" name="TextBox 33">
-              <a:extLst>
-                <a:ext uri="{FF2B5EF4-FFF2-40B4-BE49-F238E27FC236}">
-                  <a16:creationId xmlns:a16="http://schemas.microsoft.com/office/drawing/2014/main" id="{D7C41BB5-DC1C-3F4F-8C99-2F5914F9E74A}"/>
-                </a:ext>
-              </a:extLst>
-            </p:cNvPr>
-            <p:cNvSpPr txBox="1"/>
-            <p:nvPr/>
-          </p:nvSpPr>
-          <p:spPr>
-            <a:xfrm>
-              <a:off x="4553842" y="2102553"/>
-              <a:ext cx="1207891" cy="369332"/>
-            </a:xfrm>
-            <a:prstGeom prst="rect">
-              <a:avLst/>
-            </a:prstGeom>
-            <a:noFill/>
-          </p:spPr>
-          <p:txBody>
-            <a:bodyPr wrap="square" rtlCol="0">
-              <a:spAutoFit/>
-            </a:bodyPr>
-            <a:lstStyle/>
-            <a:p>
-              <a:r>
-                <a:rPr lang="en-US" dirty="0">
-                  <a:solidFill>
-                    <a:srgbClr val="DBA520"/>
-                  </a:solidFill>
-                  <a:latin typeface="Arial" panose="020B0604020202020204" pitchFamily="34" charset="0"/>
-                  <a:cs typeface="Arial" panose="020B0604020202020204" pitchFamily="34" charset="0"/>
-                </a:rPr>
-                <a:t>X-CMC‡</a:t>
-              </a:r>
-            </a:p>
-          </p:txBody>
-        </p:sp>
-        <p:sp>
-          <p:nvSpPr>
-            <p:cNvPr id="35" name="TextBox 34">
-              <a:extLst>
-                <a:ext uri="{FF2B5EF4-FFF2-40B4-BE49-F238E27FC236}">
-                  <a16:creationId xmlns:a16="http://schemas.microsoft.com/office/drawing/2014/main" id="{DC057D2F-11C3-2840-AF54-636B6461E7DD}"/>
-                </a:ext>
-              </a:extLst>
-            </p:cNvPr>
-            <p:cNvSpPr txBox="1"/>
-            <p:nvPr/>
-          </p:nvSpPr>
-          <p:spPr>
-            <a:xfrm>
-              <a:off x="2408734" y="3560483"/>
-              <a:ext cx="1207891" cy="369332"/>
-            </a:xfrm>
-            <a:prstGeom prst="rect">
-              <a:avLst/>
-            </a:prstGeom>
-            <a:noFill/>
-          </p:spPr>
-          <p:txBody>
-            <a:bodyPr wrap="square" rtlCol="0">
-              <a:spAutoFit/>
-            </a:bodyPr>
-            <a:lstStyle/>
-            <a:p>
-              <a:r>
-                <a:rPr lang="en-US" dirty="0">
-                  <a:solidFill>
-                    <a:srgbClr val="DBA520"/>
-                  </a:solidFill>
-                  <a:latin typeface="Arial" panose="020B0604020202020204" pitchFamily="34" charset="0"/>
-                  <a:cs typeface="Arial" panose="020B0604020202020204" pitchFamily="34" charset="0"/>
-                </a:rPr>
-                <a:t>X-CMC</a:t>
-              </a:r>
-            </a:p>
-          </p:txBody>
-        </p:sp>
-        <p:sp>
-          <p:nvSpPr>
-            <p:cNvPr id="38" name="TextBox 37">
-              <a:extLst>
-                <a:ext uri="{FF2B5EF4-FFF2-40B4-BE49-F238E27FC236}">
-                  <a16:creationId xmlns:a16="http://schemas.microsoft.com/office/drawing/2014/main" id="{6CA7C6B4-8903-6549-89FD-70AA63C5DCC6}"/>
-                </a:ext>
-              </a:extLst>
-            </p:cNvPr>
-            <p:cNvSpPr txBox="1"/>
-            <p:nvPr/>
-          </p:nvSpPr>
-          <p:spPr>
-            <a:xfrm>
-              <a:off x="8886279" y="3191150"/>
-              <a:ext cx="1207891" cy="369332"/>
-            </a:xfrm>
-            <a:prstGeom prst="rect">
-              <a:avLst/>
-            </a:prstGeom>
-            <a:noFill/>
-          </p:spPr>
-          <p:txBody>
-            <a:bodyPr wrap="square" rtlCol="0">
-              <a:spAutoFit/>
-            </a:bodyPr>
-            <a:lstStyle/>
-            <a:p>
-              <a:r>
-                <a:rPr lang="en-US" dirty="0">
-                  <a:solidFill>
-                    <a:srgbClr val="FD0000"/>
-                  </a:solidFill>
-                  <a:latin typeface="Arial" panose="020B0604020202020204" pitchFamily="34" charset="0"/>
-                  <a:cs typeface="Arial" panose="020B0604020202020204" pitchFamily="34" charset="0"/>
-                </a:rPr>
-                <a:t>X-DIM</a:t>
-              </a:r>
-            </a:p>
-          </p:txBody>
-        </p:sp>
-        <p:sp>
-          <p:nvSpPr>
-            <p:cNvPr id="39" name="TextBox 38">
-              <a:extLst>
-                <a:ext uri="{FF2B5EF4-FFF2-40B4-BE49-F238E27FC236}">
-                  <a16:creationId xmlns:a16="http://schemas.microsoft.com/office/drawing/2014/main" id="{8A75ACE6-DECC-694C-961B-0BA9840491A4}"/>
-                </a:ext>
-              </a:extLst>
-            </p:cNvPr>
-            <p:cNvSpPr txBox="1"/>
-            <p:nvPr/>
-          </p:nvSpPr>
-          <p:spPr>
-            <a:xfrm>
-              <a:off x="5788024" y="1030843"/>
-              <a:ext cx="1207891" cy="369332"/>
-            </a:xfrm>
-            <a:prstGeom prst="rect">
-              <a:avLst/>
-            </a:prstGeom>
-            <a:noFill/>
-          </p:spPr>
-          <p:txBody>
-            <a:bodyPr wrap="square" rtlCol="0">
-              <a:spAutoFit/>
-            </a:bodyPr>
-            <a:lstStyle/>
-            <a:p>
-              <a:r>
-                <a:rPr lang="en-US" dirty="0">
-                  <a:solidFill>
-                    <a:srgbClr val="FD0000"/>
-                  </a:solidFill>
-                  <a:latin typeface="Arial" panose="020B0604020202020204" pitchFamily="34" charset="0"/>
-                  <a:cs typeface="Arial" panose="020B0604020202020204" pitchFamily="34" charset="0"/>
-                </a:rPr>
-                <a:t>X-DIM‡</a:t>
-              </a:r>
-            </a:p>
-          </p:txBody>
-        </p:sp>
-        <p:sp>
-          <p:nvSpPr>
-            <p:cNvPr id="40" name="TextBox 39">
-              <a:extLst>
-                <a:ext uri="{FF2B5EF4-FFF2-40B4-BE49-F238E27FC236}">
-                  <a16:creationId xmlns:a16="http://schemas.microsoft.com/office/drawing/2014/main" id="{DE6B71C3-3421-C543-BFD6-A3BDC79D16BE}"/>
-                </a:ext>
-              </a:extLst>
-            </p:cNvPr>
-            <p:cNvSpPr txBox="1"/>
-            <p:nvPr/>
-          </p:nvSpPr>
-          <p:spPr>
-            <a:xfrm>
-              <a:off x="2480032" y="2743559"/>
-              <a:ext cx="1207891" cy="369332"/>
-            </a:xfrm>
-            <a:prstGeom prst="rect">
-              <a:avLst/>
-            </a:prstGeom>
-            <a:noFill/>
-          </p:spPr>
-          <p:txBody>
-            <a:bodyPr wrap="square" rtlCol="0">
-              <a:spAutoFit/>
-            </a:bodyPr>
-            <a:lstStyle/>
-            <a:p>
-              <a:r>
-                <a:rPr lang="en-US" dirty="0">
-                  <a:solidFill>
-                    <a:srgbClr val="FD0000"/>
-                  </a:solidFill>
-                  <a:latin typeface="Arial" panose="020B0604020202020204" pitchFamily="34" charset="0"/>
-                  <a:cs typeface="Arial" panose="020B0604020202020204" pitchFamily="34" charset="0"/>
-                </a:rPr>
-                <a:t>X-CMC</a:t>
-              </a:r>
-            </a:p>
-          </p:txBody>
-        </p:sp>
-        <p:sp>
-          <p:nvSpPr>
-            <p:cNvPr id="41" name="TextBox 40">
-              <a:extLst>
-                <a:ext uri="{FF2B5EF4-FFF2-40B4-BE49-F238E27FC236}">
-                  <a16:creationId xmlns:a16="http://schemas.microsoft.com/office/drawing/2014/main" id="{8CB3B051-35D6-B940-B17B-B0FDF89F930E}"/>
-                </a:ext>
-              </a:extLst>
-            </p:cNvPr>
-            <p:cNvSpPr txBox="1"/>
-            <p:nvPr/>
-          </p:nvSpPr>
-          <p:spPr>
-            <a:xfrm>
-              <a:off x="4601305" y="2760444"/>
-              <a:ext cx="1207891" cy="369332"/>
-            </a:xfrm>
-            <a:prstGeom prst="rect">
-              <a:avLst/>
-            </a:prstGeom>
-            <a:noFill/>
-          </p:spPr>
-          <p:txBody>
-            <a:bodyPr wrap="square" rtlCol="0">
-              <a:spAutoFit/>
-            </a:bodyPr>
-            <a:lstStyle/>
-            <a:p>
-              <a:r>
-                <a:rPr lang="en-US" dirty="0">
-                  <a:solidFill>
-                    <a:srgbClr val="FD0000"/>
-                  </a:solidFill>
-                  <a:latin typeface="Arial" panose="020B0604020202020204" pitchFamily="34" charset="0"/>
-                  <a:cs typeface="Arial" panose="020B0604020202020204" pitchFamily="34" charset="0"/>
-                </a:rPr>
-                <a:t>X-CMC‡</a:t>
-              </a:r>
-            </a:p>
-          </p:txBody>
-        </p:sp>
-        <p:sp>
-          <p:nvSpPr>
-            <p:cNvPr id="42" name="TextBox 41">
-              <a:extLst>
-                <a:ext uri="{FF2B5EF4-FFF2-40B4-BE49-F238E27FC236}">
-                  <a16:creationId xmlns:a16="http://schemas.microsoft.com/office/drawing/2014/main" id="{8B30D5B3-2A59-C340-8C32-73684475EBF9}"/>
-                </a:ext>
-              </a:extLst>
-            </p:cNvPr>
-            <p:cNvSpPr txBox="1"/>
-            <p:nvPr/>
-          </p:nvSpPr>
-          <p:spPr>
-            <a:xfrm>
-              <a:off x="7691736" y="3290217"/>
-              <a:ext cx="875704" cy="369332"/>
-            </a:xfrm>
-            <a:prstGeom prst="rect">
-              <a:avLst/>
-            </a:prstGeom>
-            <a:noFill/>
-          </p:spPr>
-          <p:txBody>
-            <a:bodyPr wrap="square" rtlCol="0">
-              <a:spAutoFit/>
-            </a:bodyPr>
-            <a:lstStyle/>
-            <a:p>
-              <a:r>
-                <a:rPr lang="en-US" dirty="0">
-                  <a:latin typeface="Arial" panose="020B0604020202020204" pitchFamily="34" charset="0"/>
-                  <a:cs typeface="Arial" panose="020B0604020202020204" pitchFamily="34" charset="0"/>
-                </a:rPr>
-                <a:t>CMC</a:t>
-              </a:r>
-            </a:p>
-          </p:txBody>
-        </p:sp>
-        <p:sp>
-          <p:nvSpPr>
-            <p:cNvPr id="43" name="TextBox 42">
-              <a:extLst>
-                <a:ext uri="{FF2B5EF4-FFF2-40B4-BE49-F238E27FC236}">
-                  <a16:creationId xmlns:a16="http://schemas.microsoft.com/office/drawing/2014/main" id="{E4B42D62-E1CF-6F42-9D4A-46E18B3AEA50}"/>
-                </a:ext>
-              </a:extLst>
-            </p:cNvPr>
-            <p:cNvSpPr txBox="1"/>
-            <p:nvPr/>
-          </p:nvSpPr>
-          <p:spPr>
-            <a:xfrm>
-              <a:off x="9042198" y="3742957"/>
-              <a:ext cx="1207891" cy="369332"/>
-            </a:xfrm>
-            <a:prstGeom prst="rect">
-              <a:avLst/>
-            </a:prstGeom>
-            <a:noFill/>
-          </p:spPr>
-          <p:txBody>
-            <a:bodyPr wrap="square" rtlCol="0">
-              <a:spAutoFit/>
-            </a:bodyPr>
-            <a:lstStyle/>
-            <a:p>
-              <a:r>
-                <a:rPr lang="en-US" dirty="0">
-                  <a:solidFill>
-                    <a:srgbClr val="DBA520"/>
-                  </a:solidFill>
-                  <a:latin typeface="Arial" panose="020B0604020202020204" pitchFamily="34" charset="0"/>
-                  <a:cs typeface="Arial" panose="020B0604020202020204" pitchFamily="34" charset="0"/>
-                </a:rPr>
-                <a:t>X-DIM</a:t>
-              </a:r>
-            </a:p>
-          </p:txBody>
-        </p:sp>
-        <p:sp>
-          <p:nvSpPr>
-            <p:cNvPr id="44" name="TextBox 43">
-              <a:extLst>
-                <a:ext uri="{FF2B5EF4-FFF2-40B4-BE49-F238E27FC236}">
-                  <a16:creationId xmlns:a16="http://schemas.microsoft.com/office/drawing/2014/main" id="{69D55186-A166-DF4E-B8E4-38CA82D80AF2}"/>
-                </a:ext>
-              </a:extLst>
-            </p:cNvPr>
-            <p:cNvSpPr txBox="1"/>
-            <p:nvPr/>
-          </p:nvSpPr>
-          <p:spPr>
-            <a:xfrm>
-              <a:off x="5909122" y="1733221"/>
-              <a:ext cx="1207891" cy="369332"/>
-            </a:xfrm>
-            <a:prstGeom prst="rect">
-              <a:avLst/>
-            </a:prstGeom>
-            <a:noFill/>
-          </p:spPr>
-          <p:txBody>
-            <a:bodyPr wrap="square" rtlCol="0">
-              <a:spAutoFit/>
-            </a:bodyPr>
-            <a:lstStyle/>
-            <a:p>
-              <a:r>
-                <a:rPr lang="en-US" dirty="0">
-                  <a:solidFill>
-                    <a:srgbClr val="DBA520"/>
-                  </a:solidFill>
-                  <a:latin typeface="Arial" panose="020B0604020202020204" pitchFamily="34" charset="0"/>
-                  <a:cs typeface="Arial" panose="020B0604020202020204" pitchFamily="34" charset="0"/>
-                </a:rPr>
-                <a:t>X-DIM‡</a:t>
-              </a:r>
-            </a:p>
-          </p:txBody>
-        </p:sp>
-      </p:grpSp>
+            </a:solidFill>
+          </a:ln>
+        </p:spPr>
+      </p:pic>
+      <p:pic>
+        <p:nvPicPr>
+          <p:cNvPr id="12" name="Picture 11">
+            <a:extLst>
+              <a:ext uri="{FF2B5EF4-FFF2-40B4-BE49-F238E27FC236}">
+                <a16:creationId xmlns:a16="http://schemas.microsoft.com/office/drawing/2014/main" id="{64D9EBF3-CF40-A54F-AF0D-C355E9C694D0}"/>
+              </a:ext>
+            </a:extLst>
+          </p:cNvPr>
+          <p:cNvPicPr>
+            <a:picLocks noChangeAspect="1"/>
+          </p:cNvPicPr>
+          <p:nvPr/>
+        </p:nvPicPr>
+        <p:blipFill>
+          <a:blip r:embed="rId9"/>
+          <a:stretch>
+            <a:fillRect/>
+          </a:stretch>
+        </p:blipFill>
+        <p:spPr>
+          <a:xfrm>
+            <a:off x="5316305" y="5007531"/>
+            <a:ext cx="721360" cy="450088"/>
+          </a:xfrm>
+          <a:prstGeom prst="rect">
+            <a:avLst/>
+          </a:prstGeom>
+          <a:ln w="19050">
+            <a:solidFill>
+              <a:schemeClr val="tx1"/>
+            </a:solidFill>
+          </a:ln>
+        </p:spPr>
+      </p:pic>
+      <p:pic>
+        <p:nvPicPr>
+          <p:cNvPr id="13" name="Picture 12">
+            <a:extLst>
+              <a:ext uri="{FF2B5EF4-FFF2-40B4-BE49-F238E27FC236}">
+                <a16:creationId xmlns:a16="http://schemas.microsoft.com/office/drawing/2014/main" id="{36313AE6-4347-4B40-BA4A-7DA6716C5CA7}"/>
+              </a:ext>
+            </a:extLst>
+          </p:cNvPr>
+          <p:cNvPicPr>
+            <a:picLocks noChangeAspect="1"/>
+          </p:cNvPicPr>
+          <p:nvPr/>
+        </p:nvPicPr>
+        <p:blipFill>
+          <a:blip r:embed="rId10"/>
+          <a:stretch>
+            <a:fillRect/>
+          </a:stretch>
+        </p:blipFill>
+        <p:spPr>
+          <a:xfrm>
+            <a:off x="5953787" y="2965867"/>
+            <a:ext cx="721360" cy="450088"/>
+          </a:xfrm>
+          <a:prstGeom prst="rect">
+            <a:avLst/>
+          </a:prstGeom>
+          <a:ln w="19050">
+            <a:solidFill>
+              <a:srgbClr val="FF0000"/>
+            </a:solidFill>
+          </a:ln>
+        </p:spPr>
+      </p:pic>
+      <p:pic>
+        <p:nvPicPr>
+          <p:cNvPr id="14" name="Picture 13">
+            <a:extLst>
+              <a:ext uri="{FF2B5EF4-FFF2-40B4-BE49-F238E27FC236}">
+                <a16:creationId xmlns:a16="http://schemas.microsoft.com/office/drawing/2014/main" id="{935F77D2-26E9-8C48-8814-304366094376}"/>
+              </a:ext>
+            </a:extLst>
+          </p:cNvPr>
+          <p:cNvPicPr>
+            <a:picLocks noChangeAspect="1"/>
+          </p:cNvPicPr>
+          <p:nvPr/>
+        </p:nvPicPr>
+        <p:blipFill>
+          <a:blip r:embed="rId11"/>
+          <a:stretch>
+            <a:fillRect/>
+          </a:stretch>
+        </p:blipFill>
+        <p:spPr>
+          <a:xfrm>
+            <a:off x="6741910" y="4902530"/>
+            <a:ext cx="721360" cy="450088"/>
+          </a:xfrm>
+          <a:prstGeom prst="rect">
+            <a:avLst/>
+          </a:prstGeom>
+          <a:ln w="19050">
+            <a:solidFill>
+              <a:srgbClr val="FF0000"/>
+            </a:solidFill>
+          </a:ln>
+        </p:spPr>
+      </p:pic>
+      <p:pic>
+        <p:nvPicPr>
+          <p:cNvPr id="15" name="Picture 14">
+            <a:extLst>
+              <a:ext uri="{FF2B5EF4-FFF2-40B4-BE49-F238E27FC236}">
+                <a16:creationId xmlns:a16="http://schemas.microsoft.com/office/drawing/2014/main" id="{9E1B519A-44B4-834F-A073-9B966643FF35}"/>
+              </a:ext>
+            </a:extLst>
+          </p:cNvPr>
+          <p:cNvPicPr>
+            <a:picLocks noChangeAspect="1"/>
+          </p:cNvPicPr>
+          <p:nvPr/>
+        </p:nvPicPr>
+        <p:blipFill>
+          <a:blip r:embed="rId12"/>
+          <a:stretch>
+            <a:fillRect/>
+          </a:stretch>
+        </p:blipFill>
+        <p:spPr>
+          <a:xfrm>
+            <a:off x="7537133" y="2301790"/>
+            <a:ext cx="721360" cy="450088"/>
+          </a:xfrm>
+          <a:prstGeom prst="rect">
+            <a:avLst/>
+          </a:prstGeom>
+          <a:ln w="19050">
+            <a:solidFill>
+              <a:srgbClr val="FF0000"/>
+            </a:solidFill>
+          </a:ln>
+        </p:spPr>
+      </p:pic>
+      <p:pic>
+        <p:nvPicPr>
+          <p:cNvPr id="16" name="Picture 15">
+            <a:extLst>
+              <a:ext uri="{FF2B5EF4-FFF2-40B4-BE49-F238E27FC236}">
+                <a16:creationId xmlns:a16="http://schemas.microsoft.com/office/drawing/2014/main" id="{77DDCAE8-660A-374E-A3E8-66829015758F}"/>
+              </a:ext>
+            </a:extLst>
+          </p:cNvPr>
+          <p:cNvPicPr>
+            <a:picLocks noChangeAspect="1"/>
+          </p:cNvPicPr>
+          <p:nvPr/>
+        </p:nvPicPr>
+        <p:blipFill>
+          <a:blip r:embed="rId13"/>
+          <a:stretch>
+            <a:fillRect/>
+          </a:stretch>
+        </p:blipFill>
+        <p:spPr>
+          <a:xfrm>
+            <a:off x="8399118" y="3566897"/>
+            <a:ext cx="721360" cy="450088"/>
+          </a:xfrm>
+          <a:prstGeom prst="rect">
+            <a:avLst/>
+          </a:prstGeom>
+          <a:ln w="19050">
+            <a:solidFill>
+              <a:srgbClr val="FF0000"/>
+            </a:solidFill>
+          </a:ln>
+        </p:spPr>
+      </p:pic>
+      <p:pic>
+        <p:nvPicPr>
+          <p:cNvPr id="17" name="Picture 16">
+            <a:extLst>
+              <a:ext uri="{FF2B5EF4-FFF2-40B4-BE49-F238E27FC236}">
+                <a16:creationId xmlns:a16="http://schemas.microsoft.com/office/drawing/2014/main" id="{BF2FA493-6EC6-104E-91BD-FA6313E91712}"/>
+              </a:ext>
+            </a:extLst>
+          </p:cNvPr>
+          <p:cNvPicPr>
+            <a:picLocks noChangeAspect="1"/>
+          </p:cNvPicPr>
+          <p:nvPr/>
+        </p:nvPicPr>
+        <p:blipFill>
+          <a:blip r:embed="rId14"/>
+          <a:stretch>
+            <a:fillRect/>
+          </a:stretch>
+        </p:blipFill>
+        <p:spPr>
+          <a:xfrm>
+            <a:off x="9240392" y="3638951"/>
+            <a:ext cx="721360" cy="450088"/>
+          </a:xfrm>
+          <a:prstGeom prst="rect">
+            <a:avLst/>
+          </a:prstGeom>
+          <a:ln w="19050">
+            <a:solidFill>
+              <a:srgbClr val="FF0000"/>
+            </a:solidFill>
+          </a:ln>
+        </p:spPr>
+      </p:pic>
+      <p:pic>
+        <p:nvPicPr>
+          <p:cNvPr id="18" name="Picture 17">
+            <a:extLst>
+              <a:ext uri="{FF2B5EF4-FFF2-40B4-BE49-F238E27FC236}">
+                <a16:creationId xmlns:a16="http://schemas.microsoft.com/office/drawing/2014/main" id="{DE18728F-2FE4-284D-9213-DA4A29808513}"/>
+              </a:ext>
+            </a:extLst>
+          </p:cNvPr>
+          <p:cNvPicPr>
+            <a:picLocks noChangeAspect="1"/>
+          </p:cNvPicPr>
+          <p:nvPr/>
+        </p:nvPicPr>
+        <p:blipFill>
+          <a:blip r:embed="rId15"/>
+          <a:stretch>
+            <a:fillRect/>
+          </a:stretch>
+        </p:blipFill>
+        <p:spPr>
+          <a:xfrm>
+            <a:off x="9776820" y="2526834"/>
+            <a:ext cx="721360" cy="450088"/>
+          </a:xfrm>
+          <a:prstGeom prst="rect">
+            <a:avLst/>
+          </a:prstGeom>
+          <a:ln w="19050">
+            <a:solidFill>
+              <a:srgbClr val="FF0000"/>
+            </a:solidFill>
+          </a:ln>
+        </p:spPr>
+      </p:pic>
+      <p:pic>
+        <p:nvPicPr>
+          <p:cNvPr id="19" name="Picture 18">
+            <a:extLst>
+              <a:ext uri="{FF2B5EF4-FFF2-40B4-BE49-F238E27FC236}">
+                <a16:creationId xmlns:a16="http://schemas.microsoft.com/office/drawing/2014/main" id="{818F72DB-AFB7-7A4E-8EA5-274205A5488E}"/>
+              </a:ext>
+            </a:extLst>
+          </p:cNvPr>
+          <p:cNvPicPr>
+            <a:picLocks noChangeAspect="1"/>
+          </p:cNvPicPr>
+          <p:nvPr/>
+        </p:nvPicPr>
+        <p:blipFill>
+          <a:blip r:embed="rId16"/>
+          <a:stretch>
+            <a:fillRect/>
+          </a:stretch>
+        </p:blipFill>
+        <p:spPr>
+          <a:xfrm>
+            <a:off x="5935730" y="544707"/>
+            <a:ext cx="721360" cy="450088"/>
+          </a:xfrm>
+          <a:prstGeom prst="rect">
+            <a:avLst/>
+          </a:prstGeom>
+          <a:ln w="19050">
+            <a:solidFill>
+              <a:srgbClr val="00B050"/>
+            </a:solidFill>
+          </a:ln>
+        </p:spPr>
+      </p:pic>
+      <p:pic>
+        <p:nvPicPr>
+          <p:cNvPr id="20" name="Picture 19">
+            <a:extLst>
+              <a:ext uri="{FF2B5EF4-FFF2-40B4-BE49-F238E27FC236}">
+                <a16:creationId xmlns:a16="http://schemas.microsoft.com/office/drawing/2014/main" id="{18AC3B2E-831F-1547-9833-76B35F09D2D8}"/>
+              </a:ext>
+            </a:extLst>
+          </p:cNvPr>
+          <p:cNvPicPr>
+            <a:picLocks noChangeAspect="1"/>
+          </p:cNvPicPr>
+          <p:nvPr/>
+        </p:nvPicPr>
+        <p:blipFill>
+          <a:blip r:embed="rId17"/>
+          <a:stretch>
+            <a:fillRect/>
+          </a:stretch>
+        </p:blipFill>
+        <p:spPr>
+          <a:xfrm>
+            <a:off x="9736383" y="557353"/>
+            <a:ext cx="721360" cy="450088"/>
+          </a:xfrm>
+          <a:prstGeom prst="rect">
+            <a:avLst/>
+          </a:prstGeom>
+          <a:ln w="19050">
+            <a:solidFill>
+              <a:srgbClr val="FF0000"/>
+            </a:solidFill>
+          </a:ln>
+        </p:spPr>
+      </p:pic>
+      <p:pic>
+        <p:nvPicPr>
+          <p:cNvPr id="23" name="Picture 22">
+            <a:extLst>
+              <a:ext uri="{FF2B5EF4-FFF2-40B4-BE49-F238E27FC236}">
+                <a16:creationId xmlns:a16="http://schemas.microsoft.com/office/drawing/2014/main" id="{1117C51D-DA31-ED43-9885-6579190D02A5}"/>
+              </a:ext>
+            </a:extLst>
+          </p:cNvPr>
+          <p:cNvPicPr>
+            <a:picLocks noChangeAspect="1"/>
+          </p:cNvPicPr>
+          <p:nvPr/>
+        </p:nvPicPr>
+        <p:blipFill>
+          <a:blip r:embed="rId18"/>
+          <a:stretch>
+            <a:fillRect/>
+          </a:stretch>
+        </p:blipFill>
+        <p:spPr>
+          <a:xfrm>
+            <a:off x="7613469" y="4704852"/>
+            <a:ext cx="721360" cy="450088"/>
+          </a:xfrm>
+          <a:prstGeom prst="rect">
+            <a:avLst/>
+          </a:prstGeom>
+          <a:ln w="19050">
+            <a:solidFill>
+              <a:schemeClr val="tx1"/>
+            </a:solidFill>
+          </a:ln>
+        </p:spPr>
+      </p:pic>
+      <p:pic>
+        <p:nvPicPr>
+          <p:cNvPr id="24" name="Picture 23">
+            <a:extLst>
+              <a:ext uri="{FF2B5EF4-FFF2-40B4-BE49-F238E27FC236}">
+                <a16:creationId xmlns:a16="http://schemas.microsoft.com/office/drawing/2014/main" id="{F19F8AAB-98DE-3747-917D-F8ED3F971D65}"/>
+              </a:ext>
+            </a:extLst>
+          </p:cNvPr>
+          <p:cNvPicPr>
+            <a:picLocks noChangeAspect="1"/>
+          </p:cNvPicPr>
+          <p:nvPr/>
+        </p:nvPicPr>
+        <p:blipFill>
+          <a:blip r:embed="rId19"/>
+          <a:stretch>
+            <a:fillRect/>
+          </a:stretch>
+        </p:blipFill>
+        <p:spPr>
+          <a:xfrm>
+            <a:off x="8399118" y="5710260"/>
+            <a:ext cx="721360" cy="450088"/>
+          </a:xfrm>
+          <a:prstGeom prst="rect">
+            <a:avLst/>
+          </a:prstGeom>
+          <a:ln w="19050">
+            <a:solidFill>
+              <a:schemeClr val="tx1"/>
+            </a:solidFill>
+          </a:ln>
+        </p:spPr>
+      </p:pic>
+      <p:pic>
+        <p:nvPicPr>
+          <p:cNvPr id="26" name="Picture 25">
+            <a:extLst>
+              <a:ext uri="{FF2B5EF4-FFF2-40B4-BE49-F238E27FC236}">
+                <a16:creationId xmlns:a16="http://schemas.microsoft.com/office/drawing/2014/main" id="{D5F6877B-8082-0244-A54A-CBF56F1AE2F1}"/>
+              </a:ext>
+            </a:extLst>
+          </p:cNvPr>
+          <p:cNvPicPr>
+            <a:picLocks noChangeAspect="1"/>
+          </p:cNvPicPr>
+          <p:nvPr/>
+        </p:nvPicPr>
+        <p:blipFill>
+          <a:blip r:embed="rId20"/>
+          <a:stretch>
+            <a:fillRect/>
+          </a:stretch>
+        </p:blipFill>
+        <p:spPr>
+          <a:xfrm>
+            <a:off x="10829090" y="4607179"/>
+            <a:ext cx="721360" cy="450088"/>
+          </a:xfrm>
+          <a:prstGeom prst="rect">
+            <a:avLst/>
+          </a:prstGeom>
+          <a:ln w="19050">
+            <a:solidFill>
+              <a:schemeClr val="tx1"/>
+            </a:solidFill>
+          </a:ln>
+        </p:spPr>
+      </p:pic>
+      <p:sp>
+        <p:nvSpPr>
+          <p:cNvPr id="27" name="TextBox 26">
+            <a:extLst>
+              <a:ext uri="{FF2B5EF4-FFF2-40B4-BE49-F238E27FC236}">
+                <a16:creationId xmlns:a16="http://schemas.microsoft.com/office/drawing/2014/main" id="{9AB049C5-FC31-7844-ACAC-7B99DB542A21}"/>
+              </a:ext>
+            </a:extLst>
+          </p:cNvPr>
+          <p:cNvSpPr txBox="1"/>
+          <p:nvPr/>
+        </p:nvSpPr>
+        <p:spPr>
+          <a:xfrm>
+            <a:off x="9665989" y="845627"/>
+            <a:ext cx="1411971" cy="307777"/>
+          </a:xfrm>
+          <a:prstGeom prst="rect">
+            <a:avLst/>
+          </a:prstGeom>
+          <a:noFill/>
+        </p:spPr>
+        <p:txBody>
+          <a:bodyPr wrap="square" rtlCol="0">
+            <a:spAutoFit/>
+          </a:bodyPr>
+          <a:lstStyle/>
+          <a:p>
+            <a:r>
+              <a:rPr lang="en-US" sz="1400" dirty="0">
+                <a:solidFill>
+                  <a:srgbClr val="00B050"/>
+                </a:solidFill>
+                <a:latin typeface="Arial" panose="020B0604020202020204" pitchFamily="34" charset="0"/>
+                <a:cs typeface="Arial" panose="020B0604020202020204" pitchFamily="34" charset="0"/>
+              </a:rPr>
+              <a:t>X-SURF</a:t>
+            </a:r>
+          </a:p>
+        </p:txBody>
+      </p:sp>
+      <p:sp>
+        <p:nvSpPr>
+          <p:cNvPr id="29" name="Rectangle 28">
+            <a:extLst>
+              <a:ext uri="{FF2B5EF4-FFF2-40B4-BE49-F238E27FC236}">
+                <a16:creationId xmlns:a16="http://schemas.microsoft.com/office/drawing/2014/main" id="{544ABF28-5BA7-2643-A8B0-9355883BF6F0}"/>
+              </a:ext>
+            </a:extLst>
+          </p:cNvPr>
+          <p:cNvSpPr/>
+          <p:nvPr/>
+        </p:nvSpPr>
+        <p:spPr>
+          <a:xfrm>
+            <a:off x="10153657" y="1842901"/>
+            <a:ext cx="851515" cy="369332"/>
+          </a:xfrm>
+          <a:prstGeom prst="rect">
+            <a:avLst/>
+          </a:prstGeom>
+        </p:spPr>
+        <p:txBody>
+          <a:bodyPr wrap="none">
+            <a:spAutoFit/>
+          </a:bodyPr>
+          <a:lstStyle/>
+          <a:p>
+            <a:r>
+              <a:rPr lang="en-US" dirty="0">
+                <a:latin typeface="Arial" panose="020B0604020202020204" pitchFamily="34" charset="0"/>
+                <a:cs typeface="Arial" panose="020B0604020202020204" pitchFamily="34" charset="0"/>
+              </a:rPr>
+              <a:t>PROD</a:t>
+            </a:r>
+          </a:p>
+        </p:txBody>
+      </p:sp>
+      <p:sp>
+        <p:nvSpPr>
+          <p:cNvPr id="30" name="Rectangle 29">
+            <a:extLst>
+              <a:ext uri="{FF2B5EF4-FFF2-40B4-BE49-F238E27FC236}">
+                <a16:creationId xmlns:a16="http://schemas.microsoft.com/office/drawing/2014/main" id="{07491EB4-05A9-D046-9E06-C7E1FCDEB849}"/>
+              </a:ext>
+            </a:extLst>
+          </p:cNvPr>
+          <p:cNvSpPr/>
+          <p:nvPr/>
+        </p:nvSpPr>
+        <p:spPr>
+          <a:xfrm>
+            <a:off x="10649739" y="4872601"/>
+            <a:ext cx="1069524" cy="369332"/>
+          </a:xfrm>
+          <a:prstGeom prst="rect">
+            <a:avLst/>
+          </a:prstGeom>
+        </p:spPr>
+        <p:txBody>
+          <a:bodyPr wrap="none">
+            <a:spAutoFit/>
+          </a:bodyPr>
+          <a:lstStyle/>
+          <a:p>
+            <a:r>
+              <a:rPr lang="en-US" dirty="0">
+                <a:latin typeface="Arial" panose="020B0604020202020204" pitchFamily="34" charset="0"/>
+                <a:cs typeface="Arial" panose="020B0604020202020204" pitchFamily="34" charset="0"/>
+              </a:rPr>
+              <a:t>DSRB-D</a:t>
+            </a:r>
+          </a:p>
+        </p:txBody>
+      </p:sp>
+      <p:sp>
+        <p:nvSpPr>
+          <p:cNvPr id="31" name="TextBox 30">
+            <a:extLst>
+              <a:ext uri="{FF2B5EF4-FFF2-40B4-BE49-F238E27FC236}">
+                <a16:creationId xmlns:a16="http://schemas.microsoft.com/office/drawing/2014/main" id="{4DFE3E86-2467-5241-B770-C1C2267BBB29}"/>
+              </a:ext>
+            </a:extLst>
+          </p:cNvPr>
+          <p:cNvSpPr txBox="1"/>
+          <p:nvPr/>
+        </p:nvSpPr>
+        <p:spPr>
+          <a:xfrm>
+            <a:off x="9601072" y="2813034"/>
+            <a:ext cx="1411971" cy="307777"/>
+          </a:xfrm>
+          <a:prstGeom prst="rect">
+            <a:avLst/>
+          </a:prstGeom>
+          <a:noFill/>
+        </p:spPr>
+        <p:txBody>
+          <a:bodyPr wrap="square" rtlCol="0">
+            <a:spAutoFit/>
+          </a:bodyPr>
+          <a:lstStyle/>
+          <a:p>
+            <a:r>
+              <a:rPr lang="en-US" sz="1400" dirty="0">
+                <a:solidFill>
+                  <a:srgbClr val="FF0000"/>
+                </a:solidFill>
+                <a:latin typeface="Arial" panose="020B0604020202020204" pitchFamily="34" charset="0"/>
+                <a:cs typeface="Arial" panose="020B0604020202020204" pitchFamily="34" charset="0"/>
+              </a:rPr>
+              <a:t>X-DSRB-D</a:t>
+            </a:r>
+          </a:p>
+        </p:txBody>
+      </p:sp>
+      <p:pic>
+        <p:nvPicPr>
+          <p:cNvPr id="32" name="Picture 31">
+            <a:extLst>
+              <a:ext uri="{FF2B5EF4-FFF2-40B4-BE49-F238E27FC236}">
+                <a16:creationId xmlns:a16="http://schemas.microsoft.com/office/drawing/2014/main" id="{EE6F1E31-BC43-1D40-8CAB-7BBEBAF12B4D}"/>
+              </a:ext>
+            </a:extLst>
+          </p:cNvPr>
+          <p:cNvPicPr>
+            <a:picLocks noChangeAspect="1"/>
+          </p:cNvPicPr>
+          <p:nvPr/>
+        </p:nvPicPr>
+        <p:blipFill>
+          <a:blip r:embed="rId17"/>
+          <a:stretch>
+            <a:fillRect/>
+          </a:stretch>
+        </p:blipFill>
+        <p:spPr>
+          <a:xfrm>
+            <a:off x="11463514" y="923640"/>
+            <a:ext cx="721360" cy="450088"/>
+          </a:xfrm>
+          <a:prstGeom prst="rect">
+            <a:avLst/>
+          </a:prstGeom>
+          <a:ln w="19050">
+            <a:solidFill>
+              <a:srgbClr val="FF0000"/>
+            </a:solidFill>
+          </a:ln>
+        </p:spPr>
+      </p:pic>
+      <p:pic>
+        <p:nvPicPr>
+          <p:cNvPr id="34" name="Picture 33">
+            <a:extLst>
+              <a:ext uri="{FF2B5EF4-FFF2-40B4-BE49-F238E27FC236}">
+                <a16:creationId xmlns:a16="http://schemas.microsoft.com/office/drawing/2014/main" id="{C3A5292D-B0C5-6D4B-9B76-291AAAD6DAFE}"/>
+              </a:ext>
+            </a:extLst>
+          </p:cNvPr>
+          <p:cNvPicPr>
+            <a:picLocks noChangeAspect="1"/>
+          </p:cNvPicPr>
+          <p:nvPr/>
+        </p:nvPicPr>
+        <p:blipFill>
+          <a:blip r:embed="rId4"/>
+          <a:stretch>
+            <a:fillRect/>
+          </a:stretch>
+        </p:blipFill>
+        <p:spPr>
+          <a:xfrm>
+            <a:off x="10877880" y="2825859"/>
+            <a:ext cx="721360" cy="450088"/>
+          </a:xfrm>
+          <a:prstGeom prst="rect">
+            <a:avLst/>
+          </a:prstGeom>
+          <a:ln w="19050">
+            <a:solidFill>
+              <a:schemeClr val="tx1"/>
+            </a:solidFill>
+          </a:ln>
+        </p:spPr>
+      </p:pic>
+      <p:sp>
+        <p:nvSpPr>
+          <p:cNvPr id="28" name="TextBox 27">
+            <a:extLst>
+              <a:ext uri="{FF2B5EF4-FFF2-40B4-BE49-F238E27FC236}">
+                <a16:creationId xmlns:a16="http://schemas.microsoft.com/office/drawing/2014/main" id="{44321656-DA96-F742-8778-C5048A774D0A}"/>
+              </a:ext>
+            </a:extLst>
+          </p:cNvPr>
+          <p:cNvSpPr txBox="1"/>
+          <p:nvPr/>
+        </p:nvSpPr>
+        <p:spPr>
+          <a:xfrm>
+            <a:off x="11418713" y="1229205"/>
+            <a:ext cx="1411971" cy="307777"/>
+          </a:xfrm>
+          <a:prstGeom prst="rect">
+            <a:avLst/>
+          </a:prstGeom>
+          <a:noFill/>
+        </p:spPr>
+        <p:txBody>
+          <a:bodyPr wrap="square" rtlCol="0">
+            <a:spAutoFit/>
+          </a:bodyPr>
+          <a:lstStyle/>
+          <a:p>
+            <a:r>
+              <a:rPr lang="en-US" sz="1400" dirty="0">
+                <a:solidFill>
+                  <a:srgbClr val="FF0000"/>
+                </a:solidFill>
+                <a:latin typeface="Arial" panose="020B0604020202020204" pitchFamily="34" charset="0"/>
+                <a:cs typeface="Arial" panose="020B0604020202020204" pitchFamily="34" charset="0"/>
+              </a:rPr>
+              <a:t>X-PROD</a:t>
+            </a:r>
+          </a:p>
+        </p:txBody>
+      </p:sp>
     </p:spTree>
     <p:extLst>
       <p:ext uri="{BB962C8B-B14F-4D97-AF65-F5344CB8AC3E}">
-        <p14:creationId xmlns:p14="http://schemas.microsoft.com/office/powerpoint/2010/main" val="3746490439"/>
+        <p14:creationId xmlns:p14="http://schemas.microsoft.com/office/powerpoint/2010/main" val="3481755360"/>
       </p:ext>
     </p:extLst>
   </p:cSld>
@@ -12411,699 +12322,1411 @@
           <a:chExt cx="0" cy="0"/>
         </a:xfrm>
       </p:grpSpPr>
-      <p:pic>
-        <p:nvPicPr>
-          <p:cNvPr id="6" name="Picture 5">
-            <a:extLst>
-              <a:ext uri="{FF2B5EF4-FFF2-40B4-BE49-F238E27FC236}">
-                <a16:creationId xmlns:a16="http://schemas.microsoft.com/office/drawing/2014/main" id="{DFD86614-12F8-F246-840B-B10A2EFAFD24}"/>
-              </a:ext>
-            </a:extLst>
-          </p:cNvPr>
-          <p:cNvPicPr>
-            <a:picLocks noChangeAspect="1"/>
-          </p:cNvPicPr>
-          <p:nvPr/>
-        </p:nvPicPr>
-        <p:blipFill>
-          <a:blip r:embed="rId3"/>
-          <a:stretch>
-            <a:fillRect/>
-          </a:stretch>
-        </p:blipFill>
-        <p:spPr>
-          <a:xfrm>
-            <a:off x="1106556" y="-4771"/>
-            <a:ext cx="9879496" cy="6586330"/>
-          </a:xfrm>
-          <a:prstGeom prst="rect">
-            <a:avLst/>
-          </a:prstGeom>
-        </p:spPr>
-      </p:pic>
-      <p:cxnSp>
-        <p:nvCxnSpPr>
-          <p:cNvPr id="21" name="Straight Arrow Connector 20">
-            <a:extLst>
-              <a:ext uri="{FF2B5EF4-FFF2-40B4-BE49-F238E27FC236}">
-                <a16:creationId xmlns:a16="http://schemas.microsoft.com/office/drawing/2014/main" id="{4A36E01D-2CAF-454C-8716-D0FB009848BB}"/>
-              </a:ext>
-            </a:extLst>
-          </p:cNvPr>
-          <p:cNvCxnSpPr>
-            <a:cxnSpLocks/>
-          </p:cNvCxnSpPr>
-          <p:nvPr/>
-        </p:nvCxnSpPr>
-        <p:spPr>
-          <a:xfrm flipH="1" flipV="1">
-            <a:off x="5600700" y="3428999"/>
-            <a:ext cx="778667" cy="4478"/>
-          </a:xfrm>
-          <a:prstGeom prst="straightConnector1">
-            <a:avLst/>
-          </a:prstGeom>
-          <a:ln w="25400">
-            <a:solidFill>
+      <p:grpSp>
+        <p:nvGrpSpPr>
+          <p:cNvPr id="63" name="Group 62">
+            <a:extLst>
+              <a:ext uri="{FF2B5EF4-FFF2-40B4-BE49-F238E27FC236}">
+                <a16:creationId xmlns:a16="http://schemas.microsoft.com/office/drawing/2014/main" id="{B27F4DA5-2899-144E-BC7D-7FC167703359}"/>
+              </a:ext>
+            </a:extLst>
+          </p:cNvPr>
+          <p:cNvGrpSpPr/>
+          <p:nvPr/>
+        </p:nvGrpSpPr>
+        <p:grpSpPr>
+          <a:xfrm>
+            <a:off x="796827" y="1364105"/>
+            <a:ext cx="10489967" cy="3524401"/>
+            <a:chOff x="796827" y="1364105"/>
+            <a:chExt cx="10489967" cy="3524401"/>
+          </a:xfrm>
+        </p:grpSpPr>
+        <p:pic>
+          <p:nvPicPr>
+            <p:cNvPr id="62" name="Picture 61">
+              <a:extLst>
+                <a:ext uri="{FF2B5EF4-FFF2-40B4-BE49-F238E27FC236}">
+                  <a16:creationId xmlns:a16="http://schemas.microsoft.com/office/drawing/2014/main" id="{4B19D0B0-43C1-7C49-83E6-E192B614926E}"/>
+                </a:ext>
+              </a:extLst>
+            </p:cNvPr>
+            <p:cNvPicPr>
+              <a:picLocks noChangeAspect="1"/>
+            </p:cNvPicPr>
+            <p:nvPr/>
+          </p:nvPicPr>
+          <p:blipFill rotWithShape="1">
+            <a:blip r:embed="rId3"/>
+            <a:srcRect t="7985" r="7222"/>
+            <a:stretch/>
+          </p:blipFill>
+          <p:spPr>
+            <a:xfrm>
+              <a:off x="796827" y="1377216"/>
+              <a:ext cx="5310660" cy="3511290"/>
+            </a:xfrm>
+            <a:prstGeom prst="rect">
+              <a:avLst/>
+            </a:prstGeom>
+          </p:spPr>
+        </p:pic>
+        <p:cxnSp>
+          <p:nvCxnSpPr>
+            <p:cNvPr id="21" name="Straight Arrow Connector 20">
+              <a:extLst>
+                <a:ext uri="{FF2B5EF4-FFF2-40B4-BE49-F238E27FC236}">
+                  <a16:creationId xmlns:a16="http://schemas.microsoft.com/office/drawing/2014/main" id="{4A36E01D-2CAF-454C-8716-D0FB009848BB}"/>
+                </a:ext>
+              </a:extLst>
+            </p:cNvPr>
+            <p:cNvCxnSpPr>
+              <a:cxnSpLocks/>
+            </p:cNvCxnSpPr>
+            <p:nvPr/>
+          </p:nvCxnSpPr>
+          <p:spPr>
+            <a:xfrm flipH="1">
+              <a:off x="3168598" y="3196716"/>
+              <a:ext cx="749828" cy="241664"/>
+            </a:xfrm>
+            <a:prstGeom prst="straightConnector1">
+              <a:avLst/>
+            </a:prstGeom>
+            <a:ln w="25400">
+              <a:solidFill>
+                <a:schemeClr val="tx1"/>
+              </a:solidFill>
+              <a:tailEnd type="arrow" w="sm" len="lg"/>
+            </a:ln>
+          </p:spPr>
+          <p:style>
+            <a:lnRef idx="1">
+              <a:schemeClr val="accent1"/>
+            </a:lnRef>
+            <a:fillRef idx="0">
+              <a:schemeClr val="accent1"/>
+            </a:fillRef>
+            <a:effectRef idx="0">
+              <a:schemeClr val="accent1"/>
+            </a:effectRef>
+            <a:fontRef idx="minor">
               <a:schemeClr val="tx1"/>
-            </a:solidFill>
-            <a:tailEnd type="triangle" w="lg" len="lg"/>
-          </a:ln>
-        </p:spPr>
-        <p:style>
-          <a:lnRef idx="1">
-            <a:schemeClr val="accent1"/>
-          </a:lnRef>
-          <a:fillRef idx="0">
-            <a:schemeClr val="accent1"/>
-          </a:fillRef>
-          <a:effectRef idx="0">
-            <a:schemeClr val="accent1"/>
-          </a:effectRef>
-          <a:fontRef idx="minor">
-            <a:schemeClr val="tx1"/>
-          </a:fontRef>
-        </p:style>
-      </p:cxnSp>
-      <p:cxnSp>
-        <p:nvCxnSpPr>
-          <p:cNvPr id="23" name="Straight Arrow Connector 22">
-            <a:extLst>
-              <a:ext uri="{FF2B5EF4-FFF2-40B4-BE49-F238E27FC236}">
-                <a16:creationId xmlns:a16="http://schemas.microsoft.com/office/drawing/2014/main" id="{4C15A82F-B81E-954C-BC92-2971B36F6D84}"/>
-              </a:ext>
-            </a:extLst>
-          </p:cNvPr>
-          <p:cNvCxnSpPr>
-            <a:cxnSpLocks/>
-          </p:cNvCxnSpPr>
-          <p:nvPr/>
-        </p:nvCxnSpPr>
-        <p:spPr>
-          <a:xfrm flipV="1">
-            <a:off x="7816455" y="3043238"/>
-            <a:ext cx="509584" cy="281386"/>
-          </a:xfrm>
-          <a:prstGeom prst="straightConnector1">
-            <a:avLst/>
-          </a:prstGeom>
-          <a:ln w="25400">
-            <a:solidFill>
-              <a:srgbClr val="DBA520"/>
-            </a:solidFill>
-            <a:headEnd w="lg" len="lg"/>
-            <a:tailEnd type="triangle" w="lg" len="lg"/>
-          </a:ln>
-        </p:spPr>
-        <p:style>
-          <a:lnRef idx="1">
-            <a:schemeClr val="accent1"/>
-          </a:lnRef>
-          <a:fillRef idx="0">
-            <a:schemeClr val="accent1"/>
-          </a:fillRef>
-          <a:effectRef idx="0">
-            <a:schemeClr val="accent1"/>
-          </a:effectRef>
-          <a:fontRef idx="minor">
-            <a:schemeClr val="tx1"/>
-          </a:fontRef>
-        </p:style>
-      </p:cxnSp>
-      <p:cxnSp>
-        <p:nvCxnSpPr>
-          <p:cNvPr id="25" name="Straight Arrow Connector 24">
-            <a:extLst>
-              <a:ext uri="{FF2B5EF4-FFF2-40B4-BE49-F238E27FC236}">
-                <a16:creationId xmlns:a16="http://schemas.microsoft.com/office/drawing/2014/main" id="{8A0AB724-1141-8A49-BAAD-736EF06375D5}"/>
-              </a:ext>
-            </a:extLst>
-          </p:cNvPr>
-          <p:cNvCxnSpPr>
-            <a:cxnSpLocks/>
-          </p:cNvCxnSpPr>
-          <p:nvPr/>
-        </p:nvCxnSpPr>
-        <p:spPr>
-          <a:xfrm flipH="1" flipV="1">
-            <a:off x="6723456" y="1315801"/>
-            <a:ext cx="771525" cy="121310"/>
-          </a:xfrm>
-          <a:prstGeom prst="straightConnector1">
-            <a:avLst/>
-          </a:prstGeom>
-          <a:ln w="25400">
-            <a:solidFill>
-              <a:srgbClr val="DBA520"/>
-            </a:solidFill>
-            <a:tailEnd type="triangle" w="lg" len="lg"/>
-          </a:ln>
-        </p:spPr>
-        <p:style>
-          <a:lnRef idx="1">
-            <a:schemeClr val="accent1"/>
-          </a:lnRef>
-          <a:fillRef idx="0">
-            <a:schemeClr val="accent1"/>
-          </a:fillRef>
-          <a:effectRef idx="0">
-            <a:schemeClr val="accent1"/>
-          </a:effectRef>
-          <a:fontRef idx="minor">
-            <a:schemeClr val="tx1"/>
-          </a:fontRef>
-        </p:style>
-      </p:cxnSp>
-      <p:cxnSp>
-        <p:nvCxnSpPr>
-          <p:cNvPr id="26" name="Straight Arrow Connector 25">
-            <a:extLst>
-              <a:ext uri="{FF2B5EF4-FFF2-40B4-BE49-F238E27FC236}">
-                <a16:creationId xmlns:a16="http://schemas.microsoft.com/office/drawing/2014/main" id="{ECD79D84-7EDF-7740-915E-E0D2E07B49FA}"/>
-              </a:ext>
-            </a:extLst>
-          </p:cNvPr>
-          <p:cNvCxnSpPr>
-            <a:cxnSpLocks/>
-          </p:cNvCxnSpPr>
-          <p:nvPr/>
-        </p:nvCxnSpPr>
-        <p:spPr>
-          <a:xfrm flipH="1" flipV="1">
-            <a:off x="6479978" y="2072672"/>
-            <a:ext cx="733622" cy="119749"/>
-          </a:xfrm>
-          <a:prstGeom prst="straightConnector1">
-            <a:avLst/>
-          </a:prstGeom>
-          <a:ln w="25400">
-            <a:solidFill>
-              <a:srgbClr val="FF0000"/>
-            </a:solidFill>
-            <a:tailEnd type="triangle" w="lg" len="lg"/>
-          </a:ln>
-        </p:spPr>
-        <p:style>
-          <a:lnRef idx="1">
-            <a:schemeClr val="accent1"/>
-          </a:lnRef>
-          <a:fillRef idx="0">
-            <a:schemeClr val="accent1"/>
-          </a:fillRef>
-          <a:effectRef idx="0">
-            <a:schemeClr val="accent1"/>
-          </a:effectRef>
-          <a:fontRef idx="minor">
-            <a:schemeClr val="tx1"/>
-          </a:fontRef>
-        </p:style>
-      </p:cxnSp>
-      <p:cxnSp>
-        <p:nvCxnSpPr>
-          <p:cNvPr id="27" name="Straight Arrow Connector 26">
-            <a:extLst>
-              <a:ext uri="{FF2B5EF4-FFF2-40B4-BE49-F238E27FC236}">
-                <a16:creationId xmlns:a16="http://schemas.microsoft.com/office/drawing/2014/main" id="{29878A34-8104-B34F-ADC4-995FA1E03167}"/>
-              </a:ext>
-            </a:extLst>
-          </p:cNvPr>
-          <p:cNvCxnSpPr>
-            <a:cxnSpLocks/>
-          </p:cNvCxnSpPr>
-          <p:nvPr/>
-        </p:nvCxnSpPr>
-        <p:spPr>
-          <a:xfrm flipV="1">
-            <a:off x="7346754" y="2386013"/>
-            <a:ext cx="356373" cy="556553"/>
-          </a:xfrm>
-          <a:prstGeom prst="straightConnector1">
-            <a:avLst/>
-          </a:prstGeom>
-          <a:ln w="25400">
-            <a:solidFill>
-              <a:srgbClr val="FF0000"/>
-            </a:solidFill>
-            <a:tailEnd type="triangle" w="lg" len="lg"/>
-          </a:ln>
-        </p:spPr>
-        <p:style>
-          <a:lnRef idx="1">
-            <a:schemeClr val="accent1"/>
-          </a:lnRef>
-          <a:fillRef idx="0">
-            <a:schemeClr val="accent1"/>
-          </a:fillRef>
-          <a:effectRef idx="0">
-            <a:schemeClr val="accent1"/>
-          </a:effectRef>
-          <a:fontRef idx="minor">
-            <a:schemeClr val="tx1"/>
-          </a:fontRef>
-        </p:style>
-      </p:cxnSp>
-      <p:sp>
-        <p:nvSpPr>
-          <p:cNvPr id="29" name="TextBox 28">
-            <a:extLst>
-              <a:ext uri="{FF2B5EF4-FFF2-40B4-BE49-F238E27FC236}">
-                <a16:creationId xmlns:a16="http://schemas.microsoft.com/office/drawing/2014/main" id="{91C4C127-0EF4-C740-95D4-58CC8FBC225F}"/>
-              </a:ext>
-            </a:extLst>
-          </p:cNvPr>
-          <p:cNvSpPr txBox="1"/>
-          <p:nvPr/>
-        </p:nvSpPr>
-        <p:spPr>
-          <a:xfrm>
-            <a:off x="7084260" y="3362937"/>
-            <a:ext cx="881360" cy="369332"/>
-          </a:xfrm>
-          <a:prstGeom prst="rect">
-            <a:avLst/>
-          </a:prstGeom>
-          <a:noFill/>
-        </p:spPr>
-        <p:txBody>
-          <a:bodyPr wrap="square" rtlCol="0">
-            <a:spAutoFit/>
-          </a:bodyPr>
-          <a:lstStyle/>
-          <a:p>
-            <a:r>
-              <a:rPr lang="en-US" dirty="0">
-                <a:latin typeface="Arial" panose="020B0604020202020204" pitchFamily="34" charset="0"/>
-                <a:cs typeface="Arial" panose="020B0604020202020204" pitchFamily="34" charset="0"/>
-              </a:rPr>
-              <a:t>CMC</a:t>
-            </a:r>
-          </a:p>
-        </p:txBody>
-      </p:sp>
-      <p:sp>
-        <p:nvSpPr>
-          <p:cNvPr id="32" name="TextBox 31">
-            <a:extLst>
-              <a:ext uri="{FF2B5EF4-FFF2-40B4-BE49-F238E27FC236}">
-                <a16:creationId xmlns:a16="http://schemas.microsoft.com/office/drawing/2014/main" id="{9DB34976-5CB2-0249-A4BF-70C9966BA6D8}"/>
-              </a:ext>
-            </a:extLst>
-          </p:cNvPr>
-          <p:cNvSpPr txBox="1"/>
-          <p:nvPr/>
-        </p:nvSpPr>
-        <p:spPr>
-          <a:xfrm>
-            <a:off x="5086351" y="2386013"/>
-            <a:ext cx="960834" cy="369332"/>
-          </a:xfrm>
-          <a:prstGeom prst="rect">
-            <a:avLst/>
-          </a:prstGeom>
-          <a:noFill/>
-        </p:spPr>
-        <p:txBody>
-          <a:bodyPr wrap="square" rtlCol="0">
-            <a:spAutoFit/>
-          </a:bodyPr>
-          <a:lstStyle/>
-          <a:p>
-            <a:r>
-              <a:rPr lang="en-US" dirty="0">
-                <a:latin typeface="Arial" panose="020B0604020202020204" pitchFamily="34" charset="0"/>
-                <a:cs typeface="Arial" panose="020B0604020202020204" pitchFamily="34" charset="0"/>
-              </a:rPr>
-              <a:t>DIM‡</a:t>
-            </a:r>
-          </a:p>
-        </p:txBody>
-      </p:sp>
-      <p:sp>
-        <p:nvSpPr>
-          <p:cNvPr id="33" name="TextBox 32">
-            <a:extLst>
-              <a:ext uri="{FF2B5EF4-FFF2-40B4-BE49-F238E27FC236}">
-                <a16:creationId xmlns:a16="http://schemas.microsoft.com/office/drawing/2014/main" id="{9BA8D727-B68C-BD41-91CB-6615F6F48AAE}"/>
-              </a:ext>
-            </a:extLst>
-          </p:cNvPr>
-          <p:cNvSpPr txBox="1"/>
-          <p:nvPr/>
-        </p:nvSpPr>
-        <p:spPr>
-          <a:xfrm>
-            <a:off x="3267076" y="5181600"/>
-            <a:ext cx="960834" cy="369332"/>
-          </a:xfrm>
-          <a:prstGeom prst="rect">
-            <a:avLst/>
-          </a:prstGeom>
-          <a:noFill/>
-        </p:spPr>
-        <p:txBody>
-          <a:bodyPr wrap="square" rtlCol="0">
-            <a:spAutoFit/>
-          </a:bodyPr>
-          <a:lstStyle/>
-          <a:p>
-            <a:r>
-              <a:rPr lang="en-US" dirty="0">
-                <a:latin typeface="Arial" panose="020B0604020202020204" pitchFamily="34" charset="0"/>
-                <a:cs typeface="Arial" panose="020B0604020202020204" pitchFamily="34" charset="0"/>
-              </a:rPr>
-              <a:t>DIM</a:t>
-            </a:r>
-          </a:p>
-        </p:txBody>
-      </p:sp>
-      <p:sp>
-        <p:nvSpPr>
-          <p:cNvPr id="34" name="TextBox 33">
-            <a:extLst>
-              <a:ext uri="{FF2B5EF4-FFF2-40B4-BE49-F238E27FC236}">
-                <a16:creationId xmlns:a16="http://schemas.microsoft.com/office/drawing/2014/main" id="{272B1665-DF3A-C448-85CA-095D04AC5B3D}"/>
-              </a:ext>
-            </a:extLst>
-          </p:cNvPr>
-          <p:cNvSpPr txBox="1"/>
-          <p:nvPr/>
-        </p:nvSpPr>
-        <p:spPr>
-          <a:xfrm>
-            <a:off x="8326039" y="2314928"/>
-            <a:ext cx="1207891" cy="369332"/>
-          </a:xfrm>
-          <a:prstGeom prst="rect">
-            <a:avLst/>
-          </a:prstGeom>
-          <a:noFill/>
-        </p:spPr>
-        <p:txBody>
-          <a:bodyPr wrap="square" rtlCol="0">
-            <a:spAutoFit/>
-          </a:bodyPr>
-          <a:lstStyle/>
-          <a:p>
-            <a:r>
-              <a:rPr lang="en-US" dirty="0">
-                <a:solidFill>
-                  <a:srgbClr val="DBA520"/>
-                </a:solidFill>
-                <a:latin typeface="Arial" panose="020B0604020202020204" pitchFamily="34" charset="0"/>
-                <a:cs typeface="Arial" panose="020B0604020202020204" pitchFamily="34" charset="0"/>
-              </a:rPr>
-              <a:t>X-CMC‡</a:t>
-            </a:r>
-          </a:p>
-        </p:txBody>
-      </p:sp>
-      <p:sp>
-        <p:nvSpPr>
-          <p:cNvPr id="35" name="TextBox 34">
-            <a:extLst>
-              <a:ext uri="{FF2B5EF4-FFF2-40B4-BE49-F238E27FC236}">
-                <a16:creationId xmlns:a16="http://schemas.microsoft.com/office/drawing/2014/main" id="{EB966C45-CBB9-F647-A042-015F607B319D}"/>
-              </a:ext>
-            </a:extLst>
-          </p:cNvPr>
-          <p:cNvSpPr txBox="1"/>
-          <p:nvPr/>
-        </p:nvSpPr>
-        <p:spPr>
-          <a:xfrm>
-            <a:off x="9021324" y="2757900"/>
-            <a:ext cx="1207891" cy="369332"/>
-          </a:xfrm>
-          <a:prstGeom prst="rect">
-            <a:avLst/>
-          </a:prstGeom>
-          <a:noFill/>
-        </p:spPr>
-        <p:txBody>
-          <a:bodyPr wrap="square" rtlCol="0">
-            <a:spAutoFit/>
-          </a:bodyPr>
-          <a:lstStyle/>
-          <a:p>
-            <a:r>
-              <a:rPr lang="en-US" dirty="0">
-                <a:solidFill>
-                  <a:srgbClr val="DBA520"/>
-                </a:solidFill>
-                <a:latin typeface="Arial" panose="020B0604020202020204" pitchFamily="34" charset="0"/>
-                <a:cs typeface="Arial" panose="020B0604020202020204" pitchFamily="34" charset="0"/>
-              </a:rPr>
-              <a:t>X-CMC</a:t>
-            </a:r>
-          </a:p>
-        </p:txBody>
-      </p:sp>
-      <p:sp>
-        <p:nvSpPr>
-          <p:cNvPr id="36" name="TextBox 35">
-            <a:extLst>
-              <a:ext uri="{FF2B5EF4-FFF2-40B4-BE49-F238E27FC236}">
-                <a16:creationId xmlns:a16="http://schemas.microsoft.com/office/drawing/2014/main" id="{7B6964FD-9C5E-B448-9BCE-3F2DCCAE169F}"/>
-              </a:ext>
-            </a:extLst>
-          </p:cNvPr>
-          <p:cNvSpPr txBox="1"/>
-          <p:nvPr/>
-        </p:nvSpPr>
-        <p:spPr>
-          <a:xfrm>
-            <a:off x="5651300" y="1086333"/>
-            <a:ext cx="1207891" cy="369332"/>
-          </a:xfrm>
-          <a:prstGeom prst="rect">
-            <a:avLst/>
-          </a:prstGeom>
-          <a:noFill/>
-        </p:spPr>
-        <p:txBody>
-          <a:bodyPr wrap="square" rtlCol="0">
-            <a:spAutoFit/>
-          </a:bodyPr>
-          <a:lstStyle/>
-          <a:p>
-            <a:r>
-              <a:rPr lang="en-US" dirty="0">
-                <a:solidFill>
-                  <a:srgbClr val="DBA520"/>
-                </a:solidFill>
-                <a:latin typeface="Arial" panose="020B0604020202020204" pitchFamily="34" charset="0"/>
-                <a:cs typeface="Arial" panose="020B0604020202020204" pitchFamily="34" charset="0"/>
-              </a:rPr>
-              <a:t>X-DIM‡</a:t>
-            </a:r>
-          </a:p>
-        </p:txBody>
-      </p:sp>
-      <p:sp>
-        <p:nvSpPr>
-          <p:cNvPr id="37" name="TextBox 36">
-            <a:extLst>
-              <a:ext uri="{FF2B5EF4-FFF2-40B4-BE49-F238E27FC236}">
-                <a16:creationId xmlns:a16="http://schemas.microsoft.com/office/drawing/2014/main" id="{5BA555F7-5E57-6D4C-8AAF-3D5809AEA8F8}"/>
-              </a:ext>
-            </a:extLst>
-          </p:cNvPr>
-          <p:cNvSpPr txBox="1"/>
-          <p:nvPr/>
-        </p:nvSpPr>
-        <p:spPr>
-          <a:xfrm>
-            <a:off x="2935186" y="3208142"/>
-            <a:ext cx="1207891" cy="369332"/>
-          </a:xfrm>
-          <a:prstGeom prst="rect">
-            <a:avLst/>
-          </a:prstGeom>
-          <a:noFill/>
-        </p:spPr>
-        <p:txBody>
-          <a:bodyPr wrap="square" rtlCol="0">
-            <a:spAutoFit/>
-          </a:bodyPr>
-          <a:lstStyle/>
-          <a:p>
-            <a:r>
-              <a:rPr lang="en-US" dirty="0">
-                <a:solidFill>
-                  <a:srgbClr val="DBA520"/>
-                </a:solidFill>
-                <a:latin typeface="Arial" panose="020B0604020202020204" pitchFamily="34" charset="0"/>
-                <a:cs typeface="Arial" panose="020B0604020202020204" pitchFamily="34" charset="0"/>
-              </a:rPr>
-              <a:t>X-DIM</a:t>
-            </a:r>
-          </a:p>
-        </p:txBody>
-      </p:sp>
-      <p:sp>
-        <p:nvSpPr>
-          <p:cNvPr id="38" name="TextBox 37">
-            <a:extLst>
-              <a:ext uri="{FF2B5EF4-FFF2-40B4-BE49-F238E27FC236}">
-                <a16:creationId xmlns:a16="http://schemas.microsoft.com/office/drawing/2014/main" id="{D91FE63A-B526-4643-A736-F484B30D783D}"/>
-              </a:ext>
-            </a:extLst>
-          </p:cNvPr>
-          <p:cNvSpPr txBox="1"/>
-          <p:nvPr/>
-        </p:nvSpPr>
-        <p:spPr>
-          <a:xfrm>
-            <a:off x="2953364" y="3619486"/>
-            <a:ext cx="1207891" cy="369332"/>
-          </a:xfrm>
-          <a:prstGeom prst="rect">
-            <a:avLst/>
-          </a:prstGeom>
-          <a:noFill/>
-        </p:spPr>
-        <p:txBody>
-          <a:bodyPr wrap="square" rtlCol="0">
-            <a:spAutoFit/>
-          </a:bodyPr>
-          <a:lstStyle/>
-          <a:p>
-            <a:r>
-              <a:rPr lang="en-US" dirty="0">
-                <a:solidFill>
-                  <a:srgbClr val="FD0000"/>
-                </a:solidFill>
-                <a:latin typeface="Arial" panose="020B0604020202020204" pitchFamily="34" charset="0"/>
-                <a:cs typeface="Arial" panose="020B0604020202020204" pitchFamily="34" charset="0"/>
-              </a:rPr>
-              <a:t>X-DIM</a:t>
-            </a:r>
-          </a:p>
-        </p:txBody>
-      </p:sp>
-      <p:sp>
-        <p:nvSpPr>
-          <p:cNvPr id="39" name="TextBox 38">
-            <a:extLst>
-              <a:ext uri="{FF2B5EF4-FFF2-40B4-BE49-F238E27FC236}">
-                <a16:creationId xmlns:a16="http://schemas.microsoft.com/office/drawing/2014/main" id="{033B9764-C6E9-1E4E-9612-8741C5B9595B}"/>
-              </a:ext>
-            </a:extLst>
-          </p:cNvPr>
-          <p:cNvSpPr txBox="1"/>
-          <p:nvPr/>
-        </p:nvSpPr>
-        <p:spPr>
-          <a:xfrm>
-            <a:off x="5600700" y="1720363"/>
-            <a:ext cx="1207891" cy="369332"/>
-          </a:xfrm>
-          <a:prstGeom prst="rect">
-            <a:avLst/>
-          </a:prstGeom>
-          <a:noFill/>
-        </p:spPr>
-        <p:txBody>
-          <a:bodyPr wrap="square" rtlCol="0">
-            <a:spAutoFit/>
-          </a:bodyPr>
-          <a:lstStyle/>
-          <a:p>
-            <a:r>
-              <a:rPr lang="en-US" dirty="0">
-                <a:solidFill>
-                  <a:srgbClr val="FD0000"/>
-                </a:solidFill>
-                <a:latin typeface="Arial" panose="020B0604020202020204" pitchFamily="34" charset="0"/>
-                <a:cs typeface="Arial" panose="020B0604020202020204" pitchFamily="34" charset="0"/>
-              </a:rPr>
-              <a:t>X-DIM‡</a:t>
-            </a:r>
-          </a:p>
-        </p:txBody>
-      </p:sp>
-      <p:sp>
-        <p:nvSpPr>
-          <p:cNvPr id="40" name="TextBox 39">
-            <a:extLst>
-              <a:ext uri="{FF2B5EF4-FFF2-40B4-BE49-F238E27FC236}">
-                <a16:creationId xmlns:a16="http://schemas.microsoft.com/office/drawing/2014/main" id="{F8058E93-9898-7447-8BAB-BD4447DFCF7A}"/>
-              </a:ext>
-            </a:extLst>
-          </p:cNvPr>
-          <p:cNvSpPr txBox="1"/>
-          <p:nvPr/>
-        </p:nvSpPr>
-        <p:spPr>
-          <a:xfrm>
-            <a:off x="8864500" y="3558202"/>
-            <a:ext cx="1207891" cy="369332"/>
-          </a:xfrm>
-          <a:prstGeom prst="rect">
-            <a:avLst/>
-          </a:prstGeom>
-          <a:noFill/>
-        </p:spPr>
-        <p:txBody>
-          <a:bodyPr wrap="square" rtlCol="0">
-            <a:spAutoFit/>
-          </a:bodyPr>
-          <a:lstStyle/>
-          <a:p>
-            <a:r>
-              <a:rPr lang="en-US" dirty="0">
-                <a:solidFill>
-                  <a:srgbClr val="FD0000"/>
-                </a:solidFill>
-                <a:latin typeface="Arial" panose="020B0604020202020204" pitchFamily="34" charset="0"/>
-                <a:cs typeface="Arial" panose="020B0604020202020204" pitchFamily="34" charset="0"/>
-              </a:rPr>
-              <a:t>X-CMC</a:t>
-            </a:r>
-          </a:p>
-        </p:txBody>
-      </p:sp>
-      <p:sp>
-        <p:nvSpPr>
-          <p:cNvPr id="42" name="TextBox 41">
-            <a:extLst>
-              <a:ext uri="{FF2B5EF4-FFF2-40B4-BE49-F238E27FC236}">
-                <a16:creationId xmlns:a16="http://schemas.microsoft.com/office/drawing/2014/main" id="{9F65B62A-4E8B-2644-95FE-10DAE7326FFC}"/>
-              </a:ext>
-            </a:extLst>
-          </p:cNvPr>
-          <p:cNvSpPr txBox="1"/>
-          <p:nvPr/>
-        </p:nvSpPr>
-        <p:spPr>
-          <a:xfrm>
-            <a:off x="8077879" y="1581441"/>
-            <a:ext cx="1207891" cy="369332"/>
-          </a:xfrm>
-          <a:prstGeom prst="rect">
-            <a:avLst/>
-          </a:prstGeom>
-          <a:noFill/>
-        </p:spPr>
-        <p:txBody>
-          <a:bodyPr wrap="square" rtlCol="0">
-            <a:spAutoFit/>
-          </a:bodyPr>
-          <a:lstStyle/>
-          <a:p>
-            <a:r>
-              <a:rPr lang="en-US" dirty="0">
-                <a:solidFill>
-                  <a:srgbClr val="FD0000"/>
-                </a:solidFill>
-                <a:latin typeface="Arial" panose="020B0604020202020204" pitchFamily="34" charset="0"/>
-                <a:cs typeface="Arial" panose="020B0604020202020204" pitchFamily="34" charset="0"/>
-              </a:rPr>
-              <a:t>X-CMC‡</a:t>
-            </a:r>
-          </a:p>
-        </p:txBody>
-      </p:sp>
+            </a:fontRef>
+          </p:style>
+        </p:cxnSp>
+        <p:cxnSp>
+          <p:nvCxnSpPr>
+            <p:cNvPr id="23" name="Straight Arrow Connector 22">
+              <a:extLst>
+                <a:ext uri="{FF2B5EF4-FFF2-40B4-BE49-F238E27FC236}">
+                  <a16:creationId xmlns:a16="http://schemas.microsoft.com/office/drawing/2014/main" id="{4C15A82F-B81E-954C-BC92-2971B36F6D84}"/>
+                </a:ext>
+              </a:extLst>
+            </p:cNvPr>
+            <p:cNvCxnSpPr>
+              <a:cxnSpLocks/>
+            </p:cNvCxnSpPr>
+            <p:nvPr/>
+          </p:nvCxnSpPr>
+          <p:spPr>
+            <a:xfrm flipV="1">
+              <a:off x="4358391" y="2445579"/>
+              <a:ext cx="295275" cy="372320"/>
+            </a:xfrm>
+            <a:prstGeom prst="straightConnector1">
+              <a:avLst/>
+            </a:prstGeom>
+            <a:ln w="25400">
+              <a:solidFill>
+                <a:srgbClr val="DBA520"/>
+              </a:solidFill>
+              <a:headEnd w="lg" len="lg"/>
+              <a:tailEnd type="arrow" w="sm" len="lg"/>
+            </a:ln>
+          </p:spPr>
+          <p:style>
+            <a:lnRef idx="1">
+              <a:schemeClr val="accent1"/>
+            </a:lnRef>
+            <a:fillRef idx="0">
+              <a:schemeClr val="accent1"/>
+            </a:fillRef>
+            <a:effectRef idx="0">
+              <a:schemeClr val="accent1"/>
+            </a:effectRef>
+            <a:fontRef idx="minor">
+              <a:schemeClr val="tx1"/>
+            </a:fontRef>
+          </p:style>
+        </p:cxnSp>
+        <p:cxnSp>
+          <p:nvCxnSpPr>
+            <p:cNvPr id="25" name="Straight Arrow Connector 24">
+              <a:extLst>
+                <a:ext uri="{FF2B5EF4-FFF2-40B4-BE49-F238E27FC236}">
+                  <a16:creationId xmlns:a16="http://schemas.microsoft.com/office/drawing/2014/main" id="{8A0AB724-1141-8A49-BAAD-736EF06375D5}"/>
+                </a:ext>
+              </a:extLst>
+            </p:cNvPr>
+            <p:cNvCxnSpPr>
+              <a:cxnSpLocks/>
+            </p:cNvCxnSpPr>
+            <p:nvPr/>
+          </p:nvCxnSpPr>
+          <p:spPr>
+            <a:xfrm flipH="1">
+              <a:off x="2585613" y="2023046"/>
+              <a:ext cx="461418" cy="274060"/>
+            </a:xfrm>
+            <a:prstGeom prst="straightConnector1">
+              <a:avLst/>
+            </a:prstGeom>
+            <a:ln w="25400">
+              <a:solidFill>
+                <a:srgbClr val="DBA520"/>
+              </a:solidFill>
+              <a:tailEnd type="arrow" w="sm" len="lg"/>
+            </a:ln>
+          </p:spPr>
+          <p:style>
+            <a:lnRef idx="1">
+              <a:schemeClr val="accent1"/>
+            </a:lnRef>
+            <a:fillRef idx="0">
+              <a:schemeClr val="accent1"/>
+            </a:fillRef>
+            <a:effectRef idx="0">
+              <a:schemeClr val="accent1"/>
+            </a:effectRef>
+            <a:fontRef idx="minor">
+              <a:schemeClr val="tx1"/>
+            </a:fontRef>
+          </p:style>
+        </p:cxnSp>
+        <p:cxnSp>
+          <p:nvCxnSpPr>
+            <p:cNvPr id="27" name="Straight Arrow Connector 26">
+              <a:extLst>
+                <a:ext uri="{FF2B5EF4-FFF2-40B4-BE49-F238E27FC236}">
+                  <a16:creationId xmlns:a16="http://schemas.microsoft.com/office/drawing/2014/main" id="{29878A34-8104-B34F-ADC4-995FA1E03167}"/>
+                </a:ext>
+              </a:extLst>
+            </p:cNvPr>
+            <p:cNvCxnSpPr>
+              <a:cxnSpLocks/>
+            </p:cNvCxnSpPr>
+            <p:nvPr/>
+          </p:nvCxnSpPr>
+          <p:spPr>
+            <a:xfrm flipV="1">
+              <a:off x="4594936" y="2943213"/>
+              <a:ext cx="475227" cy="230856"/>
+            </a:xfrm>
+            <a:prstGeom prst="straightConnector1">
+              <a:avLst/>
+            </a:prstGeom>
+            <a:ln w="25400">
+              <a:solidFill>
+                <a:srgbClr val="FF0000"/>
+              </a:solidFill>
+              <a:tailEnd type="arrow" w="sm" len="lg"/>
+            </a:ln>
+          </p:spPr>
+          <p:style>
+            <a:lnRef idx="1">
+              <a:schemeClr val="accent1"/>
+            </a:lnRef>
+            <a:fillRef idx="0">
+              <a:schemeClr val="accent1"/>
+            </a:fillRef>
+            <a:effectRef idx="0">
+              <a:schemeClr val="accent1"/>
+            </a:effectRef>
+            <a:fontRef idx="minor">
+              <a:schemeClr val="tx1"/>
+            </a:fontRef>
+          </p:style>
+        </p:cxnSp>
+        <p:sp>
+          <p:nvSpPr>
+            <p:cNvPr id="29" name="TextBox 28">
+              <a:extLst>
+                <a:ext uri="{FF2B5EF4-FFF2-40B4-BE49-F238E27FC236}">
+                  <a16:creationId xmlns:a16="http://schemas.microsoft.com/office/drawing/2014/main" id="{91C4C127-0EF4-C740-95D4-58CC8FBC225F}"/>
+                </a:ext>
+              </a:extLst>
+            </p:cNvPr>
+            <p:cNvSpPr txBox="1"/>
+            <p:nvPr/>
+          </p:nvSpPr>
+          <p:spPr>
+            <a:xfrm>
+              <a:off x="4221635" y="3031059"/>
+              <a:ext cx="881360" cy="230832"/>
+            </a:xfrm>
+            <a:prstGeom prst="rect">
+              <a:avLst/>
+            </a:prstGeom>
+            <a:noFill/>
+          </p:spPr>
+          <p:txBody>
+            <a:bodyPr wrap="square" rtlCol="0">
+              <a:spAutoFit/>
+            </a:bodyPr>
+            <a:lstStyle/>
+            <a:p>
+              <a:r>
+                <a:rPr lang="en-US" sz="900" dirty="0">
+                  <a:latin typeface="Arial" panose="020B0604020202020204" pitchFamily="34" charset="0"/>
+                  <a:cs typeface="Arial" panose="020B0604020202020204" pitchFamily="34" charset="0"/>
+                </a:rPr>
+                <a:t>CMC</a:t>
+              </a:r>
+            </a:p>
+          </p:txBody>
+        </p:sp>
+        <p:sp>
+          <p:nvSpPr>
+            <p:cNvPr id="32" name="TextBox 31">
+              <a:extLst>
+                <a:ext uri="{FF2B5EF4-FFF2-40B4-BE49-F238E27FC236}">
+                  <a16:creationId xmlns:a16="http://schemas.microsoft.com/office/drawing/2014/main" id="{9DB34976-5CB2-0249-A4BF-70C9966BA6D8}"/>
+                </a:ext>
+              </a:extLst>
+            </p:cNvPr>
+            <p:cNvSpPr txBox="1"/>
+            <p:nvPr/>
+          </p:nvSpPr>
+          <p:spPr>
+            <a:xfrm>
+              <a:off x="3101833" y="2866618"/>
+              <a:ext cx="960834" cy="230832"/>
+            </a:xfrm>
+            <a:prstGeom prst="rect">
+              <a:avLst/>
+            </a:prstGeom>
+            <a:noFill/>
+          </p:spPr>
+          <p:txBody>
+            <a:bodyPr wrap="square" rtlCol="0">
+              <a:spAutoFit/>
+            </a:bodyPr>
+            <a:lstStyle/>
+            <a:p>
+              <a:r>
+                <a:rPr lang="en-US" sz="900" dirty="0">
+                  <a:latin typeface="Arial" panose="020B0604020202020204" pitchFamily="34" charset="0"/>
+                  <a:cs typeface="Arial" panose="020B0604020202020204" pitchFamily="34" charset="0"/>
+                </a:rPr>
+                <a:t>DIM‡</a:t>
+              </a:r>
+            </a:p>
+          </p:txBody>
+        </p:sp>
+        <p:sp>
+          <p:nvSpPr>
+            <p:cNvPr id="33" name="TextBox 32">
+              <a:extLst>
+                <a:ext uri="{FF2B5EF4-FFF2-40B4-BE49-F238E27FC236}">
+                  <a16:creationId xmlns:a16="http://schemas.microsoft.com/office/drawing/2014/main" id="{9BA8D727-B68C-BD41-91CB-6615F6F48AAE}"/>
+                </a:ext>
+              </a:extLst>
+            </p:cNvPr>
+            <p:cNvSpPr txBox="1"/>
+            <p:nvPr/>
+          </p:nvSpPr>
+          <p:spPr>
+            <a:xfrm>
+              <a:off x="2003330" y="4102308"/>
+              <a:ext cx="960834" cy="230832"/>
+            </a:xfrm>
+            <a:prstGeom prst="rect">
+              <a:avLst/>
+            </a:prstGeom>
+            <a:noFill/>
+          </p:spPr>
+          <p:txBody>
+            <a:bodyPr wrap="square" rtlCol="0">
+              <a:spAutoFit/>
+            </a:bodyPr>
+            <a:lstStyle/>
+            <a:p>
+              <a:r>
+                <a:rPr lang="en-US" sz="900" dirty="0">
+                  <a:latin typeface="Arial" panose="020B0604020202020204" pitchFamily="34" charset="0"/>
+                  <a:cs typeface="Arial" panose="020B0604020202020204" pitchFamily="34" charset="0"/>
+                </a:rPr>
+                <a:t>DIM</a:t>
+              </a:r>
+            </a:p>
+          </p:txBody>
+        </p:sp>
+        <p:sp>
+          <p:nvSpPr>
+            <p:cNvPr id="34" name="TextBox 33">
+              <a:extLst>
+                <a:ext uri="{FF2B5EF4-FFF2-40B4-BE49-F238E27FC236}">
+                  <a16:creationId xmlns:a16="http://schemas.microsoft.com/office/drawing/2014/main" id="{272B1665-DF3A-C448-85CA-095D04AC5B3D}"/>
+                </a:ext>
+              </a:extLst>
+            </p:cNvPr>
+            <p:cNvSpPr txBox="1"/>
+            <p:nvPr/>
+          </p:nvSpPr>
+          <p:spPr>
+            <a:xfrm>
+              <a:off x="4770998" y="1998500"/>
+              <a:ext cx="1207891" cy="230832"/>
+            </a:xfrm>
+            <a:prstGeom prst="rect">
+              <a:avLst/>
+            </a:prstGeom>
+            <a:noFill/>
+          </p:spPr>
+          <p:txBody>
+            <a:bodyPr wrap="square" rtlCol="0">
+              <a:spAutoFit/>
+            </a:bodyPr>
+            <a:lstStyle/>
+            <a:p>
+              <a:r>
+                <a:rPr lang="en-US" sz="900" dirty="0">
+                  <a:solidFill>
+                    <a:srgbClr val="DBA520"/>
+                  </a:solidFill>
+                  <a:latin typeface="Arial" panose="020B0604020202020204" pitchFamily="34" charset="0"/>
+                  <a:cs typeface="Arial" panose="020B0604020202020204" pitchFamily="34" charset="0"/>
+                </a:rPr>
+                <a:t>X-CMC‡</a:t>
+              </a:r>
+            </a:p>
+          </p:txBody>
+        </p:sp>
+        <p:sp>
+          <p:nvSpPr>
+            <p:cNvPr id="35" name="TextBox 34">
+              <a:extLst>
+                <a:ext uri="{FF2B5EF4-FFF2-40B4-BE49-F238E27FC236}">
+                  <a16:creationId xmlns:a16="http://schemas.microsoft.com/office/drawing/2014/main" id="{EB966C45-CBB9-F647-A042-015F607B319D}"/>
+                </a:ext>
+              </a:extLst>
+            </p:cNvPr>
+            <p:cNvSpPr txBox="1"/>
+            <p:nvPr/>
+          </p:nvSpPr>
+          <p:spPr>
+            <a:xfrm>
+              <a:off x="5446920" y="3114150"/>
+              <a:ext cx="675557" cy="230832"/>
+            </a:xfrm>
+            <a:prstGeom prst="rect">
+              <a:avLst/>
+            </a:prstGeom>
+            <a:noFill/>
+          </p:spPr>
+          <p:txBody>
+            <a:bodyPr wrap="square" rtlCol="0">
+              <a:spAutoFit/>
+            </a:bodyPr>
+            <a:lstStyle/>
+            <a:p>
+              <a:r>
+                <a:rPr lang="en-US" sz="900" dirty="0">
+                  <a:solidFill>
+                    <a:srgbClr val="DBA520"/>
+                  </a:solidFill>
+                  <a:latin typeface="Arial" panose="020B0604020202020204" pitchFamily="34" charset="0"/>
+                  <a:cs typeface="Arial" panose="020B0604020202020204" pitchFamily="34" charset="0"/>
+                </a:rPr>
+                <a:t>X-CMC</a:t>
+              </a:r>
+            </a:p>
+          </p:txBody>
+        </p:sp>
+        <p:sp>
+          <p:nvSpPr>
+            <p:cNvPr id="36" name="TextBox 35">
+              <a:extLst>
+                <a:ext uri="{FF2B5EF4-FFF2-40B4-BE49-F238E27FC236}">
+                  <a16:creationId xmlns:a16="http://schemas.microsoft.com/office/drawing/2014/main" id="{7B6964FD-9C5E-B448-9BCE-3F2DCCAE169F}"/>
+                </a:ext>
+              </a:extLst>
+            </p:cNvPr>
+            <p:cNvSpPr txBox="1"/>
+            <p:nvPr/>
+          </p:nvSpPr>
+          <p:spPr>
+            <a:xfrm>
+              <a:off x="3445775" y="2132687"/>
+              <a:ext cx="1207891" cy="230832"/>
+            </a:xfrm>
+            <a:prstGeom prst="rect">
+              <a:avLst/>
+            </a:prstGeom>
+            <a:noFill/>
+          </p:spPr>
+          <p:txBody>
+            <a:bodyPr wrap="square" rtlCol="0">
+              <a:spAutoFit/>
+            </a:bodyPr>
+            <a:lstStyle/>
+            <a:p>
+              <a:r>
+                <a:rPr lang="en-US" sz="900" dirty="0">
+                  <a:solidFill>
+                    <a:srgbClr val="DBA520"/>
+                  </a:solidFill>
+                  <a:latin typeface="Arial" panose="020B0604020202020204" pitchFamily="34" charset="0"/>
+                  <a:cs typeface="Arial" panose="020B0604020202020204" pitchFamily="34" charset="0"/>
+                </a:rPr>
+                <a:t>X-DIM‡</a:t>
+              </a:r>
+            </a:p>
+          </p:txBody>
+        </p:sp>
+        <p:sp>
+          <p:nvSpPr>
+            <p:cNvPr id="37" name="TextBox 36">
+              <a:extLst>
+                <a:ext uri="{FF2B5EF4-FFF2-40B4-BE49-F238E27FC236}">
+                  <a16:creationId xmlns:a16="http://schemas.microsoft.com/office/drawing/2014/main" id="{5BA555F7-5E57-6D4C-8AAF-3D5809AEA8F8}"/>
+                </a:ext>
+              </a:extLst>
+            </p:cNvPr>
+            <p:cNvSpPr txBox="1"/>
+            <p:nvPr/>
+          </p:nvSpPr>
+          <p:spPr>
+            <a:xfrm>
+              <a:off x="1960707" y="3207548"/>
+              <a:ext cx="1207891" cy="230832"/>
+            </a:xfrm>
+            <a:prstGeom prst="rect">
+              <a:avLst/>
+            </a:prstGeom>
+            <a:noFill/>
+          </p:spPr>
+          <p:txBody>
+            <a:bodyPr wrap="square" rtlCol="0">
+              <a:spAutoFit/>
+            </a:bodyPr>
+            <a:lstStyle/>
+            <a:p>
+              <a:r>
+                <a:rPr lang="en-US" sz="900" dirty="0">
+                  <a:solidFill>
+                    <a:srgbClr val="DBA520"/>
+                  </a:solidFill>
+                  <a:latin typeface="Arial" panose="020B0604020202020204" pitchFamily="34" charset="0"/>
+                  <a:cs typeface="Arial" panose="020B0604020202020204" pitchFamily="34" charset="0"/>
+                </a:rPr>
+                <a:t>X-DIM</a:t>
+              </a:r>
+            </a:p>
+          </p:txBody>
+        </p:sp>
+        <p:sp>
+          <p:nvSpPr>
+            <p:cNvPr id="38" name="TextBox 37">
+              <a:extLst>
+                <a:ext uri="{FF2B5EF4-FFF2-40B4-BE49-F238E27FC236}">
+                  <a16:creationId xmlns:a16="http://schemas.microsoft.com/office/drawing/2014/main" id="{D91FE63A-B526-4643-A736-F484B30D783D}"/>
+                </a:ext>
+              </a:extLst>
+            </p:cNvPr>
+            <p:cNvSpPr txBox="1"/>
+            <p:nvPr/>
+          </p:nvSpPr>
+          <p:spPr>
+            <a:xfrm>
+              <a:off x="1717672" y="2970161"/>
+              <a:ext cx="1207891" cy="230832"/>
+            </a:xfrm>
+            <a:prstGeom prst="rect">
+              <a:avLst/>
+            </a:prstGeom>
+            <a:noFill/>
+          </p:spPr>
+          <p:txBody>
+            <a:bodyPr wrap="square" rtlCol="0">
+              <a:spAutoFit/>
+            </a:bodyPr>
+            <a:lstStyle/>
+            <a:p>
+              <a:r>
+                <a:rPr lang="en-US" sz="900" dirty="0">
+                  <a:solidFill>
+                    <a:srgbClr val="FD0000"/>
+                  </a:solidFill>
+                  <a:latin typeface="Arial" panose="020B0604020202020204" pitchFamily="34" charset="0"/>
+                  <a:cs typeface="Arial" panose="020B0604020202020204" pitchFamily="34" charset="0"/>
+                </a:rPr>
+                <a:t>X-DIM</a:t>
+              </a:r>
+            </a:p>
+          </p:txBody>
+        </p:sp>
+        <p:sp>
+          <p:nvSpPr>
+            <p:cNvPr id="39" name="TextBox 38">
+              <a:extLst>
+                <a:ext uri="{FF2B5EF4-FFF2-40B4-BE49-F238E27FC236}">
+                  <a16:creationId xmlns:a16="http://schemas.microsoft.com/office/drawing/2014/main" id="{033B9764-C6E9-1E4E-9612-8741C5B9595B}"/>
+                </a:ext>
+              </a:extLst>
+            </p:cNvPr>
+            <p:cNvSpPr txBox="1"/>
+            <p:nvPr/>
+          </p:nvSpPr>
+          <p:spPr>
+            <a:xfrm>
+              <a:off x="3464828" y="1725344"/>
+              <a:ext cx="686990" cy="230832"/>
+            </a:xfrm>
+            <a:prstGeom prst="rect">
+              <a:avLst/>
+            </a:prstGeom>
+            <a:noFill/>
+          </p:spPr>
+          <p:txBody>
+            <a:bodyPr wrap="square" rtlCol="0">
+              <a:spAutoFit/>
+            </a:bodyPr>
+            <a:lstStyle/>
+            <a:p>
+              <a:r>
+                <a:rPr lang="en-US" sz="900" dirty="0">
+                  <a:solidFill>
+                    <a:srgbClr val="FD0000"/>
+                  </a:solidFill>
+                  <a:latin typeface="Arial" panose="020B0604020202020204" pitchFamily="34" charset="0"/>
+                  <a:cs typeface="Arial" panose="020B0604020202020204" pitchFamily="34" charset="0"/>
+                </a:rPr>
+                <a:t>X-DIM‡</a:t>
+              </a:r>
+            </a:p>
+          </p:txBody>
+        </p:sp>
+        <p:sp>
+          <p:nvSpPr>
+            <p:cNvPr id="40" name="TextBox 39">
+              <a:extLst>
+                <a:ext uri="{FF2B5EF4-FFF2-40B4-BE49-F238E27FC236}">
+                  <a16:creationId xmlns:a16="http://schemas.microsoft.com/office/drawing/2014/main" id="{F8058E93-9898-7447-8BAB-BD4447DFCF7A}"/>
+                </a:ext>
+              </a:extLst>
+            </p:cNvPr>
+            <p:cNvSpPr txBox="1"/>
+            <p:nvPr/>
+          </p:nvSpPr>
+          <p:spPr>
+            <a:xfrm>
+              <a:off x="5446921" y="2817898"/>
+              <a:ext cx="675556" cy="230832"/>
+            </a:xfrm>
+            <a:prstGeom prst="rect">
+              <a:avLst/>
+            </a:prstGeom>
+            <a:noFill/>
+          </p:spPr>
+          <p:txBody>
+            <a:bodyPr wrap="square" rtlCol="0">
+              <a:spAutoFit/>
+            </a:bodyPr>
+            <a:lstStyle/>
+            <a:p>
+              <a:r>
+                <a:rPr lang="en-US" sz="900" dirty="0">
+                  <a:solidFill>
+                    <a:srgbClr val="FD0000"/>
+                  </a:solidFill>
+                  <a:latin typeface="Arial" panose="020B0604020202020204" pitchFamily="34" charset="0"/>
+                  <a:cs typeface="Arial" panose="020B0604020202020204" pitchFamily="34" charset="0"/>
+                </a:rPr>
+                <a:t>X-CMC</a:t>
+              </a:r>
+            </a:p>
+          </p:txBody>
+        </p:sp>
+        <p:sp>
+          <p:nvSpPr>
+            <p:cNvPr id="42" name="TextBox 41">
+              <a:extLst>
+                <a:ext uri="{FF2B5EF4-FFF2-40B4-BE49-F238E27FC236}">
+                  <a16:creationId xmlns:a16="http://schemas.microsoft.com/office/drawing/2014/main" id="{9F65B62A-4E8B-2644-95FE-10DAE7326FFC}"/>
+                </a:ext>
+              </a:extLst>
+            </p:cNvPr>
+            <p:cNvSpPr txBox="1"/>
+            <p:nvPr/>
+          </p:nvSpPr>
+          <p:spPr>
+            <a:xfrm>
+              <a:off x="5056354" y="2467378"/>
+              <a:ext cx="675556" cy="230856"/>
+            </a:xfrm>
+            <a:prstGeom prst="rect">
+              <a:avLst/>
+            </a:prstGeom>
+            <a:noFill/>
+          </p:spPr>
+          <p:txBody>
+            <a:bodyPr wrap="square" rtlCol="0">
+              <a:spAutoFit/>
+            </a:bodyPr>
+            <a:lstStyle/>
+            <a:p>
+              <a:r>
+                <a:rPr lang="en-US" sz="900" dirty="0">
+                  <a:solidFill>
+                    <a:srgbClr val="FD0000"/>
+                  </a:solidFill>
+                  <a:latin typeface="Arial" panose="020B0604020202020204" pitchFamily="34" charset="0"/>
+                  <a:cs typeface="Arial" panose="020B0604020202020204" pitchFamily="34" charset="0"/>
+                </a:rPr>
+                <a:t>X-CMC‡</a:t>
+              </a:r>
+            </a:p>
+          </p:txBody>
+        </p:sp>
+        <p:cxnSp>
+          <p:nvCxnSpPr>
+            <p:cNvPr id="41" name="Straight Arrow Connector 40">
+              <a:extLst>
+                <a:ext uri="{FF2B5EF4-FFF2-40B4-BE49-F238E27FC236}">
+                  <a16:creationId xmlns:a16="http://schemas.microsoft.com/office/drawing/2014/main" id="{822029F4-41FF-0746-B389-EB0B825FC5BD}"/>
+                </a:ext>
+              </a:extLst>
+            </p:cNvPr>
+            <p:cNvCxnSpPr>
+              <a:cxnSpLocks/>
+            </p:cNvCxnSpPr>
+            <p:nvPr/>
+          </p:nvCxnSpPr>
+          <p:spPr>
+            <a:xfrm flipH="1" flipV="1">
+              <a:off x="4049720" y="1803372"/>
+              <a:ext cx="545216" cy="195128"/>
+            </a:xfrm>
+            <a:prstGeom prst="straightConnector1">
+              <a:avLst/>
+            </a:prstGeom>
+            <a:ln w="25400">
+              <a:solidFill>
+                <a:srgbClr val="FF0000"/>
+              </a:solidFill>
+              <a:tailEnd type="arrow" w="sm" len="lg"/>
+            </a:ln>
+          </p:spPr>
+          <p:style>
+            <a:lnRef idx="1">
+              <a:schemeClr val="accent1"/>
+            </a:lnRef>
+            <a:fillRef idx="0">
+              <a:schemeClr val="accent1"/>
+            </a:fillRef>
+            <a:effectRef idx="0">
+              <a:schemeClr val="accent1"/>
+            </a:effectRef>
+            <a:fontRef idx="minor">
+              <a:schemeClr val="tx1"/>
+            </a:fontRef>
+          </p:style>
+        </p:cxnSp>
+        <p:pic>
+          <p:nvPicPr>
+            <p:cNvPr id="43" name="Picture 42">
+              <a:extLst>
+                <a:ext uri="{FF2B5EF4-FFF2-40B4-BE49-F238E27FC236}">
+                  <a16:creationId xmlns:a16="http://schemas.microsoft.com/office/drawing/2014/main" id="{56F82A1E-279B-A047-A9E2-45E55C35FAD3}"/>
+                </a:ext>
+              </a:extLst>
+            </p:cNvPr>
+            <p:cNvPicPr>
+              <a:picLocks noChangeAspect="1"/>
+            </p:cNvPicPr>
+            <p:nvPr/>
+          </p:nvPicPr>
+          <p:blipFill rotWithShape="1">
+            <a:blip r:embed="rId4"/>
+            <a:srcRect l="1878" t="6795" r="6910"/>
+            <a:stretch/>
+          </p:blipFill>
+          <p:spPr>
+            <a:xfrm>
+              <a:off x="6069523" y="1364105"/>
+              <a:ext cx="5126637" cy="3492469"/>
+            </a:xfrm>
+            <a:prstGeom prst="rect">
+              <a:avLst/>
+            </a:prstGeom>
+          </p:spPr>
+        </p:pic>
+        <p:cxnSp>
+          <p:nvCxnSpPr>
+            <p:cNvPr id="44" name="Straight Arrow Connector 43">
+              <a:extLst>
+                <a:ext uri="{FF2B5EF4-FFF2-40B4-BE49-F238E27FC236}">
+                  <a16:creationId xmlns:a16="http://schemas.microsoft.com/office/drawing/2014/main" id="{A9327BDF-EDCA-7D4B-B8E1-F56B2CD41397}"/>
+                </a:ext>
+              </a:extLst>
+            </p:cNvPr>
+            <p:cNvCxnSpPr>
+              <a:cxnSpLocks/>
+            </p:cNvCxnSpPr>
+            <p:nvPr/>
+          </p:nvCxnSpPr>
+          <p:spPr>
+            <a:xfrm>
+              <a:off x="9762656" y="3305550"/>
+              <a:ext cx="365451" cy="337835"/>
+            </a:xfrm>
+            <a:prstGeom prst="straightConnector1">
+              <a:avLst/>
+            </a:prstGeom>
+            <a:ln w="25400">
+              <a:solidFill>
+                <a:schemeClr val="tx1"/>
+              </a:solidFill>
+              <a:tailEnd type="arrow" w="sm" len="lg"/>
+            </a:ln>
+          </p:spPr>
+          <p:style>
+            <a:lnRef idx="1">
+              <a:schemeClr val="accent1"/>
+            </a:lnRef>
+            <a:fillRef idx="0">
+              <a:schemeClr val="accent1"/>
+            </a:fillRef>
+            <a:effectRef idx="0">
+              <a:schemeClr val="accent1"/>
+            </a:effectRef>
+            <a:fontRef idx="minor">
+              <a:schemeClr val="tx1"/>
+            </a:fontRef>
+          </p:style>
+        </p:cxnSp>
+        <p:cxnSp>
+          <p:nvCxnSpPr>
+            <p:cNvPr id="45" name="Straight Arrow Connector 44">
+              <a:extLst>
+                <a:ext uri="{FF2B5EF4-FFF2-40B4-BE49-F238E27FC236}">
+                  <a16:creationId xmlns:a16="http://schemas.microsoft.com/office/drawing/2014/main" id="{89A99B3D-624E-F04F-9D46-DC033712291D}"/>
+                </a:ext>
+              </a:extLst>
+            </p:cNvPr>
+            <p:cNvCxnSpPr>
+              <a:cxnSpLocks/>
+            </p:cNvCxnSpPr>
+            <p:nvPr/>
+          </p:nvCxnSpPr>
+          <p:spPr>
+            <a:xfrm flipH="1" flipV="1">
+              <a:off x="9015821" y="2545578"/>
+              <a:ext cx="541781" cy="241398"/>
+            </a:xfrm>
+            <a:prstGeom prst="straightConnector1">
+              <a:avLst/>
+            </a:prstGeom>
+            <a:ln w="25400">
+              <a:solidFill>
+                <a:srgbClr val="DBA520"/>
+              </a:solidFill>
+              <a:headEnd w="lg" len="lg"/>
+              <a:tailEnd type="arrow" w="sm" len="lg"/>
+            </a:ln>
+          </p:spPr>
+          <p:style>
+            <a:lnRef idx="1">
+              <a:schemeClr val="accent1"/>
+            </a:lnRef>
+            <a:fillRef idx="0">
+              <a:schemeClr val="accent1"/>
+            </a:fillRef>
+            <a:effectRef idx="0">
+              <a:schemeClr val="accent1"/>
+            </a:effectRef>
+            <a:fontRef idx="minor">
+              <a:schemeClr val="tx1"/>
+            </a:fontRef>
+          </p:style>
+        </p:cxnSp>
+        <p:cxnSp>
+          <p:nvCxnSpPr>
+            <p:cNvPr id="46" name="Straight Arrow Connector 45">
+              <a:extLst>
+                <a:ext uri="{FF2B5EF4-FFF2-40B4-BE49-F238E27FC236}">
+                  <a16:creationId xmlns:a16="http://schemas.microsoft.com/office/drawing/2014/main" id="{43C98ABC-9BED-5E40-AE69-CC3E9D6CFD48}"/>
+                </a:ext>
+              </a:extLst>
+            </p:cNvPr>
+            <p:cNvCxnSpPr>
+              <a:cxnSpLocks/>
+            </p:cNvCxnSpPr>
+            <p:nvPr/>
+          </p:nvCxnSpPr>
+          <p:spPr>
+            <a:xfrm>
+              <a:off x="9534224" y="2009806"/>
+              <a:ext cx="456865" cy="420356"/>
+            </a:xfrm>
+            <a:prstGeom prst="straightConnector1">
+              <a:avLst/>
+            </a:prstGeom>
+            <a:ln w="25400">
+              <a:solidFill>
+                <a:srgbClr val="DBA520"/>
+              </a:solidFill>
+              <a:tailEnd type="arrow" w="sm" len="lg"/>
+            </a:ln>
+          </p:spPr>
+          <p:style>
+            <a:lnRef idx="1">
+              <a:schemeClr val="accent1"/>
+            </a:lnRef>
+            <a:fillRef idx="0">
+              <a:schemeClr val="accent1"/>
+            </a:fillRef>
+            <a:effectRef idx="0">
+              <a:schemeClr val="accent1"/>
+            </a:effectRef>
+            <a:fontRef idx="minor">
+              <a:schemeClr val="tx1"/>
+            </a:fontRef>
+          </p:style>
+        </p:cxnSp>
+        <p:cxnSp>
+          <p:nvCxnSpPr>
+            <p:cNvPr id="47" name="Straight Arrow Connector 46">
+              <a:extLst>
+                <a:ext uri="{FF2B5EF4-FFF2-40B4-BE49-F238E27FC236}">
+                  <a16:creationId xmlns:a16="http://schemas.microsoft.com/office/drawing/2014/main" id="{7E2EAA7C-3266-2641-91D5-44220BB3F1A1}"/>
+                </a:ext>
+              </a:extLst>
+            </p:cNvPr>
+            <p:cNvCxnSpPr>
+              <a:cxnSpLocks/>
+            </p:cNvCxnSpPr>
+            <p:nvPr/>
+          </p:nvCxnSpPr>
+          <p:spPr>
+            <a:xfrm flipH="1" flipV="1">
+              <a:off x="8920260" y="3065825"/>
+              <a:ext cx="515603" cy="138320"/>
+            </a:xfrm>
+            <a:prstGeom prst="straightConnector1">
+              <a:avLst/>
+            </a:prstGeom>
+            <a:ln w="25400">
+              <a:solidFill>
+                <a:srgbClr val="FF0000"/>
+              </a:solidFill>
+              <a:tailEnd type="arrow" w="sm" len="lg"/>
+            </a:ln>
+          </p:spPr>
+          <p:style>
+            <a:lnRef idx="1">
+              <a:schemeClr val="accent1"/>
+            </a:lnRef>
+            <a:fillRef idx="0">
+              <a:schemeClr val="accent1"/>
+            </a:fillRef>
+            <a:effectRef idx="0">
+              <a:schemeClr val="accent1"/>
+            </a:effectRef>
+            <a:fontRef idx="minor">
+              <a:schemeClr val="tx1"/>
+            </a:fontRef>
+          </p:style>
+        </p:cxnSp>
+        <p:cxnSp>
+          <p:nvCxnSpPr>
+            <p:cNvPr id="48" name="Straight Arrow Connector 47">
+              <a:extLst>
+                <a:ext uri="{FF2B5EF4-FFF2-40B4-BE49-F238E27FC236}">
+                  <a16:creationId xmlns:a16="http://schemas.microsoft.com/office/drawing/2014/main" id="{B4BC6CF7-D565-A246-818F-BBB8A73971E5}"/>
+                </a:ext>
+              </a:extLst>
+            </p:cNvPr>
+            <p:cNvCxnSpPr>
+              <a:cxnSpLocks/>
+            </p:cNvCxnSpPr>
+            <p:nvPr/>
+          </p:nvCxnSpPr>
+          <p:spPr>
+            <a:xfrm flipV="1">
+              <a:off x="7224627" y="2082409"/>
+              <a:ext cx="394845" cy="392695"/>
+            </a:xfrm>
+            <a:prstGeom prst="straightConnector1">
+              <a:avLst/>
+            </a:prstGeom>
+            <a:ln w="25400">
+              <a:solidFill>
+                <a:srgbClr val="FF0000"/>
+              </a:solidFill>
+              <a:tailEnd type="arrow" w="sm" len="lg"/>
+            </a:ln>
+          </p:spPr>
+          <p:style>
+            <a:lnRef idx="1">
+              <a:schemeClr val="accent1"/>
+            </a:lnRef>
+            <a:fillRef idx="0">
+              <a:schemeClr val="accent1"/>
+            </a:fillRef>
+            <a:effectRef idx="0">
+              <a:schemeClr val="accent1"/>
+            </a:effectRef>
+            <a:fontRef idx="minor">
+              <a:schemeClr val="tx1"/>
+            </a:fontRef>
+          </p:style>
+        </p:cxnSp>
+        <p:sp>
+          <p:nvSpPr>
+            <p:cNvPr id="49" name="TextBox 48">
+              <a:extLst>
+                <a:ext uri="{FF2B5EF4-FFF2-40B4-BE49-F238E27FC236}">
+                  <a16:creationId xmlns:a16="http://schemas.microsoft.com/office/drawing/2014/main" id="{A5A2FD77-6A0B-164E-AAFF-3D94563244DD}"/>
+                </a:ext>
+              </a:extLst>
+            </p:cNvPr>
+            <p:cNvSpPr txBox="1"/>
+            <p:nvPr/>
+          </p:nvSpPr>
+          <p:spPr>
+            <a:xfrm>
+              <a:off x="9883740" y="2500265"/>
+              <a:ext cx="793547" cy="230832"/>
+            </a:xfrm>
+            <a:prstGeom prst="rect">
+              <a:avLst/>
+            </a:prstGeom>
+            <a:noFill/>
+          </p:spPr>
+          <p:txBody>
+            <a:bodyPr wrap="square" rtlCol="0">
+              <a:spAutoFit/>
+            </a:bodyPr>
+            <a:lstStyle/>
+            <a:p>
+              <a:r>
+                <a:rPr lang="en-US" sz="900" dirty="0">
+                  <a:latin typeface="Arial" panose="020B0604020202020204" pitchFamily="34" charset="0"/>
+                  <a:cs typeface="Arial" panose="020B0604020202020204" pitchFamily="34" charset="0"/>
+                </a:rPr>
+                <a:t>DIM‡</a:t>
+              </a:r>
+            </a:p>
+          </p:txBody>
+        </p:sp>
+        <p:sp>
+          <p:nvSpPr>
+            <p:cNvPr id="50" name="TextBox 49">
+              <a:extLst>
+                <a:ext uri="{FF2B5EF4-FFF2-40B4-BE49-F238E27FC236}">
+                  <a16:creationId xmlns:a16="http://schemas.microsoft.com/office/drawing/2014/main" id="{21A64D95-272F-6343-BE8F-4EF06F1BB627}"/>
+                </a:ext>
+              </a:extLst>
+            </p:cNvPr>
+            <p:cNvSpPr txBox="1"/>
+            <p:nvPr/>
+          </p:nvSpPr>
+          <p:spPr>
+            <a:xfrm>
+              <a:off x="10179303" y="4121841"/>
+              <a:ext cx="410064" cy="230832"/>
+            </a:xfrm>
+            <a:prstGeom prst="rect">
+              <a:avLst/>
+            </a:prstGeom>
+            <a:noFill/>
+          </p:spPr>
+          <p:txBody>
+            <a:bodyPr wrap="square" rtlCol="0">
+              <a:spAutoFit/>
+            </a:bodyPr>
+            <a:lstStyle/>
+            <a:p>
+              <a:r>
+                <a:rPr lang="en-US" sz="900" dirty="0">
+                  <a:latin typeface="Arial" panose="020B0604020202020204" pitchFamily="34" charset="0"/>
+                  <a:cs typeface="Arial" panose="020B0604020202020204" pitchFamily="34" charset="0"/>
+                </a:rPr>
+                <a:t>DIM</a:t>
+              </a:r>
+            </a:p>
+          </p:txBody>
+        </p:sp>
+        <p:sp>
+          <p:nvSpPr>
+            <p:cNvPr id="51" name="TextBox 50">
+              <a:extLst>
+                <a:ext uri="{FF2B5EF4-FFF2-40B4-BE49-F238E27FC236}">
+                  <a16:creationId xmlns:a16="http://schemas.microsoft.com/office/drawing/2014/main" id="{C6A79F8B-9614-974F-AF80-DEA1DC9AE884}"/>
+                </a:ext>
+              </a:extLst>
+            </p:cNvPr>
+            <p:cNvSpPr txBox="1"/>
+            <p:nvPr/>
+          </p:nvSpPr>
+          <p:spPr>
+            <a:xfrm>
+              <a:off x="7861149" y="2314746"/>
+              <a:ext cx="689067" cy="230832"/>
+            </a:xfrm>
+            <a:prstGeom prst="rect">
+              <a:avLst/>
+            </a:prstGeom>
+            <a:noFill/>
+          </p:spPr>
+          <p:txBody>
+            <a:bodyPr wrap="square" rtlCol="0">
+              <a:spAutoFit/>
+            </a:bodyPr>
+            <a:lstStyle/>
+            <a:p>
+              <a:r>
+                <a:rPr lang="en-US" sz="900" dirty="0">
+                  <a:solidFill>
+                    <a:srgbClr val="DBA520"/>
+                  </a:solidFill>
+                  <a:latin typeface="Arial" panose="020B0604020202020204" pitchFamily="34" charset="0"/>
+                  <a:cs typeface="Arial" panose="020B0604020202020204" pitchFamily="34" charset="0"/>
+                </a:rPr>
+                <a:t>X-CMC‡</a:t>
+              </a:r>
+            </a:p>
+          </p:txBody>
+        </p:sp>
+        <p:sp>
+          <p:nvSpPr>
+            <p:cNvPr id="52" name="TextBox 51">
+              <a:extLst>
+                <a:ext uri="{FF2B5EF4-FFF2-40B4-BE49-F238E27FC236}">
+                  <a16:creationId xmlns:a16="http://schemas.microsoft.com/office/drawing/2014/main" id="{1C216CDA-0206-C244-9C44-3F02AD000399}"/>
+                </a:ext>
+              </a:extLst>
+            </p:cNvPr>
+            <p:cNvSpPr txBox="1"/>
+            <p:nvPr/>
+          </p:nvSpPr>
+          <p:spPr>
+            <a:xfrm>
+              <a:off x="6647652" y="3160603"/>
+              <a:ext cx="754191" cy="230832"/>
+            </a:xfrm>
+            <a:prstGeom prst="rect">
+              <a:avLst/>
+            </a:prstGeom>
+            <a:noFill/>
+          </p:spPr>
+          <p:txBody>
+            <a:bodyPr wrap="square" rtlCol="0">
+              <a:spAutoFit/>
+            </a:bodyPr>
+            <a:lstStyle/>
+            <a:p>
+              <a:r>
+                <a:rPr lang="en-US" sz="900" dirty="0">
+                  <a:solidFill>
+                    <a:srgbClr val="DBA520"/>
+                  </a:solidFill>
+                  <a:latin typeface="Arial" panose="020B0604020202020204" pitchFamily="34" charset="0"/>
+                  <a:cs typeface="Arial" panose="020B0604020202020204" pitchFamily="34" charset="0"/>
+                </a:rPr>
+                <a:t>X-CMC</a:t>
+              </a:r>
+            </a:p>
+          </p:txBody>
+        </p:sp>
+        <p:sp>
+          <p:nvSpPr>
+            <p:cNvPr id="53" name="TextBox 52">
+              <a:extLst>
+                <a:ext uri="{FF2B5EF4-FFF2-40B4-BE49-F238E27FC236}">
+                  <a16:creationId xmlns:a16="http://schemas.microsoft.com/office/drawing/2014/main" id="{ACAB9AD4-F395-D54D-AAFD-7F513B95591A}"/>
+                </a:ext>
+              </a:extLst>
+            </p:cNvPr>
+            <p:cNvSpPr txBox="1"/>
+            <p:nvPr/>
+          </p:nvSpPr>
+          <p:spPr>
+            <a:xfrm>
+              <a:off x="10331616" y="2929845"/>
+              <a:ext cx="515503" cy="230832"/>
+            </a:xfrm>
+            <a:prstGeom prst="rect">
+              <a:avLst/>
+            </a:prstGeom>
+            <a:noFill/>
+          </p:spPr>
+          <p:txBody>
+            <a:bodyPr wrap="square" rtlCol="0">
+              <a:spAutoFit/>
+            </a:bodyPr>
+            <a:lstStyle/>
+            <a:p>
+              <a:r>
+                <a:rPr lang="en-US" sz="900" dirty="0">
+                  <a:solidFill>
+                    <a:srgbClr val="FD0000"/>
+                  </a:solidFill>
+                  <a:latin typeface="Arial" panose="020B0604020202020204" pitchFamily="34" charset="0"/>
+                  <a:cs typeface="Arial" panose="020B0604020202020204" pitchFamily="34" charset="0"/>
+                </a:rPr>
+                <a:t>X-DIM</a:t>
+              </a:r>
+            </a:p>
+          </p:txBody>
+        </p:sp>
+        <p:sp>
+          <p:nvSpPr>
+            <p:cNvPr id="54" name="TextBox 53">
+              <a:extLst>
+                <a:ext uri="{FF2B5EF4-FFF2-40B4-BE49-F238E27FC236}">
+                  <a16:creationId xmlns:a16="http://schemas.microsoft.com/office/drawing/2014/main" id="{65E74453-9EA6-EB40-93BF-F7204A9B9893}"/>
+                </a:ext>
+              </a:extLst>
+            </p:cNvPr>
+            <p:cNvSpPr txBox="1"/>
+            <p:nvPr/>
+          </p:nvSpPr>
+          <p:spPr>
+            <a:xfrm>
+              <a:off x="8536565" y="1742085"/>
+              <a:ext cx="856352" cy="230832"/>
+            </a:xfrm>
+            <a:prstGeom prst="rect">
+              <a:avLst/>
+            </a:prstGeom>
+            <a:noFill/>
+          </p:spPr>
+          <p:txBody>
+            <a:bodyPr wrap="square" rtlCol="0">
+              <a:spAutoFit/>
+            </a:bodyPr>
+            <a:lstStyle/>
+            <a:p>
+              <a:r>
+                <a:rPr lang="en-US" sz="900" dirty="0">
+                  <a:solidFill>
+                    <a:srgbClr val="FD0000"/>
+                  </a:solidFill>
+                  <a:latin typeface="Arial" panose="020B0604020202020204" pitchFamily="34" charset="0"/>
+                  <a:cs typeface="Arial" panose="020B0604020202020204" pitchFamily="34" charset="0"/>
+                </a:rPr>
+                <a:t>X-DIM‡</a:t>
+              </a:r>
+            </a:p>
+          </p:txBody>
+        </p:sp>
+        <p:sp>
+          <p:nvSpPr>
+            <p:cNvPr id="55" name="TextBox 54">
+              <a:extLst>
+                <a:ext uri="{FF2B5EF4-FFF2-40B4-BE49-F238E27FC236}">
+                  <a16:creationId xmlns:a16="http://schemas.microsoft.com/office/drawing/2014/main" id="{2989B915-4788-3848-84CE-3DBBF8FFACC8}"/>
+                </a:ext>
+              </a:extLst>
+            </p:cNvPr>
+            <p:cNvSpPr txBox="1"/>
+            <p:nvPr/>
+          </p:nvSpPr>
+          <p:spPr>
+            <a:xfrm>
+              <a:off x="6647652" y="2666277"/>
+              <a:ext cx="754191" cy="230832"/>
+            </a:xfrm>
+            <a:prstGeom prst="rect">
+              <a:avLst/>
+            </a:prstGeom>
+            <a:noFill/>
+          </p:spPr>
+          <p:txBody>
+            <a:bodyPr wrap="square" rtlCol="0">
+              <a:spAutoFit/>
+            </a:bodyPr>
+            <a:lstStyle/>
+            <a:p>
+              <a:r>
+                <a:rPr lang="en-US" sz="900" dirty="0">
+                  <a:solidFill>
+                    <a:srgbClr val="FD0000"/>
+                  </a:solidFill>
+                  <a:latin typeface="Arial" panose="020B0604020202020204" pitchFamily="34" charset="0"/>
+                  <a:cs typeface="Arial" panose="020B0604020202020204" pitchFamily="34" charset="0"/>
+                </a:rPr>
+                <a:t>X-CMC</a:t>
+              </a:r>
+            </a:p>
+          </p:txBody>
+        </p:sp>
+        <p:sp>
+          <p:nvSpPr>
+            <p:cNvPr id="56" name="TextBox 55">
+              <a:extLst>
+                <a:ext uri="{FF2B5EF4-FFF2-40B4-BE49-F238E27FC236}">
+                  <a16:creationId xmlns:a16="http://schemas.microsoft.com/office/drawing/2014/main" id="{183D6113-4002-7648-BC7B-BD54BE9B7A0F}"/>
+                </a:ext>
+              </a:extLst>
+            </p:cNvPr>
+            <p:cNvSpPr txBox="1"/>
+            <p:nvPr/>
+          </p:nvSpPr>
+          <p:spPr>
+            <a:xfrm>
+              <a:off x="7873436" y="2720545"/>
+              <a:ext cx="845581" cy="230832"/>
+            </a:xfrm>
+            <a:prstGeom prst="rect">
+              <a:avLst/>
+            </a:prstGeom>
+            <a:noFill/>
+          </p:spPr>
+          <p:txBody>
+            <a:bodyPr wrap="square" rtlCol="0">
+              <a:spAutoFit/>
+            </a:bodyPr>
+            <a:lstStyle/>
+            <a:p>
+              <a:r>
+                <a:rPr lang="en-US" sz="900" dirty="0">
+                  <a:solidFill>
+                    <a:srgbClr val="FD0000"/>
+                  </a:solidFill>
+                  <a:latin typeface="Arial" panose="020B0604020202020204" pitchFamily="34" charset="0"/>
+                  <a:cs typeface="Arial" panose="020B0604020202020204" pitchFamily="34" charset="0"/>
+                </a:rPr>
+                <a:t>X-CMC‡</a:t>
+              </a:r>
+            </a:p>
+          </p:txBody>
+        </p:sp>
+        <p:sp>
+          <p:nvSpPr>
+            <p:cNvPr id="57" name="TextBox 56">
+              <a:extLst>
+                <a:ext uri="{FF2B5EF4-FFF2-40B4-BE49-F238E27FC236}">
+                  <a16:creationId xmlns:a16="http://schemas.microsoft.com/office/drawing/2014/main" id="{E3395521-C038-0145-8A69-E4FA150C5C26}"/>
+                </a:ext>
+              </a:extLst>
+            </p:cNvPr>
+            <p:cNvSpPr txBox="1"/>
+            <p:nvPr/>
+          </p:nvSpPr>
+          <p:spPr>
+            <a:xfrm>
+              <a:off x="9472401" y="3071825"/>
+              <a:ext cx="822677" cy="230832"/>
+            </a:xfrm>
+            <a:prstGeom prst="rect">
+              <a:avLst/>
+            </a:prstGeom>
+            <a:noFill/>
+          </p:spPr>
+          <p:txBody>
+            <a:bodyPr wrap="square" rtlCol="0">
+              <a:spAutoFit/>
+            </a:bodyPr>
+            <a:lstStyle/>
+            <a:p>
+              <a:r>
+                <a:rPr lang="en-US" sz="900" dirty="0">
+                  <a:latin typeface="Arial" panose="020B0604020202020204" pitchFamily="34" charset="0"/>
+                  <a:cs typeface="Arial" panose="020B0604020202020204" pitchFamily="34" charset="0"/>
+                </a:rPr>
+                <a:t>CMC</a:t>
+              </a:r>
+            </a:p>
+          </p:txBody>
+        </p:sp>
+        <p:sp>
+          <p:nvSpPr>
+            <p:cNvPr id="58" name="TextBox 57">
+              <a:extLst>
+                <a:ext uri="{FF2B5EF4-FFF2-40B4-BE49-F238E27FC236}">
+                  <a16:creationId xmlns:a16="http://schemas.microsoft.com/office/drawing/2014/main" id="{79467423-4E9E-1F4A-B6E4-FA4ACB6A4661}"/>
+                </a:ext>
+              </a:extLst>
+            </p:cNvPr>
+            <p:cNvSpPr txBox="1"/>
+            <p:nvPr/>
+          </p:nvSpPr>
+          <p:spPr>
+            <a:xfrm>
+              <a:off x="10430191" y="3204144"/>
+              <a:ext cx="856603" cy="230832"/>
+            </a:xfrm>
+            <a:prstGeom prst="rect">
+              <a:avLst/>
+            </a:prstGeom>
+            <a:noFill/>
+          </p:spPr>
+          <p:txBody>
+            <a:bodyPr wrap="square" rtlCol="0">
+              <a:spAutoFit/>
+            </a:bodyPr>
+            <a:lstStyle/>
+            <a:p>
+              <a:r>
+                <a:rPr lang="en-US" sz="900" dirty="0">
+                  <a:solidFill>
+                    <a:srgbClr val="DBA520"/>
+                  </a:solidFill>
+                  <a:latin typeface="Arial" panose="020B0604020202020204" pitchFamily="34" charset="0"/>
+                  <a:cs typeface="Arial" panose="020B0604020202020204" pitchFamily="34" charset="0"/>
+                </a:rPr>
+                <a:t>X-DIM</a:t>
+              </a:r>
+            </a:p>
+          </p:txBody>
+        </p:sp>
+        <p:sp>
+          <p:nvSpPr>
+            <p:cNvPr id="59" name="TextBox 58">
+              <a:extLst>
+                <a:ext uri="{FF2B5EF4-FFF2-40B4-BE49-F238E27FC236}">
+                  <a16:creationId xmlns:a16="http://schemas.microsoft.com/office/drawing/2014/main" id="{E841648C-DABA-634B-94B5-A1C6C332AA31}"/>
+                </a:ext>
+              </a:extLst>
+            </p:cNvPr>
+            <p:cNvSpPr txBox="1"/>
+            <p:nvPr/>
+          </p:nvSpPr>
+          <p:spPr>
+            <a:xfrm>
+              <a:off x="8638726" y="2115899"/>
+              <a:ext cx="754191" cy="230832"/>
+            </a:xfrm>
+            <a:prstGeom prst="rect">
+              <a:avLst/>
+            </a:prstGeom>
+            <a:noFill/>
+          </p:spPr>
+          <p:txBody>
+            <a:bodyPr wrap="square" rtlCol="0">
+              <a:spAutoFit/>
+            </a:bodyPr>
+            <a:lstStyle/>
+            <a:p>
+              <a:r>
+                <a:rPr lang="en-US" sz="900" dirty="0">
+                  <a:solidFill>
+                    <a:srgbClr val="DBA520"/>
+                  </a:solidFill>
+                  <a:latin typeface="Arial" panose="020B0604020202020204" pitchFamily="34" charset="0"/>
+                  <a:cs typeface="Arial" panose="020B0604020202020204" pitchFamily="34" charset="0"/>
+                </a:rPr>
+                <a:t>X-DIM‡</a:t>
+              </a:r>
+            </a:p>
+          </p:txBody>
+        </p:sp>
+      </p:grpSp>
     </p:spTree>
     <p:extLst>
       <p:ext uri="{BB962C8B-B14F-4D97-AF65-F5344CB8AC3E}">

--- a/EnergyFile.pptx
+++ b/EnergyFile.pptx
@@ -224,7 +224,7 @@
           <a:p>
             <a:fld id="{E0D357E1-BBCA-7E4B-882A-08C6CB0DA45B}" type="datetimeFigureOut">
               <a:rPr lang="en-US" smtClean="0"/>
-              <a:t>6/1/21</a:t>
+              <a:t>6/2/21</a:t>
             </a:fld>
             <a:endParaRPr lang="en-US"/>
           </a:p>
@@ -1170,13 +1170,7 @@
           <a:p>
             <a:r>
               <a:rPr lang="en-US" dirty="0"/>
-              <a:t>DHAL-2: change to X-DHAL-2 (with adatom)</a:t>
-            </a:r>
-          </a:p>
-          <a:p>
-            <a:r>
-              <a:rPr lang="en-US" dirty="0"/>
-              <a:t>X-DHAL-2: label change to X-SING</a:t>
+              <a:t>RZK: X-DIM-A state -&gt; all three states are dark grey.</a:t>
             </a:r>
           </a:p>
         </p:txBody>
@@ -1263,13 +1257,7 @@
           <a:p>
             <a:r>
               <a:rPr lang="en-US" dirty="0"/>
-              <a:t>DHAL-2: change to X-DHAL-2 (with adatom)</a:t>
-            </a:r>
-          </a:p>
-          <a:p>
-            <a:r>
-              <a:rPr lang="en-US" dirty="0"/>
-              <a:t>X-DHAL-2: label change to X-SING</a:t>
+              <a:t>Do not use</a:t>
             </a:r>
           </a:p>
         </p:txBody>
@@ -2170,7 +2158,7 @@
           <a:p>
             <a:fld id="{2E7BD062-3872-2745-B58F-7FE843EEF26B}" type="datetimeFigureOut">
               <a:rPr lang="en-US" smtClean="0"/>
-              <a:t>6/1/21</a:t>
+              <a:t>6/2/21</a:t>
             </a:fld>
             <a:endParaRPr lang="en-US"/>
           </a:p>
@@ -2368,7 +2356,7 @@
           <a:p>
             <a:fld id="{2E7BD062-3872-2745-B58F-7FE843EEF26B}" type="datetimeFigureOut">
               <a:rPr lang="en-US" smtClean="0"/>
-              <a:t>6/1/21</a:t>
+              <a:t>6/2/21</a:t>
             </a:fld>
             <a:endParaRPr lang="en-US"/>
           </a:p>
@@ -2576,7 +2564,7 @@
           <a:p>
             <a:fld id="{2E7BD062-3872-2745-B58F-7FE843EEF26B}" type="datetimeFigureOut">
               <a:rPr lang="en-US" smtClean="0"/>
-              <a:t>6/1/21</a:t>
+              <a:t>6/2/21</a:t>
             </a:fld>
             <a:endParaRPr lang="en-US"/>
           </a:p>
@@ -2774,7 +2762,7 @@
           <a:p>
             <a:fld id="{2E7BD062-3872-2745-B58F-7FE843EEF26B}" type="datetimeFigureOut">
               <a:rPr lang="en-US" smtClean="0"/>
-              <a:t>6/1/21</a:t>
+              <a:t>6/2/21</a:t>
             </a:fld>
             <a:endParaRPr lang="en-US"/>
           </a:p>
@@ -3049,7 +3037,7 @@
           <a:p>
             <a:fld id="{2E7BD062-3872-2745-B58F-7FE843EEF26B}" type="datetimeFigureOut">
               <a:rPr lang="en-US" smtClean="0"/>
-              <a:t>6/1/21</a:t>
+              <a:t>6/2/21</a:t>
             </a:fld>
             <a:endParaRPr lang="en-US"/>
           </a:p>
@@ -3314,7 +3302,7 @@
           <a:p>
             <a:fld id="{2E7BD062-3872-2745-B58F-7FE843EEF26B}" type="datetimeFigureOut">
               <a:rPr lang="en-US" smtClean="0"/>
-              <a:t>6/1/21</a:t>
+              <a:t>6/2/21</a:t>
             </a:fld>
             <a:endParaRPr lang="en-US"/>
           </a:p>
@@ -3726,7 +3714,7 @@
           <a:p>
             <a:fld id="{2E7BD062-3872-2745-B58F-7FE843EEF26B}" type="datetimeFigureOut">
               <a:rPr lang="en-US" smtClean="0"/>
-              <a:t>6/1/21</a:t>
+              <a:t>6/2/21</a:t>
             </a:fld>
             <a:endParaRPr lang="en-US"/>
           </a:p>
@@ -3867,7 +3855,7 @@
           <a:p>
             <a:fld id="{2E7BD062-3872-2745-B58F-7FE843EEF26B}" type="datetimeFigureOut">
               <a:rPr lang="en-US" smtClean="0"/>
-              <a:t>6/1/21</a:t>
+              <a:t>6/2/21</a:t>
             </a:fld>
             <a:endParaRPr lang="en-US"/>
           </a:p>
@@ -3980,7 +3968,7 @@
           <a:p>
             <a:fld id="{2E7BD062-3872-2745-B58F-7FE843EEF26B}" type="datetimeFigureOut">
               <a:rPr lang="en-US" smtClean="0"/>
-              <a:t>6/1/21</a:t>
+              <a:t>6/2/21</a:t>
             </a:fld>
             <a:endParaRPr lang="en-US"/>
           </a:p>
@@ -4291,7 +4279,7 @@
           <a:p>
             <a:fld id="{2E7BD062-3872-2745-B58F-7FE843EEF26B}" type="datetimeFigureOut">
               <a:rPr lang="en-US" smtClean="0"/>
-              <a:t>6/1/21</a:t>
+              <a:t>6/2/21</a:t>
             </a:fld>
             <a:endParaRPr lang="en-US"/>
           </a:p>
@@ -4579,7 +4567,7 @@
           <a:p>
             <a:fld id="{2E7BD062-3872-2745-B58F-7FE843EEF26B}" type="datetimeFigureOut">
               <a:rPr lang="en-US" smtClean="0"/>
-              <a:t>6/1/21</a:t>
+              <a:t>6/2/21</a:t>
             </a:fld>
             <a:endParaRPr lang="en-US"/>
           </a:p>
@@ -4820,7 +4808,7 @@
           <a:p>
             <a:fld id="{2E7BD062-3872-2745-B58F-7FE843EEF26B}" type="datetimeFigureOut">
               <a:rPr lang="en-US" smtClean="0"/>
-              <a:t>6/1/21</a:t>
+              <a:t>6/2/21</a:t>
             </a:fld>
             <a:endParaRPr lang="en-US"/>
           </a:p>
@@ -14880,8 +14868,8 @@
         </p:blipFill>
         <p:spPr>
           <a:xfrm>
-            <a:off x="3388839" y="1839309"/>
-            <a:ext cx="783770" cy="410899"/>
+            <a:off x="3344014" y="1776775"/>
+            <a:ext cx="783770" cy="410457"/>
           </a:xfrm>
           <a:prstGeom prst="rect">
             <a:avLst/>
@@ -14895,10 +14883,10 @@
       </p:pic>
       <p:pic>
         <p:nvPicPr>
-          <p:cNvPr id="25" name="Picture 24">
-            <a:extLst>
-              <a:ext uri="{FF2B5EF4-FFF2-40B4-BE49-F238E27FC236}">
-                <a16:creationId xmlns:a16="http://schemas.microsoft.com/office/drawing/2014/main" id="{75C58B76-EBE9-5149-9B70-A67A1E763CED}"/>
+          <p:cNvPr id="26" name="Picture 25">
+            <a:extLst>
+              <a:ext uri="{FF2B5EF4-FFF2-40B4-BE49-F238E27FC236}">
+                <a16:creationId xmlns:a16="http://schemas.microsoft.com/office/drawing/2014/main" id="{EC08A79B-F3C1-204D-B02E-4B0B2D277505}"/>
               </a:ext>
             </a:extLst>
           </p:cNvPr>
@@ -14909,26 +14897,30 @@
         </p:nvPicPr>
         <p:blipFill>
           <a:blip r:embed="rId5"/>
-          <a:stretch>
-            <a:fillRect/>
-          </a:stretch>
+          <a:srcRect/>
+          <a:stretch/>
         </p:blipFill>
         <p:spPr>
           <a:xfrm>
-            <a:off x="3959399" y="4036912"/>
-            <a:ext cx="658552" cy="410899"/>
-          </a:xfrm>
-          <a:prstGeom prst="rect">
-            <a:avLst/>
-          </a:prstGeom>
+            <a:off x="4729311" y="2829785"/>
+            <a:ext cx="783769" cy="410457"/>
+          </a:xfrm>
+          <a:prstGeom prst="rect">
+            <a:avLst/>
+          </a:prstGeom>
+          <a:ln w="19050">
+            <a:solidFill>
+              <a:schemeClr val="tx1"/>
+            </a:solidFill>
+          </a:ln>
         </p:spPr>
       </p:pic>
       <p:pic>
         <p:nvPicPr>
-          <p:cNvPr id="26" name="Picture 25">
-            <a:extLst>
-              <a:ext uri="{FF2B5EF4-FFF2-40B4-BE49-F238E27FC236}">
-                <a16:creationId xmlns:a16="http://schemas.microsoft.com/office/drawing/2014/main" id="{EC08A79B-F3C1-204D-B02E-4B0B2D277505}"/>
+          <p:cNvPr id="28" name="Picture 27">
+            <a:extLst>
+              <a:ext uri="{FF2B5EF4-FFF2-40B4-BE49-F238E27FC236}">
+                <a16:creationId xmlns:a16="http://schemas.microsoft.com/office/drawing/2014/main" id="{9E9203AD-8964-F241-BF73-90D689A29A57}"/>
               </a:ext>
             </a:extLst>
           </p:cNvPr>
@@ -14944,8 +14936,8 @@
         </p:blipFill>
         <p:spPr>
           <a:xfrm>
-            <a:off x="4693434" y="4446963"/>
-            <a:ext cx="783769" cy="410899"/>
+            <a:off x="5441360" y="4881255"/>
+            <a:ext cx="759548" cy="398201"/>
           </a:xfrm>
           <a:prstGeom prst="rect">
             <a:avLst/>
@@ -14959,10 +14951,10 @@
       </p:pic>
       <p:pic>
         <p:nvPicPr>
-          <p:cNvPr id="28" name="Picture 27">
-            <a:extLst>
-              <a:ext uri="{FF2B5EF4-FFF2-40B4-BE49-F238E27FC236}">
-                <a16:creationId xmlns:a16="http://schemas.microsoft.com/office/drawing/2014/main" id="{9E9203AD-8964-F241-BF73-90D689A29A57}"/>
+          <p:cNvPr id="38" name="Picture 37">
+            <a:extLst>
+              <a:ext uri="{FF2B5EF4-FFF2-40B4-BE49-F238E27FC236}">
+                <a16:creationId xmlns:a16="http://schemas.microsoft.com/office/drawing/2014/main" id="{7E3C04E7-4351-E54D-8315-633B07261012}"/>
               </a:ext>
             </a:extLst>
           </p:cNvPr>
@@ -14978,8 +14970,8 @@
         </p:blipFill>
         <p:spPr>
           <a:xfrm>
-            <a:off x="5468255" y="4899185"/>
-            <a:ext cx="759548" cy="398201"/>
+            <a:off x="6155255" y="4036911"/>
+            <a:ext cx="783770" cy="410899"/>
           </a:xfrm>
           <a:prstGeom prst="rect">
             <a:avLst/>
@@ -14993,10 +14985,10 @@
       </p:pic>
       <p:pic>
         <p:nvPicPr>
-          <p:cNvPr id="38" name="Picture 37">
-            <a:extLst>
-              <a:ext uri="{FF2B5EF4-FFF2-40B4-BE49-F238E27FC236}">
-                <a16:creationId xmlns:a16="http://schemas.microsoft.com/office/drawing/2014/main" id="{7E3C04E7-4351-E54D-8315-633B07261012}"/>
+          <p:cNvPr id="40" name="Picture 39">
+            <a:extLst>
+              <a:ext uri="{FF2B5EF4-FFF2-40B4-BE49-F238E27FC236}">
+                <a16:creationId xmlns:a16="http://schemas.microsoft.com/office/drawing/2014/main" id="{38D3D3A0-931E-1A43-AD59-792ACF1FCBE4}"/>
               </a:ext>
             </a:extLst>
           </p:cNvPr>
@@ -15012,8 +15004,8 @@
         </p:blipFill>
         <p:spPr>
           <a:xfrm>
-            <a:off x="6155255" y="4036911"/>
-            <a:ext cx="783770" cy="410899"/>
+            <a:off x="6827917" y="4957843"/>
+            <a:ext cx="759548" cy="398201"/>
           </a:xfrm>
           <a:prstGeom prst="rect">
             <a:avLst/>
@@ -15027,10 +15019,10 @@
       </p:pic>
       <p:pic>
         <p:nvPicPr>
-          <p:cNvPr id="40" name="Picture 39">
-            <a:extLst>
-              <a:ext uri="{FF2B5EF4-FFF2-40B4-BE49-F238E27FC236}">
-                <a16:creationId xmlns:a16="http://schemas.microsoft.com/office/drawing/2014/main" id="{38D3D3A0-931E-1A43-AD59-792ACF1FCBE4}"/>
+          <p:cNvPr id="10" name="Picture 9">
+            <a:extLst>
+              <a:ext uri="{FF2B5EF4-FFF2-40B4-BE49-F238E27FC236}">
+                <a16:creationId xmlns:a16="http://schemas.microsoft.com/office/drawing/2014/main" id="{7BFF8056-C421-D44A-A766-5C9B076E46D5}"/>
               </a:ext>
             </a:extLst>
           </p:cNvPr>
@@ -15046,8 +15038,8 @@
         </p:blipFill>
         <p:spPr>
           <a:xfrm>
-            <a:off x="6827917" y="4957843"/>
-            <a:ext cx="759548" cy="398201"/>
+            <a:off x="4051243" y="3992306"/>
+            <a:ext cx="783768" cy="410457"/>
           </a:xfrm>
           <a:prstGeom prst="rect">
             <a:avLst/>

--- a/EnergyFile.pptx
+++ b/EnergyFile.pptx
@@ -5882,10 +5882,10 @@
       </p:grpSpPr>
       <p:grpSp>
         <p:nvGrpSpPr>
-          <p:cNvPr id="4" name="Group 3">
-            <a:extLst>
-              <a:ext uri="{FF2B5EF4-FFF2-40B4-BE49-F238E27FC236}">
-                <a16:creationId xmlns:a16="http://schemas.microsoft.com/office/drawing/2014/main" id="{8AD9A8FF-3539-6145-9F8E-CDC7BC970112}"/>
+          <p:cNvPr id="22" name="Group 21">
+            <a:extLst>
+              <a:ext uri="{FF2B5EF4-FFF2-40B4-BE49-F238E27FC236}">
+                <a16:creationId xmlns:a16="http://schemas.microsoft.com/office/drawing/2014/main" id="{9D48EE0C-B337-0A4F-9E10-D322E48884F6}"/>
               </a:ext>
             </a:extLst>
           </p:cNvPr>
@@ -5894,18 +5894,18 @@
         </p:nvGrpSpPr>
         <p:grpSpPr>
           <a:xfrm>
-            <a:off x="480178" y="-133663"/>
-            <a:ext cx="10788942" cy="7125325"/>
-            <a:chOff x="480178" y="-133663"/>
-            <a:chExt cx="10788942" cy="7125325"/>
+            <a:off x="516189" y="-87266"/>
+            <a:ext cx="10887209" cy="6991663"/>
+            <a:chOff x="516189" y="-87266"/>
+            <a:chExt cx="10887209" cy="6991663"/>
           </a:xfrm>
         </p:grpSpPr>
         <p:pic>
           <p:nvPicPr>
-            <p:cNvPr id="3" name="Picture 2">
+            <p:cNvPr id="6" name="Picture 5">
               <a:extLst>
                 <a:ext uri="{FF2B5EF4-FFF2-40B4-BE49-F238E27FC236}">
-                  <a16:creationId xmlns:a16="http://schemas.microsoft.com/office/drawing/2014/main" id="{A8A0E5A7-D0FD-BA4A-A2DD-EE314BEEA677}"/>
+                  <a16:creationId xmlns:a16="http://schemas.microsoft.com/office/drawing/2014/main" id="{348486FB-FFD8-1142-85D3-A67538363CDA}"/>
                 </a:ext>
               </a:extLst>
             </p:cNvPr>
@@ -5916,13 +5916,13 @@
           </p:nvPicPr>
           <p:blipFill rotWithShape="1">
             <a:blip r:embed="rId3"/>
-            <a:srcRect t="16978" b="16979"/>
+            <a:srcRect t="17968" b="17813"/>
             <a:stretch/>
           </p:blipFill>
           <p:spPr>
             <a:xfrm>
-              <a:off x="480178" y="-133663"/>
-              <a:ext cx="10788942" cy="7125325"/>
+              <a:off x="516189" y="-87266"/>
+              <a:ext cx="10887209" cy="6991663"/>
             </a:xfrm>
             <a:prstGeom prst="rect">
               <a:avLst/>
@@ -5984,7 +5984,7 @@
           </p:blipFill>
           <p:spPr>
             <a:xfrm>
-              <a:off x="2160921" y="3408566"/>
+              <a:off x="2228915" y="3391616"/>
               <a:ext cx="721360" cy="450087"/>
             </a:xfrm>
             <a:prstGeom prst="rect">
@@ -6018,7 +6018,7 @@
           </p:blipFill>
           <p:spPr>
             <a:xfrm>
-              <a:off x="2907840" y="2920379"/>
+              <a:off x="2961413" y="2915045"/>
               <a:ext cx="721360" cy="450087"/>
             </a:xfrm>
             <a:prstGeom prst="rect">
@@ -6052,7 +6052,7 @@
           </p:blipFill>
           <p:spPr>
             <a:xfrm>
-              <a:off x="3629200" y="3840947"/>
+              <a:off x="3715091" y="3841703"/>
               <a:ext cx="721360" cy="450087"/>
             </a:xfrm>
             <a:prstGeom prst="rect">
@@ -6086,7 +6086,7 @@
           </p:blipFill>
           <p:spPr>
             <a:xfrm>
-              <a:off x="4363836" y="5786591"/>
+              <a:off x="4398342" y="5786591"/>
               <a:ext cx="721360" cy="450087"/>
             </a:xfrm>
             <a:prstGeom prst="rect">
@@ -6120,7 +6120,7 @@
           </p:blipFill>
           <p:spPr>
             <a:xfrm>
-              <a:off x="5102767" y="5199450"/>
+              <a:off x="5154526" y="5199450"/>
               <a:ext cx="721360" cy="450087"/>
             </a:xfrm>
             <a:prstGeom prst="rect">
@@ -6154,7 +6154,7 @@
           </p:blipFill>
           <p:spPr>
             <a:xfrm>
-              <a:off x="5823401" y="2616157"/>
+              <a:off x="5840654" y="2633410"/>
               <a:ext cx="721360" cy="450087"/>
             </a:xfrm>
             <a:prstGeom prst="rect">
@@ -6188,7 +6188,7 @@
           </p:blipFill>
           <p:spPr>
             <a:xfrm>
-              <a:off x="6515928" y="3157755"/>
+              <a:off x="6584940" y="3157755"/>
               <a:ext cx="721360" cy="450087"/>
             </a:xfrm>
             <a:prstGeom prst="rect">
@@ -6222,7 +6222,7 @@
           </p:blipFill>
           <p:spPr>
             <a:xfrm>
-              <a:off x="7200253" y="2332439"/>
+              <a:off x="7269265" y="2332439"/>
               <a:ext cx="721360" cy="450087"/>
             </a:xfrm>
             <a:prstGeom prst="rect">
@@ -6256,7 +6256,7 @@
           </p:blipFill>
           <p:spPr>
             <a:xfrm>
-              <a:off x="7924579" y="3475692"/>
+              <a:off x="7993591" y="3475692"/>
               <a:ext cx="721360" cy="450087"/>
             </a:xfrm>
             <a:prstGeom prst="rect">
@@ -6290,7 +6290,7 @@
           </p:blipFill>
           <p:spPr>
             <a:xfrm>
-              <a:off x="8654072" y="2950080"/>
+              <a:off x="8723084" y="2950080"/>
               <a:ext cx="721360" cy="450087"/>
             </a:xfrm>
             <a:prstGeom prst="rect">
@@ -6358,7 +6358,7 @@
           </p:blipFill>
           <p:spPr>
             <a:xfrm>
-              <a:off x="6539917" y="604989"/>
+              <a:off x="6557170" y="604989"/>
               <a:ext cx="721360" cy="450087"/>
             </a:xfrm>
             <a:prstGeom prst="rect">
@@ -6392,7 +6392,7 @@
           </p:blipFill>
           <p:spPr>
             <a:xfrm>
-              <a:off x="9324510" y="784856"/>
+              <a:off x="9428028" y="784856"/>
               <a:ext cx="721360" cy="450087"/>
             </a:xfrm>
             <a:prstGeom prst="rect">
@@ -6426,7 +6426,7 @@
           </p:blipFill>
           <p:spPr>
             <a:xfrm>
-              <a:off x="5795126" y="4621443"/>
+              <a:off x="5864138" y="4621443"/>
               <a:ext cx="721360" cy="450087"/>
             </a:xfrm>
             <a:prstGeom prst="rect">
@@ -6460,7 +6460,7 @@
           </p:blipFill>
           <p:spPr>
             <a:xfrm>
-              <a:off x="8684144" y="5978198"/>
+              <a:off x="8753156" y="5978198"/>
               <a:ext cx="721360" cy="450087"/>
             </a:xfrm>
             <a:prstGeom prst="rect">
@@ -6494,7 +6494,7 @@
           </p:blipFill>
           <p:spPr>
             <a:xfrm>
-              <a:off x="9405504" y="5038360"/>
+              <a:off x="9474516" y="5038360"/>
               <a:ext cx="721360" cy="450087"/>
             </a:xfrm>
             <a:prstGeom prst="rect">
@@ -6528,7 +6528,7 @@
           </p:blipFill>
           <p:spPr>
             <a:xfrm>
-              <a:off x="10054836" y="297007"/>
+              <a:off x="10141101" y="297007"/>
               <a:ext cx="721360" cy="450087"/>
             </a:xfrm>
             <a:prstGeom prst="rect">
@@ -6562,7 +6562,7 @@
           </p:blipFill>
           <p:spPr>
             <a:xfrm>
-              <a:off x="10142630" y="2895650"/>
+              <a:off x="10211642" y="2895650"/>
               <a:ext cx="721360" cy="450087"/>
             </a:xfrm>
             <a:prstGeom prst="rect">
@@ -6589,7 +6589,7 @@
           </p:nvSpPr>
           <p:spPr>
             <a:xfrm>
-              <a:off x="1573324" y="2322500"/>
+              <a:off x="1607830" y="2305247"/>
               <a:ext cx="649509" cy="307777"/>
             </a:xfrm>
             <a:prstGeom prst="rect">
@@ -6665,7 +6665,7 @@
           </p:nvSpPr>
           <p:spPr>
             <a:xfrm>
-              <a:off x="2959015" y="2449898"/>
+              <a:off x="3010774" y="2415392"/>
               <a:ext cx="649509" cy="307777"/>
             </a:xfrm>
             <a:prstGeom prst="rect">
@@ -6703,7 +6703,7 @@
           </p:nvSpPr>
           <p:spPr>
             <a:xfrm>
-              <a:off x="3670025" y="3533170"/>
+              <a:off x="3739036" y="3308883"/>
               <a:ext cx="649509" cy="307777"/>
             </a:xfrm>
             <a:prstGeom prst="rect">
@@ -6741,7 +6741,7 @@
           </p:nvSpPr>
           <p:spPr>
             <a:xfrm>
-              <a:off x="4381469" y="4451652"/>
+              <a:off x="4450481" y="4434399"/>
               <a:ext cx="649509" cy="307777"/>
             </a:xfrm>
             <a:prstGeom prst="rect">
@@ -6779,7 +6779,7 @@
           </p:nvSpPr>
           <p:spPr>
             <a:xfrm>
-              <a:off x="5122790" y="4365513"/>
+              <a:off x="5174549" y="4348260"/>
               <a:ext cx="649509" cy="307777"/>
             </a:xfrm>
             <a:prstGeom prst="rect">
@@ -6817,7 +6817,7 @@
           </p:nvSpPr>
           <p:spPr>
             <a:xfrm>
-              <a:off x="5823401" y="4063822"/>
+              <a:off x="5926919" y="4063822"/>
               <a:ext cx="649509" cy="307777"/>
             </a:xfrm>
             <a:prstGeom prst="rect">
@@ -6855,7 +6855,7 @@
           </p:nvSpPr>
           <p:spPr>
             <a:xfrm>
-              <a:off x="5810514" y="3703902"/>
+              <a:off x="5896779" y="3669396"/>
               <a:ext cx="649509" cy="307777"/>
             </a:xfrm>
             <a:prstGeom prst="rect">
@@ -6896,7 +6896,7 @@
           </p:nvSpPr>
           <p:spPr>
             <a:xfrm>
-              <a:off x="6524012" y="4005126"/>
+              <a:off x="6644783" y="3970620"/>
               <a:ext cx="649509" cy="307777"/>
             </a:xfrm>
             <a:prstGeom prst="rect">
@@ -6937,7 +6937,7 @@
           </p:nvSpPr>
           <p:spPr>
             <a:xfrm>
-              <a:off x="7249955" y="3037960"/>
+              <a:off x="7336220" y="2986201"/>
               <a:ext cx="649509" cy="307777"/>
             </a:xfrm>
             <a:prstGeom prst="rect">
@@ -6978,7 +6978,7 @@
           </p:nvSpPr>
           <p:spPr>
             <a:xfrm>
-              <a:off x="7960504" y="4283719"/>
+              <a:off x="8081275" y="4249213"/>
               <a:ext cx="649509" cy="307777"/>
             </a:xfrm>
             <a:prstGeom prst="rect">
@@ -7019,7 +7019,7 @@
           </p:nvSpPr>
           <p:spPr>
             <a:xfrm>
-              <a:off x="8676950" y="4240054"/>
+              <a:off x="8780468" y="4188295"/>
               <a:ext cx="649509" cy="307777"/>
             </a:xfrm>
             <a:prstGeom prst="rect">
@@ -7060,7 +7060,7 @@
           </p:nvSpPr>
           <p:spPr>
             <a:xfrm>
-              <a:off x="9398584" y="3282942"/>
+              <a:off x="9502102" y="3248436"/>
               <a:ext cx="649509" cy="307777"/>
             </a:xfrm>
             <a:prstGeom prst="rect">
@@ -7101,7 +7101,7 @@
           </p:nvSpPr>
           <p:spPr>
             <a:xfrm>
-              <a:off x="10086778" y="1058586"/>
+              <a:off x="10207549" y="1024080"/>
               <a:ext cx="649509" cy="307777"/>
             </a:xfrm>
             <a:prstGeom prst="rect">
@@ -7142,7 +7142,7 @@
           </p:nvSpPr>
           <p:spPr>
             <a:xfrm>
-              <a:off x="9359037" y="1357263"/>
+              <a:off x="9497061" y="1340010"/>
               <a:ext cx="649509" cy="307777"/>
             </a:xfrm>
             <a:prstGeom prst="rect">
@@ -7183,7 +7183,7 @@
           </p:nvSpPr>
           <p:spPr>
             <a:xfrm>
-              <a:off x="6515928" y="1203374"/>
+              <a:off x="6636699" y="1186121"/>
               <a:ext cx="649509" cy="307777"/>
             </a:xfrm>
             <a:prstGeom prst="rect">
@@ -7224,7 +7224,7 @@
           </p:nvSpPr>
           <p:spPr>
             <a:xfrm>
-              <a:off x="8676829" y="5443676"/>
+              <a:off x="8797600" y="5443676"/>
               <a:ext cx="649509" cy="307777"/>
             </a:xfrm>
             <a:prstGeom prst="rect">
@@ -7262,7 +7262,7 @@
           </p:nvSpPr>
           <p:spPr>
             <a:xfrm>
-              <a:off x="9405504" y="4504974"/>
+              <a:off x="9526275" y="4504974"/>
               <a:ext cx="649509" cy="307777"/>
             </a:xfrm>
             <a:prstGeom prst="rect">
@@ -7300,7 +7300,7 @@
           </p:nvSpPr>
           <p:spPr>
             <a:xfrm>
-              <a:off x="10100526" y="2307461"/>
+              <a:off x="10238550" y="2272955"/>
               <a:ext cx="649509" cy="307777"/>
             </a:xfrm>
             <a:prstGeom prst="rect">
@@ -14817,240 +14817,488 @@
           </a:p>
         </p:txBody>
       </p:sp>
-      <p:pic>
-        <p:nvPicPr>
-          <p:cNvPr id="23" name="Picture 22">
-            <a:extLst>
-              <a:ext uri="{FF2B5EF4-FFF2-40B4-BE49-F238E27FC236}">
-                <a16:creationId xmlns:a16="http://schemas.microsoft.com/office/drawing/2014/main" id="{6445A5CF-B866-F94D-B969-F9A3E2F847D2}"/>
-              </a:ext>
-            </a:extLst>
-          </p:cNvPr>
-          <p:cNvPicPr>
-            <a:picLocks noChangeAspect="1"/>
-          </p:cNvPicPr>
-          <p:nvPr/>
-        </p:nvPicPr>
-        <p:blipFill>
-          <a:blip r:embed="rId3"/>
-          <a:stretch>
-            <a:fillRect/>
-          </a:stretch>
-        </p:blipFill>
-        <p:spPr>
-          <a:xfrm>
-            <a:off x="2146738" y="902013"/>
-            <a:ext cx="6660931" cy="4757808"/>
-          </a:xfrm>
-          <a:prstGeom prst="rect">
-            <a:avLst/>
-          </a:prstGeom>
-        </p:spPr>
-      </p:pic>
-      <p:pic>
-        <p:nvPicPr>
-          <p:cNvPr id="24" name="Picture 23">
-            <a:extLst>
-              <a:ext uri="{FF2B5EF4-FFF2-40B4-BE49-F238E27FC236}">
-                <a16:creationId xmlns:a16="http://schemas.microsoft.com/office/drawing/2014/main" id="{5FC37A46-5317-8645-82EF-1F1BD4D53BD6}"/>
-              </a:ext>
-            </a:extLst>
-          </p:cNvPr>
-          <p:cNvPicPr>
-            <a:picLocks noChangeAspect="1"/>
-          </p:cNvPicPr>
-          <p:nvPr/>
-        </p:nvPicPr>
-        <p:blipFill>
-          <a:blip r:embed="rId4"/>
-          <a:srcRect/>
-          <a:stretch/>
-        </p:blipFill>
-        <p:spPr>
-          <a:xfrm>
-            <a:off x="3344014" y="1776775"/>
-            <a:ext cx="783770" cy="410457"/>
-          </a:xfrm>
-          <a:prstGeom prst="rect">
-            <a:avLst/>
-          </a:prstGeom>
-          <a:ln w="19050">
-            <a:solidFill>
-              <a:schemeClr val="tx1"/>
-            </a:solidFill>
-          </a:ln>
-        </p:spPr>
-      </p:pic>
-      <p:pic>
-        <p:nvPicPr>
-          <p:cNvPr id="26" name="Picture 25">
-            <a:extLst>
-              <a:ext uri="{FF2B5EF4-FFF2-40B4-BE49-F238E27FC236}">
-                <a16:creationId xmlns:a16="http://schemas.microsoft.com/office/drawing/2014/main" id="{EC08A79B-F3C1-204D-B02E-4B0B2D277505}"/>
-              </a:ext>
-            </a:extLst>
-          </p:cNvPr>
-          <p:cNvPicPr>
-            <a:picLocks noChangeAspect="1"/>
-          </p:cNvPicPr>
-          <p:nvPr/>
-        </p:nvPicPr>
-        <p:blipFill>
-          <a:blip r:embed="rId5"/>
-          <a:srcRect/>
-          <a:stretch/>
-        </p:blipFill>
-        <p:spPr>
-          <a:xfrm>
-            <a:off x="4729311" y="2829785"/>
-            <a:ext cx="783769" cy="410457"/>
-          </a:xfrm>
-          <a:prstGeom prst="rect">
-            <a:avLst/>
-          </a:prstGeom>
-          <a:ln w="19050">
-            <a:solidFill>
-              <a:schemeClr val="tx1"/>
-            </a:solidFill>
-          </a:ln>
-        </p:spPr>
-      </p:pic>
-      <p:pic>
-        <p:nvPicPr>
-          <p:cNvPr id="28" name="Picture 27">
-            <a:extLst>
-              <a:ext uri="{FF2B5EF4-FFF2-40B4-BE49-F238E27FC236}">
-                <a16:creationId xmlns:a16="http://schemas.microsoft.com/office/drawing/2014/main" id="{9E9203AD-8964-F241-BF73-90D689A29A57}"/>
-              </a:ext>
-            </a:extLst>
-          </p:cNvPr>
-          <p:cNvPicPr>
-            <a:picLocks noChangeAspect="1"/>
-          </p:cNvPicPr>
-          <p:nvPr/>
-        </p:nvPicPr>
-        <p:blipFill>
-          <a:blip r:embed="rId6"/>
-          <a:srcRect/>
-          <a:stretch/>
-        </p:blipFill>
-        <p:spPr>
-          <a:xfrm>
-            <a:off x="5441360" y="4881255"/>
-            <a:ext cx="759548" cy="398201"/>
-          </a:xfrm>
-          <a:prstGeom prst="rect">
-            <a:avLst/>
-          </a:prstGeom>
-          <a:ln w="19050">
-            <a:solidFill>
-              <a:schemeClr val="tx1"/>
-            </a:solidFill>
-          </a:ln>
-        </p:spPr>
-      </p:pic>
-      <p:pic>
-        <p:nvPicPr>
-          <p:cNvPr id="38" name="Picture 37">
-            <a:extLst>
-              <a:ext uri="{FF2B5EF4-FFF2-40B4-BE49-F238E27FC236}">
-                <a16:creationId xmlns:a16="http://schemas.microsoft.com/office/drawing/2014/main" id="{7E3C04E7-4351-E54D-8315-633B07261012}"/>
-              </a:ext>
-            </a:extLst>
-          </p:cNvPr>
-          <p:cNvPicPr>
-            <a:picLocks noChangeAspect="1"/>
-          </p:cNvPicPr>
-          <p:nvPr/>
-        </p:nvPicPr>
-        <p:blipFill>
-          <a:blip r:embed="rId7"/>
-          <a:srcRect/>
-          <a:stretch/>
-        </p:blipFill>
-        <p:spPr>
-          <a:xfrm>
-            <a:off x="6155255" y="4036911"/>
-            <a:ext cx="783770" cy="410899"/>
-          </a:xfrm>
-          <a:prstGeom prst="rect">
-            <a:avLst/>
-          </a:prstGeom>
-          <a:ln w="19050">
-            <a:solidFill>
-              <a:schemeClr val="tx1"/>
-            </a:solidFill>
-          </a:ln>
-        </p:spPr>
-      </p:pic>
-      <p:pic>
-        <p:nvPicPr>
-          <p:cNvPr id="40" name="Picture 39">
-            <a:extLst>
-              <a:ext uri="{FF2B5EF4-FFF2-40B4-BE49-F238E27FC236}">
-                <a16:creationId xmlns:a16="http://schemas.microsoft.com/office/drawing/2014/main" id="{38D3D3A0-931E-1A43-AD59-792ACF1FCBE4}"/>
-              </a:ext>
-            </a:extLst>
-          </p:cNvPr>
-          <p:cNvPicPr>
-            <a:picLocks noChangeAspect="1"/>
-          </p:cNvPicPr>
-          <p:nvPr/>
-        </p:nvPicPr>
-        <p:blipFill>
-          <a:blip r:embed="rId8"/>
-          <a:srcRect/>
-          <a:stretch/>
-        </p:blipFill>
-        <p:spPr>
-          <a:xfrm>
-            <a:off x="6827917" y="4957843"/>
-            <a:ext cx="759548" cy="398201"/>
-          </a:xfrm>
-          <a:prstGeom prst="rect">
-            <a:avLst/>
-          </a:prstGeom>
-          <a:ln w="19050">
-            <a:solidFill>
-              <a:schemeClr val="tx1"/>
-            </a:solidFill>
-          </a:ln>
-        </p:spPr>
-      </p:pic>
-      <p:pic>
-        <p:nvPicPr>
-          <p:cNvPr id="10" name="Picture 9">
-            <a:extLst>
-              <a:ext uri="{FF2B5EF4-FFF2-40B4-BE49-F238E27FC236}">
-                <a16:creationId xmlns:a16="http://schemas.microsoft.com/office/drawing/2014/main" id="{7BFF8056-C421-D44A-A766-5C9B076E46D5}"/>
-              </a:ext>
-            </a:extLst>
-          </p:cNvPr>
-          <p:cNvPicPr>
-            <a:picLocks noChangeAspect="1"/>
-          </p:cNvPicPr>
-          <p:nvPr/>
-        </p:nvPicPr>
-        <p:blipFill>
-          <a:blip r:embed="rId9"/>
-          <a:srcRect/>
-          <a:stretch/>
-        </p:blipFill>
-        <p:spPr>
-          <a:xfrm>
-            <a:off x="4051243" y="3992306"/>
-            <a:ext cx="783768" cy="410457"/>
-          </a:xfrm>
-          <a:prstGeom prst="rect">
-            <a:avLst/>
-          </a:prstGeom>
-          <a:ln w="19050">
-            <a:solidFill>
-              <a:schemeClr val="tx1"/>
-            </a:solidFill>
-          </a:ln>
-        </p:spPr>
-      </p:pic>
+      <p:grpSp>
+        <p:nvGrpSpPr>
+          <p:cNvPr id="5" name="Group 4">
+            <a:extLst>
+              <a:ext uri="{FF2B5EF4-FFF2-40B4-BE49-F238E27FC236}">
+                <a16:creationId xmlns:a16="http://schemas.microsoft.com/office/drawing/2014/main" id="{811B5A69-86BE-F544-B492-D6CEEF8C86BF}"/>
+              </a:ext>
+            </a:extLst>
+          </p:cNvPr>
+          <p:cNvGrpSpPr/>
+          <p:nvPr/>
+        </p:nvGrpSpPr>
+        <p:grpSpPr>
+          <a:xfrm>
+            <a:off x="2895400" y="1170954"/>
+            <a:ext cx="5298341" cy="4906678"/>
+            <a:chOff x="2895400" y="1170954"/>
+            <a:chExt cx="5298341" cy="4906678"/>
+          </a:xfrm>
+        </p:grpSpPr>
+        <p:pic>
+          <p:nvPicPr>
+            <p:cNvPr id="3" name="Picture 2">
+              <a:extLst>
+                <a:ext uri="{FF2B5EF4-FFF2-40B4-BE49-F238E27FC236}">
+                  <a16:creationId xmlns:a16="http://schemas.microsoft.com/office/drawing/2014/main" id="{17F5D464-9FB2-D44F-ACE0-88A29A53CA0B}"/>
+                </a:ext>
+              </a:extLst>
+            </p:cNvPr>
+            <p:cNvPicPr>
+              <a:picLocks noChangeAspect="1"/>
+            </p:cNvPicPr>
+            <p:nvPr/>
+          </p:nvPicPr>
+          <p:blipFill rotWithShape="1">
+            <a:blip r:embed="rId3"/>
+            <a:srcRect l="9200" r="13669"/>
+            <a:stretch/>
+          </p:blipFill>
+          <p:spPr>
+            <a:xfrm>
+              <a:off x="2895400" y="1170954"/>
+              <a:ext cx="5298341" cy="4906678"/>
+            </a:xfrm>
+            <a:prstGeom prst="rect">
+              <a:avLst/>
+            </a:prstGeom>
+          </p:spPr>
+        </p:pic>
+        <p:pic>
+          <p:nvPicPr>
+            <p:cNvPr id="12" name="Picture 11">
+              <a:extLst>
+                <a:ext uri="{FF2B5EF4-FFF2-40B4-BE49-F238E27FC236}">
+                  <a16:creationId xmlns:a16="http://schemas.microsoft.com/office/drawing/2014/main" id="{4D73C73D-7FB8-D84E-A506-0C30F4E7EF70}"/>
+                </a:ext>
+              </a:extLst>
+            </p:cNvPr>
+            <p:cNvPicPr>
+              <a:picLocks noChangeAspect="1"/>
+            </p:cNvPicPr>
+            <p:nvPr/>
+          </p:nvPicPr>
+          <p:blipFill>
+            <a:blip r:embed="rId4"/>
+            <a:srcRect/>
+            <a:stretch/>
+          </p:blipFill>
+          <p:spPr>
+            <a:xfrm>
+              <a:off x="3544810" y="2069586"/>
+              <a:ext cx="783770" cy="410457"/>
+            </a:xfrm>
+            <a:prstGeom prst="rect">
+              <a:avLst/>
+            </a:prstGeom>
+            <a:ln w="19050">
+              <a:solidFill>
+                <a:schemeClr val="tx1"/>
+              </a:solidFill>
+            </a:ln>
+          </p:spPr>
+        </p:pic>
+        <p:pic>
+          <p:nvPicPr>
+            <p:cNvPr id="13" name="Picture 12">
+              <a:extLst>
+                <a:ext uri="{FF2B5EF4-FFF2-40B4-BE49-F238E27FC236}">
+                  <a16:creationId xmlns:a16="http://schemas.microsoft.com/office/drawing/2014/main" id="{72A56678-071C-4842-8E20-494552A76EB9}"/>
+                </a:ext>
+              </a:extLst>
+            </p:cNvPr>
+            <p:cNvPicPr>
+              <a:picLocks noChangeAspect="1"/>
+            </p:cNvPicPr>
+            <p:nvPr/>
+          </p:nvPicPr>
+          <p:blipFill>
+            <a:blip r:embed="rId5"/>
+            <a:srcRect/>
+            <a:stretch/>
+          </p:blipFill>
+          <p:spPr>
+            <a:xfrm>
+              <a:off x="4975580" y="3144642"/>
+              <a:ext cx="783769" cy="410457"/>
+            </a:xfrm>
+            <a:prstGeom prst="rect">
+              <a:avLst/>
+            </a:prstGeom>
+            <a:ln w="19050">
+              <a:solidFill>
+                <a:schemeClr val="tx1"/>
+              </a:solidFill>
+            </a:ln>
+          </p:spPr>
+        </p:pic>
+        <p:pic>
+          <p:nvPicPr>
+            <p:cNvPr id="14" name="Picture 13">
+              <a:extLst>
+                <a:ext uri="{FF2B5EF4-FFF2-40B4-BE49-F238E27FC236}">
+                  <a16:creationId xmlns:a16="http://schemas.microsoft.com/office/drawing/2014/main" id="{92114454-665C-6940-8B9E-34A85AF8C830}"/>
+                </a:ext>
+              </a:extLst>
+            </p:cNvPr>
+            <p:cNvPicPr>
+              <a:picLocks noChangeAspect="1"/>
+            </p:cNvPicPr>
+            <p:nvPr/>
+          </p:nvPicPr>
+          <p:blipFill>
+            <a:blip r:embed="rId6"/>
+            <a:srcRect/>
+            <a:stretch/>
+          </p:blipFill>
+          <p:spPr>
+            <a:xfrm>
+              <a:off x="5688550" y="5276030"/>
+              <a:ext cx="759548" cy="398201"/>
+            </a:xfrm>
+            <a:prstGeom prst="rect">
+              <a:avLst/>
+            </a:prstGeom>
+            <a:ln w="19050">
+              <a:solidFill>
+                <a:schemeClr val="tx1"/>
+              </a:solidFill>
+            </a:ln>
+          </p:spPr>
+        </p:pic>
+        <p:pic>
+          <p:nvPicPr>
+            <p:cNvPr id="15" name="Picture 14">
+              <a:extLst>
+                <a:ext uri="{FF2B5EF4-FFF2-40B4-BE49-F238E27FC236}">
+                  <a16:creationId xmlns:a16="http://schemas.microsoft.com/office/drawing/2014/main" id="{D60C87C2-74C3-9E40-994C-8407BF2C046B}"/>
+                </a:ext>
+              </a:extLst>
+            </p:cNvPr>
+            <p:cNvPicPr>
+              <a:picLocks noChangeAspect="1"/>
+            </p:cNvPicPr>
+            <p:nvPr/>
+          </p:nvPicPr>
+          <p:blipFill>
+            <a:blip r:embed="rId7"/>
+            <a:srcRect/>
+            <a:stretch/>
+          </p:blipFill>
+          <p:spPr>
+            <a:xfrm>
+              <a:off x="6385992" y="4379546"/>
+              <a:ext cx="783770" cy="410899"/>
+            </a:xfrm>
+            <a:prstGeom prst="rect">
+              <a:avLst/>
+            </a:prstGeom>
+            <a:ln w="19050">
+              <a:solidFill>
+                <a:schemeClr val="tx1"/>
+              </a:solidFill>
+            </a:ln>
+          </p:spPr>
+        </p:pic>
+        <p:pic>
+          <p:nvPicPr>
+            <p:cNvPr id="16" name="Picture 15">
+              <a:extLst>
+                <a:ext uri="{FF2B5EF4-FFF2-40B4-BE49-F238E27FC236}">
+                  <a16:creationId xmlns:a16="http://schemas.microsoft.com/office/drawing/2014/main" id="{E9B029F9-460E-A241-982A-6BDCDB2B4B13}"/>
+                </a:ext>
+              </a:extLst>
+            </p:cNvPr>
+            <p:cNvPicPr>
+              <a:picLocks noChangeAspect="1"/>
+            </p:cNvPicPr>
+            <p:nvPr/>
+          </p:nvPicPr>
+          <p:blipFill>
+            <a:blip r:embed="rId8"/>
+            <a:srcRect/>
+            <a:stretch/>
+          </p:blipFill>
+          <p:spPr>
+            <a:xfrm>
+              <a:off x="7115975" y="5416164"/>
+              <a:ext cx="759548" cy="398201"/>
+            </a:xfrm>
+            <a:prstGeom prst="rect">
+              <a:avLst/>
+            </a:prstGeom>
+            <a:ln w="19050">
+              <a:solidFill>
+                <a:schemeClr val="tx1"/>
+              </a:solidFill>
+            </a:ln>
+          </p:spPr>
+        </p:pic>
+        <p:pic>
+          <p:nvPicPr>
+            <p:cNvPr id="17" name="Picture 16">
+              <a:extLst>
+                <a:ext uri="{FF2B5EF4-FFF2-40B4-BE49-F238E27FC236}">
+                  <a16:creationId xmlns:a16="http://schemas.microsoft.com/office/drawing/2014/main" id="{B1BCC358-DCCF-F348-93E6-B281BE36C9C2}"/>
+                </a:ext>
+              </a:extLst>
+            </p:cNvPr>
+            <p:cNvPicPr>
+              <a:picLocks noChangeAspect="1"/>
+            </p:cNvPicPr>
+            <p:nvPr/>
+          </p:nvPicPr>
+          <p:blipFill>
+            <a:blip r:embed="rId9"/>
+            <a:srcRect/>
+            <a:stretch/>
+          </p:blipFill>
+          <p:spPr>
+            <a:xfrm>
+              <a:off x="4249476" y="4352210"/>
+              <a:ext cx="783768" cy="410457"/>
+            </a:xfrm>
+            <a:prstGeom prst="rect">
+              <a:avLst/>
+            </a:prstGeom>
+            <a:ln w="19050">
+              <a:solidFill>
+                <a:schemeClr val="tx1"/>
+              </a:solidFill>
+            </a:ln>
+          </p:spPr>
+        </p:pic>
+        <p:sp>
+          <p:nvSpPr>
+            <p:cNvPr id="4" name="TextBox 3">
+              <a:extLst>
+                <a:ext uri="{FF2B5EF4-FFF2-40B4-BE49-F238E27FC236}">
+                  <a16:creationId xmlns:a16="http://schemas.microsoft.com/office/drawing/2014/main" id="{C8820D7D-AEEF-B845-818D-25BC1AC5A959}"/>
+                </a:ext>
+              </a:extLst>
+            </p:cNvPr>
+            <p:cNvSpPr txBox="1"/>
+            <p:nvPr/>
+          </p:nvSpPr>
+          <p:spPr>
+            <a:xfrm>
+              <a:off x="3627120" y="1744980"/>
+              <a:ext cx="556260" cy="261610"/>
+            </a:xfrm>
+            <a:prstGeom prst="rect">
+              <a:avLst/>
+            </a:prstGeom>
+            <a:noFill/>
+          </p:spPr>
+          <p:txBody>
+            <a:bodyPr wrap="square" rtlCol="0">
+              <a:spAutoFit/>
+            </a:bodyPr>
+            <a:lstStyle/>
+            <a:p>
+              <a:r>
+                <a:rPr lang="en-US" sz="1100" dirty="0">
+                  <a:latin typeface="Arial" panose="020B0604020202020204" pitchFamily="34" charset="0"/>
+                  <a:cs typeface="Arial" panose="020B0604020202020204" pitchFamily="34" charset="0"/>
+                </a:rPr>
+                <a:t>+1.76</a:t>
+              </a:r>
+            </a:p>
+          </p:txBody>
+        </p:sp>
+        <p:sp>
+          <p:nvSpPr>
+            <p:cNvPr id="19" name="TextBox 18">
+              <a:extLst>
+                <a:ext uri="{FF2B5EF4-FFF2-40B4-BE49-F238E27FC236}">
+                  <a16:creationId xmlns:a16="http://schemas.microsoft.com/office/drawing/2014/main" id="{356E9868-A0B5-8D40-9D93-1D9D6226AE9C}"/>
+                </a:ext>
+              </a:extLst>
+            </p:cNvPr>
+            <p:cNvSpPr txBox="1"/>
+            <p:nvPr/>
+          </p:nvSpPr>
+          <p:spPr>
+            <a:xfrm>
+              <a:off x="4363230" y="3692045"/>
+              <a:ext cx="556260" cy="261610"/>
+            </a:xfrm>
+            <a:prstGeom prst="rect">
+              <a:avLst/>
+            </a:prstGeom>
+            <a:noFill/>
+          </p:spPr>
+          <p:txBody>
+            <a:bodyPr wrap="square" rtlCol="0">
+              <a:spAutoFit/>
+            </a:bodyPr>
+            <a:lstStyle/>
+            <a:p>
+              <a:r>
+                <a:rPr lang="en-US" sz="1100" dirty="0">
+                  <a:latin typeface="Arial" panose="020B0604020202020204" pitchFamily="34" charset="0"/>
+                  <a:cs typeface="Arial" panose="020B0604020202020204" pitchFamily="34" charset="0"/>
+                </a:rPr>
+                <a:t>-2.13</a:t>
+              </a:r>
+            </a:p>
+          </p:txBody>
+        </p:sp>
+        <p:sp>
+          <p:nvSpPr>
+            <p:cNvPr id="20" name="TextBox 19">
+              <a:extLst>
+                <a:ext uri="{FF2B5EF4-FFF2-40B4-BE49-F238E27FC236}">
+                  <a16:creationId xmlns:a16="http://schemas.microsoft.com/office/drawing/2014/main" id="{3E3328F9-4EEF-EB4B-9954-74658ECAD354}"/>
+                </a:ext>
+              </a:extLst>
+            </p:cNvPr>
+            <p:cNvSpPr txBox="1"/>
+            <p:nvPr/>
+          </p:nvSpPr>
+          <p:spPr>
+            <a:xfrm>
+              <a:off x="5089334" y="3940007"/>
+              <a:ext cx="556260" cy="261610"/>
+            </a:xfrm>
+            <a:prstGeom prst="rect">
+              <a:avLst/>
+            </a:prstGeom>
+            <a:noFill/>
+          </p:spPr>
+          <p:txBody>
+            <a:bodyPr wrap="square" rtlCol="0">
+              <a:spAutoFit/>
+            </a:bodyPr>
+            <a:lstStyle/>
+            <a:p>
+              <a:r>
+                <a:rPr lang="en-US" sz="1100" dirty="0">
+                  <a:latin typeface="Arial" panose="020B0604020202020204" pitchFamily="34" charset="0"/>
+                  <a:cs typeface="Arial" panose="020B0604020202020204" pitchFamily="34" charset="0"/>
+                </a:rPr>
+                <a:t>-2.62</a:t>
+              </a:r>
+            </a:p>
+          </p:txBody>
+        </p:sp>
+        <p:sp>
+          <p:nvSpPr>
+            <p:cNvPr id="21" name="TextBox 20">
+              <a:extLst>
+                <a:ext uri="{FF2B5EF4-FFF2-40B4-BE49-F238E27FC236}">
+                  <a16:creationId xmlns:a16="http://schemas.microsoft.com/office/drawing/2014/main" id="{F86FD7AA-BE1B-8B46-96F5-1E0F04EEAA29}"/>
+                </a:ext>
+              </a:extLst>
+            </p:cNvPr>
+            <p:cNvSpPr txBox="1"/>
+            <p:nvPr/>
+          </p:nvSpPr>
+          <p:spPr>
+            <a:xfrm>
+              <a:off x="5794342" y="4441873"/>
+              <a:ext cx="556260" cy="261610"/>
+            </a:xfrm>
+            <a:prstGeom prst="rect">
+              <a:avLst/>
+            </a:prstGeom>
+            <a:noFill/>
+          </p:spPr>
+          <p:txBody>
+            <a:bodyPr wrap="square" rtlCol="0">
+              <a:spAutoFit/>
+            </a:bodyPr>
+            <a:lstStyle/>
+            <a:p>
+              <a:r>
+                <a:rPr lang="en-US" sz="1100" dirty="0">
+                  <a:latin typeface="Arial" panose="020B0604020202020204" pitchFamily="34" charset="0"/>
+                  <a:cs typeface="Arial" panose="020B0604020202020204" pitchFamily="34" charset="0"/>
+                </a:rPr>
+                <a:t>-3.57</a:t>
+              </a:r>
+            </a:p>
+          </p:txBody>
+        </p:sp>
+        <p:sp>
+          <p:nvSpPr>
+            <p:cNvPr id="22" name="TextBox 21">
+              <a:extLst>
+                <a:ext uri="{FF2B5EF4-FFF2-40B4-BE49-F238E27FC236}">
+                  <a16:creationId xmlns:a16="http://schemas.microsoft.com/office/drawing/2014/main" id="{AF2BF8EE-B76D-B448-A735-4B080EF63A94}"/>
+                </a:ext>
+              </a:extLst>
+            </p:cNvPr>
+            <p:cNvSpPr txBox="1"/>
+            <p:nvPr/>
+          </p:nvSpPr>
+          <p:spPr>
+            <a:xfrm>
+              <a:off x="6514987" y="3545234"/>
+              <a:ext cx="556260" cy="261610"/>
+            </a:xfrm>
+            <a:prstGeom prst="rect">
+              <a:avLst/>
+            </a:prstGeom>
+            <a:noFill/>
+          </p:spPr>
+          <p:txBody>
+            <a:bodyPr wrap="square" rtlCol="0">
+              <a:spAutoFit/>
+            </a:bodyPr>
+            <a:lstStyle/>
+            <a:p>
+              <a:r>
+                <a:rPr lang="en-US" sz="1100" dirty="0">
+                  <a:latin typeface="Arial" panose="020B0604020202020204" pitchFamily="34" charset="0"/>
+                  <a:cs typeface="Arial" panose="020B0604020202020204" pitchFamily="34" charset="0"/>
+                </a:rPr>
+                <a:t>-1.79</a:t>
+              </a:r>
+            </a:p>
+          </p:txBody>
+        </p:sp>
+        <p:sp>
+          <p:nvSpPr>
+            <p:cNvPr id="25" name="TextBox 24">
+              <a:extLst>
+                <a:ext uri="{FF2B5EF4-FFF2-40B4-BE49-F238E27FC236}">
+                  <a16:creationId xmlns:a16="http://schemas.microsoft.com/office/drawing/2014/main" id="{A9A4E26C-0FFD-DF46-AAC6-C84A3CA24108}"/>
+                </a:ext>
+              </a:extLst>
+            </p:cNvPr>
+            <p:cNvSpPr txBox="1"/>
+            <p:nvPr/>
+          </p:nvSpPr>
+          <p:spPr>
+            <a:xfrm>
+              <a:off x="7224089" y="4667260"/>
+              <a:ext cx="556260" cy="261610"/>
+            </a:xfrm>
+            <a:prstGeom prst="rect">
+              <a:avLst/>
+            </a:prstGeom>
+            <a:noFill/>
+          </p:spPr>
+          <p:txBody>
+            <a:bodyPr wrap="square" rtlCol="0">
+              <a:spAutoFit/>
+            </a:bodyPr>
+            <a:lstStyle/>
+            <a:p>
+              <a:r>
+                <a:rPr lang="en-US" sz="1100" dirty="0">
+                  <a:latin typeface="Arial" panose="020B0604020202020204" pitchFamily="34" charset="0"/>
+                  <a:cs typeface="Arial" panose="020B0604020202020204" pitchFamily="34" charset="0"/>
+                </a:rPr>
+                <a:t>-4.05</a:t>
+              </a:r>
+            </a:p>
+          </p:txBody>
+        </p:sp>
+      </p:grpSp>
     </p:spTree>
     <p:extLst>
       <p:ext uri="{BB962C8B-B14F-4D97-AF65-F5344CB8AC3E}">

--- a/EnergyFile.pptx
+++ b/EnergyFile.pptx
@@ -224,7 +224,7 @@
           <a:p>
             <a:fld id="{E0D357E1-BBCA-7E4B-882A-08C6CB0DA45B}" type="datetimeFigureOut">
               <a:rPr lang="en-US" smtClean="0"/>
-              <a:t>6/22/21</a:t>
+              <a:t>6/26/21</a:t>
             </a:fld>
             <a:endParaRPr lang="en-US"/>
           </a:p>
@@ -2082,7 +2082,7 @@
           <a:p>
             <a:fld id="{2E7BD062-3872-2745-B58F-7FE843EEF26B}" type="datetimeFigureOut">
               <a:rPr lang="en-US" smtClean="0"/>
-              <a:t>6/22/21</a:t>
+              <a:t>6/26/21</a:t>
             </a:fld>
             <a:endParaRPr lang="en-US"/>
           </a:p>
@@ -2280,7 +2280,7 @@
           <a:p>
             <a:fld id="{2E7BD062-3872-2745-B58F-7FE843EEF26B}" type="datetimeFigureOut">
               <a:rPr lang="en-US" smtClean="0"/>
-              <a:t>6/22/21</a:t>
+              <a:t>6/26/21</a:t>
             </a:fld>
             <a:endParaRPr lang="en-US"/>
           </a:p>
@@ -2488,7 +2488,7 @@
           <a:p>
             <a:fld id="{2E7BD062-3872-2745-B58F-7FE843EEF26B}" type="datetimeFigureOut">
               <a:rPr lang="en-US" smtClean="0"/>
-              <a:t>6/22/21</a:t>
+              <a:t>6/26/21</a:t>
             </a:fld>
             <a:endParaRPr lang="en-US"/>
           </a:p>
@@ -2686,7 +2686,7 @@
           <a:p>
             <a:fld id="{2E7BD062-3872-2745-B58F-7FE843EEF26B}" type="datetimeFigureOut">
               <a:rPr lang="en-US" smtClean="0"/>
-              <a:t>6/22/21</a:t>
+              <a:t>6/26/21</a:t>
             </a:fld>
             <a:endParaRPr lang="en-US"/>
           </a:p>
@@ -2961,7 +2961,7 @@
           <a:p>
             <a:fld id="{2E7BD062-3872-2745-B58F-7FE843EEF26B}" type="datetimeFigureOut">
               <a:rPr lang="en-US" smtClean="0"/>
-              <a:t>6/22/21</a:t>
+              <a:t>6/26/21</a:t>
             </a:fld>
             <a:endParaRPr lang="en-US"/>
           </a:p>
@@ -3226,7 +3226,7 @@
           <a:p>
             <a:fld id="{2E7BD062-3872-2745-B58F-7FE843EEF26B}" type="datetimeFigureOut">
               <a:rPr lang="en-US" smtClean="0"/>
-              <a:t>6/22/21</a:t>
+              <a:t>6/26/21</a:t>
             </a:fld>
             <a:endParaRPr lang="en-US"/>
           </a:p>
@@ -3638,7 +3638,7 @@
           <a:p>
             <a:fld id="{2E7BD062-3872-2745-B58F-7FE843EEF26B}" type="datetimeFigureOut">
               <a:rPr lang="en-US" smtClean="0"/>
-              <a:t>6/22/21</a:t>
+              <a:t>6/26/21</a:t>
             </a:fld>
             <a:endParaRPr lang="en-US"/>
           </a:p>
@@ -3779,7 +3779,7 @@
           <a:p>
             <a:fld id="{2E7BD062-3872-2745-B58F-7FE843EEF26B}" type="datetimeFigureOut">
               <a:rPr lang="en-US" smtClean="0"/>
-              <a:t>6/22/21</a:t>
+              <a:t>6/26/21</a:t>
             </a:fld>
             <a:endParaRPr lang="en-US"/>
           </a:p>
@@ -3892,7 +3892,7 @@
           <a:p>
             <a:fld id="{2E7BD062-3872-2745-B58F-7FE843EEF26B}" type="datetimeFigureOut">
               <a:rPr lang="en-US" smtClean="0"/>
-              <a:t>6/22/21</a:t>
+              <a:t>6/26/21</a:t>
             </a:fld>
             <a:endParaRPr lang="en-US"/>
           </a:p>
@@ -4203,7 +4203,7 @@
           <a:p>
             <a:fld id="{2E7BD062-3872-2745-B58F-7FE843EEF26B}" type="datetimeFigureOut">
               <a:rPr lang="en-US" smtClean="0"/>
-              <a:t>6/22/21</a:t>
+              <a:t>6/26/21</a:t>
             </a:fld>
             <a:endParaRPr lang="en-US"/>
           </a:p>
@@ -4491,7 +4491,7 @@
           <a:p>
             <a:fld id="{2E7BD062-3872-2745-B58F-7FE843EEF26B}" type="datetimeFigureOut">
               <a:rPr lang="en-US" smtClean="0"/>
-              <a:t>6/22/21</a:t>
+              <a:t>6/26/21</a:t>
             </a:fld>
             <a:endParaRPr lang="en-US"/>
           </a:p>
@@ -4732,7 +4732,7 @@
           <a:p>
             <a:fld id="{2E7BD062-3872-2745-B58F-7FE843EEF26B}" type="datetimeFigureOut">
               <a:rPr lang="en-US" smtClean="0"/>
-              <a:t>6/22/21</a:t>
+              <a:t>6/26/21</a:t>
             </a:fld>
             <a:endParaRPr lang="en-US"/>
           </a:p>
@@ -14621,155 +14621,176 @@
           <a:chExt cx="0" cy="0"/>
         </a:xfrm>
       </p:grpSpPr>
-      <p:pic>
-        <p:nvPicPr>
-          <p:cNvPr id="3" name="Picture 2">
-            <a:extLst>
-              <a:ext uri="{FF2B5EF4-FFF2-40B4-BE49-F238E27FC236}">
-                <a16:creationId xmlns:a16="http://schemas.microsoft.com/office/drawing/2014/main" id="{50AE5D7C-6B2B-8042-A43F-5B0E697C3A26}"/>
-              </a:ext>
-            </a:extLst>
-          </p:cNvPr>
-          <p:cNvPicPr>
-            <a:picLocks noChangeAspect="1"/>
-          </p:cNvPicPr>
-          <p:nvPr/>
-        </p:nvPicPr>
-        <p:blipFill rotWithShape="1">
-          <a:blip r:embed="rId3"/>
-          <a:srcRect t="7088" r="8056" b="4873"/>
-          <a:stretch/>
-        </p:blipFill>
-        <p:spPr>
-          <a:xfrm>
-            <a:off x="1454056" y="398807"/>
-            <a:ext cx="9038095" cy="5769519"/>
-          </a:xfrm>
-          <a:prstGeom prst="rect">
-            <a:avLst/>
-          </a:prstGeom>
-        </p:spPr>
-      </p:pic>
-      <p:pic>
-        <p:nvPicPr>
-          <p:cNvPr id="12" name="Picture 11">
-            <a:extLst>
-              <a:ext uri="{FF2B5EF4-FFF2-40B4-BE49-F238E27FC236}">
-                <a16:creationId xmlns:a16="http://schemas.microsoft.com/office/drawing/2014/main" id="{59817B1C-7888-7C4A-AEE9-074BB37DF2E6}"/>
-              </a:ext>
-            </a:extLst>
-          </p:cNvPr>
-          <p:cNvPicPr>
-            <a:picLocks noChangeAspect="1"/>
-          </p:cNvPicPr>
-          <p:nvPr/>
-        </p:nvPicPr>
-        <p:blipFill>
-          <a:blip r:embed="rId4"/>
-          <a:stretch>
-            <a:fillRect/>
-          </a:stretch>
-        </p:blipFill>
-        <p:spPr>
-          <a:xfrm>
-            <a:off x="2713830" y="3992684"/>
-            <a:ext cx="1069835" cy="667516"/>
-          </a:xfrm>
-          <a:prstGeom prst="rect">
-            <a:avLst/>
-          </a:prstGeom>
-        </p:spPr>
-      </p:pic>
-      <p:pic>
-        <p:nvPicPr>
-          <p:cNvPr id="13" name="Picture 12">
-            <a:extLst>
-              <a:ext uri="{FF2B5EF4-FFF2-40B4-BE49-F238E27FC236}">
-                <a16:creationId xmlns:a16="http://schemas.microsoft.com/office/drawing/2014/main" id="{7A5083F1-851B-654F-92B6-FA5320C5CB31}"/>
-              </a:ext>
-            </a:extLst>
-          </p:cNvPr>
-          <p:cNvPicPr>
-            <a:picLocks noChangeAspect="1"/>
-          </p:cNvPicPr>
-          <p:nvPr/>
-        </p:nvPicPr>
-        <p:blipFill>
-          <a:blip r:embed="rId5"/>
-          <a:stretch>
-            <a:fillRect/>
-          </a:stretch>
-        </p:blipFill>
-        <p:spPr>
-          <a:xfrm>
-            <a:off x="4508521" y="3658924"/>
-            <a:ext cx="1069835" cy="667517"/>
-          </a:xfrm>
-          <a:prstGeom prst="rect">
-            <a:avLst/>
-          </a:prstGeom>
-        </p:spPr>
-      </p:pic>
-      <p:pic>
-        <p:nvPicPr>
-          <p:cNvPr id="18" name="Picture 17">
-            <a:extLst>
-              <a:ext uri="{FF2B5EF4-FFF2-40B4-BE49-F238E27FC236}">
-                <a16:creationId xmlns:a16="http://schemas.microsoft.com/office/drawing/2014/main" id="{9D8CBCDC-2928-E64F-A6FC-CEBA4F89C9B0}"/>
-              </a:ext>
-            </a:extLst>
-          </p:cNvPr>
-          <p:cNvPicPr>
-            <a:picLocks noChangeAspect="1"/>
-          </p:cNvPicPr>
-          <p:nvPr/>
-        </p:nvPicPr>
-        <p:blipFill>
-          <a:blip r:embed="rId6"/>
-          <a:stretch>
-            <a:fillRect/>
-          </a:stretch>
-        </p:blipFill>
-        <p:spPr>
-          <a:xfrm>
-            <a:off x="6261992" y="1911267"/>
-            <a:ext cx="1069836" cy="667517"/>
-          </a:xfrm>
-          <a:prstGeom prst="rect">
-            <a:avLst/>
-          </a:prstGeom>
-        </p:spPr>
-      </p:pic>
-      <p:pic>
-        <p:nvPicPr>
-          <p:cNvPr id="19" name="Picture 18">
-            <a:extLst>
-              <a:ext uri="{FF2B5EF4-FFF2-40B4-BE49-F238E27FC236}">
-                <a16:creationId xmlns:a16="http://schemas.microsoft.com/office/drawing/2014/main" id="{4F855A43-84F6-1F46-A0FA-64B17388987D}"/>
-              </a:ext>
-            </a:extLst>
-          </p:cNvPr>
-          <p:cNvPicPr>
-            <a:picLocks noChangeAspect="1"/>
-          </p:cNvPicPr>
-          <p:nvPr/>
-        </p:nvPicPr>
-        <p:blipFill>
-          <a:blip r:embed="rId7"/>
-          <a:stretch>
-            <a:fillRect/>
-          </a:stretch>
-        </p:blipFill>
-        <p:spPr>
-          <a:xfrm>
-            <a:off x="7847948" y="895583"/>
-            <a:ext cx="1069836" cy="667518"/>
-          </a:xfrm>
-          <a:prstGeom prst="rect">
-            <a:avLst/>
-          </a:prstGeom>
-        </p:spPr>
-      </p:pic>
+      <p:grpSp>
+        <p:nvGrpSpPr>
+          <p:cNvPr id="5" name="Group 4">
+            <a:extLst>
+              <a:ext uri="{FF2B5EF4-FFF2-40B4-BE49-F238E27FC236}">
+                <a16:creationId xmlns:a16="http://schemas.microsoft.com/office/drawing/2014/main" id="{1D0EA75C-D031-9A40-BD13-5BD3B7AF097D}"/>
+              </a:ext>
+            </a:extLst>
+          </p:cNvPr>
+          <p:cNvGrpSpPr/>
+          <p:nvPr/>
+        </p:nvGrpSpPr>
+        <p:grpSpPr>
+          <a:xfrm>
+            <a:off x="1035802" y="402389"/>
+            <a:ext cx="9766515" cy="6053222"/>
+            <a:chOff x="1035802" y="402389"/>
+            <a:chExt cx="9766515" cy="6053222"/>
+          </a:xfrm>
+        </p:grpSpPr>
+        <p:pic>
+          <p:nvPicPr>
+            <p:cNvPr id="4" name="Picture 3">
+              <a:extLst>
+                <a:ext uri="{FF2B5EF4-FFF2-40B4-BE49-F238E27FC236}">
+                  <a16:creationId xmlns:a16="http://schemas.microsoft.com/office/drawing/2014/main" id="{43736F6B-4C10-AB4A-BF5D-3BC5118E69F2}"/>
+                </a:ext>
+              </a:extLst>
+            </p:cNvPr>
+            <p:cNvPicPr>
+              <a:picLocks noChangeAspect="1"/>
+            </p:cNvPicPr>
+            <p:nvPr/>
+          </p:nvPicPr>
+          <p:blipFill rotWithShape="1">
+            <a:blip r:embed="rId3"/>
+            <a:srcRect t="6427" r="5807" b="6003"/>
+            <a:stretch/>
+          </p:blipFill>
+          <p:spPr>
+            <a:xfrm>
+              <a:off x="1035802" y="402389"/>
+              <a:ext cx="9766515" cy="6053222"/>
+            </a:xfrm>
+            <a:prstGeom prst="rect">
+              <a:avLst/>
+            </a:prstGeom>
+          </p:spPr>
+        </p:pic>
+        <p:pic>
+          <p:nvPicPr>
+            <p:cNvPr id="13" name="Picture 12">
+              <a:extLst>
+                <a:ext uri="{FF2B5EF4-FFF2-40B4-BE49-F238E27FC236}">
+                  <a16:creationId xmlns:a16="http://schemas.microsoft.com/office/drawing/2014/main" id="{7A5083F1-851B-654F-92B6-FA5320C5CB31}"/>
+                </a:ext>
+              </a:extLst>
+            </p:cNvPr>
+            <p:cNvPicPr>
+              <a:picLocks noChangeAspect="1"/>
+            </p:cNvPicPr>
+            <p:nvPr/>
+          </p:nvPicPr>
+          <p:blipFill>
+            <a:blip r:embed="rId4"/>
+            <a:stretch>
+              <a:fillRect/>
+            </a:stretch>
+          </p:blipFill>
+          <p:spPr>
+            <a:xfrm>
+              <a:off x="4049213" y="3624325"/>
+              <a:ext cx="1604753" cy="1001276"/>
+            </a:xfrm>
+            <a:prstGeom prst="rect">
+              <a:avLst/>
+            </a:prstGeom>
+          </p:spPr>
+        </p:pic>
+        <p:pic>
+          <p:nvPicPr>
+            <p:cNvPr id="18" name="Picture 17">
+              <a:extLst>
+                <a:ext uri="{FF2B5EF4-FFF2-40B4-BE49-F238E27FC236}">
+                  <a16:creationId xmlns:a16="http://schemas.microsoft.com/office/drawing/2014/main" id="{9D8CBCDC-2928-E64F-A6FC-CEBA4F89C9B0}"/>
+                </a:ext>
+              </a:extLst>
+            </p:cNvPr>
+            <p:cNvPicPr>
+              <a:picLocks noChangeAspect="1"/>
+            </p:cNvPicPr>
+            <p:nvPr/>
+          </p:nvPicPr>
+          <p:blipFill>
+            <a:blip r:embed="rId5"/>
+            <a:stretch>
+              <a:fillRect/>
+            </a:stretch>
+          </p:blipFill>
+          <p:spPr>
+            <a:xfrm>
+              <a:off x="5293623" y="2232399"/>
+              <a:ext cx="1604754" cy="1001276"/>
+            </a:xfrm>
+            <a:prstGeom prst="rect">
+              <a:avLst/>
+            </a:prstGeom>
+          </p:spPr>
+        </p:pic>
+        <p:pic>
+          <p:nvPicPr>
+            <p:cNvPr id="19" name="Picture 18">
+              <a:extLst>
+                <a:ext uri="{FF2B5EF4-FFF2-40B4-BE49-F238E27FC236}">
+                  <a16:creationId xmlns:a16="http://schemas.microsoft.com/office/drawing/2014/main" id="{4F855A43-84F6-1F46-A0FA-64B17388987D}"/>
+                </a:ext>
+              </a:extLst>
+            </p:cNvPr>
+            <p:cNvPicPr>
+              <a:picLocks noChangeAspect="1"/>
+            </p:cNvPicPr>
+            <p:nvPr/>
+          </p:nvPicPr>
+          <p:blipFill>
+            <a:blip r:embed="rId6"/>
+            <a:stretch>
+              <a:fillRect/>
+            </a:stretch>
+          </p:blipFill>
+          <p:spPr>
+            <a:xfrm>
+              <a:off x="7115353" y="864585"/>
+              <a:ext cx="1604754" cy="1001277"/>
+            </a:xfrm>
+            <a:prstGeom prst="rect">
+              <a:avLst/>
+            </a:prstGeom>
+          </p:spPr>
+        </p:pic>
+        <p:pic>
+          <p:nvPicPr>
+            <p:cNvPr id="9" name="Picture 8">
+              <a:extLst>
+                <a:ext uri="{FF2B5EF4-FFF2-40B4-BE49-F238E27FC236}">
+                  <a16:creationId xmlns:a16="http://schemas.microsoft.com/office/drawing/2014/main" id="{9C3893DB-F59F-F14E-B61C-F901DF058DB7}"/>
+                </a:ext>
+              </a:extLst>
+            </p:cNvPr>
+            <p:cNvPicPr>
+              <a:picLocks noChangeAspect="1"/>
+            </p:cNvPicPr>
+            <p:nvPr/>
+          </p:nvPicPr>
+          <p:blipFill>
+            <a:blip r:embed="rId7"/>
+            <a:stretch>
+              <a:fillRect/>
+            </a:stretch>
+          </p:blipFill>
+          <p:spPr>
+            <a:xfrm>
+              <a:off x="2444457" y="4326441"/>
+              <a:ext cx="1604756" cy="1001276"/>
+            </a:xfrm>
+            <a:prstGeom prst="rect">
+              <a:avLst/>
+            </a:prstGeom>
+          </p:spPr>
+        </p:pic>
+      </p:grpSp>
     </p:spTree>
     <p:extLst>
       <p:ext uri="{BB962C8B-B14F-4D97-AF65-F5344CB8AC3E}">

--- a/EnergyFile.pptx
+++ b/EnergyFile.pptx
@@ -224,7 +224,7 @@
           <a:p>
             <a:fld id="{E0D357E1-BBCA-7E4B-882A-08C6CB0DA45B}" type="datetimeFigureOut">
               <a:rPr lang="en-US" smtClean="0"/>
-              <a:t>6/26/21</a:t>
+              <a:t>6/27/21</a:t>
             </a:fld>
             <a:endParaRPr lang="en-US"/>
           </a:p>
@@ -2082,7 +2082,7 @@
           <a:p>
             <a:fld id="{2E7BD062-3872-2745-B58F-7FE843EEF26B}" type="datetimeFigureOut">
               <a:rPr lang="en-US" smtClean="0"/>
-              <a:t>6/26/21</a:t>
+              <a:t>6/27/21</a:t>
             </a:fld>
             <a:endParaRPr lang="en-US"/>
           </a:p>
@@ -2280,7 +2280,7 @@
           <a:p>
             <a:fld id="{2E7BD062-3872-2745-B58F-7FE843EEF26B}" type="datetimeFigureOut">
               <a:rPr lang="en-US" smtClean="0"/>
-              <a:t>6/26/21</a:t>
+              <a:t>6/27/21</a:t>
             </a:fld>
             <a:endParaRPr lang="en-US"/>
           </a:p>
@@ -2488,7 +2488,7 @@
           <a:p>
             <a:fld id="{2E7BD062-3872-2745-B58F-7FE843EEF26B}" type="datetimeFigureOut">
               <a:rPr lang="en-US" smtClean="0"/>
-              <a:t>6/26/21</a:t>
+              <a:t>6/27/21</a:t>
             </a:fld>
             <a:endParaRPr lang="en-US"/>
           </a:p>
@@ -2686,7 +2686,7 @@
           <a:p>
             <a:fld id="{2E7BD062-3872-2745-B58F-7FE843EEF26B}" type="datetimeFigureOut">
               <a:rPr lang="en-US" smtClean="0"/>
-              <a:t>6/26/21</a:t>
+              <a:t>6/27/21</a:t>
             </a:fld>
             <a:endParaRPr lang="en-US"/>
           </a:p>
@@ -2961,7 +2961,7 @@
           <a:p>
             <a:fld id="{2E7BD062-3872-2745-B58F-7FE843EEF26B}" type="datetimeFigureOut">
               <a:rPr lang="en-US" smtClean="0"/>
-              <a:t>6/26/21</a:t>
+              <a:t>6/27/21</a:t>
             </a:fld>
             <a:endParaRPr lang="en-US"/>
           </a:p>
@@ -3226,7 +3226,7 @@
           <a:p>
             <a:fld id="{2E7BD062-3872-2745-B58F-7FE843EEF26B}" type="datetimeFigureOut">
               <a:rPr lang="en-US" smtClean="0"/>
-              <a:t>6/26/21</a:t>
+              <a:t>6/27/21</a:t>
             </a:fld>
             <a:endParaRPr lang="en-US"/>
           </a:p>
@@ -3638,7 +3638,7 @@
           <a:p>
             <a:fld id="{2E7BD062-3872-2745-B58F-7FE843EEF26B}" type="datetimeFigureOut">
               <a:rPr lang="en-US" smtClean="0"/>
-              <a:t>6/26/21</a:t>
+              <a:t>6/27/21</a:t>
             </a:fld>
             <a:endParaRPr lang="en-US"/>
           </a:p>
@@ -3779,7 +3779,7 @@
           <a:p>
             <a:fld id="{2E7BD062-3872-2745-B58F-7FE843EEF26B}" type="datetimeFigureOut">
               <a:rPr lang="en-US" smtClean="0"/>
-              <a:t>6/26/21</a:t>
+              <a:t>6/27/21</a:t>
             </a:fld>
             <a:endParaRPr lang="en-US"/>
           </a:p>
@@ -3892,7 +3892,7 @@
           <a:p>
             <a:fld id="{2E7BD062-3872-2745-B58F-7FE843EEF26B}" type="datetimeFigureOut">
               <a:rPr lang="en-US" smtClean="0"/>
-              <a:t>6/26/21</a:t>
+              <a:t>6/27/21</a:t>
             </a:fld>
             <a:endParaRPr lang="en-US"/>
           </a:p>
@@ -4203,7 +4203,7 @@
           <a:p>
             <a:fld id="{2E7BD062-3872-2745-B58F-7FE843EEF26B}" type="datetimeFigureOut">
               <a:rPr lang="en-US" smtClean="0"/>
-              <a:t>6/26/21</a:t>
+              <a:t>6/27/21</a:t>
             </a:fld>
             <a:endParaRPr lang="en-US"/>
           </a:p>
@@ -4491,7 +4491,7 @@
           <a:p>
             <a:fld id="{2E7BD062-3872-2745-B58F-7FE843EEF26B}" type="datetimeFigureOut">
               <a:rPr lang="en-US" smtClean="0"/>
-              <a:t>6/26/21</a:t>
+              <a:t>6/27/21</a:t>
             </a:fld>
             <a:endParaRPr lang="en-US"/>
           </a:p>
@@ -4732,7 +4732,7 @@
           <a:p>
             <a:fld id="{2E7BD062-3872-2745-B58F-7FE843EEF26B}" type="datetimeFigureOut">
               <a:rPr lang="en-US" smtClean="0"/>
-              <a:t>6/26/21</a:t>
+              <a:t>6/27/21</a:t>
             </a:fld>
             <a:endParaRPr lang="en-US"/>
           </a:p>
@@ -14791,6 +14791,170 @@
           </p:spPr>
         </p:pic>
       </p:grpSp>
+      <p:sp>
+        <p:nvSpPr>
+          <p:cNvPr id="2" name="TextBox 1">
+            <a:extLst>
+              <a:ext uri="{FF2B5EF4-FFF2-40B4-BE49-F238E27FC236}">
+                <a16:creationId xmlns:a16="http://schemas.microsoft.com/office/drawing/2014/main" id="{995A1F9F-5364-CE43-A077-B0509A7A6381}"/>
+              </a:ext>
+            </a:extLst>
+          </p:cNvPr>
+          <p:cNvSpPr txBox="1"/>
+          <p:nvPr/>
+        </p:nvSpPr>
+        <p:spPr>
+          <a:xfrm>
+            <a:off x="2301577" y="5383348"/>
+            <a:ext cx="683200" cy="400110"/>
+          </a:xfrm>
+          <a:prstGeom prst="rect">
+            <a:avLst/>
+          </a:prstGeom>
+          <a:noFill/>
+        </p:spPr>
+        <p:txBody>
+          <a:bodyPr wrap="none" rtlCol="0">
+            <a:spAutoFit/>
+          </a:bodyPr>
+          <a:lstStyle/>
+          <a:p>
+            <a:r>
+              <a:rPr lang="en-US" sz="2000" dirty="0">
+                <a:solidFill>
+                  <a:srgbClr val="1A00FF"/>
+                </a:solidFill>
+                <a:latin typeface="Arial" panose="020B0604020202020204" pitchFamily="34" charset="0"/>
+                <a:cs typeface="Arial" panose="020B0604020202020204" pitchFamily="34" charset="0"/>
+              </a:rPr>
+              <a:t>0.00</a:t>
+            </a:r>
+          </a:p>
+        </p:txBody>
+      </p:sp>
+      <p:sp>
+        <p:nvSpPr>
+          <p:cNvPr id="10" name="TextBox 9">
+            <a:extLst>
+              <a:ext uri="{FF2B5EF4-FFF2-40B4-BE49-F238E27FC236}">
+                <a16:creationId xmlns:a16="http://schemas.microsoft.com/office/drawing/2014/main" id="{E11DCEA5-E62A-C64A-AFAF-70BC55AA79E7}"/>
+              </a:ext>
+            </a:extLst>
+          </p:cNvPr>
+          <p:cNvSpPr txBox="1"/>
+          <p:nvPr/>
+        </p:nvSpPr>
+        <p:spPr>
+          <a:xfrm>
+            <a:off x="4717560" y="4869943"/>
+            <a:ext cx="683200" cy="400110"/>
+          </a:xfrm>
+          <a:prstGeom prst="rect">
+            <a:avLst/>
+          </a:prstGeom>
+          <a:noFill/>
+        </p:spPr>
+        <p:txBody>
+          <a:bodyPr wrap="none" rtlCol="0">
+            <a:spAutoFit/>
+          </a:bodyPr>
+          <a:lstStyle/>
+          <a:p>
+            <a:r>
+              <a:rPr lang="en-US" sz="2000" dirty="0">
+                <a:solidFill>
+                  <a:srgbClr val="1A00FF"/>
+                </a:solidFill>
+                <a:latin typeface="Arial" panose="020B0604020202020204" pitchFamily="34" charset="0"/>
+                <a:cs typeface="Arial" panose="020B0604020202020204" pitchFamily="34" charset="0"/>
+              </a:rPr>
+              <a:t>0.17</a:t>
+            </a:r>
+          </a:p>
+        </p:txBody>
+      </p:sp>
+      <p:sp>
+        <p:nvSpPr>
+          <p:cNvPr id="11" name="TextBox 10">
+            <a:extLst>
+              <a:ext uri="{FF2B5EF4-FFF2-40B4-BE49-F238E27FC236}">
+                <a16:creationId xmlns:a16="http://schemas.microsoft.com/office/drawing/2014/main" id="{F8A9A283-6A7E-6A48-A3BC-8447B0A5D609}"/>
+              </a:ext>
+            </a:extLst>
+          </p:cNvPr>
+          <p:cNvSpPr txBox="1"/>
+          <p:nvPr/>
+        </p:nvSpPr>
+        <p:spPr>
+          <a:xfrm>
+            <a:off x="7158217" y="2332926"/>
+            <a:ext cx="683200" cy="400110"/>
+          </a:xfrm>
+          <a:prstGeom prst="rect">
+            <a:avLst/>
+          </a:prstGeom>
+          <a:noFill/>
+        </p:spPr>
+        <p:txBody>
+          <a:bodyPr wrap="none" rtlCol="0">
+            <a:spAutoFit/>
+          </a:bodyPr>
+          <a:lstStyle/>
+          <a:p>
+            <a:r>
+              <a:rPr lang="en-US" sz="2000" dirty="0">
+                <a:solidFill>
+                  <a:srgbClr val="1A00FF"/>
+                </a:solidFill>
+                <a:latin typeface="Arial" panose="020B0604020202020204" pitchFamily="34" charset="0"/>
+                <a:cs typeface="Arial" panose="020B0604020202020204" pitchFamily="34" charset="0"/>
+              </a:rPr>
+              <a:t>0.99</a:t>
+            </a:r>
+          </a:p>
+        </p:txBody>
+      </p:sp>
+      <p:sp>
+        <p:nvSpPr>
+          <p:cNvPr id="12" name="TextBox 11">
+            <a:extLst>
+              <a:ext uri="{FF2B5EF4-FFF2-40B4-BE49-F238E27FC236}">
+                <a16:creationId xmlns:a16="http://schemas.microsoft.com/office/drawing/2014/main" id="{0AD720E8-E334-9449-B7FE-6825441F5762}"/>
+              </a:ext>
+            </a:extLst>
+          </p:cNvPr>
+          <p:cNvSpPr txBox="1"/>
+          <p:nvPr/>
+        </p:nvSpPr>
+        <p:spPr>
+          <a:xfrm>
+            <a:off x="9653768" y="1165168"/>
+            <a:ext cx="683200" cy="400110"/>
+          </a:xfrm>
+          <a:prstGeom prst="rect">
+            <a:avLst/>
+          </a:prstGeom>
+          <a:noFill/>
+        </p:spPr>
+        <p:txBody>
+          <a:bodyPr wrap="none" rtlCol="0">
+            <a:spAutoFit/>
+          </a:bodyPr>
+          <a:lstStyle/>
+          <a:p>
+            <a:r>
+              <a:rPr lang="en-US" sz="2000" dirty="0">
+                <a:solidFill>
+                  <a:srgbClr val="1A00FF"/>
+                </a:solidFill>
+                <a:latin typeface="Arial" panose="020B0604020202020204" pitchFamily="34" charset="0"/>
+                <a:cs typeface="Arial" panose="020B0604020202020204" pitchFamily="34" charset="0"/>
+              </a:rPr>
+              <a:t>1.56</a:t>
+            </a:r>
+          </a:p>
+        </p:txBody>
+      </p:sp>
     </p:spTree>
     <p:extLst>
       <p:ext uri="{BB962C8B-B14F-4D97-AF65-F5344CB8AC3E}">

--- a/EnergyFile.pptx
+++ b/EnergyFile.pptx
@@ -224,7 +224,7 @@
           <a:p>
             <a:fld id="{E0D357E1-BBCA-7E4B-882A-08C6CB0DA45B}" type="datetimeFigureOut">
               <a:rPr lang="en-US" smtClean="0"/>
-              <a:t>6/27/21</a:t>
+              <a:t>6/28/21</a:t>
             </a:fld>
             <a:endParaRPr lang="en-US"/>
           </a:p>
@@ -2082,7 +2082,7 @@
           <a:p>
             <a:fld id="{2E7BD062-3872-2745-B58F-7FE843EEF26B}" type="datetimeFigureOut">
               <a:rPr lang="en-US" smtClean="0"/>
-              <a:t>6/27/21</a:t>
+              <a:t>6/28/21</a:t>
             </a:fld>
             <a:endParaRPr lang="en-US"/>
           </a:p>
@@ -2280,7 +2280,7 @@
           <a:p>
             <a:fld id="{2E7BD062-3872-2745-B58F-7FE843EEF26B}" type="datetimeFigureOut">
               <a:rPr lang="en-US" smtClean="0"/>
-              <a:t>6/27/21</a:t>
+              <a:t>6/28/21</a:t>
             </a:fld>
             <a:endParaRPr lang="en-US"/>
           </a:p>
@@ -2488,7 +2488,7 @@
           <a:p>
             <a:fld id="{2E7BD062-3872-2745-B58F-7FE843EEF26B}" type="datetimeFigureOut">
               <a:rPr lang="en-US" smtClean="0"/>
-              <a:t>6/27/21</a:t>
+              <a:t>6/28/21</a:t>
             </a:fld>
             <a:endParaRPr lang="en-US"/>
           </a:p>
@@ -2686,7 +2686,7 @@
           <a:p>
             <a:fld id="{2E7BD062-3872-2745-B58F-7FE843EEF26B}" type="datetimeFigureOut">
               <a:rPr lang="en-US" smtClean="0"/>
-              <a:t>6/27/21</a:t>
+              <a:t>6/28/21</a:t>
             </a:fld>
             <a:endParaRPr lang="en-US"/>
           </a:p>
@@ -2961,7 +2961,7 @@
           <a:p>
             <a:fld id="{2E7BD062-3872-2745-B58F-7FE843EEF26B}" type="datetimeFigureOut">
               <a:rPr lang="en-US" smtClean="0"/>
-              <a:t>6/27/21</a:t>
+              <a:t>6/28/21</a:t>
             </a:fld>
             <a:endParaRPr lang="en-US"/>
           </a:p>
@@ -3226,7 +3226,7 @@
           <a:p>
             <a:fld id="{2E7BD062-3872-2745-B58F-7FE843EEF26B}" type="datetimeFigureOut">
               <a:rPr lang="en-US" smtClean="0"/>
-              <a:t>6/27/21</a:t>
+              <a:t>6/28/21</a:t>
             </a:fld>
             <a:endParaRPr lang="en-US"/>
           </a:p>
@@ -3638,7 +3638,7 @@
           <a:p>
             <a:fld id="{2E7BD062-3872-2745-B58F-7FE843EEF26B}" type="datetimeFigureOut">
               <a:rPr lang="en-US" smtClean="0"/>
-              <a:t>6/27/21</a:t>
+              <a:t>6/28/21</a:t>
             </a:fld>
             <a:endParaRPr lang="en-US"/>
           </a:p>
@@ -3779,7 +3779,7 @@
           <a:p>
             <a:fld id="{2E7BD062-3872-2745-B58F-7FE843EEF26B}" type="datetimeFigureOut">
               <a:rPr lang="en-US" smtClean="0"/>
-              <a:t>6/27/21</a:t>
+              <a:t>6/28/21</a:t>
             </a:fld>
             <a:endParaRPr lang="en-US"/>
           </a:p>
@@ -3892,7 +3892,7 @@
           <a:p>
             <a:fld id="{2E7BD062-3872-2745-B58F-7FE843EEF26B}" type="datetimeFigureOut">
               <a:rPr lang="en-US" smtClean="0"/>
-              <a:t>6/27/21</a:t>
+              <a:t>6/28/21</a:t>
             </a:fld>
             <a:endParaRPr lang="en-US"/>
           </a:p>
@@ -4203,7 +4203,7 @@
           <a:p>
             <a:fld id="{2E7BD062-3872-2745-B58F-7FE843EEF26B}" type="datetimeFigureOut">
               <a:rPr lang="en-US" smtClean="0"/>
-              <a:t>6/27/21</a:t>
+              <a:t>6/28/21</a:t>
             </a:fld>
             <a:endParaRPr lang="en-US"/>
           </a:p>
@@ -4491,7 +4491,7 @@
           <a:p>
             <a:fld id="{2E7BD062-3872-2745-B58F-7FE843EEF26B}" type="datetimeFigureOut">
               <a:rPr lang="en-US" smtClean="0"/>
-              <a:t>6/27/21</a:t>
+              <a:t>6/28/21</a:t>
             </a:fld>
             <a:endParaRPr lang="en-US"/>
           </a:p>
@@ -4732,7 +4732,7 @@
           <a:p>
             <a:fld id="{2E7BD062-3872-2745-B58F-7FE843EEF26B}" type="datetimeFigureOut">
               <a:rPr lang="en-US" smtClean="0"/>
-              <a:t>6/27/21</a:t>
+              <a:t>6/28/21</a:t>
             </a:fld>
             <a:endParaRPr lang="en-US"/>
           </a:p>
@@ -14623,10 +14623,10 @@
       </p:grpSpPr>
       <p:grpSp>
         <p:nvGrpSpPr>
-          <p:cNvPr id="5" name="Group 4">
-            <a:extLst>
-              <a:ext uri="{FF2B5EF4-FFF2-40B4-BE49-F238E27FC236}">
-                <a16:creationId xmlns:a16="http://schemas.microsoft.com/office/drawing/2014/main" id="{1D0EA75C-D031-9A40-BD13-5BD3B7AF097D}"/>
+          <p:cNvPr id="8" name="Group 7">
+            <a:extLst>
+              <a:ext uri="{FF2B5EF4-FFF2-40B4-BE49-F238E27FC236}">
+                <a16:creationId xmlns:a16="http://schemas.microsoft.com/office/drawing/2014/main" id="{4062A766-6C03-C04C-8428-847ABD524232}"/>
               </a:ext>
             </a:extLst>
           </p:cNvPr>
@@ -14635,18 +14635,18 @@
         </p:nvGrpSpPr>
         <p:grpSpPr>
           <a:xfrm>
-            <a:off x="1035802" y="402389"/>
-            <a:ext cx="9766515" cy="6053222"/>
-            <a:chOff x="1035802" y="402389"/>
-            <a:chExt cx="9766515" cy="6053222"/>
+            <a:off x="995333" y="569838"/>
+            <a:ext cx="9317266" cy="5718323"/>
+            <a:chOff x="995333" y="569838"/>
+            <a:chExt cx="9317266" cy="5718323"/>
           </a:xfrm>
         </p:grpSpPr>
         <p:pic>
           <p:nvPicPr>
-            <p:cNvPr id="4" name="Picture 3">
+            <p:cNvPr id="6" name="Picture 5">
               <a:extLst>
                 <a:ext uri="{FF2B5EF4-FFF2-40B4-BE49-F238E27FC236}">
-                  <a16:creationId xmlns:a16="http://schemas.microsoft.com/office/drawing/2014/main" id="{43736F6B-4C10-AB4A-BF5D-3BC5118E69F2}"/>
+                  <a16:creationId xmlns:a16="http://schemas.microsoft.com/office/drawing/2014/main" id="{F66C20F9-23BB-B946-9DD0-67653DE8359A}"/>
                 </a:ext>
               </a:extLst>
             </p:cNvPr>
@@ -14657,13 +14657,13 @@
           </p:nvPicPr>
           <p:blipFill rotWithShape="1">
             <a:blip r:embed="rId3"/>
-            <a:srcRect t="6427" r="5807" b="6003"/>
+            <a:srcRect t="7086" r="6769" b="7086"/>
             <a:stretch/>
           </p:blipFill>
           <p:spPr>
             <a:xfrm>
-              <a:off x="1035802" y="402389"/>
-              <a:ext cx="9766515" cy="6053222"/>
+              <a:off x="995333" y="569838"/>
+              <a:ext cx="9317266" cy="5718323"/>
             </a:xfrm>
             <a:prstGeom prst="rect">
               <a:avLst/>
@@ -14692,7 +14692,7 @@
           </p:blipFill>
           <p:spPr>
             <a:xfrm>
-              <a:off x="4049213" y="3624325"/>
+              <a:off x="3854343" y="3609335"/>
               <a:ext cx="1604753" cy="1001276"/>
             </a:xfrm>
             <a:prstGeom prst="rect">
@@ -14722,7 +14722,7 @@
           </p:blipFill>
           <p:spPr>
             <a:xfrm>
-              <a:off x="5293623" y="2232399"/>
+              <a:off x="4873903" y="2232399"/>
               <a:ext cx="1604754" cy="1001276"/>
             </a:xfrm>
             <a:prstGeom prst="rect">
@@ -14752,7 +14752,7 @@
           </p:blipFill>
           <p:spPr>
             <a:xfrm>
-              <a:off x="7115353" y="864585"/>
+              <a:off x="6590700" y="984505"/>
               <a:ext cx="1604754" cy="1001277"/>
             </a:xfrm>
             <a:prstGeom prst="rect">
@@ -14782,7 +14782,7 @@
           </p:blipFill>
           <p:spPr>
             <a:xfrm>
-              <a:off x="2444457" y="4326441"/>
+              <a:off x="2437683" y="4416383"/>
               <a:ext cx="1604756" cy="1001276"/>
             </a:xfrm>
             <a:prstGeom prst="rect">
@@ -14805,7 +14805,7 @@
         </p:nvSpPr>
         <p:spPr>
           <a:xfrm>
-            <a:off x="2301577" y="5383348"/>
+            <a:off x="2196645" y="5323361"/>
             <a:ext cx="683200" cy="400110"/>
           </a:xfrm>
           <a:prstGeom prst="rect">
@@ -14846,7 +14846,7 @@
         </p:nvSpPr>
         <p:spPr>
           <a:xfrm>
-            <a:off x="4717560" y="4869943"/>
+            <a:off x="4536799" y="4812763"/>
             <a:ext cx="683200" cy="400110"/>
           </a:xfrm>
           <a:prstGeom prst="rect">
@@ -14887,7 +14887,7 @@
         </p:nvSpPr>
         <p:spPr>
           <a:xfrm>
-            <a:off x="7158217" y="2332926"/>
+            <a:off x="6889757" y="2373540"/>
             <a:ext cx="683200" cy="400110"/>
           </a:xfrm>
           <a:prstGeom prst="rect">
@@ -14928,7 +14928,7 @@
         </p:nvSpPr>
         <p:spPr>
           <a:xfrm>
-            <a:off x="9653768" y="1165168"/>
+            <a:off x="9222214" y="1270098"/>
             <a:ext cx="683200" cy="400110"/>
           </a:xfrm>
           <a:prstGeom prst="rect">

--- a/EnergyFile.pptx
+++ b/EnergyFile.pptx
@@ -226,7 +226,7 @@
           <a:p>
             <a:fld id="{E0D357E1-BBCA-7E4B-882A-08C6CB0DA45B}" type="datetimeFigureOut">
               <a:rPr lang="en-US" smtClean="0"/>
-              <a:t>7/8/21</a:t>
+              <a:t>7/20/21</a:t>
             </a:fld>
             <a:endParaRPr lang="en-US"/>
           </a:p>
@@ -1401,7 +1401,45 @@
           <a:bodyPr/>
           <a:lstStyle/>
           <a:p>
-            <a:endParaRPr lang="en-US" dirty="0"/>
+            <a:r>
+              <a:rPr lang="en-US" dirty="0"/>
+              <a:t>DHAL*2 – bromine2_surface – </a:t>
+            </a:r>
+            <a:r>
+              <a:rPr lang="en-US" dirty="0" err="1"/>
+              <a:t>pure_surface</a:t>
+            </a:r>
+            <a:r>
+              <a:rPr lang="en-US" dirty="0"/>
+              <a:t>(unrelaxed from DHAL)</a:t>
+            </a:r>
+            <a:br>
+              <a:rPr lang="en-US" dirty="0"/>
+            </a:br>
+            <a:r>
+              <a:rPr lang="en-US" dirty="0" err="1"/>
+              <a:t>CMC_state</a:t>
+            </a:r>
+            <a:r>
+              <a:rPr lang="en-US" dirty="0"/>
+              <a:t>(relaxed) – </a:t>
+            </a:r>
+            <a:r>
+              <a:rPr lang="en-US" dirty="0" err="1"/>
+              <a:t>CMC_surfaceonly</a:t>
+            </a:r>
+            <a:r>
+              <a:rPr lang="en-US" dirty="0"/>
+              <a:t>(</a:t>
+            </a:r>
+            <a:r>
+              <a:rPr lang="en-US" dirty="0" err="1"/>
+              <a:t>single_point</a:t>
+            </a:r>
+            <a:r>
+              <a:rPr lang="en-US" dirty="0"/>
+              <a:t>) = $delta$ (zero-reference)</a:t>
+            </a:r>
           </a:p>
         </p:txBody>
       </p:sp>
@@ -2261,7 +2299,7 @@
           <a:p>
             <a:fld id="{2E7BD062-3872-2745-B58F-7FE843EEF26B}" type="datetimeFigureOut">
               <a:rPr lang="en-US" smtClean="0"/>
-              <a:t>7/8/21</a:t>
+              <a:t>7/20/21</a:t>
             </a:fld>
             <a:endParaRPr lang="en-US"/>
           </a:p>
@@ -2459,7 +2497,7 @@
           <a:p>
             <a:fld id="{2E7BD062-3872-2745-B58F-7FE843EEF26B}" type="datetimeFigureOut">
               <a:rPr lang="en-US" smtClean="0"/>
-              <a:t>7/8/21</a:t>
+              <a:t>7/20/21</a:t>
             </a:fld>
             <a:endParaRPr lang="en-US"/>
           </a:p>
@@ -2667,7 +2705,7 @@
           <a:p>
             <a:fld id="{2E7BD062-3872-2745-B58F-7FE843EEF26B}" type="datetimeFigureOut">
               <a:rPr lang="en-US" smtClean="0"/>
-              <a:t>7/8/21</a:t>
+              <a:t>7/20/21</a:t>
             </a:fld>
             <a:endParaRPr lang="en-US"/>
           </a:p>
@@ -2865,7 +2903,7 @@
           <a:p>
             <a:fld id="{2E7BD062-3872-2745-B58F-7FE843EEF26B}" type="datetimeFigureOut">
               <a:rPr lang="en-US" smtClean="0"/>
-              <a:t>7/8/21</a:t>
+              <a:t>7/20/21</a:t>
             </a:fld>
             <a:endParaRPr lang="en-US"/>
           </a:p>
@@ -3140,7 +3178,7 @@
           <a:p>
             <a:fld id="{2E7BD062-3872-2745-B58F-7FE843EEF26B}" type="datetimeFigureOut">
               <a:rPr lang="en-US" smtClean="0"/>
-              <a:t>7/8/21</a:t>
+              <a:t>7/20/21</a:t>
             </a:fld>
             <a:endParaRPr lang="en-US"/>
           </a:p>
@@ -3405,7 +3443,7 @@
           <a:p>
             <a:fld id="{2E7BD062-3872-2745-B58F-7FE843EEF26B}" type="datetimeFigureOut">
               <a:rPr lang="en-US" smtClean="0"/>
-              <a:t>7/8/21</a:t>
+              <a:t>7/20/21</a:t>
             </a:fld>
             <a:endParaRPr lang="en-US"/>
           </a:p>
@@ -3817,7 +3855,7 @@
           <a:p>
             <a:fld id="{2E7BD062-3872-2745-B58F-7FE843EEF26B}" type="datetimeFigureOut">
               <a:rPr lang="en-US" smtClean="0"/>
-              <a:t>7/8/21</a:t>
+              <a:t>7/20/21</a:t>
             </a:fld>
             <a:endParaRPr lang="en-US"/>
           </a:p>
@@ -3958,7 +3996,7 @@
           <a:p>
             <a:fld id="{2E7BD062-3872-2745-B58F-7FE843EEF26B}" type="datetimeFigureOut">
               <a:rPr lang="en-US" smtClean="0"/>
-              <a:t>7/8/21</a:t>
+              <a:t>7/20/21</a:t>
             </a:fld>
             <a:endParaRPr lang="en-US"/>
           </a:p>
@@ -4071,7 +4109,7 @@
           <a:p>
             <a:fld id="{2E7BD062-3872-2745-B58F-7FE843EEF26B}" type="datetimeFigureOut">
               <a:rPr lang="en-US" smtClean="0"/>
-              <a:t>7/8/21</a:t>
+              <a:t>7/20/21</a:t>
             </a:fld>
             <a:endParaRPr lang="en-US"/>
           </a:p>
@@ -4382,7 +4420,7 @@
           <a:p>
             <a:fld id="{2E7BD062-3872-2745-B58F-7FE843EEF26B}" type="datetimeFigureOut">
               <a:rPr lang="en-US" smtClean="0"/>
-              <a:t>7/8/21</a:t>
+              <a:t>7/20/21</a:t>
             </a:fld>
             <a:endParaRPr lang="en-US"/>
           </a:p>
@@ -4670,7 +4708,7 @@
           <a:p>
             <a:fld id="{2E7BD062-3872-2745-B58F-7FE843EEF26B}" type="datetimeFigureOut">
               <a:rPr lang="en-US" smtClean="0"/>
-              <a:t>7/8/21</a:t>
+              <a:t>7/20/21</a:t>
             </a:fld>
             <a:endParaRPr lang="en-US"/>
           </a:p>
@@ -4911,7 +4949,7 @@
           <a:p>
             <a:fld id="{2E7BD062-3872-2745-B58F-7FE843EEF26B}" type="datetimeFigureOut">
               <a:rPr lang="en-US" smtClean="0"/>
-              <a:t>7/8/21</a:t>
+              <a:t>7/20/21</a:t>
             </a:fld>
             <a:endParaRPr lang="en-US"/>
           </a:p>
@@ -17226,155 +17264,146 @@
           <a:chExt cx="0" cy="0"/>
         </a:xfrm>
       </p:grpSpPr>
-      <p:pic>
-        <p:nvPicPr>
-          <p:cNvPr id="4" name="Picture 3">
-            <a:extLst>
-              <a:ext uri="{FF2B5EF4-FFF2-40B4-BE49-F238E27FC236}">
-                <a16:creationId xmlns:a16="http://schemas.microsoft.com/office/drawing/2014/main" id="{A7473F96-1933-BC4A-A7CF-AB876E33C74A}"/>
-              </a:ext>
-            </a:extLst>
-          </p:cNvPr>
-          <p:cNvPicPr>
-            <a:picLocks noChangeAspect="1"/>
-          </p:cNvPicPr>
-          <p:nvPr/>
-        </p:nvPicPr>
-        <p:blipFill rotWithShape="1">
-          <a:blip r:embed="rId3"/>
-          <a:srcRect t="6779" r="6563" b="6782"/>
-          <a:stretch/>
-        </p:blipFill>
-        <p:spPr>
-          <a:xfrm>
-            <a:off x="865322" y="283525"/>
-            <a:ext cx="10200468" cy="6290950"/>
-          </a:xfrm>
-          <a:prstGeom prst="rect">
-            <a:avLst/>
-          </a:prstGeom>
-        </p:spPr>
-      </p:pic>
-      <p:pic>
-        <p:nvPicPr>
-          <p:cNvPr id="13" name="Picture 12">
-            <a:extLst>
-              <a:ext uri="{FF2B5EF4-FFF2-40B4-BE49-F238E27FC236}">
-                <a16:creationId xmlns:a16="http://schemas.microsoft.com/office/drawing/2014/main" id="{7A5083F1-851B-654F-92B6-FA5320C5CB31}"/>
-              </a:ext>
-            </a:extLst>
-          </p:cNvPr>
-          <p:cNvPicPr>
-            <a:picLocks noChangeAspect="1"/>
-          </p:cNvPicPr>
-          <p:nvPr/>
-        </p:nvPicPr>
-        <p:blipFill>
-          <a:blip r:embed="rId4"/>
-          <a:stretch>
-            <a:fillRect/>
-          </a:stretch>
-        </p:blipFill>
-        <p:spPr>
-          <a:xfrm>
-            <a:off x="4071526" y="3353596"/>
-            <a:ext cx="1604753" cy="1001276"/>
-          </a:xfrm>
-          <a:prstGeom prst="rect">
-            <a:avLst/>
-          </a:prstGeom>
-        </p:spPr>
-      </p:pic>
-      <p:pic>
-        <p:nvPicPr>
-          <p:cNvPr id="18" name="Picture 17">
-            <a:extLst>
-              <a:ext uri="{FF2B5EF4-FFF2-40B4-BE49-F238E27FC236}">
-                <a16:creationId xmlns:a16="http://schemas.microsoft.com/office/drawing/2014/main" id="{9D8CBCDC-2928-E64F-A6FC-CEBA4F89C9B0}"/>
-              </a:ext>
-            </a:extLst>
-          </p:cNvPr>
-          <p:cNvPicPr>
-            <a:picLocks noChangeAspect="1"/>
-          </p:cNvPicPr>
-          <p:nvPr/>
-        </p:nvPicPr>
-        <p:blipFill>
-          <a:blip r:embed="rId5"/>
-          <a:stretch>
-            <a:fillRect/>
-          </a:stretch>
-        </p:blipFill>
-        <p:spPr>
-          <a:xfrm>
-            <a:off x="5601301" y="1925328"/>
-            <a:ext cx="1604754" cy="1001276"/>
-          </a:xfrm>
-          <a:prstGeom prst="rect">
-            <a:avLst/>
-          </a:prstGeom>
-        </p:spPr>
-      </p:pic>
-      <p:pic>
-        <p:nvPicPr>
-          <p:cNvPr id="19" name="Picture 18">
-            <a:extLst>
-              <a:ext uri="{FF2B5EF4-FFF2-40B4-BE49-F238E27FC236}">
-                <a16:creationId xmlns:a16="http://schemas.microsoft.com/office/drawing/2014/main" id="{4F855A43-84F6-1F46-A0FA-64B17388987D}"/>
-              </a:ext>
-            </a:extLst>
-          </p:cNvPr>
-          <p:cNvPicPr>
-            <a:picLocks noChangeAspect="1"/>
-          </p:cNvPicPr>
-          <p:nvPr/>
-        </p:nvPicPr>
-        <p:blipFill>
-          <a:blip r:embed="rId6"/>
-          <a:stretch>
-            <a:fillRect/>
-          </a:stretch>
-        </p:blipFill>
-        <p:spPr>
-          <a:xfrm>
-            <a:off x="7288125" y="778961"/>
-            <a:ext cx="1604754" cy="1001277"/>
-          </a:xfrm>
-          <a:prstGeom prst="rect">
-            <a:avLst/>
-          </a:prstGeom>
-        </p:spPr>
-      </p:pic>
-      <p:pic>
-        <p:nvPicPr>
-          <p:cNvPr id="9" name="Picture 8">
-            <a:extLst>
-              <a:ext uri="{FF2B5EF4-FFF2-40B4-BE49-F238E27FC236}">
-                <a16:creationId xmlns:a16="http://schemas.microsoft.com/office/drawing/2014/main" id="{9C3893DB-F59F-F14E-B61C-F901DF058DB7}"/>
-              </a:ext>
-            </a:extLst>
-          </p:cNvPr>
-          <p:cNvPicPr>
-            <a:picLocks noChangeAspect="1"/>
-          </p:cNvPicPr>
-          <p:nvPr/>
-        </p:nvPicPr>
-        <p:blipFill>
-          <a:blip r:embed="rId7"/>
-          <a:stretch>
-            <a:fillRect/>
-          </a:stretch>
-        </p:blipFill>
-        <p:spPr>
-          <a:xfrm>
-            <a:off x="2296081" y="3575409"/>
-            <a:ext cx="1604756" cy="1001276"/>
-          </a:xfrm>
-          <a:prstGeom prst="rect">
-            <a:avLst/>
-          </a:prstGeom>
-        </p:spPr>
-      </p:pic>
+      <p:grpSp>
+        <p:nvGrpSpPr>
+          <p:cNvPr id="5" name="Group 4">
+            <a:extLst>
+              <a:ext uri="{FF2B5EF4-FFF2-40B4-BE49-F238E27FC236}">
+                <a16:creationId xmlns:a16="http://schemas.microsoft.com/office/drawing/2014/main" id="{A0170948-E721-8F48-BF30-9076083D29FD}"/>
+              </a:ext>
+            </a:extLst>
+          </p:cNvPr>
+          <p:cNvGrpSpPr/>
+          <p:nvPr/>
+        </p:nvGrpSpPr>
+        <p:grpSpPr>
+          <a:xfrm>
+            <a:off x="1248612" y="284932"/>
+            <a:ext cx="9694776" cy="6137328"/>
+            <a:chOff x="1248612" y="284932"/>
+            <a:chExt cx="9694776" cy="6137328"/>
+          </a:xfrm>
+        </p:grpSpPr>
+        <p:pic>
+          <p:nvPicPr>
+            <p:cNvPr id="3" name="Picture 2">
+              <a:extLst>
+                <a:ext uri="{FF2B5EF4-FFF2-40B4-BE49-F238E27FC236}">
+                  <a16:creationId xmlns:a16="http://schemas.microsoft.com/office/drawing/2014/main" id="{C834BC77-2853-3347-9631-5C76F1EE2B65}"/>
+                </a:ext>
+              </a:extLst>
+            </p:cNvPr>
+            <p:cNvPicPr>
+              <a:picLocks noChangeAspect="1"/>
+            </p:cNvPicPr>
+            <p:nvPr/>
+          </p:nvPicPr>
+          <p:blipFill rotWithShape="1">
+            <a:blip r:embed="rId3"/>
+            <a:srcRect t="5014" r="5995" b="5721"/>
+            <a:stretch/>
+          </p:blipFill>
+          <p:spPr>
+            <a:xfrm>
+              <a:off x="1248612" y="284932"/>
+              <a:ext cx="9694776" cy="6137328"/>
+            </a:xfrm>
+            <a:prstGeom prst="rect">
+              <a:avLst/>
+            </a:prstGeom>
+          </p:spPr>
+        </p:pic>
+        <p:pic>
+          <p:nvPicPr>
+            <p:cNvPr id="13" name="Picture 12">
+              <a:extLst>
+                <a:ext uri="{FF2B5EF4-FFF2-40B4-BE49-F238E27FC236}">
+                  <a16:creationId xmlns:a16="http://schemas.microsoft.com/office/drawing/2014/main" id="{7A5083F1-851B-654F-92B6-FA5320C5CB31}"/>
+                </a:ext>
+              </a:extLst>
+            </p:cNvPr>
+            <p:cNvPicPr>
+              <a:picLocks noChangeAspect="1"/>
+            </p:cNvPicPr>
+            <p:nvPr/>
+          </p:nvPicPr>
+          <p:blipFill>
+            <a:blip r:embed="rId4"/>
+            <a:stretch>
+              <a:fillRect/>
+            </a:stretch>
+          </p:blipFill>
+          <p:spPr>
+            <a:xfrm>
+              <a:off x="2645682" y="3214111"/>
+              <a:ext cx="1604753" cy="1001276"/>
+            </a:xfrm>
+            <a:prstGeom prst="rect">
+              <a:avLst/>
+            </a:prstGeom>
+          </p:spPr>
+        </p:pic>
+        <p:pic>
+          <p:nvPicPr>
+            <p:cNvPr id="18" name="Picture 17">
+              <a:extLst>
+                <a:ext uri="{FF2B5EF4-FFF2-40B4-BE49-F238E27FC236}">
+                  <a16:creationId xmlns:a16="http://schemas.microsoft.com/office/drawing/2014/main" id="{9D8CBCDC-2928-E64F-A6FC-CEBA4F89C9B0}"/>
+                </a:ext>
+              </a:extLst>
+            </p:cNvPr>
+            <p:cNvPicPr>
+              <a:picLocks noChangeAspect="1"/>
+            </p:cNvPicPr>
+            <p:nvPr/>
+          </p:nvPicPr>
+          <p:blipFill>
+            <a:blip r:embed="rId5"/>
+            <a:stretch>
+              <a:fillRect/>
+            </a:stretch>
+          </p:blipFill>
+          <p:spPr>
+            <a:xfrm>
+              <a:off x="5477315" y="1834963"/>
+              <a:ext cx="1604754" cy="1001276"/>
+            </a:xfrm>
+            <a:prstGeom prst="rect">
+              <a:avLst/>
+            </a:prstGeom>
+          </p:spPr>
+        </p:pic>
+        <p:pic>
+          <p:nvPicPr>
+            <p:cNvPr id="19" name="Picture 18">
+              <a:extLst>
+                <a:ext uri="{FF2B5EF4-FFF2-40B4-BE49-F238E27FC236}">
+                  <a16:creationId xmlns:a16="http://schemas.microsoft.com/office/drawing/2014/main" id="{4F855A43-84F6-1F46-A0FA-64B17388987D}"/>
+                </a:ext>
+              </a:extLst>
+            </p:cNvPr>
+            <p:cNvPicPr>
+              <a:picLocks noChangeAspect="1"/>
+            </p:cNvPicPr>
+            <p:nvPr/>
+          </p:nvPicPr>
+          <p:blipFill>
+            <a:blip r:embed="rId6"/>
+            <a:stretch>
+              <a:fillRect/>
+            </a:stretch>
+          </p:blipFill>
+          <p:spPr>
+            <a:xfrm>
+              <a:off x="8651975" y="864682"/>
+              <a:ext cx="1604754" cy="1001277"/>
+            </a:xfrm>
+            <a:prstGeom prst="rect">
+              <a:avLst/>
+            </a:prstGeom>
+          </p:spPr>
+        </p:pic>
+      </p:grpSp>
     </p:spTree>
     <p:extLst>
       <p:ext uri="{BB962C8B-B14F-4D97-AF65-F5344CB8AC3E}">

--- a/EnergyFile.pptx
+++ b/EnergyFile.pptx
@@ -227,7 +227,7 @@
           <a:p>
             <a:fld id="{E0D357E1-BBCA-7E4B-882A-08C6CB0DA45B}" type="datetimeFigureOut">
               <a:rPr lang="en-US" smtClean="0"/>
-              <a:t>7/23/21</a:t>
+              <a:t>7/27/21</a:t>
             </a:fld>
             <a:endParaRPr lang="en-US"/>
           </a:p>
@@ -2300,7 +2300,7 @@
           <a:p>
             <a:fld id="{2E7BD062-3872-2745-B58F-7FE843EEF26B}" type="datetimeFigureOut">
               <a:rPr lang="en-US" smtClean="0"/>
-              <a:t>7/23/21</a:t>
+              <a:t>7/27/21</a:t>
             </a:fld>
             <a:endParaRPr lang="en-US"/>
           </a:p>
@@ -2498,7 +2498,7 @@
           <a:p>
             <a:fld id="{2E7BD062-3872-2745-B58F-7FE843EEF26B}" type="datetimeFigureOut">
               <a:rPr lang="en-US" smtClean="0"/>
-              <a:t>7/23/21</a:t>
+              <a:t>7/27/21</a:t>
             </a:fld>
             <a:endParaRPr lang="en-US"/>
           </a:p>
@@ -2706,7 +2706,7 @@
           <a:p>
             <a:fld id="{2E7BD062-3872-2745-B58F-7FE843EEF26B}" type="datetimeFigureOut">
               <a:rPr lang="en-US" smtClean="0"/>
-              <a:t>7/23/21</a:t>
+              <a:t>7/27/21</a:t>
             </a:fld>
             <a:endParaRPr lang="en-US"/>
           </a:p>
@@ -2904,7 +2904,7 @@
           <a:p>
             <a:fld id="{2E7BD062-3872-2745-B58F-7FE843EEF26B}" type="datetimeFigureOut">
               <a:rPr lang="en-US" smtClean="0"/>
-              <a:t>7/23/21</a:t>
+              <a:t>7/27/21</a:t>
             </a:fld>
             <a:endParaRPr lang="en-US"/>
           </a:p>
@@ -3179,7 +3179,7 @@
           <a:p>
             <a:fld id="{2E7BD062-3872-2745-B58F-7FE843EEF26B}" type="datetimeFigureOut">
               <a:rPr lang="en-US" smtClean="0"/>
-              <a:t>7/23/21</a:t>
+              <a:t>7/27/21</a:t>
             </a:fld>
             <a:endParaRPr lang="en-US"/>
           </a:p>
@@ -3444,7 +3444,7 @@
           <a:p>
             <a:fld id="{2E7BD062-3872-2745-B58F-7FE843EEF26B}" type="datetimeFigureOut">
               <a:rPr lang="en-US" smtClean="0"/>
-              <a:t>7/23/21</a:t>
+              <a:t>7/27/21</a:t>
             </a:fld>
             <a:endParaRPr lang="en-US"/>
           </a:p>
@@ -3856,7 +3856,7 @@
           <a:p>
             <a:fld id="{2E7BD062-3872-2745-B58F-7FE843EEF26B}" type="datetimeFigureOut">
               <a:rPr lang="en-US" smtClean="0"/>
-              <a:t>7/23/21</a:t>
+              <a:t>7/27/21</a:t>
             </a:fld>
             <a:endParaRPr lang="en-US"/>
           </a:p>
@@ -3997,7 +3997,7 @@
           <a:p>
             <a:fld id="{2E7BD062-3872-2745-B58F-7FE843EEF26B}" type="datetimeFigureOut">
               <a:rPr lang="en-US" smtClean="0"/>
-              <a:t>7/23/21</a:t>
+              <a:t>7/27/21</a:t>
             </a:fld>
             <a:endParaRPr lang="en-US"/>
           </a:p>
@@ -4110,7 +4110,7 @@
           <a:p>
             <a:fld id="{2E7BD062-3872-2745-B58F-7FE843EEF26B}" type="datetimeFigureOut">
               <a:rPr lang="en-US" smtClean="0"/>
-              <a:t>7/23/21</a:t>
+              <a:t>7/27/21</a:t>
             </a:fld>
             <a:endParaRPr lang="en-US"/>
           </a:p>
@@ -4421,7 +4421,7 @@
           <a:p>
             <a:fld id="{2E7BD062-3872-2745-B58F-7FE843EEF26B}" type="datetimeFigureOut">
               <a:rPr lang="en-US" smtClean="0"/>
-              <a:t>7/23/21</a:t>
+              <a:t>7/27/21</a:t>
             </a:fld>
             <a:endParaRPr lang="en-US"/>
           </a:p>
@@ -4709,7 +4709,7 @@
           <a:p>
             <a:fld id="{2E7BD062-3872-2745-B58F-7FE843EEF26B}" type="datetimeFigureOut">
               <a:rPr lang="en-US" smtClean="0"/>
-              <a:t>7/23/21</a:t>
+              <a:t>7/27/21</a:t>
             </a:fld>
             <a:endParaRPr lang="en-US"/>
           </a:p>
@@ -4950,7 +4950,7 @@
           <a:p>
             <a:fld id="{2E7BD062-3872-2745-B58F-7FE843EEF26B}" type="datetimeFigureOut">
               <a:rPr lang="en-US" smtClean="0"/>
-              <a:t>7/23/21</a:t>
+              <a:t>7/27/21</a:t>
             </a:fld>
             <a:endParaRPr lang="en-US"/>
           </a:p>
@@ -18927,12 +18927,121 @@
           <a:chExt cx="0" cy="0"/>
         </a:xfrm>
       </p:grpSpPr>
+      <p:sp>
+        <p:nvSpPr>
+          <p:cNvPr id="7" name="TextBox 6">
+            <a:extLst>
+              <a:ext uri="{FF2B5EF4-FFF2-40B4-BE49-F238E27FC236}">
+                <a16:creationId xmlns:a16="http://schemas.microsoft.com/office/drawing/2014/main" id="{C0730BF5-4D07-BE42-96C5-B4CB03C441BC}"/>
+              </a:ext>
+            </a:extLst>
+          </p:cNvPr>
+          <p:cNvSpPr txBox="1"/>
+          <p:nvPr/>
+        </p:nvSpPr>
+        <p:spPr>
+          <a:xfrm>
+            <a:off x="1628675" y="4139172"/>
+            <a:ext cx="2283758" cy="369332"/>
+          </a:xfrm>
+          <a:prstGeom prst="rect">
+            <a:avLst/>
+          </a:prstGeom>
+          <a:noFill/>
+        </p:spPr>
+        <p:txBody>
+          <a:bodyPr wrap="square" rtlCol="0">
+            <a:spAutoFit/>
+          </a:bodyPr>
+          <a:lstStyle/>
+          <a:p>
+            <a:r>
+              <a:rPr lang="en-US" dirty="0"/>
+              <a:t>Ag(111).   [eV]</a:t>
+            </a:r>
+          </a:p>
+        </p:txBody>
+      </p:sp>
+      <p:sp>
+        <p:nvSpPr>
+          <p:cNvPr id="8" name="TextBox 7">
+            <a:extLst>
+              <a:ext uri="{FF2B5EF4-FFF2-40B4-BE49-F238E27FC236}">
+                <a16:creationId xmlns:a16="http://schemas.microsoft.com/office/drawing/2014/main" id="{7BE086CC-7F49-3E48-BCBD-BDBD8799894B}"/>
+              </a:ext>
+            </a:extLst>
+          </p:cNvPr>
+          <p:cNvSpPr txBox="1"/>
+          <p:nvPr/>
+        </p:nvSpPr>
+        <p:spPr>
+          <a:xfrm>
+            <a:off x="1628675" y="851754"/>
+            <a:ext cx="2283758" cy="369332"/>
+          </a:xfrm>
+          <a:prstGeom prst="rect">
+            <a:avLst/>
+          </a:prstGeom>
+          <a:noFill/>
+        </p:spPr>
+        <p:txBody>
+          <a:bodyPr wrap="square" rtlCol="0">
+            <a:spAutoFit/>
+          </a:bodyPr>
+          <a:lstStyle/>
+          <a:p>
+            <a:r>
+              <a:rPr lang="en-US" dirty="0"/>
+              <a:t>Cu(111).   [eV]</a:t>
+            </a:r>
+          </a:p>
+        </p:txBody>
+      </p:sp>
+      <p:sp>
+        <p:nvSpPr>
+          <p:cNvPr id="10" name="TextBox 9">
+            <a:extLst>
+              <a:ext uri="{FF2B5EF4-FFF2-40B4-BE49-F238E27FC236}">
+                <a16:creationId xmlns:a16="http://schemas.microsoft.com/office/drawing/2014/main" id="{82752EB9-5B55-EB41-9332-3F2E4E547599}"/>
+              </a:ext>
+            </a:extLst>
+          </p:cNvPr>
+          <p:cNvSpPr txBox="1"/>
+          <p:nvPr/>
+        </p:nvSpPr>
+        <p:spPr>
+          <a:xfrm>
+            <a:off x="8221977" y="2787559"/>
+            <a:ext cx="2283758" cy="369332"/>
+          </a:xfrm>
+          <a:prstGeom prst="rect">
+            <a:avLst/>
+          </a:prstGeom>
+          <a:noFill/>
+        </p:spPr>
+        <p:txBody>
+          <a:bodyPr wrap="square" rtlCol="0">
+            <a:spAutoFit/>
+          </a:bodyPr>
+          <a:lstStyle/>
+          <a:p>
+            <a:r>
+              <a:rPr lang="en-US"/>
+              <a:t>Au</a:t>
+            </a:r>
+            <a:r>
+              <a:rPr lang="en-US" dirty="0"/>
+              <a:t>(111).   [eV]</a:t>
+            </a:r>
+          </a:p>
+        </p:txBody>
+      </p:sp>
       <p:graphicFrame>
         <p:nvGraphicFramePr>
-          <p:cNvPr id="4" name="Table 3">
-            <a:extLst>
-              <a:ext uri="{FF2B5EF4-FFF2-40B4-BE49-F238E27FC236}">
-                <a16:creationId xmlns:a16="http://schemas.microsoft.com/office/drawing/2014/main" id="{36EF2CF6-5704-794E-9E7E-3791705B8E3E}"/>
+          <p:cNvPr id="2" name="Table 1">
+            <a:extLst>
+              <a:ext uri="{FF2B5EF4-FFF2-40B4-BE49-F238E27FC236}">
+                <a16:creationId xmlns:a16="http://schemas.microsoft.com/office/drawing/2014/main" id="{0EEC060B-4D12-A847-893A-4C8EAC41ECC2}"/>
               </a:ext>
             </a:extLst>
           </p:cNvPr>
@@ -18942,13 +19051,13 @@
           <p:nvPr>
             <p:extLst>
               <p:ext uri="{D42A27DB-BD31-4B8C-83A1-F6EECF244321}">
-                <p14:modId xmlns:p14="http://schemas.microsoft.com/office/powerpoint/2010/main" val="1303771723"/>
+                <p14:modId xmlns:p14="http://schemas.microsoft.com/office/powerpoint/2010/main" val="1975449255"/>
               </p:ext>
             </p:extLst>
           </p:nvPr>
         </p:nvGraphicFramePr>
         <p:xfrm>
-          <a:off x="1332918" y="1328091"/>
+          <a:off x="1215190" y="1527561"/>
           <a:ext cx="3505199" cy="1828800"/>
         </p:xfrm>
         <a:graphic>
@@ -18961,28 +19070,28 @@
                 <a:gridCol w="826429">
                   <a:extLst>
                     <a:ext uri="{9D8B030D-6E8A-4147-A177-3AD203B41FA5}">
-                      <a16:colId xmlns:a16="http://schemas.microsoft.com/office/drawing/2014/main" val="953464774"/>
+                      <a16:colId xmlns:a16="http://schemas.microsoft.com/office/drawing/2014/main" val="3492551662"/>
                     </a:ext>
                   </a:extLst>
                 </a:gridCol>
                 <a:gridCol w="1025912">
                   <a:extLst>
                     <a:ext uri="{9D8B030D-6E8A-4147-A177-3AD203B41FA5}">
-                      <a16:colId xmlns:a16="http://schemas.microsoft.com/office/drawing/2014/main" val="3392381361"/>
+                      <a16:colId xmlns:a16="http://schemas.microsoft.com/office/drawing/2014/main" val="309157784"/>
                     </a:ext>
                   </a:extLst>
                 </a:gridCol>
                 <a:gridCol w="826429">
                   <a:extLst>
                     <a:ext uri="{9D8B030D-6E8A-4147-A177-3AD203B41FA5}">
-                      <a16:colId xmlns:a16="http://schemas.microsoft.com/office/drawing/2014/main" val="2965259352"/>
+                      <a16:colId xmlns:a16="http://schemas.microsoft.com/office/drawing/2014/main" val="2050425253"/>
                     </a:ext>
                   </a:extLst>
                 </a:gridCol>
                 <a:gridCol w="826429">
                   <a:extLst>
                     <a:ext uri="{9D8B030D-6E8A-4147-A177-3AD203B41FA5}">
-                      <a16:colId xmlns:a16="http://schemas.microsoft.com/office/drawing/2014/main" val="348538987"/>
+                      <a16:colId xmlns:a16="http://schemas.microsoft.com/office/drawing/2014/main" val="642828055"/>
                     </a:ext>
                   </a:extLst>
                 </a:gridCol>
@@ -19076,7 +19185,7 @@
                 </a:tc>
                 <a:extLst>
                   <a:ext uri="{0D108BD9-81ED-4DB2-BD59-A6C34878D82A}">
-                    <a16:rowId xmlns:a16="http://schemas.microsoft.com/office/drawing/2014/main" val="206225368"/>
+                    <a16:rowId xmlns:a16="http://schemas.microsoft.com/office/drawing/2014/main" val="3208935679"/>
                   </a:ext>
                 </a:extLst>
               </a:tr>
@@ -19156,7 +19265,7 @@
                 </a:tc>
                 <a:extLst>
                   <a:ext uri="{0D108BD9-81ED-4DB2-BD59-A6C34878D82A}">
-                    <a16:rowId xmlns:a16="http://schemas.microsoft.com/office/drawing/2014/main" val="786520318"/>
+                    <a16:rowId xmlns:a16="http://schemas.microsoft.com/office/drawing/2014/main" val="3499265236"/>
                   </a:ext>
                 </a:extLst>
               </a:tr>
@@ -19236,7 +19345,7 @@
                 </a:tc>
                 <a:extLst>
                   <a:ext uri="{0D108BD9-81ED-4DB2-BD59-A6C34878D82A}">
-                    <a16:rowId xmlns:a16="http://schemas.microsoft.com/office/drawing/2014/main" val="1284982955"/>
+                    <a16:rowId xmlns:a16="http://schemas.microsoft.com/office/drawing/2014/main" val="2596015505"/>
                   </a:ext>
                 </a:extLst>
               </a:tr>
@@ -19322,7 +19431,7 @@
                 </a:tc>
                 <a:extLst>
                   <a:ext uri="{0D108BD9-81ED-4DB2-BD59-A6C34878D82A}">
-                    <a16:rowId xmlns:a16="http://schemas.microsoft.com/office/drawing/2014/main" val="2478144811"/>
+                    <a16:rowId xmlns:a16="http://schemas.microsoft.com/office/drawing/2014/main" val="126444043"/>
                   </a:ext>
                 </a:extLst>
               </a:tr>
@@ -19409,7 +19518,7 @@
                 </a:tc>
                 <a:extLst>
                   <a:ext uri="{0D108BD9-81ED-4DB2-BD59-A6C34878D82A}">
-                    <a16:rowId xmlns:a16="http://schemas.microsoft.com/office/drawing/2014/main" val="1099032616"/>
+                    <a16:rowId xmlns:a16="http://schemas.microsoft.com/office/drawing/2014/main" val="67835057"/>
                   </a:ext>
                 </a:extLst>
               </a:tr>
@@ -19488,7 +19597,13 @@
                     <a:bodyPr/>
                     <a:lstStyle/>
                     <a:p>
-                      <a:pPr algn="l" fontAlgn="b"/>
+                      <a:pPr algn="r" fontAlgn="b"/>
+                      <a:r>
+                        <a:rPr lang="en-CA" sz="1200" u="none" strike="noStrike">
+                          <a:effectLst/>
+                        </a:rPr>
+                        <a:t>-3.41E-01</a:t>
+                      </a:r>
                       <a:endParaRPr lang="en-CA" sz="1200" b="0" i="0" u="none" strike="noStrike">
                         <a:solidFill>
                           <a:srgbClr val="000000"/>
@@ -19502,7 +19617,7 @@
                 </a:tc>
                 <a:extLst>
                   <a:ext uri="{0D108BD9-81ED-4DB2-BD59-A6C34878D82A}">
-                    <a16:rowId xmlns:a16="http://schemas.microsoft.com/office/drawing/2014/main" val="1448747070"/>
+                    <a16:rowId xmlns:a16="http://schemas.microsoft.com/office/drawing/2014/main" val="2528972914"/>
                   </a:ext>
                 </a:extLst>
               </a:tr>
@@ -19582,7 +19697,7 @@
                 </a:tc>
                 <a:extLst>
                   <a:ext uri="{0D108BD9-81ED-4DB2-BD59-A6C34878D82A}">
-                    <a16:rowId xmlns:a16="http://schemas.microsoft.com/office/drawing/2014/main" val="866468451"/>
+                    <a16:rowId xmlns:a16="http://schemas.microsoft.com/office/drawing/2014/main" val="1032592850"/>
                   </a:ext>
                 </a:extLst>
               </a:tr>
@@ -19668,7 +19783,7 @@
                 </a:tc>
                 <a:extLst>
                   <a:ext uri="{0D108BD9-81ED-4DB2-BD59-A6C34878D82A}">
-                    <a16:rowId xmlns:a16="http://schemas.microsoft.com/office/drawing/2014/main" val="3004241536"/>
+                    <a16:rowId xmlns:a16="http://schemas.microsoft.com/office/drawing/2014/main" val="4195443876"/>
                   </a:ext>
                 </a:extLst>
               </a:tr>
@@ -19755,7 +19870,7 @@
                 </a:tc>
                 <a:extLst>
                   <a:ext uri="{0D108BD9-81ED-4DB2-BD59-A6C34878D82A}">
-                    <a16:rowId xmlns:a16="http://schemas.microsoft.com/office/drawing/2014/main" val="3471724101"/>
+                    <a16:rowId xmlns:a16="http://schemas.microsoft.com/office/drawing/2014/main" val="356186787"/>
                   </a:ext>
                 </a:extLst>
               </a:tr>
@@ -19765,10 +19880,10 @@
       </p:graphicFrame>
       <p:graphicFrame>
         <p:nvGraphicFramePr>
-          <p:cNvPr id="6" name="Table 5">
-            <a:extLst>
-              <a:ext uri="{FF2B5EF4-FFF2-40B4-BE49-F238E27FC236}">
-                <a16:creationId xmlns:a16="http://schemas.microsoft.com/office/drawing/2014/main" id="{D7761CE6-B9CF-3842-AC5B-68077A5116D8}"/>
+          <p:cNvPr id="3" name="Table 2">
+            <a:extLst>
+              <a:ext uri="{FF2B5EF4-FFF2-40B4-BE49-F238E27FC236}">
+                <a16:creationId xmlns:a16="http://schemas.microsoft.com/office/drawing/2014/main" id="{814D099B-AB18-3A46-A828-8BA82502D42D}"/>
               </a:ext>
             </a:extLst>
           </p:cNvPr>
@@ -19778,13 +19893,13 @@
           <p:nvPr>
             <p:extLst>
               <p:ext uri="{D42A27DB-BD31-4B8C-83A1-F6EECF244321}">
-                <p14:modId xmlns:p14="http://schemas.microsoft.com/office/powerpoint/2010/main" val="987818946"/>
+                <p14:modId xmlns:p14="http://schemas.microsoft.com/office/powerpoint/2010/main" val="1714831566"/>
               </p:ext>
             </p:extLst>
           </p:nvPr>
         </p:nvGraphicFramePr>
         <p:xfrm>
-          <a:off x="1320217" y="4615509"/>
+          <a:off x="1215190" y="4776537"/>
           <a:ext cx="3530600" cy="1828800"/>
         </p:xfrm>
         <a:graphic>
@@ -19797,28 +19912,28 @@
                 <a:gridCol w="825705">
                   <a:extLst>
                     <a:ext uri="{9D8B030D-6E8A-4147-A177-3AD203B41FA5}">
-                      <a16:colId xmlns:a16="http://schemas.microsoft.com/office/drawing/2014/main" val="1373240321"/>
+                      <a16:colId xmlns:a16="http://schemas.microsoft.com/office/drawing/2014/main" val="398810342"/>
                     </a:ext>
                   </a:extLst>
                 </a:gridCol>
                 <a:gridCol w="1053485">
                   <a:extLst>
                     <a:ext uri="{9D8B030D-6E8A-4147-A177-3AD203B41FA5}">
-                      <a16:colId xmlns:a16="http://schemas.microsoft.com/office/drawing/2014/main" val="1769308820"/>
+                      <a16:colId xmlns:a16="http://schemas.microsoft.com/office/drawing/2014/main" val="2235061614"/>
                     </a:ext>
                   </a:extLst>
                 </a:gridCol>
                 <a:gridCol w="825705">
                   <a:extLst>
                     <a:ext uri="{9D8B030D-6E8A-4147-A177-3AD203B41FA5}">
-                      <a16:colId xmlns:a16="http://schemas.microsoft.com/office/drawing/2014/main" val="3951926715"/>
+                      <a16:colId xmlns:a16="http://schemas.microsoft.com/office/drawing/2014/main" val="2486883472"/>
                     </a:ext>
                   </a:extLst>
                 </a:gridCol>
                 <a:gridCol w="825705">
                   <a:extLst>
                     <a:ext uri="{9D8B030D-6E8A-4147-A177-3AD203B41FA5}">
-                      <a16:colId xmlns:a16="http://schemas.microsoft.com/office/drawing/2014/main" val="2817820958"/>
+                      <a16:colId xmlns:a16="http://schemas.microsoft.com/office/drawing/2014/main" val="4063694514"/>
                     </a:ext>
                   </a:extLst>
                 </a:gridCol>
@@ -19912,7 +20027,7 @@
                 </a:tc>
                 <a:extLst>
                   <a:ext uri="{0D108BD9-81ED-4DB2-BD59-A6C34878D82A}">
-                    <a16:rowId xmlns:a16="http://schemas.microsoft.com/office/drawing/2014/main" val="2379152940"/>
+                    <a16:rowId xmlns:a16="http://schemas.microsoft.com/office/drawing/2014/main" val="4242962759"/>
                   </a:ext>
                 </a:extLst>
               </a:tr>
@@ -19992,7 +20107,7 @@
                 </a:tc>
                 <a:extLst>
                   <a:ext uri="{0D108BD9-81ED-4DB2-BD59-A6C34878D82A}">
-                    <a16:rowId xmlns:a16="http://schemas.microsoft.com/office/drawing/2014/main" val="3718433714"/>
+                    <a16:rowId xmlns:a16="http://schemas.microsoft.com/office/drawing/2014/main" val="1421164805"/>
                   </a:ext>
                 </a:extLst>
               </a:tr>
@@ -20072,7 +20187,7 @@
                 </a:tc>
                 <a:extLst>
                   <a:ext uri="{0D108BD9-81ED-4DB2-BD59-A6C34878D82A}">
-                    <a16:rowId xmlns:a16="http://schemas.microsoft.com/office/drawing/2014/main" val="2830523950"/>
+                    <a16:rowId xmlns:a16="http://schemas.microsoft.com/office/drawing/2014/main" val="2918014245"/>
                   </a:ext>
                 </a:extLst>
               </a:tr>
@@ -20158,7 +20273,7 @@
                 </a:tc>
                 <a:extLst>
                   <a:ext uri="{0D108BD9-81ED-4DB2-BD59-A6C34878D82A}">
-                    <a16:rowId xmlns:a16="http://schemas.microsoft.com/office/drawing/2014/main" val="3037580763"/>
+                    <a16:rowId xmlns:a16="http://schemas.microsoft.com/office/drawing/2014/main" val="3117021725"/>
                   </a:ext>
                 </a:extLst>
               </a:tr>
@@ -20245,7 +20360,7 @@
                 </a:tc>
                 <a:extLst>
                   <a:ext uri="{0D108BD9-81ED-4DB2-BD59-A6C34878D82A}">
-                    <a16:rowId xmlns:a16="http://schemas.microsoft.com/office/drawing/2014/main" val="4052343207"/>
+                    <a16:rowId xmlns:a16="http://schemas.microsoft.com/office/drawing/2014/main" val="1755961538"/>
                   </a:ext>
                 </a:extLst>
               </a:tr>
@@ -20324,7 +20439,13 @@
                     <a:bodyPr/>
                     <a:lstStyle/>
                     <a:p>
-                      <a:pPr algn="l" fontAlgn="b"/>
+                      <a:pPr algn="r" fontAlgn="b"/>
+                      <a:r>
+                        <a:rPr lang="en-CA" sz="1200" u="none" strike="noStrike">
+                          <a:effectLst/>
+                        </a:rPr>
+                        <a:t>1.43E-01</a:t>
+                      </a:r>
                       <a:endParaRPr lang="en-CA" sz="1200" b="0" i="0" u="none" strike="noStrike">
                         <a:solidFill>
                           <a:srgbClr val="000000"/>
@@ -20338,7 +20459,7 @@
                 </a:tc>
                 <a:extLst>
                   <a:ext uri="{0D108BD9-81ED-4DB2-BD59-A6C34878D82A}">
-                    <a16:rowId xmlns:a16="http://schemas.microsoft.com/office/drawing/2014/main" val="4228608857"/>
+                    <a16:rowId xmlns:a16="http://schemas.microsoft.com/office/drawing/2014/main" val="1669788599"/>
                   </a:ext>
                 </a:extLst>
               </a:tr>
@@ -20418,7 +20539,7 @@
                 </a:tc>
                 <a:extLst>
                   <a:ext uri="{0D108BD9-81ED-4DB2-BD59-A6C34878D82A}">
-                    <a16:rowId xmlns:a16="http://schemas.microsoft.com/office/drawing/2014/main" val="2647887290"/>
+                    <a16:rowId xmlns:a16="http://schemas.microsoft.com/office/drawing/2014/main" val="2258964723"/>
                   </a:ext>
                 </a:extLst>
               </a:tr>
@@ -20504,7 +20625,7 @@
                 </a:tc>
                 <a:extLst>
                   <a:ext uri="{0D108BD9-81ED-4DB2-BD59-A6C34878D82A}">
-                    <a16:rowId xmlns:a16="http://schemas.microsoft.com/office/drawing/2014/main" val="978104530"/>
+                    <a16:rowId xmlns:a16="http://schemas.microsoft.com/office/drawing/2014/main" val="1142019241"/>
                   </a:ext>
                 </a:extLst>
               </a:tr>
@@ -20591,7 +20712,7 @@
                 </a:tc>
                 <a:extLst>
                   <a:ext uri="{0D108BD9-81ED-4DB2-BD59-A6C34878D82A}">
-                    <a16:rowId xmlns:a16="http://schemas.microsoft.com/office/drawing/2014/main" val="2887303355"/>
+                    <a16:rowId xmlns:a16="http://schemas.microsoft.com/office/drawing/2014/main" val="4069773230"/>
                   </a:ext>
                 </a:extLst>
               </a:tr>
@@ -20599,82 +20720,12 @@
           </a:graphicData>
         </a:graphic>
       </p:graphicFrame>
-      <p:sp>
-        <p:nvSpPr>
-          <p:cNvPr id="7" name="TextBox 6">
-            <a:extLst>
-              <a:ext uri="{FF2B5EF4-FFF2-40B4-BE49-F238E27FC236}">
-                <a16:creationId xmlns:a16="http://schemas.microsoft.com/office/drawing/2014/main" id="{C0730BF5-4D07-BE42-96C5-B4CB03C441BC}"/>
-              </a:ext>
-            </a:extLst>
-          </p:cNvPr>
-          <p:cNvSpPr txBox="1"/>
-          <p:nvPr/>
-        </p:nvSpPr>
-        <p:spPr>
-          <a:xfrm>
-            <a:off x="1628675" y="4139172"/>
-            <a:ext cx="2283758" cy="369332"/>
-          </a:xfrm>
-          <a:prstGeom prst="rect">
-            <a:avLst/>
-          </a:prstGeom>
-          <a:noFill/>
-        </p:spPr>
-        <p:txBody>
-          <a:bodyPr wrap="square" rtlCol="0">
-            <a:spAutoFit/>
-          </a:bodyPr>
-          <a:lstStyle/>
-          <a:p>
-            <a:r>
-              <a:rPr lang="en-US" dirty="0"/>
-              <a:t>Ag(111).   [eV]</a:t>
-            </a:r>
-          </a:p>
-        </p:txBody>
-      </p:sp>
-      <p:sp>
-        <p:nvSpPr>
-          <p:cNvPr id="8" name="TextBox 7">
-            <a:extLst>
-              <a:ext uri="{FF2B5EF4-FFF2-40B4-BE49-F238E27FC236}">
-                <a16:creationId xmlns:a16="http://schemas.microsoft.com/office/drawing/2014/main" id="{7BE086CC-7F49-3E48-BCBD-BDBD8799894B}"/>
-              </a:ext>
-            </a:extLst>
-          </p:cNvPr>
-          <p:cNvSpPr txBox="1"/>
-          <p:nvPr/>
-        </p:nvSpPr>
-        <p:spPr>
-          <a:xfrm>
-            <a:off x="1628675" y="851754"/>
-            <a:ext cx="2283758" cy="369332"/>
-          </a:xfrm>
-          <a:prstGeom prst="rect">
-            <a:avLst/>
-          </a:prstGeom>
-          <a:noFill/>
-        </p:spPr>
-        <p:txBody>
-          <a:bodyPr wrap="square" rtlCol="0">
-            <a:spAutoFit/>
-          </a:bodyPr>
-          <a:lstStyle/>
-          <a:p>
-            <a:r>
-              <a:rPr lang="en-US" dirty="0"/>
-              <a:t>Cu(111).   [eV]</a:t>
-            </a:r>
-          </a:p>
-        </p:txBody>
-      </p:sp>
       <p:graphicFrame>
         <p:nvGraphicFramePr>
-          <p:cNvPr id="9" name="Table 8">
-            <a:extLst>
-              <a:ext uri="{FF2B5EF4-FFF2-40B4-BE49-F238E27FC236}">
-                <a16:creationId xmlns:a16="http://schemas.microsoft.com/office/drawing/2014/main" id="{3EB03254-6721-9C43-A2B2-9E01355D95B0}"/>
+          <p:cNvPr id="5" name="Table 4">
+            <a:extLst>
+              <a:ext uri="{FF2B5EF4-FFF2-40B4-BE49-F238E27FC236}">
+                <a16:creationId xmlns:a16="http://schemas.microsoft.com/office/drawing/2014/main" id="{5CD6BF49-53DF-0F4F-BBDA-FE0487F66179}"/>
               </a:ext>
             </a:extLst>
           </p:cNvPr>
@@ -20684,13 +20735,13 @@
           <p:nvPr>
             <p:extLst>
               <p:ext uri="{D42A27DB-BD31-4B8C-83A1-F6EECF244321}">
-                <p14:modId xmlns:p14="http://schemas.microsoft.com/office/powerpoint/2010/main" val="3923274367"/>
+                <p14:modId xmlns:p14="http://schemas.microsoft.com/office/powerpoint/2010/main" val="366136579"/>
               </p:ext>
             </p:extLst>
           </p:nvPr>
         </p:nvGraphicFramePr>
         <p:xfrm>
-          <a:off x="7547756" y="3275955"/>
+          <a:off x="7186729" y="3604060"/>
           <a:ext cx="3632201" cy="2172970"/>
         </p:xfrm>
         <a:graphic>
@@ -20703,28 +20754,28 @@
                 <a:gridCol w="1152677">
                   <a:extLst>
                     <a:ext uri="{9D8B030D-6E8A-4147-A177-3AD203B41FA5}">
-                      <a16:colId xmlns:a16="http://schemas.microsoft.com/office/drawing/2014/main" val="2416556198"/>
+                      <a16:colId xmlns:a16="http://schemas.microsoft.com/office/drawing/2014/main" val="2188905711"/>
                     </a:ext>
                   </a:extLst>
                 </a:gridCol>
                 <a:gridCol w="826508">
                   <a:extLst>
                     <a:ext uri="{9D8B030D-6E8A-4147-A177-3AD203B41FA5}">
-                      <a16:colId xmlns:a16="http://schemas.microsoft.com/office/drawing/2014/main" val="4015663431"/>
+                      <a16:colId xmlns:a16="http://schemas.microsoft.com/office/drawing/2014/main" val="246562506"/>
                     </a:ext>
                   </a:extLst>
                 </a:gridCol>
                 <a:gridCol w="826508">
                   <a:extLst>
                     <a:ext uri="{9D8B030D-6E8A-4147-A177-3AD203B41FA5}">
-                      <a16:colId xmlns:a16="http://schemas.microsoft.com/office/drawing/2014/main" val="964101225"/>
+                      <a16:colId xmlns:a16="http://schemas.microsoft.com/office/drawing/2014/main" val="3695848513"/>
                     </a:ext>
                   </a:extLst>
                 </a:gridCol>
                 <a:gridCol w="826508">
                   <a:extLst>
                     <a:ext uri="{9D8B030D-6E8A-4147-A177-3AD203B41FA5}">
-                      <a16:colId xmlns:a16="http://schemas.microsoft.com/office/drawing/2014/main" val="890552322"/>
+                      <a16:colId xmlns:a16="http://schemas.microsoft.com/office/drawing/2014/main" val="129137362"/>
                     </a:ext>
                   </a:extLst>
                 </a:gridCol>
@@ -20818,7 +20869,7 @@
                 </a:tc>
                 <a:extLst>
                   <a:ext uri="{0D108BD9-81ED-4DB2-BD59-A6C34878D82A}">
-                    <a16:rowId xmlns:a16="http://schemas.microsoft.com/office/drawing/2014/main" val="3056090396"/>
+                    <a16:rowId xmlns:a16="http://schemas.microsoft.com/office/drawing/2014/main" val="3012111120"/>
                   </a:ext>
                 </a:extLst>
               </a:tr>
@@ -20898,7 +20949,7 @@
                 </a:tc>
                 <a:extLst>
                   <a:ext uri="{0D108BD9-81ED-4DB2-BD59-A6C34878D82A}">
-                    <a16:rowId xmlns:a16="http://schemas.microsoft.com/office/drawing/2014/main" val="1067974130"/>
+                    <a16:rowId xmlns:a16="http://schemas.microsoft.com/office/drawing/2014/main" val="3853229933"/>
                   </a:ext>
                 </a:extLst>
               </a:tr>
@@ -20978,7 +21029,7 @@
                 </a:tc>
                 <a:extLst>
                   <a:ext uri="{0D108BD9-81ED-4DB2-BD59-A6C34878D82A}">
-                    <a16:rowId xmlns:a16="http://schemas.microsoft.com/office/drawing/2014/main" val="2411845409"/>
+                    <a16:rowId xmlns:a16="http://schemas.microsoft.com/office/drawing/2014/main" val="905079489"/>
                   </a:ext>
                 </a:extLst>
               </a:tr>
@@ -21064,7 +21115,7 @@
                 </a:tc>
                 <a:extLst>
                   <a:ext uri="{0D108BD9-81ED-4DB2-BD59-A6C34878D82A}">
-                    <a16:rowId xmlns:a16="http://schemas.microsoft.com/office/drawing/2014/main" val="2015751013"/>
+                    <a16:rowId xmlns:a16="http://schemas.microsoft.com/office/drawing/2014/main" val="1989504521"/>
                   </a:ext>
                 </a:extLst>
               </a:tr>
@@ -21151,7 +21202,7 @@
                 </a:tc>
                 <a:extLst>
                   <a:ext uri="{0D108BD9-81ED-4DB2-BD59-A6C34878D82A}">
-                    <a16:rowId xmlns:a16="http://schemas.microsoft.com/office/drawing/2014/main" val="1779034028"/>
+                    <a16:rowId xmlns:a16="http://schemas.microsoft.com/office/drawing/2014/main" val="3418500956"/>
                   </a:ext>
                 </a:extLst>
               </a:tr>
@@ -21230,7 +21281,13 @@
                     <a:bodyPr/>
                     <a:lstStyle/>
                     <a:p>
-                      <a:pPr algn="l" fontAlgn="b"/>
+                      <a:pPr algn="r" fontAlgn="b"/>
+                      <a:r>
+                        <a:rPr lang="en-CA" sz="1200" u="none" strike="noStrike">
+                          <a:effectLst/>
+                        </a:rPr>
+                        <a:t>-8.32E-01</a:t>
+                      </a:r>
                       <a:endParaRPr lang="en-CA" sz="1200" b="0" i="0" u="none" strike="noStrike">
                         <a:solidFill>
                           <a:srgbClr val="000000"/>
@@ -21244,7 +21301,7 @@
                 </a:tc>
                 <a:extLst>
                   <a:ext uri="{0D108BD9-81ED-4DB2-BD59-A6C34878D82A}">
-                    <a16:rowId xmlns:a16="http://schemas.microsoft.com/office/drawing/2014/main" val="458475314"/>
+                    <a16:rowId xmlns:a16="http://schemas.microsoft.com/office/drawing/2014/main" val="2719317958"/>
                   </a:ext>
                 </a:extLst>
               </a:tr>
@@ -21324,7 +21381,7 @@
                 </a:tc>
                 <a:extLst>
                   <a:ext uri="{0D108BD9-81ED-4DB2-BD59-A6C34878D82A}">
-                    <a16:rowId xmlns:a16="http://schemas.microsoft.com/office/drawing/2014/main" val="4262368304"/>
+                    <a16:rowId xmlns:a16="http://schemas.microsoft.com/office/drawing/2014/main" val="1348391348"/>
                   </a:ext>
                 </a:extLst>
               </a:tr>
@@ -21410,7 +21467,7 @@
                 </a:tc>
                 <a:extLst>
                   <a:ext uri="{0D108BD9-81ED-4DB2-BD59-A6C34878D82A}">
-                    <a16:rowId xmlns:a16="http://schemas.microsoft.com/office/drawing/2014/main" val="2775728217"/>
+                    <a16:rowId xmlns:a16="http://schemas.microsoft.com/office/drawing/2014/main" val="1084070513"/>
                   </a:ext>
                 </a:extLst>
               </a:tr>
@@ -21497,7 +21554,7 @@
                 </a:tc>
                 <a:extLst>
                   <a:ext uri="{0D108BD9-81ED-4DB2-BD59-A6C34878D82A}">
-                    <a16:rowId xmlns:a16="http://schemas.microsoft.com/office/drawing/2014/main" val="3026939993"/>
+                    <a16:rowId xmlns:a16="http://schemas.microsoft.com/office/drawing/2014/main" val="513150450"/>
                   </a:ext>
                 </a:extLst>
               </a:tr>
@@ -21505,45 +21562,6 @@
           </a:graphicData>
         </a:graphic>
       </p:graphicFrame>
-      <p:sp>
-        <p:nvSpPr>
-          <p:cNvPr id="10" name="TextBox 9">
-            <a:extLst>
-              <a:ext uri="{FF2B5EF4-FFF2-40B4-BE49-F238E27FC236}">
-                <a16:creationId xmlns:a16="http://schemas.microsoft.com/office/drawing/2014/main" id="{82752EB9-5B55-EB41-9332-3F2E4E547599}"/>
-              </a:ext>
-            </a:extLst>
-          </p:cNvPr>
-          <p:cNvSpPr txBox="1"/>
-          <p:nvPr/>
-        </p:nvSpPr>
-        <p:spPr>
-          <a:xfrm>
-            <a:off x="8221977" y="2787559"/>
-            <a:ext cx="2283758" cy="369332"/>
-          </a:xfrm>
-          <a:prstGeom prst="rect">
-            <a:avLst/>
-          </a:prstGeom>
-          <a:noFill/>
-        </p:spPr>
-        <p:txBody>
-          <a:bodyPr wrap="square" rtlCol="0">
-            <a:spAutoFit/>
-          </a:bodyPr>
-          <a:lstStyle/>
-          <a:p>
-            <a:r>
-              <a:rPr lang="en-US"/>
-              <a:t>Au</a:t>
-            </a:r>
-            <a:r>
-              <a:rPr lang="en-US" dirty="0"/>
-              <a:t>(111).   [eV]</a:t>
-            </a:r>
-          </a:p>
-        </p:txBody>
-      </p:sp>
     </p:spTree>
     <p:extLst>
       <p:ext uri="{BB962C8B-B14F-4D97-AF65-F5344CB8AC3E}">

--- a/EnergyFile.pptx
+++ b/EnergyFile.pptx
@@ -223,7 +223,7 @@
           <a:p>
             <a:fld id="{E0D357E1-BBCA-7E4B-882A-08C6CB0DA45B}" type="datetimeFigureOut">
               <a:rPr lang="en-US" smtClean="0"/>
-              <a:t>8/30/21</a:t>
+              <a:t>9/3/21</a:t>
             </a:fld>
             <a:endParaRPr lang="en-US"/>
           </a:p>
@@ -1922,7 +1922,7 @@
           <a:p>
             <a:fld id="{2E7BD062-3872-2745-B58F-7FE843EEF26B}" type="datetimeFigureOut">
               <a:rPr lang="en-US" smtClean="0"/>
-              <a:t>8/30/21</a:t>
+              <a:t>9/3/21</a:t>
             </a:fld>
             <a:endParaRPr lang="en-US"/>
           </a:p>
@@ -2120,7 +2120,7 @@
           <a:p>
             <a:fld id="{2E7BD062-3872-2745-B58F-7FE843EEF26B}" type="datetimeFigureOut">
               <a:rPr lang="en-US" smtClean="0"/>
-              <a:t>8/30/21</a:t>
+              <a:t>9/3/21</a:t>
             </a:fld>
             <a:endParaRPr lang="en-US"/>
           </a:p>
@@ -2328,7 +2328,7 @@
           <a:p>
             <a:fld id="{2E7BD062-3872-2745-B58F-7FE843EEF26B}" type="datetimeFigureOut">
               <a:rPr lang="en-US" smtClean="0"/>
-              <a:t>8/30/21</a:t>
+              <a:t>9/3/21</a:t>
             </a:fld>
             <a:endParaRPr lang="en-US"/>
           </a:p>
@@ -2526,7 +2526,7 @@
           <a:p>
             <a:fld id="{2E7BD062-3872-2745-B58F-7FE843EEF26B}" type="datetimeFigureOut">
               <a:rPr lang="en-US" smtClean="0"/>
-              <a:t>8/30/21</a:t>
+              <a:t>9/3/21</a:t>
             </a:fld>
             <a:endParaRPr lang="en-US"/>
           </a:p>
@@ -2801,7 +2801,7 @@
           <a:p>
             <a:fld id="{2E7BD062-3872-2745-B58F-7FE843EEF26B}" type="datetimeFigureOut">
               <a:rPr lang="en-US" smtClean="0"/>
-              <a:t>8/30/21</a:t>
+              <a:t>9/3/21</a:t>
             </a:fld>
             <a:endParaRPr lang="en-US"/>
           </a:p>
@@ -3066,7 +3066,7 @@
           <a:p>
             <a:fld id="{2E7BD062-3872-2745-B58F-7FE843EEF26B}" type="datetimeFigureOut">
               <a:rPr lang="en-US" smtClean="0"/>
-              <a:t>8/30/21</a:t>
+              <a:t>9/3/21</a:t>
             </a:fld>
             <a:endParaRPr lang="en-US"/>
           </a:p>
@@ -3478,7 +3478,7 @@
           <a:p>
             <a:fld id="{2E7BD062-3872-2745-B58F-7FE843EEF26B}" type="datetimeFigureOut">
               <a:rPr lang="en-US" smtClean="0"/>
-              <a:t>8/30/21</a:t>
+              <a:t>9/3/21</a:t>
             </a:fld>
             <a:endParaRPr lang="en-US"/>
           </a:p>
@@ -3619,7 +3619,7 @@
           <a:p>
             <a:fld id="{2E7BD062-3872-2745-B58F-7FE843EEF26B}" type="datetimeFigureOut">
               <a:rPr lang="en-US" smtClean="0"/>
-              <a:t>8/30/21</a:t>
+              <a:t>9/3/21</a:t>
             </a:fld>
             <a:endParaRPr lang="en-US"/>
           </a:p>
@@ -3732,7 +3732,7 @@
           <a:p>
             <a:fld id="{2E7BD062-3872-2745-B58F-7FE843EEF26B}" type="datetimeFigureOut">
               <a:rPr lang="en-US" smtClean="0"/>
-              <a:t>8/30/21</a:t>
+              <a:t>9/3/21</a:t>
             </a:fld>
             <a:endParaRPr lang="en-US"/>
           </a:p>
@@ -4043,7 +4043,7 @@
           <a:p>
             <a:fld id="{2E7BD062-3872-2745-B58F-7FE843EEF26B}" type="datetimeFigureOut">
               <a:rPr lang="en-US" smtClean="0"/>
-              <a:t>8/30/21</a:t>
+              <a:t>9/3/21</a:t>
             </a:fld>
             <a:endParaRPr lang="en-US"/>
           </a:p>
@@ -4331,7 +4331,7 @@
           <a:p>
             <a:fld id="{2E7BD062-3872-2745-B58F-7FE843EEF26B}" type="datetimeFigureOut">
               <a:rPr lang="en-US" smtClean="0"/>
-              <a:t>8/30/21</a:t>
+              <a:t>9/3/21</a:t>
             </a:fld>
             <a:endParaRPr lang="en-US"/>
           </a:p>
@@ -4572,7 +4572,7 @@
           <a:p>
             <a:fld id="{2E7BD062-3872-2745-B58F-7FE843EEF26B}" type="datetimeFigureOut">
               <a:rPr lang="en-US" smtClean="0"/>
-              <a:t>8/30/21</a:t>
+              <a:t>9/3/21</a:t>
             </a:fld>
             <a:endParaRPr lang="en-US"/>
           </a:p>
@@ -12350,7 +12350,7 @@
                   <a:latin typeface="Arial" panose="020B0604020202020204" pitchFamily="34" charset="0"/>
                   <a:cs typeface="Arial" panose="020B0604020202020204" pitchFamily="34" charset="0"/>
                 </a:rPr>
-                <a:t>-1.49</a:t>
+                <a:t>-1.51</a:t>
               </a:r>
               <a:endParaRPr lang="en-US" sz="1600" dirty="0">
                 <a:solidFill>

--- a/EnergyFile.pptx
+++ b/EnergyFile.pptx
@@ -223,7 +223,7 @@
           <a:p>
             <a:fld id="{E0D357E1-BBCA-7E4B-882A-08C6CB0DA45B}" type="datetimeFigureOut">
               <a:rPr lang="en-US" smtClean="0"/>
-              <a:t>9/3/21</a:t>
+              <a:t>10/18/21</a:t>
             </a:fld>
             <a:endParaRPr lang="en-US"/>
           </a:p>
@@ -618,6 +618,93 @@
           <a:bodyPr/>
           <a:lstStyle/>
           <a:p>
+            <a:endParaRPr lang="en-US" dirty="0">
+              <a:latin typeface="Arial" panose="020B0604020202020204" pitchFamily="34" charset="0"/>
+              <a:cs typeface="Arial" panose="020B0604020202020204" pitchFamily="34" charset="0"/>
+            </a:endParaRPr>
+          </a:p>
+        </p:txBody>
+      </p:sp>
+      <p:sp>
+        <p:nvSpPr>
+          <p:cNvPr id="4" name="Slide Number Placeholder 3"/>
+          <p:cNvSpPr>
+            <a:spLocks noGrp="1"/>
+          </p:cNvSpPr>
+          <p:nvPr>
+            <p:ph type="sldNum" sz="quarter" idx="5"/>
+          </p:nvPr>
+        </p:nvSpPr>
+        <p:spPr/>
+        <p:txBody>
+          <a:bodyPr/>
+          <a:lstStyle/>
+          <a:p>
+            <a:fld id="{4E02406E-51B6-6C4F-B6FA-25E5FA24AA93}" type="slidenum">
+              <a:rPr lang="en-US" smtClean="0"/>
+              <a:t>12</a:t>
+            </a:fld>
+            <a:endParaRPr lang="en-US"/>
+          </a:p>
+        </p:txBody>
+      </p:sp>
+    </p:spTree>
+    <p:extLst>
+      <p:ext uri="{BB962C8B-B14F-4D97-AF65-F5344CB8AC3E}">
+        <p14:creationId xmlns:p14="http://schemas.microsoft.com/office/powerpoint/2010/main" val="2350327741"/>
+      </p:ext>
+    </p:extLst>
+  </p:cSld>
+  <p:clrMapOvr>
+    <a:masterClrMapping/>
+  </p:clrMapOvr>
+</p:notes>
+</file>
+
+<file path=ppt/notesSlides/notesSlide11.xml><?xml version="1.0" encoding="utf-8"?>
+<p:notes xmlns:a="http://schemas.openxmlformats.org/drawingml/2006/main" xmlns:r="http://schemas.openxmlformats.org/officeDocument/2006/relationships" xmlns:p="http://schemas.openxmlformats.org/presentationml/2006/main">
+  <p:cSld>
+    <p:spTree>
+      <p:nvGrpSpPr>
+        <p:cNvPr id="1" name=""/>
+        <p:cNvGrpSpPr/>
+        <p:nvPr/>
+      </p:nvGrpSpPr>
+      <p:grpSpPr>
+        <a:xfrm>
+          <a:off x="0" y="0"/>
+          <a:ext cx="0" cy="0"/>
+          <a:chOff x="0" y="0"/>
+          <a:chExt cx="0" cy="0"/>
+        </a:xfrm>
+      </p:grpSpPr>
+      <p:sp>
+        <p:nvSpPr>
+          <p:cNvPr id="2" name="Slide Image Placeholder 1"/>
+          <p:cNvSpPr>
+            <a:spLocks noGrp="1" noRot="1" noChangeAspect="1"/>
+          </p:cNvSpPr>
+          <p:nvPr>
+            <p:ph type="sldImg"/>
+          </p:nvPr>
+        </p:nvSpPr>
+        <p:spPr/>
+      </p:sp>
+      <p:sp>
+        <p:nvSpPr>
+          <p:cNvPr id="3" name="Notes Placeholder 2"/>
+          <p:cNvSpPr>
+            <a:spLocks noGrp="1"/>
+          </p:cNvSpPr>
+          <p:nvPr>
+            <p:ph type="body" idx="1"/>
+          </p:nvPr>
+        </p:nvSpPr>
+        <p:spPr/>
+        <p:txBody>
+          <a:bodyPr/>
+          <a:lstStyle/>
+          <a:p>
             <a:r>
               <a:rPr lang="en-US" dirty="0"/>
               <a:t>The last state now is the pure surface + dimer in gas + two bromine atom in gas (0.07eV, not 0.00 eV anu more)</a:t>
@@ -670,7 +757,7 @@
 </p:notes>
 </file>
 
-<file path=ppt/notesSlides/notesSlide11.xml><?xml version="1.0" encoding="utf-8"?>
+<file path=ppt/notesSlides/notesSlide12.xml><?xml version="1.0" encoding="utf-8"?>
 <p:notes xmlns:a="http://schemas.openxmlformats.org/drawingml/2006/main" xmlns:r="http://schemas.openxmlformats.org/officeDocument/2006/relationships" xmlns:p="http://schemas.openxmlformats.org/presentationml/2006/main">
   <p:cSld>
     <p:spTree>
@@ -1029,6 +1116,90 @@
           <a:bodyPr/>
           <a:lstStyle/>
           <a:p>
+            <a:endParaRPr lang="en-US" dirty="0"/>
+          </a:p>
+        </p:txBody>
+      </p:sp>
+      <p:sp>
+        <p:nvSpPr>
+          <p:cNvPr id="4" name="Slide Number Placeholder 3"/>
+          <p:cNvSpPr>
+            <a:spLocks noGrp="1"/>
+          </p:cNvSpPr>
+          <p:nvPr>
+            <p:ph type="sldNum" sz="quarter" idx="5"/>
+          </p:nvPr>
+        </p:nvSpPr>
+        <p:spPr/>
+        <p:txBody>
+          <a:bodyPr/>
+          <a:lstStyle/>
+          <a:p>
+            <a:fld id="{4E02406E-51B6-6C4F-B6FA-25E5FA24AA93}" type="slidenum">
+              <a:rPr lang="en-US" smtClean="0"/>
+              <a:t>6</a:t>
+            </a:fld>
+            <a:endParaRPr lang="en-US"/>
+          </a:p>
+        </p:txBody>
+      </p:sp>
+    </p:spTree>
+    <p:extLst>
+      <p:ext uri="{BB962C8B-B14F-4D97-AF65-F5344CB8AC3E}">
+        <p14:creationId xmlns:p14="http://schemas.microsoft.com/office/powerpoint/2010/main" val="299461465"/>
+      </p:ext>
+    </p:extLst>
+  </p:cSld>
+  <p:clrMapOvr>
+    <a:masterClrMapping/>
+  </p:clrMapOvr>
+</p:notes>
+</file>
+
+<file path=ppt/notesSlides/notesSlide5.xml><?xml version="1.0" encoding="utf-8"?>
+<p:notes xmlns:a="http://schemas.openxmlformats.org/drawingml/2006/main" xmlns:r="http://schemas.openxmlformats.org/officeDocument/2006/relationships" xmlns:p="http://schemas.openxmlformats.org/presentationml/2006/main">
+  <p:cSld>
+    <p:spTree>
+      <p:nvGrpSpPr>
+        <p:cNvPr id="1" name=""/>
+        <p:cNvGrpSpPr/>
+        <p:nvPr/>
+      </p:nvGrpSpPr>
+      <p:grpSpPr>
+        <a:xfrm>
+          <a:off x="0" y="0"/>
+          <a:ext cx="0" cy="0"/>
+          <a:chOff x="0" y="0"/>
+          <a:chExt cx="0" cy="0"/>
+        </a:xfrm>
+      </p:grpSpPr>
+      <p:sp>
+        <p:nvSpPr>
+          <p:cNvPr id="2" name="Slide Image Placeholder 1"/>
+          <p:cNvSpPr>
+            <a:spLocks noGrp="1" noRot="1" noChangeAspect="1"/>
+          </p:cNvSpPr>
+          <p:nvPr>
+            <p:ph type="sldImg"/>
+          </p:nvPr>
+        </p:nvSpPr>
+        <p:spPr/>
+      </p:sp>
+      <p:sp>
+        <p:nvSpPr>
+          <p:cNvPr id="3" name="Notes Placeholder 2"/>
+          <p:cNvSpPr>
+            <a:spLocks noGrp="1"/>
+          </p:cNvSpPr>
+          <p:nvPr>
+            <p:ph type="body" idx="1"/>
+          </p:nvPr>
+        </p:nvSpPr>
+        <p:spPr/>
+        <p:txBody>
+          <a:bodyPr/>
+          <a:lstStyle/>
+          <a:p>
             <a:pPr marL="228600" marR="0" lvl="0" indent="-228600" algn="l" defTabSz="914400" rtl="0" eaLnBrk="1" fontAlgn="auto" latinLnBrk="0" hangingPunct="1">
               <a:lnSpc>
                 <a:spcPct val="100000"/>
@@ -1316,7 +1487,7 @@
 </p:notes>
 </file>
 
-<file path=ppt/notesSlides/notesSlide5.xml><?xml version="1.0" encoding="utf-8"?>
+<file path=ppt/notesSlides/notesSlide6.xml><?xml version="1.0" encoding="utf-8"?>
 <p:notes xmlns:a="http://schemas.openxmlformats.org/drawingml/2006/main" xmlns:r="http://schemas.openxmlformats.org/officeDocument/2006/relationships" xmlns:p="http://schemas.openxmlformats.org/presentationml/2006/main">
   <p:cSld>
     <p:spTree>
@@ -1400,7 +1571,7 @@
 </p:notes>
 </file>
 
-<file path=ppt/notesSlides/notesSlide6.xml><?xml version="1.0" encoding="utf-8"?>
+<file path=ppt/notesSlides/notesSlide7.xml><?xml version="1.0" encoding="utf-8"?>
 <p:notes xmlns:a="http://schemas.openxmlformats.org/drawingml/2006/main" xmlns:r="http://schemas.openxmlformats.org/officeDocument/2006/relationships" xmlns:p="http://schemas.openxmlformats.org/presentationml/2006/main">
   <p:cSld>
     <p:spTree>
@@ -1484,7 +1655,7 @@
 </p:notes>
 </file>
 
-<file path=ppt/notesSlides/notesSlide7.xml><?xml version="1.0" encoding="utf-8"?>
+<file path=ppt/notesSlides/notesSlide8.xml><?xml version="1.0" encoding="utf-8"?>
 <p:notes xmlns:a="http://schemas.openxmlformats.org/drawingml/2006/main" xmlns:r="http://schemas.openxmlformats.org/officeDocument/2006/relationships" xmlns:p="http://schemas.openxmlformats.org/presentationml/2006/main">
   <p:cSld>
     <p:spTree>
@@ -1586,7 +1757,7 @@
 </p:notes>
 </file>
 
-<file path=ppt/notesSlides/notesSlide8.xml><?xml version="1.0" encoding="utf-8"?>
+<file path=ppt/notesSlides/notesSlide9.xml><?xml version="1.0" encoding="utf-8"?>
 <p:notes xmlns:a="http://schemas.openxmlformats.org/drawingml/2006/main" xmlns:r="http://schemas.openxmlformats.org/officeDocument/2006/relationships" xmlns:p="http://schemas.openxmlformats.org/presentationml/2006/main">
   <p:cSld>
     <p:spTree>
@@ -1688,93 +1859,6 @@
 </p:notes>
 </file>
 
-<file path=ppt/notesSlides/notesSlide9.xml><?xml version="1.0" encoding="utf-8"?>
-<p:notes xmlns:a="http://schemas.openxmlformats.org/drawingml/2006/main" xmlns:r="http://schemas.openxmlformats.org/officeDocument/2006/relationships" xmlns:p="http://schemas.openxmlformats.org/presentationml/2006/main">
-  <p:cSld>
-    <p:spTree>
-      <p:nvGrpSpPr>
-        <p:cNvPr id="1" name=""/>
-        <p:cNvGrpSpPr/>
-        <p:nvPr/>
-      </p:nvGrpSpPr>
-      <p:grpSpPr>
-        <a:xfrm>
-          <a:off x="0" y="0"/>
-          <a:ext cx="0" cy="0"/>
-          <a:chOff x="0" y="0"/>
-          <a:chExt cx="0" cy="0"/>
-        </a:xfrm>
-      </p:grpSpPr>
-      <p:sp>
-        <p:nvSpPr>
-          <p:cNvPr id="2" name="Slide Image Placeholder 1"/>
-          <p:cNvSpPr>
-            <a:spLocks noGrp="1" noRot="1" noChangeAspect="1"/>
-          </p:cNvSpPr>
-          <p:nvPr>
-            <p:ph type="sldImg"/>
-          </p:nvPr>
-        </p:nvSpPr>
-        <p:spPr/>
-      </p:sp>
-      <p:sp>
-        <p:nvSpPr>
-          <p:cNvPr id="3" name="Notes Placeholder 2"/>
-          <p:cNvSpPr>
-            <a:spLocks noGrp="1"/>
-          </p:cNvSpPr>
-          <p:nvPr>
-            <p:ph type="body" idx="1"/>
-          </p:nvPr>
-        </p:nvSpPr>
-        <p:spPr/>
-        <p:txBody>
-          <a:bodyPr/>
-          <a:lstStyle/>
-          <a:p>
-            <a:endParaRPr lang="en-US" dirty="0">
-              <a:latin typeface="Arial" panose="020B0604020202020204" pitchFamily="34" charset="0"/>
-              <a:cs typeface="Arial" panose="020B0604020202020204" pitchFamily="34" charset="0"/>
-            </a:endParaRPr>
-          </a:p>
-        </p:txBody>
-      </p:sp>
-      <p:sp>
-        <p:nvSpPr>
-          <p:cNvPr id="4" name="Slide Number Placeholder 3"/>
-          <p:cNvSpPr>
-            <a:spLocks noGrp="1"/>
-          </p:cNvSpPr>
-          <p:nvPr>
-            <p:ph type="sldNum" sz="quarter" idx="5"/>
-          </p:nvPr>
-        </p:nvSpPr>
-        <p:spPr/>
-        <p:txBody>
-          <a:bodyPr/>
-          <a:lstStyle/>
-          <a:p>
-            <a:fld id="{4E02406E-51B6-6C4F-B6FA-25E5FA24AA93}" type="slidenum">
-              <a:rPr lang="en-US" smtClean="0"/>
-              <a:t>12</a:t>
-            </a:fld>
-            <a:endParaRPr lang="en-US"/>
-          </a:p>
-        </p:txBody>
-      </p:sp>
-    </p:spTree>
-    <p:extLst>
-      <p:ext uri="{BB962C8B-B14F-4D97-AF65-F5344CB8AC3E}">
-        <p14:creationId xmlns:p14="http://schemas.microsoft.com/office/powerpoint/2010/main" val="2350327741"/>
-      </p:ext>
-    </p:extLst>
-  </p:cSld>
-  <p:clrMapOvr>
-    <a:masterClrMapping/>
-  </p:clrMapOvr>
-</p:notes>
-</file>
-
 <file path=ppt/slideLayouts/slideLayout1.xml><?xml version="1.0" encoding="utf-8"?>
 <p:sldLayout xmlns:a="http://schemas.openxmlformats.org/drawingml/2006/main" xmlns:r="http://schemas.openxmlformats.org/officeDocument/2006/relationships" xmlns:p="http://schemas.openxmlformats.org/presentationml/2006/main" type="title" preserve="1">
   <p:cSld name="Title Slide">
@@ -1922,7 +2006,7 @@
           <a:p>
             <a:fld id="{2E7BD062-3872-2745-B58F-7FE843EEF26B}" type="datetimeFigureOut">
               <a:rPr lang="en-US" smtClean="0"/>
-              <a:t>9/3/21</a:t>
+              <a:t>10/18/21</a:t>
             </a:fld>
             <a:endParaRPr lang="en-US"/>
           </a:p>
@@ -2120,7 +2204,7 @@
           <a:p>
             <a:fld id="{2E7BD062-3872-2745-B58F-7FE843EEF26B}" type="datetimeFigureOut">
               <a:rPr lang="en-US" smtClean="0"/>
-              <a:t>9/3/21</a:t>
+              <a:t>10/18/21</a:t>
             </a:fld>
             <a:endParaRPr lang="en-US"/>
           </a:p>
@@ -2328,7 +2412,7 @@
           <a:p>
             <a:fld id="{2E7BD062-3872-2745-B58F-7FE843EEF26B}" type="datetimeFigureOut">
               <a:rPr lang="en-US" smtClean="0"/>
-              <a:t>9/3/21</a:t>
+              <a:t>10/18/21</a:t>
             </a:fld>
             <a:endParaRPr lang="en-US"/>
           </a:p>
@@ -2526,7 +2610,7 @@
           <a:p>
             <a:fld id="{2E7BD062-3872-2745-B58F-7FE843EEF26B}" type="datetimeFigureOut">
               <a:rPr lang="en-US" smtClean="0"/>
-              <a:t>9/3/21</a:t>
+              <a:t>10/18/21</a:t>
             </a:fld>
             <a:endParaRPr lang="en-US"/>
           </a:p>
@@ -2801,7 +2885,7 @@
           <a:p>
             <a:fld id="{2E7BD062-3872-2745-B58F-7FE843EEF26B}" type="datetimeFigureOut">
               <a:rPr lang="en-US" smtClean="0"/>
-              <a:t>9/3/21</a:t>
+              <a:t>10/18/21</a:t>
             </a:fld>
             <a:endParaRPr lang="en-US"/>
           </a:p>
@@ -3066,7 +3150,7 @@
           <a:p>
             <a:fld id="{2E7BD062-3872-2745-B58F-7FE843EEF26B}" type="datetimeFigureOut">
               <a:rPr lang="en-US" smtClean="0"/>
-              <a:t>9/3/21</a:t>
+              <a:t>10/18/21</a:t>
             </a:fld>
             <a:endParaRPr lang="en-US"/>
           </a:p>
@@ -3478,7 +3562,7 @@
           <a:p>
             <a:fld id="{2E7BD062-3872-2745-B58F-7FE843EEF26B}" type="datetimeFigureOut">
               <a:rPr lang="en-US" smtClean="0"/>
-              <a:t>9/3/21</a:t>
+              <a:t>10/18/21</a:t>
             </a:fld>
             <a:endParaRPr lang="en-US"/>
           </a:p>
@@ -3619,7 +3703,7 @@
           <a:p>
             <a:fld id="{2E7BD062-3872-2745-B58F-7FE843EEF26B}" type="datetimeFigureOut">
               <a:rPr lang="en-US" smtClean="0"/>
-              <a:t>9/3/21</a:t>
+              <a:t>10/18/21</a:t>
             </a:fld>
             <a:endParaRPr lang="en-US"/>
           </a:p>
@@ -3732,7 +3816,7 @@
           <a:p>
             <a:fld id="{2E7BD062-3872-2745-B58F-7FE843EEF26B}" type="datetimeFigureOut">
               <a:rPr lang="en-US" smtClean="0"/>
-              <a:t>9/3/21</a:t>
+              <a:t>10/18/21</a:t>
             </a:fld>
             <a:endParaRPr lang="en-US"/>
           </a:p>
@@ -4043,7 +4127,7 @@
           <a:p>
             <a:fld id="{2E7BD062-3872-2745-B58F-7FE843EEF26B}" type="datetimeFigureOut">
               <a:rPr lang="en-US" smtClean="0"/>
-              <a:t>9/3/21</a:t>
+              <a:t>10/18/21</a:t>
             </a:fld>
             <a:endParaRPr lang="en-US"/>
           </a:p>
@@ -4331,7 +4415,7 @@
           <a:p>
             <a:fld id="{2E7BD062-3872-2745-B58F-7FE843EEF26B}" type="datetimeFigureOut">
               <a:rPr lang="en-US" smtClean="0"/>
-              <a:t>9/3/21</a:t>
+              <a:t>10/18/21</a:t>
             </a:fld>
             <a:endParaRPr lang="en-US"/>
           </a:p>
@@ -4572,7 +4656,7 @@
           <a:p>
             <a:fld id="{2E7BD062-3872-2745-B58F-7FE843EEF26B}" type="datetimeFigureOut">
               <a:rPr lang="en-US" smtClean="0"/>
-              <a:t>9/3/21</a:t>
+              <a:t>10/18/21</a:t>
             </a:fld>
             <a:endParaRPr lang="en-US"/>
           </a:p>
@@ -5817,8 +5901,8 @@
           </p:blipFill>
           <p:spPr>
             <a:xfrm>
-              <a:off x="2596670" y="3370615"/>
-              <a:ext cx="721360" cy="450087"/>
+              <a:off x="2596670" y="3371123"/>
+              <a:ext cx="721360" cy="449071"/>
             </a:xfrm>
             <a:prstGeom prst="rect">
               <a:avLst/>
@@ -5953,8 +6037,8 @@
           </p:blipFill>
           <p:spPr>
             <a:xfrm>
-              <a:off x="5431878" y="4184944"/>
-              <a:ext cx="721360" cy="450087"/>
+              <a:off x="5374998" y="4299753"/>
+              <a:ext cx="721360" cy="449071"/>
             </a:xfrm>
             <a:prstGeom prst="rect">
               <a:avLst/>
@@ -5987,7 +6071,7 @@
           </p:blipFill>
           <p:spPr>
             <a:xfrm>
-              <a:off x="6164916" y="3279649"/>
+              <a:off x="6164916" y="3300431"/>
               <a:ext cx="721360" cy="450087"/>
             </a:xfrm>
             <a:prstGeom prst="rect">
@@ -6021,8 +6105,8 @@
           </p:blipFill>
           <p:spPr>
             <a:xfrm>
-              <a:off x="6844544" y="2389235"/>
-              <a:ext cx="721360" cy="450087"/>
+              <a:off x="6844544" y="2389743"/>
+              <a:ext cx="721360" cy="449071"/>
             </a:xfrm>
             <a:prstGeom prst="rect">
               <a:avLst/>
@@ -6157,8 +6241,8 @@
           </p:blipFill>
           <p:spPr>
             <a:xfrm>
-              <a:off x="6091010" y="1084779"/>
-              <a:ext cx="721360" cy="450087"/>
+              <a:off x="6122183" y="1199588"/>
+              <a:ext cx="721360" cy="449071"/>
             </a:xfrm>
             <a:prstGeom prst="rect">
               <a:avLst/>
@@ -6225,8 +6309,8 @@
           </p:blipFill>
           <p:spPr>
             <a:xfrm>
-              <a:off x="5364607" y="2995671"/>
-              <a:ext cx="721360" cy="450087"/>
+              <a:off x="5374998" y="2975397"/>
+              <a:ext cx="721360" cy="449071"/>
             </a:xfrm>
             <a:prstGeom prst="rect">
               <a:avLst/>
@@ -7344,8 +7428,8 @@
           </p:blipFill>
           <p:spPr>
             <a:xfrm>
-              <a:off x="2994697" y="3064658"/>
-              <a:ext cx="721360" cy="450087"/>
+              <a:off x="2966121" y="3079454"/>
+              <a:ext cx="721360" cy="449071"/>
             </a:xfrm>
             <a:prstGeom prst="rect">
               <a:avLst/>
@@ -7446,7 +7530,7 @@
           </p:blipFill>
           <p:spPr>
             <a:xfrm>
-              <a:off x="5096452" y="4784318"/>
+              <a:off x="5096452" y="4670017"/>
               <a:ext cx="721360" cy="450087"/>
             </a:xfrm>
             <a:prstGeom prst="rect">
@@ -7480,8 +7564,8 @@
           </p:blipFill>
           <p:spPr>
             <a:xfrm>
-              <a:off x="5649328" y="2347879"/>
-              <a:ext cx="721360" cy="450087"/>
+              <a:off x="5649328" y="2348387"/>
+              <a:ext cx="721360" cy="449071"/>
             </a:xfrm>
             <a:prstGeom prst="rect">
               <a:avLst/>
@@ -7548,8 +7632,8 @@
           </p:blipFill>
           <p:spPr>
             <a:xfrm>
-              <a:off x="7205607" y="2183322"/>
-              <a:ext cx="721360" cy="450087"/>
+              <a:off x="7205607" y="2183830"/>
+              <a:ext cx="721360" cy="449071"/>
             </a:xfrm>
             <a:prstGeom prst="rect">
               <a:avLst/>
@@ -7582,7 +7666,7 @@
           </p:blipFill>
           <p:spPr>
             <a:xfrm>
-              <a:off x="7787230" y="3514745"/>
+              <a:off x="7872958" y="3514745"/>
               <a:ext cx="721360" cy="450087"/>
             </a:xfrm>
             <a:prstGeom prst="rect">
@@ -7616,7 +7700,7 @@
           </p:blipFill>
           <p:spPr>
             <a:xfrm>
-              <a:off x="8550226" y="3064658"/>
+              <a:off x="8564514" y="2964642"/>
               <a:ext cx="721360" cy="450087"/>
             </a:xfrm>
             <a:prstGeom prst="rect">
@@ -7650,7 +7734,7 @@
           </p:blipFill>
           <p:spPr>
             <a:xfrm>
-              <a:off x="9278017" y="2434865"/>
+              <a:off x="9249441" y="2434865"/>
               <a:ext cx="721360" cy="450087"/>
             </a:xfrm>
             <a:prstGeom prst="rect">
@@ -7684,8 +7768,8 @@
           </p:blipFill>
           <p:spPr>
             <a:xfrm>
-              <a:off x="6492173" y="1138784"/>
-              <a:ext cx="721360" cy="450087"/>
+              <a:off x="6492173" y="1139292"/>
+              <a:ext cx="721360" cy="449071"/>
             </a:xfrm>
             <a:prstGeom prst="rect">
               <a:avLst/>
@@ -7718,7 +7802,7 @@
           </p:blipFill>
           <p:spPr>
             <a:xfrm>
-              <a:off x="9166159" y="1372303"/>
+              <a:off x="9249441" y="1372303"/>
               <a:ext cx="721360" cy="450087"/>
             </a:xfrm>
             <a:prstGeom prst="rect">
@@ -7752,8 +7836,8 @@
           </p:blipFill>
           <p:spPr>
             <a:xfrm>
-              <a:off x="5735320" y="4240286"/>
-              <a:ext cx="721360" cy="450087"/>
+              <a:off x="5749608" y="3997901"/>
+              <a:ext cx="721360" cy="449071"/>
             </a:xfrm>
             <a:prstGeom prst="rect">
               <a:avLst/>
@@ -7786,7 +7870,7 @@
           </p:blipFill>
           <p:spPr>
             <a:xfrm>
-              <a:off x="8556657" y="5543143"/>
+              <a:off x="8570945" y="5557431"/>
               <a:ext cx="721360" cy="450087"/>
             </a:xfrm>
             <a:prstGeom prst="rect">
@@ -7854,7 +7938,7 @@
           </p:blipFill>
           <p:spPr>
             <a:xfrm>
-              <a:off x="9979229" y="1276144"/>
+              <a:off x="10036381" y="1276144"/>
               <a:ext cx="721360" cy="450087"/>
             </a:xfrm>
             <a:prstGeom prst="rect">
@@ -7888,7 +7972,7 @@
           </p:blipFill>
           <p:spPr>
             <a:xfrm>
-              <a:off x="9979229" y="3365026"/>
+              <a:off x="10036381" y="3365026"/>
               <a:ext cx="721360" cy="450087"/>
             </a:xfrm>
             <a:prstGeom prst="rect">
@@ -10916,18 +11000,22 @@
           </p:nvPicPr>
           <p:blipFill>
             <a:blip r:embed="rId6"/>
-            <a:stretch>
-              <a:fillRect/>
-            </a:stretch>
+            <a:srcRect/>
+            <a:stretch/>
           </p:blipFill>
           <p:spPr>
             <a:xfrm>
-              <a:off x="2890984" y="2725556"/>
-              <a:ext cx="1005120" cy="627137"/>
+              <a:off x="2890984" y="2726263"/>
+              <a:ext cx="1005120" cy="625722"/>
             </a:xfrm>
             <a:prstGeom prst="rect">
               <a:avLst/>
             </a:prstGeom>
+            <a:ln>
+              <a:solidFill>
+                <a:schemeClr val="tx1"/>
+              </a:solidFill>
+            </a:ln>
           </p:spPr>
         </p:pic>
         <p:pic>
@@ -11992,7 +12080,7 @@
             <p:nvPr/>
           </p:nvPicPr>
           <p:blipFill rotWithShape="1">
-            <a:blip r:embed="rId2"/>
+            <a:blip r:embed="rId3"/>
             <a:srcRect t="16497" b="15932"/>
             <a:stretch/>
           </p:blipFill>
@@ -12525,14 +12613,14 @@
           <p:nvPr/>
         </p:nvPicPr>
         <p:blipFill>
-          <a:blip r:embed="rId3"/>
+          <a:blip r:embed="rId4"/>
           <a:stretch>
             <a:fillRect/>
           </a:stretch>
         </p:blipFill>
         <p:spPr>
           <a:xfrm>
-            <a:off x="2461387" y="1078985"/>
+            <a:off x="2466894" y="3584317"/>
             <a:ext cx="1267968" cy="693420"/>
           </a:xfrm>
           <a:prstGeom prst="rect">
@@ -12546,36 +12634,6 @@
             <a:extLst>
               <a:ext uri="{FF2B5EF4-FFF2-40B4-BE49-F238E27FC236}">
                 <a16:creationId xmlns:a16="http://schemas.microsoft.com/office/drawing/2014/main" id="{481564C8-9D55-CB43-80C4-BCF3B1687798}"/>
-              </a:ext>
-            </a:extLst>
-          </p:cNvPr>
-          <p:cNvPicPr>
-            <a:picLocks noChangeAspect="1"/>
-          </p:cNvPicPr>
-          <p:nvPr/>
-        </p:nvPicPr>
-        <p:blipFill>
-          <a:blip r:embed="rId4"/>
-          <a:stretch>
-            <a:fillRect/>
-          </a:stretch>
-        </p:blipFill>
-        <p:spPr>
-          <a:xfrm>
-            <a:off x="3684414" y="4289514"/>
-            <a:ext cx="1267968" cy="693420"/>
-          </a:xfrm>
-          <a:prstGeom prst="rect">
-            <a:avLst/>
-          </a:prstGeom>
-        </p:spPr>
-      </p:pic>
-      <p:pic>
-        <p:nvPicPr>
-          <p:cNvPr id="20" name="Picture 19">
-            <a:extLst>
-              <a:ext uri="{FF2B5EF4-FFF2-40B4-BE49-F238E27FC236}">
-                <a16:creationId xmlns:a16="http://schemas.microsoft.com/office/drawing/2014/main" id="{75AA4657-8A57-0941-8856-DE1467A2C7F5}"/>
               </a:ext>
             </a:extLst>
           </p:cNvPr>
@@ -12592,7 +12650,7 @@
         </p:blipFill>
         <p:spPr>
           <a:xfrm>
-            <a:off x="4908237" y="1829506"/>
+            <a:off x="3688819" y="4289514"/>
             <a:ext cx="1267968" cy="693420"/>
           </a:xfrm>
           <a:prstGeom prst="rect">
@@ -12602,10 +12660,10 @@
       </p:pic>
       <p:pic>
         <p:nvPicPr>
-          <p:cNvPr id="22" name="Picture 21">
-            <a:extLst>
-              <a:ext uri="{FF2B5EF4-FFF2-40B4-BE49-F238E27FC236}">
-                <a16:creationId xmlns:a16="http://schemas.microsoft.com/office/drawing/2014/main" id="{A1C323F6-4B85-E04C-A91F-372DE0B1AFFE}"/>
+          <p:cNvPr id="20" name="Picture 19">
+            <a:extLst>
+              <a:ext uri="{FF2B5EF4-FFF2-40B4-BE49-F238E27FC236}">
+                <a16:creationId xmlns:a16="http://schemas.microsoft.com/office/drawing/2014/main" id="{75AA4657-8A57-0941-8856-DE1467A2C7F5}"/>
               </a:ext>
             </a:extLst>
           </p:cNvPr>
@@ -12622,7 +12680,7 @@
         </p:blipFill>
         <p:spPr>
           <a:xfrm>
-            <a:off x="6130468" y="4995208"/>
+            <a:off x="4910744" y="4763607"/>
             <a:ext cx="1267968" cy="693420"/>
           </a:xfrm>
           <a:prstGeom prst="rect">
@@ -12632,10 +12690,10 @@
       </p:pic>
       <p:pic>
         <p:nvPicPr>
-          <p:cNvPr id="24" name="Picture 23">
-            <a:extLst>
-              <a:ext uri="{FF2B5EF4-FFF2-40B4-BE49-F238E27FC236}">
-                <a16:creationId xmlns:a16="http://schemas.microsoft.com/office/drawing/2014/main" id="{4381691B-16F0-7D47-B670-77FF91CA1532}"/>
+          <p:cNvPr id="22" name="Picture 21">
+            <a:extLst>
+              <a:ext uri="{FF2B5EF4-FFF2-40B4-BE49-F238E27FC236}">
+                <a16:creationId xmlns:a16="http://schemas.microsoft.com/office/drawing/2014/main" id="{A1C323F6-4B85-E04C-A91F-372DE0B1AFFE}"/>
               </a:ext>
             </a:extLst>
           </p:cNvPr>
@@ -12652,7 +12710,7 @@
         </p:blipFill>
         <p:spPr>
           <a:xfrm>
-            <a:off x="7353495" y="1991668"/>
+            <a:off x="6132669" y="5209986"/>
             <a:ext cx="1267968" cy="693420"/>
           </a:xfrm>
           <a:prstGeom prst="rect">
@@ -12662,10 +12720,10 @@
       </p:pic>
       <p:pic>
         <p:nvPicPr>
-          <p:cNvPr id="26" name="Picture 25">
-            <a:extLst>
-              <a:ext uri="{FF2B5EF4-FFF2-40B4-BE49-F238E27FC236}">
-                <a16:creationId xmlns:a16="http://schemas.microsoft.com/office/drawing/2014/main" id="{94A576D9-0A7F-114D-8135-21F51B366125}"/>
+          <p:cNvPr id="24" name="Picture 23">
+            <a:extLst>
+              <a:ext uri="{FF2B5EF4-FFF2-40B4-BE49-F238E27FC236}">
+                <a16:creationId xmlns:a16="http://schemas.microsoft.com/office/drawing/2014/main" id="{4381691B-16F0-7D47-B670-77FF91CA1532}"/>
               </a:ext>
             </a:extLst>
           </p:cNvPr>
@@ -12676,13 +12734,47 @@
         </p:nvPicPr>
         <p:blipFill>
           <a:blip r:embed="rId8"/>
+          <a:srcRect/>
+          <a:stretch/>
+        </p:blipFill>
+        <p:spPr>
+          <a:xfrm>
+            <a:off x="7354594" y="4617527"/>
+            <a:ext cx="1267968" cy="691895"/>
+          </a:xfrm>
+          <a:prstGeom prst="rect">
+            <a:avLst/>
+          </a:prstGeom>
+          <a:ln>
+            <a:solidFill>
+              <a:schemeClr val="tx1"/>
+            </a:solidFill>
+          </a:ln>
+        </p:spPr>
+      </p:pic>
+      <p:pic>
+        <p:nvPicPr>
+          <p:cNvPr id="26" name="Picture 25">
+            <a:extLst>
+              <a:ext uri="{FF2B5EF4-FFF2-40B4-BE49-F238E27FC236}">
+                <a16:creationId xmlns:a16="http://schemas.microsoft.com/office/drawing/2014/main" id="{94A576D9-0A7F-114D-8135-21F51B366125}"/>
+              </a:ext>
+            </a:extLst>
+          </p:cNvPr>
+          <p:cNvPicPr>
+            <a:picLocks noChangeAspect="1"/>
+          </p:cNvPicPr>
+          <p:nvPr/>
+        </p:nvPicPr>
+        <p:blipFill>
+          <a:blip r:embed="rId9"/>
           <a:stretch>
             <a:fillRect/>
           </a:stretch>
         </p:blipFill>
         <p:spPr>
           <a:xfrm>
-            <a:off x="8576520" y="5226028"/>
+            <a:off x="8576520" y="5324604"/>
             <a:ext cx="1267968" cy="693420"/>
           </a:xfrm>
           <a:prstGeom prst="rect">
@@ -15326,7 +15418,7 @@
           </p:blipFill>
           <p:spPr>
             <a:xfrm>
-              <a:off x="2277767" y="3437090"/>
+              <a:off x="2269675" y="3428998"/>
               <a:ext cx="721360" cy="450087"/>
             </a:xfrm>
             <a:prstGeom prst="rect">
@@ -15360,8 +15452,8 @@
           </p:blipFill>
           <p:spPr>
             <a:xfrm>
-              <a:off x="2961413" y="2946041"/>
-              <a:ext cx="721360" cy="450087"/>
+              <a:off x="2993781" y="2897997"/>
+              <a:ext cx="721360" cy="449071"/>
             </a:xfrm>
             <a:prstGeom prst="rect">
               <a:avLst/>
@@ -15394,7 +15486,7 @@
           </p:blipFill>
           <p:spPr>
             <a:xfrm>
-              <a:off x="3749909" y="3876319"/>
+              <a:off x="3733725" y="3892503"/>
               <a:ext cx="721360" cy="450087"/>
             </a:xfrm>
             <a:prstGeom prst="rect">
@@ -15428,7 +15520,7 @@
           </p:blipFill>
           <p:spPr>
             <a:xfrm>
-              <a:off x="4511965" y="5768652"/>
+              <a:off x="4495781" y="5687732"/>
               <a:ext cx="721360" cy="450087"/>
             </a:xfrm>
             <a:prstGeom prst="rect">
@@ -15462,7 +15554,7 @@
           </p:blipFill>
           <p:spPr>
             <a:xfrm>
-              <a:off x="5232551" y="5231004"/>
+              <a:off x="5200183" y="5166268"/>
               <a:ext cx="721360" cy="450087"/>
             </a:xfrm>
             <a:prstGeom prst="rect">
@@ -15496,8 +15588,8 @@
           </p:blipFill>
           <p:spPr>
             <a:xfrm>
-              <a:off x="5941116" y="2893069"/>
-              <a:ext cx="721360" cy="450087"/>
+              <a:off x="5921543" y="2893577"/>
+              <a:ext cx="721360" cy="449071"/>
             </a:xfrm>
             <a:prstGeom prst="rect">
               <a:avLst/>
@@ -15564,8 +15656,8 @@
           </p:blipFill>
           <p:spPr>
             <a:xfrm>
-              <a:off x="7441238" y="2503454"/>
-              <a:ext cx="721360" cy="450087"/>
+              <a:off x="7441238" y="2503962"/>
+              <a:ext cx="721360" cy="449071"/>
             </a:xfrm>
             <a:prstGeom prst="rect">
               <a:avLst/>
@@ -15700,8 +15792,8 @@
           </p:blipFill>
           <p:spPr>
             <a:xfrm>
-              <a:off x="6623847" y="588146"/>
-              <a:ext cx="721360" cy="450087"/>
+              <a:off x="6623847" y="588654"/>
+              <a:ext cx="721360" cy="449071"/>
             </a:xfrm>
             <a:prstGeom prst="rect">
               <a:avLst/>
@@ -15768,8 +15860,8 @@
           </p:blipFill>
           <p:spPr>
             <a:xfrm>
-              <a:off x="5953911" y="4691651"/>
-              <a:ext cx="721360" cy="450087"/>
+              <a:off x="5921543" y="4643607"/>
+              <a:ext cx="721360" cy="449071"/>
             </a:xfrm>
             <a:prstGeom prst="rect">
               <a:avLst/>

--- a/EnergyFile.pptx
+++ b/EnergyFile.pptx
@@ -233,7 +233,7 @@
           <a:p>
             <a:fld id="{E0D357E1-BBCA-7E4B-882A-08C6CB0DA45B}" type="datetimeFigureOut">
               <a:rPr lang="en-US" smtClean="0"/>
-              <a:t>9/2/21</a:t>
+              <a:t>10/23/21</a:t>
             </a:fld>
             <a:endParaRPr lang="en-US"/>
           </a:p>
@@ -2628,7 +2628,7 @@
           <a:p>
             <a:fld id="{2E7BD062-3872-2745-B58F-7FE843EEF26B}" type="datetimeFigureOut">
               <a:rPr lang="en-US" smtClean="0"/>
-              <a:t>9/2/21</a:t>
+              <a:t>10/23/21</a:t>
             </a:fld>
             <a:endParaRPr lang="en-US"/>
           </a:p>
@@ -2826,7 +2826,7 @@
           <a:p>
             <a:fld id="{2E7BD062-3872-2745-B58F-7FE843EEF26B}" type="datetimeFigureOut">
               <a:rPr lang="en-US" smtClean="0"/>
-              <a:t>9/2/21</a:t>
+              <a:t>10/23/21</a:t>
             </a:fld>
             <a:endParaRPr lang="en-US"/>
           </a:p>
@@ -3034,7 +3034,7 @@
           <a:p>
             <a:fld id="{2E7BD062-3872-2745-B58F-7FE843EEF26B}" type="datetimeFigureOut">
               <a:rPr lang="en-US" smtClean="0"/>
-              <a:t>9/2/21</a:t>
+              <a:t>10/23/21</a:t>
             </a:fld>
             <a:endParaRPr lang="en-US"/>
           </a:p>
@@ -3232,7 +3232,7 @@
           <a:p>
             <a:fld id="{2E7BD062-3872-2745-B58F-7FE843EEF26B}" type="datetimeFigureOut">
               <a:rPr lang="en-US" smtClean="0"/>
-              <a:t>9/2/21</a:t>
+              <a:t>10/23/21</a:t>
             </a:fld>
             <a:endParaRPr lang="en-US"/>
           </a:p>
@@ -3507,7 +3507,7 @@
           <a:p>
             <a:fld id="{2E7BD062-3872-2745-B58F-7FE843EEF26B}" type="datetimeFigureOut">
               <a:rPr lang="en-US" smtClean="0"/>
-              <a:t>9/2/21</a:t>
+              <a:t>10/23/21</a:t>
             </a:fld>
             <a:endParaRPr lang="en-US"/>
           </a:p>
@@ -3772,7 +3772,7 @@
           <a:p>
             <a:fld id="{2E7BD062-3872-2745-B58F-7FE843EEF26B}" type="datetimeFigureOut">
               <a:rPr lang="en-US" smtClean="0"/>
-              <a:t>9/2/21</a:t>
+              <a:t>10/23/21</a:t>
             </a:fld>
             <a:endParaRPr lang="en-US"/>
           </a:p>
@@ -4184,7 +4184,7 @@
           <a:p>
             <a:fld id="{2E7BD062-3872-2745-B58F-7FE843EEF26B}" type="datetimeFigureOut">
               <a:rPr lang="en-US" smtClean="0"/>
-              <a:t>9/2/21</a:t>
+              <a:t>10/23/21</a:t>
             </a:fld>
             <a:endParaRPr lang="en-US"/>
           </a:p>
@@ -4325,7 +4325,7 @@
           <a:p>
             <a:fld id="{2E7BD062-3872-2745-B58F-7FE843EEF26B}" type="datetimeFigureOut">
               <a:rPr lang="en-US" smtClean="0"/>
-              <a:t>9/2/21</a:t>
+              <a:t>10/23/21</a:t>
             </a:fld>
             <a:endParaRPr lang="en-US"/>
           </a:p>
@@ -4438,7 +4438,7 @@
           <a:p>
             <a:fld id="{2E7BD062-3872-2745-B58F-7FE843EEF26B}" type="datetimeFigureOut">
               <a:rPr lang="en-US" smtClean="0"/>
-              <a:t>9/2/21</a:t>
+              <a:t>10/23/21</a:t>
             </a:fld>
             <a:endParaRPr lang="en-US"/>
           </a:p>
@@ -4749,7 +4749,7 @@
           <a:p>
             <a:fld id="{2E7BD062-3872-2745-B58F-7FE843EEF26B}" type="datetimeFigureOut">
               <a:rPr lang="en-US" smtClean="0"/>
-              <a:t>9/2/21</a:t>
+              <a:t>10/23/21</a:t>
             </a:fld>
             <a:endParaRPr lang="en-US"/>
           </a:p>
@@ -5037,7 +5037,7 @@
           <a:p>
             <a:fld id="{2E7BD062-3872-2745-B58F-7FE843EEF26B}" type="datetimeFigureOut">
               <a:rPr lang="en-US" smtClean="0"/>
-              <a:t>9/2/21</a:t>
+              <a:t>10/23/21</a:t>
             </a:fld>
             <a:endParaRPr lang="en-US"/>
           </a:p>
@@ -5278,7 +5278,7 @@
           <a:p>
             <a:fld id="{2E7BD062-3872-2745-B58F-7FE843EEF26B}" type="datetimeFigureOut">
               <a:rPr lang="en-US" smtClean="0"/>
-              <a:t>9/2/21</a:t>
+              <a:t>10/23/21</a:t>
             </a:fld>
             <a:endParaRPr lang="en-US"/>
           </a:p>
@@ -27008,10 +27008,10 @@
       </p:sp>
       <p:grpSp>
         <p:nvGrpSpPr>
-          <p:cNvPr id="25" name="Group 24">
-            <a:extLst>
-              <a:ext uri="{FF2B5EF4-FFF2-40B4-BE49-F238E27FC236}">
-                <a16:creationId xmlns:a16="http://schemas.microsoft.com/office/drawing/2014/main" id="{8A9628E2-A27C-244B-9892-E7AC6A875393}"/>
+          <p:cNvPr id="3" name="Group 2">
+            <a:extLst>
+              <a:ext uri="{FF2B5EF4-FFF2-40B4-BE49-F238E27FC236}">
+                <a16:creationId xmlns:a16="http://schemas.microsoft.com/office/drawing/2014/main" id="{A827F3CE-3FA5-B34D-A3CF-8FAB5AF85706}"/>
               </a:ext>
             </a:extLst>
           </p:cNvPr>
@@ -27130,14 +27130,13 @@
           </p:nvPicPr>
           <p:blipFill>
             <a:blip r:embed="rId6"/>
-            <a:stretch>
-              <a:fillRect/>
-            </a:stretch>
+            <a:srcRect/>
+            <a:stretch/>
           </p:blipFill>
           <p:spPr>
             <a:xfrm>
-              <a:off x="2890984" y="2725556"/>
-              <a:ext cx="1005120" cy="627137"/>
+              <a:off x="2890984" y="2726263"/>
+              <a:ext cx="1005120" cy="625722"/>
             </a:xfrm>
             <a:prstGeom prst="rect">
               <a:avLst/>
